--- a/cours.pptx
+++ b/cours.pptx
@@ -17,6 +17,22 @@
     <p:sldId id="306" r:id="rId11"/>
     <p:sldId id="307" r:id="rId12"/>
     <p:sldId id="305" r:id="rId13"/>
+    <p:sldId id="308" r:id="rId14"/>
+    <p:sldId id="309" r:id="rId15"/>
+    <p:sldId id="310" r:id="rId16"/>
+    <p:sldId id="311" r:id="rId17"/>
+    <p:sldId id="312" r:id="rId18"/>
+    <p:sldId id="313" r:id="rId19"/>
+    <p:sldId id="314" r:id="rId20"/>
+    <p:sldId id="337" r:id="rId21"/>
+    <p:sldId id="315" r:id="rId22"/>
+    <p:sldId id="318" r:id="rId23"/>
+    <p:sldId id="319" r:id="rId24"/>
+    <p:sldId id="320" r:id="rId25"/>
+    <p:sldId id="321" r:id="rId26"/>
+    <p:sldId id="322" r:id="rId27"/>
+    <p:sldId id="323" r:id="rId28"/>
+    <p:sldId id="324" r:id="rId29"/>
   </p:sldIdLst>
   <p:sldSz cx="12192000" cy="6858000"/>
   <p:notesSz cx="6858000" cy="9144000"/>
@@ -115,6 +131,11 @@
       </a:defRPr>
     </a:lvl9pPr>
   </p:defaultTextStyle>
+  <p:extLst>
+    <p:ext uri="{EFAFB233-063F-42B5-8137-9DF3F51BA10A}">
+      <p15:sldGuideLst xmlns:p15="http://schemas.microsoft.com/office/powerpoint/2012/main"/>
+    </p:ext>
+  </p:extLst>
 </p:presentation>
 </file>
 
@@ -265,7 +286,7 @@
           <a:p>
             <a:fld id="{6AD61AA8-A60B-4213-843B-33CCD8DDD4AE}" type="datetimeFigureOut">
               <a:rPr lang="fr-FR" smtClean="0"/>
-              <a:t>11/12/2023</a:t>
+              <a:t>12/12/2023</a:t>
             </a:fld>
             <a:endParaRPr lang="fr-FR"/>
           </a:p>
@@ -463,7 +484,7 @@
           <a:p>
             <a:fld id="{6AD61AA8-A60B-4213-843B-33CCD8DDD4AE}" type="datetimeFigureOut">
               <a:rPr lang="fr-FR" smtClean="0"/>
-              <a:t>11/12/2023</a:t>
+              <a:t>12/12/2023</a:t>
             </a:fld>
             <a:endParaRPr lang="fr-FR"/>
           </a:p>
@@ -671,7 +692,7 @@
           <a:p>
             <a:fld id="{6AD61AA8-A60B-4213-843B-33CCD8DDD4AE}" type="datetimeFigureOut">
               <a:rPr lang="fr-FR" smtClean="0"/>
-              <a:t>11/12/2023</a:t>
+              <a:t>12/12/2023</a:t>
             </a:fld>
             <a:endParaRPr lang="fr-FR"/>
           </a:p>
@@ -869,7 +890,7 @@
           <a:p>
             <a:fld id="{6AD61AA8-A60B-4213-843B-33CCD8DDD4AE}" type="datetimeFigureOut">
               <a:rPr lang="fr-FR" smtClean="0"/>
-              <a:t>11/12/2023</a:t>
+              <a:t>12/12/2023</a:t>
             </a:fld>
             <a:endParaRPr lang="fr-FR"/>
           </a:p>
@@ -1144,7 +1165,7 @@
           <a:p>
             <a:fld id="{6AD61AA8-A60B-4213-843B-33CCD8DDD4AE}" type="datetimeFigureOut">
               <a:rPr lang="fr-FR" smtClean="0"/>
-              <a:t>11/12/2023</a:t>
+              <a:t>12/12/2023</a:t>
             </a:fld>
             <a:endParaRPr lang="fr-FR"/>
           </a:p>
@@ -1409,7 +1430,7 @@
           <a:p>
             <a:fld id="{6AD61AA8-A60B-4213-843B-33CCD8DDD4AE}" type="datetimeFigureOut">
               <a:rPr lang="fr-FR" smtClean="0"/>
-              <a:t>11/12/2023</a:t>
+              <a:t>12/12/2023</a:t>
             </a:fld>
             <a:endParaRPr lang="fr-FR"/>
           </a:p>
@@ -1821,7 +1842,7 @@
           <a:p>
             <a:fld id="{6AD61AA8-A60B-4213-843B-33CCD8DDD4AE}" type="datetimeFigureOut">
               <a:rPr lang="fr-FR" smtClean="0"/>
-              <a:t>11/12/2023</a:t>
+              <a:t>12/12/2023</a:t>
             </a:fld>
             <a:endParaRPr lang="fr-FR"/>
           </a:p>
@@ -1962,7 +1983,7 @@
           <a:p>
             <a:fld id="{6AD61AA8-A60B-4213-843B-33CCD8DDD4AE}" type="datetimeFigureOut">
               <a:rPr lang="fr-FR" smtClean="0"/>
-              <a:t>11/12/2023</a:t>
+              <a:t>12/12/2023</a:t>
             </a:fld>
             <a:endParaRPr lang="fr-FR"/>
           </a:p>
@@ -2075,7 +2096,7 @@
           <a:p>
             <a:fld id="{6AD61AA8-A60B-4213-843B-33CCD8DDD4AE}" type="datetimeFigureOut">
               <a:rPr lang="fr-FR" smtClean="0"/>
-              <a:t>11/12/2023</a:t>
+              <a:t>12/12/2023</a:t>
             </a:fld>
             <a:endParaRPr lang="fr-FR"/>
           </a:p>
@@ -2386,7 +2407,7 @@
           <a:p>
             <a:fld id="{6AD61AA8-A60B-4213-843B-33CCD8DDD4AE}" type="datetimeFigureOut">
               <a:rPr lang="fr-FR" smtClean="0"/>
-              <a:t>11/12/2023</a:t>
+              <a:t>12/12/2023</a:t>
             </a:fld>
             <a:endParaRPr lang="fr-FR"/>
           </a:p>
@@ -2674,7 +2695,7 @@
           <a:p>
             <a:fld id="{6AD61AA8-A60B-4213-843B-33CCD8DDD4AE}" type="datetimeFigureOut">
               <a:rPr lang="fr-FR" smtClean="0"/>
-              <a:t>11/12/2023</a:t>
+              <a:t>12/12/2023</a:t>
             </a:fld>
             <a:endParaRPr lang="fr-FR"/>
           </a:p>
@@ -2915,7 +2936,7 @@
           <a:p>
             <a:fld id="{6AD61AA8-A60B-4213-843B-33CCD8DDD4AE}" type="datetimeFigureOut">
               <a:rPr lang="fr-FR" smtClean="0"/>
-              <a:t>11/12/2023</a:t>
+              <a:t>12/12/2023</a:t>
             </a:fld>
             <a:endParaRPr lang="fr-FR"/>
           </a:p>
@@ -4151,6 +4172,1704 @@
 </p:sld>
 </file>
 
+<file path=ppt/slides/slide13.xml><?xml version="1.0" encoding="utf-8"?>
+<p:sld xmlns:a="http://schemas.openxmlformats.org/drawingml/2006/main" xmlns:r="http://schemas.openxmlformats.org/officeDocument/2006/relationships" xmlns:p="http://schemas.openxmlformats.org/presentationml/2006/main">
+  <p:cSld>
+    <p:spTree>
+      <p:nvGrpSpPr>
+        <p:cNvPr id="1" name=""/>
+        <p:cNvGrpSpPr/>
+        <p:nvPr/>
+      </p:nvGrpSpPr>
+      <p:grpSpPr>
+        <a:xfrm>
+          <a:off x="0" y="0"/>
+          <a:ext cx="0" cy="0"/>
+          <a:chOff x="0" y="0"/>
+          <a:chExt cx="0" cy="0"/>
+        </a:xfrm>
+      </p:grpSpPr>
+      <p:sp>
+        <p:nvSpPr>
+          <p:cNvPr id="3" name="Titre 1">
+            <a:extLst>
+              <a:ext uri="{FF2B5EF4-FFF2-40B4-BE49-F238E27FC236}">
+                <a16:creationId xmlns:a16="http://schemas.microsoft.com/office/drawing/2014/main" id="{E7373E66-041F-37D5-0ADF-25BA87ABC979}"/>
+              </a:ext>
+            </a:extLst>
+          </p:cNvPr>
+          <p:cNvSpPr>
+            <a:spLocks noGrp="1"/>
+          </p:cNvSpPr>
+          <p:nvPr>
+            <p:ph type="title"/>
+          </p:nvPr>
+        </p:nvSpPr>
+        <p:spPr>
+          <a:xfrm>
+            <a:off x="1097280" y="286603"/>
+            <a:ext cx="10058400" cy="1450757"/>
+          </a:xfrm>
+        </p:spPr>
+        <p:txBody>
+          <a:bodyPr>
+            <a:normAutofit/>
+          </a:bodyPr>
+          <a:lstStyle/>
+          <a:p>
+            <a:r>
+              <a:rPr lang="fr-FR" dirty="0"/>
+              <a:t>I- Variables et opérateurs</a:t>
+            </a:r>
+            <a:br>
+              <a:rPr lang="fr-FR" dirty="0"/>
+            </a:br>
+            <a:r>
+              <a:rPr lang="fr-FR" dirty="0"/>
+              <a:t>	</a:t>
+            </a:r>
+            <a:r>
+              <a:rPr lang="fr-FR" sz="3600" i="1" dirty="0"/>
+              <a:t>  6. Questions /exercices</a:t>
+            </a:r>
+          </a:p>
+        </p:txBody>
+      </p:sp>
+      <p:sp>
+        <p:nvSpPr>
+          <p:cNvPr id="2" name="ZoneTexte 1">
+            <a:extLst>
+              <a:ext uri="{FF2B5EF4-FFF2-40B4-BE49-F238E27FC236}">
+                <a16:creationId xmlns:a16="http://schemas.microsoft.com/office/drawing/2014/main" id="{86CDD71B-23E9-1886-1D9C-D39903E5224F}"/>
+              </a:ext>
+            </a:extLst>
+          </p:cNvPr>
+          <p:cNvSpPr txBox="1"/>
+          <p:nvPr/>
+        </p:nvSpPr>
+        <p:spPr>
+          <a:xfrm>
+            <a:off x="1005001" y="2080433"/>
+            <a:ext cx="10135579" cy="1200329"/>
+          </a:xfrm>
+          <a:prstGeom prst="rect">
+            <a:avLst/>
+          </a:prstGeom>
+          <a:noFill/>
+        </p:spPr>
+        <p:txBody>
+          <a:bodyPr wrap="square" rtlCol="0">
+            <a:spAutoFit/>
+          </a:bodyPr>
+          <a:lstStyle/>
+          <a:p>
+            <a:r>
+              <a:rPr lang="fr-FR" b="0" i="0" dirty="0">
+                <a:solidFill>
+                  <a:srgbClr val="1C1D1F"/>
+                </a:solidFill>
+                <a:effectLst/>
+                <a:latin typeface="udemy sans"/>
+              </a:rPr>
+              <a:t>Lorsqu'on crée une variable qui ne devra pas être modifiée par la suite, quel mot-clé devons-nous utiliser ?</a:t>
+            </a:r>
+          </a:p>
+          <a:p>
+            <a:pPr marL="342900" indent="-342900">
+              <a:buAutoNum type="arabicPeriod"/>
+            </a:pPr>
+            <a:r>
+              <a:rPr lang="fr-FR" dirty="0">
+                <a:solidFill>
+                  <a:srgbClr val="1C1D1F"/>
+                </a:solidFill>
+                <a:latin typeface="udemy sans"/>
+              </a:rPr>
+              <a:t>VAR </a:t>
+            </a:r>
+          </a:p>
+          <a:p>
+            <a:pPr marL="342900" indent="-342900">
+              <a:buAutoNum type="arabicPeriod"/>
+            </a:pPr>
+            <a:r>
+              <a:rPr lang="fr-FR" dirty="0">
+                <a:solidFill>
+                  <a:srgbClr val="1C1D1F"/>
+                </a:solidFill>
+                <a:latin typeface="udemy sans"/>
+              </a:rPr>
+              <a:t>LET </a:t>
+            </a:r>
+          </a:p>
+          <a:p>
+            <a:pPr marL="342900" indent="-342900">
+              <a:buAutoNum type="arabicPeriod"/>
+            </a:pPr>
+            <a:r>
+              <a:rPr lang="fr-FR" dirty="0">
+                <a:solidFill>
+                  <a:srgbClr val="0070C0"/>
+                </a:solidFill>
+                <a:latin typeface="udemy sans"/>
+              </a:rPr>
+              <a:t>CONST </a:t>
+            </a:r>
+            <a:endParaRPr lang="fr-FR" dirty="0">
+              <a:solidFill>
+                <a:srgbClr val="0070C0"/>
+              </a:solidFill>
+            </a:endParaRPr>
+          </a:p>
+        </p:txBody>
+      </p:sp>
+      <p:sp>
+        <p:nvSpPr>
+          <p:cNvPr id="4" name="ZoneTexte 3">
+            <a:extLst>
+              <a:ext uri="{FF2B5EF4-FFF2-40B4-BE49-F238E27FC236}">
+                <a16:creationId xmlns:a16="http://schemas.microsoft.com/office/drawing/2014/main" id="{B96B1C9D-3FF8-2617-BB34-7FAF5E59085B}"/>
+              </a:ext>
+            </a:extLst>
+          </p:cNvPr>
+          <p:cNvSpPr txBox="1"/>
+          <p:nvPr/>
+        </p:nvSpPr>
+        <p:spPr>
+          <a:xfrm>
+            <a:off x="1005001" y="3577238"/>
+            <a:ext cx="9875520" cy="1200329"/>
+          </a:xfrm>
+          <a:prstGeom prst="rect">
+            <a:avLst/>
+          </a:prstGeom>
+          <a:noFill/>
+        </p:spPr>
+        <p:txBody>
+          <a:bodyPr wrap="square" rtlCol="0">
+            <a:spAutoFit/>
+          </a:bodyPr>
+          <a:lstStyle/>
+          <a:p>
+            <a:r>
+              <a:rPr lang="fr-FR" b="0" i="0" dirty="0">
+                <a:solidFill>
+                  <a:srgbClr val="1C1D1F"/>
+                </a:solidFill>
+                <a:effectLst/>
+                <a:latin typeface="udemy sans"/>
+              </a:rPr>
+              <a:t>Lorsqu'on crée une variable qui pourra être modifiée par la suite, quel mot-clé </a:t>
+            </a:r>
+            <a:r>
+              <a:rPr lang="fr-FR" b="1" i="0" dirty="0">
+                <a:solidFill>
+                  <a:srgbClr val="1C1D1F"/>
+                </a:solidFill>
+                <a:effectLst/>
+                <a:latin typeface="udemy sans"/>
+              </a:rPr>
+              <a:t>privilégier</a:t>
+            </a:r>
+            <a:r>
+              <a:rPr lang="fr-FR" b="0" i="0" dirty="0">
+                <a:solidFill>
+                  <a:srgbClr val="1C1D1F"/>
+                </a:solidFill>
+                <a:effectLst/>
+                <a:latin typeface="udemy sans"/>
+              </a:rPr>
+              <a:t> ?</a:t>
+            </a:r>
+          </a:p>
+          <a:p>
+            <a:pPr marL="342900" indent="-342900">
+              <a:buAutoNum type="arabicPeriod"/>
+            </a:pPr>
+            <a:r>
+              <a:rPr lang="fr-FR" dirty="0">
+                <a:solidFill>
+                  <a:schemeClr val="tx1">
+                    <a:lumMod val="95000"/>
+                    <a:lumOff val="5000"/>
+                  </a:schemeClr>
+                </a:solidFill>
+                <a:latin typeface="udemy sans"/>
+              </a:rPr>
+              <a:t>VAR </a:t>
+            </a:r>
+          </a:p>
+          <a:p>
+            <a:pPr marL="342900" indent="-342900">
+              <a:buAutoNum type="arabicPeriod"/>
+            </a:pPr>
+            <a:r>
+              <a:rPr lang="fr-FR" dirty="0">
+                <a:solidFill>
+                  <a:srgbClr val="0070C0"/>
+                </a:solidFill>
+                <a:latin typeface="udemy sans"/>
+              </a:rPr>
+              <a:t>LET </a:t>
+            </a:r>
+          </a:p>
+          <a:p>
+            <a:pPr marL="342900" indent="-342900">
+              <a:buAutoNum type="arabicPeriod"/>
+            </a:pPr>
+            <a:r>
+              <a:rPr lang="fr-FR" dirty="0">
+                <a:solidFill>
+                  <a:srgbClr val="1C1D1F"/>
+                </a:solidFill>
+                <a:latin typeface="udemy sans"/>
+              </a:rPr>
+              <a:t>CONST </a:t>
+            </a:r>
+            <a:endParaRPr lang="fr-FR" dirty="0"/>
+          </a:p>
+        </p:txBody>
+      </p:sp>
+      <p:sp>
+        <p:nvSpPr>
+          <p:cNvPr id="5" name="ZoneTexte 4">
+            <a:extLst>
+              <a:ext uri="{FF2B5EF4-FFF2-40B4-BE49-F238E27FC236}">
+                <a16:creationId xmlns:a16="http://schemas.microsoft.com/office/drawing/2014/main" id="{1D680D4E-EED6-8063-FE34-F6D5572A5C19}"/>
+              </a:ext>
+            </a:extLst>
+          </p:cNvPr>
+          <p:cNvSpPr txBox="1"/>
+          <p:nvPr/>
+        </p:nvSpPr>
+        <p:spPr>
+          <a:xfrm>
+            <a:off x="1005001" y="4976624"/>
+            <a:ext cx="9875520" cy="1477328"/>
+          </a:xfrm>
+          <a:prstGeom prst="rect">
+            <a:avLst/>
+          </a:prstGeom>
+          <a:noFill/>
+        </p:spPr>
+        <p:txBody>
+          <a:bodyPr wrap="square" rtlCol="0">
+            <a:spAutoFit/>
+          </a:bodyPr>
+          <a:lstStyle/>
+          <a:p>
+            <a:r>
+              <a:rPr lang="fr-FR" b="0" i="0" dirty="0">
+                <a:solidFill>
+                  <a:srgbClr val="1C1D1F"/>
+                </a:solidFill>
+                <a:effectLst/>
+                <a:latin typeface="udemy sans"/>
+              </a:rPr>
+              <a:t>Qu'est-ce que la concaténation ?</a:t>
+            </a:r>
+          </a:p>
+          <a:p>
+            <a:r>
+              <a:rPr lang="fr-FR" dirty="0">
+                <a:solidFill>
+                  <a:srgbClr val="1C1D1F"/>
+                </a:solidFill>
+                <a:latin typeface="udemy sans"/>
+              </a:rPr>
+              <a:t>1.   Permet de créer des variables non-modifiables </a:t>
+            </a:r>
+          </a:p>
+          <a:p>
+            <a:r>
+              <a:rPr lang="fr-FR" dirty="0">
+                <a:solidFill>
+                  <a:srgbClr val="1C1D1F"/>
+                </a:solidFill>
+                <a:latin typeface="udemy sans"/>
+              </a:rPr>
+              <a:t>2</a:t>
+            </a:r>
+            <a:r>
+              <a:rPr lang="fr-FR" dirty="0">
+                <a:solidFill>
+                  <a:srgbClr val="0070C0"/>
+                </a:solidFill>
+                <a:latin typeface="udemy sans"/>
+              </a:rPr>
+              <a:t>.   Permet d’afficher plusieurs variables et chaînes de caractères à la fois  </a:t>
+            </a:r>
+          </a:p>
+          <a:p>
+            <a:pPr marL="342900" indent="-342900">
+              <a:buAutoNum type="arabicPeriod" startAt="3"/>
+            </a:pPr>
+            <a:r>
+              <a:rPr lang="fr-FR" dirty="0">
+                <a:solidFill>
+                  <a:srgbClr val="1C1D1F"/>
+                </a:solidFill>
+                <a:latin typeface="udemy sans"/>
+              </a:rPr>
+              <a:t>Permet de faire des additions </a:t>
+            </a:r>
+          </a:p>
+          <a:p>
+            <a:r>
+              <a:rPr lang="fr-FR" dirty="0">
+                <a:solidFill>
+                  <a:srgbClr val="1C1D1F"/>
+                </a:solidFill>
+                <a:latin typeface="udemy sans"/>
+              </a:rPr>
+              <a:t>								</a:t>
+            </a:r>
+          </a:p>
+        </p:txBody>
+      </p:sp>
+      <p:pic>
+        <p:nvPicPr>
+          <p:cNvPr id="6" name="Picture 12" descr="JavaScript Logo et symbole, sens, histoire, PNG, marque">
+            <a:extLst>
+              <a:ext uri="{FF2B5EF4-FFF2-40B4-BE49-F238E27FC236}">
+                <a16:creationId xmlns:a16="http://schemas.microsoft.com/office/drawing/2014/main" id="{79084019-B6B0-06CF-9DA3-47E8CD4B88F6}"/>
+              </a:ext>
+            </a:extLst>
+          </p:cNvPr>
+          <p:cNvPicPr>
+            <a:picLocks noChangeAspect="1" noChangeArrowheads="1"/>
+          </p:cNvPicPr>
+          <p:nvPr/>
+        </p:nvPicPr>
+        <p:blipFill>
+          <a:blip r:embed="rId2">
+            <a:extLst>
+              <a:ext uri="{28A0092B-C50C-407E-A947-70E740481C1C}">
+                <a14:useLocalDpi xmlns:a14="http://schemas.microsoft.com/office/drawing/2010/main" val="0"/>
+              </a:ext>
+            </a:extLst>
+          </a:blip>
+          <a:srcRect/>
+          <a:stretch>
+            <a:fillRect/>
+          </a:stretch>
+        </p:blipFill>
+        <p:spPr bwMode="auto">
+          <a:xfrm>
+            <a:off x="10380582" y="286603"/>
+            <a:ext cx="1550195" cy="876779"/>
+          </a:xfrm>
+          <a:prstGeom prst="rect">
+            <a:avLst/>
+          </a:prstGeom>
+          <a:noFill/>
+          <a:extLst>
+            <a:ext uri="{909E8E84-426E-40DD-AFC4-6F175D3DCCD1}">
+              <a14:hiddenFill xmlns:a14="http://schemas.microsoft.com/office/drawing/2010/main">
+                <a:solidFill>
+                  <a:srgbClr val="FFFFFF"/>
+                </a:solidFill>
+              </a14:hiddenFill>
+            </a:ext>
+          </a:extLst>
+        </p:spPr>
+      </p:pic>
+    </p:spTree>
+    <p:extLst>
+      <p:ext uri="{BB962C8B-B14F-4D97-AF65-F5344CB8AC3E}">
+        <p14:creationId xmlns:p14="http://schemas.microsoft.com/office/powerpoint/2010/main" val="3299802366"/>
+      </p:ext>
+    </p:extLst>
+  </p:cSld>
+  <p:clrMapOvr>
+    <a:masterClrMapping/>
+  </p:clrMapOvr>
+</p:sld>
+</file>
+
+<file path=ppt/slides/slide14.xml><?xml version="1.0" encoding="utf-8"?>
+<p:sld xmlns:a="http://schemas.openxmlformats.org/drawingml/2006/main" xmlns:r="http://schemas.openxmlformats.org/officeDocument/2006/relationships" xmlns:p="http://schemas.openxmlformats.org/presentationml/2006/main">
+  <p:cSld>
+    <p:spTree>
+      <p:nvGrpSpPr>
+        <p:cNvPr id="1" name=""/>
+        <p:cNvGrpSpPr/>
+        <p:nvPr/>
+      </p:nvGrpSpPr>
+      <p:grpSpPr>
+        <a:xfrm>
+          <a:off x="0" y="0"/>
+          <a:ext cx="0" cy="0"/>
+          <a:chOff x="0" y="0"/>
+          <a:chExt cx="0" cy="0"/>
+        </a:xfrm>
+      </p:grpSpPr>
+      <p:sp>
+        <p:nvSpPr>
+          <p:cNvPr id="3" name="Titre 1">
+            <a:extLst>
+              <a:ext uri="{FF2B5EF4-FFF2-40B4-BE49-F238E27FC236}">
+                <a16:creationId xmlns:a16="http://schemas.microsoft.com/office/drawing/2014/main" id="{E7373E66-041F-37D5-0ADF-25BA87ABC979}"/>
+              </a:ext>
+            </a:extLst>
+          </p:cNvPr>
+          <p:cNvSpPr>
+            <a:spLocks noGrp="1"/>
+          </p:cNvSpPr>
+          <p:nvPr>
+            <p:ph type="title"/>
+          </p:nvPr>
+        </p:nvSpPr>
+        <p:spPr>
+          <a:xfrm>
+            <a:off x="1097280" y="286603"/>
+            <a:ext cx="10058400" cy="1450757"/>
+          </a:xfrm>
+        </p:spPr>
+        <p:txBody>
+          <a:bodyPr>
+            <a:normAutofit/>
+          </a:bodyPr>
+          <a:lstStyle/>
+          <a:p>
+            <a:r>
+              <a:rPr lang="fr-FR" dirty="0"/>
+              <a:t>II- Les boîtes de dialogues </a:t>
+            </a:r>
+            <a:br>
+              <a:rPr lang="fr-FR" dirty="0"/>
+            </a:br>
+            <a:r>
+              <a:rPr lang="fr-FR" dirty="0"/>
+              <a:t>	</a:t>
+            </a:r>
+            <a:r>
+              <a:rPr lang="fr-FR" sz="3600" i="1" dirty="0"/>
+              <a:t>  1. Définition </a:t>
+            </a:r>
+          </a:p>
+        </p:txBody>
+      </p:sp>
+      <p:sp>
+        <p:nvSpPr>
+          <p:cNvPr id="6" name="ZoneTexte 5">
+            <a:extLst>
+              <a:ext uri="{FF2B5EF4-FFF2-40B4-BE49-F238E27FC236}">
+                <a16:creationId xmlns:a16="http://schemas.microsoft.com/office/drawing/2014/main" id="{C9D90B23-9001-5115-3545-13A423F1FA6A}"/>
+              </a:ext>
+            </a:extLst>
+          </p:cNvPr>
+          <p:cNvSpPr txBox="1"/>
+          <p:nvPr/>
+        </p:nvSpPr>
+        <p:spPr>
+          <a:xfrm>
+            <a:off x="1367405" y="3229761"/>
+            <a:ext cx="9202723" cy="1200329"/>
+          </a:xfrm>
+          <a:prstGeom prst="rect">
+            <a:avLst/>
+          </a:prstGeom>
+          <a:noFill/>
+        </p:spPr>
+        <p:txBody>
+          <a:bodyPr wrap="square" rtlCol="0">
+            <a:spAutoFit/>
+          </a:bodyPr>
+          <a:lstStyle/>
+          <a:p>
+            <a:r>
+              <a:rPr lang="fr-FR" sz="3600" dirty="0"/>
+              <a:t>Permet d’afficher un message à l’utilisateur et/ou demander une information.</a:t>
+            </a:r>
+          </a:p>
+        </p:txBody>
+      </p:sp>
+      <p:pic>
+        <p:nvPicPr>
+          <p:cNvPr id="2" name="Picture 12" descr="JavaScript Logo et symbole, sens, histoire, PNG, marque">
+            <a:extLst>
+              <a:ext uri="{FF2B5EF4-FFF2-40B4-BE49-F238E27FC236}">
+                <a16:creationId xmlns:a16="http://schemas.microsoft.com/office/drawing/2014/main" id="{1B750E26-E1EC-42B4-5DAB-A5B62216EA0B}"/>
+              </a:ext>
+            </a:extLst>
+          </p:cNvPr>
+          <p:cNvPicPr>
+            <a:picLocks noChangeAspect="1" noChangeArrowheads="1"/>
+          </p:cNvPicPr>
+          <p:nvPr/>
+        </p:nvPicPr>
+        <p:blipFill>
+          <a:blip r:embed="rId2">
+            <a:extLst>
+              <a:ext uri="{28A0092B-C50C-407E-A947-70E740481C1C}">
+                <a14:useLocalDpi xmlns:a14="http://schemas.microsoft.com/office/drawing/2010/main" val="0"/>
+              </a:ext>
+            </a:extLst>
+          </a:blip>
+          <a:srcRect/>
+          <a:stretch>
+            <a:fillRect/>
+          </a:stretch>
+        </p:blipFill>
+        <p:spPr bwMode="auto">
+          <a:xfrm>
+            <a:off x="10380582" y="286603"/>
+            <a:ext cx="1550195" cy="876779"/>
+          </a:xfrm>
+          <a:prstGeom prst="rect">
+            <a:avLst/>
+          </a:prstGeom>
+          <a:noFill/>
+          <a:extLst>
+            <a:ext uri="{909E8E84-426E-40DD-AFC4-6F175D3DCCD1}">
+              <a14:hiddenFill xmlns:a14="http://schemas.microsoft.com/office/drawing/2010/main">
+                <a:solidFill>
+                  <a:srgbClr val="FFFFFF"/>
+                </a:solidFill>
+              </a14:hiddenFill>
+            </a:ext>
+          </a:extLst>
+        </p:spPr>
+      </p:pic>
+    </p:spTree>
+    <p:extLst>
+      <p:ext uri="{BB962C8B-B14F-4D97-AF65-F5344CB8AC3E}">
+        <p14:creationId xmlns:p14="http://schemas.microsoft.com/office/powerpoint/2010/main" val="1402503381"/>
+      </p:ext>
+    </p:extLst>
+  </p:cSld>
+  <p:clrMapOvr>
+    <a:masterClrMapping/>
+  </p:clrMapOvr>
+</p:sld>
+</file>
+
+<file path=ppt/slides/slide15.xml><?xml version="1.0" encoding="utf-8"?>
+<p:sld xmlns:a="http://schemas.openxmlformats.org/drawingml/2006/main" xmlns:r="http://schemas.openxmlformats.org/officeDocument/2006/relationships" xmlns:p="http://schemas.openxmlformats.org/presentationml/2006/main">
+  <p:cSld>
+    <p:spTree>
+      <p:nvGrpSpPr>
+        <p:cNvPr id="1" name=""/>
+        <p:cNvGrpSpPr/>
+        <p:nvPr/>
+      </p:nvGrpSpPr>
+      <p:grpSpPr>
+        <a:xfrm>
+          <a:off x="0" y="0"/>
+          <a:ext cx="0" cy="0"/>
+          <a:chOff x="0" y="0"/>
+          <a:chExt cx="0" cy="0"/>
+        </a:xfrm>
+      </p:grpSpPr>
+      <p:sp>
+        <p:nvSpPr>
+          <p:cNvPr id="3" name="Titre 1">
+            <a:extLst>
+              <a:ext uri="{FF2B5EF4-FFF2-40B4-BE49-F238E27FC236}">
+                <a16:creationId xmlns:a16="http://schemas.microsoft.com/office/drawing/2014/main" id="{E7373E66-041F-37D5-0ADF-25BA87ABC979}"/>
+              </a:ext>
+            </a:extLst>
+          </p:cNvPr>
+          <p:cNvSpPr>
+            <a:spLocks noGrp="1"/>
+          </p:cNvSpPr>
+          <p:nvPr>
+            <p:ph type="title"/>
+          </p:nvPr>
+        </p:nvSpPr>
+        <p:spPr>
+          <a:xfrm>
+            <a:off x="1097280" y="286603"/>
+            <a:ext cx="10058400" cy="1450757"/>
+          </a:xfrm>
+        </p:spPr>
+        <p:txBody>
+          <a:bodyPr>
+            <a:normAutofit/>
+          </a:bodyPr>
+          <a:lstStyle/>
+          <a:p>
+            <a:r>
+              <a:rPr lang="fr-FR" dirty="0"/>
+              <a:t>II- Les boîtes de dialogues </a:t>
+            </a:r>
+            <a:br>
+              <a:rPr lang="fr-FR" dirty="0"/>
+            </a:br>
+            <a:r>
+              <a:rPr lang="fr-FR" dirty="0"/>
+              <a:t>	</a:t>
+            </a:r>
+            <a:r>
+              <a:rPr lang="fr-FR" sz="3600" i="1" dirty="0"/>
+              <a:t>  1. afficher une information  </a:t>
+            </a:r>
+          </a:p>
+        </p:txBody>
+      </p:sp>
+      <p:sp>
+        <p:nvSpPr>
+          <p:cNvPr id="6" name="ZoneTexte 5">
+            <a:extLst>
+              <a:ext uri="{FF2B5EF4-FFF2-40B4-BE49-F238E27FC236}">
+                <a16:creationId xmlns:a16="http://schemas.microsoft.com/office/drawing/2014/main" id="{C9D90B23-9001-5115-3545-13A423F1FA6A}"/>
+              </a:ext>
+            </a:extLst>
+          </p:cNvPr>
+          <p:cNvSpPr txBox="1"/>
+          <p:nvPr/>
+        </p:nvSpPr>
+        <p:spPr>
+          <a:xfrm>
+            <a:off x="1249959" y="2223083"/>
+            <a:ext cx="9202723" cy="1754326"/>
+          </a:xfrm>
+          <a:prstGeom prst="rect">
+            <a:avLst/>
+          </a:prstGeom>
+          <a:noFill/>
+        </p:spPr>
+        <p:txBody>
+          <a:bodyPr wrap="square" rtlCol="0">
+            <a:spAutoFit/>
+          </a:bodyPr>
+          <a:lstStyle/>
+          <a:p>
+            <a:r>
+              <a:rPr lang="fr-FR" sz="3600" dirty="0"/>
+              <a:t>Pour afficher un message dans une pop-up on utilise la fonction </a:t>
+            </a:r>
+            <a:r>
+              <a:rPr lang="fr-FR" sz="3600" dirty="0" err="1"/>
+              <a:t>Alert</a:t>
+            </a:r>
+            <a:r>
+              <a:rPr lang="fr-FR" sz="3600" dirty="0"/>
+              <a:t>(), cette fonction prend en paramètre le message à envoyer </a:t>
+            </a:r>
+          </a:p>
+        </p:txBody>
+      </p:sp>
+      <p:pic>
+        <p:nvPicPr>
+          <p:cNvPr id="11" name="Image 10">
+            <a:extLst>
+              <a:ext uri="{FF2B5EF4-FFF2-40B4-BE49-F238E27FC236}">
+                <a16:creationId xmlns:a16="http://schemas.microsoft.com/office/drawing/2014/main" id="{4C3AE904-F7A1-97B1-F268-E605031DE701}"/>
+              </a:ext>
+            </a:extLst>
+          </p:cNvPr>
+          <p:cNvPicPr>
+            <a:picLocks noChangeAspect="1"/>
+          </p:cNvPicPr>
+          <p:nvPr/>
+        </p:nvPicPr>
+        <p:blipFill>
+          <a:blip r:embed="rId2"/>
+          <a:stretch>
+            <a:fillRect/>
+          </a:stretch>
+        </p:blipFill>
+        <p:spPr>
+          <a:xfrm>
+            <a:off x="1937499" y="4563611"/>
+            <a:ext cx="7932715" cy="862252"/>
+          </a:xfrm>
+          <a:prstGeom prst="rect">
+            <a:avLst/>
+          </a:prstGeom>
+        </p:spPr>
+      </p:pic>
+      <p:pic>
+        <p:nvPicPr>
+          <p:cNvPr id="2" name="Picture 12" descr="JavaScript Logo et symbole, sens, histoire, PNG, marque">
+            <a:extLst>
+              <a:ext uri="{FF2B5EF4-FFF2-40B4-BE49-F238E27FC236}">
+                <a16:creationId xmlns:a16="http://schemas.microsoft.com/office/drawing/2014/main" id="{CE1A5C1C-1F85-B489-C8A4-19B61643265F}"/>
+              </a:ext>
+            </a:extLst>
+          </p:cNvPr>
+          <p:cNvPicPr>
+            <a:picLocks noChangeAspect="1" noChangeArrowheads="1"/>
+          </p:cNvPicPr>
+          <p:nvPr/>
+        </p:nvPicPr>
+        <p:blipFill>
+          <a:blip r:embed="rId3">
+            <a:extLst>
+              <a:ext uri="{28A0092B-C50C-407E-A947-70E740481C1C}">
+                <a14:useLocalDpi xmlns:a14="http://schemas.microsoft.com/office/drawing/2010/main" val="0"/>
+              </a:ext>
+            </a:extLst>
+          </a:blip>
+          <a:srcRect/>
+          <a:stretch>
+            <a:fillRect/>
+          </a:stretch>
+        </p:blipFill>
+        <p:spPr bwMode="auto">
+          <a:xfrm>
+            <a:off x="10380582" y="286603"/>
+            <a:ext cx="1550195" cy="876779"/>
+          </a:xfrm>
+          <a:prstGeom prst="rect">
+            <a:avLst/>
+          </a:prstGeom>
+          <a:noFill/>
+          <a:extLst>
+            <a:ext uri="{909E8E84-426E-40DD-AFC4-6F175D3DCCD1}">
+              <a14:hiddenFill xmlns:a14="http://schemas.microsoft.com/office/drawing/2010/main">
+                <a:solidFill>
+                  <a:srgbClr val="FFFFFF"/>
+                </a:solidFill>
+              </a14:hiddenFill>
+            </a:ext>
+          </a:extLst>
+        </p:spPr>
+      </p:pic>
+    </p:spTree>
+    <p:extLst>
+      <p:ext uri="{BB962C8B-B14F-4D97-AF65-F5344CB8AC3E}">
+        <p14:creationId xmlns:p14="http://schemas.microsoft.com/office/powerpoint/2010/main" val="2974004562"/>
+      </p:ext>
+    </p:extLst>
+  </p:cSld>
+  <p:clrMapOvr>
+    <a:masterClrMapping/>
+  </p:clrMapOvr>
+</p:sld>
+</file>
+
+<file path=ppt/slides/slide16.xml><?xml version="1.0" encoding="utf-8"?>
+<p:sld xmlns:a="http://schemas.openxmlformats.org/drawingml/2006/main" xmlns:r="http://schemas.openxmlformats.org/officeDocument/2006/relationships" xmlns:p="http://schemas.openxmlformats.org/presentationml/2006/main">
+  <p:cSld>
+    <p:spTree>
+      <p:nvGrpSpPr>
+        <p:cNvPr id="1" name=""/>
+        <p:cNvGrpSpPr/>
+        <p:nvPr/>
+      </p:nvGrpSpPr>
+      <p:grpSpPr>
+        <a:xfrm>
+          <a:off x="0" y="0"/>
+          <a:ext cx="0" cy="0"/>
+          <a:chOff x="0" y="0"/>
+          <a:chExt cx="0" cy="0"/>
+        </a:xfrm>
+      </p:grpSpPr>
+      <p:sp>
+        <p:nvSpPr>
+          <p:cNvPr id="3" name="Titre 1">
+            <a:extLst>
+              <a:ext uri="{FF2B5EF4-FFF2-40B4-BE49-F238E27FC236}">
+                <a16:creationId xmlns:a16="http://schemas.microsoft.com/office/drawing/2014/main" id="{E7373E66-041F-37D5-0ADF-25BA87ABC979}"/>
+              </a:ext>
+            </a:extLst>
+          </p:cNvPr>
+          <p:cNvSpPr>
+            <a:spLocks noGrp="1"/>
+          </p:cNvSpPr>
+          <p:nvPr>
+            <p:ph type="title"/>
+          </p:nvPr>
+        </p:nvSpPr>
+        <p:spPr>
+          <a:xfrm>
+            <a:off x="1097280" y="286603"/>
+            <a:ext cx="10058400" cy="1450757"/>
+          </a:xfrm>
+        </p:spPr>
+        <p:txBody>
+          <a:bodyPr>
+            <a:normAutofit/>
+          </a:bodyPr>
+          <a:lstStyle/>
+          <a:p>
+            <a:r>
+              <a:rPr lang="fr-FR" dirty="0"/>
+              <a:t>II- Les boîtes de dialogues </a:t>
+            </a:r>
+            <a:br>
+              <a:rPr lang="fr-FR" dirty="0"/>
+            </a:br>
+            <a:r>
+              <a:rPr lang="fr-FR" dirty="0"/>
+              <a:t>	</a:t>
+            </a:r>
+            <a:r>
+              <a:rPr lang="fr-FR" sz="3600" i="1" dirty="0"/>
+              <a:t>  2. Demander une confirmation</a:t>
+            </a:r>
+          </a:p>
+        </p:txBody>
+      </p:sp>
+      <p:sp>
+        <p:nvSpPr>
+          <p:cNvPr id="6" name="ZoneTexte 5">
+            <a:extLst>
+              <a:ext uri="{FF2B5EF4-FFF2-40B4-BE49-F238E27FC236}">
+                <a16:creationId xmlns:a16="http://schemas.microsoft.com/office/drawing/2014/main" id="{C9D90B23-9001-5115-3545-13A423F1FA6A}"/>
+              </a:ext>
+            </a:extLst>
+          </p:cNvPr>
+          <p:cNvSpPr txBox="1"/>
+          <p:nvPr/>
+        </p:nvSpPr>
+        <p:spPr>
+          <a:xfrm>
+            <a:off x="1249959" y="2223083"/>
+            <a:ext cx="9202723" cy="1200329"/>
+          </a:xfrm>
+          <a:prstGeom prst="rect">
+            <a:avLst/>
+          </a:prstGeom>
+          <a:noFill/>
+        </p:spPr>
+        <p:txBody>
+          <a:bodyPr wrap="square" rtlCol="0">
+            <a:spAutoFit/>
+          </a:bodyPr>
+          <a:lstStyle/>
+          <a:p>
+            <a:r>
+              <a:rPr lang="fr-FR" sz="3600" dirty="0"/>
+              <a:t>Pour demander à l’utilisateur une confirmation </a:t>
+            </a:r>
+          </a:p>
+          <a:p>
+            <a:r>
+              <a:rPr lang="fr-FR" sz="3600" dirty="0">
+                <a:sym typeface="Wingdings" panose="05000000000000000000" pitchFamily="2" charset="2"/>
+              </a:rPr>
+              <a:t> </a:t>
+            </a:r>
+            <a:r>
+              <a:rPr lang="fr-FR" sz="3600" dirty="0" err="1">
+                <a:sym typeface="Wingdings" panose="05000000000000000000" pitchFamily="2" charset="2"/>
+              </a:rPr>
+              <a:t>confirm</a:t>
+            </a:r>
+            <a:r>
+              <a:rPr lang="fr-FR" sz="3600" dirty="0">
+                <a:sym typeface="Wingdings" panose="05000000000000000000" pitchFamily="2" charset="2"/>
+              </a:rPr>
+              <a:t>()</a:t>
+            </a:r>
+            <a:endParaRPr lang="fr-FR" sz="3600" dirty="0"/>
+          </a:p>
+        </p:txBody>
+      </p:sp>
+      <p:pic>
+        <p:nvPicPr>
+          <p:cNvPr id="4" name="Image 3">
+            <a:extLst>
+              <a:ext uri="{FF2B5EF4-FFF2-40B4-BE49-F238E27FC236}">
+                <a16:creationId xmlns:a16="http://schemas.microsoft.com/office/drawing/2014/main" id="{06B56BE1-C489-5CB3-D76C-B9B680E612C0}"/>
+              </a:ext>
+            </a:extLst>
+          </p:cNvPr>
+          <p:cNvPicPr>
+            <a:picLocks noChangeAspect="1"/>
+          </p:cNvPicPr>
+          <p:nvPr/>
+        </p:nvPicPr>
+        <p:blipFill>
+          <a:blip r:embed="rId2"/>
+          <a:stretch>
+            <a:fillRect/>
+          </a:stretch>
+        </p:blipFill>
+        <p:spPr>
+          <a:xfrm>
+            <a:off x="1249959" y="3909135"/>
+            <a:ext cx="10117245" cy="590960"/>
+          </a:xfrm>
+          <a:prstGeom prst="rect">
+            <a:avLst/>
+          </a:prstGeom>
+        </p:spPr>
+      </p:pic>
+      <p:sp>
+        <p:nvSpPr>
+          <p:cNvPr id="5" name="ZoneTexte 4">
+            <a:extLst>
+              <a:ext uri="{FF2B5EF4-FFF2-40B4-BE49-F238E27FC236}">
+                <a16:creationId xmlns:a16="http://schemas.microsoft.com/office/drawing/2014/main" id="{E0CED474-38A0-4D45-05F8-B71138A285D4}"/>
+              </a:ext>
+            </a:extLst>
+          </p:cNvPr>
+          <p:cNvSpPr txBox="1"/>
+          <p:nvPr/>
+        </p:nvSpPr>
+        <p:spPr>
+          <a:xfrm>
+            <a:off x="1318469" y="5202572"/>
+            <a:ext cx="9202723" cy="954107"/>
+          </a:xfrm>
+          <a:prstGeom prst="rect">
+            <a:avLst/>
+          </a:prstGeom>
+          <a:noFill/>
+        </p:spPr>
+        <p:txBody>
+          <a:bodyPr wrap="square" rtlCol="0">
+            <a:spAutoFit/>
+          </a:bodyPr>
+          <a:lstStyle/>
+          <a:p>
+            <a:r>
+              <a:rPr lang="fr-FR" sz="2800" dirty="0"/>
+              <a:t>À vous: demandez à l’utilisateur de valider ou non et envoyer un message différent dans les deux cas </a:t>
+            </a:r>
+          </a:p>
+        </p:txBody>
+      </p:sp>
+      <p:pic>
+        <p:nvPicPr>
+          <p:cNvPr id="2" name="Picture 12" descr="JavaScript Logo et symbole, sens, histoire, PNG, marque">
+            <a:extLst>
+              <a:ext uri="{FF2B5EF4-FFF2-40B4-BE49-F238E27FC236}">
+                <a16:creationId xmlns:a16="http://schemas.microsoft.com/office/drawing/2014/main" id="{66A541A1-96BE-9274-1272-9DC12F2B7185}"/>
+              </a:ext>
+            </a:extLst>
+          </p:cNvPr>
+          <p:cNvPicPr>
+            <a:picLocks noChangeAspect="1" noChangeArrowheads="1"/>
+          </p:cNvPicPr>
+          <p:nvPr/>
+        </p:nvPicPr>
+        <p:blipFill>
+          <a:blip r:embed="rId3">
+            <a:extLst>
+              <a:ext uri="{28A0092B-C50C-407E-A947-70E740481C1C}">
+                <a14:useLocalDpi xmlns:a14="http://schemas.microsoft.com/office/drawing/2010/main" val="0"/>
+              </a:ext>
+            </a:extLst>
+          </a:blip>
+          <a:srcRect/>
+          <a:stretch>
+            <a:fillRect/>
+          </a:stretch>
+        </p:blipFill>
+        <p:spPr bwMode="auto">
+          <a:xfrm>
+            <a:off x="10380582" y="286603"/>
+            <a:ext cx="1550195" cy="876779"/>
+          </a:xfrm>
+          <a:prstGeom prst="rect">
+            <a:avLst/>
+          </a:prstGeom>
+          <a:noFill/>
+          <a:extLst>
+            <a:ext uri="{909E8E84-426E-40DD-AFC4-6F175D3DCCD1}">
+              <a14:hiddenFill xmlns:a14="http://schemas.microsoft.com/office/drawing/2010/main">
+                <a:solidFill>
+                  <a:srgbClr val="FFFFFF"/>
+                </a:solidFill>
+              </a14:hiddenFill>
+            </a:ext>
+          </a:extLst>
+        </p:spPr>
+      </p:pic>
+    </p:spTree>
+    <p:extLst>
+      <p:ext uri="{BB962C8B-B14F-4D97-AF65-F5344CB8AC3E}">
+        <p14:creationId xmlns:p14="http://schemas.microsoft.com/office/powerpoint/2010/main" val="2032078405"/>
+      </p:ext>
+    </p:extLst>
+  </p:cSld>
+  <p:clrMapOvr>
+    <a:masterClrMapping/>
+  </p:clrMapOvr>
+</p:sld>
+</file>
+
+<file path=ppt/slides/slide17.xml><?xml version="1.0" encoding="utf-8"?>
+<p:sld xmlns:a="http://schemas.openxmlformats.org/drawingml/2006/main" xmlns:r="http://schemas.openxmlformats.org/officeDocument/2006/relationships" xmlns:p="http://schemas.openxmlformats.org/presentationml/2006/main">
+  <p:cSld>
+    <p:spTree>
+      <p:nvGrpSpPr>
+        <p:cNvPr id="1" name=""/>
+        <p:cNvGrpSpPr/>
+        <p:nvPr/>
+      </p:nvGrpSpPr>
+      <p:grpSpPr>
+        <a:xfrm>
+          <a:off x="0" y="0"/>
+          <a:ext cx="0" cy="0"/>
+          <a:chOff x="0" y="0"/>
+          <a:chExt cx="0" cy="0"/>
+        </a:xfrm>
+      </p:grpSpPr>
+      <p:sp>
+        <p:nvSpPr>
+          <p:cNvPr id="3" name="Titre 1">
+            <a:extLst>
+              <a:ext uri="{FF2B5EF4-FFF2-40B4-BE49-F238E27FC236}">
+                <a16:creationId xmlns:a16="http://schemas.microsoft.com/office/drawing/2014/main" id="{E7373E66-041F-37D5-0ADF-25BA87ABC979}"/>
+              </a:ext>
+            </a:extLst>
+          </p:cNvPr>
+          <p:cNvSpPr>
+            <a:spLocks noGrp="1"/>
+          </p:cNvSpPr>
+          <p:nvPr>
+            <p:ph type="title"/>
+          </p:nvPr>
+        </p:nvSpPr>
+        <p:spPr>
+          <a:xfrm>
+            <a:off x="1097280" y="286603"/>
+            <a:ext cx="10058400" cy="1450757"/>
+          </a:xfrm>
+        </p:spPr>
+        <p:txBody>
+          <a:bodyPr>
+            <a:normAutofit/>
+          </a:bodyPr>
+          <a:lstStyle/>
+          <a:p>
+            <a:r>
+              <a:rPr lang="fr-FR" dirty="0"/>
+              <a:t>II- Les boîtes de dialogues </a:t>
+            </a:r>
+            <a:br>
+              <a:rPr lang="fr-FR" dirty="0"/>
+            </a:br>
+            <a:r>
+              <a:rPr lang="fr-FR" dirty="0"/>
+              <a:t>	</a:t>
+            </a:r>
+            <a:r>
+              <a:rPr lang="fr-FR" sz="3600" i="1" dirty="0"/>
+              <a:t>  3. Demander une information</a:t>
+            </a:r>
+          </a:p>
+        </p:txBody>
+      </p:sp>
+      <p:sp>
+        <p:nvSpPr>
+          <p:cNvPr id="6" name="ZoneTexte 5">
+            <a:extLst>
+              <a:ext uri="{FF2B5EF4-FFF2-40B4-BE49-F238E27FC236}">
+                <a16:creationId xmlns:a16="http://schemas.microsoft.com/office/drawing/2014/main" id="{C9D90B23-9001-5115-3545-13A423F1FA6A}"/>
+              </a:ext>
+            </a:extLst>
+          </p:cNvPr>
+          <p:cNvSpPr txBox="1"/>
+          <p:nvPr/>
+        </p:nvSpPr>
+        <p:spPr>
+          <a:xfrm>
+            <a:off x="1249959" y="2223083"/>
+            <a:ext cx="9202723" cy="1200329"/>
+          </a:xfrm>
+          <a:prstGeom prst="rect">
+            <a:avLst/>
+          </a:prstGeom>
+          <a:noFill/>
+        </p:spPr>
+        <p:txBody>
+          <a:bodyPr wrap="square" rtlCol="0">
+            <a:spAutoFit/>
+          </a:bodyPr>
+          <a:lstStyle/>
+          <a:p>
+            <a:r>
+              <a:rPr lang="fr-FR" sz="3600" dirty="0"/>
+              <a:t>Pour demander à l’utilisateur une information </a:t>
+            </a:r>
+          </a:p>
+          <a:p>
+            <a:r>
+              <a:rPr lang="fr-FR" sz="3600" dirty="0">
+                <a:sym typeface="Wingdings" panose="05000000000000000000" pitchFamily="2" charset="2"/>
+              </a:rPr>
+              <a:t> prompt()</a:t>
+            </a:r>
+            <a:endParaRPr lang="fr-FR" sz="3600" dirty="0"/>
+          </a:p>
+        </p:txBody>
+      </p:sp>
+      <p:sp>
+        <p:nvSpPr>
+          <p:cNvPr id="2" name="ZoneTexte 1">
+            <a:extLst>
+              <a:ext uri="{FF2B5EF4-FFF2-40B4-BE49-F238E27FC236}">
+                <a16:creationId xmlns:a16="http://schemas.microsoft.com/office/drawing/2014/main" id="{AD01A576-AD38-1A80-24D4-D037FF0E4F8C}"/>
+              </a:ext>
+            </a:extLst>
+          </p:cNvPr>
+          <p:cNvSpPr txBox="1"/>
+          <p:nvPr/>
+        </p:nvSpPr>
+        <p:spPr>
+          <a:xfrm>
+            <a:off x="1318469" y="5202572"/>
+            <a:ext cx="9202723" cy="954107"/>
+          </a:xfrm>
+          <a:prstGeom prst="rect">
+            <a:avLst/>
+          </a:prstGeom>
+          <a:noFill/>
+        </p:spPr>
+        <p:txBody>
+          <a:bodyPr wrap="square" rtlCol="0">
+            <a:spAutoFit/>
+          </a:bodyPr>
+          <a:lstStyle/>
+          <a:p>
+            <a:r>
+              <a:rPr lang="fr-FR" sz="2800" dirty="0"/>
+              <a:t>À vous: demandez à l’utilisateur son âge puis afficher, Bonjour, vous avez … ans.</a:t>
+            </a:r>
+          </a:p>
+        </p:txBody>
+      </p:sp>
+      <p:pic>
+        <p:nvPicPr>
+          <p:cNvPr id="7" name="Image 6">
+            <a:extLst>
+              <a:ext uri="{FF2B5EF4-FFF2-40B4-BE49-F238E27FC236}">
+                <a16:creationId xmlns:a16="http://schemas.microsoft.com/office/drawing/2014/main" id="{449F98DC-6E0A-48F1-840A-23CDE8335236}"/>
+              </a:ext>
+            </a:extLst>
+          </p:cNvPr>
+          <p:cNvPicPr>
+            <a:picLocks noChangeAspect="1"/>
+          </p:cNvPicPr>
+          <p:nvPr/>
+        </p:nvPicPr>
+        <p:blipFill>
+          <a:blip r:embed="rId2"/>
+          <a:stretch>
+            <a:fillRect/>
+          </a:stretch>
+        </p:blipFill>
+        <p:spPr>
+          <a:xfrm>
+            <a:off x="2070517" y="3765594"/>
+            <a:ext cx="7184590" cy="1094795"/>
+          </a:xfrm>
+          <a:prstGeom prst="rect">
+            <a:avLst/>
+          </a:prstGeom>
+        </p:spPr>
+      </p:pic>
+      <p:pic>
+        <p:nvPicPr>
+          <p:cNvPr id="4" name="Picture 12" descr="JavaScript Logo et symbole, sens, histoire, PNG, marque">
+            <a:extLst>
+              <a:ext uri="{FF2B5EF4-FFF2-40B4-BE49-F238E27FC236}">
+                <a16:creationId xmlns:a16="http://schemas.microsoft.com/office/drawing/2014/main" id="{05559156-6551-BA90-546F-ED5491709F01}"/>
+              </a:ext>
+            </a:extLst>
+          </p:cNvPr>
+          <p:cNvPicPr>
+            <a:picLocks noChangeAspect="1" noChangeArrowheads="1"/>
+          </p:cNvPicPr>
+          <p:nvPr/>
+        </p:nvPicPr>
+        <p:blipFill>
+          <a:blip r:embed="rId3">
+            <a:extLst>
+              <a:ext uri="{28A0092B-C50C-407E-A947-70E740481C1C}">
+                <a14:useLocalDpi xmlns:a14="http://schemas.microsoft.com/office/drawing/2010/main" val="0"/>
+              </a:ext>
+            </a:extLst>
+          </a:blip>
+          <a:srcRect/>
+          <a:stretch>
+            <a:fillRect/>
+          </a:stretch>
+        </p:blipFill>
+        <p:spPr bwMode="auto">
+          <a:xfrm>
+            <a:off x="10380582" y="286603"/>
+            <a:ext cx="1550195" cy="876779"/>
+          </a:xfrm>
+          <a:prstGeom prst="rect">
+            <a:avLst/>
+          </a:prstGeom>
+          <a:noFill/>
+          <a:extLst>
+            <a:ext uri="{909E8E84-426E-40DD-AFC4-6F175D3DCCD1}">
+              <a14:hiddenFill xmlns:a14="http://schemas.microsoft.com/office/drawing/2010/main">
+                <a:solidFill>
+                  <a:srgbClr val="FFFFFF"/>
+                </a:solidFill>
+              </a14:hiddenFill>
+            </a:ext>
+          </a:extLst>
+        </p:spPr>
+      </p:pic>
+    </p:spTree>
+    <p:extLst>
+      <p:ext uri="{BB962C8B-B14F-4D97-AF65-F5344CB8AC3E}">
+        <p14:creationId xmlns:p14="http://schemas.microsoft.com/office/powerpoint/2010/main" val="3127133368"/>
+      </p:ext>
+    </p:extLst>
+  </p:cSld>
+  <p:clrMapOvr>
+    <a:masterClrMapping/>
+  </p:clrMapOvr>
+</p:sld>
+</file>
+
+<file path=ppt/slides/slide18.xml><?xml version="1.0" encoding="utf-8"?>
+<p:sld xmlns:a="http://schemas.openxmlformats.org/drawingml/2006/main" xmlns:r="http://schemas.openxmlformats.org/officeDocument/2006/relationships" xmlns:p="http://schemas.openxmlformats.org/presentationml/2006/main">
+  <p:cSld>
+    <p:spTree>
+      <p:nvGrpSpPr>
+        <p:cNvPr id="1" name=""/>
+        <p:cNvGrpSpPr/>
+        <p:nvPr/>
+      </p:nvGrpSpPr>
+      <p:grpSpPr>
+        <a:xfrm>
+          <a:off x="0" y="0"/>
+          <a:ext cx="0" cy="0"/>
+          <a:chOff x="0" y="0"/>
+          <a:chExt cx="0" cy="0"/>
+        </a:xfrm>
+      </p:grpSpPr>
+      <p:sp>
+        <p:nvSpPr>
+          <p:cNvPr id="3" name="Titre 1">
+            <a:extLst>
+              <a:ext uri="{FF2B5EF4-FFF2-40B4-BE49-F238E27FC236}">
+                <a16:creationId xmlns:a16="http://schemas.microsoft.com/office/drawing/2014/main" id="{E7373E66-041F-37D5-0ADF-25BA87ABC979}"/>
+              </a:ext>
+            </a:extLst>
+          </p:cNvPr>
+          <p:cNvSpPr>
+            <a:spLocks noGrp="1"/>
+          </p:cNvSpPr>
+          <p:nvPr>
+            <p:ph type="title"/>
+          </p:nvPr>
+        </p:nvSpPr>
+        <p:spPr>
+          <a:xfrm>
+            <a:off x="1097280" y="286603"/>
+            <a:ext cx="10058400" cy="1450757"/>
+          </a:xfrm>
+        </p:spPr>
+        <p:txBody>
+          <a:bodyPr>
+            <a:normAutofit/>
+          </a:bodyPr>
+          <a:lstStyle/>
+          <a:p>
+            <a:r>
+              <a:rPr lang="fr-FR" dirty="0"/>
+              <a:t>III- La logique </a:t>
+            </a:r>
+            <a:br>
+              <a:rPr lang="fr-FR" dirty="0"/>
+            </a:br>
+            <a:r>
+              <a:rPr lang="fr-FR" dirty="0"/>
+              <a:t>	</a:t>
+            </a:r>
+            <a:r>
+              <a:rPr lang="fr-FR" sz="3600" i="1" dirty="0"/>
+              <a:t>  1. Opérateurs de comparaisons</a:t>
+            </a:r>
+          </a:p>
+        </p:txBody>
+      </p:sp>
+      <p:sp>
+        <p:nvSpPr>
+          <p:cNvPr id="6" name="ZoneTexte 5">
+            <a:extLst>
+              <a:ext uri="{FF2B5EF4-FFF2-40B4-BE49-F238E27FC236}">
+                <a16:creationId xmlns:a16="http://schemas.microsoft.com/office/drawing/2014/main" id="{C9D90B23-9001-5115-3545-13A423F1FA6A}"/>
+              </a:ext>
+            </a:extLst>
+          </p:cNvPr>
+          <p:cNvSpPr txBox="1"/>
+          <p:nvPr/>
+        </p:nvSpPr>
+        <p:spPr>
+          <a:xfrm>
+            <a:off x="2818700" y="2172749"/>
+            <a:ext cx="9202723" cy="4524315"/>
+          </a:xfrm>
+          <a:prstGeom prst="rect">
+            <a:avLst/>
+          </a:prstGeom>
+          <a:noFill/>
+        </p:spPr>
+        <p:txBody>
+          <a:bodyPr wrap="square" rtlCol="0">
+            <a:spAutoFit/>
+          </a:bodyPr>
+          <a:lstStyle/>
+          <a:p>
+            <a:r>
+              <a:rPr lang="fr-FR" sz="3600" dirty="0"/>
+              <a:t>== : égal à la valeur </a:t>
+            </a:r>
+          </a:p>
+          <a:p>
+            <a:r>
+              <a:rPr lang="fr-FR" sz="3600" dirty="0"/>
+              <a:t>=== : égale à la valeur et au type </a:t>
+            </a:r>
+          </a:p>
+          <a:p>
+            <a:r>
+              <a:rPr lang="fr-FR" sz="3600" dirty="0"/>
+              <a:t>!= : différent de la valeur </a:t>
+            </a:r>
+          </a:p>
+          <a:p>
+            <a:r>
+              <a:rPr lang="fr-FR" sz="3600" dirty="0"/>
+              <a:t>!== : différent de la valeur et du type </a:t>
+            </a:r>
+          </a:p>
+          <a:p>
+            <a:r>
+              <a:rPr lang="fr-FR" sz="3600" dirty="0"/>
+              <a:t>&gt;/&lt;: supérieur / inférieur</a:t>
+            </a:r>
+          </a:p>
+          <a:p>
+            <a:r>
+              <a:rPr lang="fr-FR" sz="3600" dirty="0"/>
+              <a:t>&gt;= : supérieur ou égal </a:t>
+            </a:r>
+          </a:p>
+          <a:p>
+            <a:r>
+              <a:rPr lang="fr-FR" sz="3600" dirty="0"/>
+              <a:t>&lt;= : inférieur ou égal </a:t>
+            </a:r>
+          </a:p>
+          <a:p>
+            <a:endParaRPr lang="fr-FR" sz="3600" dirty="0"/>
+          </a:p>
+        </p:txBody>
+      </p:sp>
+      <p:pic>
+        <p:nvPicPr>
+          <p:cNvPr id="2" name="Picture 12" descr="JavaScript Logo et symbole, sens, histoire, PNG, marque">
+            <a:extLst>
+              <a:ext uri="{FF2B5EF4-FFF2-40B4-BE49-F238E27FC236}">
+                <a16:creationId xmlns:a16="http://schemas.microsoft.com/office/drawing/2014/main" id="{4E77F2E2-93C1-8DDA-B1D3-3FFD56089A5D}"/>
+              </a:ext>
+            </a:extLst>
+          </p:cNvPr>
+          <p:cNvPicPr>
+            <a:picLocks noChangeAspect="1" noChangeArrowheads="1"/>
+          </p:cNvPicPr>
+          <p:nvPr/>
+        </p:nvPicPr>
+        <p:blipFill>
+          <a:blip r:embed="rId2">
+            <a:extLst>
+              <a:ext uri="{28A0092B-C50C-407E-A947-70E740481C1C}">
+                <a14:useLocalDpi xmlns:a14="http://schemas.microsoft.com/office/drawing/2010/main" val="0"/>
+              </a:ext>
+            </a:extLst>
+          </a:blip>
+          <a:srcRect/>
+          <a:stretch>
+            <a:fillRect/>
+          </a:stretch>
+        </p:blipFill>
+        <p:spPr bwMode="auto">
+          <a:xfrm>
+            <a:off x="10380582" y="286603"/>
+            <a:ext cx="1550195" cy="876779"/>
+          </a:xfrm>
+          <a:prstGeom prst="rect">
+            <a:avLst/>
+          </a:prstGeom>
+          <a:noFill/>
+          <a:extLst>
+            <a:ext uri="{909E8E84-426E-40DD-AFC4-6F175D3DCCD1}">
+              <a14:hiddenFill xmlns:a14="http://schemas.microsoft.com/office/drawing/2010/main">
+                <a:solidFill>
+                  <a:srgbClr val="FFFFFF"/>
+                </a:solidFill>
+              </a14:hiddenFill>
+            </a:ext>
+          </a:extLst>
+        </p:spPr>
+      </p:pic>
+    </p:spTree>
+    <p:extLst>
+      <p:ext uri="{BB962C8B-B14F-4D97-AF65-F5344CB8AC3E}">
+        <p14:creationId xmlns:p14="http://schemas.microsoft.com/office/powerpoint/2010/main" val="1289137799"/>
+      </p:ext>
+    </p:extLst>
+  </p:cSld>
+  <p:clrMapOvr>
+    <a:masterClrMapping/>
+  </p:clrMapOvr>
+</p:sld>
+</file>
+
+<file path=ppt/slides/slide19.xml><?xml version="1.0" encoding="utf-8"?>
+<p:sld xmlns:a="http://schemas.openxmlformats.org/drawingml/2006/main" xmlns:r="http://schemas.openxmlformats.org/officeDocument/2006/relationships" xmlns:p="http://schemas.openxmlformats.org/presentationml/2006/main">
+  <p:cSld>
+    <p:spTree>
+      <p:nvGrpSpPr>
+        <p:cNvPr id="1" name=""/>
+        <p:cNvGrpSpPr/>
+        <p:nvPr/>
+      </p:nvGrpSpPr>
+      <p:grpSpPr>
+        <a:xfrm>
+          <a:off x="0" y="0"/>
+          <a:ext cx="0" cy="0"/>
+          <a:chOff x="0" y="0"/>
+          <a:chExt cx="0" cy="0"/>
+        </a:xfrm>
+      </p:grpSpPr>
+      <p:sp>
+        <p:nvSpPr>
+          <p:cNvPr id="3" name="Titre 1">
+            <a:extLst>
+              <a:ext uri="{FF2B5EF4-FFF2-40B4-BE49-F238E27FC236}">
+                <a16:creationId xmlns:a16="http://schemas.microsoft.com/office/drawing/2014/main" id="{E7373E66-041F-37D5-0ADF-25BA87ABC979}"/>
+              </a:ext>
+            </a:extLst>
+          </p:cNvPr>
+          <p:cNvSpPr>
+            <a:spLocks noGrp="1"/>
+          </p:cNvSpPr>
+          <p:nvPr>
+            <p:ph type="title"/>
+          </p:nvPr>
+        </p:nvSpPr>
+        <p:spPr>
+          <a:xfrm>
+            <a:off x="1097280" y="286603"/>
+            <a:ext cx="10058400" cy="1450757"/>
+          </a:xfrm>
+        </p:spPr>
+        <p:txBody>
+          <a:bodyPr>
+            <a:normAutofit/>
+          </a:bodyPr>
+          <a:lstStyle/>
+          <a:p>
+            <a:r>
+              <a:rPr lang="fr-FR" dirty="0"/>
+              <a:t>III- La logique </a:t>
+            </a:r>
+            <a:br>
+              <a:rPr lang="fr-FR" dirty="0"/>
+            </a:br>
+            <a:r>
+              <a:rPr lang="fr-FR" dirty="0"/>
+              <a:t>	</a:t>
+            </a:r>
+            <a:r>
+              <a:rPr lang="fr-FR" sz="3600" i="1" dirty="0"/>
+              <a:t>  2. Conditions (if / </a:t>
+            </a:r>
+            <a:r>
+              <a:rPr lang="fr-FR" sz="3600" i="1" dirty="0" err="1"/>
+              <a:t>else</a:t>
+            </a:r>
+            <a:r>
+              <a:rPr lang="fr-FR" sz="3600" i="1" dirty="0"/>
+              <a:t>)</a:t>
+            </a:r>
+          </a:p>
+        </p:txBody>
+      </p:sp>
+      <p:sp>
+        <p:nvSpPr>
+          <p:cNvPr id="6" name="ZoneTexte 5">
+            <a:extLst>
+              <a:ext uri="{FF2B5EF4-FFF2-40B4-BE49-F238E27FC236}">
+                <a16:creationId xmlns:a16="http://schemas.microsoft.com/office/drawing/2014/main" id="{C9D90B23-9001-5115-3545-13A423F1FA6A}"/>
+              </a:ext>
+            </a:extLst>
+          </p:cNvPr>
+          <p:cNvSpPr txBox="1"/>
+          <p:nvPr/>
+        </p:nvSpPr>
+        <p:spPr>
+          <a:xfrm>
+            <a:off x="1249959" y="2223083"/>
+            <a:ext cx="9202723" cy="646331"/>
+          </a:xfrm>
+          <a:prstGeom prst="rect">
+            <a:avLst/>
+          </a:prstGeom>
+          <a:noFill/>
+        </p:spPr>
+        <p:txBody>
+          <a:bodyPr wrap="square" rtlCol="0">
+            <a:spAutoFit/>
+          </a:bodyPr>
+          <a:lstStyle/>
+          <a:p>
+            <a:r>
+              <a:rPr lang="fr-FR" sz="3600" dirty="0"/>
+              <a:t>Voici les différentes structures possibles </a:t>
+            </a:r>
+          </a:p>
+        </p:txBody>
+      </p:sp>
+      <p:pic>
+        <p:nvPicPr>
+          <p:cNvPr id="7" name="Image 6">
+            <a:extLst>
+              <a:ext uri="{FF2B5EF4-FFF2-40B4-BE49-F238E27FC236}">
+                <a16:creationId xmlns:a16="http://schemas.microsoft.com/office/drawing/2014/main" id="{F6274314-97B9-5D0B-11DF-70DD2BD2A745}"/>
+              </a:ext>
+            </a:extLst>
+          </p:cNvPr>
+          <p:cNvPicPr>
+            <a:picLocks noChangeAspect="1"/>
+          </p:cNvPicPr>
+          <p:nvPr/>
+        </p:nvPicPr>
+        <p:blipFill>
+          <a:blip r:embed="rId2"/>
+          <a:stretch>
+            <a:fillRect/>
+          </a:stretch>
+        </p:blipFill>
+        <p:spPr>
+          <a:xfrm>
+            <a:off x="935331" y="3429000"/>
+            <a:ext cx="1962424" cy="1009791"/>
+          </a:xfrm>
+          <a:prstGeom prst="rect">
+            <a:avLst/>
+          </a:prstGeom>
+        </p:spPr>
+      </p:pic>
+      <p:pic>
+        <p:nvPicPr>
+          <p:cNvPr id="9" name="Image 8">
+            <a:extLst>
+              <a:ext uri="{FF2B5EF4-FFF2-40B4-BE49-F238E27FC236}">
+                <a16:creationId xmlns:a16="http://schemas.microsoft.com/office/drawing/2014/main" id="{559C2CE1-8815-49DA-DABC-AB1175D3BB80}"/>
+              </a:ext>
+            </a:extLst>
+          </p:cNvPr>
+          <p:cNvPicPr>
+            <a:picLocks noChangeAspect="1"/>
+          </p:cNvPicPr>
+          <p:nvPr/>
+        </p:nvPicPr>
+        <p:blipFill>
+          <a:blip r:embed="rId3"/>
+          <a:stretch>
+            <a:fillRect/>
+          </a:stretch>
+        </p:blipFill>
+        <p:spPr>
+          <a:xfrm>
+            <a:off x="4149733" y="3429000"/>
+            <a:ext cx="2248214" cy="1771897"/>
+          </a:xfrm>
+          <a:prstGeom prst="rect">
+            <a:avLst/>
+          </a:prstGeom>
+        </p:spPr>
+      </p:pic>
+      <p:pic>
+        <p:nvPicPr>
+          <p:cNvPr id="11" name="Image 10">
+            <a:extLst>
+              <a:ext uri="{FF2B5EF4-FFF2-40B4-BE49-F238E27FC236}">
+                <a16:creationId xmlns:a16="http://schemas.microsoft.com/office/drawing/2014/main" id="{7F76BE8C-F82C-DA98-BB37-BBC263FDE986}"/>
+              </a:ext>
+            </a:extLst>
+          </p:cNvPr>
+          <p:cNvPicPr>
+            <a:picLocks noChangeAspect="1"/>
+          </p:cNvPicPr>
+          <p:nvPr/>
+        </p:nvPicPr>
+        <p:blipFill>
+          <a:blip r:embed="rId4"/>
+          <a:stretch>
+            <a:fillRect/>
+          </a:stretch>
+        </p:blipFill>
+        <p:spPr>
+          <a:xfrm>
+            <a:off x="7989138" y="3410742"/>
+            <a:ext cx="2286319" cy="2791215"/>
+          </a:xfrm>
+          <a:prstGeom prst="rect">
+            <a:avLst/>
+          </a:prstGeom>
+        </p:spPr>
+      </p:pic>
+      <p:pic>
+        <p:nvPicPr>
+          <p:cNvPr id="2" name="Picture 12" descr="JavaScript Logo et symbole, sens, histoire, PNG, marque">
+            <a:extLst>
+              <a:ext uri="{FF2B5EF4-FFF2-40B4-BE49-F238E27FC236}">
+                <a16:creationId xmlns:a16="http://schemas.microsoft.com/office/drawing/2014/main" id="{9CA99C5E-5824-0752-069F-D1CB2EDF7484}"/>
+              </a:ext>
+            </a:extLst>
+          </p:cNvPr>
+          <p:cNvPicPr>
+            <a:picLocks noChangeAspect="1" noChangeArrowheads="1"/>
+          </p:cNvPicPr>
+          <p:nvPr/>
+        </p:nvPicPr>
+        <p:blipFill>
+          <a:blip r:embed="rId5">
+            <a:extLst>
+              <a:ext uri="{28A0092B-C50C-407E-A947-70E740481C1C}">
+                <a14:useLocalDpi xmlns:a14="http://schemas.microsoft.com/office/drawing/2010/main" val="0"/>
+              </a:ext>
+            </a:extLst>
+          </a:blip>
+          <a:srcRect/>
+          <a:stretch>
+            <a:fillRect/>
+          </a:stretch>
+        </p:blipFill>
+        <p:spPr bwMode="auto">
+          <a:xfrm>
+            <a:off x="10380582" y="286603"/>
+            <a:ext cx="1550195" cy="876779"/>
+          </a:xfrm>
+          <a:prstGeom prst="rect">
+            <a:avLst/>
+          </a:prstGeom>
+          <a:noFill/>
+          <a:extLst>
+            <a:ext uri="{909E8E84-426E-40DD-AFC4-6F175D3DCCD1}">
+              <a14:hiddenFill xmlns:a14="http://schemas.microsoft.com/office/drawing/2010/main">
+                <a:solidFill>
+                  <a:srgbClr val="FFFFFF"/>
+                </a:solidFill>
+              </a14:hiddenFill>
+            </a:ext>
+          </a:extLst>
+        </p:spPr>
+      </p:pic>
+    </p:spTree>
+    <p:extLst>
+      <p:ext uri="{BB962C8B-B14F-4D97-AF65-F5344CB8AC3E}">
+        <p14:creationId xmlns:p14="http://schemas.microsoft.com/office/powerpoint/2010/main" val="4033092285"/>
+      </p:ext>
+    </p:extLst>
+  </p:cSld>
+  <p:clrMapOvr>
+    <a:masterClrMapping/>
+  </p:clrMapOvr>
+</p:sld>
+</file>
+
 <file path=ppt/slides/slide2.xml><?xml version="1.0" encoding="utf-8"?>
 <p:sld xmlns:a="http://schemas.openxmlformats.org/drawingml/2006/main" xmlns:r="http://schemas.openxmlformats.org/officeDocument/2006/relationships" xmlns:p="http://schemas.openxmlformats.org/presentationml/2006/main">
   <p:cSld>
@@ -4324,6 +6043,1736 @@
     <p:extLst>
       <p:ext uri="{BB962C8B-B14F-4D97-AF65-F5344CB8AC3E}">
         <p14:creationId xmlns:p14="http://schemas.microsoft.com/office/powerpoint/2010/main" val="2428727956"/>
+      </p:ext>
+    </p:extLst>
+  </p:cSld>
+  <p:clrMapOvr>
+    <a:masterClrMapping/>
+  </p:clrMapOvr>
+</p:sld>
+</file>
+
+<file path=ppt/slides/slide20.xml><?xml version="1.0" encoding="utf-8"?>
+<p:sld xmlns:a="http://schemas.openxmlformats.org/drawingml/2006/main" xmlns:r="http://schemas.openxmlformats.org/officeDocument/2006/relationships" xmlns:p="http://schemas.openxmlformats.org/presentationml/2006/main">
+  <p:cSld>
+    <p:spTree>
+      <p:nvGrpSpPr>
+        <p:cNvPr id="1" name=""/>
+        <p:cNvGrpSpPr/>
+        <p:nvPr/>
+      </p:nvGrpSpPr>
+      <p:grpSpPr>
+        <a:xfrm>
+          <a:off x="0" y="0"/>
+          <a:ext cx="0" cy="0"/>
+          <a:chOff x="0" y="0"/>
+          <a:chExt cx="0" cy="0"/>
+        </a:xfrm>
+      </p:grpSpPr>
+      <p:sp>
+        <p:nvSpPr>
+          <p:cNvPr id="3" name="Titre 1">
+            <a:extLst>
+              <a:ext uri="{FF2B5EF4-FFF2-40B4-BE49-F238E27FC236}">
+                <a16:creationId xmlns:a16="http://schemas.microsoft.com/office/drawing/2014/main" id="{E7373E66-041F-37D5-0ADF-25BA87ABC979}"/>
+              </a:ext>
+            </a:extLst>
+          </p:cNvPr>
+          <p:cNvSpPr>
+            <a:spLocks noGrp="1"/>
+          </p:cNvSpPr>
+          <p:nvPr>
+            <p:ph type="title"/>
+          </p:nvPr>
+        </p:nvSpPr>
+        <p:spPr>
+          <a:xfrm>
+            <a:off x="1097280" y="286603"/>
+            <a:ext cx="10058400" cy="1450757"/>
+          </a:xfrm>
+        </p:spPr>
+        <p:txBody>
+          <a:bodyPr>
+            <a:normAutofit/>
+          </a:bodyPr>
+          <a:lstStyle/>
+          <a:p>
+            <a:r>
+              <a:rPr lang="fr-FR" dirty="0"/>
+              <a:t>III- La logique </a:t>
+            </a:r>
+            <a:br>
+              <a:rPr lang="fr-FR" dirty="0"/>
+            </a:br>
+            <a:r>
+              <a:rPr lang="fr-FR" dirty="0"/>
+              <a:t>	</a:t>
+            </a:r>
+            <a:r>
+              <a:rPr lang="fr-FR" sz="3600" i="1" dirty="0"/>
+              <a:t>  2. Conditions (if / </a:t>
+            </a:r>
+            <a:r>
+              <a:rPr lang="fr-FR" sz="3600" i="1" dirty="0" err="1"/>
+              <a:t>else</a:t>
+            </a:r>
+            <a:r>
+              <a:rPr lang="fr-FR" sz="3600" i="1" dirty="0"/>
+              <a:t>)</a:t>
+            </a:r>
+          </a:p>
+        </p:txBody>
+      </p:sp>
+      <p:sp>
+        <p:nvSpPr>
+          <p:cNvPr id="6" name="ZoneTexte 5">
+            <a:extLst>
+              <a:ext uri="{FF2B5EF4-FFF2-40B4-BE49-F238E27FC236}">
+                <a16:creationId xmlns:a16="http://schemas.microsoft.com/office/drawing/2014/main" id="{C9D90B23-9001-5115-3545-13A423F1FA6A}"/>
+              </a:ext>
+            </a:extLst>
+          </p:cNvPr>
+          <p:cNvSpPr txBox="1"/>
+          <p:nvPr/>
+        </p:nvSpPr>
+        <p:spPr>
+          <a:xfrm>
+            <a:off x="1300292" y="2374084"/>
+            <a:ext cx="9202723" cy="3046988"/>
+          </a:xfrm>
+          <a:prstGeom prst="rect">
+            <a:avLst/>
+          </a:prstGeom>
+          <a:noFill/>
+        </p:spPr>
+        <p:txBody>
+          <a:bodyPr wrap="square" rtlCol="0">
+            <a:spAutoFit/>
+          </a:bodyPr>
+          <a:lstStyle/>
+          <a:p>
+            <a:r>
+              <a:rPr lang="fr-FR" sz="3200" dirty="0"/>
+              <a:t>Exercice: écrire un programme qui effectue une condition sur une variable âge et renvoi </a:t>
+            </a:r>
+          </a:p>
+          <a:p>
+            <a:endParaRPr lang="fr-FR" sz="3200" dirty="0"/>
+          </a:p>
+          <a:p>
+            <a:pPr marL="571500" indent="-571500">
+              <a:buFont typeface="Arial" panose="020B0604020202020204" pitchFamily="34" charset="0"/>
+              <a:buChar char="•"/>
+            </a:pPr>
+            <a:r>
+              <a:rPr lang="fr-FR" sz="2000" dirty="0"/>
+              <a:t>-18 : Vous n'êtes pas majeur</a:t>
+            </a:r>
+          </a:p>
+          <a:p>
+            <a:pPr marL="571500" indent="-571500">
+              <a:buFont typeface="Arial" panose="020B0604020202020204" pitchFamily="34" charset="0"/>
+              <a:buChar char="•"/>
+            </a:pPr>
+            <a:r>
+              <a:rPr lang="fr-FR" sz="2000" dirty="0"/>
+              <a:t> 18 et 20 : Vous êtes majeur en France</a:t>
+            </a:r>
+          </a:p>
+          <a:p>
+            <a:pPr marL="571500" indent="-571500">
+              <a:buFont typeface="Arial" panose="020B0604020202020204" pitchFamily="34" charset="0"/>
+              <a:buChar char="•"/>
+            </a:pPr>
+            <a:r>
+              <a:rPr lang="fr-FR" sz="2000" dirty="0"/>
+              <a:t>21+ : Vous êtes majeur partout, à vous les casinos !</a:t>
+            </a:r>
+          </a:p>
+          <a:p>
+            <a:endParaRPr lang="fr-FR" sz="3600" dirty="0"/>
+          </a:p>
+        </p:txBody>
+      </p:sp>
+      <p:pic>
+        <p:nvPicPr>
+          <p:cNvPr id="2" name="Picture 12" descr="JavaScript Logo et symbole, sens, histoire, PNG, marque">
+            <a:extLst>
+              <a:ext uri="{FF2B5EF4-FFF2-40B4-BE49-F238E27FC236}">
+                <a16:creationId xmlns:a16="http://schemas.microsoft.com/office/drawing/2014/main" id="{3496C8C6-846C-A3E6-7335-4DA043DFF921}"/>
+              </a:ext>
+            </a:extLst>
+          </p:cNvPr>
+          <p:cNvPicPr>
+            <a:picLocks noChangeAspect="1" noChangeArrowheads="1"/>
+          </p:cNvPicPr>
+          <p:nvPr/>
+        </p:nvPicPr>
+        <p:blipFill>
+          <a:blip r:embed="rId2">
+            <a:extLst>
+              <a:ext uri="{28A0092B-C50C-407E-A947-70E740481C1C}">
+                <a14:useLocalDpi xmlns:a14="http://schemas.microsoft.com/office/drawing/2010/main" val="0"/>
+              </a:ext>
+            </a:extLst>
+          </a:blip>
+          <a:srcRect/>
+          <a:stretch>
+            <a:fillRect/>
+          </a:stretch>
+        </p:blipFill>
+        <p:spPr bwMode="auto">
+          <a:xfrm>
+            <a:off x="10380582" y="286603"/>
+            <a:ext cx="1550195" cy="876779"/>
+          </a:xfrm>
+          <a:prstGeom prst="rect">
+            <a:avLst/>
+          </a:prstGeom>
+          <a:noFill/>
+          <a:extLst>
+            <a:ext uri="{909E8E84-426E-40DD-AFC4-6F175D3DCCD1}">
+              <a14:hiddenFill xmlns:a14="http://schemas.microsoft.com/office/drawing/2010/main">
+                <a:solidFill>
+                  <a:srgbClr val="FFFFFF"/>
+                </a:solidFill>
+              </a14:hiddenFill>
+            </a:ext>
+          </a:extLst>
+        </p:spPr>
+      </p:pic>
+    </p:spTree>
+    <p:extLst>
+      <p:ext uri="{BB962C8B-B14F-4D97-AF65-F5344CB8AC3E}">
+        <p14:creationId xmlns:p14="http://schemas.microsoft.com/office/powerpoint/2010/main" val="554996189"/>
+      </p:ext>
+    </p:extLst>
+  </p:cSld>
+  <p:clrMapOvr>
+    <a:masterClrMapping/>
+  </p:clrMapOvr>
+</p:sld>
+</file>
+
+<file path=ppt/slides/slide21.xml><?xml version="1.0" encoding="utf-8"?>
+<p:sld xmlns:a="http://schemas.openxmlformats.org/drawingml/2006/main" xmlns:r="http://schemas.openxmlformats.org/officeDocument/2006/relationships" xmlns:p="http://schemas.openxmlformats.org/presentationml/2006/main">
+  <p:cSld>
+    <p:spTree>
+      <p:nvGrpSpPr>
+        <p:cNvPr id="1" name=""/>
+        <p:cNvGrpSpPr/>
+        <p:nvPr/>
+      </p:nvGrpSpPr>
+      <p:grpSpPr>
+        <a:xfrm>
+          <a:off x="0" y="0"/>
+          <a:ext cx="0" cy="0"/>
+          <a:chOff x="0" y="0"/>
+          <a:chExt cx="0" cy="0"/>
+        </a:xfrm>
+      </p:grpSpPr>
+      <p:sp>
+        <p:nvSpPr>
+          <p:cNvPr id="3" name="Titre 1">
+            <a:extLst>
+              <a:ext uri="{FF2B5EF4-FFF2-40B4-BE49-F238E27FC236}">
+                <a16:creationId xmlns:a16="http://schemas.microsoft.com/office/drawing/2014/main" id="{E7373E66-041F-37D5-0ADF-25BA87ABC979}"/>
+              </a:ext>
+            </a:extLst>
+          </p:cNvPr>
+          <p:cNvSpPr>
+            <a:spLocks noGrp="1"/>
+          </p:cNvSpPr>
+          <p:nvPr>
+            <p:ph type="title"/>
+          </p:nvPr>
+        </p:nvSpPr>
+        <p:spPr>
+          <a:xfrm>
+            <a:off x="1097280" y="286603"/>
+            <a:ext cx="10058400" cy="1450757"/>
+          </a:xfrm>
+        </p:spPr>
+        <p:txBody>
+          <a:bodyPr>
+            <a:normAutofit/>
+          </a:bodyPr>
+          <a:lstStyle/>
+          <a:p>
+            <a:r>
+              <a:rPr lang="fr-FR" dirty="0"/>
+              <a:t>III- La logique </a:t>
+            </a:r>
+            <a:br>
+              <a:rPr lang="fr-FR" dirty="0"/>
+            </a:br>
+            <a:r>
+              <a:rPr lang="fr-FR" dirty="0"/>
+              <a:t>	</a:t>
+            </a:r>
+            <a:r>
+              <a:rPr lang="fr-FR" sz="3600" i="1" dirty="0"/>
+              <a:t>  3. Conditions (switch)</a:t>
+            </a:r>
+          </a:p>
+        </p:txBody>
+      </p:sp>
+      <p:sp>
+        <p:nvSpPr>
+          <p:cNvPr id="6" name="ZoneTexte 5">
+            <a:extLst>
+              <a:ext uri="{FF2B5EF4-FFF2-40B4-BE49-F238E27FC236}">
+                <a16:creationId xmlns:a16="http://schemas.microsoft.com/office/drawing/2014/main" id="{C9D90B23-9001-5115-3545-13A423F1FA6A}"/>
+              </a:ext>
+            </a:extLst>
+          </p:cNvPr>
+          <p:cNvSpPr txBox="1"/>
+          <p:nvPr/>
+        </p:nvSpPr>
+        <p:spPr>
+          <a:xfrm>
+            <a:off x="1249959" y="2223083"/>
+            <a:ext cx="9202723" cy="1077218"/>
+          </a:xfrm>
+          <a:prstGeom prst="rect">
+            <a:avLst/>
+          </a:prstGeom>
+          <a:noFill/>
+        </p:spPr>
+        <p:txBody>
+          <a:bodyPr wrap="square" rtlCol="0">
+            <a:spAutoFit/>
+          </a:bodyPr>
+          <a:lstStyle/>
+          <a:p>
+            <a:r>
+              <a:rPr lang="fr-FR" sz="3200" dirty="0"/>
+              <a:t>Les switch nous permettent de gérer bien plus de conditions que les if</a:t>
+            </a:r>
+          </a:p>
+        </p:txBody>
+      </p:sp>
+      <p:pic>
+        <p:nvPicPr>
+          <p:cNvPr id="4" name="Image 3">
+            <a:extLst>
+              <a:ext uri="{FF2B5EF4-FFF2-40B4-BE49-F238E27FC236}">
+                <a16:creationId xmlns:a16="http://schemas.microsoft.com/office/drawing/2014/main" id="{380D2CEA-5BBA-00D9-30E6-6B3D94FFD617}"/>
+              </a:ext>
+            </a:extLst>
+          </p:cNvPr>
+          <p:cNvPicPr>
+            <a:picLocks noChangeAspect="1"/>
+          </p:cNvPicPr>
+          <p:nvPr/>
+        </p:nvPicPr>
+        <p:blipFill>
+          <a:blip r:embed="rId2"/>
+          <a:stretch>
+            <a:fillRect/>
+          </a:stretch>
+        </p:blipFill>
+        <p:spPr>
+          <a:xfrm>
+            <a:off x="1769857" y="3429000"/>
+            <a:ext cx="8162925" cy="2876550"/>
+          </a:xfrm>
+          <a:prstGeom prst="rect">
+            <a:avLst/>
+          </a:prstGeom>
+        </p:spPr>
+      </p:pic>
+      <p:pic>
+        <p:nvPicPr>
+          <p:cNvPr id="2" name="Picture 12" descr="JavaScript Logo et symbole, sens, histoire, PNG, marque">
+            <a:extLst>
+              <a:ext uri="{FF2B5EF4-FFF2-40B4-BE49-F238E27FC236}">
+                <a16:creationId xmlns:a16="http://schemas.microsoft.com/office/drawing/2014/main" id="{32F6B0AA-AA41-EDBE-8FDE-631C0EE97869}"/>
+              </a:ext>
+            </a:extLst>
+          </p:cNvPr>
+          <p:cNvPicPr>
+            <a:picLocks noChangeAspect="1" noChangeArrowheads="1"/>
+          </p:cNvPicPr>
+          <p:nvPr/>
+        </p:nvPicPr>
+        <p:blipFill>
+          <a:blip r:embed="rId3">
+            <a:extLst>
+              <a:ext uri="{28A0092B-C50C-407E-A947-70E740481C1C}">
+                <a14:useLocalDpi xmlns:a14="http://schemas.microsoft.com/office/drawing/2010/main" val="0"/>
+              </a:ext>
+            </a:extLst>
+          </a:blip>
+          <a:srcRect/>
+          <a:stretch>
+            <a:fillRect/>
+          </a:stretch>
+        </p:blipFill>
+        <p:spPr bwMode="auto">
+          <a:xfrm>
+            <a:off x="10380582" y="286603"/>
+            <a:ext cx="1550195" cy="876779"/>
+          </a:xfrm>
+          <a:prstGeom prst="rect">
+            <a:avLst/>
+          </a:prstGeom>
+          <a:noFill/>
+          <a:extLst>
+            <a:ext uri="{909E8E84-426E-40DD-AFC4-6F175D3DCCD1}">
+              <a14:hiddenFill xmlns:a14="http://schemas.microsoft.com/office/drawing/2010/main">
+                <a:solidFill>
+                  <a:srgbClr val="FFFFFF"/>
+                </a:solidFill>
+              </a14:hiddenFill>
+            </a:ext>
+          </a:extLst>
+        </p:spPr>
+      </p:pic>
+    </p:spTree>
+    <p:extLst>
+      <p:ext uri="{BB962C8B-B14F-4D97-AF65-F5344CB8AC3E}">
+        <p14:creationId xmlns:p14="http://schemas.microsoft.com/office/powerpoint/2010/main" val="1092452442"/>
+      </p:ext>
+    </p:extLst>
+  </p:cSld>
+  <p:clrMapOvr>
+    <a:masterClrMapping/>
+  </p:clrMapOvr>
+</p:sld>
+</file>
+
+<file path=ppt/slides/slide22.xml><?xml version="1.0" encoding="utf-8"?>
+<p:sld xmlns:a="http://schemas.openxmlformats.org/drawingml/2006/main" xmlns:r="http://schemas.openxmlformats.org/officeDocument/2006/relationships" xmlns:p="http://schemas.openxmlformats.org/presentationml/2006/main">
+  <p:cSld>
+    <p:spTree>
+      <p:nvGrpSpPr>
+        <p:cNvPr id="1" name=""/>
+        <p:cNvGrpSpPr/>
+        <p:nvPr/>
+      </p:nvGrpSpPr>
+      <p:grpSpPr>
+        <a:xfrm>
+          <a:off x="0" y="0"/>
+          <a:ext cx="0" cy="0"/>
+          <a:chOff x="0" y="0"/>
+          <a:chExt cx="0" cy="0"/>
+        </a:xfrm>
+      </p:grpSpPr>
+      <p:sp>
+        <p:nvSpPr>
+          <p:cNvPr id="3" name="Titre 1">
+            <a:extLst>
+              <a:ext uri="{FF2B5EF4-FFF2-40B4-BE49-F238E27FC236}">
+                <a16:creationId xmlns:a16="http://schemas.microsoft.com/office/drawing/2014/main" id="{E7373E66-041F-37D5-0ADF-25BA87ABC979}"/>
+              </a:ext>
+            </a:extLst>
+          </p:cNvPr>
+          <p:cNvSpPr>
+            <a:spLocks noGrp="1"/>
+          </p:cNvSpPr>
+          <p:nvPr>
+            <p:ph type="title"/>
+          </p:nvPr>
+        </p:nvSpPr>
+        <p:spPr>
+          <a:xfrm>
+            <a:off x="1097280" y="286603"/>
+            <a:ext cx="10058400" cy="1450757"/>
+          </a:xfrm>
+        </p:spPr>
+        <p:txBody>
+          <a:bodyPr>
+            <a:normAutofit/>
+          </a:bodyPr>
+          <a:lstStyle/>
+          <a:p>
+            <a:r>
+              <a:rPr lang="fr-FR" dirty="0"/>
+              <a:t>III- La logique </a:t>
+            </a:r>
+            <a:br>
+              <a:rPr lang="fr-FR" dirty="0"/>
+            </a:br>
+            <a:r>
+              <a:rPr lang="fr-FR" dirty="0"/>
+              <a:t>	</a:t>
+            </a:r>
+            <a:r>
+              <a:rPr lang="fr-FR" sz="3600" i="1" dirty="0"/>
+              <a:t>  4. Opérateur logique </a:t>
+            </a:r>
+          </a:p>
+        </p:txBody>
+      </p:sp>
+      <p:sp>
+        <p:nvSpPr>
+          <p:cNvPr id="6" name="ZoneTexte 5">
+            <a:extLst>
+              <a:ext uri="{FF2B5EF4-FFF2-40B4-BE49-F238E27FC236}">
+                <a16:creationId xmlns:a16="http://schemas.microsoft.com/office/drawing/2014/main" id="{C9D90B23-9001-5115-3545-13A423F1FA6A}"/>
+              </a:ext>
+            </a:extLst>
+          </p:cNvPr>
+          <p:cNvSpPr txBox="1"/>
+          <p:nvPr/>
+        </p:nvSpPr>
+        <p:spPr>
+          <a:xfrm>
+            <a:off x="3909269" y="3058538"/>
+            <a:ext cx="9202723" cy="2062103"/>
+          </a:xfrm>
+          <a:prstGeom prst="rect">
+            <a:avLst/>
+          </a:prstGeom>
+          <a:noFill/>
+        </p:spPr>
+        <p:txBody>
+          <a:bodyPr wrap="square" rtlCol="0">
+            <a:spAutoFit/>
+          </a:bodyPr>
+          <a:lstStyle/>
+          <a:p>
+            <a:r>
+              <a:rPr lang="fr-FR" sz="3200" dirty="0"/>
+              <a:t>&amp;&amp;	 </a:t>
+            </a:r>
+            <a:r>
+              <a:rPr lang="fr-FR" sz="3200" dirty="0">
+                <a:sym typeface="Wingdings" panose="05000000000000000000" pitchFamily="2" charset="2"/>
+              </a:rPr>
+              <a:t> ET </a:t>
+            </a:r>
+          </a:p>
+          <a:p>
+            <a:r>
+              <a:rPr lang="fr-FR" sz="3200" dirty="0">
+                <a:sym typeface="Wingdings" panose="05000000000000000000" pitchFamily="2" charset="2"/>
+              </a:rPr>
+              <a:t>|| 	  OU </a:t>
+            </a:r>
+          </a:p>
+          <a:p>
+            <a:r>
+              <a:rPr lang="fr-FR" sz="3200" dirty="0">
+                <a:sym typeface="Wingdings" panose="05000000000000000000" pitchFamily="2" charset="2"/>
+              </a:rPr>
+              <a:t>! 	  NOT </a:t>
+            </a:r>
+          </a:p>
+          <a:p>
+            <a:r>
+              <a:rPr lang="fr-FR" sz="3200" dirty="0">
+                <a:sym typeface="Wingdings" panose="05000000000000000000" pitchFamily="2" charset="2"/>
+              </a:rPr>
+              <a:t>^ 	  XOR </a:t>
+            </a:r>
+            <a:endParaRPr lang="fr-FR" sz="3200" dirty="0"/>
+          </a:p>
+        </p:txBody>
+      </p:sp>
+      <p:pic>
+        <p:nvPicPr>
+          <p:cNvPr id="2" name="Picture 12" descr="JavaScript Logo et symbole, sens, histoire, PNG, marque">
+            <a:extLst>
+              <a:ext uri="{FF2B5EF4-FFF2-40B4-BE49-F238E27FC236}">
+                <a16:creationId xmlns:a16="http://schemas.microsoft.com/office/drawing/2014/main" id="{97E19E68-7BF3-D308-CD6E-D6B67A715D7A}"/>
+              </a:ext>
+            </a:extLst>
+          </p:cNvPr>
+          <p:cNvPicPr>
+            <a:picLocks noChangeAspect="1" noChangeArrowheads="1"/>
+          </p:cNvPicPr>
+          <p:nvPr/>
+        </p:nvPicPr>
+        <p:blipFill>
+          <a:blip r:embed="rId2">
+            <a:extLst>
+              <a:ext uri="{28A0092B-C50C-407E-A947-70E740481C1C}">
+                <a14:useLocalDpi xmlns:a14="http://schemas.microsoft.com/office/drawing/2010/main" val="0"/>
+              </a:ext>
+            </a:extLst>
+          </a:blip>
+          <a:srcRect/>
+          <a:stretch>
+            <a:fillRect/>
+          </a:stretch>
+        </p:blipFill>
+        <p:spPr bwMode="auto">
+          <a:xfrm>
+            <a:off x="10380582" y="286603"/>
+            <a:ext cx="1550195" cy="876779"/>
+          </a:xfrm>
+          <a:prstGeom prst="rect">
+            <a:avLst/>
+          </a:prstGeom>
+          <a:noFill/>
+          <a:extLst>
+            <a:ext uri="{909E8E84-426E-40DD-AFC4-6F175D3DCCD1}">
+              <a14:hiddenFill xmlns:a14="http://schemas.microsoft.com/office/drawing/2010/main">
+                <a:solidFill>
+                  <a:srgbClr val="FFFFFF"/>
+                </a:solidFill>
+              </a14:hiddenFill>
+            </a:ext>
+          </a:extLst>
+        </p:spPr>
+      </p:pic>
+    </p:spTree>
+    <p:extLst>
+      <p:ext uri="{BB962C8B-B14F-4D97-AF65-F5344CB8AC3E}">
+        <p14:creationId xmlns:p14="http://schemas.microsoft.com/office/powerpoint/2010/main" val="1394947229"/>
+      </p:ext>
+    </p:extLst>
+  </p:cSld>
+  <p:clrMapOvr>
+    <a:masterClrMapping/>
+  </p:clrMapOvr>
+</p:sld>
+</file>
+
+<file path=ppt/slides/slide23.xml><?xml version="1.0" encoding="utf-8"?>
+<p:sld xmlns:a="http://schemas.openxmlformats.org/drawingml/2006/main" xmlns:r="http://schemas.openxmlformats.org/officeDocument/2006/relationships" xmlns:p="http://schemas.openxmlformats.org/presentationml/2006/main">
+  <p:cSld>
+    <p:spTree>
+      <p:nvGrpSpPr>
+        <p:cNvPr id="1" name=""/>
+        <p:cNvGrpSpPr/>
+        <p:nvPr/>
+      </p:nvGrpSpPr>
+      <p:grpSpPr>
+        <a:xfrm>
+          <a:off x="0" y="0"/>
+          <a:ext cx="0" cy="0"/>
+          <a:chOff x="0" y="0"/>
+          <a:chExt cx="0" cy="0"/>
+        </a:xfrm>
+      </p:grpSpPr>
+      <p:sp>
+        <p:nvSpPr>
+          <p:cNvPr id="3" name="Titre 1">
+            <a:extLst>
+              <a:ext uri="{FF2B5EF4-FFF2-40B4-BE49-F238E27FC236}">
+                <a16:creationId xmlns:a16="http://schemas.microsoft.com/office/drawing/2014/main" id="{E7373E66-041F-37D5-0ADF-25BA87ABC979}"/>
+              </a:ext>
+            </a:extLst>
+          </p:cNvPr>
+          <p:cNvSpPr>
+            <a:spLocks noGrp="1"/>
+          </p:cNvSpPr>
+          <p:nvPr>
+            <p:ph type="title"/>
+          </p:nvPr>
+        </p:nvSpPr>
+        <p:spPr>
+          <a:xfrm>
+            <a:off x="1097280" y="286603"/>
+            <a:ext cx="10058400" cy="1450757"/>
+          </a:xfrm>
+        </p:spPr>
+        <p:txBody>
+          <a:bodyPr>
+            <a:normAutofit/>
+          </a:bodyPr>
+          <a:lstStyle/>
+          <a:p>
+            <a:r>
+              <a:rPr lang="fr-FR" dirty="0"/>
+              <a:t>III- La logique </a:t>
+            </a:r>
+            <a:br>
+              <a:rPr lang="fr-FR" dirty="0"/>
+            </a:br>
+            <a:r>
+              <a:rPr lang="fr-FR" dirty="0"/>
+              <a:t>	</a:t>
+            </a:r>
+            <a:r>
+              <a:rPr lang="fr-FR" sz="3600" i="1" dirty="0"/>
+              <a:t>  5. Conditions ternaires</a:t>
+            </a:r>
+          </a:p>
+        </p:txBody>
+      </p:sp>
+      <p:sp>
+        <p:nvSpPr>
+          <p:cNvPr id="2" name="ZoneTexte 1">
+            <a:extLst>
+              <a:ext uri="{FF2B5EF4-FFF2-40B4-BE49-F238E27FC236}">
+                <a16:creationId xmlns:a16="http://schemas.microsoft.com/office/drawing/2014/main" id="{A109451E-A7FA-F0FA-0960-744D9896FC9E}"/>
+              </a:ext>
+            </a:extLst>
+          </p:cNvPr>
+          <p:cNvSpPr txBox="1"/>
+          <p:nvPr/>
+        </p:nvSpPr>
+        <p:spPr>
+          <a:xfrm>
+            <a:off x="1567791" y="2818701"/>
+            <a:ext cx="9412448" cy="2154436"/>
+          </a:xfrm>
+          <a:prstGeom prst="rect">
+            <a:avLst/>
+          </a:prstGeom>
+          <a:noFill/>
+        </p:spPr>
+        <p:txBody>
+          <a:bodyPr wrap="square" rtlCol="0">
+            <a:spAutoFit/>
+          </a:bodyPr>
+          <a:lstStyle/>
+          <a:p>
+            <a:r>
+              <a:rPr lang="fr-FR" sz="2800" i="1" dirty="0"/>
+              <a:t>Permet de réaliser une condition sur une ligne</a:t>
+            </a:r>
+          </a:p>
+          <a:p>
+            <a:endParaRPr lang="fr-FR" dirty="0"/>
+          </a:p>
+          <a:p>
+            <a:endParaRPr lang="fr-FR" dirty="0"/>
+          </a:p>
+          <a:p>
+            <a:r>
+              <a:rPr lang="fr-FR" sz="2800" dirty="0"/>
+              <a:t>Structure: </a:t>
+            </a:r>
+          </a:p>
+          <a:p>
+            <a:r>
+              <a:rPr lang="fr-FR" sz="2400" dirty="0"/>
+              <a:t>Booléen </a:t>
+            </a:r>
+            <a:r>
+              <a:rPr lang="fr-FR" sz="2400" dirty="0">
+                <a:solidFill>
+                  <a:srgbClr val="FF0000"/>
+                </a:solidFill>
+              </a:rPr>
+              <a:t>?</a:t>
+            </a:r>
+            <a:r>
+              <a:rPr lang="fr-FR" sz="2400" dirty="0"/>
+              <a:t> Instruction si condition vraie </a:t>
+            </a:r>
+            <a:r>
+              <a:rPr lang="fr-FR" sz="2400" b="1" dirty="0">
+                <a:solidFill>
+                  <a:srgbClr val="FF0000"/>
+                </a:solidFill>
+              </a:rPr>
+              <a:t>:</a:t>
+            </a:r>
+            <a:r>
+              <a:rPr lang="fr-FR" sz="2400" dirty="0">
+                <a:solidFill>
+                  <a:srgbClr val="FF0000"/>
+                </a:solidFill>
+              </a:rPr>
+              <a:t> </a:t>
+            </a:r>
+            <a:r>
+              <a:rPr lang="fr-FR" sz="2400" dirty="0"/>
+              <a:t>instruction si condition fausse</a:t>
+            </a:r>
+          </a:p>
+          <a:p>
+            <a:endParaRPr lang="fr-FR" dirty="0"/>
+          </a:p>
+        </p:txBody>
+      </p:sp>
+      <p:pic>
+        <p:nvPicPr>
+          <p:cNvPr id="4" name="Picture 12" descr="JavaScript Logo et symbole, sens, histoire, PNG, marque">
+            <a:extLst>
+              <a:ext uri="{FF2B5EF4-FFF2-40B4-BE49-F238E27FC236}">
+                <a16:creationId xmlns:a16="http://schemas.microsoft.com/office/drawing/2014/main" id="{DA9CC14B-BC23-30E1-F7C9-267294693FA2}"/>
+              </a:ext>
+            </a:extLst>
+          </p:cNvPr>
+          <p:cNvPicPr>
+            <a:picLocks noChangeAspect="1" noChangeArrowheads="1"/>
+          </p:cNvPicPr>
+          <p:nvPr/>
+        </p:nvPicPr>
+        <p:blipFill>
+          <a:blip r:embed="rId2">
+            <a:extLst>
+              <a:ext uri="{28A0092B-C50C-407E-A947-70E740481C1C}">
+                <a14:useLocalDpi xmlns:a14="http://schemas.microsoft.com/office/drawing/2010/main" val="0"/>
+              </a:ext>
+            </a:extLst>
+          </a:blip>
+          <a:srcRect/>
+          <a:stretch>
+            <a:fillRect/>
+          </a:stretch>
+        </p:blipFill>
+        <p:spPr bwMode="auto">
+          <a:xfrm>
+            <a:off x="10380582" y="286603"/>
+            <a:ext cx="1550195" cy="876779"/>
+          </a:xfrm>
+          <a:prstGeom prst="rect">
+            <a:avLst/>
+          </a:prstGeom>
+          <a:noFill/>
+          <a:extLst>
+            <a:ext uri="{909E8E84-426E-40DD-AFC4-6F175D3DCCD1}">
+              <a14:hiddenFill xmlns:a14="http://schemas.microsoft.com/office/drawing/2010/main">
+                <a:solidFill>
+                  <a:srgbClr val="FFFFFF"/>
+                </a:solidFill>
+              </a14:hiddenFill>
+            </a:ext>
+          </a:extLst>
+        </p:spPr>
+      </p:pic>
+    </p:spTree>
+    <p:extLst>
+      <p:ext uri="{BB962C8B-B14F-4D97-AF65-F5344CB8AC3E}">
+        <p14:creationId xmlns:p14="http://schemas.microsoft.com/office/powerpoint/2010/main" val="44192773"/>
+      </p:ext>
+    </p:extLst>
+  </p:cSld>
+  <p:clrMapOvr>
+    <a:masterClrMapping/>
+  </p:clrMapOvr>
+</p:sld>
+</file>
+
+<file path=ppt/slides/slide24.xml><?xml version="1.0" encoding="utf-8"?>
+<p:sld xmlns:a="http://schemas.openxmlformats.org/drawingml/2006/main" xmlns:r="http://schemas.openxmlformats.org/officeDocument/2006/relationships" xmlns:p="http://schemas.openxmlformats.org/presentationml/2006/main">
+  <p:cSld>
+    <p:spTree>
+      <p:nvGrpSpPr>
+        <p:cNvPr id="1" name=""/>
+        <p:cNvGrpSpPr/>
+        <p:nvPr/>
+      </p:nvGrpSpPr>
+      <p:grpSpPr>
+        <a:xfrm>
+          <a:off x="0" y="0"/>
+          <a:ext cx="0" cy="0"/>
+          <a:chOff x="0" y="0"/>
+          <a:chExt cx="0" cy="0"/>
+        </a:xfrm>
+      </p:grpSpPr>
+      <p:sp>
+        <p:nvSpPr>
+          <p:cNvPr id="3" name="Titre 1">
+            <a:extLst>
+              <a:ext uri="{FF2B5EF4-FFF2-40B4-BE49-F238E27FC236}">
+                <a16:creationId xmlns:a16="http://schemas.microsoft.com/office/drawing/2014/main" id="{E7373E66-041F-37D5-0ADF-25BA87ABC979}"/>
+              </a:ext>
+            </a:extLst>
+          </p:cNvPr>
+          <p:cNvSpPr>
+            <a:spLocks noGrp="1"/>
+          </p:cNvSpPr>
+          <p:nvPr>
+            <p:ph type="title"/>
+          </p:nvPr>
+        </p:nvSpPr>
+        <p:spPr>
+          <a:xfrm>
+            <a:off x="1097280" y="286603"/>
+            <a:ext cx="10058400" cy="1450757"/>
+          </a:xfrm>
+        </p:spPr>
+        <p:txBody>
+          <a:bodyPr>
+            <a:normAutofit/>
+          </a:bodyPr>
+          <a:lstStyle/>
+          <a:p>
+            <a:r>
+              <a:rPr lang="fr-FR" dirty="0"/>
+              <a:t>III- La logique </a:t>
+            </a:r>
+            <a:br>
+              <a:rPr lang="fr-FR" dirty="0"/>
+            </a:br>
+            <a:r>
+              <a:rPr lang="fr-FR" dirty="0"/>
+              <a:t>	</a:t>
+            </a:r>
+            <a:r>
+              <a:rPr lang="fr-FR" sz="3600" i="1" dirty="0"/>
+              <a:t>  6. Boucles </a:t>
+            </a:r>
+            <a:r>
+              <a:rPr lang="fr-FR" sz="3600" i="1" dirty="0" err="1"/>
+              <a:t>while</a:t>
+            </a:r>
+            <a:endParaRPr lang="fr-FR" sz="3600" i="1" dirty="0"/>
+          </a:p>
+        </p:txBody>
+      </p:sp>
+      <p:pic>
+        <p:nvPicPr>
+          <p:cNvPr id="5" name="Image 4">
+            <a:extLst>
+              <a:ext uri="{FF2B5EF4-FFF2-40B4-BE49-F238E27FC236}">
+                <a16:creationId xmlns:a16="http://schemas.microsoft.com/office/drawing/2014/main" id="{DBA3E459-9739-E3BB-8849-2447674366A2}"/>
+              </a:ext>
+            </a:extLst>
+          </p:cNvPr>
+          <p:cNvPicPr>
+            <a:picLocks noChangeAspect="1"/>
+          </p:cNvPicPr>
+          <p:nvPr/>
+        </p:nvPicPr>
+        <p:blipFill>
+          <a:blip r:embed="rId2"/>
+          <a:stretch>
+            <a:fillRect/>
+          </a:stretch>
+        </p:blipFill>
+        <p:spPr>
+          <a:xfrm>
+            <a:off x="3372375" y="2025171"/>
+            <a:ext cx="4897312" cy="3095470"/>
+          </a:xfrm>
+          <a:prstGeom prst="rect">
+            <a:avLst/>
+          </a:prstGeom>
+        </p:spPr>
+      </p:pic>
+      <p:sp>
+        <p:nvSpPr>
+          <p:cNvPr id="2" name="ZoneTexte 1">
+            <a:extLst>
+              <a:ext uri="{FF2B5EF4-FFF2-40B4-BE49-F238E27FC236}">
+                <a16:creationId xmlns:a16="http://schemas.microsoft.com/office/drawing/2014/main" id="{492623B3-4FD6-A862-3D2B-99633114DDB4}"/>
+              </a:ext>
+            </a:extLst>
+          </p:cNvPr>
+          <p:cNvSpPr txBox="1"/>
+          <p:nvPr/>
+        </p:nvSpPr>
+        <p:spPr>
+          <a:xfrm>
+            <a:off x="1568741" y="5478011"/>
+            <a:ext cx="9957732" cy="523220"/>
+          </a:xfrm>
+          <a:prstGeom prst="rect">
+            <a:avLst/>
+          </a:prstGeom>
+          <a:noFill/>
+        </p:spPr>
+        <p:txBody>
+          <a:bodyPr wrap="square" rtlCol="0">
+            <a:spAutoFit/>
+          </a:bodyPr>
+          <a:lstStyle/>
+          <a:p>
+            <a:r>
+              <a:rPr lang="fr-FR" sz="2800" dirty="0"/>
+              <a:t>Exécute une série d’instructions </a:t>
+            </a:r>
+            <a:r>
+              <a:rPr lang="fr-FR" sz="2800" b="1" dirty="0"/>
+              <a:t>tant que </a:t>
+            </a:r>
+            <a:r>
+              <a:rPr lang="fr-FR" sz="2800" dirty="0"/>
+              <a:t>la condition est </a:t>
+            </a:r>
+            <a:r>
+              <a:rPr lang="fr-FR" sz="2800" b="1" dirty="0"/>
+              <a:t>vraie</a:t>
+            </a:r>
+            <a:r>
+              <a:rPr lang="fr-FR" sz="2800" dirty="0"/>
+              <a:t> </a:t>
+            </a:r>
+          </a:p>
+        </p:txBody>
+      </p:sp>
+      <p:pic>
+        <p:nvPicPr>
+          <p:cNvPr id="4" name="Picture 12" descr="JavaScript Logo et symbole, sens, histoire, PNG, marque">
+            <a:extLst>
+              <a:ext uri="{FF2B5EF4-FFF2-40B4-BE49-F238E27FC236}">
+                <a16:creationId xmlns:a16="http://schemas.microsoft.com/office/drawing/2014/main" id="{0887F59A-D9D1-E5E1-8C38-6C008A281F94}"/>
+              </a:ext>
+            </a:extLst>
+          </p:cNvPr>
+          <p:cNvPicPr>
+            <a:picLocks noChangeAspect="1" noChangeArrowheads="1"/>
+          </p:cNvPicPr>
+          <p:nvPr/>
+        </p:nvPicPr>
+        <p:blipFill>
+          <a:blip r:embed="rId3">
+            <a:extLst>
+              <a:ext uri="{28A0092B-C50C-407E-A947-70E740481C1C}">
+                <a14:useLocalDpi xmlns:a14="http://schemas.microsoft.com/office/drawing/2010/main" val="0"/>
+              </a:ext>
+            </a:extLst>
+          </a:blip>
+          <a:srcRect/>
+          <a:stretch>
+            <a:fillRect/>
+          </a:stretch>
+        </p:blipFill>
+        <p:spPr bwMode="auto">
+          <a:xfrm>
+            <a:off x="10380582" y="286603"/>
+            <a:ext cx="1550195" cy="876779"/>
+          </a:xfrm>
+          <a:prstGeom prst="rect">
+            <a:avLst/>
+          </a:prstGeom>
+          <a:noFill/>
+          <a:extLst>
+            <a:ext uri="{909E8E84-426E-40DD-AFC4-6F175D3DCCD1}">
+              <a14:hiddenFill xmlns:a14="http://schemas.microsoft.com/office/drawing/2010/main">
+                <a:solidFill>
+                  <a:srgbClr val="FFFFFF"/>
+                </a:solidFill>
+              </a14:hiddenFill>
+            </a:ext>
+          </a:extLst>
+        </p:spPr>
+      </p:pic>
+    </p:spTree>
+    <p:extLst>
+      <p:ext uri="{BB962C8B-B14F-4D97-AF65-F5344CB8AC3E}">
+        <p14:creationId xmlns:p14="http://schemas.microsoft.com/office/powerpoint/2010/main" val="625475371"/>
+      </p:ext>
+    </p:extLst>
+  </p:cSld>
+  <p:clrMapOvr>
+    <a:masterClrMapping/>
+  </p:clrMapOvr>
+</p:sld>
+</file>
+
+<file path=ppt/slides/slide25.xml><?xml version="1.0" encoding="utf-8"?>
+<p:sld xmlns:a="http://schemas.openxmlformats.org/drawingml/2006/main" xmlns:r="http://schemas.openxmlformats.org/officeDocument/2006/relationships" xmlns:p="http://schemas.openxmlformats.org/presentationml/2006/main">
+  <p:cSld>
+    <p:spTree>
+      <p:nvGrpSpPr>
+        <p:cNvPr id="1" name=""/>
+        <p:cNvGrpSpPr/>
+        <p:nvPr/>
+      </p:nvGrpSpPr>
+      <p:grpSpPr>
+        <a:xfrm>
+          <a:off x="0" y="0"/>
+          <a:ext cx="0" cy="0"/>
+          <a:chOff x="0" y="0"/>
+          <a:chExt cx="0" cy="0"/>
+        </a:xfrm>
+      </p:grpSpPr>
+      <p:sp>
+        <p:nvSpPr>
+          <p:cNvPr id="3" name="Titre 1">
+            <a:extLst>
+              <a:ext uri="{FF2B5EF4-FFF2-40B4-BE49-F238E27FC236}">
+                <a16:creationId xmlns:a16="http://schemas.microsoft.com/office/drawing/2014/main" id="{E7373E66-041F-37D5-0ADF-25BA87ABC979}"/>
+              </a:ext>
+            </a:extLst>
+          </p:cNvPr>
+          <p:cNvSpPr>
+            <a:spLocks noGrp="1"/>
+          </p:cNvSpPr>
+          <p:nvPr>
+            <p:ph type="title"/>
+          </p:nvPr>
+        </p:nvSpPr>
+        <p:spPr>
+          <a:xfrm>
+            <a:off x="1097280" y="286603"/>
+            <a:ext cx="10058400" cy="1450757"/>
+          </a:xfrm>
+        </p:spPr>
+        <p:txBody>
+          <a:bodyPr>
+            <a:normAutofit/>
+          </a:bodyPr>
+          <a:lstStyle/>
+          <a:p>
+            <a:r>
+              <a:rPr lang="fr-FR" dirty="0"/>
+              <a:t>III- La logique </a:t>
+            </a:r>
+            <a:br>
+              <a:rPr lang="fr-FR" dirty="0"/>
+            </a:br>
+            <a:r>
+              <a:rPr lang="fr-FR" dirty="0"/>
+              <a:t>	</a:t>
+            </a:r>
+            <a:r>
+              <a:rPr lang="fr-FR" sz="3600" i="1" dirty="0"/>
+              <a:t>  7. Boucles do … </a:t>
+            </a:r>
+            <a:r>
+              <a:rPr lang="fr-FR" sz="3600" i="1" dirty="0" err="1"/>
+              <a:t>while</a:t>
+            </a:r>
+            <a:endParaRPr lang="fr-FR" sz="3600" i="1" dirty="0"/>
+          </a:p>
+        </p:txBody>
+      </p:sp>
+      <p:pic>
+        <p:nvPicPr>
+          <p:cNvPr id="5" name="Image 4">
+            <a:extLst>
+              <a:ext uri="{FF2B5EF4-FFF2-40B4-BE49-F238E27FC236}">
+                <a16:creationId xmlns:a16="http://schemas.microsoft.com/office/drawing/2014/main" id="{4FAAA601-B626-CA1A-AF97-B0CB5902A6FF}"/>
+              </a:ext>
+            </a:extLst>
+          </p:cNvPr>
+          <p:cNvPicPr>
+            <a:picLocks noChangeAspect="1"/>
+          </p:cNvPicPr>
+          <p:nvPr/>
+        </p:nvPicPr>
+        <p:blipFill>
+          <a:blip r:embed="rId2"/>
+          <a:stretch>
+            <a:fillRect/>
+          </a:stretch>
+        </p:blipFill>
+        <p:spPr>
+          <a:xfrm>
+            <a:off x="3590488" y="2026438"/>
+            <a:ext cx="3896006" cy="2805124"/>
+          </a:xfrm>
+          <a:prstGeom prst="rect">
+            <a:avLst/>
+          </a:prstGeom>
+        </p:spPr>
+      </p:pic>
+      <p:sp>
+        <p:nvSpPr>
+          <p:cNvPr id="6" name="ZoneTexte 5">
+            <a:extLst>
+              <a:ext uri="{FF2B5EF4-FFF2-40B4-BE49-F238E27FC236}">
+                <a16:creationId xmlns:a16="http://schemas.microsoft.com/office/drawing/2014/main" id="{802532EA-97C5-6303-D7C0-698E0C47D1DC}"/>
+              </a:ext>
+            </a:extLst>
+          </p:cNvPr>
+          <p:cNvSpPr txBox="1"/>
+          <p:nvPr/>
+        </p:nvSpPr>
+        <p:spPr>
+          <a:xfrm>
+            <a:off x="1231504" y="5220282"/>
+            <a:ext cx="10132223" cy="830997"/>
+          </a:xfrm>
+          <a:prstGeom prst="rect">
+            <a:avLst/>
+          </a:prstGeom>
+          <a:noFill/>
+        </p:spPr>
+        <p:txBody>
+          <a:bodyPr wrap="square" rtlCol="0">
+            <a:spAutoFit/>
+          </a:bodyPr>
+          <a:lstStyle/>
+          <a:p>
+            <a:r>
+              <a:rPr lang="fr-FR" sz="2400" dirty="0"/>
+              <a:t>Très similaire à la boucle </a:t>
+            </a:r>
+            <a:r>
+              <a:rPr lang="fr-FR" sz="2400" b="1" dirty="0" err="1"/>
+              <a:t>While</a:t>
+            </a:r>
+            <a:r>
+              <a:rPr lang="fr-FR" sz="2400" dirty="0"/>
+              <a:t> mais permet d’exécuter </a:t>
+            </a:r>
+            <a:r>
+              <a:rPr lang="fr-FR" sz="2400" b="1" i="1" dirty="0"/>
+              <a:t>au moins une fois </a:t>
+            </a:r>
+            <a:r>
+              <a:rPr lang="fr-FR" sz="2400" dirty="0"/>
+              <a:t>les instructions avant d’effectuer la condition.</a:t>
+            </a:r>
+          </a:p>
+        </p:txBody>
+      </p:sp>
+      <p:pic>
+        <p:nvPicPr>
+          <p:cNvPr id="2" name="Picture 12" descr="JavaScript Logo et symbole, sens, histoire, PNG, marque">
+            <a:extLst>
+              <a:ext uri="{FF2B5EF4-FFF2-40B4-BE49-F238E27FC236}">
+                <a16:creationId xmlns:a16="http://schemas.microsoft.com/office/drawing/2014/main" id="{D10A1004-A57D-EA65-048E-9BF4AEDC54A8}"/>
+              </a:ext>
+            </a:extLst>
+          </p:cNvPr>
+          <p:cNvPicPr>
+            <a:picLocks noChangeAspect="1" noChangeArrowheads="1"/>
+          </p:cNvPicPr>
+          <p:nvPr/>
+        </p:nvPicPr>
+        <p:blipFill>
+          <a:blip r:embed="rId3">
+            <a:extLst>
+              <a:ext uri="{28A0092B-C50C-407E-A947-70E740481C1C}">
+                <a14:useLocalDpi xmlns:a14="http://schemas.microsoft.com/office/drawing/2010/main" val="0"/>
+              </a:ext>
+            </a:extLst>
+          </a:blip>
+          <a:srcRect/>
+          <a:stretch>
+            <a:fillRect/>
+          </a:stretch>
+        </p:blipFill>
+        <p:spPr bwMode="auto">
+          <a:xfrm>
+            <a:off x="10380582" y="286603"/>
+            <a:ext cx="1550195" cy="876779"/>
+          </a:xfrm>
+          <a:prstGeom prst="rect">
+            <a:avLst/>
+          </a:prstGeom>
+          <a:noFill/>
+          <a:extLst>
+            <a:ext uri="{909E8E84-426E-40DD-AFC4-6F175D3DCCD1}">
+              <a14:hiddenFill xmlns:a14="http://schemas.microsoft.com/office/drawing/2010/main">
+                <a:solidFill>
+                  <a:srgbClr val="FFFFFF"/>
+                </a:solidFill>
+              </a14:hiddenFill>
+            </a:ext>
+          </a:extLst>
+        </p:spPr>
+      </p:pic>
+    </p:spTree>
+    <p:extLst>
+      <p:ext uri="{BB962C8B-B14F-4D97-AF65-F5344CB8AC3E}">
+        <p14:creationId xmlns:p14="http://schemas.microsoft.com/office/powerpoint/2010/main" val="2503950738"/>
+      </p:ext>
+    </p:extLst>
+  </p:cSld>
+  <p:clrMapOvr>
+    <a:masterClrMapping/>
+  </p:clrMapOvr>
+</p:sld>
+</file>
+
+<file path=ppt/slides/slide26.xml><?xml version="1.0" encoding="utf-8"?>
+<p:sld xmlns:a="http://schemas.openxmlformats.org/drawingml/2006/main" xmlns:r="http://schemas.openxmlformats.org/officeDocument/2006/relationships" xmlns:p="http://schemas.openxmlformats.org/presentationml/2006/main">
+  <p:cSld>
+    <p:spTree>
+      <p:nvGrpSpPr>
+        <p:cNvPr id="1" name=""/>
+        <p:cNvGrpSpPr/>
+        <p:nvPr/>
+      </p:nvGrpSpPr>
+      <p:grpSpPr>
+        <a:xfrm>
+          <a:off x="0" y="0"/>
+          <a:ext cx="0" cy="0"/>
+          <a:chOff x="0" y="0"/>
+          <a:chExt cx="0" cy="0"/>
+        </a:xfrm>
+      </p:grpSpPr>
+      <p:sp>
+        <p:nvSpPr>
+          <p:cNvPr id="3" name="Titre 1">
+            <a:extLst>
+              <a:ext uri="{FF2B5EF4-FFF2-40B4-BE49-F238E27FC236}">
+                <a16:creationId xmlns:a16="http://schemas.microsoft.com/office/drawing/2014/main" id="{E7373E66-041F-37D5-0ADF-25BA87ABC979}"/>
+              </a:ext>
+            </a:extLst>
+          </p:cNvPr>
+          <p:cNvSpPr>
+            <a:spLocks noGrp="1"/>
+          </p:cNvSpPr>
+          <p:nvPr>
+            <p:ph type="title"/>
+          </p:nvPr>
+        </p:nvSpPr>
+        <p:spPr>
+          <a:xfrm>
+            <a:off x="1097280" y="286603"/>
+            <a:ext cx="10058400" cy="1450757"/>
+          </a:xfrm>
+        </p:spPr>
+        <p:txBody>
+          <a:bodyPr>
+            <a:normAutofit/>
+          </a:bodyPr>
+          <a:lstStyle/>
+          <a:p>
+            <a:r>
+              <a:rPr lang="fr-FR" dirty="0"/>
+              <a:t>III- La logique </a:t>
+            </a:r>
+            <a:br>
+              <a:rPr lang="fr-FR" dirty="0"/>
+            </a:br>
+            <a:r>
+              <a:rPr lang="fr-FR" dirty="0"/>
+              <a:t>	</a:t>
+            </a:r>
+            <a:r>
+              <a:rPr lang="fr-FR" sz="3600" i="1" dirty="0"/>
+              <a:t>  7. Boucles for …</a:t>
+            </a:r>
+          </a:p>
+        </p:txBody>
+      </p:sp>
+      <p:pic>
+        <p:nvPicPr>
+          <p:cNvPr id="7" name="Image 6">
+            <a:extLst>
+              <a:ext uri="{FF2B5EF4-FFF2-40B4-BE49-F238E27FC236}">
+                <a16:creationId xmlns:a16="http://schemas.microsoft.com/office/drawing/2014/main" id="{0DB6A718-50BF-3D9A-F106-68DB25CB2FC8}"/>
+              </a:ext>
+            </a:extLst>
+          </p:cNvPr>
+          <p:cNvPicPr>
+            <a:picLocks noChangeAspect="1"/>
+          </p:cNvPicPr>
+          <p:nvPr/>
+        </p:nvPicPr>
+        <p:blipFill>
+          <a:blip r:embed="rId2"/>
+          <a:stretch>
+            <a:fillRect/>
+          </a:stretch>
+        </p:blipFill>
+        <p:spPr>
+          <a:xfrm>
+            <a:off x="1464952" y="2948587"/>
+            <a:ext cx="9262095" cy="2026083"/>
+          </a:xfrm>
+          <a:prstGeom prst="rect">
+            <a:avLst/>
+          </a:prstGeom>
+        </p:spPr>
+      </p:pic>
+      <p:pic>
+        <p:nvPicPr>
+          <p:cNvPr id="2" name="Picture 12" descr="JavaScript Logo et symbole, sens, histoire, PNG, marque">
+            <a:extLst>
+              <a:ext uri="{FF2B5EF4-FFF2-40B4-BE49-F238E27FC236}">
+                <a16:creationId xmlns:a16="http://schemas.microsoft.com/office/drawing/2014/main" id="{5725DB48-1A72-5912-AA60-991FC131C3F6}"/>
+              </a:ext>
+            </a:extLst>
+          </p:cNvPr>
+          <p:cNvPicPr>
+            <a:picLocks noChangeAspect="1" noChangeArrowheads="1"/>
+          </p:cNvPicPr>
+          <p:nvPr/>
+        </p:nvPicPr>
+        <p:blipFill>
+          <a:blip r:embed="rId3">
+            <a:extLst>
+              <a:ext uri="{28A0092B-C50C-407E-A947-70E740481C1C}">
+                <a14:useLocalDpi xmlns:a14="http://schemas.microsoft.com/office/drawing/2010/main" val="0"/>
+              </a:ext>
+            </a:extLst>
+          </a:blip>
+          <a:srcRect/>
+          <a:stretch>
+            <a:fillRect/>
+          </a:stretch>
+        </p:blipFill>
+        <p:spPr bwMode="auto">
+          <a:xfrm>
+            <a:off x="10380582" y="286603"/>
+            <a:ext cx="1550195" cy="876779"/>
+          </a:xfrm>
+          <a:prstGeom prst="rect">
+            <a:avLst/>
+          </a:prstGeom>
+          <a:noFill/>
+          <a:extLst>
+            <a:ext uri="{909E8E84-426E-40DD-AFC4-6F175D3DCCD1}">
+              <a14:hiddenFill xmlns:a14="http://schemas.microsoft.com/office/drawing/2010/main">
+                <a:solidFill>
+                  <a:srgbClr val="FFFFFF"/>
+                </a:solidFill>
+              </a14:hiddenFill>
+            </a:ext>
+          </a:extLst>
+        </p:spPr>
+      </p:pic>
+    </p:spTree>
+    <p:extLst>
+      <p:ext uri="{BB962C8B-B14F-4D97-AF65-F5344CB8AC3E}">
+        <p14:creationId xmlns:p14="http://schemas.microsoft.com/office/powerpoint/2010/main" val="3944050493"/>
+      </p:ext>
+    </p:extLst>
+  </p:cSld>
+  <p:clrMapOvr>
+    <a:masterClrMapping/>
+  </p:clrMapOvr>
+</p:sld>
+</file>
+
+<file path=ppt/slides/slide27.xml><?xml version="1.0" encoding="utf-8"?>
+<p:sld xmlns:a="http://schemas.openxmlformats.org/drawingml/2006/main" xmlns:r="http://schemas.openxmlformats.org/officeDocument/2006/relationships" xmlns:p="http://schemas.openxmlformats.org/presentationml/2006/main">
+  <p:cSld>
+    <p:spTree>
+      <p:nvGrpSpPr>
+        <p:cNvPr id="1" name=""/>
+        <p:cNvGrpSpPr/>
+        <p:nvPr/>
+      </p:nvGrpSpPr>
+      <p:grpSpPr>
+        <a:xfrm>
+          <a:off x="0" y="0"/>
+          <a:ext cx="0" cy="0"/>
+          <a:chOff x="0" y="0"/>
+          <a:chExt cx="0" cy="0"/>
+        </a:xfrm>
+      </p:grpSpPr>
+      <p:sp>
+        <p:nvSpPr>
+          <p:cNvPr id="3" name="Titre 1">
+            <a:extLst>
+              <a:ext uri="{FF2B5EF4-FFF2-40B4-BE49-F238E27FC236}">
+                <a16:creationId xmlns:a16="http://schemas.microsoft.com/office/drawing/2014/main" id="{E7373E66-041F-37D5-0ADF-25BA87ABC979}"/>
+              </a:ext>
+            </a:extLst>
+          </p:cNvPr>
+          <p:cNvSpPr>
+            <a:spLocks noGrp="1"/>
+          </p:cNvSpPr>
+          <p:nvPr>
+            <p:ph type="title"/>
+          </p:nvPr>
+        </p:nvSpPr>
+        <p:spPr>
+          <a:xfrm>
+            <a:off x="1097280" y="286603"/>
+            <a:ext cx="10058400" cy="1450757"/>
+          </a:xfrm>
+        </p:spPr>
+        <p:txBody>
+          <a:bodyPr>
+            <a:normAutofit/>
+          </a:bodyPr>
+          <a:lstStyle/>
+          <a:p>
+            <a:r>
+              <a:rPr lang="fr-FR" dirty="0"/>
+              <a:t>III- La logique </a:t>
+            </a:r>
+            <a:br>
+              <a:rPr lang="fr-FR" dirty="0"/>
+            </a:br>
+            <a:r>
+              <a:rPr lang="fr-FR" dirty="0"/>
+              <a:t>	</a:t>
+            </a:r>
+            <a:r>
+              <a:rPr lang="fr-FR" sz="3600" i="1" dirty="0"/>
+              <a:t>  8. Break &amp; continue </a:t>
+            </a:r>
+          </a:p>
+        </p:txBody>
+      </p:sp>
+      <p:sp>
+        <p:nvSpPr>
+          <p:cNvPr id="2" name="ZoneTexte 1">
+            <a:extLst>
+              <a:ext uri="{FF2B5EF4-FFF2-40B4-BE49-F238E27FC236}">
+                <a16:creationId xmlns:a16="http://schemas.microsoft.com/office/drawing/2014/main" id="{E469C5E6-439E-FD19-FD70-381C7B48453B}"/>
+              </a:ext>
+            </a:extLst>
+          </p:cNvPr>
+          <p:cNvSpPr txBox="1"/>
+          <p:nvPr/>
+        </p:nvSpPr>
+        <p:spPr>
+          <a:xfrm>
+            <a:off x="1497994" y="3468848"/>
+            <a:ext cx="9196012" cy="954107"/>
+          </a:xfrm>
+          <a:prstGeom prst="rect">
+            <a:avLst/>
+          </a:prstGeom>
+          <a:noFill/>
+        </p:spPr>
+        <p:txBody>
+          <a:bodyPr wrap="square" rtlCol="0">
+            <a:spAutoFit/>
+          </a:bodyPr>
+          <a:lstStyle/>
+          <a:p>
+            <a:r>
+              <a:rPr lang="fr-FR" sz="2800" dirty="0"/>
+              <a:t>Break </a:t>
+            </a:r>
+            <a:r>
+              <a:rPr lang="fr-FR" sz="2800" dirty="0">
+                <a:sym typeface="Wingdings" panose="05000000000000000000" pitchFamily="2" charset="2"/>
+              </a:rPr>
+              <a:t> Stop le programme et sort de la boucle </a:t>
+            </a:r>
+          </a:p>
+          <a:p>
+            <a:r>
+              <a:rPr lang="fr-FR" sz="2800" dirty="0">
+                <a:sym typeface="Wingdings" panose="05000000000000000000" pitchFamily="2" charset="2"/>
+              </a:rPr>
+              <a:t>Continue  Stop de programme passe à l’itération suivante </a:t>
+            </a:r>
+            <a:endParaRPr lang="fr-FR" sz="2800" dirty="0"/>
+          </a:p>
+        </p:txBody>
+      </p:sp>
+      <p:pic>
+        <p:nvPicPr>
+          <p:cNvPr id="4" name="Picture 12" descr="JavaScript Logo et symbole, sens, histoire, PNG, marque">
+            <a:extLst>
+              <a:ext uri="{FF2B5EF4-FFF2-40B4-BE49-F238E27FC236}">
+                <a16:creationId xmlns:a16="http://schemas.microsoft.com/office/drawing/2014/main" id="{C13E9D3C-3DD4-AC86-176A-2B6736576526}"/>
+              </a:ext>
+            </a:extLst>
+          </p:cNvPr>
+          <p:cNvPicPr>
+            <a:picLocks noChangeAspect="1" noChangeArrowheads="1"/>
+          </p:cNvPicPr>
+          <p:nvPr/>
+        </p:nvPicPr>
+        <p:blipFill>
+          <a:blip r:embed="rId2">
+            <a:extLst>
+              <a:ext uri="{28A0092B-C50C-407E-A947-70E740481C1C}">
+                <a14:useLocalDpi xmlns:a14="http://schemas.microsoft.com/office/drawing/2010/main" val="0"/>
+              </a:ext>
+            </a:extLst>
+          </a:blip>
+          <a:srcRect/>
+          <a:stretch>
+            <a:fillRect/>
+          </a:stretch>
+        </p:blipFill>
+        <p:spPr bwMode="auto">
+          <a:xfrm>
+            <a:off x="10380582" y="286603"/>
+            <a:ext cx="1550195" cy="876779"/>
+          </a:xfrm>
+          <a:prstGeom prst="rect">
+            <a:avLst/>
+          </a:prstGeom>
+          <a:noFill/>
+          <a:extLst>
+            <a:ext uri="{909E8E84-426E-40DD-AFC4-6F175D3DCCD1}">
+              <a14:hiddenFill xmlns:a14="http://schemas.microsoft.com/office/drawing/2010/main">
+                <a:solidFill>
+                  <a:srgbClr val="FFFFFF"/>
+                </a:solidFill>
+              </a14:hiddenFill>
+            </a:ext>
+          </a:extLst>
+        </p:spPr>
+      </p:pic>
+    </p:spTree>
+    <p:extLst>
+      <p:ext uri="{BB962C8B-B14F-4D97-AF65-F5344CB8AC3E}">
+        <p14:creationId xmlns:p14="http://schemas.microsoft.com/office/powerpoint/2010/main" val="858273670"/>
+      </p:ext>
+    </p:extLst>
+  </p:cSld>
+  <p:clrMapOvr>
+    <a:masterClrMapping/>
+  </p:clrMapOvr>
+</p:sld>
+</file>
+
+<file path=ppt/slides/slide28.xml><?xml version="1.0" encoding="utf-8"?>
+<p:sld xmlns:a="http://schemas.openxmlformats.org/drawingml/2006/main" xmlns:r="http://schemas.openxmlformats.org/officeDocument/2006/relationships" xmlns:p="http://schemas.openxmlformats.org/presentationml/2006/main">
+  <p:cSld>
+    <p:spTree>
+      <p:nvGrpSpPr>
+        <p:cNvPr id="1" name=""/>
+        <p:cNvGrpSpPr/>
+        <p:nvPr/>
+      </p:nvGrpSpPr>
+      <p:grpSpPr>
+        <a:xfrm>
+          <a:off x="0" y="0"/>
+          <a:ext cx="0" cy="0"/>
+          <a:chOff x="0" y="0"/>
+          <a:chExt cx="0" cy="0"/>
+        </a:xfrm>
+      </p:grpSpPr>
+      <p:sp>
+        <p:nvSpPr>
+          <p:cNvPr id="3" name="Titre 1">
+            <a:extLst>
+              <a:ext uri="{FF2B5EF4-FFF2-40B4-BE49-F238E27FC236}">
+                <a16:creationId xmlns:a16="http://schemas.microsoft.com/office/drawing/2014/main" id="{E7373E66-041F-37D5-0ADF-25BA87ABC979}"/>
+              </a:ext>
+            </a:extLst>
+          </p:cNvPr>
+          <p:cNvSpPr>
+            <a:spLocks noGrp="1"/>
+          </p:cNvSpPr>
+          <p:nvPr>
+            <p:ph type="title"/>
+          </p:nvPr>
+        </p:nvSpPr>
+        <p:spPr>
+          <a:xfrm>
+            <a:off x="1097280" y="286603"/>
+            <a:ext cx="10058400" cy="1450757"/>
+          </a:xfrm>
+        </p:spPr>
+        <p:txBody>
+          <a:bodyPr>
+            <a:normAutofit/>
+          </a:bodyPr>
+          <a:lstStyle/>
+          <a:p>
+            <a:r>
+              <a:rPr lang="fr-FR" dirty="0"/>
+              <a:t>III- La logique </a:t>
+            </a:r>
+            <a:br>
+              <a:rPr lang="fr-FR" dirty="0"/>
+            </a:br>
+            <a:r>
+              <a:rPr lang="fr-FR" dirty="0"/>
+              <a:t>	</a:t>
+            </a:r>
+            <a:r>
+              <a:rPr lang="fr-FR" sz="3600" i="1" dirty="0"/>
+              <a:t>  8. Gérer les exceptions</a:t>
+            </a:r>
+          </a:p>
+        </p:txBody>
+      </p:sp>
+      <p:pic>
+        <p:nvPicPr>
+          <p:cNvPr id="4" name="Image 3">
+            <a:extLst>
+              <a:ext uri="{FF2B5EF4-FFF2-40B4-BE49-F238E27FC236}">
+                <a16:creationId xmlns:a16="http://schemas.microsoft.com/office/drawing/2014/main" id="{7D17A02E-E725-025F-7CC0-6ADEB8F45CBA}"/>
+              </a:ext>
+            </a:extLst>
+          </p:cNvPr>
+          <p:cNvPicPr>
+            <a:picLocks noChangeAspect="1"/>
+          </p:cNvPicPr>
+          <p:nvPr/>
+        </p:nvPicPr>
+        <p:blipFill>
+          <a:blip r:embed="rId2"/>
+          <a:stretch>
+            <a:fillRect/>
+          </a:stretch>
+        </p:blipFill>
+        <p:spPr>
+          <a:xfrm>
+            <a:off x="3694813" y="3595516"/>
+            <a:ext cx="3573704" cy="2318724"/>
+          </a:xfrm>
+          <a:prstGeom prst="rect">
+            <a:avLst/>
+          </a:prstGeom>
+        </p:spPr>
+      </p:pic>
+      <p:sp>
+        <p:nvSpPr>
+          <p:cNvPr id="5" name="ZoneTexte 4">
+            <a:extLst>
+              <a:ext uri="{FF2B5EF4-FFF2-40B4-BE49-F238E27FC236}">
+                <a16:creationId xmlns:a16="http://schemas.microsoft.com/office/drawing/2014/main" id="{843488D3-D772-DCAE-1B42-E6C8ECC754EC}"/>
+              </a:ext>
+            </a:extLst>
+          </p:cNvPr>
+          <p:cNvSpPr txBox="1"/>
+          <p:nvPr/>
+        </p:nvSpPr>
+        <p:spPr>
+          <a:xfrm>
+            <a:off x="1241571" y="2130804"/>
+            <a:ext cx="9914109" cy="830997"/>
+          </a:xfrm>
+          <a:prstGeom prst="rect">
+            <a:avLst/>
+          </a:prstGeom>
+          <a:noFill/>
+        </p:spPr>
+        <p:txBody>
+          <a:bodyPr wrap="square" rtlCol="0">
+            <a:spAutoFit/>
+          </a:bodyPr>
+          <a:lstStyle/>
+          <a:p>
+            <a:r>
+              <a:rPr lang="fr-FR" sz="2400" dirty="0"/>
+              <a:t>Cette structure agit un peu comme un if … </a:t>
+            </a:r>
+            <a:r>
+              <a:rPr lang="fr-FR" sz="2400" dirty="0" err="1"/>
+              <a:t>else</a:t>
+            </a:r>
+            <a:r>
+              <a:rPr lang="fr-FR" sz="2400" dirty="0"/>
+              <a:t>… mais spécifique à la gestion des exceptions. </a:t>
+            </a:r>
+          </a:p>
+        </p:txBody>
+      </p:sp>
+      <p:pic>
+        <p:nvPicPr>
+          <p:cNvPr id="2" name="Picture 12" descr="JavaScript Logo et symbole, sens, histoire, PNG, marque">
+            <a:extLst>
+              <a:ext uri="{FF2B5EF4-FFF2-40B4-BE49-F238E27FC236}">
+                <a16:creationId xmlns:a16="http://schemas.microsoft.com/office/drawing/2014/main" id="{45773DBB-AAE1-8150-A4F0-458BFC4573CD}"/>
+              </a:ext>
+            </a:extLst>
+          </p:cNvPr>
+          <p:cNvPicPr>
+            <a:picLocks noChangeAspect="1" noChangeArrowheads="1"/>
+          </p:cNvPicPr>
+          <p:nvPr/>
+        </p:nvPicPr>
+        <p:blipFill>
+          <a:blip r:embed="rId3">
+            <a:extLst>
+              <a:ext uri="{28A0092B-C50C-407E-A947-70E740481C1C}">
+                <a14:useLocalDpi xmlns:a14="http://schemas.microsoft.com/office/drawing/2010/main" val="0"/>
+              </a:ext>
+            </a:extLst>
+          </a:blip>
+          <a:srcRect/>
+          <a:stretch>
+            <a:fillRect/>
+          </a:stretch>
+        </p:blipFill>
+        <p:spPr bwMode="auto">
+          <a:xfrm>
+            <a:off x="10380582" y="286603"/>
+            <a:ext cx="1550195" cy="876779"/>
+          </a:xfrm>
+          <a:prstGeom prst="rect">
+            <a:avLst/>
+          </a:prstGeom>
+          <a:noFill/>
+          <a:extLst>
+            <a:ext uri="{909E8E84-426E-40DD-AFC4-6F175D3DCCD1}">
+              <a14:hiddenFill xmlns:a14="http://schemas.microsoft.com/office/drawing/2010/main">
+                <a:solidFill>
+                  <a:srgbClr val="FFFFFF"/>
+                </a:solidFill>
+              </a14:hiddenFill>
+            </a:ext>
+          </a:extLst>
+        </p:spPr>
+      </p:pic>
+    </p:spTree>
+    <p:extLst>
+      <p:ext uri="{BB962C8B-B14F-4D97-AF65-F5344CB8AC3E}">
+        <p14:creationId xmlns:p14="http://schemas.microsoft.com/office/powerpoint/2010/main" val="1149640451"/>
       </p:ext>
     </p:extLst>
   </p:cSld>

--- a/cours.pptx
+++ b/cours.pptx
@@ -33,6 +33,26 @@
     <p:sldId id="322" r:id="rId27"/>
     <p:sldId id="323" r:id="rId28"/>
     <p:sldId id="324" r:id="rId29"/>
+    <p:sldId id="338" r:id="rId30"/>
+    <p:sldId id="339" r:id="rId31"/>
+    <p:sldId id="340" r:id="rId32"/>
+    <p:sldId id="325" r:id="rId33"/>
+    <p:sldId id="346" r:id="rId34"/>
+    <p:sldId id="347" r:id="rId35"/>
+    <p:sldId id="348" r:id="rId36"/>
+    <p:sldId id="349" r:id="rId37"/>
+    <p:sldId id="377" r:id="rId38"/>
+    <p:sldId id="350" r:id="rId39"/>
+    <p:sldId id="351" r:id="rId40"/>
+    <p:sldId id="352" r:id="rId41"/>
+    <p:sldId id="471" r:id="rId42"/>
+    <p:sldId id="353" r:id="rId43"/>
+    <p:sldId id="354" r:id="rId44"/>
+    <p:sldId id="355" r:id="rId45"/>
+    <p:sldId id="356" r:id="rId46"/>
+    <p:sldId id="357" r:id="rId47"/>
+    <p:sldId id="358" r:id="rId48"/>
+    <p:sldId id="359" r:id="rId49"/>
   </p:sldIdLst>
   <p:sldSz cx="12192000" cy="6858000"/>
   <p:notesSz cx="6858000" cy="9144000"/>
@@ -286,7 +306,7 @@
           <a:p>
             <a:fld id="{6AD61AA8-A60B-4213-843B-33CCD8DDD4AE}" type="datetimeFigureOut">
               <a:rPr lang="fr-FR" smtClean="0"/>
-              <a:t>12/12/2023</a:t>
+              <a:t>13/12/2023</a:t>
             </a:fld>
             <a:endParaRPr lang="fr-FR"/>
           </a:p>
@@ -484,7 +504,7 @@
           <a:p>
             <a:fld id="{6AD61AA8-A60B-4213-843B-33CCD8DDD4AE}" type="datetimeFigureOut">
               <a:rPr lang="fr-FR" smtClean="0"/>
-              <a:t>12/12/2023</a:t>
+              <a:t>13/12/2023</a:t>
             </a:fld>
             <a:endParaRPr lang="fr-FR"/>
           </a:p>
@@ -692,7 +712,7 @@
           <a:p>
             <a:fld id="{6AD61AA8-A60B-4213-843B-33CCD8DDD4AE}" type="datetimeFigureOut">
               <a:rPr lang="fr-FR" smtClean="0"/>
-              <a:t>12/12/2023</a:t>
+              <a:t>13/12/2023</a:t>
             </a:fld>
             <a:endParaRPr lang="fr-FR"/>
           </a:p>
@@ -890,7 +910,7 @@
           <a:p>
             <a:fld id="{6AD61AA8-A60B-4213-843B-33CCD8DDD4AE}" type="datetimeFigureOut">
               <a:rPr lang="fr-FR" smtClean="0"/>
-              <a:t>12/12/2023</a:t>
+              <a:t>13/12/2023</a:t>
             </a:fld>
             <a:endParaRPr lang="fr-FR"/>
           </a:p>
@@ -1165,7 +1185,7 @@
           <a:p>
             <a:fld id="{6AD61AA8-A60B-4213-843B-33CCD8DDD4AE}" type="datetimeFigureOut">
               <a:rPr lang="fr-FR" smtClean="0"/>
-              <a:t>12/12/2023</a:t>
+              <a:t>13/12/2023</a:t>
             </a:fld>
             <a:endParaRPr lang="fr-FR"/>
           </a:p>
@@ -1430,7 +1450,7 @@
           <a:p>
             <a:fld id="{6AD61AA8-A60B-4213-843B-33CCD8DDD4AE}" type="datetimeFigureOut">
               <a:rPr lang="fr-FR" smtClean="0"/>
-              <a:t>12/12/2023</a:t>
+              <a:t>13/12/2023</a:t>
             </a:fld>
             <a:endParaRPr lang="fr-FR"/>
           </a:p>
@@ -1842,7 +1862,7 @@
           <a:p>
             <a:fld id="{6AD61AA8-A60B-4213-843B-33CCD8DDD4AE}" type="datetimeFigureOut">
               <a:rPr lang="fr-FR" smtClean="0"/>
-              <a:t>12/12/2023</a:t>
+              <a:t>13/12/2023</a:t>
             </a:fld>
             <a:endParaRPr lang="fr-FR"/>
           </a:p>
@@ -1983,7 +2003,7 @@
           <a:p>
             <a:fld id="{6AD61AA8-A60B-4213-843B-33CCD8DDD4AE}" type="datetimeFigureOut">
               <a:rPr lang="fr-FR" smtClean="0"/>
-              <a:t>12/12/2023</a:t>
+              <a:t>13/12/2023</a:t>
             </a:fld>
             <a:endParaRPr lang="fr-FR"/>
           </a:p>
@@ -2096,7 +2116,7 @@
           <a:p>
             <a:fld id="{6AD61AA8-A60B-4213-843B-33CCD8DDD4AE}" type="datetimeFigureOut">
               <a:rPr lang="fr-FR" smtClean="0"/>
-              <a:t>12/12/2023</a:t>
+              <a:t>13/12/2023</a:t>
             </a:fld>
             <a:endParaRPr lang="fr-FR"/>
           </a:p>
@@ -2407,7 +2427,7 @@
           <a:p>
             <a:fld id="{6AD61AA8-A60B-4213-843B-33CCD8DDD4AE}" type="datetimeFigureOut">
               <a:rPr lang="fr-FR" smtClean="0"/>
-              <a:t>12/12/2023</a:t>
+              <a:t>13/12/2023</a:t>
             </a:fld>
             <a:endParaRPr lang="fr-FR"/>
           </a:p>
@@ -2695,7 +2715,7 @@
           <a:p>
             <a:fld id="{6AD61AA8-A60B-4213-843B-33CCD8DDD4AE}" type="datetimeFigureOut">
               <a:rPr lang="fr-FR" smtClean="0"/>
-              <a:t>12/12/2023</a:t>
+              <a:t>13/12/2023</a:t>
             </a:fld>
             <a:endParaRPr lang="fr-FR"/>
           </a:p>
@@ -2936,7 +2956,7 @@
           <a:p>
             <a:fld id="{6AD61AA8-A60B-4213-843B-33CCD8DDD4AE}" type="datetimeFigureOut">
               <a:rPr lang="fr-FR" smtClean="0"/>
-              <a:t>12/12/2023</a:t>
+              <a:t>13/12/2023</a:t>
             </a:fld>
             <a:endParaRPr lang="fr-FR"/>
           </a:p>
@@ -7782,6 +7802,524 @@
 </p:sld>
 </file>
 
+<file path=ppt/slides/slide29.xml><?xml version="1.0" encoding="utf-8"?>
+<p:sld xmlns:a="http://schemas.openxmlformats.org/drawingml/2006/main" xmlns:r="http://schemas.openxmlformats.org/officeDocument/2006/relationships" xmlns:p="http://schemas.openxmlformats.org/presentationml/2006/main">
+  <p:cSld>
+    <p:spTree>
+      <p:nvGrpSpPr>
+        <p:cNvPr id="1" name=""/>
+        <p:cNvGrpSpPr/>
+        <p:nvPr/>
+      </p:nvGrpSpPr>
+      <p:grpSpPr>
+        <a:xfrm>
+          <a:off x="0" y="0"/>
+          <a:ext cx="0" cy="0"/>
+          <a:chOff x="0" y="0"/>
+          <a:chExt cx="0" cy="0"/>
+        </a:xfrm>
+      </p:grpSpPr>
+      <p:sp>
+        <p:nvSpPr>
+          <p:cNvPr id="3" name="Titre 1">
+            <a:extLst>
+              <a:ext uri="{FF2B5EF4-FFF2-40B4-BE49-F238E27FC236}">
+                <a16:creationId xmlns:a16="http://schemas.microsoft.com/office/drawing/2014/main" id="{E7373E66-041F-37D5-0ADF-25BA87ABC979}"/>
+              </a:ext>
+            </a:extLst>
+          </p:cNvPr>
+          <p:cNvSpPr>
+            <a:spLocks noGrp="1"/>
+          </p:cNvSpPr>
+          <p:nvPr>
+            <p:ph type="title"/>
+          </p:nvPr>
+        </p:nvSpPr>
+        <p:spPr>
+          <a:xfrm>
+            <a:off x="1097280" y="286603"/>
+            <a:ext cx="10058400" cy="1450757"/>
+          </a:xfrm>
+        </p:spPr>
+        <p:txBody>
+          <a:bodyPr>
+            <a:normAutofit/>
+          </a:bodyPr>
+          <a:lstStyle/>
+          <a:p>
+            <a:r>
+              <a:rPr lang="fr-FR" dirty="0"/>
+              <a:t>III- La logique </a:t>
+            </a:r>
+            <a:br>
+              <a:rPr lang="fr-FR" dirty="0"/>
+            </a:br>
+            <a:r>
+              <a:rPr lang="fr-FR" dirty="0"/>
+              <a:t>	</a:t>
+            </a:r>
+            <a:r>
+              <a:rPr lang="fr-FR" sz="3600" i="1" dirty="0"/>
+              <a:t>  9. Questions /exercices</a:t>
+            </a:r>
+          </a:p>
+        </p:txBody>
+      </p:sp>
+      <p:sp>
+        <p:nvSpPr>
+          <p:cNvPr id="5" name="ZoneTexte 4">
+            <a:extLst>
+              <a:ext uri="{FF2B5EF4-FFF2-40B4-BE49-F238E27FC236}">
+                <a16:creationId xmlns:a16="http://schemas.microsoft.com/office/drawing/2014/main" id="{843488D3-D772-DCAE-1B42-E6C8ECC754EC}"/>
+              </a:ext>
+            </a:extLst>
+          </p:cNvPr>
+          <p:cNvSpPr txBox="1"/>
+          <p:nvPr/>
+        </p:nvSpPr>
+        <p:spPr>
+          <a:xfrm>
+            <a:off x="3516966" y="2049541"/>
+            <a:ext cx="4272687" cy="461665"/>
+          </a:xfrm>
+          <a:prstGeom prst="rect">
+            <a:avLst/>
+          </a:prstGeom>
+          <a:noFill/>
+        </p:spPr>
+        <p:txBody>
+          <a:bodyPr wrap="square" rtlCol="0">
+            <a:spAutoFit/>
+          </a:bodyPr>
+          <a:lstStyle/>
+          <a:p>
+            <a:r>
+              <a:rPr lang="fr-FR" sz="2400" dirty="0"/>
+              <a:t>Quel résultat affiche ce code ? </a:t>
+            </a:r>
+          </a:p>
+        </p:txBody>
+      </p:sp>
+      <p:pic>
+        <p:nvPicPr>
+          <p:cNvPr id="6" name="Image 5">
+            <a:extLst>
+              <a:ext uri="{FF2B5EF4-FFF2-40B4-BE49-F238E27FC236}">
+                <a16:creationId xmlns:a16="http://schemas.microsoft.com/office/drawing/2014/main" id="{51E95C89-16CE-AC25-3FE2-23C05C052C4C}"/>
+              </a:ext>
+            </a:extLst>
+          </p:cNvPr>
+          <p:cNvPicPr>
+            <a:picLocks noChangeAspect="1"/>
+          </p:cNvPicPr>
+          <p:nvPr/>
+        </p:nvPicPr>
+        <p:blipFill>
+          <a:blip r:embed="rId2"/>
+          <a:stretch>
+            <a:fillRect/>
+          </a:stretch>
+        </p:blipFill>
+        <p:spPr>
+          <a:xfrm>
+            <a:off x="2955141" y="2614565"/>
+            <a:ext cx="5712903" cy="1137449"/>
+          </a:xfrm>
+          <a:prstGeom prst="rect">
+            <a:avLst/>
+          </a:prstGeom>
+        </p:spPr>
+      </p:pic>
+      <p:sp>
+        <p:nvSpPr>
+          <p:cNvPr id="13" name="ZoneTexte 12">
+            <a:extLst>
+              <a:ext uri="{FF2B5EF4-FFF2-40B4-BE49-F238E27FC236}">
+                <a16:creationId xmlns:a16="http://schemas.microsoft.com/office/drawing/2014/main" id="{494C5E1C-0268-5BBE-A15B-06B631FA9402}"/>
+              </a:ext>
+            </a:extLst>
+          </p:cNvPr>
+          <p:cNvSpPr txBox="1"/>
+          <p:nvPr/>
+        </p:nvSpPr>
+        <p:spPr>
+          <a:xfrm>
+            <a:off x="419450" y="4035105"/>
+            <a:ext cx="677830" cy="369332"/>
+          </a:xfrm>
+          <a:prstGeom prst="rect">
+            <a:avLst/>
+          </a:prstGeom>
+          <a:noFill/>
+        </p:spPr>
+        <p:txBody>
+          <a:bodyPr wrap="square" rtlCol="0">
+            <a:spAutoFit/>
+          </a:bodyPr>
+          <a:lstStyle/>
+          <a:p>
+            <a:r>
+              <a:rPr lang="fr-FR" dirty="0"/>
+              <a:t>1</a:t>
+            </a:r>
+          </a:p>
+        </p:txBody>
+      </p:sp>
+      <p:sp>
+        <p:nvSpPr>
+          <p:cNvPr id="14" name="ZoneTexte 13">
+            <a:extLst>
+              <a:ext uri="{FF2B5EF4-FFF2-40B4-BE49-F238E27FC236}">
+                <a16:creationId xmlns:a16="http://schemas.microsoft.com/office/drawing/2014/main" id="{F8C02A95-1D8C-4411-8F5D-24B15A9816BC}"/>
+              </a:ext>
+            </a:extLst>
+          </p:cNvPr>
+          <p:cNvSpPr txBox="1"/>
+          <p:nvPr/>
+        </p:nvSpPr>
+        <p:spPr>
+          <a:xfrm>
+            <a:off x="419450" y="5173714"/>
+            <a:ext cx="677830" cy="369332"/>
+          </a:xfrm>
+          <a:prstGeom prst="rect">
+            <a:avLst/>
+          </a:prstGeom>
+          <a:noFill/>
+        </p:spPr>
+        <p:txBody>
+          <a:bodyPr wrap="square" rtlCol="0">
+            <a:spAutoFit/>
+          </a:bodyPr>
+          <a:lstStyle/>
+          <a:p>
+            <a:r>
+              <a:rPr lang="fr-FR" dirty="0"/>
+              <a:t>2</a:t>
+            </a:r>
+          </a:p>
+        </p:txBody>
+      </p:sp>
+      <p:sp>
+        <p:nvSpPr>
+          <p:cNvPr id="15" name="ZoneTexte 14">
+            <a:extLst>
+              <a:ext uri="{FF2B5EF4-FFF2-40B4-BE49-F238E27FC236}">
+                <a16:creationId xmlns:a16="http://schemas.microsoft.com/office/drawing/2014/main" id="{2F16F971-E127-B3D3-CE18-5344C06904F4}"/>
+              </a:ext>
+            </a:extLst>
+          </p:cNvPr>
+          <p:cNvSpPr txBox="1"/>
+          <p:nvPr/>
+        </p:nvSpPr>
+        <p:spPr>
+          <a:xfrm>
+            <a:off x="6847955" y="3861653"/>
+            <a:ext cx="677830" cy="369332"/>
+          </a:xfrm>
+          <a:prstGeom prst="rect">
+            <a:avLst/>
+          </a:prstGeom>
+          <a:noFill/>
+        </p:spPr>
+        <p:txBody>
+          <a:bodyPr wrap="square" rtlCol="0">
+            <a:spAutoFit/>
+          </a:bodyPr>
+          <a:lstStyle/>
+          <a:p>
+            <a:r>
+              <a:rPr lang="fr-FR" dirty="0"/>
+              <a:t>3</a:t>
+            </a:r>
+          </a:p>
+        </p:txBody>
+      </p:sp>
+      <p:sp>
+        <p:nvSpPr>
+          <p:cNvPr id="16" name="ZoneTexte 15">
+            <a:extLst>
+              <a:ext uri="{FF2B5EF4-FFF2-40B4-BE49-F238E27FC236}">
+                <a16:creationId xmlns:a16="http://schemas.microsoft.com/office/drawing/2014/main" id="{C6A89925-7C15-594A-3838-E202D41A1196}"/>
+              </a:ext>
+            </a:extLst>
+          </p:cNvPr>
+          <p:cNvSpPr txBox="1"/>
+          <p:nvPr/>
+        </p:nvSpPr>
+        <p:spPr>
+          <a:xfrm>
+            <a:off x="7405801" y="3861653"/>
+            <a:ext cx="3514987" cy="369332"/>
+          </a:xfrm>
+          <a:prstGeom prst="rect">
+            <a:avLst/>
+          </a:prstGeom>
+          <a:noFill/>
+        </p:spPr>
+        <p:txBody>
+          <a:bodyPr wrap="square" rtlCol="0">
+            <a:spAutoFit/>
+          </a:bodyPr>
+          <a:lstStyle/>
+          <a:p>
+            <a:r>
+              <a:rPr lang="fr-FR" dirty="0"/>
+              <a:t>Indéfiniment</a:t>
+            </a:r>
+          </a:p>
+        </p:txBody>
+      </p:sp>
+      <p:pic>
+        <p:nvPicPr>
+          <p:cNvPr id="2" name="Picture 12" descr="JavaScript Logo et symbole, sens, histoire, PNG, marque">
+            <a:extLst>
+              <a:ext uri="{FF2B5EF4-FFF2-40B4-BE49-F238E27FC236}">
+                <a16:creationId xmlns:a16="http://schemas.microsoft.com/office/drawing/2014/main" id="{D5E5A51F-CFD3-777B-3FC6-7CBDBA1B5F2F}"/>
+              </a:ext>
+            </a:extLst>
+          </p:cNvPr>
+          <p:cNvPicPr>
+            <a:picLocks noChangeAspect="1" noChangeArrowheads="1"/>
+          </p:cNvPicPr>
+          <p:nvPr/>
+        </p:nvPicPr>
+        <p:blipFill>
+          <a:blip r:embed="rId3">
+            <a:extLst>
+              <a:ext uri="{28A0092B-C50C-407E-A947-70E740481C1C}">
+                <a14:useLocalDpi xmlns:a14="http://schemas.microsoft.com/office/drawing/2010/main" val="0"/>
+              </a:ext>
+            </a:extLst>
+          </a:blip>
+          <a:srcRect/>
+          <a:stretch>
+            <a:fillRect/>
+          </a:stretch>
+        </p:blipFill>
+        <p:spPr bwMode="auto">
+          <a:xfrm>
+            <a:off x="10380582" y="286603"/>
+            <a:ext cx="1550195" cy="876779"/>
+          </a:xfrm>
+          <a:prstGeom prst="rect">
+            <a:avLst/>
+          </a:prstGeom>
+          <a:noFill/>
+          <a:extLst>
+            <a:ext uri="{909E8E84-426E-40DD-AFC4-6F175D3DCCD1}">
+              <a14:hiddenFill xmlns:a14="http://schemas.microsoft.com/office/drawing/2010/main">
+                <a:solidFill>
+                  <a:srgbClr val="FFFFFF"/>
+                </a:solidFill>
+              </a14:hiddenFill>
+            </a:ext>
+          </a:extLst>
+        </p:spPr>
+      </p:pic>
+      <p:pic>
+        <p:nvPicPr>
+          <p:cNvPr id="7" name="Image 6">
+            <a:extLst>
+              <a:ext uri="{FF2B5EF4-FFF2-40B4-BE49-F238E27FC236}">
+                <a16:creationId xmlns:a16="http://schemas.microsoft.com/office/drawing/2014/main" id="{0EDA3289-CC7C-7ACD-085D-F6068B74AF46}"/>
+              </a:ext>
+            </a:extLst>
+          </p:cNvPr>
+          <p:cNvPicPr>
+            <a:picLocks noChangeAspect="1"/>
+          </p:cNvPicPr>
+          <p:nvPr/>
+        </p:nvPicPr>
+        <p:blipFill>
+          <a:blip r:embed="rId4"/>
+          <a:stretch>
+            <a:fillRect/>
+          </a:stretch>
+        </p:blipFill>
+        <p:spPr>
+          <a:xfrm>
+            <a:off x="6819376" y="5385861"/>
+            <a:ext cx="3915321" cy="314369"/>
+          </a:xfrm>
+          <a:prstGeom prst="rect">
+            <a:avLst/>
+          </a:prstGeom>
+        </p:spPr>
+      </p:pic>
+      <p:pic>
+        <p:nvPicPr>
+          <p:cNvPr id="11" name="Image 10">
+            <a:extLst>
+              <a:ext uri="{FF2B5EF4-FFF2-40B4-BE49-F238E27FC236}">
+                <a16:creationId xmlns:a16="http://schemas.microsoft.com/office/drawing/2014/main" id="{96AC55F1-02E1-C584-50D7-338761404122}"/>
+              </a:ext>
+            </a:extLst>
+          </p:cNvPr>
+          <p:cNvPicPr>
+            <a:picLocks noChangeAspect="1"/>
+          </p:cNvPicPr>
+          <p:nvPr/>
+        </p:nvPicPr>
+        <p:blipFill>
+          <a:blip r:embed="rId5"/>
+          <a:stretch>
+            <a:fillRect/>
+          </a:stretch>
+        </p:blipFill>
+        <p:spPr>
+          <a:xfrm>
+            <a:off x="1005572" y="3861653"/>
+            <a:ext cx="3231679" cy="942872"/>
+          </a:xfrm>
+          <a:prstGeom prst="rect">
+            <a:avLst/>
+          </a:prstGeom>
+        </p:spPr>
+      </p:pic>
+      <p:pic>
+        <p:nvPicPr>
+          <p:cNvPr id="18" name="Image 17">
+            <a:extLst>
+              <a:ext uri="{FF2B5EF4-FFF2-40B4-BE49-F238E27FC236}">
+                <a16:creationId xmlns:a16="http://schemas.microsoft.com/office/drawing/2014/main" id="{7787FD39-B3CA-6154-34F1-3876DA3FF54F}"/>
+              </a:ext>
+            </a:extLst>
+          </p:cNvPr>
+          <p:cNvPicPr>
+            <a:picLocks noChangeAspect="1"/>
+          </p:cNvPicPr>
+          <p:nvPr/>
+        </p:nvPicPr>
+        <p:blipFill>
+          <a:blip r:embed="rId6"/>
+          <a:stretch>
+            <a:fillRect/>
+          </a:stretch>
+        </p:blipFill>
+        <p:spPr>
+          <a:xfrm>
+            <a:off x="1005571" y="4885344"/>
+            <a:ext cx="3231680" cy="1001033"/>
+          </a:xfrm>
+          <a:prstGeom prst="rect">
+            <a:avLst/>
+          </a:prstGeom>
+        </p:spPr>
+      </p:pic>
+      <p:pic>
+        <p:nvPicPr>
+          <p:cNvPr id="20" name="Image 19">
+            <a:extLst>
+              <a:ext uri="{FF2B5EF4-FFF2-40B4-BE49-F238E27FC236}">
+                <a16:creationId xmlns:a16="http://schemas.microsoft.com/office/drawing/2014/main" id="{B242F080-2E3E-29D4-A5D7-8542E3BD3F66}"/>
+              </a:ext>
+            </a:extLst>
+          </p:cNvPr>
+          <p:cNvPicPr>
+            <a:picLocks noChangeAspect="1"/>
+          </p:cNvPicPr>
+          <p:nvPr/>
+        </p:nvPicPr>
+        <p:blipFill>
+          <a:blip r:embed="rId7"/>
+          <a:stretch>
+            <a:fillRect/>
+          </a:stretch>
+        </p:blipFill>
+        <p:spPr>
+          <a:xfrm>
+            <a:off x="6847955" y="4298586"/>
+            <a:ext cx="3886742" cy="285790"/>
+          </a:xfrm>
+          <a:prstGeom prst="rect">
+            <a:avLst/>
+          </a:prstGeom>
+        </p:spPr>
+      </p:pic>
+      <p:sp>
+        <p:nvSpPr>
+          <p:cNvPr id="21" name="ZoneTexte 20">
+            <a:extLst>
+              <a:ext uri="{FF2B5EF4-FFF2-40B4-BE49-F238E27FC236}">
+                <a16:creationId xmlns:a16="http://schemas.microsoft.com/office/drawing/2014/main" id="{45B35BDD-0C46-FEED-DCE8-0D806178D3DD}"/>
+              </a:ext>
+            </a:extLst>
+          </p:cNvPr>
+          <p:cNvSpPr txBox="1"/>
+          <p:nvPr/>
+        </p:nvSpPr>
+        <p:spPr>
+          <a:xfrm>
+            <a:off x="6819376" y="4945192"/>
+            <a:ext cx="677830" cy="369332"/>
+          </a:xfrm>
+          <a:prstGeom prst="rect">
+            <a:avLst/>
+          </a:prstGeom>
+          <a:noFill/>
+        </p:spPr>
+        <p:txBody>
+          <a:bodyPr wrap="square" rtlCol="0">
+            <a:spAutoFit/>
+          </a:bodyPr>
+          <a:lstStyle/>
+          <a:p>
+            <a:r>
+              <a:rPr lang="fr-FR" dirty="0"/>
+              <a:t>4</a:t>
+            </a:r>
+          </a:p>
+        </p:txBody>
+      </p:sp>
+      <p:sp>
+        <p:nvSpPr>
+          <p:cNvPr id="22" name="ZoneTexte 21">
+            <a:extLst>
+              <a:ext uri="{FF2B5EF4-FFF2-40B4-BE49-F238E27FC236}">
+                <a16:creationId xmlns:a16="http://schemas.microsoft.com/office/drawing/2014/main" id="{AD03FC5F-65A7-EF41-944D-B23F76850917}"/>
+              </a:ext>
+            </a:extLst>
+          </p:cNvPr>
+          <p:cNvSpPr txBox="1"/>
+          <p:nvPr/>
+        </p:nvSpPr>
+        <p:spPr>
+          <a:xfrm>
+            <a:off x="7377222" y="4945192"/>
+            <a:ext cx="3514987" cy="369332"/>
+          </a:xfrm>
+          <a:prstGeom prst="rect">
+            <a:avLst/>
+          </a:prstGeom>
+          <a:noFill/>
+        </p:spPr>
+        <p:txBody>
+          <a:bodyPr wrap="square" rtlCol="0">
+            <a:spAutoFit/>
+          </a:bodyPr>
+          <a:lstStyle/>
+          <a:p>
+            <a:r>
+              <a:rPr lang="fr-FR" dirty="0"/>
+              <a:t>Indéfiniment</a:t>
+            </a:r>
+          </a:p>
+        </p:txBody>
+      </p:sp>
+    </p:spTree>
+    <p:extLst>
+      <p:ext uri="{BB962C8B-B14F-4D97-AF65-F5344CB8AC3E}">
+        <p14:creationId xmlns:p14="http://schemas.microsoft.com/office/powerpoint/2010/main" val="2828810861"/>
+      </p:ext>
+    </p:extLst>
+  </p:cSld>
+  <p:clrMapOvr>
+    <a:masterClrMapping/>
+  </p:clrMapOvr>
+</p:sld>
+</file>
+
 <file path=ppt/slides/slide3.xml><?xml version="1.0" encoding="utf-8"?>
 <p:sld xmlns:a="http://schemas.openxmlformats.org/drawingml/2006/main" xmlns:r="http://schemas.openxmlformats.org/officeDocument/2006/relationships" xmlns:p="http://schemas.openxmlformats.org/presentationml/2006/main">
   <p:cSld>
@@ -8034,6 +8572,2395 @@
     <p:extLst>
       <p:ext uri="{BB962C8B-B14F-4D97-AF65-F5344CB8AC3E}">
         <p14:creationId xmlns:p14="http://schemas.microsoft.com/office/powerpoint/2010/main" val="2575771651"/>
+      </p:ext>
+    </p:extLst>
+  </p:cSld>
+  <p:clrMapOvr>
+    <a:masterClrMapping/>
+  </p:clrMapOvr>
+</p:sld>
+</file>
+
+<file path=ppt/slides/slide30.xml><?xml version="1.0" encoding="utf-8"?>
+<p:sld xmlns:a="http://schemas.openxmlformats.org/drawingml/2006/main" xmlns:r="http://schemas.openxmlformats.org/officeDocument/2006/relationships" xmlns:p="http://schemas.openxmlformats.org/presentationml/2006/main">
+  <p:cSld>
+    <p:spTree>
+      <p:nvGrpSpPr>
+        <p:cNvPr id="1" name=""/>
+        <p:cNvGrpSpPr/>
+        <p:nvPr/>
+      </p:nvGrpSpPr>
+      <p:grpSpPr>
+        <a:xfrm>
+          <a:off x="0" y="0"/>
+          <a:ext cx="0" cy="0"/>
+          <a:chOff x="0" y="0"/>
+          <a:chExt cx="0" cy="0"/>
+        </a:xfrm>
+      </p:grpSpPr>
+      <p:sp>
+        <p:nvSpPr>
+          <p:cNvPr id="3" name="Titre 1">
+            <a:extLst>
+              <a:ext uri="{FF2B5EF4-FFF2-40B4-BE49-F238E27FC236}">
+                <a16:creationId xmlns:a16="http://schemas.microsoft.com/office/drawing/2014/main" id="{E7373E66-041F-37D5-0ADF-25BA87ABC979}"/>
+              </a:ext>
+            </a:extLst>
+          </p:cNvPr>
+          <p:cNvSpPr>
+            <a:spLocks noGrp="1"/>
+          </p:cNvSpPr>
+          <p:nvPr>
+            <p:ph type="title"/>
+          </p:nvPr>
+        </p:nvSpPr>
+        <p:spPr>
+          <a:xfrm>
+            <a:off x="1097280" y="286603"/>
+            <a:ext cx="10058400" cy="1450757"/>
+          </a:xfrm>
+        </p:spPr>
+        <p:txBody>
+          <a:bodyPr>
+            <a:normAutofit/>
+          </a:bodyPr>
+          <a:lstStyle/>
+          <a:p>
+            <a:r>
+              <a:rPr lang="fr-FR" dirty="0"/>
+              <a:t>III- La logique </a:t>
+            </a:r>
+            <a:br>
+              <a:rPr lang="fr-FR" dirty="0"/>
+            </a:br>
+            <a:r>
+              <a:rPr lang="fr-FR" dirty="0"/>
+              <a:t>	</a:t>
+            </a:r>
+            <a:r>
+              <a:rPr lang="fr-FR" sz="3600" i="1" dirty="0"/>
+              <a:t>  9. Questions /exercices</a:t>
+            </a:r>
+          </a:p>
+        </p:txBody>
+      </p:sp>
+      <p:sp>
+        <p:nvSpPr>
+          <p:cNvPr id="5" name="ZoneTexte 4">
+            <a:extLst>
+              <a:ext uri="{FF2B5EF4-FFF2-40B4-BE49-F238E27FC236}">
+                <a16:creationId xmlns:a16="http://schemas.microsoft.com/office/drawing/2014/main" id="{843488D3-D772-DCAE-1B42-E6C8ECC754EC}"/>
+              </a:ext>
+            </a:extLst>
+          </p:cNvPr>
+          <p:cNvSpPr txBox="1"/>
+          <p:nvPr/>
+        </p:nvSpPr>
+        <p:spPr>
+          <a:xfrm>
+            <a:off x="3568803" y="2872702"/>
+            <a:ext cx="5575198" cy="2308324"/>
+          </a:xfrm>
+          <a:prstGeom prst="rect">
+            <a:avLst/>
+          </a:prstGeom>
+          <a:noFill/>
+        </p:spPr>
+        <p:txBody>
+          <a:bodyPr wrap="square" rtlCol="0">
+            <a:spAutoFit/>
+          </a:bodyPr>
+          <a:lstStyle/>
+          <a:p>
+            <a:r>
+              <a:rPr lang="fr-FR" sz="2400" dirty="0"/>
+              <a:t>Le mot-clé « continue » permet:</a:t>
+            </a:r>
+          </a:p>
+          <a:p>
+            <a:endParaRPr lang="fr-FR" sz="2400" dirty="0"/>
+          </a:p>
+          <a:p>
+            <a:pPr marL="457200" indent="-457200">
+              <a:buFont typeface="+mj-lt"/>
+              <a:buAutoNum type="arabicPeriod"/>
+            </a:pPr>
+            <a:r>
+              <a:rPr lang="fr-FR" sz="2400" dirty="0"/>
+              <a:t>D’indiquer qu’il n’y a pas d’erreur </a:t>
+            </a:r>
+          </a:p>
+          <a:p>
+            <a:pPr marL="457200" indent="-457200">
+              <a:buFont typeface="+mj-lt"/>
+              <a:buAutoNum type="arabicPeriod"/>
+            </a:pPr>
+            <a:r>
+              <a:rPr lang="fr-FR" sz="2400" dirty="0"/>
+              <a:t>D’arrêter la boucle </a:t>
+            </a:r>
+          </a:p>
+          <a:p>
+            <a:pPr marL="457200" indent="-457200">
+              <a:buFont typeface="+mj-lt"/>
+              <a:buAutoNum type="arabicPeriod"/>
+            </a:pPr>
+            <a:r>
+              <a:rPr lang="fr-FR" sz="2400" dirty="0"/>
+              <a:t>De passer à la prochaine itération </a:t>
+            </a:r>
+          </a:p>
+          <a:p>
+            <a:endParaRPr lang="fr-FR" sz="2400" dirty="0"/>
+          </a:p>
+        </p:txBody>
+      </p:sp>
+      <p:pic>
+        <p:nvPicPr>
+          <p:cNvPr id="2" name="Picture 12" descr="JavaScript Logo et symbole, sens, histoire, PNG, marque">
+            <a:extLst>
+              <a:ext uri="{FF2B5EF4-FFF2-40B4-BE49-F238E27FC236}">
+                <a16:creationId xmlns:a16="http://schemas.microsoft.com/office/drawing/2014/main" id="{10D8F24F-CD06-053F-4896-9C9CDF922FCB}"/>
+              </a:ext>
+            </a:extLst>
+          </p:cNvPr>
+          <p:cNvPicPr>
+            <a:picLocks noChangeAspect="1" noChangeArrowheads="1"/>
+          </p:cNvPicPr>
+          <p:nvPr/>
+        </p:nvPicPr>
+        <p:blipFill>
+          <a:blip r:embed="rId2">
+            <a:extLst>
+              <a:ext uri="{28A0092B-C50C-407E-A947-70E740481C1C}">
+                <a14:useLocalDpi xmlns:a14="http://schemas.microsoft.com/office/drawing/2010/main" val="0"/>
+              </a:ext>
+            </a:extLst>
+          </a:blip>
+          <a:srcRect/>
+          <a:stretch>
+            <a:fillRect/>
+          </a:stretch>
+        </p:blipFill>
+        <p:spPr bwMode="auto">
+          <a:xfrm>
+            <a:off x="10380582" y="286603"/>
+            <a:ext cx="1550195" cy="876779"/>
+          </a:xfrm>
+          <a:prstGeom prst="rect">
+            <a:avLst/>
+          </a:prstGeom>
+          <a:noFill/>
+          <a:extLst>
+            <a:ext uri="{909E8E84-426E-40DD-AFC4-6F175D3DCCD1}">
+              <a14:hiddenFill xmlns:a14="http://schemas.microsoft.com/office/drawing/2010/main">
+                <a:solidFill>
+                  <a:srgbClr val="FFFFFF"/>
+                </a:solidFill>
+              </a14:hiddenFill>
+            </a:ext>
+          </a:extLst>
+        </p:spPr>
+      </p:pic>
+    </p:spTree>
+    <p:extLst>
+      <p:ext uri="{BB962C8B-B14F-4D97-AF65-F5344CB8AC3E}">
+        <p14:creationId xmlns:p14="http://schemas.microsoft.com/office/powerpoint/2010/main" val="2153362559"/>
+      </p:ext>
+    </p:extLst>
+  </p:cSld>
+  <p:clrMapOvr>
+    <a:masterClrMapping/>
+  </p:clrMapOvr>
+</p:sld>
+</file>
+
+<file path=ppt/slides/slide31.xml><?xml version="1.0" encoding="utf-8"?>
+<p:sld xmlns:a="http://schemas.openxmlformats.org/drawingml/2006/main" xmlns:r="http://schemas.openxmlformats.org/officeDocument/2006/relationships" xmlns:p="http://schemas.openxmlformats.org/presentationml/2006/main">
+  <p:cSld>
+    <p:spTree>
+      <p:nvGrpSpPr>
+        <p:cNvPr id="1" name=""/>
+        <p:cNvGrpSpPr/>
+        <p:nvPr/>
+      </p:nvGrpSpPr>
+      <p:grpSpPr>
+        <a:xfrm>
+          <a:off x="0" y="0"/>
+          <a:ext cx="0" cy="0"/>
+          <a:chOff x="0" y="0"/>
+          <a:chExt cx="0" cy="0"/>
+        </a:xfrm>
+      </p:grpSpPr>
+      <p:sp>
+        <p:nvSpPr>
+          <p:cNvPr id="3" name="Titre 1">
+            <a:extLst>
+              <a:ext uri="{FF2B5EF4-FFF2-40B4-BE49-F238E27FC236}">
+                <a16:creationId xmlns:a16="http://schemas.microsoft.com/office/drawing/2014/main" id="{E7373E66-041F-37D5-0ADF-25BA87ABC979}"/>
+              </a:ext>
+            </a:extLst>
+          </p:cNvPr>
+          <p:cNvSpPr>
+            <a:spLocks noGrp="1"/>
+          </p:cNvSpPr>
+          <p:nvPr>
+            <p:ph type="title"/>
+          </p:nvPr>
+        </p:nvSpPr>
+        <p:spPr>
+          <a:xfrm>
+            <a:off x="1097280" y="286603"/>
+            <a:ext cx="10058400" cy="1450757"/>
+          </a:xfrm>
+        </p:spPr>
+        <p:txBody>
+          <a:bodyPr>
+            <a:normAutofit/>
+          </a:bodyPr>
+          <a:lstStyle/>
+          <a:p>
+            <a:r>
+              <a:rPr lang="fr-FR" dirty="0"/>
+              <a:t>III- La logique </a:t>
+            </a:r>
+            <a:br>
+              <a:rPr lang="fr-FR" dirty="0"/>
+            </a:br>
+            <a:r>
+              <a:rPr lang="fr-FR" dirty="0"/>
+              <a:t>	</a:t>
+            </a:r>
+            <a:r>
+              <a:rPr lang="fr-FR" sz="3600" i="1" dirty="0"/>
+              <a:t>  9. Questions /exercices</a:t>
+            </a:r>
+          </a:p>
+        </p:txBody>
+      </p:sp>
+      <p:sp>
+        <p:nvSpPr>
+          <p:cNvPr id="5" name="ZoneTexte 4">
+            <a:extLst>
+              <a:ext uri="{FF2B5EF4-FFF2-40B4-BE49-F238E27FC236}">
+                <a16:creationId xmlns:a16="http://schemas.microsoft.com/office/drawing/2014/main" id="{843488D3-D772-DCAE-1B42-E6C8ECC754EC}"/>
+              </a:ext>
+            </a:extLst>
+          </p:cNvPr>
+          <p:cNvSpPr txBox="1"/>
+          <p:nvPr/>
+        </p:nvSpPr>
+        <p:spPr>
+          <a:xfrm>
+            <a:off x="815523" y="1965186"/>
+            <a:ext cx="9914109" cy="830997"/>
+          </a:xfrm>
+          <a:prstGeom prst="rect">
+            <a:avLst/>
+          </a:prstGeom>
+          <a:noFill/>
+        </p:spPr>
+        <p:txBody>
+          <a:bodyPr wrap="square" rtlCol="0">
+            <a:spAutoFit/>
+          </a:bodyPr>
+          <a:lstStyle/>
+          <a:p>
+            <a:r>
+              <a:rPr lang="fr-FR" sz="2400" dirty="0"/>
+              <a:t>Que renvoi le programme suivant </a:t>
+            </a:r>
+          </a:p>
+          <a:p>
+            <a:endParaRPr lang="fr-FR" sz="2400" dirty="0"/>
+          </a:p>
+        </p:txBody>
+      </p:sp>
+      <p:pic>
+        <p:nvPicPr>
+          <p:cNvPr id="4" name="Image 3">
+            <a:extLst>
+              <a:ext uri="{FF2B5EF4-FFF2-40B4-BE49-F238E27FC236}">
+                <a16:creationId xmlns:a16="http://schemas.microsoft.com/office/drawing/2014/main" id="{AABA29BC-1AD8-7321-EE4A-176D7DD092D6}"/>
+              </a:ext>
+            </a:extLst>
+          </p:cNvPr>
+          <p:cNvPicPr>
+            <a:picLocks noChangeAspect="1"/>
+          </p:cNvPicPr>
+          <p:nvPr/>
+        </p:nvPicPr>
+        <p:blipFill>
+          <a:blip r:embed="rId2"/>
+          <a:stretch>
+            <a:fillRect/>
+          </a:stretch>
+        </p:blipFill>
+        <p:spPr>
+          <a:xfrm>
+            <a:off x="815523" y="2587043"/>
+            <a:ext cx="4637321" cy="2497691"/>
+          </a:xfrm>
+          <a:prstGeom prst="rect">
+            <a:avLst/>
+          </a:prstGeom>
+        </p:spPr>
+      </p:pic>
+      <p:sp>
+        <p:nvSpPr>
+          <p:cNvPr id="6" name="ZoneTexte 5">
+            <a:extLst>
+              <a:ext uri="{FF2B5EF4-FFF2-40B4-BE49-F238E27FC236}">
+                <a16:creationId xmlns:a16="http://schemas.microsoft.com/office/drawing/2014/main" id="{1CA41E45-0A46-9FAB-33E9-F200717F2847}"/>
+              </a:ext>
+            </a:extLst>
+          </p:cNvPr>
+          <p:cNvSpPr txBox="1"/>
+          <p:nvPr/>
+        </p:nvSpPr>
+        <p:spPr>
+          <a:xfrm>
+            <a:off x="6904140" y="3474520"/>
+            <a:ext cx="5514363" cy="923330"/>
+          </a:xfrm>
+          <a:prstGeom prst="rect">
+            <a:avLst/>
+          </a:prstGeom>
+          <a:noFill/>
+        </p:spPr>
+        <p:txBody>
+          <a:bodyPr wrap="square" rtlCol="0">
+            <a:spAutoFit/>
+          </a:bodyPr>
+          <a:lstStyle/>
+          <a:p>
+            <a:pPr marL="342900" indent="-342900">
+              <a:buFont typeface="+mj-lt"/>
+              <a:buAutoNum type="arabicPeriod"/>
+            </a:pPr>
+            <a:r>
+              <a:rPr lang="fr-FR" dirty="0"/>
+              <a:t>Groupe 1 </a:t>
+            </a:r>
+          </a:p>
+          <a:p>
+            <a:pPr marL="342900" indent="-342900">
+              <a:buFont typeface="+mj-lt"/>
+              <a:buAutoNum type="arabicPeriod"/>
+            </a:pPr>
+            <a:r>
+              <a:rPr lang="fr-FR" dirty="0"/>
+              <a:t>Groupe 2 </a:t>
+            </a:r>
+          </a:p>
+          <a:p>
+            <a:pPr marL="342900" indent="-342900">
+              <a:buFont typeface="+mj-lt"/>
+              <a:buAutoNum type="arabicPeriod"/>
+            </a:pPr>
+            <a:r>
+              <a:rPr lang="fr-FR" dirty="0"/>
+              <a:t>Groupe 3</a:t>
+            </a:r>
+          </a:p>
+        </p:txBody>
+      </p:sp>
+      <p:sp>
+        <p:nvSpPr>
+          <p:cNvPr id="2" name="ZoneTexte 1">
+            <a:extLst>
+              <a:ext uri="{FF2B5EF4-FFF2-40B4-BE49-F238E27FC236}">
+                <a16:creationId xmlns:a16="http://schemas.microsoft.com/office/drawing/2014/main" id="{B9E5561C-3804-4AF9-1074-B3923FC7740D}"/>
+              </a:ext>
+            </a:extLst>
+          </p:cNvPr>
+          <p:cNvSpPr txBox="1"/>
+          <p:nvPr/>
+        </p:nvSpPr>
+        <p:spPr>
+          <a:xfrm>
+            <a:off x="10530980" y="6031684"/>
+            <a:ext cx="3775046" cy="369332"/>
+          </a:xfrm>
+          <a:prstGeom prst="rect">
+            <a:avLst/>
+          </a:prstGeom>
+          <a:noFill/>
+        </p:spPr>
+        <p:txBody>
+          <a:bodyPr wrap="square" rtlCol="0">
+            <a:spAutoFit/>
+          </a:bodyPr>
+          <a:lstStyle/>
+          <a:p>
+            <a:r>
+              <a:rPr lang="fr-FR" dirty="0"/>
+              <a:t>+ exo cour 2</a:t>
+            </a:r>
+          </a:p>
+        </p:txBody>
+      </p:sp>
+      <p:pic>
+        <p:nvPicPr>
+          <p:cNvPr id="7" name="Picture 12" descr="JavaScript Logo et symbole, sens, histoire, PNG, marque">
+            <a:extLst>
+              <a:ext uri="{FF2B5EF4-FFF2-40B4-BE49-F238E27FC236}">
+                <a16:creationId xmlns:a16="http://schemas.microsoft.com/office/drawing/2014/main" id="{55465880-36DE-C40F-37B2-7A17070F7C68}"/>
+              </a:ext>
+            </a:extLst>
+          </p:cNvPr>
+          <p:cNvPicPr>
+            <a:picLocks noChangeAspect="1" noChangeArrowheads="1"/>
+          </p:cNvPicPr>
+          <p:nvPr/>
+        </p:nvPicPr>
+        <p:blipFill>
+          <a:blip r:embed="rId3">
+            <a:extLst>
+              <a:ext uri="{28A0092B-C50C-407E-A947-70E740481C1C}">
+                <a14:useLocalDpi xmlns:a14="http://schemas.microsoft.com/office/drawing/2010/main" val="0"/>
+              </a:ext>
+            </a:extLst>
+          </a:blip>
+          <a:srcRect/>
+          <a:stretch>
+            <a:fillRect/>
+          </a:stretch>
+        </p:blipFill>
+        <p:spPr bwMode="auto">
+          <a:xfrm>
+            <a:off x="10380582" y="286603"/>
+            <a:ext cx="1550195" cy="876779"/>
+          </a:xfrm>
+          <a:prstGeom prst="rect">
+            <a:avLst/>
+          </a:prstGeom>
+          <a:noFill/>
+          <a:extLst>
+            <a:ext uri="{909E8E84-426E-40DD-AFC4-6F175D3DCCD1}">
+              <a14:hiddenFill xmlns:a14="http://schemas.microsoft.com/office/drawing/2010/main">
+                <a:solidFill>
+                  <a:srgbClr val="FFFFFF"/>
+                </a:solidFill>
+              </a14:hiddenFill>
+            </a:ext>
+          </a:extLst>
+        </p:spPr>
+      </p:pic>
+    </p:spTree>
+    <p:extLst>
+      <p:ext uri="{BB962C8B-B14F-4D97-AF65-F5344CB8AC3E}">
+        <p14:creationId xmlns:p14="http://schemas.microsoft.com/office/powerpoint/2010/main" val="703168369"/>
+      </p:ext>
+    </p:extLst>
+  </p:cSld>
+  <p:clrMapOvr>
+    <a:masterClrMapping/>
+  </p:clrMapOvr>
+</p:sld>
+</file>
+
+<file path=ppt/slides/slide32.xml><?xml version="1.0" encoding="utf-8"?>
+<p:sld xmlns:a="http://schemas.openxmlformats.org/drawingml/2006/main" xmlns:r="http://schemas.openxmlformats.org/officeDocument/2006/relationships" xmlns:p="http://schemas.openxmlformats.org/presentationml/2006/main">
+  <p:cSld>
+    <p:spTree>
+      <p:nvGrpSpPr>
+        <p:cNvPr id="1" name=""/>
+        <p:cNvGrpSpPr/>
+        <p:nvPr/>
+      </p:nvGrpSpPr>
+      <p:grpSpPr>
+        <a:xfrm>
+          <a:off x="0" y="0"/>
+          <a:ext cx="0" cy="0"/>
+          <a:chOff x="0" y="0"/>
+          <a:chExt cx="0" cy="0"/>
+        </a:xfrm>
+      </p:grpSpPr>
+      <p:sp>
+        <p:nvSpPr>
+          <p:cNvPr id="3" name="Titre 1">
+            <a:extLst>
+              <a:ext uri="{FF2B5EF4-FFF2-40B4-BE49-F238E27FC236}">
+                <a16:creationId xmlns:a16="http://schemas.microsoft.com/office/drawing/2014/main" id="{E7373E66-041F-37D5-0ADF-25BA87ABC979}"/>
+              </a:ext>
+            </a:extLst>
+          </p:cNvPr>
+          <p:cNvSpPr>
+            <a:spLocks noGrp="1"/>
+          </p:cNvSpPr>
+          <p:nvPr>
+            <p:ph type="title"/>
+          </p:nvPr>
+        </p:nvSpPr>
+        <p:spPr>
+          <a:xfrm>
+            <a:off x="1097280" y="286603"/>
+            <a:ext cx="10058400" cy="1450757"/>
+          </a:xfrm>
+        </p:spPr>
+        <p:txBody>
+          <a:bodyPr>
+            <a:normAutofit/>
+          </a:bodyPr>
+          <a:lstStyle/>
+          <a:p>
+            <a:r>
+              <a:rPr lang="fr-FR" dirty="0"/>
+              <a:t>IV- Les tableaux</a:t>
+            </a:r>
+            <a:br>
+              <a:rPr lang="fr-FR" dirty="0"/>
+            </a:br>
+            <a:r>
+              <a:rPr lang="fr-FR" dirty="0"/>
+              <a:t>	</a:t>
+            </a:r>
+            <a:r>
+              <a:rPr lang="fr-FR" sz="3600" i="1" dirty="0"/>
+              <a:t>  1. tableau simple</a:t>
+            </a:r>
+          </a:p>
+        </p:txBody>
+      </p:sp>
+      <p:pic>
+        <p:nvPicPr>
+          <p:cNvPr id="14" name="Image 13">
+            <a:extLst>
+              <a:ext uri="{FF2B5EF4-FFF2-40B4-BE49-F238E27FC236}">
+                <a16:creationId xmlns:a16="http://schemas.microsoft.com/office/drawing/2014/main" id="{048E5F1F-D9BB-0EF6-FEEF-DC4F34CD6848}"/>
+              </a:ext>
+            </a:extLst>
+          </p:cNvPr>
+          <p:cNvPicPr>
+            <a:picLocks noChangeAspect="1"/>
+          </p:cNvPicPr>
+          <p:nvPr/>
+        </p:nvPicPr>
+        <p:blipFill>
+          <a:blip r:embed="rId2"/>
+          <a:stretch>
+            <a:fillRect/>
+          </a:stretch>
+        </p:blipFill>
+        <p:spPr>
+          <a:xfrm>
+            <a:off x="1938808" y="2462307"/>
+            <a:ext cx="8057095" cy="1450757"/>
+          </a:xfrm>
+          <a:prstGeom prst="rect">
+            <a:avLst/>
+          </a:prstGeom>
+        </p:spPr>
+      </p:pic>
+      <p:sp>
+        <p:nvSpPr>
+          <p:cNvPr id="15" name="ZoneTexte 14">
+            <a:extLst>
+              <a:ext uri="{FF2B5EF4-FFF2-40B4-BE49-F238E27FC236}">
+                <a16:creationId xmlns:a16="http://schemas.microsoft.com/office/drawing/2014/main" id="{F0DAF185-52E3-ABEF-C576-10DA9DC1E8DF}"/>
+              </a:ext>
+            </a:extLst>
+          </p:cNvPr>
+          <p:cNvSpPr txBox="1"/>
+          <p:nvPr/>
+        </p:nvSpPr>
+        <p:spPr>
+          <a:xfrm>
+            <a:off x="1403744" y="4521666"/>
+            <a:ext cx="9127222" cy="830997"/>
+          </a:xfrm>
+          <a:prstGeom prst="rect">
+            <a:avLst/>
+          </a:prstGeom>
+          <a:noFill/>
+        </p:spPr>
+        <p:txBody>
+          <a:bodyPr wrap="square" rtlCol="0">
+            <a:spAutoFit/>
+          </a:bodyPr>
+          <a:lstStyle/>
+          <a:p>
+            <a:pPr algn="ctr"/>
+            <a:r>
+              <a:rPr lang="fr-FR" sz="2400" dirty="0"/>
+              <a:t>Voici la syntaxe utilisée depuis ES6, nous retiendrons donc celle-ci cependant nous aborderons également l’ancienne syntaxe.</a:t>
+            </a:r>
+          </a:p>
+        </p:txBody>
+      </p:sp>
+      <p:pic>
+        <p:nvPicPr>
+          <p:cNvPr id="2" name="Picture 12" descr="JavaScript Logo et symbole, sens, histoire, PNG, marque">
+            <a:extLst>
+              <a:ext uri="{FF2B5EF4-FFF2-40B4-BE49-F238E27FC236}">
+                <a16:creationId xmlns:a16="http://schemas.microsoft.com/office/drawing/2014/main" id="{3F1D51F6-FCC3-545C-E6D4-9050C4F12E11}"/>
+              </a:ext>
+            </a:extLst>
+          </p:cNvPr>
+          <p:cNvPicPr>
+            <a:picLocks noChangeAspect="1" noChangeArrowheads="1"/>
+          </p:cNvPicPr>
+          <p:nvPr/>
+        </p:nvPicPr>
+        <p:blipFill>
+          <a:blip r:embed="rId3">
+            <a:extLst>
+              <a:ext uri="{28A0092B-C50C-407E-A947-70E740481C1C}">
+                <a14:useLocalDpi xmlns:a14="http://schemas.microsoft.com/office/drawing/2010/main" val="0"/>
+              </a:ext>
+            </a:extLst>
+          </a:blip>
+          <a:srcRect/>
+          <a:stretch>
+            <a:fillRect/>
+          </a:stretch>
+        </p:blipFill>
+        <p:spPr bwMode="auto">
+          <a:xfrm>
+            <a:off x="10380582" y="286603"/>
+            <a:ext cx="1550195" cy="876779"/>
+          </a:xfrm>
+          <a:prstGeom prst="rect">
+            <a:avLst/>
+          </a:prstGeom>
+          <a:noFill/>
+          <a:extLst>
+            <a:ext uri="{909E8E84-426E-40DD-AFC4-6F175D3DCCD1}">
+              <a14:hiddenFill xmlns:a14="http://schemas.microsoft.com/office/drawing/2010/main">
+                <a:solidFill>
+                  <a:srgbClr val="FFFFFF"/>
+                </a:solidFill>
+              </a14:hiddenFill>
+            </a:ext>
+          </a:extLst>
+        </p:spPr>
+      </p:pic>
+    </p:spTree>
+    <p:extLst>
+      <p:ext uri="{BB962C8B-B14F-4D97-AF65-F5344CB8AC3E}">
+        <p14:creationId xmlns:p14="http://schemas.microsoft.com/office/powerpoint/2010/main" val="3766920083"/>
+      </p:ext>
+    </p:extLst>
+  </p:cSld>
+  <p:clrMapOvr>
+    <a:masterClrMapping/>
+  </p:clrMapOvr>
+</p:sld>
+</file>
+
+<file path=ppt/slides/slide33.xml><?xml version="1.0" encoding="utf-8"?>
+<p:sld xmlns:a="http://schemas.openxmlformats.org/drawingml/2006/main" xmlns:r="http://schemas.openxmlformats.org/officeDocument/2006/relationships" xmlns:p="http://schemas.openxmlformats.org/presentationml/2006/main">
+  <p:cSld>
+    <p:spTree>
+      <p:nvGrpSpPr>
+        <p:cNvPr id="1" name=""/>
+        <p:cNvGrpSpPr/>
+        <p:nvPr/>
+      </p:nvGrpSpPr>
+      <p:grpSpPr>
+        <a:xfrm>
+          <a:off x="0" y="0"/>
+          <a:ext cx="0" cy="0"/>
+          <a:chOff x="0" y="0"/>
+          <a:chExt cx="0" cy="0"/>
+        </a:xfrm>
+      </p:grpSpPr>
+      <p:sp>
+        <p:nvSpPr>
+          <p:cNvPr id="3" name="Titre 1">
+            <a:extLst>
+              <a:ext uri="{FF2B5EF4-FFF2-40B4-BE49-F238E27FC236}">
+                <a16:creationId xmlns:a16="http://schemas.microsoft.com/office/drawing/2014/main" id="{E7373E66-041F-37D5-0ADF-25BA87ABC979}"/>
+              </a:ext>
+            </a:extLst>
+          </p:cNvPr>
+          <p:cNvSpPr>
+            <a:spLocks noGrp="1"/>
+          </p:cNvSpPr>
+          <p:nvPr>
+            <p:ph type="title"/>
+          </p:nvPr>
+        </p:nvSpPr>
+        <p:spPr>
+          <a:xfrm>
+            <a:off x="1097280" y="286603"/>
+            <a:ext cx="10058400" cy="1450757"/>
+          </a:xfrm>
+        </p:spPr>
+        <p:txBody>
+          <a:bodyPr>
+            <a:normAutofit/>
+          </a:bodyPr>
+          <a:lstStyle/>
+          <a:p>
+            <a:r>
+              <a:rPr lang="fr-FR" dirty="0"/>
+              <a:t>IV- Les tableaux</a:t>
+            </a:r>
+            <a:br>
+              <a:rPr lang="fr-FR" dirty="0"/>
+            </a:br>
+            <a:r>
+              <a:rPr lang="fr-FR" dirty="0"/>
+              <a:t>	</a:t>
+            </a:r>
+            <a:r>
+              <a:rPr lang="fr-FR" sz="3600" i="1" dirty="0"/>
+              <a:t>  2. tableau à plusieurs dimensions</a:t>
+            </a:r>
+          </a:p>
+        </p:txBody>
+      </p:sp>
+      <p:pic>
+        <p:nvPicPr>
+          <p:cNvPr id="7" name="Image 6">
+            <a:extLst>
+              <a:ext uri="{FF2B5EF4-FFF2-40B4-BE49-F238E27FC236}">
+                <a16:creationId xmlns:a16="http://schemas.microsoft.com/office/drawing/2014/main" id="{57B96267-E2DB-A47D-2789-1B19BE3B2F66}"/>
+              </a:ext>
+            </a:extLst>
+          </p:cNvPr>
+          <p:cNvPicPr>
+            <a:picLocks noChangeAspect="1"/>
+          </p:cNvPicPr>
+          <p:nvPr/>
+        </p:nvPicPr>
+        <p:blipFill>
+          <a:blip r:embed="rId2"/>
+          <a:stretch>
+            <a:fillRect/>
+          </a:stretch>
+        </p:blipFill>
+        <p:spPr>
+          <a:xfrm>
+            <a:off x="3076216" y="2617197"/>
+            <a:ext cx="6039567" cy="2647677"/>
+          </a:xfrm>
+          <a:prstGeom prst="rect">
+            <a:avLst/>
+          </a:prstGeom>
+        </p:spPr>
+      </p:pic>
+      <p:pic>
+        <p:nvPicPr>
+          <p:cNvPr id="2" name="Picture 12" descr="JavaScript Logo et symbole, sens, histoire, PNG, marque">
+            <a:extLst>
+              <a:ext uri="{FF2B5EF4-FFF2-40B4-BE49-F238E27FC236}">
+                <a16:creationId xmlns:a16="http://schemas.microsoft.com/office/drawing/2014/main" id="{3B861D5D-E0A0-3C59-2FCE-247C0C70D5F0}"/>
+              </a:ext>
+            </a:extLst>
+          </p:cNvPr>
+          <p:cNvPicPr>
+            <a:picLocks noChangeAspect="1" noChangeArrowheads="1"/>
+          </p:cNvPicPr>
+          <p:nvPr/>
+        </p:nvPicPr>
+        <p:blipFill>
+          <a:blip r:embed="rId3">
+            <a:extLst>
+              <a:ext uri="{28A0092B-C50C-407E-A947-70E740481C1C}">
+                <a14:useLocalDpi xmlns:a14="http://schemas.microsoft.com/office/drawing/2010/main" val="0"/>
+              </a:ext>
+            </a:extLst>
+          </a:blip>
+          <a:srcRect/>
+          <a:stretch>
+            <a:fillRect/>
+          </a:stretch>
+        </p:blipFill>
+        <p:spPr bwMode="auto">
+          <a:xfrm>
+            <a:off x="10380582" y="286603"/>
+            <a:ext cx="1550195" cy="876779"/>
+          </a:xfrm>
+          <a:prstGeom prst="rect">
+            <a:avLst/>
+          </a:prstGeom>
+          <a:noFill/>
+          <a:extLst>
+            <a:ext uri="{909E8E84-426E-40DD-AFC4-6F175D3DCCD1}">
+              <a14:hiddenFill xmlns:a14="http://schemas.microsoft.com/office/drawing/2010/main">
+                <a:solidFill>
+                  <a:srgbClr val="FFFFFF"/>
+                </a:solidFill>
+              </a14:hiddenFill>
+            </a:ext>
+          </a:extLst>
+        </p:spPr>
+      </p:pic>
+    </p:spTree>
+    <p:extLst>
+      <p:ext uri="{BB962C8B-B14F-4D97-AF65-F5344CB8AC3E}">
+        <p14:creationId xmlns:p14="http://schemas.microsoft.com/office/powerpoint/2010/main" val="1766672307"/>
+      </p:ext>
+    </p:extLst>
+  </p:cSld>
+  <p:clrMapOvr>
+    <a:masterClrMapping/>
+  </p:clrMapOvr>
+</p:sld>
+</file>
+
+<file path=ppt/slides/slide34.xml><?xml version="1.0" encoding="utf-8"?>
+<p:sld xmlns:a="http://schemas.openxmlformats.org/drawingml/2006/main" xmlns:r="http://schemas.openxmlformats.org/officeDocument/2006/relationships" xmlns:p="http://schemas.openxmlformats.org/presentationml/2006/main">
+  <p:cSld>
+    <p:spTree>
+      <p:nvGrpSpPr>
+        <p:cNvPr id="1" name=""/>
+        <p:cNvGrpSpPr/>
+        <p:nvPr/>
+      </p:nvGrpSpPr>
+      <p:grpSpPr>
+        <a:xfrm>
+          <a:off x="0" y="0"/>
+          <a:ext cx="0" cy="0"/>
+          <a:chOff x="0" y="0"/>
+          <a:chExt cx="0" cy="0"/>
+        </a:xfrm>
+      </p:grpSpPr>
+      <p:sp>
+        <p:nvSpPr>
+          <p:cNvPr id="3" name="Titre 1">
+            <a:extLst>
+              <a:ext uri="{FF2B5EF4-FFF2-40B4-BE49-F238E27FC236}">
+                <a16:creationId xmlns:a16="http://schemas.microsoft.com/office/drawing/2014/main" id="{E7373E66-041F-37D5-0ADF-25BA87ABC979}"/>
+              </a:ext>
+            </a:extLst>
+          </p:cNvPr>
+          <p:cNvSpPr>
+            <a:spLocks noGrp="1"/>
+          </p:cNvSpPr>
+          <p:nvPr>
+            <p:ph type="title"/>
+          </p:nvPr>
+        </p:nvSpPr>
+        <p:spPr>
+          <a:xfrm>
+            <a:off x="1097280" y="286603"/>
+            <a:ext cx="10058400" cy="1450757"/>
+          </a:xfrm>
+        </p:spPr>
+        <p:txBody>
+          <a:bodyPr>
+            <a:normAutofit/>
+          </a:bodyPr>
+          <a:lstStyle/>
+          <a:p>
+            <a:r>
+              <a:rPr lang="fr-FR" dirty="0"/>
+              <a:t>IV- Les tableaux</a:t>
+            </a:r>
+            <a:br>
+              <a:rPr lang="fr-FR" dirty="0"/>
+            </a:br>
+            <a:r>
+              <a:rPr lang="fr-FR" dirty="0"/>
+              <a:t>	</a:t>
+            </a:r>
+            <a:r>
+              <a:rPr lang="fr-FR" sz="3600" i="1" dirty="0"/>
+              <a:t>  3. tableau associatif</a:t>
+            </a:r>
+          </a:p>
+        </p:txBody>
+      </p:sp>
+      <p:sp>
+        <p:nvSpPr>
+          <p:cNvPr id="6" name="ZoneTexte 5">
+            <a:extLst>
+              <a:ext uri="{FF2B5EF4-FFF2-40B4-BE49-F238E27FC236}">
+                <a16:creationId xmlns:a16="http://schemas.microsoft.com/office/drawing/2014/main" id="{68F4F832-FBDC-54A2-57F4-37C46BF00D65}"/>
+              </a:ext>
+            </a:extLst>
+          </p:cNvPr>
+          <p:cNvSpPr txBox="1"/>
+          <p:nvPr/>
+        </p:nvSpPr>
+        <p:spPr>
+          <a:xfrm>
+            <a:off x="1428645" y="5120641"/>
+            <a:ext cx="9395669" cy="523220"/>
+          </a:xfrm>
+          <a:prstGeom prst="rect">
+            <a:avLst/>
+          </a:prstGeom>
+          <a:noFill/>
+        </p:spPr>
+        <p:txBody>
+          <a:bodyPr wrap="square" rtlCol="0">
+            <a:spAutoFit/>
+          </a:bodyPr>
+          <a:lstStyle/>
+          <a:p>
+            <a:r>
+              <a:rPr lang="fr-FR" sz="2800" dirty="0"/>
+              <a:t>Il existe plusieurs notations pour les tableaux associatifs</a:t>
+            </a:r>
+          </a:p>
+        </p:txBody>
+      </p:sp>
+      <p:pic>
+        <p:nvPicPr>
+          <p:cNvPr id="8" name="Image 7">
+            <a:extLst>
+              <a:ext uri="{FF2B5EF4-FFF2-40B4-BE49-F238E27FC236}">
+                <a16:creationId xmlns:a16="http://schemas.microsoft.com/office/drawing/2014/main" id="{35C57ABE-8B8E-F622-C8AA-EB4F6AEEA880}"/>
+              </a:ext>
+            </a:extLst>
+          </p:cNvPr>
+          <p:cNvPicPr>
+            <a:picLocks noChangeAspect="1"/>
+          </p:cNvPicPr>
+          <p:nvPr/>
+        </p:nvPicPr>
+        <p:blipFill>
+          <a:blip r:embed="rId2"/>
+          <a:stretch>
+            <a:fillRect/>
+          </a:stretch>
+        </p:blipFill>
+        <p:spPr>
+          <a:xfrm>
+            <a:off x="454444" y="2173866"/>
+            <a:ext cx="5058481" cy="2124371"/>
+          </a:xfrm>
+          <a:prstGeom prst="rect">
+            <a:avLst/>
+          </a:prstGeom>
+        </p:spPr>
+      </p:pic>
+      <p:pic>
+        <p:nvPicPr>
+          <p:cNvPr id="10" name="Image 9">
+            <a:extLst>
+              <a:ext uri="{FF2B5EF4-FFF2-40B4-BE49-F238E27FC236}">
+                <a16:creationId xmlns:a16="http://schemas.microsoft.com/office/drawing/2014/main" id="{F031C07A-6E75-9118-BFBA-10D1C88D13B4}"/>
+              </a:ext>
+            </a:extLst>
+          </p:cNvPr>
+          <p:cNvPicPr>
+            <a:picLocks noChangeAspect="1"/>
+          </p:cNvPicPr>
+          <p:nvPr/>
+        </p:nvPicPr>
+        <p:blipFill>
+          <a:blip r:embed="rId3"/>
+          <a:stretch>
+            <a:fillRect/>
+          </a:stretch>
+        </p:blipFill>
+        <p:spPr>
+          <a:xfrm>
+            <a:off x="6234099" y="2173866"/>
+            <a:ext cx="5338733" cy="2124371"/>
+          </a:xfrm>
+          <a:prstGeom prst="rect">
+            <a:avLst/>
+          </a:prstGeom>
+        </p:spPr>
+      </p:pic>
+      <p:pic>
+        <p:nvPicPr>
+          <p:cNvPr id="2" name="Picture 12" descr="JavaScript Logo et symbole, sens, histoire, PNG, marque">
+            <a:extLst>
+              <a:ext uri="{FF2B5EF4-FFF2-40B4-BE49-F238E27FC236}">
+                <a16:creationId xmlns:a16="http://schemas.microsoft.com/office/drawing/2014/main" id="{05BA3BF5-EB0B-98AF-1723-87D095E696F9}"/>
+              </a:ext>
+            </a:extLst>
+          </p:cNvPr>
+          <p:cNvPicPr>
+            <a:picLocks noChangeAspect="1" noChangeArrowheads="1"/>
+          </p:cNvPicPr>
+          <p:nvPr/>
+        </p:nvPicPr>
+        <p:blipFill>
+          <a:blip r:embed="rId4">
+            <a:extLst>
+              <a:ext uri="{28A0092B-C50C-407E-A947-70E740481C1C}">
+                <a14:useLocalDpi xmlns:a14="http://schemas.microsoft.com/office/drawing/2010/main" val="0"/>
+              </a:ext>
+            </a:extLst>
+          </a:blip>
+          <a:srcRect/>
+          <a:stretch>
+            <a:fillRect/>
+          </a:stretch>
+        </p:blipFill>
+        <p:spPr bwMode="auto">
+          <a:xfrm>
+            <a:off x="10380582" y="286603"/>
+            <a:ext cx="1550195" cy="876779"/>
+          </a:xfrm>
+          <a:prstGeom prst="rect">
+            <a:avLst/>
+          </a:prstGeom>
+          <a:noFill/>
+          <a:extLst>
+            <a:ext uri="{909E8E84-426E-40DD-AFC4-6F175D3DCCD1}">
+              <a14:hiddenFill xmlns:a14="http://schemas.microsoft.com/office/drawing/2010/main">
+                <a:solidFill>
+                  <a:srgbClr val="FFFFFF"/>
+                </a:solidFill>
+              </a14:hiddenFill>
+            </a:ext>
+          </a:extLst>
+        </p:spPr>
+      </p:pic>
+    </p:spTree>
+    <p:extLst>
+      <p:ext uri="{BB962C8B-B14F-4D97-AF65-F5344CB8AC3E}">
+        <p14:creationId xmlns:p14="http://schemas.microsoft.com/office/powerpoint/2010/main" val="2047449723"/>
+      </p:ext>
+    </p:extLst>
+  </p:cSld>
+  <p:clrMapOvr>
+    <a:masterClrMapping/>
+  </p:clrMapOvr>
+</p:sld>
+</file>
+
+<file path=ppt/slides/slide35.xml><?xml version="1.0" encoding="utf-8"?>
+<p:sld xmlns:a="http://schemas.openxmlformats.org/drawingml/2006/main" xmlns:r="http://schemas.openxmlformats.org/officeDocument/2006/relationships" xmlns:p="http://schemas.openxmlformats.org/presentationml/2006/main">
+  <p:cSld>
+    <p:spTree>
+      <p:nvGrpSpPr>
+        <p:cNvPr id="1" name=""/>
+        <p:cNvGrpSpPr/>
+        <p:nvPr/>
+      </p:nvGrpSpPr>
+      <p:grpSpPr>
+        <a:xfrm>
+          <a:off x="0" y="0"/>
+          <a:ext cx="0" cy="0"/>
+          <a:chOff x="0" y="0"/>
+          <a:chExt cx="0" cy="0"/>
+        </a:xfrm>
+      </p:grpSpPr>
+      <p:sp>
+        <p:nvSpPr>
+          <p:cNvPr id="3" name="Titre 1">
+            <a:extLst>
+              <a:ext uri="{FF2B5EF4-FFF2-40B4-BE49-F238E27FC236}">
+                <a16:creationId xmlns:a16="http://schemas.microsoft.com/office/drawing/2014/main" id="{E7373E66-041F-37D5-0ADF-25BA87ABC979}"/>
+              </a:ext>
+            </a:extLst>
+          </p:cNvPr>
+          <p:cNvSpPr>
+            <a:spLocks noGrp="1"/>
+          </p:cNvSpPr>
+          <p:nvPr>
+            <p:ph type="title"/>
+          </p:nvPr>
+        </p:nvSpPr>
+        <p:spPr>
+          <a:xfrm>
+            <a:off x="1097280" y="286603"/>
+            <a:ext cx="10058400" cy="1450757"/>
+          </a:xfrm>
+        </p:spPr>
+        <p:txBody>
+          <a:bodyPr>
+            <a:normAutofit/>
+          </a:bodyPr>
+          <a:lstStyle/>
+          <a:p>
+            <a:r>
+              <a:rPr lang="fr-FR" dirty="0"/>
+              <a:t>IV- Les tableaux</a:t>
+            </a:r>
+            <a:br>
+              <a:rPr lang="fr-FR" dirty="0"/>
+            </a:br>
+            <a:r>
+              <a:rPr lang="fr-FR" dirty="0"/>
+              <a:t>	</a:t>
+            </a:r>
+            <a:r>
+              <a:rPr lang="fr-FR" sz="3600" i="1" dirty="0"/>
+              <a:t>  4. Accéder aux éléments</a:t>
+            </a:r>
+          </a:p>
+        </p:txBody>
+      </p:sp>
+      <p:sp>
+        <p:nvSpPr>
+          <p:cNvPr id="5" name="ZoneTexte 4">
+            <a:extLst>
+              <a:ext uri="{FF2B5EF4-FFF2-40B4-BE49-F238E27FC236}">
+                <a16:creationId xmlns:a16="http://schemas.microsoft.com/office/drawing/2014/main" id="{C4FBDB47-657F-B6D5-A7E7-80400EFF1DD4}"/>
+              </a:ext>
+            </a:extLst>
+          </p:cNvPr>
+          <p:cNvSpPr txBox="1"/>
+          <p:nvPr/>
+        </p:nvSpPr>
+        <p:spPr>
+          <a:xfrm>
+            <a:off x="788565" y="2385375"/>
+            <a:ext cx="11014746" cy="2616101"/>
+          </a:xfrm>
+          <a:prstGeom prst="rect">
+            <a:avLst/>
+          </a:prstGeom>
+          <a:noFill/>
+        </p:spPr>
+        <p:txBody>
+          <a:bodyPr wrap="square" rtlCol="0">
+            <a:spAutoFit/>
+          </a:bodyPr>
+          <a:lstStyle/>
+          <a:p>
+            <a:r>
+              <a:rPr lang="fr-FR" sz="2800" b="1" dirty="0" err="1"/>
+              <a:t>Lenght</a:t>
+            </a:r>
+            <a:r>
+              <a:rPr lang="fr-FR" sz="2000" dirty="0"/>
+              <a:t> : renvoi le nombre d’éléments du tableau ( ne fonctionne que sur les tableaux simples ! </a:t>
+            </a:r>
+            <a:r>
+              <a:rPr lang="fr-FR" dirty="0"/>
+              <a:t>) </a:t>
+            </a:r>
+          </a:p>
+          <a:p>
+            <a:endParaRPr lang="fr-FR" dirty="0"/>
+          </a:p>
+          <a:p>
+            <a:endParaRPr lang="fr-FR" dirty="0"/>
+          </a:p>
+          <a:p>
+            <a:endParaRPr lang="fr-FR" dirty="0"/>
+          </a:p>
+          <a:p>
+            <a:endParaRPr lang="fr-FR" dirty="0"/>
+          </a:p>
+          <a:p>
+            <a:endParaRPr lang="fr-FR" dirty="0"/>
+          </a:p>
+          <a:p>
+            <a:r>
+              <a:rPr lang="fr-FR" sz="2800" b="1" dirty="0" err="1"/>
+              <a:t>indexOf</a:t>
+            </a:r>
+            <a:r>
+              <a:rPr lang="fr-FR" sz="2000" dirty="0"/>
+              <a:t>: renvoi l’index d’une valeur ( ne fonctionne que sur les tableaux simples ! ) </a:t>
+            </a:r>
+          </a:p>
+          <a:p>
+            <a:endParaRPr lang="fr-FR" dirty="0"/>
+          </a:p>
+        </p:txBody>
+      </p:sp>
+      <p:pic>
+        <p:nvPicPr>
+          <p:cNvPr id="4" name="Image 3">
+            <a:extLst>
+              <a:ext uri="{FF2B5EF4-FFF2-40B4-BE49-F238E27FC236}">
+                <a16:creationId xmlns:a16="http://schemas.microsoft.com/office/drawing/2014/main" id="{6848DA98-728F-40C0-DFE4-3374666AD67F}"/>
+              </a:ext>
+            </a:extLst>
+          </p:cNvPr>
+          <p:cNvPicPr>
+            <a:picLocks noChangeAspect="1"/>
+          </p:cNvPicPr>
+          <p:nvPr/>
+        </p:nvPicPr>
+        <p:blipFill>
+          <a:blip r:embed="rId2"/>
+          <a:stretch>
+            <a:fillRect/>
+          </a:stretch>
+        </p:blipFill>
+        <p:spPr>
+          <a:xfrm>
+            <a:off x="1744911" y="3006606"/>
+            <a:ext cx="3639058" cy="428685"/>
+          </a:xfrm>
+          <a:prstGeom prst="rect">
+            <a:avLst/>
+          </a:prstGeom>
+        </p:spPr>
+      </p:pic>
+      <p:pic>
+        <p:nvPicPr>
+          <p:cNvPr id="7" name="Image 6">
+            <a:extLst>
+              <a:ext uri="{FF2B5EF4-FFF2-40B4-BE49-F238E27FC236}">
+                <a16:creationId xmlns:a16="http://schemas.microsoft.com/office/drawing/2014/main" id="{8E2F3AD5-F2A5-90C0-4EDB-9EB19FB7B22E}"/>
+              </a:ext>
+            </a:extLst>
+          </p:cNvPr>
+          <p:cNvPicPr>
+            <a:picLocks noChangeAspect="1"/>
+          </p:cNvPicPr>
+          <p:nvPr/>
+        </p:nvPicPr>
+        <p:blipFill>
+          <a:blip r:embed="rId3"/>
+          <a:stretch>
+            <a:fillRect/>
+          </a:stretch>
+        </p:blipFill>
+        <p:spPr>
+          <a:xfrm>
+            <a:off x="1751913" y="4914006"/>
+            <a:ext cx="4544059" cy="685896"/>
+          </a:xfrm>
+          <a:prstGeom prst="rect">
+            <a:avLst/>
+          </a:prstGeom>
+        </p:spPr>
+      </p:pic>
+      <p:pic>
+        <p:nvPicPr>
+          <p:cNvPr id="2" name="Picture 12" descr="JavaScript Logo et symbole, sens, histoire, PNG, marque">
+            <a:extLst>
+              <a:ext uri="{FF2B5EF4-FFF2-40B4-BE49-F238E27FC236}">
+                <a16:creationId xmlns:a16="http://schemas.microsoft.com/office/drawing/2014/main" id="{0831A771-87F3-3822-50A2-BE9037415653}"/>
+              </a:ext>
+            </a:extLst>
+          </p:cNvPr>
+          <p:cNvPicPr>
+            <a:picLocks noChangeAspect="1" noChangeArrowheads="1"/>
+          </p:cNvPicPr>
+          <p:nvPr/>
+        </p:nvPicPr>
+        <p:blipFill>
+          <a:blip r:embed="rId4">
+            <a:extLst>
+              <a:ext uri="{28A0092B-C50C-407E-A947-70E740481C1C}">
+                <a14:useLocalDpi xmlns:a14="http://schemas.microsoft.com/office/drawing/2010/main" val="0"/>
+              </a:ext>
+            </a:extLst>
+          </a:blip>
+          <a:srcRect/>
+          <a:stretch>
+            <a:fillRect/>
+          </a:stretch>
+        </p:blipFill>
+        <p:spPr bwMode="auto">
+          <a:xfrm>
+            <a:off x="10380582" y="286603"/>
+            <a:ext cx="1550195" cy="876779"/>
+          </a:xfrm>
+          <a:prstGeom prst="rect">
+            <a:avLst/>
+          </a:prstGeom>
+          <a:noFill/>
+          <a:extLst>
+            <a:ext uri="{909E8E84-426E-40DD-AFC4-6F175D3DCCD1}">
+              <a14:hiddenFill xmlns:a14="http://schemas.microsoft.com/office/drawing/2010/main">
+                <a:solidFill>
+                  <a:srgbClr val="FFFFFF"/>
+                </a:solidFill>
+              </a14:hiddenFill>
+            </a:ext>
+          </a:extLst>
+        </p:spPr>
+      </p:pic>
+    </p:spTree>
+    <p:extLst>
+      <p:ext uri="{BB962C8B-B14F-4D97-AF65-F5344CB8AC3E}">
+        <p14:creationId xmlns:p14="http://schemas.microsoft.com/office/powerpoint/2010/main" val="3453736586"/>
+      </p:ext>
+    </p:extLst>
+  </p:cSld>
+  <p:clrMapOvr>
+    <a:masterClrMapping/>
+  </p:clrMapOvr>
+</p:sld>
+</file>
+
+<file path=ppt/slides/slide36.xml><?xml version="1.0" encoding="utf-8"?>
+<p:sld xmlns:a="http://schemas.openxmlformats.org/drawingml/2006/main" xmlns:r="http://schemas.openxmlformats.org/officeDocument/2006/relationships" xmlns:p="http://schemas.openxmlformats.org/presentationml/2006/main">
+  <p:cSld>
+    <p:spTree>
+      <p:nvGrpSpPr>
+        <p:cNvPr id="1" name=""/>
+        <p:cNvGrpSpPr/>
+        <p:nvPr/>
+      </p:nvGrpSpPr>
+      <p:grpSpPr>
+        <a:xfrm>
+          <a:off x="0" y="0"/>
+          <a:ext cx="0" cy="0"/>
+          <a:chOff x="0" y="0"/>
+          <a:chExt cx="0" cy="0"/>
+        </a:xfrm>
+      </p:grpSpPr>
+      <p:sp>
+        <p:nvSpPr>
+          <p:cNvPr id="3" name="Titre 1">
+            <a:extLst>
+              <a:ext uri="{FF2B5EF4-FFF2-40B4-BE49-F238E27FC236}">
+                <a16:creationId xmlns:a16="http://schemas.microsoft.com/office/drawing/2014/main" id="{E7373E66-041F-37D5-0ADF-25BA87ABC979}"/>
+              </a:ext>
+            </a:extLst>
+          </p:cNvPr>
+          <p:cNvSpPr>
+            <a:spLocks noGrp="1"/>
+          </p:cNvSpPr>
+          <p:nvPr>
+            <p:ph type="title"/>
+          </p:nvPr>
+        </p:nvSpPr>
+        <p:spPr>
+          <a:xfrm>
+            <a:off x="1097280" y="286603"/>
+            <a:ext cx="10058400" cy="1450757"/>
+          </a:xfrm>
+        </p:spPr>
+        <p:txBody>
+          <a:bodyPr>
+            <a:normAutofit/>
+          </a:bodyPr>
+          <a:lstStyle/>
+          <a:p>
+            <a:r>
+              <a:rPr lang="fr-FR" dirty="0"/>
+              <a:t>IV- Les tableaux</a:t>
+            </a:r>
+            <a:br>
+              <a:rPr lang="fr-FR" dirty="0"/>
+            </a:br>
+            <a:r>
+              <a:rPr lang="fr-FR" dirty="0"/>
+              <a:t>	</a:t>
+            </a:r>
+            <a:r>
+              <a:rPr lang="fr-FR" sz="3600" i="1" dirty="0"/>
+              <a:t>  5. Ajouter / supprimer des éléments</a:t>
+            </a:r>
+          </a:p>
+        </p:txBody>
+      </p:sp>
+      <p:sp>
+        <p:nvSpPr>
+          <p:cNvPr id="5" name="ZoneTexte 4">
+            <a:extLst>
+              <a:ext uri="{FF2B5EF4-FFF2-40B4-BE49-F238E27FC236}">
+                <a16:creationId xmlns:a16="http://schemas.microsoft.com/office/drawing/2014/main" id="{C4FBDB47-657F-B6D5-A7E7-80400EFF1DD4}"/>
+              </a:ext>
+            </a:extLst>
+          </p:cNvPr>
+          <p:cNvSpPr txBox="1"/>
+          <p:nvPr/>
+        </p:nvSpPr>
+        <p:spPr>
+          <a:xfrm>
+            <a:off x="1503027" y="2273585"/>
+            <a:ext cx="9185945" cy="4985980"/>
+          </a:xfrm>
+          <a:prstGeom prst="rect">
+            <a:avLst/>
+          </a:prstGeom>
+          <a:noFill/>
+        </p:spPr>
+        <p:txBody>
+          <a:bodyPr wrap="square" rtlCol="0">
+            <a:spAutoFit/>
+          </a:bodyPr>
+          <a:lstStyle/>
+          <a:p>
+            <a:r>
+              <a:rPr lang="fr-FR" sz="2800" b="1" dirty="0"/>
+              <a:t>Push</a:t>
+            </a:r>
+            <a:r>
+              <a:rPr lang="fr-FR" sz="2800" dirty="0"/>
+              <a:t> : Permet d’ajouter un élément à la </a:t>
+            </a:r>
+            <a:r>
+              <a:rPr lang="fr-FR" sz="2800" b="1" dirty="0"/>
+              <a:t>fin</a:t>
+            </a:r>
+            <a:r>
+              <a:rPr lang="fr-FR" sz="2800" dirty="0"/>
+              <a:t> du tableau </a:t>
+            </a:r>
+          </a:p>
+          <a:p>
+            <a:endParaRPr lang="fr-FR" dirty="0"/>
+          </a:p>
+          <a:p>
+            <a:endParaRPr lang="fr-FR" dirty="0"/>
+          </a:p>
+          <a:p>
+            <a:endParaRPr lang="fr-FR" dirty="0"/>
+          </a:p>
+          <a:p>
+            <a:endParaRPr lang="fr-FR" dirty="0"/>
+          </a:p>
+          <a:p>
+            <a:endParaRPr lang="fr-FR" dirty="0"/>
+          </a:p>
+          <a:p>
+            <a:endParaRPr lang="fr-FR" sz="2800" dirty="0"/>
+          </a:p>
+          <a:p>
+            <a:r>
+              <a:rPr lang="fr-FR" sz="2800" b="1" dirty="0" err="1"/>
+              <a:t>Unshift</a:t>
+            </a:r>
+            <a:r>
+              <a:rPr lang="fr-FR" sz="2800" dirty="0"/>
+              <a:t> : Permet d’ajouter un élément au </a:t>
+            </a:r>
+            <a:r>
+              <a:rPr lang="fr-FR" sz="2800" b="1" dirty="0"/>
+              <a:t>début</a:t>
+            </a:r>
+            <a:r>
+              <a:rPr lang="fr-FR" sz="2800" dirty="0"/>
+              <a:t> du tableau </a:t>
+            </a:r>
+          </a:p>
+          <a:p>
+            <a:endParaRPr lang="fr-FR" dirty="0"/>
+          </a:p>
+          <a:p>
+            <a:endParaRPr lang="fr-FR" dirty="0"/>
+          </a:p>
+          <a:p>
+            <a:endParaRPr lang="fr-FR" dirty="0"/>
+          </a:p>
+          <a:p>
+            <a:endParaRPr lang="fr-FR" dirty="0"/>
+          </a:p>
+          <a:p>
+            <a:endParaRPr lang="fr-FR" dirty="0"/>
+          </a:p>
+          <a:p>
+            <a:endParaRPr lang="fr-FR" dirty="0"/>
+          </a:p>
+          <a:p>
+            <a:endParaRPr lang="fr-FR" dirty="0"/>
+          </a:p>
+          <a:p>
+            <a:endParaRPr lang="fr-FR" dirty="0"/>
+          </a:p>
+        </p:txBody>
+      </p:sp>
+      <p:pic>
+        <p:nvPicPr>
+          <p:cNvPr id="4" name="Image 3">
+            <a:extLst>
+              <a:ext uri="{FF2B5EF4-FFF2-40B4-BE49-F238E27FC236}">
+                <a16:creationId xmlns:a16="http://schemas.microsoft.com/office/drawing/2014/main" id="{E019409E-8C48-64D0-3391-C9A6137E971A}"/>
+              </a:ext>
+            </a:extLst>
+          </p:cNvPr>
+          <p:cNvPicPr>
+            <a:picLocks noChangeAspect="1"/>
+          </p:cNvPicPr>
+          <p:nvPr/>
+        </p:nvPicPr>
+        <p:blipFill>
+          <a:blip r:embed="rId2"/>
+          <a:stretch>
+            <a:fillRect/>
+          </a:stretch>
+        </p:blipFill>
+        <p:spPr>
+          <a:xfrm>
+            <a:off x="2731868" y="2971144"/>
+            <a:ext cx="5005299" cy="847292"/>
+          </a:xfrm>
+          <a:prstGeom prst="rect">
+            <a:avLst/>
+          </a:prstGeom>
+        </p:spPr>
+      </p:pic>
+      <p:pic>
+        <p:nvPicPr>
+          <p:cNvPr id="7" name="Image 6">
+            <a:extLst>
+              <a:ext uri="{FF2B5EF4-FFF2-40B4-BE49-F238E27FC236}">
+                <a16:creationId xmlns:a16="http://schemas.microsoft.com/office/drawing/2014/main" id="{CD4849F3-44B8-4A0E-9880-B8C0E244C359}"/>
+              </a:ext>
+            </a:extLst>
+          </p:cNvPr>
+          <p:cNvPicPr>
+            <a:picLocks noChangeAspect="1"/>
+          </p:cNvPicPr>
+          <p:nvPr/>
+        </p:nvPicPr>
+        <p:blipFill>
+          <a:blip r:embed="rId3"/>
+          <a:stretch>
+            <a:fillRect/>
+          </a:stretch>
+        </p:blipFill>
+        <p:spPr>
+          <a:xfrm>
+            <a:off x="2731868" y="5237452"/>
+            <a:ext cx="5255863" cy="936845"/>
+          </a:xfrm>
+          <a:prstGeom prst="rect">
+            <a:avLst/>
+          </a:prstGeom>
+        </p:spPr>
+      </p:pic>
+      <p:pic>
+        <p:nvPicPr>
+          <p:cNvPr id="2" name="Picture 12" descr="JavaScript Logo et symbole, sens, histoire, PNG, marque">
+            <a:extLst>
+              <a:ext uri="{FF2B5EF4-FFF2-40B4-BE49-F238E27FC236}">
+                <a16:creationId xmlns:a16="http://schemas.microsoft.com/office/drawing/2014/main" id="{A7B8D76B-CFCE-9010-FD6F-51ACFE9F45DA}"/>
+              </a:ext>
+            </a:extLst>
+          </p:cNvPr>
+          <p:cNvPicPr>
+            <a:picLocks noChangeAspect="1" noChangeArrowheads="1"/>
+          </p:cNvPicPr>
+          <p:nvPr/>
+        </p:nvPicPr>
+        <p:blipFill>
+          <a:blip r:embed="rId4">
+            <a:extLst>
+              <a:ext uri="{28A0092B-C50C-407E-A947-70E740481C1C}">
+                <a14:useLocalDpi xmlns:a14="http://schemas.microsoft.com/office/drawing/2010/main" val="0"/>
+              </a:ext>
+            </a:extLst>
+          </a:blip>
+          <a:srcRect/>
+          <a:stretch>
+            <a:fillRect/>
+          </a:stretch>
+        </p:blipFill>
+        <p:spPr bwMode="auto">
+          <a:xfrm>
+            <a:off x="10380582" y="286603"/>
+            <a:ext cx="1550195" cy="876779"/>
+          </a:xfrm>
+          <a:prstGeom prst="rect">
+            <a:avLst/>
+          </a:prstGeom>
+          <a:noFill/>
+          <a:extLst>
+            <a:ext uri="{909E8E84-426E-40DD-AFC4-6F175D3DCCD1}">
+              <a14:hiddenFill xmlns:a14="http://schemas.microsoft.com/office/drawing/2010/main">
+                <a:solidFill>
+                  <a:srgbClr val="FFFFFF"/>
+                </a:solidFill>
+              </a14:hiddenFill>
+            </a:ext>
+          </a:extLst>
+        </p:spPr>
+      </p:pic>
+    </p:spTree>
+    <p:extLst>
+      <p:ext uri="{BB962C8B-B14F-4D97-AF65-F5344CB8AC3E}">
+        <p14:creationId xmlns:p14="http://schemas.microsoft.com/office/powerpoint/2010/main" val="2996514730"/>
+      </p:ext>
+    </p:extLst>
+  </p:cSld>
+  <p:clrMapOvr>
+    <a:masterClrMapping/>
+  </p:clrMapOvr>
+</p:sld>
+</file>
+
+<file path=ppt/slides/slide37.xml><?xml version="1.0" encoding="utf-8"?>
+<p:sld xmlns:a="http://schemas.openxmlformats.org/drawingml/2006/main" xmlns:r="http://schemas.openxmlformats.org/officeDocument/2006/relationships" xmlns:p="http://schemas.openxmlformats.org/presentationml/2006/main">
+  <p:cSld>
+    <p:spTree>
+      <p:nvGrpSpPr>
+        <p:cNvPr id="1" name=""/>
+        <p:cNvGrpSpPr/>
+        <p:nvPr/>
+      </p:nvGrpSpPr>
+      <p:grpSpPr>
+        <a:xfrm>
+          <a:off x="0" y="0"/>
+          <a:ext cx="0" cy="0"/>
+          <a:chOff x="0" y="0"/>
+          <a:chExt cx="0" cy="0"/>
+        </a:xfrm>
+      </p:grpSpPr>
+      <p:sp>
+        <p:nvSpPr>
+          <p:cNvPr id="3" name="Titre 1">
+            <a:extLst>
+              <a:ext uri="{FF2B5EF4-FFF2-40B4-BE49-F238E27FC236}">
+                <a16:creationId xmlns:a16="http://schemas.microsoft.com/office/drawing/2014/main" id="{E7373E66-041F-37D5-0ADF-25BA87ABC979}"/>
+              </a:ext>
+            </a:extLst>
+          </p:cNvPr>
+          <p:cNvSpPr>
+            <a:spLocks noGrp="1"/>
+          </p:cNvSpPr>
+          <p:nvPr>
+            <p:ph type="title"/>
+          </p:nvPr>
+        </p:nvSpPr>
+        <p:spPr>
+          <a:xfrm>
+            <a:off x="1097280" y="286603"/>
+            <a:ext cx="10058400" cy="1450757"/>
+          </a:xfrm>
+        </p:spPr>
+        <p:txBody>
+          <a:bodyPr>
+            <a:normAutofit/>
+          </a:bodyPr>
+          <a:lstStyle/>
+          <a:p>
+            <a:r>
+              <a:rPr lang="fr-FR" dirty="0"/>
+              <a:t>IV- Les tableaux</a:t>
+            </a:r>
+            <a:br>
+              <a:rPr lang="fr-FR" dirty="0"/>
+            </a:br>
+            <a:r>
+              <a:rPr lang="fr-FR" dirty="0"/>
+              <a:t>	</a:t>
+            </a:r>
+            <a:r>
+              <a:rPr lang="fr-FR" sz="3600" i="1" dirty="0"/>
+              <a:t>  5. Ajouter / supprimer des éléments</a:t>
+            </a:r>
+          </a:p>
+        </p:txBody>
+      </p:sp>
+      <p:sp>
+        <p:nvSpPr>
+          <p:cNvPr id="5" name="ZoneTexte 4">
+            <a:extLst>
+              <a:ext uri="{FF2B5EF4-FFF2-40B4-BE49-F238E27FC236}">
+                <a16:creationId xmlns:a16="http://schemas.microsoft.com/office/drawing/2014/main" id="{C4FBDB47-657F-B6D5-A7E7-80400EFF1DD4}"/>
+              </a:ext>
+            </a:extLst>
+          </p:cNvPr>
+          <p:cNvSpPr txBox="1"/>
+          <p:nvPr/>
+        </p:nvSpPr>
+        <p:spPr>
+          <a:xfrm>
+            <a:off x="1627466" y="2372333"/>
+            <a:ext cx="9185945" cy="4001095"/>
+          </a:xfrm>
+          <a:prstGeom prst="rect">
+            <a:avLst/>
+          </a:prstGeom>
+          <a:noFill/>
+        </p:spPr>
+        <p:txBody>
+          <a:bodyPr wrap="square" rtlCol="0">
+            <a:spAutoFit/>
+          </a:bodyPr>
+          <a:lstStyle/>
+          <a:p>
+            <a:r>
+              <a:rPr lang="fr-FR" sz="2800" b="1" dirty="0"/>
+              <a:t>Pop</a:t>
+            </a:r>
+            <a:r>
+              <a:rPr lang="fr-FR" sz="2800" dirty="0"/>
+              <a:t> : Supprime le </a:t>
+            </a:r>
+            <a:r>
+              <a:rPr lang="fr-FR" sz="2800" b="1" dirty="0"/>
+              <a:t>dernier</a:t>
+            </a:r>
+            <a:r>
+              <a:rPr lang="fr-FR" sz="2800" dirty="0"/>
+              <a:t> élément du tableau </a:t>
+            </a:r>
+          </a:p>
+          <a:p>
+            <a:endParaRPr lang="fr-FR" dirty="0"/>
+          </a:p>
+          <a:p>
+            <a:endParaRPr lang="fr-FR" dirty="0"/>
+          </a:p>
+          <a:p>
+            <a:endParaRPr lang="fr-FR" dirty="0"/>
+          </a:p>
+          <a:p>
+            <a:endParaRPr lang="fr-FR" dirty="0"/>
+          </a:p>
+          <a:p>
+            <a:endParaRPr lang="fr-FR" dirty="0"/>
+          </a:p>
+          <a:p>
+            <a:endParaRPr lang="fr-FR" dirty="0"/>
+          </a:p>
+          <a:p>
+            <a:r>
+              <a:rPr lang="fr-FR" sz="2800" b="1" dirty="0"/>
+              <a:t>Shift</a:t>
+            </a:r>
+            <a:r>
+              <a:rPr lang="fr-FR" sz="2800" dirty="0"/>
+              <a:t> : Supprime le </a:t>
+            </a:r>
+            <a:r>
+              <a:rPr lang="fr-FR" sz="2800" b="1" dirty="0"/>
+              <a:t>premier</a:t>
+            </a:r>
+            <a:r>
+              <a:rPr lang="fr-FR" sz="2800" dirty="0"/>
+              <a:t> élément du tableau</a:t>
+            </a:r>
+          </a:p>
+          <a:p>
+            <a:endParaRPr lang="fr-FR" dirty="0"/>
+          </a:p>
+          <a:p>
+            <a:endParaRPr lang="fr-FR" dirty="0"/>
+          </a:p>
+          <a:p>
+            <a:endParaRPr lang="fr-FR" dirty="0"/>
+          </a:p>
+          <a:p>
+            <a:r>
+              <a:rPr lang="fr-FR" dirty="0"/>
+              <a:t> </a:t>
+            </a:r>
+          </a:p>
+          <a:p>
+            <a:endParaRPr lang="fr-FR" dirty="0"/>
+          </a:p>
+        </p:txBody>
+      </p:sp>
+      <p:pic>
+        <p:nvPicPr>
+          <p:cNvPr id="9" name="Image 8">
+            <a:extLst>
+              <a:ext uri="{FF2B5EF4-FFF2-40B4-BE49-F238E27FC236}">
+                <a16:creationId xmlns:a16="http://schemas.microsoft.com/office/drawing/2014/main" id="{CB06F5F7-6536-9B22-0337-A18A950FCAC7}"/>
+              </a:ext>
+            </a:extLst>
+          </p:cNvPr>
+          <p:cNvPicPr>
+            <a:picLocks noChangeAspect="1"/>
+          </p:cNvPicPr>
+          <p:nvPr/>
+        </p:nvPicPr>
+        <p:blipFill>
+          <a:blip r:embed="rId2"/>
+          <a:stretch>
+            <a:fillRect/>
+          </a:stretch>
+        </p:blipFill>
+        <p:spPr>
+          <a:xfrm>
+            <a:off x="2560787" y="2931721"/>
+            <a:ext cx="3145826" cy="934404"/>
+          </a:xfrm>
+          <a:prstGeom prst="rect">
+            <a:avLst/>
+          </a:prstGeom>
+        </p:spPr>
+      </p:pic>
+      <p:pic>
+        <p:nvPicPr>
+          <p:cNvPr id="11" name="Image 10">
+            <a:extLst>
+              <a:ext uri="{FF2B5EF4-FFF2-40B4-BE49-F238E27FC236}">
+                <a16:creationId xmlns:a16="http://schemas.microsoft.com/office/drawing/2014/main" id="{4FBC9960-750F-D4E4-E4E4-F4AFEC1AB379}"/>
+              </a:ext>
+            </a:extLst>
+          </p:cNvPr>
+          <p:cNvPicPr>
+            <a:picLocks noChangeAspect="1"/>
+          </p:cNvPicPr>
+          <p:nvPr/>
+        </p:nvPicPr>
+        <p:blipFill>
+          <a:blip r:embed="rId3"/>
+          <a:stretch>
+            <a:fillRect/>
+          </a:stretch>
+        </p:blipFill>
+        <p:spPr>
+          <a:xfrm>
+            <a:off x="2560787" y="5179971"/>
+            <a:ext cx="3188314" cy="860103"/>
+          </a:xfrm>
+          <a:prstGeom prst="rect">
+            <a:avLst/>
+          </a:prstGeom>
+        </p:spPr>
+      </p:pic>
+      <p:pic>
+        <p:nvPicPr>
+          <p:cNvPr id="2" name="Picture 12" descr="JavaScript Logo et symbole, sens, histoire, PNG, marque">
+            <a:extLst>
+              <a:ext uri="{FF2B5EF4-FFF2-40B4-BE49-F238E27FC236}">
+                <a16:creationId xmlns:a16="http://schemas.microsoft.com/office/drawing/2014/main" id="{9BE21851-593D-E553-91AC-08D981568C63}"/>
+              </a:ext>
+            </a:extLst>
+          </p:cNvPr>
+          <p:cNvPicPr>
+            <a:picLocks noChangeAspect="1" noChangeArrowheads="1"/>
+          </p:cNvPicPr>
+          <p:nvPr/>
+        </p:nvPicPr>
+        <p:blipFill>
+          <a:blip r:embed="rId4">
+            <a:extLst>
+              <a:ext uri="{28A0092B-C50C-407E-A947-70E740481C1C}">
+                <a14:useLocalDpi xmlns:a14="http://schemas.microsoft.com/office/drawing/2010/main" val="0"/>
+              </a:ext>
+            </a:extLst>
+          </a:blip>
+          <a:srcRect/>
+          <a:stretch>
+            <a:fillRect/>
+          </a:stretch>
+        </p:blipFill>
+        <p:spPr bwMode="auto">
+          <a:xfrm>
+            <a:off x="10380582" y="286603"/>
+            <a:ext cx="1550195" cy="876779"/>
+          </a:xfrm>
+          <a:prstGeom prst="rect">
+            <a:avLst/>
+          </a:prstGeom>
+          <a:noFill/>
+          <a:extLst>
+            <a:ext uri="{909E8E84-426E-40DD-AFC4-6F175D3DCCD1}">
+              <a14:hiddenFill xmlns:a14="http://schemas.microsoft.com/office/drawing/2010/main">
+                <a:solidFill>
+                  <a:srgbClr val="FFFFFF"/>
+                </a:solidFill>
+              </a14:hiddenFill>
+            </a:ext>
+          </a:extLst>
+        </p:spPr>
+      </p:pic>
+    </p:spTree>
+    <p:extLst>
+      <p:ext uri="{BB962C8B-B14F-4D97-AF65-F5344CB8AC3E}">
+        <p14:creationId xmlns:p14="http://schemas.microsoft.com/office/powerpoint/2010/main" val="2702890881"/>
+      </p:ext>
+    </p:extLst>
+  </p:cSld>
+  <p:clrMapOvr>
+    <a:masterClrMapping/>
+  </p:clrMapOvr>
+</p:sld>
+</file>
+
+<file path=ppt/slides/slide38.xml><?xml version="1.0" encoding="utf-8"?>
+<p:sld xmlns:a="http://schemas.openxmlformats.org/drawingml/2006/main" xmlns:r="http://schemas.openxmlformats.org/officeDocument/2006/relationships" xmlns:p="http://schemas.openxmlformats.org/presentationml/2006/main">
+  <p:cSld>
+    <p:spTree>
+      <p:nvGrpSpPr>
+        <p:cNvPr id="1" name=""/>
+        <p:cNvGrpSpPr/>
+        <p:nvPr/>
+      </p:nvGrpSpPr>
+      <p:grpSpPr>
+        <a:xfrm>
+          <a:off x="0" y="0"/>
+          <a:ext cx="0" cy="0"/>
+          <a:chOff x="0" y="0"/>
+          <a:chExt cx="0" cy="0"/>
+        </a:xfrm>
+      </p:grpSpPr>
+      <p:sp>
+        <p:nvSpPr>
+          <p:cNvPr id="3" name="Titre 1">
+            <a:extLst>
+              <a:ext uri="{FF2B5EF4-FFF2-40B4-BE49-F238E27FC236}">
+                <a16:creationId xmlns:a16="http://schemas.microsoft.com/office/drawing/2014/main" id="{E7373E66-041F-37D5-0ADF-25BA87ABC979}"/>
+              </a:ext>
+            </a:extLst>
+          </p:cNvPr>
+          <p:cNvSpPr>
+            <a:spLocks noGrp="1"/>
+          </p:cNvSpPr>
+          <p:nvPr>
+            <p:ph type="title"/>
+          </p:nvPr>
+        </p:nvSpPr>
+        <p:spPr>
+          <a:xfrm>
+            <a:off x="1097280" y="286603"/>
+            <a:ext cx="10058400" cy="1450757"/>
+          </a:xfrm>
+        </p:spPr>
+        <p:txBody>
+          <a:bodyPr>
+            <a:normAutofit/>
+          </a:bodyPr>
+          <a:lstStyle/>
+          <a:p>
+            <a:r>
+              <a:rPr lang="fr-FR" dirty="0"/>
+              <a:t>IV- Les tableaux</a:t>
+            </a:r>
+            <a:br>
+              <a:rPr lang="fr-FR" dirty="0"/>
+            </a:br>
+            <a:r>
+              <a:rPr lang="fr-FR" dirty="0"/>
+              <a:t>	</a:t>
+            </a:r>
+            <a:r>
+              <a:rPr lang="fr-FR" sz="3600" i="1" dirty="0"/>
+              <a:t>  5. Méthodes spécifique aux tableaux </a:t>
+            </a:r>
+          </a:p>
+        </p:txBody>
+      </p:sp>
+      <p:sp>
+        <p:nvSpPr>
+          <p:cNvPr id="5" name="ZoneTexte 4">
+            <a:extLst>
+              <a:ext uri="{FF2B5EF4-FFF2-40B4-BE49-F238E27FC236}">
+                <a16:creationId xmlns:a16="http://schemas.microsoft.com/office/drawing/2014/main" id="{C4FBDB47-657F-B6D5-A7E7-80400EFF1DD4}"/>
+              </a:ext>
+            </a:extLst>
+          </p:cNvPr>
+          <p:cNvSpPr txBox="1"/>
+          <p:nvPr/>
+        </p:nvSpPr>
+        <p:spPr>
+          <a:xfrm>
+            <a:off x="1795245" y="2385375"/>
+            <a:ext cx="9185945" cy="2616101"/>
+          </a:xfrm>
+          <a:prstGeom prst="rect">
+            <a:avLst/>
+          </a:prstGeom>
+          <a:noFill/>
+        </p:spPr>
+        <p:txBody>
+          <a:bodyPr wrap="square" rtlCol="0">
+            <a:spAutoFit/>
+          </a:bodyPr>
+          <a:lstStyle/>
+          <a:p>
+            <a:r>
+              <a:rPr lang="fr-FR" sz="2800" b="1" dirty="0" err="1"/>
+              <a:t>Splice</a:t>
+            </a:r>
+            <a:r>
+              <a:rPr lang="fr-FR" dirty="0"/>
+              <a:t>: Permet d’</a:t>
+            </a:r>
+            <a:r>
+              <a:rPr lang="fr-FR" b="1" dirty="0"/>
+              <a:t>ajouter/supprimer </a:t>
+            </a:r>
+            <a:r>
+              <a:rPr lang="fr-FR" dirty="0"/>
+              <a:t>un élément, uniquement disponible pour les tableaux simples et multidimensionnels </a:t>
+            </a:r>
+          </a:p>
+          <a:p>
+            <a:endParaRPr lang="fr-FR" dirty="0"/>
+          </a:p>
+          <a:p>
+            <a:endParaRPr lang="fr-FR" dirty="0"/>
+          </a:p>
+          <a:p>
+            <a:endParaRPr lang="fr-FR" dirty="0"/>
+          </a:p>
+          <a:p>
+            <a:endParaRPr lang="fr-FR" dirty="0"/>
+          </a:p>
+          <a:p>
+            <a:endParaRPr lang="fr-FR" dirty="0"/>
+          </a:p>
+          <a:p>
+            <a:r>
+              <a:rPr lang="fr-FR" sz="2800" b="1" dirty="0"/>
+              <a:t>Slice</a:t>
+            </a:r>
+            <a:r>
+              <a:rPr lang="fr-FR" dirty="0"/>
+              <a:t> : </a:t>
+            </a:r>
+            <a:r>
+              <a:rPr lang="fr-FR" b="1" dirty="0"/>
+              <a:t>Copie</a:t>
+            </a:r>
+            <a:r>
+              <a:rPr lang="fr-FR" dirty="0"/>
+              <a:t> les valeurs d’un tableau et les enregistre dans un </a:t>
+            </a:r>
+            <a:r>
+              <a:rPr lang="fr-FR" b="1" dirty="0"/>
+              <a:t>autre tableau </a:t>
+            </a:r>
+          </a:p>
+        </p:txBody>
+      </p:sp>
+      <p:pic>
+        <p:nvPicPr>
+          <p:cNvPr id="7" name="Image 6">
+            <a:extLst>
+              <a:ext uri="{FF2B5EF4-FFF2-40B4-BE49-F238E27FC236}">
+                <a16:creationId xmlns:a16="http://schemas.microsoft.com/office/drawing/2014/main" id="{1926808E-993E-C474-D59D-18745AD849D5}"/>
+              </a:ext>
+            </a:extLst>
+          </p:cNvPr>
+          <p:cNvPicPr>
+            <a:picLocks noChangeAspect="1"/>
+          </p:cNvPicPr>
+          <p:nvPr/>
+        </p:nvPicPr>
+        <p:blipFill>
+          <a:blip r:embed="rId2"/>
+          <a:stretch>
+            <a:fillRect/>
+          </a:stretch>
+        </p:blipFill>
+        <p:spPr>
+          <a:xfrm>
+            <a:off x="2072081" y="3429000"/>
+            <a:ext cx="8602275" cy="619211"/>
+          </a:xfrm>
+          <a:prstGeom prst="rect">
+            <a:avLst/>
+          </a:prstGeom>
+        </p:spPr>
+      </p:pic>
+      <p:pic>
+        <p:nvPicPr>
+          <p:cNvPr id="13" name="Image 12">
+            <a:extLst>
+              <a:ext uri="{FF2B5EF4-FFF2-40B4-BE49-F238E27FC236}">
+                <a16:creationId xmlns:a16="http://schemas.microsoft.com/office/drawing/2014/main" id="{129658C5-D667-1B8D-CF41-48FA666E4506}"/>
+              </a:ext>
+            </a:extLst>
+          </p:cNvPr>
+          <p:cNvPicPr>
+            <a:picLocks noChangeAspect="1"/>
+          </p:cNvPicPr>
+          <p:nvPr/>
+        </p:nvPicPr>
+        <p:blipFill>
+          <a:blip r:embed="rId3"/>
+          <a:stretch>
+            <a:fillRect/>
+          </a:stretch>
+        </p:blipFill>
+        <p:spPr>
+          <a:xfrm>
+            <a:off x="1972763" y="5001476"/>
+            <a:ext cx="8830907" cy="685896"/>
+          </a:xfrm>
+          <a:prstGeom prst="rect">
+            <a:avLst/>
+          </a:prstGeom>
+        </p:spPr>
+      </p:pic>
+      <p:pic>
+        <p:nvPicPr>
+          <p:cNvPr id="2" name="Picture 12" descr="JavaScript Logo et symbole, sens, histoire, PNG, marque">
+            <a:extLst>
+              <a:ext uri="{FF2B5EF4-FFF2-40B4-BE49-F238E27FC236}">
+                <a16:creationId xmlns:a16="http://schemas.microsoft.com/office/drawing/2014/main" id="{A6721FF4-B32E-F2A2-8BFF-46FDDCDDD758}"/>
+              </a:ext>
+            </a:extLst>
+          </p:cNvPr>
+          <p:cNvPicPr>
+            <a:picLocks noChangeAspect="1" noChangeArrowheads="1"/>
+          </p:cNvPicPr>
+          <p:nvPr/>
+        </p:nvPicPr>
+        <p:blipFill>
+          <a:blip r:embed="rId4">
+            <a:extLst>
+              <a:ext uri="{28A0092B-C50C-407E-A947-70E740481C1C}">
+                <a14:useLocalDpi xmlns:a14="http://schemas.microsoft.com/office/drawing/2010/main" val="0"/>
+              </a:ext>
+            </a:extLst>
+          </a:blip>
+          <a:srcRect/>
+          <a:stretch>
+            <a:fillRect/>
+          </a:stretch>
+        </p:blipFill>
+        <p:spPr bwMode="auto">
+          <a:xfrm>
+            <a:off x="10380582" y="286603"/>
+            <a:ext cx="1550195" cy="876779"/>
+          </a:xfrm>
+          <a:prstGeom prst="rect">
+            <a:avLst/>
+          </a:prstGeom>
+          <a:noFill/>
+          <a:extLst>
+            <a:ext uri="{909E8E84-426E-40DD-AFC4-6F175D3DCCD1}">
+              <a14:hiddenFill xmlns:a14="http://schemas.microsoft.com/office/drawing/2010/main">
+                <a:solidFill>
+                  <a:srgbClr val="FFFFFF"/>
+                </a:solidFill>
+              </a14:hiddenFill>
+            </a:ext>
+          </a:extLst>
+        </p:spPr>
+      </p:pic>
+    </p:spTree>
+    <p:extLst>
+      <p:ext uri="{BB962C8B-B14F-4D97-AF65-F5344CB8AC3E}">
+        <p14:creationId xmlns:p14="http://schemas.microsoft.com/office/powerpoint/2010/main" val="1601738260"/>
+      </p:ext>
+    </p:extLst>
+  </p:cSld>
+  <p:clrMapOvr>
+    <a:masterClrMapping/>
+  </p:clrMapOvr>
+</p:sld>
+</file>
+
+<file path=ppt/slides/slide39.xml><?xml version="1.0" encoding="utf-8"?>
+<p:sld xmlns:a="http://schemas.openxmlformats.org/drawingml/2006/main" xmlns:r="http://schemas.openxmlformats.org/officeDocument/2006/relationships" xmlns:p="http://schemas.openxmlformats.org/presentationml/2006/main">
+  <p:cSld>
+    <p:spTree>
+      <p:nvGrpSpPr>
+        <p:cNvPr id="1" name=""/>
+        <p:cNvGrpSpPr/>
+        <p:nvPr/>
+      </p:nvGrpSpPr>
+      <p:grpSpPr>
+        <a:xfrm>
+          <a:off x="0" y="0"/>
+          <a:ext cx="0" cy="0"/>
+          <a:chOff x="0" y="0"/>
+          <a:chExt cx="0" cy="0"/>
+        </a:xfrm>
+      </p:grpSpPr>
+      <p:sp>
+        <p:nvSpPr>
+          <p:cNvPr id="3" name="Titre 1">
+            <a:extLst>
+              <a:ext uri="{FF2B5EF4-FFF2-40B4-BE49-F238E27FC236}">
+                <a16:creationId xmlns:a16="http://schemas.microsoft.com/office/drawing/2014/main" id="{E7373E66-041F-37D5-0ADF-25BA87ABC979}"/>
+              </a:ext>
+            </a:extLst>
+          </p:cNvPr>
+          <p:cNvSpPr>
+            <a:spLocks noGrp="1"/>
+          </p:cNvSpPr>
+          <p:nvPr>
+            <p:ph type="title"/>
+          </p:nvPr>
+        </p:nvSpPr>
+        <p:spPr>
+          <a:xfrm>
+            <a:off x="1097280" y="286603"/>
+            <a:ext cx="10058400" cy="1450757"/>
+          </a:xfrm>
+        </p:spPr>
+        <p:txBody>
+          <a:bodyPr>
+            <a:normAutofit/>
+          </a:bodyPr>
+          <a:lstStyle/>
+          <a:p>
+            <a:r>
+              <a:rPr lang="fr-FR" dirty="0"/>
+              <a:t>IV- Les tableaux</a:t>
+            </a:r>
+            <a:br>
+              <a:rPr lang="fr-FR" dirty="0"/>
+            </a:br>
+            <a:r>
+              <a:rPr lang="fr-FR" dirty="0"/>
+              <a:t>	</a:t>
+            </a:r>
+            <a:r>
+              <a:rPr lang="fr-FR" sz="3600" i="1" dirty="0"/>
+              <a:t>  5. Méthodes spécifique aux tableaux </a:t>
+            </a:r>
+          </a:p>
+        </p:txBody>
+      </p:sp>
+      <p:sp>
+        <p:nvSpPr>
+          <p:cNvPr id="5" name="ZoneTexte 4">
+            <a:extLst>
+              <a:ext uri="{FF2B5EF4-FFF2-40B4-BE49-F238E27FC236}">
+                <a16:creationId xmlns:a16="http://schemas.microsoft.com/office/drawing/2014/main" id="{C4FBDB47-657F-B6D5-A7E7-80400EFF1DD4}"/>
+              </a:ext>
+            </a:extLst>
+          </p:cNvPr>
+          <p:cNvSpPr txBox="1"/>
+          <p:nvPr/>
+        </p:nvSpPr>
+        <p:spPr>
+          <a:xfrm>
+            <a:off x="713064" y="2427320"/>
+            <a:ext cx="10905688" cy="2400657"/>
+          </a:xfrm>
+          <a:prstGeom prst="rect">
+            <a:avLst/>
+          </a:prstGeom>
+          <a:noFill/>
+        </p:spPr>
+        <p:txBody>
+          <a:bodyPr wrap="square" rtlCol="0">
+            <a:spAutoFit/>
+          </a:bodyPr>
+          <a:lstStyle/>
+          <a:p>
+            <a:r>
+              <a:rPr lang="fr-FR" sz="2800" b="1" dirty="0" err="1"/>
+              <a:t>Concat</a:t>
+            </a:r>
+            <a:r>
+              <a:rPr lang="fr-FR" dirty="0"/>
+              <a:t>: Permet d’assembler deux tableaux </a:t>
+            </a:r>
+          </a:p>
+          <a:p>
+            <a:endParaRPr lang="fr-FR" dirty="0"/>
+          </a:p>
+          <a:p>
+            <a:endParaRPr lang="fr-FR" dirty="0"/>
+          </a:p>
+          <a:p>
+            <a:endParaRPr lang="fr-FR" dirty="0"/>
+          </a:p>
+          <a:p>
+            <a:endParaRPr lang="fr-FR" dirty="0"/>
+          </a:p>
+          <a:p>
+            <a:endParaRPr lang="fr-FR" dirty="0"/>
+          </a:p>
+          <a:p>
+            <a:r>
+              <a:rPr lang="fr-FR" sz="3200" b="1" dirty="0" err="1"/>
+              <a:t>Includes</a:t>
+            </a:r>
+            <a:r>
+              <a:rPr lang="fr-FR" sz="2000" dirty="0"/>
+              <a:t> : retourne </a:t>
+            </a:r>
+            <a:r>
+              <a:rPr lang="fr-FR" sz="2000" dirty="0" err="1"/>
+              <a:t>true</a:t>
+            </a:r>
+            <a:r>
+              <a:rPr lang="fr-FR" sz="2000" dirty="0"/>
+              <a:t> ou false, permet de vérifier la présence d’un élément dans le tableau </a:t>
+            </a:r>
+          </a:p>
+        </p:txBody>
+      </p:sp>
+      <p:pic>
+        <p:nvPicPr>
+          <p:cNvPr id="4" name="Image 3">
+            <a:extLst>
+              <a:ext uri="{FF2B5EF4-FFF2-40B4-BE49-F238E27FC236}">
+                <a16:creationId xmlns:a16="http://schemas.microsoft.com/office/drawing/2014/main" id="{448D8F2C-54D9-3BFD-11AF-C7EDFD8A5453}"/>
+              </a:ext>
+            </a:extLst>
+          </p:cNvPr>
+          <p:cNvPicPr>
+            <a:picLocks noChangeAspect="1"/>
+          </p:cNvPicPr>
+          <p:nvPr/>
+        </p:nvPicPr>
+        <p:blipFill>
+          <a:blip r:embed="rId2"/>
+          <a:stretch>
+            <a:fillRect/>
+          </a:stretch>
+        </p:blipFill>
+        <p:spPr>
+          <a:xfrm>
+            <a:off x="1226067" y="3105746"/>
+            <a:ext cx="5639587" cy="847843"/>
+          </a:xfrm>
+          <a:prstGeom prst="rect">
+            <a:avLst/>
+          </a:prstGeom>
+        </p:spPr>
+      </p:pic>
+      <p:pic>
+        <p:nvPicPr>
+          <p:cNvPr id="8" name="Image 7">
+            <a:extLst>
+              <a:ext uri="{FF2B5EF4-FFF2-40B4-BE49-F238E27FC236}">
+                <a16:creationId xmlns:a16="http://schemas.microsoft.com/office/drawing/2014/main" id="{DA7D3ED7-BA24-BC51-D75D-0F5F7842FEE5}"/>
+              </a:ext>
+            </a:extLst>
+          </p:cNvPr>
+          <p:cNvPicPr>
+            <a:picLocks noChangeAspect="1"/>
+          </p:cNvPicPr>
+          <p:nvPr/>
+        </p:nvPicPr>
+        <p:blipFill>
+          <a:blip r:embed="rId3"/>
+          <a:stretch>
+            <a:fillRect/>
+          </a:stretch>
+        </p:blipFill>
+        <p:spPr>
+          <a:xfrm>
+            <a:off x="1226067" y="5150908"/>
+            <a:ext cx="5277587" cy="933580"/>
+          </a:xfrm>
+          <a:prstGeom prst="rect">
+            <a:avLst/>
+          </a:prstGeom>
+        </p:spPr>
+      </p:pic>
+      <p:pic>
+        <p:nvPicPr>
+          <p:cNvPr id="2" name="Picture 12" descr="JavaScript Logo et symbole, sens, histoire, PNG, marque">
+            <a:extLst>
+              <a:ext uri="{FF2B5EF4-FFF2-40B4-BE49-F238E27FC236}">
+                <a16:creationId xmlns:a16="http://schemas.microsoft.com/office/drawing/2014/main" id="{872CAC97-42FC-5A22-933E-2704215FB2B7}"/>
+              </a:ext>
+            </a:extLst>
+          </p:cNvPr>
+          <p:cNvPicPr>
+            <a:picLocks noChangeAspect="1" noChangeArrowheads="1"/>
+          </p:cNvPicPr>
+          <p:nvPr/>
+        </p:nvPicPr>
+        <p:blipFill>
+          <a:blip r:embed="rId4">
+            <a:extLst>
+              <a:ext uri="{28A0092B-C50C-407E-A947-70E740481C1C}">
+                <a14:useLocalDpi xmlns:a14="http://schemas.microsoft.com/office/drawing/2010/main" val="0"/>
+              </a:ext>
+            </a:extLst>
+          </a:blip>
+          <a:srcRect/>
+          <a:stretch>
+            <a:fillRect/>
+          </a:stretch>
+        </p:blipFill>
+        <p:spPr bwMode="auto">
+          <a:xfrm>
+            <a:off x="10380582" y="286603"/>
+            <a:ext cx="1550195" cy="876779"/>
+          </a:xfrm>
+          <a:prstGeom prst="rect">
+            <a:avLst/>
+          </a:prstGeom>
+          <a:noFill/>
+          <a:extLst>
+            <a:ext uri="{909E8E84-426E-40DD-AFC4-6F175D3DCCD1}">
+              <a14:hiddenFill xmlns:a14="http://schemas.microsoft.com/office/drawing/2010/main">
+                <a:solidFill>
+                  <a:srgbClr val="FFFFFF"/>
+                </a:solidFill>
+              </a14:hiddenFill>
+            </a:ext>
+          </a:extLst>
+        </p:spPr>
+      </p:pic>
+    </p:spTree>
+    <p:extLst>
+      <p:ext uri="{BB962C8B-B14F-4D97-AF65-F5344CB8AC3E}">
+        <p14:creationId xmlns:p14="http://schemas.microsoft.com/office/powerpoint/2010/main" val="3649627350"/>
       </p:ext>
     </p:extLst>
   </p:cSld>
@@ -8236,6 +11163,2392 @@
     <p:extLst>
       <p:ext uri="{BB962C8B-B14F-4D97-AF65-F5344CB8AC3E}">
         <p14:creationId xmlns:p14="http://schemas.microsoft.com/office/powerpoint/2010/main" val="1013943149"/>
+      </p:ext>
+    </p:extLst>
+  </p:cSld>
+  <p:clrMapOvr>
+    <a:masterClrMapping/>
+  </p:clrMapOvr>
+</p:sld>
+</file>
+
+<file path=ppt/slides/slide40.xml><?xml version="1.0" encoding="utf-8"?>
+<p:sld xmlns:a="http://schemas.openxmlformats.org/drawingml/2006/main" xmlns:r="http://schemas.openxmlformats.org/officeDocument/2006/relationships" xmlns:p="http://schemas.openxmlformats.org/presentationml/2006/main">
+  <p:cSld>
+    <p:spTree>
+      <p:nvGrpSpPr>
+        <p:cNvPr id="1" name=""/>
+        <p:cNvGrpSpPr/>
+        <p:nvPr/>
+      </p:nvGrpSpPr>
+      <p:grpSpPr>
+        <a:xfrm>
+          <a:off x="0" y="0"/>
+          <a:ext cx="0" cy="0"/>
+          <a:chOff x="0" y="0"/>
+          <a:chExt cx="0" cy="0"/>
+        </a:xfrm>
+      </p:grpSpPr>
+      <p:sp>
+        <p:nvSpPr>
+          <p:cNvPr id="3" name="Titre 1">
+            <a:extLst>
+              <a:ext uri="{FF2B5EF4-FFF2-40B4-BE49-F238E27FC236}">
+                <a16:creationId xmlns:a16="http://schemas.microsoft.com/office/drawing/2014/main" id="{E7373E66-041F-37D5-0ADF-25BA87ABC979}"/>
+              </a:ext>
+            </a:extLst>
+          </p:cNvPr>
+          <p:cNvSpPr>
+            <a:spLocks noGrp="1"/>
+          </p:cNvSpPr>
+          <p:nvPr>
+            <p:ph type="title"/>
+          </p:nvPr>
+        </p:nvSpPr>
+        <p:spPr>
+          <a:xfrm>
+            <a:off x="1097280" y="286603"/>
+            <a:ext cx="10058400" cy="1450757"/>
+          </a:xfrm>
+        </p:spPr>
+        <p:txBody>
+          <a:bodyPr>
+            <a:normAutofit/>
+          </a:bodyPr>
+          <a:lstStyle/>
+          <a:p>
+            <a:r>
+              <a:rPr lang="fr-FR" dirty="0"/>
+              <a:t>IV- Les tableaux</a:t>
+            </a:r>
+            <a:br>
+              <a:rPr lang="fr-FR" dirty="0"/>
+            </a:br>
+            <a:r>
+              <a:rPr lang="fr-FR" dirty="0"/>
+              <a:t>	</a:t>
+            </a:r>
+            <a:r>
+              <a:rPr lang="fr-FR" sz="3600" i="1" dirty="0"/>
+              <a:t>  5. Méthodes spécifique aux tableaux </a:t>
+            </a:r>
+          </a:p>
+        </p:txBody>
+      </p:sp>
+      <p:sp>
+        <p:nvSpPr>
+          <p:cNvPr id="5" name="ZoneTexte 4">
+            <a:extLst>
+              <a:ext uri="{FF2B5EF4-FFF2-40B4-BE49-F238E27FC236}">
+                <a16:creationId xmlns:a16="http://schemas.microsoft.com/office/drawing/2014/main" id="{C4FBDB47-657F-B6D5-A7E7-80400EFF1DD4}"/>
+              </a:ext>
+            </a:extLst>
+          </p:cNvPr>
+          <p:cNvSpPr txBox="1"/>
+          <p:nvPr/>
+        </p:nvSpPr>
+        <p:spPr>
+          <a:xfrm>
+            <a:off x="1786856" y="1957537"/>
+            <a:ext cx="9185945" cy="3877985"/>
+          </a:xfrm>
+          <a:prstGeom prst="rect">
+            <a:avLst/>
+          </a:prstGeom>
+          <a:noFill/>
+        </p:spPr>
+        <p:txBody>
+          <a:bodyPr wrap="square" rtlCol="0">
+            <a:spAutoFit/>
+          </a:bodyPr>
+          <a:lstStyle/>
+          <a:p>
+            <a:r>
+              <a:rPr lang="fr-FR" sz="2800" b="1" dirty="0"/>
+              <a:t>flat</a:t>
+            </a:r>
+            <a:r>
+              <a:rPr lang="fr-FR" dirty="0"/>
+              <a:t>: Permet d’assembler deux tableaux </a:t>
+            </a:r>
+          </a:p>
+          <a:p>
+            <a:endParaRPr lang="fr-FR" dirty="0"/>
+          </a:p>
+          <a:p>
+            <a:endParaRPr lang="fr-FR" dirty="0"/>
+          </a:p>
+          <a:p>
+            <a:endParaRPr lang="fr-FR" dirty="0"/>
+          </a:p>
+          <a:p>
+            <a:endParaRPr lang="fr-FR" dirty="0"/>
+          </a:p>
+          <a:p>
+            <a:r>
+              <a:rPr lang="fr-FR" sz="2800" b="1" dirty="0" err="1"/>
+              <a:t>join</a:t>
+            </a:r>
+            <a:r>
+              <a:rPr lang="fr-FR" dirty="0"/>
+              <a:t> : Transforme un tableau en chaîne de caractères</a:t>
+            </a:r>
+          </a:p>
+          <a:p>
+            <a:endParaRPr lang="fr-FR" dirty="0"/>
+          </a:p>
+          <a:p>
+            <a:endParaRPr lang="fr-FR" dirty="0"/>
+          </a:p>
+          <a:p>
+            <a:endParaRPr lang="fr-FR" dirty="0"/>
+          </a:p>
+          <a:p>
+            <a:endParaRPr lang="fr-FR" dirty="0"/>
+          </a:p>
+          <a:p>
+            <a:endParaRPr lang="fr-FR" dirty="0"/>
+          </a:p>
+          <a:p>
+            <a:r>
+              <a:rPr lang="fr-FR" sz="2800" b="1" dirty="0"/>
+              <a:t>Reverse</a:t>
+            </a:r>
+            <a:r>
+              <a:rPr lang="fr-FR" dirty="0"/>
+              <a:t>: reverser un tableau  </a:t>
+            </a:r>
+          </a:p>
+        </p:txBody>
+      </p:sp>
+      <p:pic>
+        <p:nvPicPr>
+          <p:cNvPr id="13" name="Image 12">
+            <a:extLst>
+              <a:ext uri="{FF2B5EF4-FFF2-40B4-BE49-F238E27FC236}">
+                <a16:creationId xmlns:a16="http://schemas.microsoft.com/office/drawing/2014/main" id="{53AC282F-055E-1FFA-5642-DF930FE3B2D5}"/>
+              </a:ext>
+            </a:extLst>
+          </p:cNvPr>
+          <p:cNvPicPr>
+            <a:picLocks noChangeAspect="1"/>
+          </p:cNvPicPr>
+          <p:nvPr/>
+        </p:nvPicPr>
+        <p:blipFill>
+          <a:blip r:embed="rId2"/>
+          <a:stretch>
+            <a:fillRect/>
+          </a:stretch>
+        </p:blipFill>
+        <p:spPr>
+          <a:xfrm>
+            <a:off x="2129044" y="2741326"/>
+            <a:ext cx="5944430" cy="333422"/>
+          </a:xfrm>
+          <a:prstGeom prst="rect">
+            <a:avLst/>
+          </a:prstGeom>
+        </p:spPr>
+      </p:pic>
+      <p:pic>
+        <p:nvPicPr>
+          <p:cNvPr id="15" name="Image 14">
+            <a:extLst>
+              <a:ext uri="{FF2B5EF4-FFF2-40B4-BE49-F238E27FC236}">
+                <a16:creationId xmlns:a16="http://schemas.microsoft.com/office/drawing/2014/main" id="{8E9D5B10-BE59-D10C-DD10-A2852E66D010}"/>
+              </a:ext>
+            </a:extLst>
+          </p:cNvPr>
+          <p:cNvPicPr>
+            <a:picLocks noChangeAspect="1"/>
+          </p:cNvPicPr>
+          <p:nvPr/>
+        </p:nvPicPr>
+        <p:blipFill>
+          <a:blip r:embed="rId3"/>
+          <a:stretch>
+            <a:fillRect/>
+          </a:stretch>
+        </p:blipFill>
+        <p:spPr>
+          <a:xfrm>
+            <a:off x="2127978" y="5951780"/>
+            <a:ext cx="5183389" cy="395146"/>
+          </a:xfrm>
+          <a:prstGeom prst="rect">
+            <a:avLst/>
+          </a:prstGeom>
+        </p:spPr>
+      </p:pic>
+      <p:pic>
+        <p:nvPicPr>
+          <p:cNvPr id="4" name="Image 3">
+            <a:extLst>
+              <a:ext uri="{FF2B5EF4-FFF2-40B4-BE49-F238E27FC236}">
+                <a16:creationId xmlns:a16="http://schemas.microsoft.com/office/drawing/2014/main" id="{656CF80C-98B2-B441-C3EA-6FBCD482A0D7}"/>
+              </a:ext>
+            </a:extLst>
+          </p:cNvPr>
+          <p:cNvPicPr>
+            <a:picLocks noChangeAspect="1"/>
+          </p:cNvPicPr>
+          <p:nvPr/>
+        </p:nvPicPr>
+        <p:blipFill>
+          <a:blip r:embed="rId4"/>
+          <a:stretch>
+            <a:fillRect/>
+          </a:stretch>
+        </p:blipFill>
+        <p:spPr>
+          <a:xfrm>
+            <a:off x="2127978" y="4218994"/>
+            <a:ext cx="5287113" cy="819264"/>
+          </a:xfrm>
+          <a:prstGeom prst="rect">
+            <a:avLst/>
+          </a:prstGeom>
+        </p:spPr>
+      </p:pic>
+      <p:pic>
+        <p:nvPicPr>
+          <p:cNvPr id="2" name="Picture 12" descr="JavaScript Logo et symbole, sens, histoire, PNG, marque">
+            <a:extLst>
+              <a:ext uri="{FF2B5EF4-FFF2-40B4-BE49-F238E27FC236}">
+                <a16:creationId xmlns:a16="http://schemas.microsoft.com/office/drawing/2014/main" id="{4F33D38B-0E79-DA5F-69FD-72F050442EC3}"/>
+              </a:ext>
+            </a:extLst>
+          </p:cNvPr>
+          <p:cNvPicPr>
+            <a:picLocks noChangeAspect="1" noChangeArrowheads="1"/>
+          </p:cNvPicPr>
+          <p:nvPr/>
+        </p:nvPicPr>
+        <p:blipFill>
+          <a:blip r:embed="rId5">
+            <a:extLst>
+              <a:ext uri="{28A0092B-C50C-407E-A947-70E740481C1C}">
+                <a14:useLocalDpi xmlns:a14="http://schemas.microsoft.com/office/drawing/2010/main" val="0"/>
+              </a:ext>
+            </a:extLst>
+          </a:blip>
+          <a:srcRect/>
+          <a:stretch>
+            <a:fillRect/>
+          </a:stretch>
+        </p:blipFill>
+        <p:spPr bwMode="auto">
+          <a:xfrm>
+            <a:off x="10380582" y="286603"/>
+            <a:ext cx="1550195" cy="876779"/>
+          </a:xfrm>
+          <a:prstGeom prst="rect">
+            <a:avLst/>
+          </a:prstGeom>
+          <a:noFill/>
+          <a:extLst>
+            <a:ext uri="{909E8E84-426E-40DD-AFC4-6F175D3DCCD1}">
+              <a14:hiddenFill xmlns:a14="http://schemas.microsoft.com/office/drawing/2010/main">
+                <a:solidFill>
+                  <a:srgbClr val="FFFFFF"/>
+                </a:solidFill>
+              </a14:hiddenFill>
+            </a:ext>
+          </a:extLst>
+        </p:spPr>
+      </p:pic>
+    </p:spTree>
+    <p:extLst>
+      <p:ext uri="{BB962C8B-B14F-4D97-AF65-F5344CB8AC3E}">
+        <p14:creationId xmlns:p14="http://schemas.microsoft.com/office/powerpoint/2010/main" val="880564366"/>
+      </p:ext>
+    </p:extLst>
+  </p:cSld>
+  <p:clrMapOvr>
+    <a:masterClrMapping/>
+  </p:clrMapOvr>
+</p:sld>
+</file>
+
+<file path=ppt/slides/slide41.xml><?xml version="1.0" encoding="utf-8"?>
+<p:sld xmlns:a="http://schemas.openxmlformats.org/drawingml/2006/main" xmlns:r="http://schemas.openxmlformats.org/officeDocument/2006/relationships" xmlns:p="http://schemas.openxmlformats.org/presentationml/2006/main">
+  <p:cSld>
+    <p:spTree>
+      <p:nvGrpSpPr>
+        <p:cNvPr id="1" name=""/>
+        <p:cNvGrpSpPr/>
+        <p:nvPr/>
+      </p:nvGrpSpPr>
+      <p:grpSpPr>
+        <a:xfrm>
+          <a:off x="0" y="0"/>
+          <a:ext cx="0" cy="0"/>
+          <a:chOff x="0" y="0"/>
+          <a:chExt cx="0" cy="0"/>
+        </a:xfrm>
+      </p:grpSpPr>
+      <p:sp>
+        <p:nvSpPr>
+          <p:cNvPr id="3" name="Titre 1">
+            <a:extLst>
+              <a:ext uri="{FF2B5EF4-FFF2-40B4-BE49-F238E27FC236}">
+                <a16:creationId xmlns:a16="http://schemas.microsoft.com/office/drawing/2014/main" id="{E7373E66-041F-37D5-0ADF-25BA87ABC979}"/>
+              </a:ext>
+            </a:extLst>
+          </p:cNvPr>
+          <p:cNvSpPr>
+            <a:spLocks noGrp="1"/>
+          </p:cNvSpPr>
+          <p:nvPr>
+            <p:ph type="title"/>
+          </p:nvPr>
+        </p:nvSpPr>
+        <p:spPr>
+          <a:xfrm>
+            <a:off x="1097280" y="286603"/>
+            <a:ext cx="10058400" cy="1450757"/>
+          </a:xfrm>
+        </p:spPr>
+        <p:txBody>
+          <a:bodyPr>
+            <a:normAutofit/>
+          </a:bodyPr>
+          <a:lstStyle/>
+          <a:p>
+            <a:r>
+              <a:rPr lang="fr-FR" dirty="0"/>
+              <a:t>IV- Les tableaux</a:t>
+            </a:r>
+            <a:br>
+              <a:rPr lang="fr-FR" dirty="0"/>
+            </a:br>
+            <a:r>
+              <a:rPr lang="fr-FR" dirty="0"/>
+              <a:t>	</a:t>
+            </a:r>
+            <a:r>
+              <a:rPr lang="fr-FR" sz="3600" i="1" dirty="0"/>
+              <a:t>  5. Méthodes spécifique aux tableaux </a:t>
+            </a:r>
+          </a:p>
+        </p:txBody>
+      </p:sp>
+      <p:sp>
+        <p:nvSpPr>
+          <p:cNvPr id="5" name="ZoneTexte 4">
+            <a:extLst>
+              <a:ext uri="{FF2B5EF4-FFF2-40B4-BE49-F238E27FC236}">
+                <a16:creationId xmlns:a16="http://schemas.microsoft.com/office/drawing/2014/main" id="{C4FBDB47-657F-B6D5-A7E7-80400EFF1DD4}"/>
+              </a:ext>
+            </a:extLst>
+          </p:cNvPr>
+          <p:cNvSpPr txBox="1"/>
+          <p:nvPr/>
+        </p:nvSpPr>
+        <p:spPr>
+          <a:xfrm>
+            <a:off x="1533507" y="3096224"/>
+            <a:ext cx="9185945" cy="3293209"/>
+          </a:xfrm>
+          <a:prstGeom prst="rect">
+            <a:avLst/>
+          </a:prstGeom>
+          <a:noFill/>
+        </p:spPr>
+        <p:txBody>
+          <a:bodyPr wrap="square" rtlCol="0">
+            <a:spAutoFit/>
+          </a:bodyPr>
+          <a:lstStyle/>
+          <a:p>
+            <a:r>
+              <a:rPr lang="fr-FR" sz="2800" b="1" dirty="0"/>
+              <a:t>Sort </a:t>
+            </a:r>
+            <a:r>
+              <a:rPr lang="fr-FR" dirty="0"/>
+              <a:t>: Permet de trier un tableau en </a:t>
+            </a:r>
+            <a:r>
+              <a:rPr lang="fr-FR" b="1" dirty="0"/>
+              <a:t>convertissant ses éléments en chaînes de caractères</a:t>
+            </a:r>
+            <a:r>
+              <a:rPr lang="fr-FR" dirty="0"/>
+              <a:t>, puis en les comparant selon leur valeur Unicode. </a:t>
+            </a:r>
+          </a:p>
+          <a:p>
+            <a:endParaRPr lang="fr-FR" dirty="0"/>
+          </a:p>
+          <a:p>
+            <a:endParaRPr lang="fr-FR" dirty="0"/>
+          </a:p>
+          <a:p>
+            <a:endParaRPr lang="fr-FR" dirty="0"/>
+          </a:p>
+          <a:p>
+            <a:endParaRPr lang="fr-FR" dirty="0"/>
+          </a:p>
+          <a:p>
+            <a:endParaRPr lang="fr-FR" dirty="0"/>
+          </a:p>
+          <a:p>
+            <a:endParaRPr lang="fr-FR" dirty="0"/>
+          </a:p>
+          <a:p>
+            <a:endParaRPr lang="fr-FR" dirty="0"/>
+          </a:p>
+          <a:p>
+            <a:endParaRPr lang="fr-FR" dirty="0"/>
+          </a:p>
+          <a:p>
+            <a:endParaRPr lang="fr-FR" dirty="0"/>
+          </a:p>
+        </p:txBody>
+      </p:sp>
+      <p:pic>
+        <p:nvPicPr>
+          <p:cNvPr id="2" name="Picture 12" descr="JavaScript Logo et symbole, sens, histoire, PNG, marque">
+            <a:extLst>
+              <a:ext uri="{FF2B5EF4-FFF2-40B4-BE49-F238E27FC236}">
+                <a16:creationId xmlns:a16="http://schemas.microsoft.com/office/drawing/2014/main" id="{4F33D38B-0E79-DA5F-69FD-72F050442EC3}"/>
+              </a:ext>
+            </a:extLst>
+          </p:cNvPr>
+          <p:cNvPicPr>
+            <a:picLocks noChangeAspect="1" noChangeArrowheads="1"/>
+          </p:cNvPicPr>
+          <p:nvPr/>
+        </p:nvPicPr>
+        <p:blipFill>
+          <a:blip r:embed="rId2">
+            <a:extLst>
+              <a:ext uri="{28A0092B-C50C-407E-A947-70E740481C1C}">
+                <a14:useLocalDpi xmlns:a14="http://schemas.microsoft.com/office/drawing/2010/main" val="0"/>
+              </a:ext>
+            </a:extLst>
+          </a:blip>
+          <a:srcRect/>
+          <a:stretch>
+            <a:fillRect/>
+          </a:stretch>
+        </p:blipFill>
+        <p:spPr bwMode="auto">
+          <a:xfrm>
+            <a:off x="10380582" y="286603"/>
+            <a:ext cx="1550195" cy="876779"/>
+          </a:xfrm>
+          <a:prstGeom prst="rect">
+            <a:avLst/>
+          </a:prstGeom>
+          <a:noFill/>
+          <a:extLst>
+            <a:ext uri="{909E8E84-426E-40DD-AFC4-6F175D3DCCD1}">
+              <a14:hiddenFill xmlns:a14="http://schemas.microsoft.com/office/drawing/2010/main">
+                <a:solidFill>
+                  <a:srgbClr val="FFFFFF"/>
+                </a:solidFill>
+              </a14:hiddenFill>
+            </a:ext>
+          </a:extLst>
+        </p:spPr>
+      </p:pic>
+      <p:pic>
+        <p:nvPicPr>
+          <p:cNvPr id="6" name="Image 5">
+            <a:extLst>
+              <a:ext uri="{FF2B5EF4-FFF2-40B4-BE49-F238E27FC236}">
+                <a16:creationId xmlns:a16="http://schemas.microsoft.com/office/drawing/2014/main" id="{D0937951-DD88-A98F-2BD9-3223827250B6}"/>
+              </a:ext>
+            </a:extLst>
+          </p:cNvPr>
+          <p:cNvPicPr>
+            <a:picLocks noChangeAspect="1"/>
+          </p:cNvPicPr>
+          <p:nvPr/>
+        </p:nvPicPr>
+        <p:blipFill>
+          <a:blip r:embed="rId3"/>
+          <a:stretch>
+            <a:fillRect/>
+          </a:stretch>
+        </p:blipFill>
+        <p:spPr>
+          <a:xfrm>
+            <a:off x="3504484" y="4120430"/>
+            <a:ext cx="3820058" cy="428685"/>
+          </a:xfrm>
+          <a:prstGeom prst="rect">
+            <a:avLst/>
+          </a:prstGeom>
+        </p:spPr>
+      </p:pic>
+    </p:spTree>
+    <p:extLst>
+      <p:ext uri="{BB962C8B-B14F-4D97-AF65-F5344CB8AC3E}">
+        <p14:creationId xmlns:p14="http://schemas.microsoft.com/office/powerpoint/2010/main" val="1550964723"/>
+      </p:ext>
+    </p:extLst>
+  </p:cSld>
+  <p:clrMapOvr>
+    <a:masterClrMapping/>
+  </p:clrMapOvr>
+</p:sld>
+</file>
+
+<file path=ppt/slides/slide42.xml><?xml version="1.0" encoding="utf-8"?>
+<p:sld xmlns:a="http://schemas.openxmlformats.org/drawingml/2006/main" xmlns:r="http://schemas.openxmlformats.org/officeDocument/2006/relationships" xmlns:p="http://schemas.openxmlformats.org/presentationml/2006/main">
+  <p:cSld>
+    <p:spTree>
+      <p:nvGrpSpPr>
+        <p:cNvPr id="1" name=""/>
+        <p:cNvGrpSpPr/>
+        <p:nvPr/>
+      </p:nvGrpSpPr>
+      <p:grpSpPr>
+        <a:xfrm>
+          <a:off x="0" y="0"/>
+          <a:ext cx="0" cy="0"/>
+          <a:chOff x="0" y="0"/>
+          <a:chExt cx="0" cy="0"/>
+        </a:xfrm>
+      </p:grpSpPr>
+      <p:sp>
+        <p:nvSpPr>
+          <p:cNvPr id="3" name="Titre 1">
+            <a:extLst>
+              <a:ext uri="{FF2B5EF4-FFF2-40B4-BE49-F238E27FC236}">
+                <a16:creationId xmlns:a16="http://schemas.microsoft.com/office/drawing/2014/main" id="{E7373E66-041F-37D5-0ADF-25BA87ABC979}"/>
+              </a:ext>
+            </a:extLst>
+          </p:cNvPr>
+          <p:cNvSpPr>
+            <a:spLocks noGrp="1"/>
+          </p:cNvSpPr>
+          <p:nvPr>
+            <p:ph type="title"/>
+          </p:nvPr>
+        </p:nvSpPr>
+        <p:spPr>
+          <a:xfrm>
+            <a:off x="1097280" y="286603"/>
+            <a:ext cx="10058400" cy="1450757"/>
+          </a:xfrm>
+        </p:spPr>
+        <p:txBody>
+          <a:bodyPr>
+            <a:normAutofit/>
+          </a:bodyPr>
+          <a:lstStyle/>
+          <a:p>
+            <a:r>
+              <a:rPr lang="fr-FR" dirty="0"/>
+              <a:t>IV- Les tableaux</a:t>
+            </a:r>
+            <a:br>
+              <a:rPr lang="fr-FR" dirty="0"/>
+            </a:br>
+            <a:r>
+              <a:rPr lang="fr-FR" dirty="0"/>
+              <a:t>	</a:t>
+            </a:r>
+            <a:r>
+              <a:rPr lang="fr-FR" sz="3600" i="1" dirty="0"/>
+              <a:t>  6. Les boucles -  for … in  </a:t>
+            </a:r>
+          </a:p>
+        </p:txBody>
+      </p:sp>
+      <p:pic>
+        <p:nvPicPr>
+          <p:cNvPr id="4" name="Image 3">
+            <a:extLst>
+              <a:ext uri="{FF2B5EF4-FFF2-40B4-BE49-F238E27FC236}">
+                <a16:creationId xmlns:a16="http://schemas.microsoft.com/office/drawing/2014/main" id="{41FA0A45-419C-03D5-67F0-4C7FD49A73D9}"/>
+              </a:ext>
+            </a:extLst>
+          </p:cNvPr>
+          <p:cNvPicPr>
+            <a:picLocks noChangeAspect="1"/>
+          </p:cNvPicPr>
+          <p:nvPr/>
+        </p:nvPicPr>
+        <p:blipFill>
+          <a:blip r:embed="rId2"/>
+          <a:stretch>
+            <a:fillRect/>
+          </a:stretch>
+        </p:blipFill>
+        <p:spPr>
+          <a:xfrm>
+            <a:off x="2036844" y="2392580"/>
+            <a:ext cx="7537266" cy="1450757"/>
+          </a:xfrm>
+          <a:prstGeom prst="rect">
+            <a:avLst/>
+          </a:prstGeom>
+        </p:spPr>
+      </p:pic>
+      <p:sp>
+        <p:nvSpPr>
+          <p:cNvPr id="6" name="ZoneTexte 5">
+            <a:extLst>
+              <a:ext uri="{FF2B5EF4-FFF2-40B4-BE49-F238E27FC236}">
+                <a16:creationId xmlns:a16="http://schemas.microsoft.com/office/drawing/2014/main" id="{37F0EEE3-507D-DAC9-A53D-4B6EE81027A4}"/>
+              </a:ext>
+            </a:extLst>
+          </p:cNvPr>
+          <p:cNvSpPr txBox="1"/>
+          <p:nvPr/>
+        </p:nvSpPr>
+        <p:spPr>
+          <a:xfrm>
+            <a:off x="1551963" y="4797475"/>
+            <a:ext cx="8833608" cy="646331"/>
+          </a:xfrm>
+          <a:prstGeom prst="rect">
+            <a:avLst/>
+          </a:prstGeom>
+          <a:noFill/>
+        </p:spPr>
+        <p:txBody>
+          <a:bodyPr wrap="square" rtlCol="0">
+            <a:spAutoFit/>
+          </a:bodyPr>
+          <a:lstStyle/>
+          <a:p>
+            <a:r>
+              <a:rPr lang="fr-FR" sz="3600" dirty="0"/>
+              <a:t>Parcourt un tableau et retourne ses </a:t>
+            </a:r>
+            <a:r>
+              <a:rPr lang="fr-FR" sz="3600" b="1" dirty="0"/>
+              <a:t>indices</a:t>
+            </a:r>
+            <a:r>
+              <a:rPr lang="fr-FR" sz="3600" dirty="0"/>
+              <a:t> </a:t>
+            </a:r>
+          </a:p>
+        </p:txBody>
+      </p:sp>
+      <p:pic>
+        <p:nvPicPr>
+          <p:cNvPr id="2" name="Picture 12" descr="JavaScript Logo et symbole, sens, histoire, PNG, marque">
+            <a:extLst>
+              <a:ext uri="{FF2B5EF4-FFF2-40B4-BE49-F238E27FC236}">
+                <a16:creationId xmlns:a16="http://schemas.microsoft.com/office/drawing/2014/main" id="{08B24F5F-8934-A929-2736-1564C1906863}"/>
+              </a:ext>
+            </a:extLst>
+          </p:cNvPr>
+          <p:cNvPicPr>
+            <a:picLocks noChangeAspect="1" noChangeArrowheads="1"/>
+          </p:cNvPicPr>
+          <p:nvPr/>
+        </p:nvPicPr>
+        <p:blipFill>
+          <a:blip r:embed="rId3">
+            <a:extLst>
+              <a:ext uri="{28A0092B-C50C-407E-A947-70E740481C1C}">
+                <a14:useLocalDpi xmlns:a14="http://schemas.microsoft.com/office/drawing/2010/main" val="0"/>
+              </a:ext>
+            </a:extLst>
+          </a:blip>
+          <a:srcRect/>
+          <a:stretch>
+            <a:fillRect/>
+          </a:stretch>
+        </p:blipFill>
+        <p:spPr bwMode="auto">
+          <a:xfrm>
+            <a:off x="10380582" y="286603"/>
+            <a:ext cx="1550195" cy="876779"/>
+          </a:xfrm>
+          <a:prstGeom prst="rect">
+            <a:avLst/>
+          </a:prstGeom>
+          <a:noFill/>
+          <a:extLst>
+            <a:ext uri="{909E8E84-426E-40DD-AFC4-6F175D3DCCD1}">
+              <a14:hiddenFill xmlns:a14="http://schemas.microsoft.com/office/drawing/2010/main">
+                <a:solidFill>
+                  <a:srgbClr val="FFFFFF"/>
+                </a:solidFill>
+              </a14:hiddenFill>
+            </a:ext>
+          </a:extLst>
+        </p:spPr>
+      </p:pic>
+    </p:spTree>
+    <p:extLst>
+      <p:ext uri="{BB962C8B-B14F-4D97-AF65-F5344CB8AC3E}">
+        <p14:creationId xmlns:p14="http://schemas.microsoft.com/office/powerpoint/2010/main" val="2805328224"/>
+      </p:ext>
+    </p:extLst>
+  </p:cSld>
+  <p:clrMapOvr>
+    <a:masterClrMapping/>
+  </p:clrMapOvr>
+</p:sld>
+</file>
+
+<file path=ppt/slides/slide43.xml><?xml version="1.0" encoding="utf-8"?>
+<p:sld xmlns:a="http://schemas.openxmlformats.org/drawingml/2006/main" xmlns:r="http://schemas.openxmlformats.org/officeDocument/2006/relationships" xmlns:p="http://schemas.openxmlformats.org/presentationml/2006/main">
+  <p:cSld>
+    <p:spTree>
+      <p:nvGrpSpPr>
+        <p:cNvPr id="1" name=""/>
+        <p:cNvGrpSpPr/>
+        <p:nvPr/>
+      </p:nvGrpSpPr>
+      <p:grpSpPr>
+        <a:xfrm>
+          <a:off x="0" y="0"/>
+          <a:ext cx="0" cy="0"/>
+          <a:chOff x="0" y="0"/>
+          <a:chExt cx="0" cy="0"/>
+        </a:xfrm>
+      </p:grpSpPr>
+      <p:sp>
+        <p:nvSpPr>
+          <p:cNvPr id="3" name="Titre 1">
+            <a:extLst>
+              <a:ext uri="{FF2B5EF4-FFF2-40B4-BE49-F238E27FC236}">
+                <a16:creationId xmlns:a16="http://schemas.microsoft.com/office/drawing/2014/main" id="{E7373E66-041F-37D5-0ADF-25BA87ABC979}"/>
+              </a:ext>
+            </a:extLst>
+          </p:cNvPr>
+          <p:cNvSpPr>
+            <a:spLocks noGrp="1"/>
+          </p:cNvSpPr>
+          <p:nvPr>
+            <p:ph type="title"/>
+          </p:nvPr>
+        </p:nvSpPr>
+        <p:spPr>
+          <a:xfrm>
+            <a:off x="1097280" y="286603"/>
+            <a:ext cx="10058400" cy="1450757"/>
+          </a:xfrm>
+        </p:spPr>
+        <p:txBody>
+          <a:bodyPr>
+            <a:normAutofit/>
+          </a:bodyPr>
+          <a:lstStyle/>
+          <a:p>
+            <a:r>
+              <a:rPr lang="fr-FR" dirty="0"/>
+              <a:t>IV- Les tableaux</a:t>
+            </a:r>
+            <a:br>
+              <a:rPr lang="fr-FR" dirty="0"/>
+            </a:br>
+            <a:r>
+              <a:rPr lang="fr-FR" dirty="0"/>
+              <a:t>	</a:t>
+            </a:r>
+            <a:r>
+              <a:rPr lang="fr-FR" sz="3600" i="1" dirty="0"/>
+              <a:t>  7. Les boucles -  for … of  </a:t>
+            </a:r>
+          </a:p>
+        </p:txBody>
+      </p:sp>
+      <p:pic>
+        <p:nvPicPr>
+          <p:cNvPr id="4" name="Image 3">
+            <a:extLst>
+              <a:ext uri="{FF2B5EF4-FFF2-40B4-BE49-F238E27FC236}">
+                <a16:creationId xmlns:a16="http://schemas.microsoft.com/office/drawing/2014/main" id="{DD196DB5-1DAB-9C6E-BD67-CF21BF66E6B2}"/>
+              </a:ext>
+            </a:extLst>
+          </p:cNvPr>
+          <p:cNvPicPr>
+            <a:picLocks noChangeAspect="1"/>
+          </p:cNvPicPr>
+          <p:nvPr/>
+        </p:nvPicPr>
+        <p:blipFill>
+          <a:blip r:embed="rId2"/>
+          <a:stretch>
+            <a:fillRect/>
+          </a:stretch>
+        </p:blipFill>
+        <p:spPr>
+          <a:xfrm>
+            <a:off x="1890341" y="2483938"/>
+            <a:ext cx="7349434" cy="1450756"/>
+          </a:xfrm>
+          <a:prstGeom prst="rect">
+            <a:avLst/>
+          </a:prstGeom>
+        </p:spPr>
+      </p:pic>
+      <p:sp>
+        <p:nvSpPr>
+          <p:cNvPr id="5" name="ZoneTexte 4">
+            <a:extLst>
+              <a:ext uri="{FF2B5EF4-FFF2-40B4-BE49-F238E27FC236}">
+                <a16:creationId xmlns:a16="http://schemas.microsoft.com/office/drawing/2014/main" id="{1BCD6133-D451-00F5-F316-F1E7E587BBE1}"/>
+              </a:ext>
+            </a:extLst>
+          </p:cNvPr>
+          <p:cNvSpPr txBox="1"/>
+          <p:nvPr/>
+        </p:nvSpPr>
+        <p:spPr>
+          <a:xfrm>
+            <a:off x="1551963" y="4681273"/>
+            <a:ext cx="8833608" cy="646331"/>
+          </a:xfrm>
+          <a:prstGeom prst="rect">
+            <a:avLst/>
+          </a:prstGeom>
+          <a:noFill/>
+        </p:spPr>
+        <p:txBody>
+          <a:bodyPr wrap="square" rtlCol="0">
+            <a:spAutoFit/>
+          </a:bodyPr>
+          <a:lstStyle/>
+          <a:p>
+            <a:r>
+              <a:rPr lang="fr-FR" sz="3600" dirty="0"/>
+              <a:t>Parcourt un tableau et retourne ses </a:t>
+            </a:r>
+            <a:r>
+              <a:rPr lang="fr-FR" sz="3600" b="1" dirty="0"/>
+              <a:t>valeurs</a:t>
+            </a:r>
+            <a:r>
+              <a:rPr lang="fr-FR" sz="3600" dirty="0"/>
+              <a:t> </a:t>
+            </a:r>
+          </a:p>
+        </p:txBody>
+      </p:sp>
+      <p:pic>
+        <p:nvPicPr>
+          <p:cNvPr id="2" name="Picture 12" descr="JavaScript Logo et symbole, sens, histoire, PNG, marque">
+            <a:extLst>
+              <a:ext uri="{FF2B5EF4-FFF2-40B4-BE49-F238E27FC236}">
+                <a16:creationId xmlns:a16="http://schemas.microsoft.com/office/drawing/2014/main" id="{58C1BD37-7566-AFB8-42D2-0F27E68C7ACD}"/>
+              </a:ext>
+            </a:extLst>
+          </p:cNvPr>
+          <p:cNvPicPr>
+            <a:picLocks noChangeAspect="1" noChangeArrowheads="1"/>
+          </p:cNvPicPr>
+          <p:nvPr/>
+        </p:nvPicPr>
+        <p:blipFill>
+          <a:blip r:embed="rId3">
+            <a:extLst>
+              <a:ext uri="{28A0092B-C50C-407E-A947-70E740481C1C}">
+                <a14:useLocalDpi xmlns:a14="http://schemas.microsoft.com/office/drawing/2010/main" val="0"/>
+              </a:ext>
+            </a:extLst>
+          </a:blip>
+          <a:srcRect/>
+          <a:stretch>
+            <a:fillRect/>
+          </a:stretch>
+        </p:blipFill>
+        <p:spPr bwMode="auto">
+          <a:xfrm>
+            <a:off x="10380582" y="286603"/>
+            <a:ext cx="1550195" cy="876779"/>
+          </a:xfrm>
+          <a:prstGeom prst="rect">
+            <a:avLst/>
+          </a:prstGeom>
+          <a:noFill/>
+          <a:extLst>
+            <a:ext uri="{909E8E84-426E-40DD-AFC4-6F175D3DCCD1}">
+              <a14:hiddenFill xmlns:a14="http://schemas.microsoft.com/office/drawing/2010/main">
+                <a:solidFill>
+                  <a:srgbClr val="FFFFFF"/>
+                </a:solidFill>
+              </a14:hiddenFill>
+            </a:ext>
+          </a:extLst>
+        </p:spPr>
+      </p:pic>
+    </p:spTree>
+    <p:extLst>
+      <p:ext uri="{BB962C8B-B14F-4D97-AF65-F5344CB8AC3E}">
+        <p14:creationId xmlns:p14="http://schemas.microsoft.com/office/powerpoint/2010/main" val="3780249465"/>
+      </p:ext>
+    </p:extLst>
+  </p:cSld>
+  <p:clrMapOvr>
+    <a:masterClrMapping/>
+  </p:clrMapOvr>
+</p:sld>
+</file>
+
+<file path=ppt/slides/slide44.xml><?xml version="1.0" encoding="utf-8"?>
+<p:sld xmlns:a="http://schemas.openxmlformats.org/drawingml/2006/main" xmlns:r="http://schemas.openxmlformats.org/officeDocument/2006/relationships" xmlns:p="http://schemas.openxmlformats.org/presentationml/2006/main">
+  <p:cSld>
+    <p:spTree>
+      <p:nvGrpSpPr>
+        <p:cNvPr id="1" name=""/>
+        <p:cNvGrpSpPr/>
+        <p:nvPr/>
+      </p:nvGrpSpPr>
+      <p:grpSpPr>
+        <a:xfrm>
+          <a:off x="0" y="0"/>
+          <a:ext cx="0" cy="0"/>
+          <a:chOff x="0" y="0"/>
+          <a:chExt cx="0" cy="0"/>
+        </a:xfrm>
+      </p:grpSpPr>
+      <p:sp>
+        <p:nvSpPr>
+          <p:cNvPr id="3" name="Titre 1">
+            <a:extLst>
+              <a:ext uri="{FF2B5EF4-FFF2-40B4-BE49-F238E27FC236}">
+                <a16:creationId xmlns:a16="http://schemas.microsoft.com/office/drawing/2014/main" id="{E7373E66-041F-37D5-0ADF-25BA87ABC979}"/>
+              </a:ext>
+            </a:extLst>
+          </p:cNvPr>
+          <p:cNvSpPr>
+            <a:spLocks noGrp="1"/>
+          </p:cNvSpPr>
+          <p:nvPr>
+            <p:ph type="title"/>
+          </p:nvPr>
+        </p:nvSpPr>
+        <p:spPr>
+          <a:xfrm>
+            <a:off x="1097280" y="286603"/>
+            <a:ext cx="10058400" cy="1450757"/>
+          </a:xfrm>
+        </p:spPr>
+        <p:txBody>
+          <a:bodyPr>
+            <a:normAutofit/>
+          </a:bodyPr>
+          <a:lstStyle/>
+          <a:p>
+            <a:r>
+              <a:rPr lang="fr-FR" dirty="0"/>
+              <a:t>IV- Les tableaux</a:t>
+            </a:r>
+            <a:br>
+              <a:rPr lang="fr-FR" dirty="0"/>
+            </a:br>
+            <a:r>
+              <a:rPr lang="fr-FR" dirty="0"/>
+              <a:t>	</a:t>
+            </a:r>
+            <a:r>
+              <a:rPr lang="fr-FR" sz="3600" i="1" dirty="0"/>
+              <a:t>  8. Les </a:t>
+            </a:r>
+            <a:r>
+              <a:rPr lang="fr-FR" sz="3600" i="1" dirty="0" err="1"/>
+              <a:t>callBack</a:t>
+            </a:r>
+            <a:endParaRPr lang="fr-FR" sz="3600" i="1" dirty="0"/>
+          </a:p>
+        </p:txBody>
+      </p:sp>
+      <p:sp>
+        <p:nvSpPr>
+          <p:cNvPr id="6" name="ZoneTexte 5">
+            <a:extLst>
+              <a:ext uri="{FF2B5EF4-FFF2-40B4-BE49-F238E27FC236}">
+                <a16:creationId xmlns:a16="http://schemas.microsoft.com/office/drawing/2014/main" id="{5882A896-BC37-5CBD-F437-8A3071DC49FE}"/>
+              </a:ext>
+            </a:extLst>
+          </p:cNvPr>
+          <p:cNvSpPr txBox="1"/>
+          <p:nvPr/>
+        </p:nvSpPr>
+        <p:spPr>
+          <a:xfrm>
+            <a:off x="823519" y="5016617"/>
+            <a:ext cx="10544962" cy="1200329"/>
+          </a:xfrm>
+          <a:prstGeom prst="rect">
+            <a:avLst/>
+          </a:prstGeom>
+          <a:noFill/>
+        </p:spPr>
+        <p:txBody>
+          <a:bodyPr wrap="square" rtlCol="0">
+            <a:spAutoFit/>
+          </a:bodyPr>
+          <a:lstStyle/>
+          <a:p>
+            <a:pPr algn="ctr"/>
+            <a:r>
+              <a:rPr lang="fr-FR" sz="2400" dirty="0"/>
+              <a:t>Les méthodes/fonctions </a:t>
+            </a:r>
+            <a:r>
+              <a:rPr lang="fr-FR" sz="2400" dirty="0" err="1"/>
+              <a:t>callBack</a:t>
+            </a:r>
+            <a:r>
+              <a:rPr lang="fr-FR" sz="2400" dirty="0"/>
+              <a:t> sont des </a:t>
+            </a:r>
+            <a:r>
+              <a:rPr lang="fr-FR" sz="2400" b="1" dirty="0"/>
+              <a:t>fonctions</a:t>
+            </a:r>
+            <a:r>
+              <a:rPr lang="fr-FR" sz="2400" dirty="0"/>
+              <a:t> qui vont être </a:t>
+            </a:r>
+            <a:r>
+              <a:rPr lang="fr-FR" sz="2400" b="1" dirty="0"/>
+              <a:t>utilisées en argument </a:t>
+            </a:r>
+            <a:r>
+              <a:rPr lang="fr-FR" sz="2400" dirty="0"/>
+              <a:t>par d’autres fonctions.</a:t>
+            </a:r>
+          </a:p>
+          <a:p>
+            <a:pPr algn="ctr"/>
+            <a:r>
+              <a:rPr lang="fr-FR" sz="2400" dirty="0"/>
+              <a:t>Nous allons voir ensemble certaines fonctions en JS qui utilisent des </a:t>
+            </a:r>
+            <a:r>
+              <a:rPr lang="fr-FR" sz="2400" dirty="0" err="1"/>
+              <a:t>callBack</a:t>
+            </a:r>
+            <a:endParaRPr lang="fr-FR" sz="2400" dirty="0"/>
+          </a:p>
+        </p:txBody>
+      </p:sp>
+      <p:pic>
+        <p:nvPicPr>
+          <p:cNvPr id="8" name="Image 7">
+            <a:extLst>
+              <a:ext uri="{FF2B5EF4-FFF2-40B4-BE49-F238E27FC236}">
+                <a16:creationId xmlns:a16="http://schemas.microsoft.com/office/drawing/2014/main" id="{6D14852E-7452-537E-C8AD-BD44BB3B68D5}"/>
+              </a:ext>
+            </a:extLst>
+          </p:cNvPr>
+          <p:cNvPicPr>
+            <a:picLocks noChangeAspect="1"/>
+          </p:cNvPicPr>
+          <p:nvPr/>
+        </p:nvPicPr>
+        <p:blipFill>
+          <a:blip r:embed="rId2"/>
+          <a:stretch>
+            <a:fillRect/>
+          </a:stretch>
+        </p:blipFill>
+        <p:spPr>
+          <a:xfrm>
+            <a:off x="2503134" y="2281104"/>
+            <a:ext cx="6682392" cy="2295791"/>
+          </a:xfrm>
+          <a:prstGeom prst="rect">
+            <a:avLst/>
+          </a:prstGeom>
+        </p:spPr>
+      </p:pic>
+      <p:pic>
+        <p:nvPicPr>
+          <p:cNvPr id="2" name="Picture 12" descr="JavaScript Logo et symbole, sens, histoire, PNG, marque">
+            <a:extLst>
+              <a:ext uri="{FF2B5EF4-FFF2-40B4-BE49-F238E27FC236}">
+                <a16:creationId xmlns:a16="http://schemas.microsoft.com/office/drawing/2014/main" id="{0F5FE4CC-A520-7046-6F3E-6414B46AFFFA}"/>
+              </a:ext>
+            </a:extLst>
+          </p:cNvPr>
+          <p:cNvPicPr>
+            <a:picLocks noChangeAspect="1" noChangeArrowheads="1"/>
+          </p:cNvPicPr>
+          <p:nvPr/>
+        </p:nvPicPr>
+        <p:blipFill>
+          <a:blip r:embed="rId3">
+            <a:extLst>
+              <a:ext uri="{28A0092B-C50C-407E-A947-70E740481C1C}">
+                <a14:useLocalDpi xmlns:a14="http://schemas.microsoft.com/office/drawing/2010/main" val="0"/>
+              </a:ext>
+            </a:extLst>
+          </a:blip>
+          <a:srcRect/>
+          <a:stretch>
+            <a:fillRect/>
+          </a:stretch>
+        </p:blipFill>
+        <p:spPr bwMode="auto">
+          <a:xfrm>
+            <a:off x="10380582" y="286603"/>
+            <a:ext cx="1550195" cy="876779"/>
+          </a:xfrm>
+          <a:prstGeom prst="rect">
+            <a:avLst/>
+          </a:prstGeom>
+          <a:noFill/>
+          <a:extLst>
+            <a:ext uri="{909E8E84-426E-40DD-AFC4-6F175D3DCCD1}">
+              <a14:hiddenFill xmlns:a14="http://schemas.microsoft.com/office/drawing/2010/main">
+                <a:solidFill>
+                  <a:srgbClr val="FFFFFF"/>
+                </a:solidFill>
+              </a14:hiddenFill>
+            </a:ext>
+          </a:extLst>
+        </p:spPr>
+      </p:pic>
+    </p:spTree>
+    <p:extLst>
+      <p:ext uri="{BB962C8B-B14F-4D97-AF65-F5344CB8AC3E}">
+        <p14:creationId xmlns:p14="http://schemas.microsoft.com/office/powerpoint/2010/main" val="3785296851"/>
+      </p:ext>
+    </p:extLst>
+  </p:cSld>
+  <p:clrMapOvr>
+    <a:masterClrMapping/>
+  </p:clrMapOvr>
+</p:sld>
+</file>
+
+<file path=ppt/slides/slide45.xml><?xml version="1.0" encoding="utf-8"?>
+<p:sld xmlns:a="http://schemas.openxmlformats.org/drawingml/2006/main" xmlns:r="http://schemas.openxmlformats.org/officeDocument/2006/relationships" xmlns:p="http://schemas.openxmlformats.org/presentationml/2006/main">
+  <p:cSld>
+    <p:spTree>
+      <p:nvGrpSpPr>
+        <p:cNvPr id="1" name=""/>
+        <p:cNvGrpSpPr/>
+        <p:nvPr/>
+      </p:nvGrpSpPr>
+      <p:grpSpPr>
+        <a:xfrm>
+          <a:off x="0" y="0"/>
+          <a:ext cx="0" cy="0"/>
+          <a:chOff x="0" y="0"/>
+          <a:chExt cx="0" cy="0"/>
+        </a:xfrm>
+      </p:grpSpPr>
+      <p:sp>
+        <p:nvSpPr>
+          <p:cNvPr id="3" name="Titre 1">
+            <a:extLst>
+              <a:ext uri="{FF2B5EF4-FFF2-40B4-BE49-F238E27FC236}">
+                <a16:creationId xmlns:a16="http://schemas.microsoft.com/office/drawing/2014/main" id="{E7373E66-041F-37D5-0ADF-25BA87ABC979}"/>
+              </a:ext>
+            </a:extLst>
+          </p:cNvPr>
+          <p:cNvSpPr>
+            <a:spLocks noGrp="1"/>
+          </p:cNvSpPr>
+          <p:nvPr>
+            <p:ph type="title"/>
+          </p:nvPr>
+        </p:nvSpPr>
+        <p:spPr>
+          <a:xfrm>
+            <a:off x="1097280" y="286603"/>
+            <a:ext cx="10058400" cy="1450757"/>
+          </a:xfrm>
+        </p:spPr>
+        <p:txBody>
+          <a:bodyPr>
+            <a:normAutofit/>
+          </a:bodyPr>
+          <a:lstStyle/>
+          <a:p>
+            <a:r>
+              <a:rPr lang="fr-FR" dirty="0"/>
+              <a:t>IV- Les tableaux</a:t>
+            </a:r>
+            <a:br>
+              <a:rPr lang="fr-FR" dirty="0"/>
+            </a:br>
+            <a:r>
+              <a:rPr lang="fr-FR" dirty="0"/>
+              <a:t>	</a:t>
+            </a:r>
+            <a:r>
+              <a:rPr lang="fr-FR" sz="3600" i="1" dirty="0"/>
+              <a:t>  8. Les </a:t>
+            </a:r>
+            <a:r>
+              <a:rPr lang="fr-FR" sz="3600" i="1" dirty="0" err="1"/>
+              <a:t>callBack</a:t>
+            </a:r>
+            <a:r>
+              <a:rPr lang="fr-FR" sz="3600" i="1" dirty="0"/>
+              <a:t> -  </a:t>
+            </a:r>
+            <a:r>
+              <a:rPr lang="fr-FR" sz="3600" i="1" dirty="0" err="1"/>
+              <a:t>foreach</a:t>
+            </a:r>
+            <a:endParaRPr lang="fr-FR" sz="3600" i="1" dirty="0"/>
+          </a:p>
+        </p:txBody>
+      </p:sp>
+      <p:sp>
+        <p:nvSpPr>
+          <p:cNvPr id="2" name="ZoneTexte 1">
+            <a:extLst>
+              <a:ext uri="{FF2B5EF4-FFF2-40B4-BE49-F238E27FC236}">
+                <a16:creationId xmlns:a16="http://schemas.microsoft.com/office/drawing/2014/main" id="{E90EF7FC-625C-9F63-ACFD-1D74DDFA94CB}"/>
+              </a:ext>
+            </a:extLst>
+          </p:cNvPr>
+          <p:cNvSpPr txBox="1"/>
+          <p:nvPr/>
+        </p:nvSpPr>
+        <p:spPr>
+          <a:xfrm>
+            <a:off x="336958" y="4909404"/>
+            <a:ext cx="11518084" cy="1661993"/>
+          </a:xfrm>
+          <a:prstGeom prst="rect">
+            <a:avLst/>
+          </a:prstGeom>
+          <a:noFill/>
+        </p:spPr>
+        <p:txBody>
+          <a:bodyPr wrap="square" rtlCol="0">
+            <a:spAutoFit/>
+          </a:bodyPr>
+          <a:lstStyle/>
+          <a:p>
+            <a:pPr marL="457200" indent="-457200">
+              <a:buFont typeface="Wingdings" panose="05000000000000000000" pitchFamily="2" charset="2"/>
+              <a:buChar char="Ø"/>
+            </a:pPr>
+            <a:r>
+              <a:rPr lang="fr-FR" sz="2800" dirty="0"/>
+              <a:t>Utilisée pour exécuter une fonction sur chaque élément d'un tableau</a:t>
+            </a:r>
+          </a:p>
+          <a:p>
+            <a:pPr marL="457200" indent="-457200">
+              <a:buFont typeface="Wingdings" panose="05000000000000000000" pitchFamily="2" charset="2"/>
+              <a:buChar char="Ø"/>
+            </a:pPr>
+            <a:r>
+              <a:rPr lang="fr-FR" sz="2800" dirty="0"/>
+              <a:t>Ne retourne rien</a:t>
+            </a:r>
+          </a:p>
+          <a:p>
+            <a:pPr marL="457200" indent="-457200">
+              <a:buFont typeface="Wingdings" panose="05000000000000000000" pitchFamily="2" charset="2"/>
+              <a:buChar char="Ø"/>
+            </a:pPr>
+            <a:r>
+              <a:rPr lang="fr-FR" sz="2800" dirty="0"/>
+              <a:t>Idéale pour afficher les éléments d’un tableau</a:t>
+            </a:r>
+          </a:p>
+          <a:p>
+            <a:endParaRPr lang="fr-FR" dirty="0"/>
+          </a:p>
+        </p:txBody>
+      </p:sp>
+      <p:pic>
+        <p:nvPicPr>
+          <p:cNvPr id="16" name="Image 15">
+            <a:extLst>
+              <a:ext uri="{FF2B5EF4-FFF2-40B4-BE49-F238E27FC236}">
+                <a16:creationId xmlns:a16="http://schemas.microsoft.com/office/drawing/2014/main" id="{C22C1D58-1D66-D671-CB1E-61425D437614}"/>
+              </a:ext>
+            </a:extLst>
+          </p:cNvPr>
+          <p:cNvPicPr>
+            <a:picLocks noChangeAspect="1"/>
+          </p:cNvPicPr>
+          <p:nvPr/>
+        </p:nvPicPr>
+        <p:blipFill>
+          <a:blip r:embed="rId2"/>
+          <a:stretch>
+            <a:fillRect/>
+          </a:stretch>
+        </p:blipFill>
+        <p:spPr>
+          <a:xfrm>
+            <a:off x="2725548" y="2264446"/>
+            <a:ext cx="6379499" cy="1067075"/>
+          </a:xfrm>
+          <a:prstGeom prst="rect">
+            <a:avLst/>
+          </a:prstGeom>
+        </p:spPr>
+      </p:pic>
+      <p:sp>
+        <p:nvSpPr>
+          <p:cNvPr id="17" name="ZoneTexte 16">
+            <a:extLst>
+              <a:ext uri="{FF2B5EF4-FFF2-40B4-BE49-F238E27FC236}">
+                <a16:creationId xmlns:a16="http://schemas.microsoft.com/office/drawing/2014/main" id="{0199B6DF-1C44-81A6-01BA-4FFE877E7143}"/>
+              </a:ext>
+            </a:extLst>
+          </p:cNvPr>
+          <p:cNvSpPr txBox="1"/>
+          <p:nvPr/>
+        </p:nvSpPr>
+        <p:spPr>
+          <a:xfrm>
+            <a:off x="2843468" y="3429000"/>
+            <a:ext cx="8212822" cy="923330"/>
+          </a:xfrm>
+          <a:prstGeom prst="rect">
+            <a:avLst/>
+          </a:prstGeom>
+          <a:noFill/>
+        </p:spPr>
+        <p:txBody>
+          <a:bodyPr wrap="square" rtlCol="0">
+            <a:spAutoFit/>
+          </a:bodyPr>
+          <a:lstStyle/>
+          <a:p>
+            <a:pPr marL="285750" indent="-285750">
+              <a:buFont typeface="Arial" panose="020B0604020202020204" pitchFamily="34" charset="0"/>
+              <a:buChar char="•"/>
+            </a:pPr>
+            <a:r>
+              <a:rPr lang="fr-FR" dirty="0">
+                <a:solidFill>
+                  <a:srgbClr val="FF0000"/>
+                </a:solidFill>
+              </a:rPr>
+              <a:t>Elément : valeur de l’élément en cours de traitement </a:t>
+            </a:r>
+          </a:p>
+          <a:p>
+            <a:pPr marL="285750" indent="-285750">
+              <a:buFont typeface="Arial" panose="020B0604020202020204" pitchFamily="34" charset="0"/>
+              <a:buChar char="•"/>
+            </a:pPr>
+            <a:r>
+              <a:rPr lang="fr-FR" dirty="0"/>
+              <a:t>Index: indice en cours de traitement </a:t>
+            </a:r>
+          </a:p>
+          <a:p>
+            <a:pPr marL="285750" indent="-285750">
+              <a:buFont typeface="Arial" panose="020B0604020202020204" pitchFamily="34" charset="0"/>
+              <a:buChar char="•"/>
+            </a:pPr>
+            <a:r>
+              <a:rPr lang="fr-FR" dirty="0"/>
+              <a:t>Tableau: le tableau d’origine </a:t>
+            </a:r>
+          </a:p>
+        </p:txBody>
+      </p:sp>
+      <p:pic>
+        <p:nvPicPr>
+          <p:cNvPr id="4" name="Picture 12" descr="JavaScript Logo et symbole, sens, histoire, PNG, marque">
+            <a:extLst>
+              <a:ext uri="{FF2B5EF4-FFF2-40B4-BE49-F238E27FC236}">
+                <a16:creationId xmlns:a16="http://schemas.microsoft.com/office/drawing/2014/main" id="{95E3D958-24D5-D70C-6E79-CFA399FF5E34}"/>
+              </a:ext>
+            </a:extLst>
+          </p:cNvPr>
+          <p:cNvPicPr>
+            <a:picLocks noChangeAspect="1" noChangeArrowheads="1"/>
+          </p:cNvPicPr>
+          <p:nvPr/>
+        </p:nvPicPr>
+        <p:blipFill>
+          <a:blip r:embed="rId3">
+            <a:extLst>
+              <a:ext uri="{28A0092B-C50C-407E-A947-70E740481C1C}">
+                <a14:useLocalDpi xmlns:a14="http://schemas.microsoft.com/office/drawing/2010/main" val="0"/>
+              </a:ext>
+            </a:extLst>
+          </a:blip>
+          <a:srcRect/>
+          <a:stretch>
+            <a:fillRect/>
+          </a:stretch>
+        </p:blipFill>
+        <p:spPr bwMode="auto">
+          <a:xfrm>
+            <a:off x="10380582" y="286603"/>
+            <a:ext cx="1550195" cy="876779"/>
+          </a:xfrm>
+          <a:prstGeom prst="rect">
+            <a:avLst/>
+          </a:prstGeom>
+          <a:noFill/>
+          <a:extLst>
+            <a:ext uri="{909E8E84-426E-40DD-AFC4-6F175D3DCCD1}">
+              <a14:hiddenFill xmlns:a14="http://schemas.microsoft.com/office/drawing/2010/main">
+                <a:solidFill>
+                  <a:srgbClr val="FFFFFF"/>
+                </a:solidFill>
+              </a14:hiddenFill>
+            </a:ext>
+          </a:extLst>
+        </p:spPr>
+      </p:pic>
+    </p:spTree>
+    <p:extLst>
+      <p:ext uri="{BB962C8B-B14F-4D97-AF65-F5344CB8AC3E}">
+        <p14:creationId xmlns:p14="http://schemas.microsoft.com/office/powerpoint/2010/main" val="325442964"/>
+      </p:ext>
+    </p:extLst>
+  </p:cSld>
+  <p:clrMapOvr>
+    <a:masterClrMapping/>
+  </p:clrMapOvr>
+</p:sld>
+</file>
+
+<file path=ppt/slides/slide46.xml><?xml version="1.0" encoding="utf-8"?>
+<p:sld xmlns:a="http://schemas.openxmlformats.org/drawingml/2006/main" xmlns:r="http://schemas.openxmlformats.org/officeDocument/2006/relationships" xmlns:p="http://schemas.openxmlformats.org/presentationml/2006/main">
+  <p:cSld>
+    <p:spTree>
+      <p:nvGrpSpPr>
+        <p:cNvPr id="1" name=""/>
+        <p:cNvGrpSpPr/>
+        <p:nvPr/>
+      </p:nvGrpSpPr>
+      <p:grpSpPr>
+        <a:xfrm>
+          <a:off x="0" y="0"/>
+          <a:ext cx="0" cy="0"/>
+          <a:chOff x="0" y="0"/>
+          <a:chExt cx="0" cy="0"/>
+        </a:xfrm>
+      </p:grpSpPr>
+      <p:sp>
+        <p:nvSpPr>
+          <p:cNvPr id="3" name="Titre 1">
+            <a:extLst>
+              <a:ext uri="{FF2B5EF4-FFF2-40B4-BE49-F238E27FC236}">
+                <a16:creationId xmlns:a16="http://schemas.microsoft.com/office/drawing/2014/main" id="{E7373E66-041F-37D5-0ADF-25BA87ABC979}"/>
+              </a:ext>
+            </a:extLst>
+          </p:cNvPr>
+          <p:cNvSpPr>
+            <a:spLocks noGrp="1"/>
+          </p:cNvSpPr>
+          <p:nvPr>
+            <p:ph type="title"/>
+          </p:nvPr>
+        </p:nvSpPr>
+        <p:spPr>
+          <a:xfrm>
+            <a:off x="1097280" y="286603"/>
+            <a:ext cx="10058400" cy="1450757"/>
+          </a:xfrm>
+        </p:spPr>
+        <p:txBody>
+          <a:bodyPr>
+            <a:normAutofit/>
+          </a:bodyPr>
+          <a:lstStyle/>
+          <a:p>
+            <a:r>
+              <a:rPr lang="fr-FR" dirty="0"/>
+              <a:t>IV- Les tableaux</a:t>
+            </a:r>
+            <a:br>
+              <a:rPr lang="fr-FR" dirty="0"/>
+            </a:br>
+            <a:r>
+              <a:rPr lang="fr-FR" dirty="0"/>
+              <a:t>	</a:t>
+            </a:r>
+            <a:r>
+              <a:rPr lang="fr-FR" sz="3600" i="1" dirty="0"/>
+              <a:t>  8. Les </a:t>
+            </a:r>
+            <a:r>
+              <a:rPr lang="fr-FR" sz="3600" i="1" dirty="0" err="1"/>
+              <a:t>callBack</a:t>
+            </a:r>
+            <a:r>
+              <a:rPr lang="fr-FR" sz="3600" i="1" dirty="0"/>
+              <a:t> -  </a:t>
+            </a:r>
+            <a:r>
+              <a:rPr lang="fr-FR" sz="3600" i="1" dirty="0" err="1"/>
+              <a:t>map</a:t>
+            </a:r>
+            <a:endParaRPr lang="fr-FR" sz="3600" i="1" dirty="0"/>
+          </a:p>
+        </p:txBody>
+      </p:sp>
+      <p:sp>
+        <p:nvSpPr>
+          <p:cNvPr id="2" name="ZoneTexte 1">
+            <a:extLst>
+              <a:ext uri="{FF2B5EF4-FFF2-40B4-BE49-F238E27FC236}">
+                <a16:creationId xmlns:a16="http://schemas.microsoft.com/office/drawing/2014/main" id="{E90EF7FC-625C-9F63-ACFD-1D74DDFA94CB}"/>
+              </a:ext>
+            </a:extLst>
+          </p:cNvPr>
+          <p:cNvSpPr txBox="1"/>
+          <p:nvPr/>
+        </p:nvSpPr>
+        <p:spPr>
+          <a:xfrm>
+            <a:off x="294736" y="5022040"/>
+            <a:ext cx="11602528" cy="892552"/>
+          </a:xfrm>
+          <a:prstGeom prst="rect">
+            <a:avLst/>
+          </a:prstGeom>
+          <a:noFill/>
+        </p:spPr>
+        <p:txBody>
+          <a:bodyPr wrap="square" rtlCol="0">
+            <a:spAutoFit/>
+          </a:bodyPr>
+          <a:lstStyle/>
+          <a:p>
+            <a:pPr marL="457200" indent="-457200" algn="ctr">
+              <a:buFont typeface="Wingdings" panose="05000000000000000000" pitchFamily="2" charset="2"/>
+              <a:buChar char="Ø"/>
+            </a:pPr>
+            <a:r>
+              <a:rPr lang="fr-FR" sz="2600" dirty="0"/>
+              <a:t>Crée un nouveau tableau en transformant chaque élément du tableau original. </a:t>
+            </a:r>
+          </a:p>
+          <a:p>
+            <a:pPr marL="457200" indent="-457200" algn="ctr">
+              <a:buFont typeface="Wingdings" panose="05000000000000000000" pitchFamily="2" charset="2"/>
+              <a:buChar char="Ø"/>
+            </a:pPr>
+            <a:r>
+              <a:rPr lang="fr-FR" sz="2600" dirty="0"/>
+              <a:t>Idéale pour convertir ou effectuer une opération sur les données d'un tableau</a:t>
+            </a:r>
+          </a:p>
+        </p:txBody>
+      </p:sp>
+      <p:pic>
+        <p:nvPicPr>
+          <p:cNvPr id="8" name="Image 7">
+            <a:extLst>
+              <a:ext uri="{FF2B5EF4-FFF2-40B4-BE49-F238E27FC236}">
+                <a16:creationId xmlns:a16="http://schemas.microsoft.com/office/drawing/2014/main" id="{CF778B3A-446B-93A1-1881-22689BCB4CE8}"/>
+              </a:ext>
+            </a:extLst>
+          </p:cNvPr>
+          <p:cNvPicPr>
+            <a:picLocks noChangeAspect="1"/>
+          </p:cNvPicPr>
+          <p:nvPr/>
+        </p:nvPicPr>
+        <p:blipFill>
+          <a:blip r:embed="rId2"/>
+          <a:stretch>
+            <a:fillRect/>
+          </a:stretch>
+        </p:blipFill>
+        <p:spPr>
+          <a:xfrm>
+            <a:off x="1792000" y="2014895"/>
+            <a:ext cx="8668960" cy="1133633"/>
+          </a:xfrm>
+          <a:prstGeom prst="rect">
+            <a:avLst/>
+          </a:prstGeom>
+        </p:spPr>
+      </p:pic>
+      <p:sp>
+        <p:nvSpPr>
+          <p:cNvPr id="9" name="ZoneTexte 8">
+            <a:extLst>
+              <a:ext uri="{FF2B5EF4-FFF2-40B4-BE49-F238E27FC236}">
+                <a16:creationId xmlns:a16="http://schemas.microsoft.com/office/drawing/2014/main" id="{A84FDAE9-0EED-D70A-33FB-5431F1985018}"/>
+              </a:ext>
+            </a:extLst>
+          </p:cNvPr>
+          <p:cNvSpPr txBox="1"/>
+          <p:nvPr/>
+        </p:nvSpPr>
+        <p:spPr>
+          <a:xfrm>
+            <a:off x="2231472" y="3363985"/>
+            <a:ext cx="8212822" cy="923330"/>
+          </a:xfrm>
+          <a:prstGeom prst="rect">
+            <a:avLst/>
+          </a:prstGeom>
+          <a:noFill/>
+        </p:spPr>
+        <p:txBody>
+          <a:bodyPr wrap="square" rtlCol="0">
+            <a:spAutoFit/>
+          </a:bodyPr>
+          <a:lstStyle/>
+          <a:p>
+            <a:pPr marL="285750" indent="-285750">
+              <a:buFont typeface="Arial" panose="020B0604020202020204" pitchFamily="34" charset="0"/>
+              <a:buChar char="•"/>
+            </a:pPr>
+            <a:r>
+              <a:rPr lang="fr-FR" dirty="0">
+                <a:solidFill>
+                  <a:srgbClr val="FF0000"/>
+                </a:solidFill>
+              </a:rPr>
+              <a:t>Elément : valeur de l’élément en cours de traitement </a:t>
+            </a:r>
+          </a:p>
+          <a:p>
+            <a:pPr marL="285750" indent="-285750">
+              <a:buFont typeface="Arial" panose="020B0604020202020204" pitchFamily="34" charset="0"/>
+              <a:buChar char="•"/>
+            </a:pPr>
+            <a:r>
+              <a:rPr lang="fr-FR" dirty="0"/>
+              <a:t>Index: indice en cours de traitement </a:t>
+            </a:r>
+          </a:p>
+          <a:p>
+            <a:pPr marL="285750" indent="-285750">
+              <a:buFont typeface="Arial" panose="020B0604020202020204" pitchFamily="34" charset="0"/>
+              <a:buChar char="•"/>
+            </a:pPr>
+            <a:r>
+              <a:rPr lang="fr-FR" dirty="0"/>
+              <a:t>Tableau: le tableau d’origine </a:t>
+            </a:r>
+          </a:p>
+        </p:txBody>
+      </p:sp>
+      <p:pic>
+        <p:nvPicPr>
+          <p:cNvPr id="4" name="Picture 12" descr="JavaScript Logo et symbole, sens, histoire, PNG, marque">
+            <a:extLst>
+              <a:ext uri="{FF2B5EF4-FFF2-40B4-BE49-F238E27FC236}">
+                <a16:creationId xmlns:a16="http://schemas.microsoft.com/office/drawing/2014/main" id="{65AB72CE-E3CF-01E2-6583-C9EB14245C09}"/>
+              </a:ext>
+            </a:extLst>
+          </p:cNvPr>
+          <p:cNvPicPr>
+            <a:picLocks noChangeAspect="1" noChangeArrowheads="1"/>
+          </p:cNvPicPr>
+          <p:nvPr/>
+        </p:nvPicPr>
+        <p:blipFill>
+          <a:blip r:embed="rId3">
+            <a:extLst>
+              <a:ext uri="{28A0092B-C50C-407E-A947-70E740481C1C}">
+                <a14:useLocalDpi xmlns:a14="http://schemas.microsoft.com/office/drawing/2010/main" val="0"/>
+              </a:ext>
+            </a:extLst>
+          </a:blip>
+          <a:srcRect/>
+          <a:stretch>
+            <a:fillRect/>
+          </a:stretch>
+        </p:blipFill>
+        <p:spPr bwMode="auto">
+          <a:xfrm>
+            <a:off x="10380582" y="286603"/>
+            <a:ext cx="1550195" cy="876779"/>
+          </a:xfrm>
+          <a:prstGeom prst="rect">
+            <a:avLst/>
+          </a:prstGeom>
+          <a:noFill/>
+          <a:extLst>
+            <a:ext uri="{909E8E84-426E-40DD-AFC4-6F175D3DCCD1}">
+              <a14:hiddenFill xmlns:a14="http://schemas.microsoft.com/office/drawing/2010/main">
+                <a:solidFill>
+                  <a:srgbClr val="FFFFFF"/>
+                </a:solidFill>
+              </a14:hiddenFill>
+            </a:ext>
+          </a:extLst>
+        </p:spPr>
+      </p:pic>
+    </p:spTree>
+    <p:extLst>
+      <p:ext uri="{BB962C8B-B14F-4D97-AF65-F5344CB8AC3E}">
+        <p14:creationId xmlns:p14="http://schemas.microsoft.com/office/powerpoint/2010/main" val="1485342983"/>
+      </p:ext>
+    </p:extLst>
+  </p:cSld>
+  <p:clrMapOvr>
+    <a:masterClrMapping/>
+  </p:clrMapOvr>
+</p:sld>
+</file>
+
+<file path=ppt/slides/slide47.xml><?xml version="1.0" encoding="utf-8"?>
+<p:sld xmlns:a="http://schemas.openxmlformats.org/drawingml/2006/main" xmlns:r="http://schemas.openxmlformats.org/officeDocument/2006/relationships" xmlns:p="http://schemas.openxmlformats.org/presentationml/2006/main">
+  <p:cSld>
+    <p:spTree>
+      <p:nvGrpSpPr>
+        <p:cNvPr id="1" name=""/>
+        <p:cNvGrpSpPr/>
+        <p:nvPr/>
+      </p:nvGrpSpPr>
+      <p:grpSpPr>
+        <a:xfrm>
+          <a:off x="0" y="0"/>
+          <a:ext cx="0" cy="0"/>
+          <a:chOff x="0" y="0"/>
+          <a:chExt cx="0" cy="0"/>
+        </a:xfrm>
+      </p:grpSpPr>
+      <p:sp>
+        <p:nvSpPr>
+          <p:cNvPr id="3" name="Titre 1">
+            <a:extLst>
+              <a:ext uri="{FF2B5EF4-FFF2-40B4-BE49-F238E27FC236}">
+                <a16:creationId xmlns:a16="http://schemas.microsoft.com/office/drawing/2014/main" id="{E7373E66-041F-37D5-0ADF-25BA87ABC979}"/>
+              </a:ext>
+            </a:extLst>
+          </p:cNvPr>
+          <p:cNvSpPr>
+            <a:spLocks noGrp="1"/>
+          </p:cNvSpPr>
+          <p:nvPr>
+            <p:ph type="title"/>
+          </p:nvPr>
+        </p:nvSpPr>
+        <p:spPr>
+          <a:xfrm>
+            <a:off x="1097280" y="286603"/>
+            <a:ext cx="10058400" cy="1450757"/>
+          </a:xfrm>
+        </p:spPr>
+        <p:txBody>
+          <a:bodyPr>
+            <a:normAutofit/>
+          </a:bodyPr>
+          <a:lstStyle/>
+          <a:p>
+            <a:r>
+              <a:rPr lang="fr-FR" dirty="0"/>
+              <a:t>IV- Les tableaux</a:t>
+            </a:r>
+            <a:br>
+              <a:rPr lang="fr-FR" dirty="0"/>
+            </a:br>
+            <a:r>
+              <a:rPr lang="fr-FR" dirty="0"/>
+              <a:t>	</a:t>
+            </a:r>
+            <a:r>
+              <a:rPr lang="fr-FR" sz="3600" i="1" dirty="0"/>
+              <a:t>  8. Les </a:t>
+            </a:r>
+            <a:r>
+              <a:rPr lang="fr-FR" sz="3600" i="1" dirty="0" err="1"/>
+              <a:t>callBack</a:t>
+            </a:r>
+            <a:r>
+              <a:rPr lang="fr-FR" sz="3600" i="1" dirty="0"/>
+              <a:t> -  </a:t>
+            </a:r>
+            <a:r>
+              <a:rPr lang="fr-FR" sz="3600" i="1" dirty="0" err="1"/>
+              <a:t>filter</a:t>
+            </a:r>
+            <a:endParaRPr lang="fr-FR" sz="3600" i="1" dirty="0"/>
+          </a:p>
+        </p:txBody>
+      </p:sp>
+      <p:sp>
+        <p:nvSpPr>
+          <p:cNvPr id="2" name="ZoneTexte 1">
+            <a:extLst>
+              <a:ext uri="{FF2B5EF4-FFF2-40B4-BE49-F238E27FC236}">
+                <a16:creationId xmlns:a16="http://schemas.microsoft.com/office/drawing/2014/main" id="{E90EF7FC-625C-9F63-ACFD-1D74DDFA94CB}"/>
+              </a:ext>
+            </a:extLst>
+          </p:cNvPr>
+          <p:cNvSpPr txBox="1"/>
+          <p:nvPr/>
+        </p:nvSpPr>
+        <p:spPr>
+          <a:xfrm>
+            <a:off x="183078" y="5001737"/>
+            <a:ext cx="12008922" cy="1569660"/>
+          </a:xfrm>
+          <a:prstGeom prst="rect">
+            <a:avLst/>
+          </a:prstGeom>
+          <a:noFill/>
+        </p:spPr>
+        <p:txBody>
+          <a:bodyPr wrap="square" rtlCol="0">
+            <a:spAutoFit/>
+          </a:bodyPr>
+          <a:lstStyle/>
+          <a:p>
+            <a:pPr marL="457200" indent="-457200">
+              <a:buFont typeface="Wingdings" panose="05000000000000000000" pitchFamily="2" charset="2"/>
+              <a:buChar char="Ø"/>
+            </a:pPr>
+            <a:r>
+              <a:rPr lang="fr-FR" sz="2600" dirty="0"/>
+              <a:t>Crée un nouveau tableau contenant les éléments du tableau original qui satisfont une condition spécifiée</a:t>
+            </a:r>
+          </a:p>
+          <a:p>
+            <a:pPr marL="457200" indent="-457200">
+              <a:buFont typeface="Wingdings" panose="05000000000000000000" pitchFamily="2" charset="2"/>
+              <a:buChar char="Ø"/>
+            </a:pPr>
+            <a:r>
+              <a:rPr lang="fr-FR" sz="2600" dirty="0"/>
+              <a:t>Utilisée pour filtrer un ensemble de données selon des critères définis</a:t>
+            </a:r>
+            <a:endParaRPr lang="fr-FR" sz="2600" b="1" dirty="0"/>
+          </a:p>
+          <a:p>
+            <a:pPr algn="ctr"/>
+            <a:endParaRPr lang="fr-FR" dirty="0"/>
+          </a:p>
+        </p:txBody>
+      </p:sp>
+      <p:sp>
+        <p:nvSpPr>
+          <p:cNvPr id="7" name="ZoneTexte 6">
+            <a:extLst>
+              <a:ext uri="{FF2B5EF4-FFF2-40B4-BE49-F238E27FC236}">
+                <a16:creationId xmlns:a16="http://schemas.microsoft.com/office/drawing/2014/main" id="{E3C294A3-A938-2914-014D-FC95C503D341}"/>
+              </a:ext>
+            </a:extLst>
+          </p:cNvPr>
+          <p:cNvSpPr txBox="1"/>
+          <p:nvPr/>
+        </p:nvSpPr>
+        <p:spPr>
+          <a:xfrm>
+            <a:off x="2306973" y="3353499"/>
+            <a:ext cx="8087854" cy="1200329"/>
+          </a:xfrm>
+          <a:prstGeom prst="rect">
+            <a:avLst/>
+          </a:prstGeom>
+          <a:noFill/>
+        </p:spPr>
+        <p:txBody>
+          <a:bodyPr wrap="square" rtlCol="0">
+            <a:spAutoFit/>
+          </a:bodyPr>
+          <a:lstStyle/>
+          <a:p>
+            <a:pPr marL="285750" indent="-285750">
+              <a:buFont typeface="Arial" panose="020B0604020202020204" pitchFamily="34" charset="0"/>
+              <a:buChar char="•"/>
+            </a:pPr>
+            <a:r>
+              <a:rPr lang="fr-FR" dirty="0">
+                <a:solidFill>
+                  <a:srgbClr val="FF0000"/>
+                </a:solidFill>
+              </a:rPr>
+              <a:t>Elément : valeur de l’élément en cours de traitement </a:t>
+            </a:r>
+          </a:p>
+          <a:p>
+            <a:pPr marL="285750" indent="-285750">
+              <a:buFont typeface="Arial" panose="020B0604020202020204" pitchFamily="34" charset="0"/>
+              <a:buChar char="•"/>
+            </a:pPr>
+            <a:r>
+              <a:rPr lang="fr-FR" dirty="0"/>
+              <a:t>Index: indice en cours de traitement </a:t>
+            </a:r>
+          </a:p>
+          <a:p>
+            <a:pPr marL="285750" indent="-285750">
+              <a:buFont typeface="Arial" panose="020B0604020202020204" pitchFamily="34" charset="0"/>
+              <a:buChar char="•"/>
+            </a:pPr>
+            <a:r>
+              <a:rPr lang="fr-FR" dirty="0"/>
+              <a:t>Tableau: le tableau d’origine </a:t>
+            </a:r>
+          </a:p>
+          <a:p>
+            <a:endParaRPr lang="fr-FR" dirty="0"/>
+          </a:p>
+        </p:txBody>
+      </p:sp>
+      <p:pic>
+        <p:nvPicPr>
+          <p:cNvPr id="9" name="Image 8">
+            <a:extLst>
+              <a:ext uri="{FF2B5EF4-FFF2-40B4-BE49-F238E27FC236}">
+                <a16:creationId xmlns:a16="http://schemas.microsoft.com/office/drawing/2014/main" id="{3EC2243B-8944-E5AD-A941-5ECA282A6936}"/>
+              </a:ext>
+            </a:extLst>
+          </p:cNvPr>
+          <p:cNvPicPr>
+            <a:picLocks noChangeAspect="1"/>
+          </p:cNvPicPr>
+          <p:nvPr/>
+        </p:nvPicPr>
+        <p:blipFill>
+          <a:blip r:embed="rId2"/>
+          <a:stretch>
+            <a:fillRect/>
+          </a:stretch>
+        </p:blipFill>
+        <p:spPr>
+          <a:xfrm>
+            <a:off x="1485490" y="2012024"/>
+            <a:ext cx="8983329" cy="1171739"/>
+          </a:xfrm>
+          <a:prstGeom prst="rect">
+            <a:avLst/>
+          </a:prstGeom>
+        </p:spPr>
+      </p:pic>
+      <p:pic>
+        <p:nvPicPr>
+          <p:cNvPr id="4" name="Picture 12" descr="JavaScript Logo et symbole, sens, histoire, PNG, marque">
+            <a:extLst>
+              <a:ext uri="{FF2B5EF4-FFF2-40B4-BE49-F238E27FC236}">
+                <a16:creationId xmlns:a16="http://schemas.microsoft.com/office/drawing/2014/main" id="{CC189E28-37DE-FB73-E94F-DB9C0A8A1261}"/>
+              </a:ext>
+            </a:extLst>
+          </p:cNvPr>
+          <p:cNvPicPr>
+            <a:picLocks noChangeAspect="1" noChangeArrowheads="1"/>
+          </p:cNvPicPr>
+          <p:nvPr/>
+        </p:nvPicPr>
+        <p:blipFill>
+          <a:blip r:embed="rId3">
+            <a:extLst>
+              <a:ext uri="{28A0092B-C50C-407E-A947-70E740481C1C}">
+                <a14:useLocalDpi xmlns:a14="http://schemas.microsoft.com/office/drawing/2010/main" val="0"/>
+              </a:ext>
+            </a:extLst>
+          </a:blip>
+          <a:srcRect/>
+          <a:stretch>
+            <a:fillRect/>
+          </a:stretch>
+        </p:blipFill>
+        <p:spPr bwMode="auto">
+          <a:xfrm>
+            <a:off x="10380582" y="286603"/>
+            <a:ext cx="1550195" cy="876779"/>
+          </a:xfrm>
+          <a:prstGeom prst="rect">
+            <a:avLst/>
+          </a:prstGeom>
+          <a:noFill/>
+          <a:extLst>
+            <a:ext uri="{909E8E84-426E-40DD-AFC4-6F175D3DCCD1}">
+              <a14:hiddenFill xmlns:a14="http://schemas.microsoft.com/office/drawing/2010/main">
+                <a:solidFill>
+                  <a:srgbClr val="FFFFFF"/>
+                </a:solidFill>
+              </a14:hiddenFill>
+            </a:ext>
+          </a:extLst>
+        </p:spPr>
+      </p:pic>
+    </p:spTree>
+    <p:extLst>
+      <p:ext uri="{BB962C8B-B14F-4D97-AF65-F5344CB8AC3E}">
+        <p14:creationId xmlns:p14="http://schemas.microsoft.com/office/powerpoint/2010/main" val="1136593609"/>
+      </p:ext>
+    </p:extLst>
+  </p:cSld>
+  <p:clrMapOvr>
+    <a:masterClrMapping/>
+  </p:clrMapOvr>
+</p:sld>
+</file>
+
+<file path=ppt/slides/slide48.xml><?xml version="1.0" encoding="utf-8"?>
+<p:sld xmlns:a="http://schemas.openxmlformats.org/drawingml/2006/main" xmlns:r="http://schemas.openxmlformats.org/officeDocument/2006/relationships" xmlns:p="http://schemas.openxmlformats.org/presentationml/2006/main">
+  <p:cSld>
+    <p:spTree>
+      <p:nvGrpSpPr>
+        <p:cNvPr id="1" name=""/>
+        <p:cNvGrpSpPr/>
+        <p:nvPr/>
+      </p:nvGrpSpPr>
+      <p:grpSpPr>
+        <a:xfrm>
+          <a:off x="0" y="0"/>
+          <a:ext cx="0" cy="0"/>
+          <a:chOff x="0" y="0"/>
+          <a:chExt cx="0" cy="0"/>
+        </a:xfrm>
+      </p:grpSpPr>
+      <p:sp>
+        <p:nvSpPr>
+          <p:cNvPr id="3" name="Titre 1">
+            <a:extLst>
+              <a:ext uri="{FF2B5EF4-FFF2-40B4-BE49-F238E27FC236}">
+                <a16:creationId xmlns:a16="http://schemas.microsoft.com/office/drawing/2014/main" id="{E7373E66-041F-37D5-0ADF-25BA87ABC979}"/>
+              </a:ext>
+            </a:extLst>
+          </p:cNvPr>
+          <p:cNvSpPr>
+            <a:spLocks noGrp="1"/>
+          </p:cNvSpPr>
+          <p:nvPr>
+            <p:ph type="title"/>
+          </p:nvPr>
+        </p:nvSpPr>
+        <p:spPr>
+          <a:xfrm>
+            <a:off x="1097280" y="286603"/>
+            <a:ext cx="10058400" cy="1450757"/>
+          </a:xfrm>
+        </p:spPr>
+        <p:txBody>
+          <a:bodyPr>
+            <a:normAutofit/>
+          </a:bodyPr>
+          <a:lstStyle/>
+          <a:p>
+            <a:r>
+              <a:rPr lang="fr-FR" dirty="0"/>
+              <a:t>IV- Les tableaux</a:t>
+            </a:r>
+            <a:br>
+              <a:rPr lang="fr-FR" dirty="0"/>
+            </a:br>
+            <a:r>
+              <a:rPr lang="fr-FR" dirty="0"/>
+              <a:t>	</a:t>
+            </a:r>
+            <a:r>
+              <a:rPr lang="fr-FR" sz="3600" i="1" dirty="0"/>
+              <a:t>  8. Les </a:t>
+            </a:r>
+            <a:r>
+              <a:rPr lang="fr-FR" sz="3600" i="1" dirty="0" err="1"/>
+              <a:t>callBack</a:t>
+            </a:r>
+            <a:r>
+              <a:rPr lang="fr-FR" sz="3600" i="1" dirty="0"/>
+              <a:t> -  </a:t>
+            </a:r>
+            <a:r>
+              <a:rPr lang="fr-FR" sz="3600" i="1" dirty="0" err="1"/>
+              <a:t>reduce</a:t>
+            </a:r>
+            <a:endParaRPr lang="fr-FR" sz="3600" i="1" dirty="0"/>
+          </a:p>
+        </p:txBody>
+      </p:sp>
+      <p:sp>
+        <p:nvSpPr>
+          <p:cNvPr id="2" name="ZoneTexte 1">
+            <a:extLst>
+              <a:ext uri="{FF2B5EF4-FFF2-40B4-BE49-F238E27FC236}">
+                <a16:creationId xmlns:a16="http://schemas.microsoft.com/office/drawing/2014/main" id="{E90EF7FC-625C-9F63-ACFD-1D74DDFA94CB}"/>
+              </a:ext>
+            </a:extLst>
+          </p:cNvPr>
+          <p:cNvSpPr txBox="1"/>
+          <p:nvPr/>
+        </p:nvSpPr>
+        <p:spPr>
+          <a:xfrm>
+            <a:off x="858194" y="5363593"/>
+            <a:ext cx="10536572" cy="1138773"/>
+          </a:xfrm>
+          <a:prstGeom prst="rect">
+            <a:avLst/>
+          </a:prstGeom>
+          <a:noFill/>
+        </p:spPr>
+        <p:txBody>
+          <a:bodyPr wrap="square" rtlCol="0">
+            <a:spAutoFit/>
+          </a:bodyPr>
+          <a:lstStyle/>
+          <a:p>
+            <a:pPr marL="342900" indent="-342900">
+              <a:buFont typeface="Wingdings" panose="05000000000000000000" pitchFamily="2" charset="2"/>
+              <a:buChar char="Ø"/>
+            </a:pPr>
+            <a:r>
+              <a:rPr lang="fr-FR" sz="2600" dirty="0"/>
+              <a:t>Accumule les valeurs d'un tableau pour produire une seule valeur, par exemple, une somme, une moyenne…</a:t>
+            </a:r>
+          </a:p>
+          <a:p>
+            <a:endParaRPr lang="fr-FR" sz="1600" dirty="0"/>
+          </a:p>
+        </p:txBody>
+      </p:sp>
+      <p:sp>
+        <p:nvSpPr>
+          <p:cNvPr id="6" name="ZoneTexte 5">
+            <a:extLst>
+              <a:ext uri="{FF2B5EF4-FFF2-40B4-BE49-F238E27FC236}">
+                <a16:creationId xmlns:a16="http://schemas.microsoft.com/office/drawing/2014/main" id="{FC488F07-7494-2E05-1D99-75A964B2195D}"/>
+              </a:ext>
+            </a:extLst>
+          </p:cNvPr>
+          <p:cNvSpPr txBox="1"/>
+          <p:nvPr/>
+        </p:nvSpPr>
+        <p:spPr>
+          <a:xfrm>
+            <a:off x="70077" y="6488668"/>
+            <a:ext cx="2768367" cy="369332"/>
+          </a:xfrm>
+          <a:prstGeom prst="rect">
+            <a:avLst/>
+          </a:prstGeom>
+          <a:noFill/>
+        </p:spPr>
+        <p:txBody>
+          <a:bodyPr wrap="square" rtlCol="0">
+            <a:spAutoFit/>
+          </a:bodyPr>
+          <a:lstStyle/>
+          <a:p>
+            <a:r>
+              <a:rPr lang="fr-FR" dirty="0"/>
+              <a:t>Exos- 3</a:t>
+            </a:r>
+          </a:p>
+        </p:txBody>
+      </p:sp>
+      <p:pic>
+        <p:nvPicPr>
+          <p:cNvPr id="7" name="Image 6">
+            <a:extLst>
+              <a:ext uri="{FF2B5EF4-FFF2-40B4-BE49-F238E27FC236}">
+                <a16:creationId xmlns:a16="http://schemas.microsoft.com/office/drawing/2014/main" id="{AF93C34A-7E23-2637-5258-0170B56ABDBB}"/>
+              </a:ext>
+            </a:extLst>
+          </p:cNvPr>
+          <p:cNvPicPr>
+            <a:picLocks noChangeAspect="1"/>
+          </p:cNvPicPr>
+          <p:nvPr/>
+        </p:nvPicPr>
+        <p:blipFill>
+          <a:blip r:embed="rId2"/>
+          <a:stretch>
+            <a:fillRect/>
+          </a:stretch>
+        </p:blipFill>
+        <p:spPr>
+          <a:xfrm>
+            <a:off x="1628648" y="2059115"/>
+            <a:ext cx="8716591" cy="1095528"/>
+          </a:xfrm>
+          <a:prstGeom prst="rect">
+            <a:avLst/>
+          </a:prstGeom>
+        </p:spPr>
+      </p:pic>
+      <p:sp>
+        <p:nvSpPr>
+          <p:cNvPr id="8" name="ZoneTexte 7">
+            <a:extLst>
+              <a:ext uri="{FF2B5EF4-FFF2-40B4-BE49-F238E27FC236}">
+                <a16:creationId xmlns:a16="http://schemas.microsoft.com/office/drawing/2014/main" id="{910265DF-583B-5368-6F50-83FF97D465EA}"/>
+              </a:ext>
+            </a:extLst>
+          </p:cNvPr>
+          <p:cNvSpPr txBox="1"/>
+          <p:nvPr/>
+        </p:nvSpPr>
+        <p:spPr>
+          <a:xfrm>
+            <a:off x="578840" y="3288775"/>
+            <a:ext cx="11258026" cy="1846659"/>
+          </a:xfrm>
+          <a:prstGeom prst="rect">
+            <a:avLst/>
+          </a:prstGeom>
+          <a:noFill/>
+        </p:spPr>
+        <p:txBody>
+          <a:bodyPr wrap="square" rtlCol="0">
+            <a:spAutoFit/>
+          </a:bodyPr>
+          <a:lstStyle/>
+          <a:p>
+            <a:pPr marL="285750" indent="-285750">
+              <a:buFont typeface="Arial" panose="020B0604020202020204" pitchFamily="34" charset="0"/>
+              <a:buChar char="•"/>
+            </a:pPr>
+            <a:r>
+              <a:rPr lang="fr-FR" dirty="0" err="1">
+                <a:solidFill>
+                  <a:srgbClr val="FF0000"/>
+                </a:solidFill>
+              </a:rPr>
+              <a:t>A</a:t>
+            </a:r>
+            <a:r>
+              <a:rPr lang="fr-FR" sz="1600" dirty="0" err="1">
+                <a:solidFill>
+                  <a:srgbClr val="FF0000"/>
+                </a:solidFill>
+              </a:rPr>
+              <a:t>ccumulator</a:t>
+            </a:r>
+            <a:r>
+              <a:rPr lang="fr-FR" sz="1600" dirty="0">
+                <a:solidFill>
+                  <a:srgbClr val="FF0000"/>
+                </a:solidFill>
+              </a:rPr>
+              <a:t>: La valeur qui résulte de la précédente itération de la fonction callback, ou de la valeur initiale si elle est fournie</a:t>
+            </a:r>
+          </a:p>
+          <a:p>
+            <a:pPr marL="285750" indent="-285750">
+              <a:buFont typeface="Arial" panose="020B0604020202020204" pitchFamily="34" charset="0"/>
+              <a:buChar char="•"/>
+            </a:pPr>
+            <a:r>
+              <a:rPr lang="fr-FR" sz="1600" dirty="0" err="1">
+                <a:solidFill>
+                  <a:srgbClr val="FF0000"/>
+                </a:solidFill>
+              </a:rPr>
+              <a:t>currentValue</a:t>
+            </a:r>
+            <a:r>
+              <a:rPr lang="fr-FR" sz="1600" dirty="0">
+                <a:solidFill>
+                  <a:srgbClr val="FF0000"/>
+                </a:solidFill>
+              </a:rPr>
+              <a:t>: La valeur de l'élément actuel </a:t>
+            </a:r>
+          </a:p>
+          <a:p>
+            <a:pPr marL="285750" indent="-285750">
+              <a:buFont typeface="Arial" panose="020B0604020202020204" pitchFamily="34" charset="0"/>
+              <a:buChar char="•"/>
+            </a:pPr>
+            <a:r>
+              <a:rPr lang="fr-FR" sz="1600" dirty="0" err="1">
+                <a:solidFill>
+                  <a:srgbClr val="FF0000"/>
+                </a:solidFill>
+              </a:rPr>
+              <a:t>InitialValue</a:t>
+            </a:r>
+            <a:r>
+              <a:rPr lang="fr-FR" sz="1600" dirty="0">
+                <a:solidFill>
+                  <a:srgbClr val="FF0000"/>
+                </a:solidFill>
+              </a:rPr>
+              <a:t> : La valeur initiale de l'accumulateur</a:t>
+            </a:r>
+          </a:p>
+          <a:p>
+            <a:pPr marL="285750" indent="-285750">
+              <a:buFont typeface="Arial" panose="020B0604020202020204" pitchFamily="34" charset="0"/>
+              <a:buChar char="•"/>
+            </a:pPr>
+            <a:endParaRPr lang="fr-FR" sz="1600" dirty="0"/>
+          </a:p>
+          <a:p>
+            <a:r>
+              <a:rPr lang="fr-FR" sz="1600" dirty="0"/>
+              <a:t>La fonction callback peut également prendre deux arguments optionnels : </a:t>
+            </a:r>
+          </a:p>
+          <a:p>
+            <a:pPr marL="285750" indent="-285750">
+              <a:buFont typeface="Arial" panose="020B0604020202020204" pitchFamily="34" charset="0"/>
+              <a:buChar char="•"/>
+            </a:pPr>
+            <a:r>
+              <a:rPr lang="fr-FR" sz="1600" dirty="0"/>
+              <a:t>Index: L'index de l'élément actuel du tableau</a:t>
+            </a:r>
+          </a:p>
+          <a:p>
+            <a:pPr marL="285750" indent="-285750">
+              <a:buFont typeface="Arial" panose="020B0604020202020204" pitchFamily="34" charset="0"/>
+              <a:buChar char="•"/>
+            </a:pPr>
+            <a:r>
+              <a:rPr lang="fr-FR" sz="1600" dirty="0" err="1"/>
+              <a:t>Array</a:t>
+            </a:r>
+            <a:r>
+              <a:rPr lang="fr-FR" sz="1600" dirty="0"/>
+              <a:t> : Le tableau sur lequel la méthode a été appelée </a:t>
+            </a:r>
+          </a:p>
+        </p:txBody>
+      </p:sp>
+      <p:pic>
+        <p:nvPicPr>
+          <p:cNvPr id="4" name="Picture 12" descr="JavaScript Logo et symbole, sens, histoire, PNG, marque">
+            <a:extLst>
+              <a:ext uri="{FF2B5EF4-FFF2-40B4-BE49-F238E27FC236}">
+                <a16:creationId xmlns:a16="http://schemas.microsoft.com/office/drawing/2014/main" id="{4372045E-3E02-DD41-9B0C-04472870D3EB}"/>
+              </a:ext>
+            </a:extLst>
+          </p:cNvPr>
+          <p:cNvPicPr>
+            <a:picLocks noChangeAspect="1" noChangeArrowheads="1"/>
+          </p:cNvPicPr>
+          <p:nvPr/>
+        </p:nvPicPr>
+        <p:blipFill>
+          <a:blip r:embed="rId3">
+            <a:extLst>
+              <a:ext uri="{28A0092B-C50C-407E-A947-70E740481C1C}">
+                <a14:useLocalDpi xmlns:a14="http://schemas.microsoft.com/office/drawing/2010/main" val="0"/>
+              </a:ext>
+            </a:extLst>
+          </a:blip>
+          <a:srcRect/>
+          <a:stretch>
+            <a:fillRect/>
+          </a:stretch>
+        </p:blipFill>
+        <p:spPr bwMode="auto">
+          <a:xfrm>
+            <a:off x="10380582" y="286603"/>
+            <a:ext cx="1550195" cy="876779"/>
+          </a:xfrm>
+          <a:prstGeom prst="rect">
+            <a:avLst/>
+          </a:prstGeom>
+          <a:noFill/>
+          <a:extLst>
+            <a:ext uri="{909E8E84-426E-40DD-AFC4-6F175D3DCCD1}">
+              <a14:hiddenFill xmlns:a14="http://schemas.microsoft.com/office/drawing/2010/main">
+                <a:solidFill>
+                  <a:srgbClr val="FFFFFF"/>
+                </a:solidFill>
+              </a14:hiddenFill>
+            </a:ext>
+          </a:extLst>
+        </p:spPr>
+      </p:pic>
+    </p:spTree>
+    <p:extLst>
+      <p:ext uri="{BB962C8B-B14F-4D97-AF65-F5344CB8AC3E}">
+        <p14:creationId xmlns:p14="http://schemas.microsoft.com/office/powerpoint/2010/main" val="929038929"/>
       </p:ext>
     </p:extLst>
   </p:cSld>

--- a/cours.pptx
+++ b/cours.pptx
@@ -53,6 +53,10 @@
     <p:sldId id="357" r:id="rId47"/>
     <p:sldId id="358" r:id="rId48"/>
     <p:sldId id="359" r:id="rId49"/>
+    <p:sldId id="360" r:id="rId50"/>
+    <p:sldId id="391" r:id="rId51"/>
+    <p:sldId id="361" r:id="rId52"/>
+    <p:sldId id="362" r:id="rId53"/>
   </p:sldIdLst>
   <p:sldSz cx="12192000" cy="6858000"/>
   <p:notesSz cx="6858000" cy="9144000"/>
@@ -306,7 +310,7 @@
           <a:p>
             <a:fld id="{6AD61AA8-A60B-4213-843B-33CCD8DDD4AE}" type="datetimeFigureOut">
               <a:rPr lang="fr-FR" smtClean="0"/>
-              <a:t>13/12/2023</a:t>
+              <a:t>14/12/2023</a:t>
             </a:fld>
             <a:endParaRPr lang="fr-FR"/>
           </a:p>
@@ -504,7 +508,7 @@
           <a:p>
             <a:fld id="{6AD61AA8-A60B-4213-843B-33CCD8DDD4AE}" type="datetimeFigureOut">
               <a:rPr lang="fr-FR" smtClean="0"/>
-              <a:t>13/12/2023</a:t>
+              <a:t>14/12/2023</a:t>
             </a:fld>
             <a:endParaRPr lang="fr-FR"/>
           </a:p>
@@ -712,7 +716,7 @@
           <a:p>
             <a:fld id="{6AD61AA8-A60B-4213-843B-33CCD8DDD4AE}" type="datetimeFigureOut">
               <a:rPr lang="fr-FR" smtClean="0"/>
-              <a:t>13/12/2023</a:t>
+              <a:t>14/12/2023</a:t>
             </a:fld>
             <a:endParaRPr lang="fr-FR"/>
           </a:p>
@@ -910,7 +914,7 @@
           <a:p>
             <a:fld id="{6AD61AA8-A60B-4213-843B-33CCD8DDD4AE}" type="datetimeFigureOut">
               <a:rPr lang="fr-FR" smtClean="0"/>
-              <a:t>13/12/2023</a:t>
+              <a:t>14/12/2023</a:t>
             </a:fld>
             <a:endParaRPr lang="fr-FR"/>
           </a:p>
@@ -1185,7 +1189,7 @@
           <a:p>
             <a:fld id="{6AD61AA8-A60B-4213-843B-33CCD8DDD4AE}" type="datetimeFigureOut">
               <a:rPr lang="fr-FR" smtClean="0"/>
-              <a:t>13/12/2023</a:t>
+              <a:t>14/12/2023</a:t>
             </a:fld>
             <a:endParaRPr lang="fr-FR"/>
           </a:p>
@@ -1450,7 +1454,7 @@
           <a:p>
             <a:fld id="{6AD61AA8-A60B-4213-843B-33CCD8DDD4AE}" type="datetimeFigureOut">
               <a:rPr lang="fr-FR" smtClean="0"/>
-              <a:t>13/12/2023</a:t>
+              <a:t>14/12/2023</a:t>
             </a:fld>
             <a:endParaRPr lang="fr-FR"/>
           </a:p>
@@ -1862,7 +1866,7 @@
           <a:p>
             <a:fld id="{6AD61AA8-A60B-4213-843B-33CCD8DDD4AE}" type="datetimeFigureOut">
               <a:rPr lang="fr-FR" smtClean="0"/>
-              <a:t>13/12/2023</a:t>
+              <a:t>14/12/2023</a:t>
             </a:fld>
             <a:endParaRPr lang="fr-FR"/>
           </a:p>
@@ -2003,7 +2007,7 @@
           <a:p>
             <a:fld id="{6AD61AA8-A60B-4213-843B-33CCD8DDD4AE}" type="datetimeFigureOut">
               <a:rPr lang="fr-FR" smtClean="0"/>
-              <a:t>13/12/2023</a:t>
+              <a:t>14/12/2023</a:t>
             </a:fld>
             <a:endParaRPr lang="fr-FR"/>
           </a:p>
@@ -2116,7 +2120,7 @@
           <a:p>
             <a:fld id="{6AD61AA8-A60B-4213-843B-33CCD8DDD4AE}" type="datetimeFigureOut">
               <a:rPr lang="fr-FR" smtClean="0"/>
-              <a:t>13/12/2023</a:t>
+              <a:t>14/12/2023</a:t>
             </a:fld>
             <a:endParaRPr lang="fr-FR"/>
           </a:p>
@@ -2427,7 +2431,7 @@
           <a:p>
             <a:fld id="{6AD61AA8-A60B-4213-843B-33CCD8DDD4AE}" type="datetimeFigureOut">
               <a:rPr lang="fr-FR" smtClean="0"/>
-              <a:t>13/12/2023</a:t>
+              <a:t>14/12/2023</a:t>
             </a:fld>
             <a:endParaRPr lang="fr-FR"/>
           </a:p>
@@ -2715,7 +2719,7 @@
           <a:p>
             <a:fld id="{6AD61AA8-A60B-4213-843B-33CCD8DDD4AE}" type="datetimeFigureOut">
               <a:rPr lang="fr-FR" smtClean="0"/>
-              <a:t>13/12/2023</a:t>
+              <a:t>14/12/2023</a:t>
             </a:fld>
             <a:endParaRPr lang="fr-FR"/>
           </a:p>
@@ -2956,7 +2960,7 @@
           <a:p>
             <a:fld id="{6AD61AA8-A60B-4213-843B-33CCD8DDD4AE}" type="datetimeFigureOut">
               <a:rPr lang="fr-FR" smtClean="0"/>
-              <a:t>13/12/2023</a:t>
+              <a:t>14/12/2023</a:t>
             </a:fld>
             <a:endParaRPr lang="fr-FR"/>
           </a:p>
@@ -13558,6 +13562,198 @@
 </p:sld>
 </file>
 
+<file path=ppt/slides/slide49.xml><?xml version="1.0" encoding="utf-8"?>
+<p:sld xmlns:a="http://schemas.openxmlformats.org/drawingml/2006/main" xmlns:r="http://schemas.openxmlformats.org/officeDocument/2006/relationships" xmlns:p="http://schemas.openxmlformats.org/presentationml/2006/main">
+  <p:cSld>
+    <p:spTree>
+      <p:nvGrpSpPr>
+        <p:cNvPr id="1" name=""/>
+        <p:cNvGrpSpPr/>
+        <p:nvPr/>
+      </p:nvGrpSpPr>
+      <p:grpSpPr>
+        <a:xfrm>
+          <a:off x="0" y="0"/>
+          <a:ext cx="0" cy="0"/>
+          <a:chOff x="0" y="0"/>
+          <a:chExt cx="0" cy="0"/>
+        </a:xfrm>
+      </p:grpSpPr>
+      <p:sp>
+        <p:nvSpPr>
+          <p:cNvPr id="3" name="Titre 1">
+            <a:extLst>
+              <a:ext uri="{FF2B5EF4-FFF2-40B4-BE49-F238E27FC236}">
+                <a16:creationId xmlns:a16="http://schemas.microsoft.com/office/drawing/2014/main" id="{E7373E66-041F-37D5-0ADF-25BA87ABC979}"/>
+              </a:ext>
+            </a:extLst>
+          </p:cNvPr>
+          <p:cNvSpPr>
+            <a:spLocks noGrp="1"/>
+          </p:cNvSpPr>
+          <p:nvPr>
+            <p:ph type="title"/>
+          </p:nvPr>
+        </p:nvSpPr>
+        <p:spPr>
+          <a:xfrm>
+            <a:off x="1097280" y="286603"/>
+            <a:ext cx="10058400" cy="1450757"/>
+          </a:xfrm>
+        </p:spPr>
+        <p:txBody>
+          <a:bodyPr>
+            <a:normAutofit/>
+          </a:bodyPr>
+          <a:lstStyle/>
+          <a:p>
+            <a:r>
+              <a:rPr lang="fr-FR" dirty="0"/>
+              <a:t>V- Les chaînes de caractères </a:t>
+            </a:r>
+            <a:br>
+              <a:rPr lang="fr-FR" dirty="0"/>
+            </a:br>
+            <a:r>
+              <a:rPr lang="fr-FR" dirty="0"/>
+              <a:t>	</a:t>
+            </a:r>
+            <a:r>
+              <a:rPr lang="fr-FR" sz="3600" i="1" dirty="0"/>
+              <a:t>  1. Les méthodes</a:t>
+            </a:r>
+            <a:endParaRPr lang="fr-FR" sz="3600" i="1" dirty="0">
+              <a:solidFill>
+                <a:srgbClr val="FF0000"/>
+              </a:solidFill>
+            </a:endParaRPr>
+          </a:p>
+        </p:txBody>
+      </p:sp>
+      <p:sp>
+        <p:nvSpPr>
+          <p:cNvPr id="2" name="ZoneTexte 1">
+            <a:extLst>
+              <a:ext uri="{FF2B5EF4-FFF2-40B4-BE49-F238E27FC236}">
+                <a16:creationId xmlns:a16="http://schemas.microsoft.com/office/drawing/2014/main" id="{DE23EA51-0F50-6923-9A32-BDF28BDCF763}"/>
+              </a:ext>
+            </a:extLst>
+          </p:cNvPr>
+          <p:cNvSpPr txBox="1"/>
+          <p:nvPr/>
+        </p:nvSpPr>
+        <p:spPr>
+          <a:xfrm>
+            <a:off x="1331053" y="2818701"/>
+            <a:ext cx="9529894" cy="2585323"/>
+          </a:xfrm>
+          <a:prstGeom prst="rect">
+            <a:avLst/>
+          </a:prstGeom>
+          <a:noFill/>
+        </p:spPr>
+        <p:txBody>
+          <a:bodyPr wrap="square" rtlCol="0">
+            <a:spAutoFit/>
+          </a:bodyPr>
+          <a:lstStyle/>
+          <a:p>
+            <a:r>
+              <a:rPr lang="fr-FR" sz="2400" dirty="0"/>
+              <a:t>Les méthodes pour les chaînes de caractères ressemble beaucoup aux méthodes pour les tableaux et ceci pour deux raisons :</a:t>
+            </a:r>
+          </a:p>
+          <a:p>
+            <a:endParaRPr lang="fr-FR" sz="2400" dirty="0"/>
+          </a:p>
+          <a:p>
+            <a:pPr marL="285750" indent="-285750">
+              <a:buFont typeface="Arial" panose="020B0604020202020204" pitchFamily="34" charset="0"/>
+              <a:buChar char="•"/>
+            </a:pPr>
+            <a:r>
+              <a:rPr lang="fr-FR" sz="2400" dirty="0"/>
+              <a:t>Les chaînes de caractères sont des tableaux d'éléments. </a:t>
+            </a:r>
+          </a:p>
+          <a:p>
+            <a:endParaRPr lang="fr-FR" sz="2400" dirty="0"/>
+          </a:p>
+          <a:p>
+            <a:pPr marL="285750" indent="-285750">
+              <a:buFont typeface="Arial" panose="020B0604020202020204" pitchFamily="34" charset="0"/>
+              <a:buChar char="•"/>
+            </a:pPr>
+            <a:r>
+              <a:rPr lang="fr-FR" sz="2400" dirty="0"/>
+              <a:t>Les chaines de caractères et les tableaux sont itérables.</a:t>
+            </a:r>
+          </a:p>
+          <a:p>
+            <a:endParaRPr lang="fr-FR" dirty="0"/>
+          </a:p>
+        </p:txBody>
+      </p:sp>
+      <p:pic>
+        <p:nvPicPr>
+          <p:cNvPr id="4" name="Picture 12" descr="JavaScript Logo et symbole, sens, histoire, PNG, marque">
+            <a:extLst>
+              <a:ext uri="{FF2B5EF4-FFF2-40B4-BE49-F238E27FC236}">
+                <a16:creationId xmlns:a16="http://schemas.microsoft.com/office/drawing/2014/main" id="{977778CE-1DCB-4FDF-25BA-17A0CD2A3C0D}"/>
+              </a:ext>
+            </a:extLst>
+          </p:cNvPr>
+          <p:cNvPicPr>
+            <a:picLocks noChangeAspect="1" noChangeArrowheads="1"/>
+          </p:cNvPicPr>
+          <p:nvPr/>
+        </p:nvPicPr>
+        <p:blipFill>
+          <a:blip r:embed="rId2">
+            <a:extLst>
+              <a:ext uri="{28A0092B-C50C-407E-A947-70E740481C1C}">
+                <a14:useLocalDpi xmlns:a14="http://schemas.microsoft.com/office/drawing/2010/main" val="0"/>
+              </a:ext>
+            </a:extLst>
+          </a:blip>
+          <a:srcRect/>
+          <a:stretch>
+            <a:fillRect/>
+          </a:stretch>
+        </p:blipFill>
+        <p:spPr bwMode="auto">
+          <a:xfrm>
+            <a:off x="10380582" y="286603"/>
+            <a:ext cx="1550195" cy="876779"/>
+          </a:xfrm>
+          <a:prstGeom prst="rect">
+            <a:avLst/>
+          </a:prstGeom>
+          <a:noFill/>
+          <a:extLst>
+            <a:ext uri="{909E8E84-426E-40DD-AFC4-6F175D3DCCD1}">
+              <a14:hiddenFill xmlns:a14="http://schemas.microsoft.com/office/drawing/2010/main">
+                <a:solidFill>
+                  <a:srgbClr val="FFFFFF"/>
+                </a:solidFill>
+              </a14:hiddenFill>
+            </a:ext>
+          </a:extLst>
+        </p:spPr>
+      </p:pic>
+    </p:spTree>
+    <p:extLst>
+      <p:ext uri="{BB962C8B-B14F-4D97-AF65-F5344CB8AC3E}">
+        <p14:creationId xmlns:p14="http://schemas.microsoft.com/office/powerpoint/2010/main" val="3850060390"/>
+      </p:ext>
+    </p:extLst>
+  </p:cSld>
+  <p:clrMapOvr>
+    <a:masterClrMapping/>
+  </p:clrMapOvr>
+</p:sld>
+</file>
+
 <file path=ppt/slides/slide5.xml><?xml version="1.0" encoding="utf-8"?>
 <p:sld xmlns:a="http://schemas.openxmlformats.org/drawingml/2006/main" xmlns:r="http://schemas.openxmlformats.org/officeDocument/2006/relationships" xmlns:p="http://schemas.openxmlformats.org/presentationml/2006/main">
   <p:cSld>
@@ -13776,6 +13972,881 @@
     <p:extLst>
       <p:ext uri="{BB962C8B-B14F-4D97-AF65-F5344CB8AC3E}">
         <p14:creationId xmlns:p14="http://schemas.microsoft.com/office/powerpoint/2010/main" val="257164865"/>
+      </p:ext>
+    </p:extLst>
+  </p:cSld>
+  <p:clrMapOvr>
+    <a:masterClrMapping/>
+  </p:clrMapOvr>
+</p:sld>
+</file>
+
+<file path=ppt/slides/slide50.xml><?xml version="1.0" encoding="utf-8"?>
+<p:sld xmlns:a="http://schemas.openxmlformats.org/drawingml/2006/main" xmlns:r="http://schemas.openxmlformats.org/officeDocument/2006/relationships" xmlns:p="http://schemas.openxmlformats.org/presentationml/2006/main">
+  <p:cSld>
+    <p:spTree>
+      <p:nvGrpSpPr>
+        <p:cNvPr id="1" name=""/>
+        <p:cNvGrpSpPr/>
+        <p:nvPr/>
+      </p:nvGrpSpPr>
+      <p:grpSpPr>
+        <a:xfrm>
+          <a:off x="0" y="0"/>
+          <a:ext cx="0" cy="0"/>
+          <a:chOff x="0" y="0"/>
+          <a:chExt cx="0" cy="0"/>
+        </a:xfrm>
+      </p:grpSpPr>
+      <p:sp>
+        <p:nvSpPr>
+          <p:cNvPr id="3" name="Titre 1">
+            <a:extLst>
+              <a:ext uri="{FF2B5EF4-FFF2-40B4-BE49-F238E27FC236}">
+                <a16:creationId xmlns:a16="http://schemas.microsoft.com/office/drawing/2014/main" id="{E7373E66-041F-37D5-0ADF-25BA87ABC979}"/>
+              </a:ext>
+            </a:extLst>
+          </p:cNvPr>
+          <p:cNvSpPr>
+            <a:spLocks noGrp="1"/>
+          </p:cNvSpPr>
+          <p:nvPr>
+            <p:ph type="title"/>
+          </p:nvPr>
+        </p:nvSpPr>
+        <p:spPr>
+          <a:xfrm>
+            <a:off x="1097280" y="286603"/>
+            <a:ext cx="10058400" cy="1450757"/>
+          </a:xfrm>
+        </p:spPr>
+        <p:txBody>
+          <a:bodyPr>
+            <a:normAutofit/>
+          </a:bodyPr>
+          <a:lstStyle/>
+          <a:p>
+            <a:r>
+              <a:rPr lang="fr-FR" dirty="0"/>
+              <a:t>V- Les chaînes de caractères </a:t>
+            </a:r>
+            <a:br>
+              <a:rPr lang="fr-FR" dirty="0"/>
+            </a:br>
+            <a:r>
+              <a:rPr lang="fr-FR" dirty="0"/>
+              <a:t>	</a:t>
+            </a:r>
+            <a:r>
+              <a:rPr lang="fr-FR" sz="3600" i="1" dirty="0"/>
+              <a:t>  1. Les méthodes</a:t>
+            </a:r>
+            <a:endParaRPr lang="fr-FR" sz="3600" i="1" dirty="0">
+              <a:solidFill>
+                <a:srgbClr val="FF0000"/>
+              </a:solidFill>
+            </a:endParaRPr>
+          </a:p>
+        </p:txBody>
+      </p:sp>
+      <p:sp>
+        <p:nvSpPr>
+          <p:cNvPr id="2" name="ZoneTexte 1">
+            <a:extLst>
+              <a:ext uri="{FF2B5EF4-FFF2-40B4-BE49-F238E27FC236}">
+                <a16:creationId xmlns:a16="http://schemas.microsoft.com/office/drawing/2014/main" id="{DE23EA51-0F50-6923-9A32-BDF28BDCF763}"/>
+              </a:ext>
+            </a:extLst>
+          </p:cNvPr>
+          <p:cNvSpPr txBox="1"/>
+          <p:nvPr/>
+        </p:nvSpPr>
+        <p:spPr>
+          <a:xfrm>
+            <a:off x="2894202" y="1946246"/>
+            <a:ext cx="9529894" cy="4770537"/>
+          </a:xfrm>
+          <a:prstGeom prst="rect">
+            <a:avLst/>
+          </a:prstGeom>
+          <a:noFill/>
+        </p:spPr>
+        <p:txBody>
+          <a:bodyPr wrap="square" rtlCol="0">
+            <a:spAutoFit/>
+          </a:bodyPr>
+          <a:lstStyle/>
+          <a:p>
+            <a:r>
+              <a:rPr lang="fr-FR" sz="2000" b="1" dirty="0" err="1"/>
+              <a:t>charCodeAt</a:t>
+            </a:r>
+            <a:r>
+              <a:rPr lang="fr-FR" sz="2000" b="1" dirty="0"/>
+              <a:t>() </a:t>
+            </a:r>
+            <a:r>
+              <a:rPr lang="fr-FR" dirty="0"/>
+              <a:t>: Renvoi </a:t>
+            </a:r>
+            <a:r>
+              <a:rPr lang="fr-FR" dirty="0" err="1"/>
+              <a:t>l’unicode</a:t>
+            </a:r>
+            <a:r>
+              <a:rPr lang="fr-FR" dirty="0"/>
+              <a:t> du caractère</a:t>
+            </a:r>
+          </a:p>
+          <a:p>
+            <a:r>
+              <a:rPr lang="fr-FR" dirty="0"/>
+              <a:t> </a:t>
+            </a:r>
+          </a:p>
+          <a:p>
+            <a:r>
+              <a:rPr lang="fr-FR" sz="2000" b="1" dirty="0" err="1"/>
+              <a:t>Includes</a:t>
+            </a:r>
+            <a:r>
+              <a:rPr lang="fr-FR" sz="2000" b="1" dirty="0"/>
+              <a:t>() </a:t>
+            </a:r>
+            <a:r>
+              <a:rPr lang="fr-FR" dirty="0"/>
+              <a:t>: Renvoi un booléen, vérifie la présence d’un caractère</a:t>
+            </a:r>
+          </a:p>
+          <a:p>
+            <a:r>
+              <a:rPr lang="fr-FR" dirty="0"/>
+              <a:t> </a:t>
+            </a:r>
+          </a:p>
+          <a:p>
+            <a:r>
+              <a:rPr lang="fr-FR" sz="2000" b="1" dirty="0" err="1"/>
+              <a:t>indexOf</a:t>
+            </a:r>
+            <a:r>
+              <a:rPr lang="fr-FR" sz="2000" b="1" dirty="0"/>
+              <a:t>() : </a:t>
+            </a:r>
+            <a:r>
+              <a:rPr lang="fr-FR" dirty="0"/>
+              <a:t>Renvoi l’index d’un caractère</a:t>
+            </a:r>
+          </a:p>
+          <a:p>
+            <a:r>
+              <a:rPr lang="fr-FR" dirty="0"/>
+              <a:t> </a:t>
+            </a:r>
+          </a:p>
+          <a:p>
+            <a:r>
+              <a:rPr lang="fr-FR" sz="2000" b="1" dirty="0" err="1"/>
+              <a:t>Length</a:t>
+            </a:r>
+            <a:r>
+              <a:rPr lang="fr-FR" sz="2000" b="1" dirty="0"/>
+              <a:t> </a:t>
+            </a:r>
+            <a:r>
+              <a:rPr lang="fr-FR" dirty="0"/>
+              <a:t>: renvoi la longueur de la chaîne </a:t>
+            </a:r>
+          </a:p>
+          <a:p>
+            <a:endParaRPr lang="fr-FR" dirty="0"/>
+          </a:p>
+          <a:p>
+            <a:pPr marL="0" algn="l" rtl="0" eaLnBrk="1" latinLnBrk="0" hangingPunct="1">
+              <a:spcBef>
+                <a:spcPts val="0"/>
+              </a:spcBef>
+              <a:spcAft>
+                <a:spcPts val="0"/>
+              </a:spcAft>
+            </a:pPr>
+            <a:r>
+              <a:rPr lang="fr-FR" sz="2000" b="1" dirty="0"/>
+              <a:t>Replace() </a:t>
+            </a:r>
+            <a:r>
+              <a:rPr lang="fr-FR" sz="1800" kern="1200" dirty="0">
+                <a:solidFill>
+                  <a:srgbClr val="000000"/>
+                </a:solidFill>
+                <a:effectLst/>
+                <a:latin typeface="Franklin Gothic Book" panose="020B0503020102020204" pitchFamily="34" charset="0"/>
+                <a:ea typeface="+mn-ea"/>
+                <a:cs typeface="+mn-cs"/>
+              </a:rPr>
+              <a:t>: remplace un caractère par un autre </a:t>
+            </a:r>
+          </a:p>
+          <a:p>
+            <a:pPr marL="0" algn="l" rtl="0" eaLnBrk="1" latinLnBrk="0" hangingPunct="1">
+              <a:spcBef>
+                <a:spcPts val="0"/>
+              </a:spcBef>
+              <a:spcAft>
+                <a:spcPts val="0"/>
+              </a:spcAft>
+            </a:pPr>
+            <a:endParaRPr lang="fr-FR" dirty="0">
+              <a:effectLst/>
+            </a:endParaRPr>
+          </a:p>
+          <a:p>
+            <a:pPr marL="0" algn="l" rtl="0" eaLnBrk="1" latinLnBrk="0" hangingPunct="1">
+              <a:spcBef>
+                <a:spcPts val="0"/>
+              </a:spcBef>
+              <a:spcAft>
+                <a:spcPts val="0"/>
+              </a:spcAft>
+            </a:pPr>
+            <a:r>
+              <a:rPr lang="fr-FR" sz="2000" b="1" dirty="0"/>
+              <a:t>Slice() </a:t>
+            </a:r>
+            <a:r>
+              <a:rPr lang="fr-FR" sz="1800" kern="1200" dirty="0">
+                <a:solidFill>
+                  <a:srgbClr val="000000"/>
+                </a:solidFill>
+                <a:effectLst/>
+                <a:latin typeface="Franklin Gothic Book" panose="020B0503020102020204" pitchFamily="34" charset="0"/>
+                <a:ea typeface="+mn-ea"/>
+                <a:cs typeface="+mn-cs"/>
+              </a:rPr>
+              <a:t>:Renvoi une partie de la chaîne </a:t>
+            </a:r>
+          </a:p>
+          <a:p>
+            <a:pPr marL="0" algn="l" rtl="0" eaLnBrk="1" latinLnBrk="0" hangingPunct="1">
+              <a:spcBef>
+                <a:spcPts val="0"/>
+              </a:spcBef>
+              <a:spcAft>
+                <a:spcPts val="0"/>
+              </a:spcAft>
+            </a:pPr>
+            <a:endParaRPr lang="fr-FR" dirty="0">
+              <a:effectLst/>
+            </a:endParaRPr>
+          </a:p>
+          <a:p>
+            <a:pPr marL="0" algn="l" rtl="0" eaLnBrk="1" latinLnBrk="0" hangingPunct="1">
+              <a:spcBef>
+                <a:spcPts val="0"/>
+              </a:spcBef>
+              <a:spcAft>
+                <a:spcPts val="0"/>
+              </a:spcAft>
+            </a:pPr>
+            <a:r>
+              <a:rPr lang="fr-FR" sz="2000" b="1" dirty="0"/>
+              <a:t>Split() </a:t>
+            </a:r>
+            <a:r>
+              <a:rPr lang="fr-FR" sz="1800" kern="1200" dirty="0">
+                <a:solidFill>
+                  <a:srgbClr val="000000"/>
+                </a:solidFill>
+                <a:effectLst/>
+                <a:latin typeface="Franklin Gothic Book" panose="020B0503020102020204" pitchFamily="34" charset="0"/>
+                <a:ea typeface="+mn-ea"/>
+                <a:cs typeface="+mn-cs"/>
+              </a:rPr>
+              <a:t>: Transforme une chaîne en tableau </a:t>
+            </a:r>
+          </a:p>
+          <a:p>
+            <a:pPr marL="0" algn="l" rtl="0" eaLnBrk="1" latinLnBrk="0" hangingPunct="1">
+              <a:spcBef>
+                <a:spcPts val="0"/>
+              </a:spcBef>
+              <a:spcAft>
+                <a:spcPts val="0"/>
+              </a:spcAft>
+            </a:pPr>
+            <a:endParaRPr lang="fr-FR" dirty="0">
+              <a:effectLst/>
+            </a:endParaRPr>
+          </a:p>
+          <a:p>
+            <a:pPr marL="0" algn="l" rtl="0" eaLnBrk="1" latinLnBrk="0" hangingPunct="1">
+              <a:spcBef>
+                <a:spcPts val="0"/>
+              </a:spcBef>
+              <a:spcAft>
+                <a:spcPts val="0"/>
+              </a:spcAft>
+            </a:pPr>
+            <a:r>
+              <a:rPr lang="fr-FR" sz="2000" b="1" dirty="0" err="1"/>
+              <a:t>Concat</a:t>
+            </a:r>
+            <a:r>
+              <a:rPr lang="fr-FR" sz="2000" b="1" dirty="0"/>
+              <a:t>() </a:t>
+            </a:r>
+            <a:r>
+              <a:rPr lang="fr-FR" sz="1800" kern="1200" dirty="0">
+                <a:solidFill>
+                  <a:srgbClr val="000000"/>
+                </a:solidFill>
+                <a:effectLst/>
+                <a:latin typeface="Franklin Gothic Book" panose="020B0503020102020204" pitchFamily="34" charset="0"/>
+                <a:ea typeface="+mn-ea"/>
+                <a:cs typeface="+mn-cs"/>
+              </a:rPr>
+              <a:t>: concatène deux chaînes de caractères.</a:t>
+            </a:r>
+            <a:endParaRPr lang="fr-FR" dirty="0">
+              <a:effectLst/>
+            </a:endParaRPr>
+          </a:p>
+          <a:p>
+            <a:endParaRPr lang="fr-FR" dirty="0"/>
+          </a:p>
+        </p:txBody>
+      </p:sp>
+      <p:pic>
+        <p:nvPicPr>
+          <p:cNvPr id="4" name="Picture 12" descr="JavaScript Logo et symbole, sens, histoire, PNG, marque">
+            <a:extLst>
+              <a:ext uri="{FF2B5EF4-FFF2-40B4-BE49-F238E27FC236}">
+                <a16:creationId xmlns:a16="http://schemas.microsoft.com/office/drawing/2014/main" id="{1E430D01-3CC2-CC23-45EB-A198AC305FF3}"/>
+              </a:ext>
+            </a:extLst>
+          </p:cNvPr>
+          <p:cNvPicPr>
+            <a:picLocks noChangeAspect="1" noChangeArrowheads="1"/>
+          </p:cNvPicPr>
+          <p:nvPr/>
+        </p:nvPicPr>
+        <p:blipFill>
+          <a:blip r:embed="rId2">
+            <a:extLst>
+              <a:ext uri="{28A0092B-C50C-407E-A947-70E740481C1C}">
+                <a14:useLocalDpi xmlns:a14="http://schemas.microsoft.com/office/drawing/2010/main" val="0"/>
+              </a:ext>
+            </a:extLst>
+          </a:blip>
+          <a:srcRect/>
+          <a:stretch>
+            <a:fillRect/>
+          </a:stretch>
+        </p:blipFill>
+        <p:spPr bwMode="auto">
+          <a:xfrm>
+            <a:off x="10380582" y="286603"/>
+            <a:ext cx="1550195" cy="876779"/>
+          </a:xfrm>
+          <a:prstGeom prst="rect">
+            <a:avLst/>
+          </a:prstGeom>
+          <a:noFill/>
+          <a:extLst>
+            <a:ext uri="{909E8E84-426E-40DD-AFC4-6F175D3DCCD1}">
+              <a14:hiddenFill xmlns:a14="http://schemas.microsoft.com/office/drawing/2010/main">
+                <a:solidFill>
+                  <a:srgbClr val="FFFFFF"/>
+                </a:solidFill>
+              </a14:hiddenFill>
+            </a:ext>
+          </a:extLst>
+        </p:spPr>
+      </p:pic>
+    </p:spTree>
+    <p:extLst>
+      <p:ext uri="{BB962C8B-B14F-4D97-AF65-F5344CB8AC3E}">
+        <p14:creationId xmlns:p14="http://schemas.microsoft.com/office/powerpoint/2010/main" val="2190112141"/>
+      </p:ext>
+    </p:extLst>
+  </p:cSld>
+  <p:clrMapOvr>
+    <a:masterClrMapping/>
+  </p:clrMapOvr>
+</p:sld>
+</file>
+
+<file path=ppt/slides/slide51.xml><?xml version="1.0" encoding="utf-8"?>
+<p:sld xmlns:a="http://schemas.openxmlformats.org/drawingml/2006/main" xmlns:r="http://schemas.openxmlformats.org/officeDocument/2006/relationships" xmlns:p="http://schemas.openxmlformats.org/presentationml/2006/main">
+  <p:cSld>
+    <p:spTree>
+      <p:nvGrpSpPr>
+        <p:cNvPr id="1" name=""/>
+        <p:cNvGrpSpPr/>
+        <p:nvPr/>
+      </p:nvGrpSpPr>
+      <p:grpSpPr>
+        <a:xfrm>
+          <a:off x="0" y="0"/>
+          <a:ext cx="0" cy="0"/>
+          <a:chOff x="0" y="0"/>
+          <a:chExt cx="0" cy="0"/>
+        </a:xfrm>
+      </p:grpSpPr>
+      <p:sp>
+        <p:nvSpPr>
+          <p:cNvPr id="3" name="Titre 1">
+            <a:extLst>
+              <a:ext uri="{FF2B5EF4-FFF2-40B4-BE49-F238E27FC236}">
+                <a16:creationId xmlns:a16="http://schemas.microsoft.com/office/drawing/2014/main" id="{E7373E66-041F-37D5-0ADF-25BA87ABC979}"/>
+              </a:ext>
+            </a:extLst>
+          </p:cNvPr>
+          <p:cNvSpPr>
+            <a:spLocks noGrp="1"/>
+          </p:cNvSpPr>
+          <p:nvPr>
+            <p:ph type="title"/>
+          </p:nvPr>
+        </p:nvSpPr>
+        <p:spPr>
+          <a:xfrm>
+            <a:off x="1097280" y="286603"/>
+            <a:ext cx="10058400" cy="1450757"/>
+          </a:xfrm>
+        </p:spPr>
+        <p:txBody>
+          <a:bodyPr>
+            <a:normAutofit/>
+          </a:bodyPr>
+          <a:lstStyle/>
+          <a:p>
+            <a:r>
+              <a:rPr lang="fr-FR" dirty="0"/>
+              <a:t>V- Les chaînes de caractères </a:t>
+            </a:r>
+            <a:br>
+              <a:rPr lang="fr-FR" dirty="0"/>
+            </a:br>
+            <a:r>
+              <a:rPr lang="fr-FR" dirty="0"/>
+              <a:t>	</a:t>
+            </a:r>
+            <a:r>
+              <a:rPr lang="fr-FR" sz="3600" i="1" dirty="0"/>
+              <a:t>  2. Les REGEX (expression rationnelle)</a:t>
+            </a:r>
+          </a:p>
+        </p:txBody>
+      </p:sp>
+      <p:sp>
+        <p:nvSpPr>
+          <p:cNvPr id="2" name="ZoneTexte 1">
+            <a:extLst>
+              <a:ext uri="{FF2B5EF4-FFF2-40B4-BE49-F238E27FC236}">
+                <a16:creationId xmlns:a16="http://schemas.microsoft.com/office/drawing/2014/main" id="{42E06B71-584A-C4A1-D8CA-B5BCA97AD163}"/>
+              </a:ext>
+            </a:extLst>
+          </p:cNvPr>
+          <p:cNvSpPr txBox="1"/>
+          <p:nvPr/>
+        </p:nvSpPr>
+        <p:spPr>
+          <a:xfrm>
+            <a:off x="1602297" y="2164360"/>
+            <a:ext cx="9051721" cy="369332"/>
+          </a:xfrm>
+          <a:prstGeom prst="rect">
+            <a:avLst/>
+          </a:prstGeom>
+          <a:noFill/>
+        </p:spPr>
+        <p:txBody>
+          <a:bodyPr wrap="square" rtlCol="0">
+            <a:spAutoFit/>
+          </a:bodyPr>
+          <a:lstStyle/>
+          <a:p>
+            <a:r>
+              <a:rPr lang="fr-FR" dirty="0"/>
+              <a:t>Les REGEX permettent de faire des vérifications sur des chaînes de caractère</a:t>
+            </a:r>
+          </a:p>
+        </p:txBody>
+      </p:sp>
+      <p:pic>
+        <p:nvPicPr>
+          <p:cNvPr id="5" name="Image 4">
+            <a:extLst>
+              <a:ext uri="{FF2B5EF4-FFF2-40B4-BE49-F238E27FC236}">
+                <a16:creationId xmlns:a16="http://schemas.microsoft.com/office/drawing/2014/main" id="{502ADD3C-CFB7-9749-C413-547348131F35}"/>
+              </a:ext>
+            </a:extLst>
+          </p:cNvPr>
+          <p:cNvPicPr>
+            <a:picLocks noChangeAspect="1"/>
+          </p:cNvPicPr>
+          <p:nvPr/>
+        </p:nvPicPr>
+        <p:blipFill>
+          <a:blip r:embed="rId2"/>
+          <a:stretch>
+            <a:fillRect/>
+          </a:stretch>
+        </p:blipFill>
+        <p:spPr>
+          <a:xfrm>
+            <a:off x="2495524" y="2707615"/>
+            <a:ext cx="6346471" cy="1851586"/>
+          </a:xfrm>
+          <a:prstGeom prst="rect">
+            <a:avLst/>
+          </a:prstGeom>
+        </p:spPr>
+      </p:pic>
+      <p:sp>
+        <p:nvSpPr>
+          <p:cNvPr id="7" name="ZoneTexte 6">
+            <a:extLst>
+              <a:ext uri="{FF2B5EF4-FFF2-40B4-BE49-F238E27FC236}">
+                <a16:creationId xmlns:a16="http://schemas.microsoft.com/office/drawing/2014/main" id="{E0567067-752E-065B-A0DD-FFDAE71902BC}"/>
+              </a:ext>
+            </a:extLst>
+          </p:cNvPr>
+          <p:cNvSpPr txBox="1"/>
+          <p:nvPr/>
+        </p:nvSpPr>
+        <p:spPr>
+          <a:xfrm>
+            <a:off x="192946" y="4874004"/>
+            <a:ext cx="11518085" cy="1077218"/>
+          </a:xfrm>
+          <a:prstGeom prst="rect">
+            <a:avLst/>
+          </a:prstGeom>
+          <a:noFill/>
+        </p:spPr>
+        <p:txBody>
+          <a:bodyPr wrap="square" rtlCol="0">
+            <a:spAutoFit/>
+          </a:bodyPr>
+          <a:lstStyle/>
+          <a:p>
+            <a:r>
+              <a:rPr lang="fr-FR" sz="1600" dirty="0"/>
+              <a:t>Voilà la structure que nous allons utiliser pour tester les regex:</a:t>
+            </a:r>
+          </a:p>
+          <a:p>
+            <a:pPr marL="285750" indent="-285750">
+              <a:buFont typeface="Arial" panose="020B0604020202020204" pitchFamily="34" charset="0"/>
+              <a:buChar char="•"/>
+            </a:pPr>
+            <a:r>
+              <a:rPr lang="fr-FR" sz="1600" dirty="0" err="1"/>
+              <a:t>Str</a:t>
+            </a:r>
+            <a:r>
+              <a:rPr lang="fr-FR" sz="1600" dirty="0"/>
+              <a:t>: contient la chaîne de caractère que nous allons tester. </a:t>
+            </a:r>
+          </a:p>
+          <a:p>
+            <a:pPr marL="285750" indent="-285750">
+              <a:buFont typeface="Arial" panose="020B0604020202020204" pitchFamily="34" charset="0"/>
+              <a:buChar char="•"/>
+            </a:pPr>
+            <a:r>
+              <a:rPr lang="fr-FR" sz="1600" dirty="0"/>
+              <a:t>Regex : contient l’expression rationnelle qui testera notre chaine, pour déclarer la regex il faut utiliser /</a:t>
+            </a:r>
+          </a:p>
+          <a:p>
+            <a:pPr marL="285750" indent="-285750">
+              <a:buFont typeface="Arial" panose="020B0604020202020204" pitchFamily="34" charset="0"/>
+              <a:buChar char="•"/>
+            </a:pPr>
+            <a:r>
+              <a:rPr lang="fr-FR" sz="1600" dirty="0"/>
+              <a:t>La méthode match nous permet d’effectuer une comparaison entre les règles données par la regex et la chaîne de caractère </a:t>
+            </a:r>
+          </a:p>
+        </p:txBody>
+      </p:sp>
+      <p:pic>
+        <p:nvPicPr>
+          <p:cNvPr id="4" name="Picture 12" descr="JavaScript Logo et symbole, sens, histoire, PNG, marque">
+            <a:extLst>
+              <a:ext uri="{FF2B5EF4-FFF2-40B4-BE49-F238E27FC236}">
+                <a16:creationId xmlns:a16="http://schemas.microsoft.com/office/drawing/2014/main" id="{D1A7B89F-9BC6-A936-9B1B-0B648E42A67A}"/>
+              </a:ext>
+            </a:extLst>
+          </p:cNvPr>
+          <p:cNvPicPr>
+            <a:picLocks noChangeAspect="1" noChangeArrowheads="1"/>
+          </p:cNvPicPr>
+          <p:nvPr/>
+        </p:nvPicPr>
+        <p:blipFill>
+          <a:blip r:embed="rId3">
+            <a:extLst>
+              <a:ext uri="{28A0092B-C50C-407E-A947-70E740481C1C}">
+                <a14:useLocalDpi xmlns:a14="http://schemas.microsoft.com/office/drawing/2010/main" val="0"/>
+              </a:ext>
+            </a:extLst>
+          </a:blip>
+          <a:srcRect/>
+          <a:stretch>
+            <a:fillRect/>
+          </a:stretch>
+        </p:blipFill>
+        <p:spPr bwMode="auto">
+          <a:xfrm>
+            <a:off x="10380582" y="286603"/>
+            <a:ext cx="1550195" cy="876779"/>
+          </a:xfrm>
+          <a:prstGeom prst="rect">
+            <a:avLst/>
+          </a:prstGeom>
+          <a:noFill/>
+          <a:extLst>
+            <a:ext uri="{909E8E84-426E-40DD-AFC4-6F175D3DCCD1}">
+              <a14:hiddenFill xmlns:a14="http://schemas.microsoft.com/office/drawing/2010/main">
+                <a:solidFill>
+                  <a:srgbClr val="FFFFFF"/>
+                </a:solidFill>
+              </a14:hiddenFill>
+            </a:ext>
+          </a:extLst>
+        </p:spPr>
+      </p:pic>
+    </p:spTree>
+    <p:extLst>
+      <p:ext uri="{BB962C8B-B14F-4D97-AF65-F5344CB8AC3E}">
+        <p14:creationId xmlns:p14="http://schemas.microsoft.com/office/powerpoint/2010/main" val="4294264586"/>
+      </p:ext>
+    </p:extLst>
+  </p:cSld>
+  <p:clrMapOvr>
+    <a:masterClrMapping/>
+  </p:clrMapOvr>
+</p:sld>
+</file>
+
+<file path=ppt/slides/slide52.xml><?xml version="1.0" encoding="utf-8"?>
+<p:sld xmlns:a="http://schemas.openxmlformats.org/drawingml/2006/main" xmlns:r="http://schemas.openxmlformats.org/officeDocument/2006/relationships" xmlns:p="http://schemas.openxmlformats.org/presentationml/2006/main">
+  <p:cSld>
+    <p:spTree>
+      <p:nvGrpSpPr>
+        <p:cNvPr id="1" name=""/>
+        <p:cNvGrpSpPr/>
+        <p:nvPr/>
+      </p:nvGrpSpPr>
+      <p:grpSpPr>
+        <a:xfrm>
+          <a:off x="0" y="0"/>
+          <a:ext cx="0" cy="0"/>
+          <a:chOff x="0" y="0"/>
+          <a:chExt cx="0" cy="0"/>
+        </a:xfrm>
+      </p:grpSpPr>
+      <p:sp>
+        <p:nvSpPr>
+          <p:cNvPr id="3" name="Titre 1">
+            <a:extLst>
+              <a:ext uri="{FF2B5EF4-FFF2-40B4-BE49-F238E27FC236}">
+                <a16:creationId xmlns:a16="http://schemas.microsoft.com/office/drawing/2014/main" id="{E7373E66-041F-37D5-0ADF-25BA87ABC979}"/>
+              </a:ext>
+            </a:extLst>
+          </p:cNvPr>
+          <p:cNvSpPr>
+            <a:spLocks noGrp="1"/>
+          </p:cNvSpPr>
+          <p:nvPr>
+            <p:ph type="title"/>
+          </p:nvPr>
+        </p:nvSpPr>
+        <p:spPr>
+          <a:xfrm>
+            <a:off x="1097280" y="286603"/>
+            <a:ext cx="10058400" cy="1450757"/>
+          </a:xfrm>
+        </p:spPr>
+        <p:txBody>
+          <a:bodyPr>
+            <a:normAutofit/>
+          </a:bodyPr>
+          <a:lstStyle/>
+          <a:p>
+            <a:r>
+              <a:rPr lang="fr-FR" dirty="0"/>
+              <a:t>V- Les chaînes de caractères </a:t>
+            </a:r>
+            <a:br>
+              <a:rPr lang="fr-FR" dirty="0"/>
+            </a:br>
+            <a:r>
+              <a:rPr lang="fr-FR" dirty="0"/>
+              <a:t>	</a:t>
+            </a:r>
+            <a:r>
+              <a:rPr lang="fr-FR" sz="3600" i="1" dirty="0"/>
+              <a:t>  3. La méthode replace </a:t>
+            </a:r>
+          </a:p>
+        </p:txBody>
+      </p:sp>
+      <p:sp>
+        <p:nvSpPr>
+          <p:cNvPr id="2" name="ZoneTexte 1">
+            <a:extLst>
+              <a:ext uri="{FF2B5EF4-FFF2-40B4-BE49-F238E27FC236}">
+                <a16:creationId xmlns:a16="http://schemas.microsoft.com/office/drawing/2014/main" id="{42E06B71-584A-C4A1-D8CA-B5BCA97AD163}"/>
+              </a:ext>
+            </a:extLst>
+          </p:cNvPr>
+          <p:cNvSpPr txBox="1"/>
+          <p:nvPr/>
+        </p:nvSpPr>
+        <p:spPr>
+          <a:xfrm>
+            <a:off x="1600619" y="2524193"/>
+            <a:ext cx="9051721" cy="646331"/>
+          </a:xfrm>
+          <a:prstGeom prst="rect">
+            <a:avLst/>
+          </a:prstGeom>
+          <a:noFill/>
+        </p:spPr>
+        <p:txBody>
+          <a:bodyPr wrap="square" rtlCol="0">
+            <a:spAutoFit/>
+          </a:bodyPr>
+          <a:lstStyle/>
+          <a:p>
+            <a:r>
+              <a:rPr lang="fr-FR" dirty="0"/>
+              <a:t>Cette méthode permet de remplacer un élément d’une chaine de caractère, sélectionné par une expression rationnelle </a:t>
+            </a:r>
+          </a:p>
+        </p:txBody>
+      </p:sp>
+      <p:pic>
+        <p:nvPicPr>
+          <p:cNvPr id="6" name="Image 5">
+            <a:extLst>
+              <a:ext uri="{FF2B5EF4-FFF2-40B4-BE49-F238E27FC236}">
+                <a16:creationId xmlns:a16="http://schemas.microsoft.com/office/drawing/2014/main" id="{92DFDDC0-675C-9033-0C32-25E96805E8CB}"/>
+              </a:ext>
+            </a:extLst>
+          </p:cNvPr>
+          <p:cNvPicPr>
+            <a:picLocks noChangeAspect="1"/>
+          </p:cNvPicPr>
+          <p:nvPr/>
+        </p:nvPicPr>
+        <p:blipFill>
+          <a:blip r:embed="rId2"/>
+          <a:stretch>
+            <a:fillRect/>
+          </a:stretch>
+        </p:blipFill>
+        <p:spPr>
+          <a:xfrm>
+            <a:off x="2949865" y="4047310"/>
+            <a:ext cx="5209818" cy="646331"/>
+          </a:xfrm>
+          <a:prstGeom prst="rect">
+            <a:avLst/>
+          </a:prstGeom>
+        </p:spPr>
+      </p:pic>
+      <p:sp>
+        <p:nvSpPr>
+          <p:cNvPr id="8" name="ZoneTexte 7">
+            <a:extLst>
+              <a:ext uri="{FF2B5EF4-FFF2-40B4-BE49-F238E27FC236}">
+                <a16:creationId xmlns:a16="http://schemas.microsoft.com/office/drawing/2014/main" id="{8589B695-322D-EDFC-EA7A-8727DB07636D}"/>
+              </a:ext>
+            </a:extLst>
+          </p:cNvPr>
+          <p:cNvSpPr txBox="1"/>
+          <p:nvPr/>
+        </p:nvSpPr>
+        <p:spPr>
+          <a:xfrm>
+            <a:off x="2580749" y="5570427"/>
+            <a:ext cx="8011486" cy="369332"/>
+          </a:xfrm>
+          <a:prstGeom prst="rect">
+            <a:avLst/>
+          </a:prstGeom>
+          <a:noFill/>
+        </p:spPr>
+        <p:txBody>
+          <a:bodyPr wrap="square" rtlCol="0">
+            <a:spAutoFit/>
+          </a:bodyPr>
+          <a:lstStyle/>
+          <a:p>
+            <a:r>
+              <a:rPr lang="fr-FR" dirty="0"/>
+              <a:t>Dans cet exemple nous allons remplacer le premier a par un A</a:t>
+            </a:r>
+          </a:p>
+        </p:txBody>
+      </p:sp>
+      <p:pic>
+        <p:nvPicPr>
+          <p:cNvPr id="4" name="Picture 12" descr="JavaScript Logo et symbole, sens, histoire, PNG, marque">
+            <a:extLst>
+              <a:ext uri="{FF2B5EF4-FFF2-40B4-BE49-F238E27FC236}">
+                <a16:creationId xmlns:a16="http://schemas.microsoft.com/office/drawing/2014/main" id="{759B3E1E-788D-5F2F-5F1D-B8D9F5FB9AB2}"/>
+              </a:ext>
+            </a:extLst>
+          </p:cNvPr>
+          <p:cNvPicPr>
+            <a:picLocks noChangeAspect="1" noChangeArrowheads="1"/>
+          </p:cNvPicPr>
+          <p:nvPr/>
+        </p:nvPicPr>
+        <p:blipFill>
+          <a:blip r:embed="rId3">
+            <a:extLst>
+              <a:ext uri="{28A0092B-C50C-407E-A947-70E740481C1C}">
+                <a14:useLocalDpi xmlns:a14="http://schemas.microsoft.com/office/drawing/2010/main" val="0"/>
+              </a:ext>
+            </a:extLst>
+          </a:blip>
+          <a:srcRect/>
+          <a:stretch>
+            <a:fillRect/>
+          </a:stretch>
+        </p:blipFill>
+        <p:spPr bwMode="auto">
+          <a:xfrm>
+            <a:off x="10380582" y="286603"/>
+            <a:ext cx="1550195" cy="876779"/>
+          </a:xfrm>
+          <a:prstGeom prst="rect">
+            <a:avLst/>
+          </a:prstGeom>
+          <a:noFill/>
+          <a:extLst>
+            <a:ext uri="{909E8E84-426E-40DD-AFC4-6F175D3DCCD1}">
+              <a14:hiddenFill xmlns:a14="http://schemas.microsoft.com/office/drawing/2010/main">
+                <a:solidFill>
+                  <a:srgbClr val="FFFFFF"/>
+                </a:solidFill>
+              </a14:hiddenFill>
+            </a:ext>
+          </a:extLst>
+        </p:spPr>
+      </p:pic>
+    </p:spTree>
+    <p:extLst>
+      <p:ext uri="{BB962C8B-B14F-4D97-AF65-F5344CB8AC3E}">
+        <p14:creationId xmlns:p14="http://schemas.microsoft.com/office/powerpoint/2010/main" val="460061871"/>
       </p:ext>
     </p:extLst>
   </p:cSld>

--- a/cours.pptx
+++ b/cours.pptx
@@ -57,6 +57,20 @@
     <p:sldId id="391" r:id="rId51"/>
     <p:sldId id="361" r:id="rId52"/>
     <p:sldId id="362" r:id="rId53"/>
+    <p:sldId id="345" r:id="rId54"/>
+    <p:sldId id="326" r:id="rId55"/>
+    <p:sldId id="331" r:id="rId56"/>
+    <p:sldId id="341" r:id="rId57"/>
+    <p:sldId id="328" r:id="rId58"/>
+    <p:sldId id="327" r:id="rId59"/>
+    <p:sldId id="329" r:id="rId60"/>
+    <p:sldId id="333" r:id="rId61"/>
+    <p:sldId id="330" r:id="rId62"/>
+    <p:sldId id="332" r:id="rId63"/>
+    <p:sldId id="342" r:id="rId64"/>
+    <p:sldId id="343" r:id="rId65"/>
+    <p:sldId id="344" r:id="rId66"/>
+    <p:sldId id="392" r:id="rId67"/>
   </p:sldIdLst>
   <p:sldSz cx="12192000" cy="6858000"/>
   <p:notesSz cx="6858000" cy="9144000"/>
@@ -310,7 +324,7 @@
           <a:p>
             <a:fld id="{6AD61AA8-A60B-4213-843B-33CCD8DDD4AE}" type="datetimeFigureOut">
               <a:rPr lang="fr-FR" smtClean="0"/>
-              <a:t>14/12/2023</a:t>
+              <a:t>15/12/2023</a:t>
             </a:fld>
             <a:endParaRPr lang="fr-FR"/>
           </a:p>
@@ -508,7 +522,7 @@
           <a:p>
             <a:fld id="{6AD61AA8-A60B-4213-843B-33CCD8DDD4AE}" type="datetimeFigureOut">
               <a:rPr lang="fr-FR" smtClean="0"/>
-              <a:t>14/12/2023</a:t>
+              <a:t>15/12/2023</a:t>
             </a:fld>
             <a:endParaRPr lang="fr-FR"/>
           </a:p>
@@ -716,7 +730,7 @@
           <a:p>
             <a:fld id="{6AD61AA8-A60B-4213-843B-33CCD8DDD4AE}" type="datetimeFigureOut">
               <a:rPr lang="fr-FR" smtClean="0"/>
-              <a:t>14/12/2023</a:t>
+              <a:t>15/12/2023</a:t>
             </a:fld>
             <a:endParaRPr lang="fr-FR"/>
           </a:p>
@@ -914,7 +928,7 @@
           <a:p>
             <a:fld id="{6AD61AA8-A60B-4213-843B-33CCD8DDD4AE}" type="datetimeFigureOut">
               <a:rPr lang="fr-FR" smtClean="0"/>
-              <a:t>14/12/2023</a:t>
+              <a:t>15/12/2023</a:t>
             </a:fld>
             <a:endParaRPr lang="fr-FR"/>
           </a:p>
@@ -1189,7 +1203,7 @@
           <a:p>
             <a:fld id="{6AD61AA8-A60B-4213-843B-33CCD8DDD4AE}" type="datetimeFigureOut">
               <a:rPr lang="fr-FR" smtClean="0"/>
-              <a:t>14/12/2023</a:t>
+              <a:t>15/12/2023</a:t>
             </a:fld>
             <a:endParaRPr lang="fr-FR"/>
           </a:p>
@@ -1454,7 +1468,7 @@
           <a:p>
             <a:fld id="{6AD61AA8-A60B-4213-843B-33CCD8DDD4AE}" type="datetimeFigureOut">
               <a:rPr lang="fr-FR" smtClean="0"/>
-              <a:t>14/12/2023</a:t>
+              <a:t>15/12/2023</a:t>
             </a:fld>
             <a:endParaRPr lang="fr-FR"/>
           </a:p>
@@ -1866,7 +1880,7 @@
           <a:p>
             <a:fld id="{6AD61AA8-A60B-4213-843B-33CCD8DDD4AE}" type="datetimeFigureOut">
               <a:rPr lang="fr-FR" smtClean="0"/>
-              <a:t>14/12/2023</a:t>
+              <a:t>15/12/2023</a:t>
             </a:fld>
             <a:endParaRPr lang="fr-FR"/>
           </a:p>
@@ -2007,7 +2021,7 @@
           <a:p>
             <a:fld id="{6AD61AA8-A60B-4213-843B-33CCD8DDD4AE}" type="datetimeFigureOut">
               <a:rPr lang="fr-FR" smtClean="0"/>
-              <a:t>14/12/2023</a:t>
+              <a:t>15/12/2023</a:t>
             </a:fld>
             <a:endParaRPr lang="fr-FR"/>
           </a:p>
@@ -2120,7 +2134,7 @@
           <a:p>
             <a:fld id="{6AD61AA8-A60B-4213-843B-33CCD8DDD4AE}" type="datetimeFigureOut">
               <a:rPr lang="fr-FR" smtClean="0"/>
-              <a:t>14/12/2023</a:t>
+              <a:t>15/12/2023</a:t>
             </a:fld>
             <a:endParaRPr lang="fr-FR"/>
           </a:p>
@@ -2431,7 +2445,7 @@
           <a:p>
             <a:fld id="{6AD61AA8-A60B-4213-843B-33CCD8DDD4AE}" type="datetimeFigureOut">
               <a:rPr lang="fr-FR" smtClean="0"/>
-              <a:t>14/12/2023</a:t>
+              <a:t>15/12/2023</a:t>
             </a:fld>
             <a:endParaRPr lang="fr-FR"/>
           </a:p>
@@ -2719,7 +2733,7 @@
           <a:p>
             <a:fld id="{6AD61AA8-A60B-4213-843B-33CCD8DDD4AE}" type="datetimeFigureOut">
               <a:rPr lang="fr-FR" smtClean="0"/>
-              <a:t>14/12/2023</a:t>
+              <a:t>15/12/2023</a:t>
             </a:fld>
             <a:endParaRPr lang="fr-FR"/>
           </a:p>
@@ -2960,7 +2974,7 @@
           <a:p>
             <a:fld id="{6AD61AA8-A60B-4213-843B-33CCD8DDD4AE}" type="datetimeFigureOut">
               <a:rPr lang="fr-FR" smtClean="0"/>
-              <a:t>14/12/2023</a:t>
+              <a:t>15/12/2023</a:t>
             </a:fld>
             <a:endParaRPr lang="fr-FR"/>
           </a:p>
@@ -9717,7 +9731,7 @@
           <a:p>
             <a:r>
               <a:rPr lang="fr-FR" sz="2800" b="1" dirty="0" err="1"/>
-              <a:t>Lenght</a:t>
+              <a:t>Length</a:t>
             </a:r>
             <a:r>
               <a:rPr lang="fr-FR" sz="2000" dirty="0"/>
@@ -14790,8 +14804,20 @@
           <a:lstStyle/>
           <a:p>
             <a:r>
-              <a:rPr lang="fr-FR" dirty="0"/>
-              <a:t>Dans cet exemple nous allons remplacer le premier a par un A</a:t>
+              <a:rPr lang="fr-FR"/>
+              <a:t>Dans cet </a:t>
+            </a:r>
+            <a:r>
+              <a:rPr lang="fr-FR" dirty="0"/>
+              <a:t>exemple </a:t>
+            </a:r>
+            <a:r>
+              <a:rPr lang="fr-FR"/>
+              <a:t>nous allons remplacer </a:t>
+            </a:r>
+            <a:r>
+              <a:rPr lang="fr-FR" dirty="0"/>
+              <a:t>le premier a par un A</a:t>
             </a:r>
           </a:p>
         </p:txBody>
@@ -14847,6 +14873,1492 @@
     <p:extLst>
       <p:ext uri="{BB962C8B-B14F-4D97-AF65-F5344CB8AC3E}">
         <p14:creationId xmlns:p14="http://schemas.microsoft.com/office/powerpoint/2010/main" val="460061871"/>
+      </p:ext>
+    </p:extLst>
+  </p:cSld>
+  <p:clrMapOvr>
+    <a:masterClrMapping/>
+  </p:clrMapOvr>
+</p:sld>
+</file>
+
+<file path=ppt/slides/slide53.xml><?xml version="1.0" encoding="utf-8"?>
+<p:sld xmlns:a="http://schemas.openxmlformats.org/drawingml/2006/main" xmlns:r="http://schemas.openxmlformats.org/officeDocument/2006/relationships" xmlns:p="http://schemas.openxmlformats.org/presentationml/2006/main">
+  <p:cSld>
+    <p:spTree>
+      <p:nvGrpSpPr>
+        <p:cNvPr id="1" name=""/>
+        <p:cNvGrpSpPr/>
+        <p:nvPr/>
+      </p:nvGrpSpPr>
+      <p:grpSpPr>
+        <a:xfrm>
+          <a:off x="0" y="0"/>
+          <a:ext cx="0" cy="0"/>
+          <a:chOff x="0" y="0"/>
+          <a:chExt cx="0" cy="0"/>
+        </a:xfrm>
+      </p:grpSpPr>
+      <p:sp>
+        <p:nvSpPr>
+          <p:cNvPr id="3" name="Titre 1">
+            <a:extLst>
+              <a:ext uri="{FF2B5EF4-FFF2-40B4-BE49-F238E27FC236}">
+                <a16:creationId xmlns:a16="http://schemas.microsoft.com/office/drawing/2014/main" id="{E7373E66-041F-37D5-0ADF-25BA87ABC979}"/>
+              </a:ext>
+            </a:extLst>
+          </p:cNvPr>
+          <p:cNvSpPr>
+            <a:spLocks noGrp="1"/>
+          </p:cNvSpPr>
+          <p:nvPr>
+            <p:ph type="title"/>
+          </p:nvPr>
+        </p:nvSpPr>
+        <p:spPr>
+          <a:xfrm>
+            <a:off x="1097280" y="286603"/>
+            <a:ext cx="10058400" cy="1450757"/>
+          </a:xfrm>
+        </p:spPr>
+        <p:txBody>
+          <a:bodyPr>
+            <a:normAutofit/>
+          </a:bodyPr>
+          <a:lstStyle/>
+          <a:p>
+            <a:r>
+              <a:rPr lang="fr-FR" dirty="0"/>
+              <a:t>VI- Les fonctions</a:t>
+            </a:r>
+            <a:br>
+              <a:rPr lang="fr-FR" dirty="0"/>
+            </a:br>
+            <a:r>
+              <a:rPr lang="fr-FR" dirty="0"/>
+              <a:t>	</a:t>
+            </a:r>
+            <a:r>
+              <a:rPr lang="fr-FR" sz="3600" i="1" dirty="0"/>
+              <a:t>  1. Déclarer une fonction </a:t>
+            </a:r>
+          </a:p>
+        </p:txBody>
+      </p:sp>
+      <p:pic>
+        <p:nvPicPr>
+          <p:cNvPr id="4" name="Image 3">
+            <a:extLst>
+              <a:ext uri="{FF2B5EF4-FFF2-40B4-BE49-F238E27FC236}">
+                <a16:creationId xmlns:a16="http://schemas.microsoft.com/office/drawing/2014/main" id="{AFBCD880-51CC-1395-7A1F-C650CBCF3C51}"/>
+              </a:ext>
+            </a:extLst>
+          </p:cNvPr>
+          <p:cNvPicPr>
+            <a:picLocks noChangeAspect="1"/>
+          </p:cNvPicPr>
+          <p:nvPr/>
+        </p:nvPicPr>
+        <p:blipFill>
+          <a:blip r:embed="rId2"/>
+          <a:stretch>
+            <a:fillRect/>
+          </a:stretch>
+        </p:blipFill>
+        <p:spPr>
+          <a:xfrm>
+            <a:off x="2517084" y="2017119"/>
+            <a:ext cx="5886571" cy="2577363"/>
+          </a:xfrm>
+          <a:prstGeom prst="rect">
+            <a:avLst/>
+          </a:prstGeom>
+        </p:spPr>
+      </p:pic>
+      <p:sp>
+        <p:nvSpPr>
+          <p:cNvPr id="5" name="ZoneTexte 4">
+            <a:extLst>
+              <a:ext uri="{FF2B5EF4-FFF2-40B4-BE49-F238E27FC236}">
+                <a16:creationId xmlns:a16="http://schemas.microsoft.com/office/drawing/2014/main" id="{C4FBDB47-657F-B6D5-A7E7-80400EFF1DD4}"/>
+              </a:ext>
+            </a:extLst>
+          </p:cNvPr>
+          <p:cNvSpPr txBox="1"/>
+          <p:nvPr/>
+        </p:nvSpPr>
+        <p:spPr>
+          <a:xfrm>
+            <a:off x="2122416" y="5564803"/>
+            <a:ext cx="9185945" cy="369332"/>
+          </a:xfrm>
+          <a:prstGeom prst="rect">
+            <a:avLst/>
+          </a:prstGeom>
+          <a:noFill/>
+        </p:spPr>
+        <p:txBody>
+          <a:bodyPr wrap="square" rtlCol="0">
+            <a:spAutoFit/>
+          </a:bodyPr>
+          <a:lstStyle/>
+          <a:p>
+            <a:r>
+              <a:rPr lang="fr-FR" dirty="0"/>
+              <a:t>Affichez une pop-up à l’aide d’une fonction, qui va dire Bonjour à l’utilisateur:</a:t>
+            </a:r>
+          </a:p>
+        </p:txBody>
+      </p:sp>
+      <p:pic>
+        <p:nvPicPr>
+          <p:cNvPr id="2" name="Picture 12" descr="JavaScript Logo et symbole, sens, histoire, PNG, marque">
+            <a:extLst>
+              <a:ext uri="{FF2B5EF4-FFF2-40B4-BE49-F238E27FC236}">
+                <a16:creationId xmlns:a16="http://schemas.microsoft.com/office/drawing/2014/main" id="{8966987E-FEA5-3314-6649-BC3B014DB786}"/>
+              </a:ext>
+            </a:extLst>
+          </p:cNvPr>
+          <p:cNvPicPr>
+            <a:picLocks noChangeAspect="1" noChangeArrowheads="1"/>
+          </p:cNvPicPr>
+          <p:nvPr/>
+        </p:nvPicPr>
+        <p:blipFill>
+          <a:blip r:embed="rId3">
+            <a:extLst>
+              <a:ext uri="{28A0092B-C50C-407E-A947-70E740481C1C}">
+                <a14:useLocalDpi xmlns:a14="http://schemas.microsoft.com/office/drawing/2010/main" val="0"/>
+              </a:ext>
+            </a:extLst>
+          </a:blip>
+          <a:srcRect/>
+          <a:stretch>
+            <a:fillRect/>
+          </a:stretch>
+        </p:blipFill>
+        <p:spPr bwMode="auto">
+          <a:xfrm>
+            <a:off x="10380582" y="286603"/>
+            <a:ext cx="1550195" cy="876779"/>
+          </a:xfrm>
+          <a:prstGeom prst="rect">
+            <a:avLst/>
+          </a:prstGeom>
+          <a:noFill/>
+          <a:extLst>
+            <a:ext uri="{909E8E84-426E-40DD-AFC4-6F175D3DCCD1}">
+              <a14:hiddenFill xmlns:a14="http://schemas.microsoft.com/office/drawing/2010/main">
+                <a:solidFill>
+                  <a:srgbClr val="FFFFFF"/>
+                </a:solidFill>
+              </a14:hiddenFill>
+            </a:ext>
+          </a:extLst>
+        </p:spPr>
+      </p:pic>
+    </p:spTree>
+    <p:extLst>
+      <p:ext uri="{BB962C8B-B14F-4D97-AF65-F5344CB8AC3E}">
+        <p14:creationId xmlns:p14="http://schemas.microsoft.com/office/powerpoint/2010/main" val="1241764335"/>
+      </p:ext>
+    </p:extLst>
+  </p:cSld>
+  <p:clrMapOvr>
+    <a:masterClrMapping/>
+  </p:clrMapOvr>
+</p:sld>
+</file>
+
+<file path=ppt/slides/slide54.xml><?xml version="1.0" encoding="utf-8"?>
+<p:sld xmlns:a="http://schemas.openxmlformats.org/drawingml/2006/main" xmlns:r="http://schemas.openxmlformats.org/officeDocument/2006/relationships" xmlns:p="http://schemas.openxmlformats.org/presentationml/2006/main">
+  <p:cSld>
+    <p:spTree>
+      <p:nvGrpSpPr>
+        <p:cNvPr id="1" name=""/>
+        <p:cNvGrpSpPr/>
+        <p:nvPr/>
+      </p:nvGrpSpPr>
+      <p:grpSpPr>
+        <a:xfrm>
+          <a:off x="0" y="0"/>
+          <a:ext cx="0" cy="0"/>
+          <a:chOff x="0" y="0"/>
+          <a:chExt cx="0" cy="0"/>
+        </a:xfrm>
+      </p:grpSpPr>
+      <p:sp>
+        <p:nvSpPr>
+          <p:cNvPr id="3" name="Titre 1">
+            <a:extLst>
+              <a:ext uri="{FF2B5EF4-FFF2-40B4-BE49-F238E27FC236}">
+                <a16:creationId xmlns:a16="http://schemas.microsoft.com/office/drawing/2014/main" id="{E7373E66-041F-37D5-0ADF-25BA87ABC979}"/>
+              </a:ext>
+            </a:extLst>
+          </p:cNvPr>
+          <p:cNvSpPr>
+            <a:spLocks noGrp="1"/>
+          </p:cNvSpPr>
+          <p:nvPr>
+            <p:ph type="title"/>
+          </p:nvPr>
+        </p:nvSpPr>
+        <p:spPr>
+          <a:xfrm>
+            <a:off x="1097280" y="286603"/>
+            <a:ext cx="10058400" cy="1450757"/>
+          </a:xfrm>
+        </p:spPr>
+        <p:txBody>
+          <a:bodyPr>
+            <a:normAutofit/>
+          </a:bodyPr>
+          <a:lstStyle/>
+          <a:p>
+            <a:r>
+              <a:rPr lang="fr-FR" dirty="0"/>
+              <a:t>VI- Les fonctions</a:t>
+            </a:r>
+            <a:br>
+              <a:rPr lang="fr-FR" dirty="0"/>
+            </a:br>
+            <a:r>
+              <a:rPr lang="fr-FR" dirty="0"/>
+              <a:t>	</a:t>
+            </a:r>
+            <a:r>
+              <a:rPr lang="fr-FR" sz="3600" i="1" dirty="0"/>
+              <a:t>  2. Les paramètres</a:t>
+            </a:r>
+          </a:p>
+        </p:txBody>
+      </p:sp>
+      <p:pic>
+        <p:nvPicPr>
+          <p:cNvPr id="4" name="Image 3">
+            <a:extLst>
+              <a:ext uri="{FF2B5EF4-FFF2-40B4-BE49-F238E27FC236}">
+                <a16:creationId xmlns:a16="http://schemas.microsoft.com/office/drawing/2014/main" id="{21751635-C9DC-4753-7948-455E14D8A038}"/>
+              </a:ext>
+            </a:extLst>
+          </p:cNvPr>
+          <p:cNvPicPr>
+            <a:picLocks noChangeAspect="1"/>
+          </p:cNvPicPr>
+          <p:nvPr/>
+        </p:nvPicPr>
+        <p:blipFill>
+          <a:blip r:embed="rId2"/>
+          <a:stretch>
+            <a:fillRect/>
+          </a:stretch>
+        </p:blipFill>
+        <p:spPr>
+          <a:xfrm>
+            <a:off x="2314062" y="2617366"/>
+            <a:ext cx="6037404" cy="2196587"/>
+          </a:xfrm>
+          <a:prstGeom prst="rect">
+            <a:avLst/>
+          </a:prstGeom>
+        </p:spPr>
+      </p:pic>
+      <p:sp>
+        <p:nvSpPr>
+          <p:cNvPr id="5" name="ZoneTexte 4">
+            <a:extLst>
+              <a:ext uri="{FF2B5EF4-FFF2-40B4-BE49-F238E27FC236}">
+                <a16:creationId xmlns:a16="http://schemas.microsoft.com/office/drawing/2014/main" id="{3BD8C0A1-83BE-642B-7992-99F950DADA71}"/>
+              </a:ext>
+            </a:extLst>
+          </p:cNvPr>
+          <p:cNvSpPr txBox="1"/>
+          <p:nvPr/>
+        </p:nvSpPr>
+        <p:spPr>
+          <a:xfrm>
+            <a:off x="1602299" y="5509293"/>
+            <a:ext cx="9185945" cy="646331"/>
+          </a:xfrm>
+          <a:prstGeom prst="rect">
+            <a:avLst/>
+          </a:prstGeom>
+          <a:noFill/>
+        </p:spPr>
+        <p:txBody>
+          <a:bodyPr wrap="square" rtlCol="0">
+            <a:spAutoFit/>
+          </a:bodyPr>
+          <a:lstStyle/>
+          <a:p>
+            <a:r>
+              <a:rPr lang="fr-FR" dirty="0"/>
+              <a:t>Affichez une pop-up à l’aide d’une fonction, qui va dire Bonjour à l’utilisateur, en envoyant le prénom à la fonction.</a:t>
+            </a:r>
+          </a:p>
+        </p:txBody>
+      </p:sp>
+      <p:pic>
+        <p:nvPicPr>
+          <p:cNvPr id="2" name="Picture 12" descr="JavaScript Logo et symbole, sens, histoire, PNG, marque">
+            <a:extLst>
+              <a:ext uri="{FF2B5EF4-FFF2-40B4-BE49-F238E27FC236}">
+                <a16:creationId xmlns:a16="http://schemas.microsoft.com/office/drawing/2014/main" id="{32F5B4C4-D1B5-D6AF-21FD-B8B5592AFD72}"/>
+              </a:ext>
+            </a:extLst>
+          </p:cNvPr>
+          <p:cNvPicPr>
+            <a:picLocks noChangeAspect="1" noChangeArrowheads="1"/>
+          </p:cNvPicPr>
+          <p:nvPr/>
+        </p:nvPicPr>
+        <p:blipFill>
+          <a:blip r:embed="rId3">
+            <a:extLst>
+              <a:ext uri="{28A0092B-C50C-407E-A947-70E740481C1C}">
+                <a14:useLocalDpi xmlns:a14="http://schemas.microsoft.com/office/drawing/2010/main" val="0"/>
+              </a:ext>
+            </a:extLst>
+          </a:blip>
+          <a:srcRect/>
+          <a:stretch>
+            <a:fillRect/>
+          </a:stretch>
+        </p:blipFill>
+        <p:spPr bwMode="auto">
+          <a:xfrm>
+            <a:off x="10380582" y="286603"/>
+            <a:ext cx="1550195" cy="876779"/>
+          </a:xfrm>
+          <a:prstGeom prst="rect">
+            <a:avLst/>
+          </a:prstGeom>
+          <a:noFill/>
+          <a:extLst>
+            <a:ext uri="{909E8E84-426E-40DD-AFC4-6F175D3DCCD1}">
+              <a14:hiddenFill xmlns:a14="http://schemas.microsoft.com/office/drawing/2010/main">
+                <a:solidFill>
+                  <a:srgbClr val="FFFFFF"/>
+                </a:solidFill>
+              </a14:hiddenFill>
+            </a:ext>
+          </a:extLst>
+        </p:spPr>
+      </p:pic>
+    </p:spTree>
+    <p:extLst>
+      <p:ext uri="{BB962C8B-B14F-4D97-AF65-F5344CB8AC3E}">
+        <p14:creationId xmlns:p14="http://schemas.microsoft.com/office/powerpoint/2010/main" val="1106934546"/>
+      </p:ext>
+    </p:extLst>
+  </p:cSld>
+  <p:clrMapOvr>
+    <a:masterClrMapping/>
+  </p:clrMapOvr>
+</p:sld>
+</file>
+
+<file path=ppt/slides/slide55.xml><?xml version="1.0" encoding="utf-8"?>
+<p:sld xmlns:a="http://schemas.openxmlformats.org/drawingml/2006/main" xmlns:r="http://schemas.openxmlformats.org/officeDocument/2006/relationships" xmlns:p="http://schemas.openxmlformats.org/presentationml/2006/main">
+  <p:cSld>
+    <p:spTree>
+      <p:nvGrpSpPr>
+        <p:cNvPr id="1" name=""/>
+        <p:cNvGrpSpPr/>
+        <p:nvPr/>
+      </p:nvGrpSpPr>
+      <p:grpSpPr>
+        <a:xfrm>
+          <a:off x="0" y="0"/>
+          <a:ext cx="0" cy="0"/>
+          <a:chOff x="0" y="0"/>
+          <a:chExt cx="0" cy="0"/>
+        </a:xfrm>
+      </p:grpSpPr>
+      <p:sp>
+        <p:nvSpPr>
+          <p:cNvPr id="3" name="Titre 1">
+            <a:extLst>
+              <a:ext uri="{FF2B5EF4-FFF2-40B4-BE49-F238E27FC236}">
+                <a16:creationId xmlns:a16="http://schemas.microsoft.com/office/drawing/2014/main" id="{E7373E66-041F-37D5-0ADF-25BA87ABC979}"/>
+              </a:ext>
+            </a:extLst>
+          </p:cNvPr>
+          <p:cNvSpPr>
+            <a:spLocks noGrp="1"/>
+          </p:cNvSpPr>
+          <p:nvPr>
+            <p:ph type="title"/>
+          </p:nvPr>
+        </p:nvSpPr>
+        <p:spPr>
+          <a:xfrm>
+            <a:off x="1097280" y="286603"/>
+            <a:ext cx="10058400" cy="1450757"/>
+          </a:xfrm>
+        </p:spPr>
+        <p:txBody>
+          <a:bodyPr>
+            <a:normAutofit/>
+          </a:bodyPr>
+          <a:lstStyle/>
+          <a:p>
+            <a:r>
+              <a:rPr lang="fr-FR" dirty="0"/>
+              <a:t>VI- Les fonctions</a:t>
+            </a:r>
+            <a:br>
+              <a:rPr lang="fr-FR" dirty="0"/>
+            </a:br>
+            <a:r>
+              <a:rPr lang="fr-FR" dirty="0"/>
+              <a:t>	</a:t>
+            </a:r>
+            <a:r>
+              <a:rPr lang="fr-FR" sz="3600" i="1" dirty="0"/>
+              <a:t>  3. la portée des variables </a:t>
+            </a:r>
+          </a:p>
+        </p:txBody>
+      </p:sp>
+      <p:sp>
+        <p:nvSpPr>
+          <p:cNvPr id="2" name="ZoneTexte 1">
+            <a:extLst>
+              <a:ext uri="{FF2B5EF4-FFF2-40B4-BE49-F238E27FC236}">
+                <a16:creationId xmlns:a16="http://schemas.microsoft.com/office/drawing/2014/main" id="{2BC18398-0914-D962-08FE-6A0FB0D2F2D1}"/>
+              </a:ext>
+            </a:extLst>
+          </p:cNvPr>
+          <p:cNvSpPr txBox="1"/>
+          <p:nvPr/>
+        </p:nvSpPr>
+        <p:spPr>
+          <a:xfrm>
+            <a:off x="1997978" y="2634143"/>
+            <a:ext cx="8196044" cy="1815882"/>
+          </a:xfrm>
+          <a:prstGeom prst="rect">
+            <a:avLst/>
+          </a:prstGeom>
+          <a:noFill/>
+        </p:spPr>
+        <p:txBody>
+          <a:bodyPr wrap="square" rtlCol="0">
+            <a:spAutoFit/>
+          </a:bodyPr>
+          <a:lstStyle/>
+          <a:p>
+            <a:r>
+              <a:rPr lang="fr-FR" sz="2800" dirty="0"/>
+              <a:t>Let, </a:t>
+            </a:r>
+            <a:r>
+              <a:rPr lang="fr-FR" sz="2800" dirty="0" err="1"/>
+              <a:t>const</a:t>
+            </a:r>
+            <a:r>
+              <a:rPr lang="fr-FR" sz="2800" dirty="0"/>
+              <a:t> </a:t>
+            </a:r>
+            <a:r>
+              <a:rPr lang="fr-FR" sz="2800" dirty="0">
+                <a:sym typeface="Wingdings" panose="05000000000000000000" pitchFamily="2" charset="2"/>
+              </a:rPr>
+              <a:t> </a:t>
+            </a:r>
+            <a:r>
+              <a:rPr lang="fr-FR" sz="2800" dirty="0"/>
+              <a:t>block </a:t>
+            </a:r>
+            <a:r>
+              <a:rPr lang="fr-FR" sz="2800" dirty="0" err="1"/>
+              <a:t>scoped</a:t>
+            </a:r>
+            <a:endParaRPr lang="fr-FR" sz="2800" dirty="0"/>
+          </a:p>
+          <a:p>
+            <a:endParaRPr lang="fr-FR" sz="2800" dirty="0"/>
+          </a:p>
+          <a:p>
+            <a:endParaRPr lang="fr-FR" sz="2800" dirty="0"/>
+          </a:p>
+          <a:p>
+            <a:r>
+              <a:rPr lang="fr-FR" sz="2800" dirty="0"/>
+              <a:t>Var </a:t>
+            </a:r>
+            <a:r>
+              <a:rPr lang="fr-FR" sz="2800" dirty="0">
+                <a:sym typeface="Wingdings" panose="05000000000000000000" pitchFamily="2" charset="2"/>
+              </a:rPr>
+              <a:t> </a:t>
+            </a:r>
+            <a:r>
+              <a:rPr lang="fr-FR" sz="2800" dirty="0" err="1">
+                <a:sym typeface="Wingdings" panose="05000000000000000000" pitchFamily="2" charset="2"/>
+              </a:rPr>
+              <a:t>function</a:t>
+            </a:r>
+            <a:r>
+              <a:rPr lang="fr-FR" sz="2800" dirty="0">
+                <a:sym typeface="Wingdings" panose="05000000000000000000" pitchFamily="2" charset="2"/>
+              </a:rPr>
+              <a:t> </a:t>
+            </a:r>
+            <a:r>
+              <a:rPr lang="fr-FR" sz="2800" dirty="0" err="1">
+                <a:sym typeface="Wingdings" panose="05000000000000000000" pitchFamily="2" charset="2"/>
+              </a:rPr>
+              <a:t>scoped</a:t>
+            </a:r>
+            <a:endParaRPr lang="fr-FR" sz="2800" dirty="0"/>
+          </a:p>
+        </p:txBody>
+      </p:sp>
+      <p:pic>
+        <p:nvPicPr>
+          <p:cNvPr id="4" name="Picture 12" descr="JavaScript Logo et symbole, sens, histoire, PNG, marque">
+            <a:extLst>
+              <a:ext uri="{FF2B5EF4-FFF2-40B4-BE49-F238E27FC236}">
+                <a16:creationId xmlns:a16="http://schemas.microsoft.com/office/drawing/2014/main" id="{A76CEB6F-E92B-C32A-31FD-F11D8C10384F}"/>
+              </a:ext>
+            </a:extLst>
+          </p:cNvPr>
+          <p:cNvPicPr>
+            <a:picLocks noChangeAspect="1" noChangeArrowheads="1"/>
+          </p:cNvPicPr>
+          <p:nvPr/>
+        </p:nvPicPr>
+        <p:blipFill>
+          <a:blip r:embed="rId2">
+            <a:extLst>
+              <a:ext uri="{28A0092B-C50C-407E-A947-70E740481C1C}">
+                <a14:useLocalDpi xmlns:a14="http://schemas.microsoft.com/office/drawing/2010/main" val="0"/>
+              </a:ext>
+            </a:extLst>
+          </a:blip>
+          <a:srcRect/>
+          <a:stretch>
+            <a:fillRect/>
+          </a:stretch>
+        </p:blipFill>
+        <p:spPr bwMode="auto">
+          <a:xfrm>
+            <a:off x="10380582" y="286603"/>
+            <a:ext cx="1550195" cy="876779"/>
+          </a:xfrm>
+          <a:prstGeom prst="rect">
+            <a:avLst/>
+          </a:prstGeom>
+          <a:noFill/>
+          <a:extLst>
+            <a:ext uri="{909E8E84-426E-40DD-AFC4-6F175D3DCCD1}">
+              <a14:hiddenFill xmlns:a14="http://schemas.microsoft.com/office/drawing/2010/main">
+                <a:solidFill>
+                  <a:srgbClr val="FFFFFF"/>
+                </a:solidFill>
+              </a14:hiddenFill>
+            </a:ext>
+          </a:extLst>
+        </p:spPr>
+      </p:pic>
+    </p:spTree>
+    <p:extLst>
+      <p:ext uri="{BB962C8B-B14F-4D97-AF65-F5344CB8AC3E}">
+        <p14:creationId xmlns:p14="http://schemas.microsoft.com/office/powerpoint/2010/main" val="2819581351"/>
+      </p:ext>
+    </p:extLst>
+  </p:cSld>
+  <p:clrMapOvr>
+    <a:masterClrMapping/>
+  </p:clrMapOvr>
+</p:sld>
+</file>
+
+<file path=ppt/slides/slide56.xml><?xml version="1.0" encoding="utf-8"?>
+<p:sld xmlns:a="http://schemas.openxmlformats.org/drawingml/2006/main" xmlns:r="http://schemas.openxmlformats.org/officeDocument/2006/relationships" xmlns:p="http://schemas.openxmlformats.org/presentationml/2006/main">
+  <p:cSld>
+    <p:spTree>
+      <p:nvGrpSpPr>
+        <p:cNvPr id="1" name=""/>
+        <p:cNvGrpSpPr/>
+        <p:nvPr/>
+      </p:nvGrpSpPr>
+      <p:grpSpPr>
+        <a:xfrm>
+          <a:off x="0" y="0"/>
+          <a:ext cx="0" cy="0"/>
+          <a:chOff x="0" y="0"/>
+          <a:chExt cx="0" cy="0"/>
+        </a:xfrm>
+      </p:grpSpPr>
+      <p:sp>
+        <p:nvSpPr>
+          <p:cNvPr id="3" name="Titre 1">
+            <a:extLst>
+              <a:ext uri="{FF2B5EF4-FFF2-40B4-BE49-F238E27FC236}">
+                <a16:creationId xmlns:a16="http://schemas.microsoft.com/office/drawing/2014/main" id="{E7373E66-041F-37D5-0ADF-25BA87ABC979}"/>
+              </a:ext>
+            </a:extLst>
+          </p:cNvPr>
+          <p:cNvSpPr>
+            <a:spLocks noGrp="1"/>
+          </p:cNvSpPr>
+          <p:nvPr>
+            <p:ph type="title"/>
+          </p:nvPr>
+        </p:nvSpPr>
+        <p:spPr>
+          <a:xfrm>
+            <a:off x="1097280" y="286603"/>
+            <a:ext cx="10058400" cy="1450757"/>
+          </a:xfrm>
+        </p:spPr>
+        <p:txBody>
+          <a:bodyPr>
+            <a:normAutofit/>
+          </a:bodyPr>
+          <a:lstStyle/>
+          <a:p>
+            <a:r>
+              <a:rPr lang="fr-FR" dirty="0"/>
+              <a:t>VI- Les fonctions</a:t>
+            </a:r>
+            <a:br>
+              <a:rPr lang="fr-FR" dirty="0"/>
+            </a:br>
+            <a:r>
+              <a:rPr lang="fr-FR" dirty="0"/>
+              <a:t>	</a:t>
+            </a:r>
+            <a:r>
+              <a:rPr lang="fr-FR" sz="3600" i="1" dirty="0"/>
+              <a:t>  4. Le </a:t>
+            </a:r>
+            <a:r>
+              <a:rPr lang="fr-FR" sz="3600" i="1" dirty="0" err="1"/>
+              <a:t>Hoisting</a:t>
+            </a:r>
+            <a:r>
+              <a:rPr lang="fr-FR" sz="3600" i="1" dirty="0"/>
+              <a:t> – le hissage des données </a:t>
+            </a:r>
+          </a:p>
+        </p:txBody>
+      </p:sp>
+      <p:sp>
+        <p:nvSpPr>
+          <p:cNvPr id="2" name="ZoneTexte 1">
+            <a:extLst>
+              <a:ext uri="{FF2B5EF4-FFF2-40B4-BE49-F238E27FC236}">
+                <a16:creationId xmlns:a16="http://schemas.microsoft.com/office/drawing/2014/main" id="{2BC18398-0914-D962-08FE-6A0FB0D2F2D1}"/>
+              </a:ext>
+            </a:extLst>
+          </p:cNvPr>
+          <p:cNvSpPr txBox="1"/>
+          <p:nvPr/>
+        </p:nvSpPr>
+        <p:spPr>
+          <a:xfrm>
+            <a:off x="2028458" y="2109552"/>
+            <a:ext cx="8196044" cy="954107"/>
+          </a:xfrm>
+          <a:prstGeom prst="rect">
+            <a:avLst/>
+          </a:prstGeom>
+          <a:noFill/>
+        </p:spPr>
+        <p:txBody>
+          <a:bodyPr wrap="square" rtlCol="0">
+            <a:spAutoFit/>
+          </a:bodyPr>
+          <a:lstStyle/>
+          <a:p>
+            <a:r>
+              <a:rPr lang="fr-FR" sz="2800" dirty="0"/>
+              <a:t>Let et </a:t>
+            </a:r>
+            <a:r>
+              <a:rPr lang="fr-FR" sz="2800" dirty="0" err="1"/>
+              <a:t>const</a:t>
+            </a:r>
+            <a:r>
+              <a:rPr lang="fr-FR" sz="2800" dirty="0"/>
+              <a:t> doivent être déclarées dans « l’ordre » </a:t>
+            </a:r>
+            <a:r>
+              <a:rPr lang="fr-FR" sz="2800" dirty="0">
+                <a:sym typeface="Wingdings" panose="05000000000000000000" pitchFamily="2" charset="2"/>
+              </a:rPr>
+              <a:t> on doit d’abord les déclarer puis les utiliser </a:t>
+            </a:r>
+            <a:endParaRPr lang="fr-FR" sz="2800" dirty="0"/>
+          </a:p>
+        </p:txBody>
+      </p:sp>
+      <p:sp>
+        <p:nvSpPr>
+          <p:cNvPr id="4" name="ZoneTexte 3">
+            <a:extLst>
+              <a:ext uri="{FF2B5EF4-FFF2-40B4-BE49-F238E27FC236}">
+                <a16:creationId xmlns:a16="http://schemas.microsoft.com/office/drawing/2014/main" id="{E05AEF26-4748-80F6-9968-5F86134D5DAF}"/>
+              </a:ext>
+            </a:extLst>
+          </p:cNvPr>
+          <p:cNvSpPr txBox="1"/>
+          <p:nvPr/>
+        </p:nvSpPr>
+        <p:spPr>
+          <a:xfrm>
+            <a:off x="2103959" y="4946140"/>
+            <a:ext cx="8196044" cy="954107"/>
+          </a:xfrm>
+          <a:prstGeom prst="rect">
+            <a:avLst/>
+          </a:prstGeom>
+          <a:noFill/>
+        </p:spPr>
+        <p:txBody>
+          <a:bodyPr wrap="square" rtlCol="0">
+            <a:spAutoFit/>
+          </a:bodyPr>
+          <a:lstStyle/>
+          <a:p>
+            <a:r>
+              <a:rPr lang="fr-FR" sz="2800" dirty="0"/>
+              <a:t>Les fonctions tout comme var peuvent être appelées puis définies</a:t>
+            </a:r>
+          </a:p>
+        </p:txBody>
+      </p:sp>
+      <p:sp>
+        <p:nvSpPr>
+          <p:cNvPr id="5" name="ZoneTexte 4">
+            <a:extLst>
+              <a:ext uri="{FF2B5EF4-FFF2-40B4-BE49-F238E27FC236}">
+                <a16:creationId xmlns:a16="http://schemas.microsoft.com/office/drawing/2014/main" id="{F3B823B4-385A-DDB8-E51D-7FD0A9A17785}"/>
+              </a:ext>
+            </a:extLst>
+          </p:cNvPr>
+          <p:cNvSpPr txBox="1"/>
+          <p:nvPr/>
+        </p:nvSpPr>
+        <p:spPr>
+          <a:xfrm>
+            <a:off x="2028458" y="3534979"/>
+            <a:ext cx="8196044" cy="954107"/>
+          </a:xfrm>
+          <a:prstGeom prst="rect">
+            <a:avLst/>
+          </a:prstGeom>
+          <a:noFill/>
+        </p:spPr>
+        <p:txBody>
+          <a:bodyPr wrap="square" rtlCol="0">
+            <a:spAutoFit/>
+          </a:bodyPr>
+          <a:lstStyle/>
+          <a:p>
+            <a:r>
+              <a:rPr lang="fr-FR" sz="2800" dirty="0"/>
+              <a:t>Var peut être appelée puis définie, la console renverra « </a:t>
+            </a:r>
+            <a:r>
+              <a:rPr lang="fr-FR" sz="2800" dirty="0" err="1"/>
+              <a:t>undefined</a:t>
+            </a:r>
+            <a:r>
+              <a:rPr lang="fr-FR" sz="2800" dirty="0"/>
+              <a:t> »</a:t>
+            </a:r>
+          </a:p>
+        </p:txBody>
+      </p:sp>
+      <p:pic>
+        <p:nvPicPr>
+          <p:cNvPr id="6" name="Picture 12" descr="JavaScript Logo et symbole, sens, histoire, PNG, marque">
+            <a:extLst>
+              <a:ext uri="{FF2B5EF4-FFF2-40B4-BE49-F238E27FC236}">
+                <a16:creationId xmlns:a16="http://schemas.microsoft.com/office/drawing/2014/main" id="{33A89DF1-035C-C17A-A765-04029C3C2E22}"/>
+              </a:ext>
+            </a:extLst>
+          </p:cNvPr>
+          <p:cNvPicPr>
+            <a:picLocks noChangeAspect="1" noChangeArrowheads="1"/>
+          </p:cNvPicPr>
+          <p:nvPr/>
+        </p:nvPicPr>
+        <p:blipFill>
+          <a:blip r:embed="rId2">
+            <a:extLst>
+              <a:ext uri="{28A0092B-C50C-407E-A947-70E740481C1C}">
+                <a14:useLocalDpi xmlns:a14="http://schemas.microsoft.com/office/drawing/2010/main" val="0"/>
+              </a:ext>
+            </a:extLst>
+          </a:blip>
+          <a:srcRect/>
+          <a:stretch>
+            <a:fillRect/>
+          </a:stretch>
+        </p:blipFill>
+        <p:spPr bwMode="auto">
+          <a:xfrm>
+            <a:off x="10380582" y="286603"/>
+            <a:ext cx="1550195" cy="876779"/>
+          </a:xfrm>
+          <a:prstGeom prst="rect">
+            <a:avLst/>
+          </a:prstGeom>
+          <a:noFill/>
+          <a:extLst>
+            <a:ext uri="{909E8E84-426E-40DD-AFC4-6F175D3DCCD1}">
+              <a14:hiddenFill xmlns:a14="http://schemas.microsoft.com/office/drawing/2010/main">
+                <a:solidFill>
+                  <a:srgbClr val="FFFFFF"/>
+                </a:solidFill>
+              </a14:hiddenFill>
+            </a:ext>
+          </a:extLst>
+        </p:spPr>
+      </p:pic>
+    </p:spTree>
+    <p:extLst>
+      <p:ext uri="{BB962C8B-B14F-4D97-AF65-F5344CB8AC3E}">
+        <p14:creationId xmlns:p14="http://schemas.microsoft.com/office/powerpoint/2010/main" val="3100633686"/>
+      </p:ext>
+    </p:extLst>
+  </p:cSld>
+  <p:clrMapOvr>
+    <a:masterClrMapping/>
+  </p:clrMapOvr>
+</p:sld>
+</file>
+
+<file path=ppt/slides/slide57.xml><?xml version="1.0" encoding="utf-8"?>
+<p:sld xmlns:a="http://schemas.openxmlformats.org/drawingml/2006/main" xmlns:r="http://schemas.openxmlformats.org/officeDocument/2006/relationships" xmlns:p="http://schemas.openxmlformats.org/presentationml/2006/main">
+  <p:cSld>
+    <p:spTree>
+      <p:nvGrpSpPr>
+        <p:cNvPr id="1" name=""/>
+        <p:cNvGrpSpPr/>
+        <p:nvPr/>
+      </p:nvGrpSpPr>
+      <p:grpSpPr>
+        <a:xfrm>
+          <a:off x="0" y="0"/>
+          <a:ext cx="0" cy="0"/>
+          <a:chOff x="0" y="0"/>
+          <a:chExt cx="0" cy="0"/>
+        </a:xfrm>
+      </p:grpSpPr>
+      <p:sp>
+        <p:nvSpPr>
+          <p:cNvPr id="3" name="Titre 1">
+            <a:extLst>
+              <a:ext uri="{FF2B5EF4-FFF2-40B4-BE49-F238E27FC236}">
+                <a16:creationId xmlns:a16="http://schemas.microsoft.com/office/drawing/2014/main" id="{E7373E66-041F-37D5-0ADF-25BA87ABC979}"/>
+              </a:ext>
+            </a:extLst>
+          </p:cNvPr>
+          <p:cNvSpPr>
+            <a:spLocks noGrp="1"/>
+          </p:cNvSpPr>
+          <p:nvPr>
+            <p:ph type="title"/>
+          </p:nvPr>
+        </p:nvSpPr>
+        <p:spPr>
+          <a:xfrm>
+            <a:off x="1097280" y="286603"/>
+            <a:ext cx="10058400" cy="1450757"/>
+          </a:xfrm>
+        </p:spPr>
+        <p:txBody>
+          <a:bodyPr>
+            <a:normAutofit/>
+          </a:bodyPr>
+          <a:lstStyle/>
+          <a:p>
+            <a:r>
+              <a:rPr lang="fr-FR" dirty="0"/>
+              <a:t>VI- Les fonctions</a:t>
+            </a:r>
+            <a:br>
+              <a:rPr lang="fr-FR" dirty="0"/>
+            </a:br>
+            <a:r>
+              <a:rPr lang="fr-FR" dirty="0"/>
+              <a:t>	</a:t>
+            </a:r>
+            <a:r>
+              <a:rPr lang="fr-FR" sz="3600" i="1" dirty="0"/>
+              <a:t>  5. return</a:t>
+            </a:r>
+          </a:p>
+        </p:txBody>
+      </p:sp>
+      <p:pic>
+        <p:nvPicPr>
+          <p:cNvPr id="6" name="Image 5">
+            <a:extLst>
+              <a:ext uri="{FF2B5EF4-FFF2-40B4-BE49-F238E27FC236}">
+                <a16:creationId xmlns:a16="http://schemas.microsoft.com/office/drawing/2014/main" id="{9586F445-B0A4-606D-3A2F-B23877D5C154}"/>
+              </a:ext>
+            </a:extLst>
+          </p:cNvPr>
+          <p:cNvPicPr>
+            <a:picLocks noChangeAspect="1"/>
+          </p:cNvPicPr>
+          <p:nvPr/>
+        </p:nvPicPr>
+        <p:blipFill>
+          <a:blip r:embed="rId2"/>
+          <a:stretch>
+            <a:fillRect/>
+          </a:stretch>
+        </p:blipFill>
+        <p:spPr>
+          <a:xfrm>
+            <a:off x="1952868" y="2208402"/>
+            <a:ext cx="7940739" cy="2441195"/>
+          </a:xfrm>
+          <a:prstGeom prst="rect">
+            <a:avLst/>
+          </a:prstGeom>
+        </p:spPr>
+      </p:pic>
+      <p:sp>
+        <p:nvSpPr>
+          <p:cNvPr id="7" name="ZoneTexte 6">
+            <a:extLst>
+              <a:ext uri="{FF2B5EF4-FFF2-40B4-BE49-F238E27FC236}">
+                <a16:creationId xmlns:a16="http://schemas.microsoft.com/office/drawing/2014/main" id="{45DA6F3A-97B9-6E3C-A693-EC3A665D43F3}"/>
+              </a:ext>
+            </a:extLst>
+          </p:cNvPr>
+          <p:cNvSpPr txBox="1"/>
+          <p:nvPr/>
+        </p:nvSpPr>
+        <p:spPr>
+          <a:xfrm>
+            <a:off x="1635853" y="4974672"/>
+            <a:ext cx="9756397" cy="830997"/>
+          </a:xfrm>
+          <a:prstGeom prst="rect">
+            <a:avLst/>
+          </a:prstGeom>
+          <a:noFill/>
+        </p:spPr>
+        <p:txBody>
+          <a:bodyPr wrap="square" rtlCol="0">
+            <a:spAutoFit/>
+          </a:bodyPr>
+          <a:lstStyle/>
+          <a:p>
+            <a:r>
+              <a:rPr lang="fr-FR" sz="2400" dirty="0"/>
+              <a:t>En général ont créé des fonctions qui renvoient une valeur, attention toute instruction située après le return ne sera pas exécutée </a:t>
+            </a:r>
+          </a:p>
+        </p:txBody>
+      </p:sp>
+      <p:pic>
+        <p:nvPicPr>
+          <p:cNvPr id="2" name="Picture 12" descr="JavaScript Logo et symbole, sens, histoire, PNG, marque">
+            <a:extLst>
+              <a:ext uri="{FF2B5EF4-FFF2-40B4-BE49-F238E27FC236}">
+                <a16:creationId xmlns:a16="http://schemas.microsoft.com/office/drawing/2014/main" id="{5C2A5283-E6AE-D283-2502-DBE07AA9A8EC}"/>
+              </a:ext>
+            </a:extLst>
+          </p:cNvPr>
+          <p:cNvPicPr>
+            <a:picLocks noChangeAspect="1" noChangeArrowheads="1"/>
+          </p:cNvPicPr>
+          <p:nvPr/>
+        </p:nvPicPr>
+        <p:blipFill>
+          <a:blip r:embed="rId3">
+            <a:extLst>
+              <a:ext uri="{28A0092B-C50C-407E-A947-70E740481C1C}">
+                <a14:useLocalDpi xmlns:a14="http://schemas.microsoft.com/office/drawing/2010/main" val="0"/>
+              </a:ext>
+            </a:extLst>
+          </a:blip>
+          <a:srcRect/>
+          <a:stretch>
+            <a:fillRect/>
+          </a:stretch>
+        </p:blipFill>
+        <p:spPr bwMode="auto">
+          <a:xfrm>
+            <a:off x="10380582" y="286603"/>
+            <a:ext cx="1550195" cy="876779"/>
+          </a:xfrm>
+          <a:prstGeom prst="rect">
+            <a:avLst/>
+          </a:prstGeom>
+          <a:noFill/>
+          <a:extLst>
+            <a:ext uri="{909E8E84-426E-40DD-AFC4-6F175D3DCCD1}">
+              <a14:hiddenFill xmlns:a14="http://schemas.microsoft.com/office/drawing/2010/main">
+                <a:solidFill>
+                  <a:srgbClr val="FFFFFF"/>
+                </a:solidFill>
+              </a14:hiddenFill>
+            </a:ext>
+          </a:extLst>
+        </p:spPr>
+      </p:pic>
+    </p:spTree>
+    <p:extLst>
+      <p:ext uri="{BB962C8B-B14F-4D97-AF65-F5344CB8AC3E}">
+        <p14:creationId xmlns:p14="http://schemas.microsoft.com/office/powerpoint/2010/main" val="3509884422"/>
+      </p:ext>
+    </p:extLst>
+  </p:cSld>
+  <p:clrMapOvr>
+    <a:masterClrMapping/>
+  </p:clrMapOvr>
+</p:sld>
+</file>
+
+<file path=ppt/slides/slide58.xml><?xml version="1.0" encoding="utf-8"?>
+<p:sld xmlns:a="http://schemas.openxmlformats.org/drawingml/2006/main" xmlns:r="http://schemas.openxmlformats.org/officeDocument/2006/relationships" xmlns:p="http://schemas.openxmlformats.org/presentationml/2006/main">
+  <p:cSld>
+    <p:spTree>
+      <p:nvGrpSpPr>
+        <p:cNvPr id="1" name=""/>
+        <p:cNvGrpSpPr/>
+        <p:nvPr/>
+      </p:nvGrpSpPr>
+      <p:grpSpPr>
+        <a:xfrm>
+          <a:off x="0" y="0"/>
+          <a:ext cx="0" cy="0"/>
+          <a:chOff x="0" y="0"/>
+          <a:chExt cx="0" cy="0"/>
+        </a:xfrm>
+      </p:grpSpPr>
+      <p:sp>
+        <p:nvSpPr>
+          <p:cNvPr id="3" name="Titre 1">
+            <a:extLst>
+              <a:ext uri="{FF2B5EF4-FFF2-40B4-BE49-F238E27FC236}">
+                <a16:creationId xmlns:a16="http://schemas.microsoft.com/office/drawing/2014/main" id="{E7373E66-041F-37D5-0ADF-25BA87ABC979}"/>
+              </a:ext>
+            </a:extLst>
+          </p:cNvPr>
+          <p:cNvSpPr>
+            <a:spLocks noGrp="1"/>
+          </p:cNvSpPr>
+          <p:nvPr>
+            <p:ph type="title"/>
+          </p:nvPr>
+        </p:nvSpPr>
+        <p:spPr>
+          <a:xfrm>
+            <a:off x="1097280" y="286603"/>
+            <a:ext cx="10058400" cy="1450757"/>
+          </a:xfrm>
+        </p:spPr>
+        <p:txBody>
+          <a:bodyPr>
+            <a:normAutofit/>
+          </a:bodyPr>
+          <a:lstStyle/>
+          <a:p>
+            <a:r>
+              <a:rPr lang="fr-FR" dirty="0"/>
+              <a:t>VI- Les fonctions</a:t>
+            </a:r>
+            <a:br>
+              <a:rPr lang="fr-FR" dirty="0"/>
+            </a:br>
+            <a:r>
+              <a:rPr lang="fr-FR" dirty="0"/>
+              <a:t>	</a:t>
+            </a:r>
+            <a:r>
+              <a:rPr lang="fr-FR" sz="3600" i="1" dirty="0"/>
+              <a:t>  6. Les paramètres par défaut</a:t>
+            </a:r>
+          </a:p>
+        </p:txBody>
+      </p:sp>
+      <p:pic>
+        <p:nvPicPr>
+          <p:cNvPr id="6" name="Image 5">
+            <a:extLst>
+              <a:ext uri="{FF2B5EF4-FFF2-40B4-BE49-F238E27FC236}">
+                <a16:creationId xmlns:a16="http://schemas.microsoft.com/office/drawing/2014/main" id="{0105266F-C8BD-C575-5D1C-D21E3ADD4F7F}"/>
+              </a:ext>
+            </a:extLst>
+          </p:cNvPr>
+          <p:cNvPicPr>
+            <a:picLocks noChangeAspect="1"/>
+          </p:cNvPicPr>
+          <p:nvPr/>
+        </p:nvPicPr>
+        <p:blipFill>
+          <a:blip r:embed="rId2"/>
+          <a:stretch>
+            <a:fillRect/>
+          </a:stretch>
+        </p:blipFill>
+        <p:spPr>
+          <a:xfrm>
+            <a:off x="1184765" y="2164359"/>
+            <a:ext cx="9970916" cy="1744911"/>
+          </a:xfrm>
+          <a:prstGeom prst="rect">
+            <a:avLst/>
+          </a:prstGeom>
+        </p:spPr>
+      </p:pic>
+      <p:sp>
+        <p:nvSpPr>
+          <p:cNvPr id="7" name="ZoneTexte 6">
+            <a:extLst>
+              <a:ext uri="{FF2B5EF4-FFF2-40B4-BE49-F238E27FC236}">
+                <a16:creationId xmlns:a16="http://schemas.microsoft.com/office/drawing/2014/main" id="{07806B80-1E4F-B02E-1AF2-AB041545FB1A}"/>
+              </a:ext>
+            </a:extLst>
+          </p:cNvPr>
+          <p:cNvSpPr txBox="1"/>
+          <p:nvPr/>
+        </p:nvSpPr>
+        <p:spPr>
+          <a:xfrm>
+            <a:off x="1387778" y="4797801"/>
+            <a:ext cx="9462782" cy="1200329"/>
+          </a:xfrm>
+          <a:prstGeom prst="rect">
+            <a:avLst/>
+          </a:prstGeom>
+          <a:noFill/>
+        </p:spPr>
+        <p:txBody>
+          <a:bodyPr wrap="square" rtlCol="0">
+            <a:spAutoFit/>
+          </a:bodyPr>
+          <a:lstStyle/>
+          <a:p>
+            <a:r>
+              <a:rPr lang="fr-FR" dirty="0"/>
+              <a:t>Ecrivez un programme qui calcule le temps de préparation d’un gâteau en prenant en compte, le nombre de gâteaux, le temps de préparation (en min) et le temps de cuisson(en minute), les temps de préparation et de cuissons auront pour paramètres par défaut préparation: 10min, cuisson : 15 min pour chaque gâteau.</a:t>
+            </a:r>
+          </a:p>
+        </p:txBody>
+      </p:sp>
+      <p:pic>
+        <p:nvPicPr>
+          <p:cNvPr id="2" name="Picture 12" descr="JavaScript Logo et symbole, sens, histoire, PNG, marque">
+            <a:extLst>
+              <a:ext uri="{FF2B5EF4-FFF2-40B4-BE49-F238E27FC236}">
+                <a16:creationId xmlns:a16="http://schemas.microsoft.com/office/drawing/2014/main" id="{99BC5023-8B2D-55CF-C1F6-787FFB0853D6}"/>
+              </a:ext>
+            </a:extLst>
+          </p:cNvPr>
+          <p:cNvPicPr>
+            <a:picLocks noChangeAspect="1" noChangeArrowheads="1"/>
+          </p:cNvPicPr>
+          <p:nvPr/>
+        </p:nvPicPr>
+        <p:blipFill>
+          <a:blip r:embed="rId3">
+            <a:extLst>
+              <a:ext uri="{28A0092B-C50C-407E-A947-70E740481C1C}">
+                <a14:useLocalDpi xmlns:a14="http://schemas.microsoft.com/office/drawing/2010/main" val="0"/>
+              </a:ext>
+            </a:extLst>
+          </a:blip>
+          <a:srcRect/>
+          <a:stretch>
+            <a:fillRect/>
+          </a:stretch>
+        </p:blipFill>
+        <p:spPr bwMode="auto">
+          <a:xfrm>
+            <a:off x="10380582" y="286603"/>
+            <a:ext cx="1550195" cy="876779"/>
+          </a:xfrm>
+          <a:prstGeom prst="rect">
+            <a:avLst/>
+          </a:prstGeom>
+          <a:noFill/>
+          <a:extLst>
+            <a:ext uri="{909E8E84-426E-40DD-AFC4-6F175D3DCCD1}">
+              <a14:hiddenFill xmlns:a14="http://schemas.microsoft.com/office/drawing/2010/main">
+                <a:solidFill>
+                  <a:srgbClr val="FFFFFF"/>
+                </a:solidFill>
+              </a14:hiddenFill>
+            </a:ext>
+          </a:extLst>
+        </p:spPr>
+      </p:pic>
+    </p:spTree>
+    <p:extLst>
+      <p:ext uri="{BB962C8B-B14F-4D97-AF65-F5344CB8AC3E}">
+        <p14:creationId xmlns:p14="http://schemas.microsoft.com/office/powerpoint/2010/main" val="22788359"/>
+      </p:ext>
+    </p:extLst>
+  </p:cSld>
+  <p:clrMapOvr>
+    <a:masterClrMapping/>
+  </p:clrMapOvr>
+</p:sld>
+</file>
+
+<file path=ppt/slides/slide59.xml><?xml version="1.0" encoding="utf-8"?>
+<p:sld xmlns:a="http://schemas.openxmlformats.org/drawingml/2006/main" xmlns:r="http://schemas.openxmlformats.org/officeDocument/2006/relationships" xmlns:p="http://schemas.openxmlformats.org/presentationml/2006/main">
+  <p:cSld>
+    <p:spTree>
+      <p:nvGrpSpPr>
+        <p:cNvPr id="1" name=""/>
+        <p:cNvGrpSpPr/>
+        <p:nvPr/>
+      </p:nvGrpSpPr>
+      <p:grpSpPr>
+        <a:xfrm>
+          <a:off x="0" y="0"/>
+          <a:ext cx="0" cy="0"/>
+          <a:chOff x="0" y="0"/>
+          <a:chExt cx="0" cy="0"/>
+        </a:xfrm>
+      </p:grpSpPr>
+      <p:sp>
+        <p:nvSpPr>
+          <p:cNvPr id="3" name="Titre 1">
+            <a:extLst>
+              <a:ext uri="{FF2B5EF4-FFF2-40B4-BE49-F238E27FC236}">
+                <a16:creationId xmlns:a16="http://schemas.microsoft.com/office/drawing/2014/main" id="{E7373E66-041F-37D5-0ADF-25BA87ABC979}"/>
+              </a:ext>
+            </a:extLst>
+          </p:cNvPr>
+          <p:cNvSpPr>
+            <a:spLocks noGrp="1"/>
+          </p:cNvSpPr>
+          <p:nvPr>
+            <p:ph type="title"/>
+          </p:nvPr>
+        </p:nvSpPr>
+        <p:spPr>
+          <a:xfrm>
+            <a:off x="1097280" y="286603"/>
+            <a:ext cx="10058400" cy="1450757"/>
+          </a:xfrm>
+        </p:spPr>
+        <p:txBody>
+          <a:bodyPr>
+            <a:normAutofit/>
+          </a:bodyPr>
+          <a:lstStyle/>
+          <a:p>
+            <a:r>
+              <a:rPr lang="fr-FR" dirty="0"/>
+              <a:t>VI- Les fonctions</a:t>
+            </a:r>
+            <a:br>
+              <a:rPr lang="fr-FR" dirty="0"/>
+            </a:br>
+            <a:r>
+              <a:rPr lang="fr-FR" dirty="0"/>
+              <a:t>	</a:t>
+            </a:r>
+            <a:r>
+              <a:rPr lang="fr-FR" sz="3600" i="1" dirty="0"/>
+              <a:t>  7. fonctions de conversion de données </a:t>
+            </a:r>
+          </a:p>
+        </p:txBody>
+      </p:sp>
+      <p:sp>
+        <p:nvSpPr>
+          <p:cNvPr id="2" name="ZoneTexte 1">
+            <a:extLst>
+              <a:ext uri="{FF2B5EF4-FFF2-40B4-BE49-F238E27FC236}">
+                <a16:creationId xmlns:a16="http://schemas.microsoft.com/office/drawing/2014/main" id="{87DC6344-2B9A-60AE-3858-9DA6EA0CB6F9}"/>
+              </a:ext>
+            </a:extLst>
+          </p:cNvPr>
+          <p:cNvSpPr txBox="1"/>
+          <p:nvPr/>
+        </p:nvSpPr>
+        <p:spPr>
+          <a:xfrm>
+            <a:off x="313189" y="2168568"/>
+            <a:ext cx="11878811" cy="461665"/>
+          </a:xfrm>
+          <a:prstGeom prst="rect">
+            <a:avLst/>
+          </a:prstGeom>
+          <a:noFill/>
+        </p:spPr>
+        <p:txBody>
+          <a:bodyPr wrap="square" rtlCol="0">
+            <a:spAutoFit/>
+          </a:bodyPr>
+          <a:lstStyle/>
+          <a:p>
+            <a:r>
+              <a:rPr lang="fr-FR" sz="2400" dirty="0"/>
+              <a:t>Rédigez un programme qui demande l’âge de l’utilisateur et lui renvoi «  vous avez … ans »</a:t>
+            </a:r>
+          </a:p>
+        </p:txBody>
+      </p:sp>
+      <p:sp>
+        <p:nvSpPr>
+          <p:cNvPr id="4" name="ZoneTexte 3">
+            <a:extLst>
+              <a:ext uri="{FF2B5EF4-FFF2-40B4-BE49-F238E27FC236}">
+                <a16:creationId xmlns:a16="http://schemas.microsoft.com/office/drawing/2014/main" id="{F684EC8D-A38E-EAE4-0BEE-B3FCC3BFE0E2}"/>
+              </a:ext>
+            </a:extLst>
+          </p:cNvPr>
+          <p:cNvSpPr txBox="1"/>
+          <p:nvPr/>
+        </p:nvSpPr>
+        <p:spPr>
+          <a:xfrm>
+            <a:off x="2745996" y="3429000"/>
+            <a:ext cx="7852095" cy="1661993"/>
+          </a:xfrm>
+          <a:prstGeom prst="rect">
+            <a:avLst/>
+          </a:prstGeom>
+          <a:noFill/>
+        </p:spPr>
+        <p:txBody>
+          <a:bodyPr wrap="square" rtlCol="0">
+            <a:spAutoFit/>
+          </a:bodyPr>
+          <a:lstStyle/>
+          <a:p>
+            <a:pPr marL="285750" indent="-285750">
+              <a:buFontTx/>
+              <a:buChar char="-"/>
+            </a:pPr>
+            <a:r>
+              <a:rPr lang="fr-FR" sz="2800" dirty="0" err="1"/>
+              <a:t>parseInt</a:t>
+            </a:r>
+            <a:r>
+              <a:rPr lang="fr-FR" sz="2800" dirty="0"/>
+              <a:t>() </a:t>
+            </a:r>
+            <a:r>
+              <a:rPr lang="fr-FR" sz="2800" dirty="0">
+                <a:sym typeface="Wingdings" panose="05000000000000000000" pitchFamily="2" charset="2"/>
+              </a:rPr>
+              <a:t> convertir en entier</a:t>
+            </a:r>
+            <a:endParaRPr lang="fr-FR" sz="2800" dirty="0"/>
+          </a:p>
+          <a:p>
+            <a:pPr marL="285750" indent="-285750">
+              <a:buFontTx/>
+              <a:buChar char="-"/>
+            </a:pPr>
+            <a:r>
+              <a:rPr lang="fr-FR" sz="2800" dirty="0" err="1"/>
+              <a:t>ParseFloat</a:t>
+            </a:r>
+            <a:r>
+              <a:rPr lang="fr-FR" sz="2800" dirty="0"/>
+              <a:t>() </a:t>
+            </a:r>
+            <a:r>
+              <a:rPr lang="fr-FR" sz="2800" dirty="0">
+                <a:sym typeface="Wingdings" panose="05000000000000000000" pitchFamily="2" charset="2"/>
+              </a:rPr>
+              <a:t> convertir en décimal </a:t>
+            </a:r>
+            <a:endParaRPr lang="fr-FR" sz="2800" dirty="0"/>
+          </a:p>
+          <a:p>
+            <a:pPr marL="285750" indent="-285750">
+              <a:buFontTx/>
+              <a:buChar char="-"/>
+            </a:pPr>
+            <a:r>
+              <a:rPr lang="fr-FR" sz="2800" dirty="0" err="1"/>
+              <a:t>toString</a:t>
+            </a:r>
+            <a:r>
+              <a:rPr lang="fr-FR" sz="2800" dirty="0"/>
+              <a:t>() </a:t>
+            </a:r>
+            <a:r>
+              <a:rPr lang="fr-FR" sz="2800" dirty="0">
+                <a:sym typeface="Wingdings" panose="05000000000000000000" pitchFamily="2" charset="2"/>
+              </a:rPr>
+              <a:t> convertir en chaîne</a:t>
+            </a:r>
+            <a:endParaRPr lang="fr-FR" sz="2800" dirty="0"/>
+          </a:p>
+          <a:p>
+            <a:pPr marL="285750" indent="-285750">
+              <a:buFontTx/>
+              <a:buChar char="-"/>
+            </a:pPr>
+            <a:endParaRPr lang="fr-FR" dirty="0"/>
+          </a:p>
+        </p:txBody>
+      </p:sp>
+      <p:pic>
+        <p:nvPicPr>
+          <p:cNvPr id="5" name="Picture 12" descr="JavaScript Logo et symbole, sens, histoire, PNG, marque">
+            <a:extLst>
+              <a:ext uri="{FF2B5EF4-FFF2-40B4-BE49-F238E27FC236}">
+                <a16:creationId xmlns:a16="http://schemas.microsoft.com/office/drawing/2014/main" id="{BED3C991-C1DC-C640-14C5-7A4925D9C4F6}"/>
+              </a:ext>
+            </a:extLst>
+          </p:cNvPr>
+          <p:cNvPicPr>
+            <a:picLocks noChangeAspect="1" noChangeArrowheads="1"/>
+          </p:cNvPicPr>
+          <p:nvPr/>
+        </p:nvPicPr>
+        <p:blipFill>
+          <a:blip r:embed="rId2">
+            <a:extLst>
+              <a:ext uri="{28A0092B-C50C-407E-A947-70E740481C1C}">
+                <a14:useLocalDpi xmlns:a14="http://schemas.microsoft.com/office/drawing/2010/main" val="0"/>
+              </a:ext>
+            </a:extLst>
+          </a:blip>
+          <a:srcRect/>
+          <a:stretch>
+            <a:fillRect/>
+          </a:stretch>
+        </p:blipFill>
+        <p:spPr bwMode="auto">
+          <a:xfrm>
+            <a:off x="10380582" y="286603"/>
+            <a:ext cx="1550195" cy="876779"/>
+          </a:xfrm>
+          <a:prstGeom prst="rect">
+            <a:avLst/>
+          </a:prstGeom>
+          <a:noFill/>
+          <a:extLst>
+            <a:ext uri="{909E8E84-426E-40DD-AFC4-6F175D3DCCD1}">
+              <a14:hiddenFill xmlns:a14="http://schemas.microsoft.com/office/drawing/2010/main">
+                <a:solidFill>
+                  <a:srgbClr val="FFFFFF"/>
+                </a:solidFill>
+              </a14:hiddenFill>
+            </a:ext>
+          </a:extLst>
+        </p:spPr>
+      </p:pic>
+    </p:spTree>
+    <p:extLst>
+      <p:ext uri="{BB962C8B-B14F-4D97-AF65-F5344CB8AC3E}">
+        <p14:creationId xmlns:p14="http://schemas.microsoft.com/office/powerpoint/2010/main" val="2250372698"/>
       </p:ext>
     </p:extLst>
   </p:cSld>
@@ -15094,6 +16606,1823 @@
     <p:extLst>
       <p:ext uri="{BB962C8B-B14F-4D97-AF65-F5344CB8AC3E}">
         <p14:creationId xmlns:p14="http://schemas.microsoft.com/office/powerpoint/2010/main" val="1737110739"/>
+      </p:ext>
+    </p:extLst>
+  </p:cSld>
+  <p:clrMapOvr>
+    <a:masterClrMapping/>
+  </p:clrMapOvr>
+</p:sld>
+</file>
+
+<file path=ppt/slides/slide60.xml><?xml version="1.0" encoding="utf-8"?>
+<p:sld xmlns:a="http://schemas.openxmlformats.org/drawingml/2006/main" xmlns:r="http://schemas.openxmlformats.org/officeDocument/2006/relationships" xmlns:p="http://schemas.openxmlformats.org/presentationml/2006/main">
+  <p:cSld>
+    <p:spTree>
+      <p:nvGrpSpPr>
+        <p:cNvPr id="1" name=""/>
+        <p:cNvGrpSpPr/>
+        <p:nvPr/>
+      </p:nvGrpSpPr>
+      <p:grpSpPr>
+        <a:xfrm>
+          <a:off x="0" y="0"/>
+          <a:ext cx="0" cy="0"/>
+          <a:chOff x="0" y="0"/>
+          <a:chExt cx="0" cy="0"/>
+        </a:xfrm>
+      </p:grpSpPr>
+      <p:sp>
+        <p:nvSpPr>
+          <p:cNvPr id="3" name="Titre 1">
+            <a:extLst>
+              <a:ext uri="{FF2B5EF4-FFF2-40B4-BE49-F238E27FC236}">
+                <a16:creationId xmlns:a16="http://schemas.microsoft.com/office/drawing/2014/main" id="{E7373E66-041F-37D5-0ADF-25BA87ABC979}"/>
+              </a:ext>
+            </a:extLst>
+          </p:cNvPr>
+          <p:cNvSpPr>
+            <a:spLocks noGrp="1"/>
+          </p:cNvSpPr>
+          <p:nvPr>
+            <p:ph type="title"/>
+          </p:nvPr>
+        </p:nvSpPr>
+        <p:spPr>
+          <a:xfrm>
+            <a:off x="1097280" y="286603"/>
+            <a:ext cx="10058400" cy="1450757"/>
+          </a:xfrm>
+        </p:spPr>
+        <p:txBody>
+          <a:bodyPr>
+            <a:normAutofit/>
+          </a:bodyPr>
+          <a:lstStyle/>
+          <a:p>
+            <a:r>
+              <a:rPr lang="fr-FR" dirty="0"/>
+              <a:t>VI- Les fonctions</a:t>
+            </a:r>
+            <a:br>
+              <a:rPr lang="fr-FR" dirty="0"/>
+            </a:br>
+            <a:r>
+              <a:rPr lang="fr-FR" dirty="0"/>
+              <a:t>	</a:t>
+            </a:r>
+            <a:r>
+              <a:rPr lang="fr-FR" sz="3600" i="1" dirty="0"/>
+              <a:t>  8. Les fonctions fléchées </a:t>
+            </a:r>
+          </a:p>
+        </p:txBody>
+      </p:sp>
+      <p:sp>
+        <p:nvSpPr>
+          <p:cNvPr id="2" name="ZoneTexte 1">
+            <a:extLst>
+              <a:ext uri="{FF2B5EF4-FFF2-40B4-BE49-F238E27FC236}">
+                <a16:creationId xmlns:a16="http://schemas.microsoft.com/office/drawing/2014/main" id="{BCEE49BD-3CB6-3197-CBDC-0718C405693D}"/>
+              </a:ext>
+            </a:extLst>
+          </p:cNvPr>
+          <p:cNvSpPr txBox="1"/>
+          <p:nvPr/>
+        </p:nvSpPr>
+        <p:spPr>
+          <a:xfrm>
+            <a:off x="1627464" y="2759978"/>
+            <a:ext cx="8749718" cy="2677656"/>
+          </a:xfrm>
+          <a:prstGeom prst="rect">
+            <a:avLst/>
+          </a:prstGeom>
+          <a:noFill/>
+        </p:spPr>
+        <p:txBody>
+          <a:bodyPr wrap="square" rtlCol="0">
+            <a:spAutoFit/>
+          </a:bodyPr>
+          <a:lstStyle/>
+          <a:p>
+            <a:r>
+              <a:rPr lang="fr-FR" sz="2400" dirty="0"/>
+              <a:t>Les fonctions fléchées sont des expressions de fonction ( contenues dans une variable) elles ont plusieurs avantages:</a:t>
+            </a:r>
+          </a:p>
+          <a:p>
+            <a:endParaRPr lang="fr-FR" sz="2400" dirty="0"/>
+          </a:p>
+          <a:p>
+            <a:pPr marL="285750" indent="-285750">
+              <a:buFont typeface="Arial" panose="020B0604020202020204" pitchFamily="34" charset="0"/>
+              <a:buChar char="•"/>
+            </a:pPr>
+            <a:r>
+              <a:rPr lang="fr-FR" sz="2400" dirty="0"/>
+              <a:t>Très utilisée pour créer de petites fonctions, sur une ligne. </a:t>
+            </a:r>
+          </a:p>
+          <a:p>
+            <a:pPr marL="285750" indent="-285750">
+              <a:buFont typeface="Arial" panose="020B0604020202020204" pitchFamily="34" charset="0"/>
+              <a:buChar char="•"/>
+            </a:pPr>
+            <a:r>
+              <a:rPr lang="fr-FR" sz="2400" dirty="0"/>
+              <a:t>Eviter le </a:t>
+            </a:r>
+            <a:r>
+              <a:rPr lang="fr-FR" sz="2400" dirty="0" err="1"/>
+              <a:t>hoisting</a:t>
+            </a:r>
+            <a:r>
+              <a:rPr lang="fr-FR" sz="2400" dirty="0"/>
+              <a:t> de la fonction en la stockant dans une variable. </a:t>
+            </a:r>
+          </a:p>
+          <a:p>
+            <a:endParaRPr lang="fr-FR" sz="2400" dirty="0"/>
+          </a:p>
+          <a:p>
+            <a:endParaRPr lang="fr-FR" sz="2400" dirty="0"/>
+          </a:p>
+        </p:txBody>
+      </p:sp>
+      <p:pic>
+        <p:nvPicPr>
+          <p:cNvPr id="4" name="Picture 12" descr="JavaScript Logo et symbole, sens, histoire, PNG, marque">
+            <a:extLst>
+              <a:ext uri="{FF2B5EF4-FFF2-40B4-BE49-F238E27FC236}">
+                <a16:creationId xmlns:a16="http://schemas.microsoft.com/office/drawing/2014/main" id="{9D177E32-4570-8D65-B8A9-A2C517C077E1}"/>
+              </a:ext>
+            </a:extLst>
+          </p:cNvPr>
+          <p:cNvPicPr>
+            <a:picLocks noChangeAspect="1" noChangeArrowheads="1"/>
+          </p:cNvPicPr>
+          <p:nvPr/>
+        </p:nvPicPr>
+        <p:blipFill>
+          <a:blip r:embed="rId2">
+            <a:extLst>
+              <a:ext uri="{28A0092B-C50C-407E-A947-70E740481C1C}">
+                <a14:useLocalDpi xmlns:a14="http://schemas.microsoft.com/office/drawing/2010/main" val="0"/>
+              </a:ext>
+            </a:extLst>
+          </a:blip>
+          <a:srcRect/>
+          <a:stretch>
+            <a:fillRect/>
+          </a:stretch>
+        </p:blipFill>
+        <p:spPr bwMode="auto">
+          <a:xfrm>
+            <a:off x="10380582" y="286603"/>
+            <a:ext cx="1550195" cy="876779"/>
+          </a:xfrm>
+          <a:prstGeom prst="rect">
+            <a:avLst/>
+          </a:prstGeom>
+          <a:noFill/>
+          <a:extLst>
+            <a:ext uri="{909E8E84-426E-40DD-AFC4-6F175D3DCCD1}">
+              <a14:hiddenFill xmlns:a14="http://schemas.microsoft.com/office/drawing/2010/main">
+                <a:solidFill>
+                  <a:srgbClr val="FFFFFF"/>
+                </a:solidFill>
+              </a14:hiddenFill>
+            </a:ext>
+          </a:extLst>
+        </p:spPr>
+      </p:pic>
+    </p:spTree>
+    <p:extLst>
+      <p:ext uri="{BB962C8B-B14F-4D97-AF65-F5344CB8AC3E}">
+        <p14:creationId xmlns:p14="http://schemas.microsoft.com/office/powerpoint/2010/main" val="1373292255"/>
+      </p:ext>
+    </p:extLst>
+  </p:cSld>
+  <p:clrMapOvr>
+    <a:masterClrMapping/>
+  </p:clrMapOvr>
+</p:sld>
+</file>
+
+<file path=ppt/slides/slide61.xml><?xml version="1.0" encoding="utf-8"?>
+<p:sld xmlns:a="http://schemas.openxmlformats.org/drawingml/2006/main" xmlns:r="http://schemas.openxmlformats.org/officeDocument/2006/relationships" xmlns:p="http://schemas.openxmlformats.org/presentationml/2006/main">
+  <p:cSld>
+    <p:spTree>
+      <p:nvGrpSpPr>
+        <p:cNvPr id="1" name=""/>
+        <p:cNvGrpSpPr/>
+        <p:nvPr/>
+      </p:nvGrpSpPr>
+      <p:grpSpPr>
+        <a:xfrm>
+          <a:off x="0" y="0"/>
+          <a:ext cx="0" cy="0"/>
+          <a:chOff x="0" y="0"/>
+          <a:chExt cx="0" cy="0"/>
+        </a:xfrm>
+      </p:grpSpPr>
+      <p:sp>
+        <p:nvSpPr>
+          <p:cNvPr id="3" name="Titre 1">
+            <a:extLst>
+              <a:ext uri="{FF2B5EF4-FFF2-40B4-BE49-F238E27FC236}">
+                <a16:creationId xmlns:a16="http://schemas.microsoft.com/office/drawing/2014/main" id="{E7373E66-041F-37D5-0ADF-25BA87ABC979}"/>
+              </a:ext>
+            </a:extLst>
+          </p:cNvPr>
+          <p:cNvSpPr>
+            <a:spLocks noGrp="1"/>
+          </p:cNvSpPr>
+          <p:nvPr>
+            <p:ph type="title"/>
+          </p:nvPr>
+        </p:nvSpPr>
+        <p:spPr>
+          <a:xfrm>
+            <a:off x="1097280" y="286603"/>
+            <a:ext cx="10058400" cy="1450757"/>
+          </a:xfrm>
+        </p:spPr>
+        <p:txBody>
+          <a:bodyPr>
+            <a:normAutofit/>
+          </a:bodyPr>
+          <a:lstStyle/>
+          <a:p>
+            <a:r>
+              <a:rPr lang="fr-FR" dirty="0"/>
+              <a:t>VI- Les fonctions</a:t>
+            </a:r>
+            <a:br>
+              <a:rPr lang="fr-FR" dirty="0"/>
+            </a:br>
+            <a:r>
+              <a:rPr lang="fr-FR" dirty="0"/>
+              <a:t>	</a:t>
+            </a:r>
+            <a:r>
+              <a:rPr lang="fr-FR" sz="3600" i="1" dirty="0"/>
+              <a:t>  9. les fonctions anonymes </a:t>
+            </a:r>
+          </a:p>
+        </p:txBody>
+      </p:sp>
+      <p:sp>
+        <p:nvSpPr>
+          <p:cNvPr id="2" name="ZoneTexte 1">
+            <a:extLst>
+              <a:ext uri="{FF2B5EF4-FFF2-40B4-BE49-F238E27FC236}">
+                <a16:creationId xmlns:a16="http://schemas.microsoft.com/office/drawing/2014/main" id="{1E20FEB3-B938-4201-0D23-C410E97ADF5A}"/>
+              </a:ext>
+            </a:extLst>
+          </p:cNvPr>
+          <p:cNvSpPr txBox="1"/>
+          <p:nvPr/>
+        </p:nvSpPr>
+        <p:spPr>
+          <a:xfrm>
+            <a:off x="1342239" y="2097248"/>
+            <a:ext cx="9387280" cy="923330"/>
+          </a:xfrm>
+          <a:prstGeom prst="rect">
+            <a:avLst/>
+          </a:prstGeom>
+          <a:noFill/>
+        </p:spPr>
+        <p:txBody>
+          <a:bodyPr wrap="square" rtlCol="0">
+            <a:spAutoFit/>
+          </a:bodyPr>
+          <a:lstStyle/>
+          <a:p>
+            <a:r>
+              <a:rPr lang="fr-FR" dirty="0"/>
+              <a:t>La fonction anonyme ne possède pas de nom, ces fonctions sont généralement utilisées pour un appel immédiat sans réutilisation.</a:t>
+            </a:r>
+          </a:p>
+          <a:p>
+            <a:r>
+              <a:rPr lang="fr-FR" dirty="0"/>
+              <a:t>!!!!  L’exemple suivant ne fonctionne pas  !!!!</a:t>
+            </a:r>
+          </a:p>
+        </p:txBody>
+      </p:sp>
+      <p:sp>
+        <p:nvSpPr>
+          <p:cNvPr id="4" name="ZoneTexte 3">
+            <a:extLst>
+              <a:ext uri="{FF2B5EF4-FFF2-40B4-BE49-F238E27FC236}">
+                <a16:creationId xmlns:a16="http://schemas.microsoft.com/office/drawing/2014/main" id="{5FBA2979-3461-2285-81BE-BA8524323EF9}"/>
+              </a:ext>
+            </a:extLst>
+          </p:cNvPr>
+          <p:cNvSpPr txBox="1"/>
+          <p:nvPr/>
+        </p:nvSpPr>
+        <p:spPr>
+          <a:xfrm>
+            <a:off x="3733102" y="4772416"/>
+            <a:ext cx="4605140" cy="1200329"/>
+          </a:xfrm>
+          <a:prstGeom prst="rect">
+            <a:avLst/>
+          </a:prstGeom>
+          <a:noFill/>
+        </p:spPr>
+        <p:txBody>
+          <a:bodyPr wrap="square" rtlCol="0">
+            <a:spAutoFit/>
+          </a:bodyPr>
+          <a:lstStyle/>
+          <a:p>
+            <a:r>
+              <a:rPr lang="fr-FR" dirty="0"/>
+              <a:t>Comment exécuter ces fonctions ? </a:t>
+            </a:r>
+          </a:p>
+          <a:p>
+            <a:pPr marL="285750" indent="-285750">
+              <a:buFont typeface="Arial" panose="020B0604020202020204" pitchFamily="34" charset="0"/>
+              <a:buChar char="•"/>
+            </a:pPr>
+            <a:r>
+              <a:rPr lang="fr-FR" dirty="0"/>
+              <a:t>En expression de fonction(variable) </a:t>
+            </a:r>
+          </a:p>
+          <a:p>
+            <a:pPr marL="285750" indent="-285750">
+              <a:buFont typeface="Arial" panose="020B0604020202020204" pitchFamily="34" charset="0"/>
+              <a:buChar char="•"/>
+            </a:pPr>
+            <a:r>
+              <a:rPr lang="fr-FR" dirty="0"/>
+              <a:t>En l’auto-invoquant </a:t>
+            </a:r>
+          </a:p>
+          <a:p>
+            <a:pPr marL="285750" indent="-285750">
+              <a:buFont typeface="Arial" panose="020B0604020202020204" pitchFamily="34" charset="0"/>
+              <a:buChar char="•"/>
+            </a:pPr>
+            <a:r>
+              <a:rPr lang="fr-FR" dirty="0"/>
+              <a:t>En utilisant un évènement </a:t>
+            </a:r>
+          </a:p>
+        </p:txBody>
+      </p:sp>
+      <p:pic>
+        <p:nvPicPr>
+          <p:cNvPr id="6" name="Image 5">
+            <a:extLst>
+              <a:ext uri="{FF2B5EF4-FFF2-40B4-BE49-F238E27FC236}">
+                <a16:creationId xmlns:a16="http://schemas.microsoft.com/office/drawing/2014/main" id="{966541DC-AF02-CE5E-34D6-614770BB8445}"/>
+              </a:ext>
+            </a:extLst>
+          </p:cNvPr>
+          <p:cNvPicPr>
+            <a:picLocks noChangeAspect="1"/>
+          </p:cNvPicPr>
+          <p:nvPr/>
+        </p:nvPicPr>
+        <p:blipFill>
+          <a:blip r:embed="rId2"/>
+          <a:stretch>
+            <a:fillRect/>
+          </a:stretch>
+        </p:blipFill>
+        <p:spPr>
+          <a:xfrm>
+            <a:off x="2755233" y="3172128"/>
+            <a:ext cx="5372850" cy="1171739"/>
+          </a:xfrm>
+          <a:prstGeom prst="rect">
+            <a:avLst/>
+          </a:prstGeom>
+        </p:spPr>
+      </p:pic>
+      <p:pic>
+        <p:nvPicPr>
+          <p:cNvPr id="5" name="Picture 12" descr="JavaScript Logo et symbole, sens, histoire, PNG, marque">
+            <a:extLst>
+              <a:ext uri="{FF2B5EF4-FFF2-40B4-BE49-F238E27FC236}">
+                <a16:creationId xmlns:a16="http://schemas.microsoft.com/office/drawing/2014/main" id="{82395665-4AD7-A2E9-D7E9-6B5437FC3CBA}"/>
+              </a:ext>
+            </a:extLst>
+          </p:cNvPr>
+          <p:cNvPicPr>
+            <a:picLocks noChangeAspect="1" noChangeArrowheads="1"/>
+          </p:cNvPicPr>
+          <p:nvPr/>
+        </p:nvPicPr>
+        <p:blipFill>
+          <a:blip r:embed="rId3">
+            <a:extLst>
+              <a:ext uri="{28A0092B-C50C-407E-A947-70E740481C1C}">
+                <a14:useLocalDpi xmlns:a14="http://schemas.microsoft.com/office/drawing/2010/main" val="0"/>
+              </a:ext>
+            </a:extLst>
+          </a:blip>
+          <a:srcRect/>
+          <a:stretch>
+            <a:fillRect/>
+          </a:stretch>
+        </p:blipFill>
+        <p:spPr bwMode="auto">
+          <a:xfrm>
+            <a:off x="10380582" y="286603"/>
+            <a:ext cx="1550195" cy="876779"/>
+          </a:xfrm>
+          <a:prstGeom prst="rect">
+            <a:avLst/>
+          </a:prstGeom>
+          <a:noFill/>
+          <a:extLst>
+            <a:ext uri="{909E8E84-426E-40DD-AFC4-6F175D3DCCD1}">
+              <a14:hiddenFill xmlns:a14="http://schemas.microsoft.com/office/drawing/2010/main">
+                <a:solidFill>
+                  <a:srgbClr val="FFFFFF"/>
+                </a:solidFill>
+              </a14:hiddenFill>
+            </a:ext>
+          </a:extLst>
+        </p:spPr>
+      </p:pic>
+    </p:spTree>
+    <p:extLst>
+      <p:ext uri="{BB962C8B-B14F-4D97-AF65-F5344CB8AC3E}">
+        <p14:creationId xmlns:p14="http://schemas.microsoft.com/office/powerpoint/2010/main" val="1005973906"/>
+      </p:ext>
+    </p:extLst>
+  </p:cSld>
+  <p:clrMapOvr>
+    <a:masterClrMapping/>
+  </p:clrMapOvr>
+</p:sld>
+</file>
+
+<file path=ppt/slides/slide62.xml><?xml version="1.0" encoding="utf-8"?>
+<p:sld xmlns:a="http://schemas.openxmlformats.org/drawingml/2006/main" xmlns:r="http://schemas.openxmlformats.org/officeDocument/2006/relationships" xmlns:p="http://schemas.openxmlformats.org/presentationml/2006/main">
+  <p:cSld>
+    <p:spTree>
+      <p:nvGrpSpPr>
+        <p:cNvPr id="1" name=""/>
+        <p:cNvGrpSpPr/>
+        <p:nvPr/>
+      </p:nvGrpSpPr>
+      <p:grpSpPr>
+        <a:xfrm>
+          <a:off x="0" y="0"/>
+          <a:ext cx="0" cy="0"/>
+          <a:chOff x="0" y="0"/>
+          <a:chExt cx="0" cy="0"/>
+        </a:xfrm>
+      </p:grpSpPr>
+      <p:sp>
+        <p:nvSpPr>
+          <p:cNvPr id="3" name="Titre 1">
+            <a:extLst>
+              <a:ext uri="{FF2B5EF4-FFF2-40B4-BE49-F238E27FC236}">
+                <a16:creationId xmlns:a16="http://schemas.microsoft.com/office/drawing/2014/main" id="{E7373E66-041F-37D5-0ADF-25BA87ABC979}"/>
+              </a:ext>
+            </a:extLst>
+          </p:cNvPr>
+          <p:cNvSpPr>
+            <a:spLocks noGrp="1"/>
+          </p:cNvSpPr>
+          <p:nvPr>
+            <p:ph type="title"/>
+          </p:nvPr>
+        </p:nvSpPr>
+        <p:spPr>
+          <a:xfrm>
+            <a:off x="1097280" y="286603"/>
+            <a:ext cx="10058400" cy="1450757"/>
+          </a:xfrm>
+        </p:spPr>
+        <p:txBody>
+          <a:bodyPr>
+            <a:normAutofit/>
+          </a:bodyPr>
+          <a:lstStyle/>
+          <a:p>
+            <a:r>
+              <a:rPr lang="fr-FR" dirty="0"/>
+              <a:t>VI- Les fonctions</a:t>
+            </a:r>
+            <a:br>
+              <a:rPr lang="fr-FR" dirty="0"/>
+            </a:br>
+            <a:r>
+              <a:rPr lang="fr-FR" dirty="0"/>
+              <a:t>	</a:t>
+            </a:r>
+            <a:r>
+              <a:rPr lang="fr-FR" sz="3600" i="1" dirty="0"/>
+              <a:t>  8. Les fonctions récursives </a:t>
+            </a:r>
+          </a:p>
+        </p:txBody>
+      </p:sp>
+      <p:sp>
+        <p:nvSpPr>
+          <p:cNvPr id="2" name="ZoneTexte 1">
+            <a:extLst>
+              <a:ext uri="{FF2B5EF4-FFF2-40B4-BE49-F238E27FC236}">
+                <a16:creationId xmlns:a16="http://schemas.microsoft.com/office/drawing/2014/main" id="{94A2D97D-88D6-22A9-F507-B10CA1C16B00}"/>
+              </a:ext>
+            </a:extLst>
+          </p:cNvPr>
+          <p:cNvSpPr txBox="1"/>
+          <p:nvPr/>
+        </p:nvSpPr>
+        <p:spPr>
+          <a:xfrm>
+            <a:off x="1711354" y="2676088"/>
+            <a:ext cx="8264834" cy="1815882"/>
+          </a:xfrm>
+          <a:prstGeom prst="rect">
+            <a:avLst/>
+          </a:prstGeom>
+          <a:noFill/>
+        </p:spPr>
+        <p:txBody>
+          <a:bodyPr wrap="square" rtlCol="0">
+            <a:spAutoFit/>
+          </a:bodyPr>
+          <a:lstStyle/>
+          <a:p>
+            <a:pPr algn="ctr"/>
+            <a:r>
+              <a:rPr lang="fr-FR" sz="2800" dirty="0"/>
+              <a:t>Les fonctions récursives sont des fonctions qui s'appellent elles-mêmes, il est important de déterminer quand la fonction doit arrêter l'appel récursif afin d’éviter une boucle infinie</a:t>
+            </a:r>
+          </a:p>
+        </p:txBody>
+      </p:sp>
+      <p:sp>
+        <p:nvSpPr>
+          <p:cNvPr id="4" name="ZoneTexte 3">
+            <a:extLst>
+              <a:ext uri="{FF2B5EF4-FFF2-40B4-BE49-F238E27FC236}">
+                <a16:creationId xmlns:a16="http://schemas.microsoft.com/office/drawing/2014/main" id="{F1D534B1-80FC-6AFC-B833-77823898AF63}"/>
+              </a:ext>
+            </a:extLst>
+          </p:cNvPr>
+          <p:cNvSpPr txBox="1"/>
+          <p:nvPr/>
+        </p:nvSpPr>
+        <p:spPr>
+          <a:xfrm>
+            <a:off x="3389152" y="5670958"/>
+            <a:ext cx="8456103" cy="369332"/>
+          </a:xfrm>
+          <a:prstGeom prst="rect">
+            <a:avLst/>
+          </a:prstGeom>
+          <a:noFill/>
+        </p:spPr>
+        <p:txBody>
+          <a:bodyPr wrap="square" rtlCol="0">
+            <a:spAutoFit/>
+          </a:bodyPr>
+          <a:lstStyle/>
+          <a:p>
+            <a:r>
+              <a:rPr lang="fr-FR" dirty="0"/>
+              <a:t>Exercice: créez un </a:t>
+            </a:r>
+            <a:r>
+              <a:rPr lang="fr-FR" dirty="0" err="1"/>
+              <a:t>timer</a:t>
+            </a:r>
+            <a:r>
+              <a:rPr lang="fr-FR" dirty="0"/>
+              <a:t> à l’aide d’une fonction récursive </a:t>
+            </a:r>
+          </a:p>
+        </p:txBody>
+      </p:sp>
+      <p:pic>
+        <p:nvPicPr>
+          <p:cNvPr id="5" name="Picture 12" descr="JavaScript Logo et symbole, sens, histoire, PNG, marque">
+            <a:extLst>
+              <a:ext uri="{FF2B5EF4-FFF2-40B4-BE49-F238E27FC236}">
+                <a16:creationId xmlns:a16="http://schemas.microsoft.com/office/drawing/2014/main" id="{351F797F-97AF-1439-A3B1-4FFDCE838685}"/>
+              </a:ext>
+            </a:extLst>
+          </p:cNvPr>
+          <p:cNvPicPr>
+            <a:picLocks noChangeAspect="1" noChangeArrowheads="1"/>
+          </p:cNvPicPr>
+          <p:nvPr/>
+        </p:nvPicPr>
+        <p:blipFill>
+          <a:blip r:embed="rId2">
+            <a:extLst>
+              <a:ext uri="{28A0092B-C50C-407E-A947-70E740481C1C}">
+                <a14:useLocalDpi xmlns:a14="http://schemas.microsoft.com/office/drawing/2010/main" val="0"/>
+              </a:ext>
+            </a:extLst>
+          </a:blip>
+          <a:srcRect/>
+          <a:stretch>
+            <a:fillRect/>
+          </a:stretch>
+        </p:blipFill>
+        <p:spPr bwMode="auto">
+          <a:xfrm>
+            <a:off x="10380582" y="286603"/>
+            <a:ext cx="1550195" cy="876779"/>
+          </a:xfrm>
+          <a:prstGeom prst="rect">
+            <a:avLst/>
+          </a:prstGeom>
+          <a:noFill/>
+          <a:extLst>
+            <a:ext uri="{909E8E84-426E-40DD-AFC4-6F175D3DCCD1}">
+              <a14:hiddenFill xmlns:a14="http://schemas.microsoft.com/office/drawing/2010/main">
+                <a:solidFill>
+                  <a:srgbClr val="FFFFFF"/>
+                </a:solidFill>
+              </a14:hiddenFill>
+            </a:ext>
+          </a:extLst>
+        </p:spPr>
+      </p:pic>
+    </p:spTree>
+    <p:extLst>
+      <p:ext uri="{BB962C8B-B14F-4D97-AF65-F5344CB8AC3E}">
+        <p14:creationId xmlns:p14="http://schemas.microsoft.com/office/powerpoint/2010/main" val="160603300"/>
+      </p:ext>
+    </p:extLst>
+  </p:cSld>
+  <p:clrMapOvr>
+    <a:masterClrMapping/>
+  </p:clrMapOvr>
+</p:sld>
+</file>
+
+<file path=ppt/slides/slide63.xml><?xml version="1.0" encoding="utf-8"?>
+<p:sld xmlns:a="http://schemas.openxmlformats.org/drawingml/2006/main" xmlns:r="http://schemas.openxmlformats.org/officeDocument/2006/relationships" xmlns:p="http://schemas.openxmlformats.org/presentationml/2006/main">
+  <p:cSld>
+    <p:spTree>
+      <p:nvGrpSpPr>
+        <p:cNvPr id="1" name=""/>
+        <p:cNvGrpSpPr/>
+        <p:nvPr/>
+      </p:nvGrpSpPr>
+      <p:grpSpPr>
+        <a:xfrm>
+          <a:off x="0" y="0"/>
+          <a:ext cx="0" cy="0"/>
+          <a:chOff x="0" y="0"/>
+          <a:chExt cx="0" cy="0"/>
+        </a:xfrm>
+      </p:grpSpPr>
+      <p:sp>
+        <p:nvSpPr>
+          <p:cNvPr id="3" name="Titre 1">
+            <a:extLst>
+              <a:ext uri="{FF2B5EF4-FFF2-40B4-BE49-F238E27FC236}">
+                <a16:creationId xmlns:a16="http://schemas.microsoft.com/office/drawing/2014/main" id="{E7373E66-041F-37D5-0ADF-25BA87ABC979}"/>
+              </a:ext>
+            </a:extLst>
+          </p:cNvPr>
+          <p:cNvSpPr>
+            <a:spLocks noGrp="1"/>
+          </p:cNvSpPr>
+          <p:nvPr>
+            <p:ph type="title"/>
+          </p:nvPr>
+        </p:nvSpPr>
+        <p:spPr>
+          <a:xfrm>
+            <a:off x="1097280" y="286603"/>
+            <a:ext cx="10058400" cy="1450757"/>
+          </a:xfrm>
+        </p:spPr>
+        <p:txBody>
+          <a:bodyPr>
+            <a:normAutofit/>
+          </a:bodyPr>
+          <a:lstStyle/>
+          <a:p>
+            <a:r>
+              <a:rPr lang="fr-FR" dirty="0"/>
+              <a:t>VI- Les fonctions</a:t>
+            </a:r>
+            <a:br>
+              <a:rPr lang="fr-FR" dirty="0"/>
+            </a:br>
+            <a:r>
+              <a:rPr lang="fr-FR" dirty="0"/>
+              <a:t>	</a:t>
+            </a:r>
+            <a:r>
+              <a:rPr lang="fr-FR" sz="3600" i="1" dirty="0"/>
+              <a:t>  9. Les fonctions pures </a:t>
+            </a:r>
+          </a:p>
+        </p:txBody>
+      </p:sp>
+      <p:sp>
+        <p:nvSpPr>
+          <p:cNvPr id="2" name="ZoneTexte 1">
+            <a:extLst>
+              <a:ext uri="{FF2B5EF4-FFF2-40B4-BE49-F238E27FC236}">
+                <a16:creationId xmlns:a16="http://schemas.microsoft.com/office/drawing/2014/main" id="{CD2D3E22-708B-1BC9-1DC6-B893C3169C19}"/>
+              </a:ext>
+            </a:extLst>
+          </p:cNvPr>
+          <p:cNvSpPr txBox="1"/>
+          <p:nvPr/>
+        </p:nvSpPr>
+        <p:spPr>
+          <a:xfrm>
+            <a:off x="1761688" y="1970603"/>
+            <a:ext cx="9496338" cy="1569660"/>
+          </a:xfrm>
+          <a:prstGeom prst="rect">
+            <a:avLst/>
+          </a:prstGeom>
+          <a:noFill/>
+        </p:spPr>
+        <p:txBody>
+          <a:bodyPr wrap="square" rtlCol="0">
+            <a:spAutoFit/>
+          </a:bodyPr>
+          <a:lstStyle/>
+          <a:p>
+            <a:pPr marL="285750" indent="-285750">
+              <a:buFont typeface="Arial" panose="020B0604020202020204" pitchFamily="34" charset="0"/>
+              <a:buChar char="•"/>
+            </a:pPr>
+            <a:r>
+              <a:rPr lang="fr-FR" sz="2400" dirty="0"/>
+              <a:t>Elle doit toujours retourner la même chose si on lui passe les mêmes arguments </a:t>
+            </a:r>
+          </a:p>
+          <a:p>
+            <a:pPr marL="285750" indent="-285750">
+              <a:buFont typeface="Arial" panose="020B0604020202020204" pitchFamily="34" charset="0"/>
+              <a:buChar char="•"/>
+            </a:pPr>
+            <a:endParaRPr lang="fr-FR" sz="2400" dirty="0"/>
+          </a:p>
+          <a:p>
+            <a:pPr marL="285750" indent="-285750">
+              <a:buFont typeface="Arial" panose="020B0604020202020204" pitchFamily="34" charset="0"/>
+              <a:buChar char="•"/>
+            </a:pPr>
+            <a:r>
+              <a:rPr lang="fr-FR" sz="2400" dirty="0"/>
+              <a:t>Elle n’aura pas d’effet en dehors de son bloc </a:t>
+            </a:r>
+          </a:p>
+        </p:txBody>
+      </p:sp>
+      <p:pic>
+        <p:nvPicPr>
+          <p:cNvPr id="5" name="Image 4">
+            <a:extLst>
+              <a:ext uri="{FF2B5EF4-FFF2-40B4-BE49-F238E27FC236}">
+                <a16:creationId xmlns:a16="http://schemas.microsoft.com/office/drawing/2014/main" id="{568691AE-652D-1E71-4CE5-BCE84286AE3E}"/>
+              </a:ext>
+            </a:extLst>
+          </p:cNvPr>
+          <p:cNvPicPr>
+            <a:picLocks noChangeAspect="1"/>
+          </p:cNvPicPr>
+          <p:nvPr/>
+        </p:nvPicPr>
+        <p:blipFill>
+          <a:blip r:embed="rId2"/>
+          <a:stretch>
+            <a:fillRect/>
+          </a:stretch>
+        </p:blipFill>
+        <p:spPr>
+          <a:xfrm>
+            <a:off x="2354681" y="4160941"/>
+            <a:ext cx="6214557" cy="1795664"/>
+          </a:xfrm>
+          <a:prstGeom prst="rect">
+            <a:avLst/>
+          </a:prstGeom>
+        </p:spPr>
+      </p:pic>
+      <p:sp>
+        <p:nvSpPr>
+          <p:cNvPr id="6" name="ZoneTexte 5">
+            <a:extLst>
+              <a:ext uri="{FF2B5EF4-FFF2-40B4-BE49-F238E27FC236}">
+                <a16:creationId xmlns:a16="http://schemas.microsoft.com/office/drawing/2014/main" id="{D42A52FC-6C53-343A-BBC5-706CABCE0834}"/>
+              </a:ext>
+            </a:extLst>
+          </p:cNvPr>
+          <p:cNvSpPr txBox="1"/>
+          <p:nvPr/>
+        </p:nvSpPr>
+        <p:spPr>
+          <a:xfrm>
+            <a:off x="3481432" y="3624045"/>
+            <a:ext cx="8598715" cy="369332"/>
+          </a:xfrm>
+          <a:prstGeom prst="rect">
+            <a:avLst/>
+          </a:prstGeom>
+          <a:noFill/>
+        </p:spPr>
+        <p:txBody>
+          <a:bodyPr wrap="square" rtlCol="0">
+            <a:spAutoFit/>
+          </a:bodyPr>
+          <a:lstStyle/>
+          <a:p>
+            <a:r>
+              <a:rPr lang="fr-FR" dirty="0"/>
+              <a:t>Quelle fonction est une fonction pure ? </a:t>
+            </a:r>
+          </a:p>
+        </p:txBody>
+      </p:sp>
+      <p:pic>
+        <p:nvPicPr>
+          <p:cNvPr id="4" name="Picture 12" descr="JavaScript Logo et symbole, sens, histoire, PNG, marque">
+            <a:extLst>
+              <a:ext uri="{FF2B5EF4-FFF2-40B4-BE49-F238E27FC236}">
+                <a16:creationId xmlns:a16="http://schemas.microsoft.com/office/drawing/2014/main" id="{87522B88-B077-52EE-C265-7850E40C0D73}"/>
+              </a:ext>
+            </a:extLst>
+          </p:cNvPr>
+          <p:cNvPicPr>
+            <a:picLocks noChangeAspect="1" noChangeArrowheads="1"/>
+          </p:cNvPicPr>
+          <p:nvPr/>
+        </p:nvPicPr>
+        <p:blipFill>
+          <a:blip r:embed="rId3">
+            <a:extLst>
+              <a:ext uri="{28A0092B-C50C-407E-A947-70E740481C1C}">
+                <a14:useLocalDpi xmlns:a14="http://schemas.microsoft.com/office/drawing/2010/main" val="0"/>
+              </a:ext>
+            </a:extLst>
+          </a:blip>
+          <a:srcRect/>
+          <a:stretch>
+            <a:fillRect/>
+          </a:stretch>
+        </p:blipFill>
+        <p:spPr bwMode="auto">
+          <a:xfrm>
+            <a:off x="10380582" y="286603"/>
+            <a:ext cx="1550195" cy="876779"/>
+          </a:xfrm>
+          <a:prstGeom prst="rect">
+            <a:avLst/>
+          </a:prstGeom>
+          <a:noFill/>
+          <a:extLst>
+            <a:ext uri="{909E8E84-426E-40DD-AFC4-6F175D3DCCD1}">
+              <a14:hiddenFill xmlns:a14="http://schemas.microsoft.com/office/drawing/2010/main">
+                <a:solidFill>
+                  <a:srgbClr val="FFFFFF"/>
+                </a:solidFill>
+              </a14:hiddenFill>
+            </a:ext>
+          </a:extLst>
+        </p:spPr>
+      </p:pic>
+    </p:spTree>
+    <p:extLst>
+      <p:ext uri="{BB962C8B-B14F-4D97-AF65-F5344CB8AC3E}">
+        <p14:creationId xmlns:p14="http://schemas.microsoft.com/office/powerpoint/2010/main" val="3161609722"/>
+      </p:ext>
+    </p:extLst>
+  </p:cSld>
+  <p:clrMapOvr>
+    <a:masterClrMapping/>
+  </p:clrMapOvr>
+</p:sld>
+</file>
+
+<file path=ppt/slides/slide64.xml><?xml version="1.0" encoding="utf-8"?>
+<p:sld xmlns:a="http://schemas.openxmlformats.org/drawingml/2006/main" xmlns:r="http://schemas.openxmlformats.org/officeDocument/2006/relationships" xmlns:p="http://schemas.openxmlformats.org/presentationml/2006/main">
+  <p:cSld>
+    <p:spTree>
+      <p:nvGrpSpPr>
+        <p:cNvPr id="1" name=""/>
+        <p:cNvGrpSpPr/>
+        <p:nvPr/>
+      </p:nvGrpSpPr>
+      <p:grpSpPr>
+        <a:xfrm>
+          <a:off x="0" y="0"/>
+          <a:ext cx="0" cy="0"/>
+          <a:chOff x="0" y="0"/>
+          <a:chExt cx="0" cy="0"/>
+        </a:xfrm>
+      </p:grpSpPr>
+      <p:sp>
+        <p:nvSpPr>
+          <p:cNvPr id="3" name="Titre 1">
+            <a:extLst>
+              <a:ext uri="{FF2B5EF4-FFF2-40B4-BE49-F238E27FC236}">
+                <a16:creationId xmlns:a16="http://schemas.microsoft.com/office/drawing/2014/main" id="{E7373E66-041F-37D5-0ADF-25BA87ABC979}"/>
+              </a:ext>
+            </a:extLst>
+          </p:cNvPr>
+          <p:cNvSpPr>
+            <a:spLocks noGrp="1"/>
+          </p:cNvSpPr>
+          <p:nvPr>
+            <p:ph type="title"/>
+          </p:nvPr>
+        </p:nvSpPr>
+        <p:spPr>
+          <a:xfrm>
+            <a:off x="1097280" y="286603"/>
+            <a:ext cx="10058400" cy="1450757"/>
+          </a:xfrm>
+        </p:spPr>
+        <p:txBody>
+          <a:bodyPr>
+            <a:normAutofit/>
+          </a:bodyPr>
+          <a:lstStyle/>
+          <a:p>
+            <a:r>
+              <a:rPr lang="fr-FR" dirty="0"/>
+              <a:t>VI- Les fonctions</a:t>
+            </a:r>
+            <a:br>
+              <a:rPr lang="fr-FR" dirty="0"/>
+            </a:br>
+            <a:r>
+              <a:rPr lang="fr-FR" dirty="0"/>
+              <a:t>	</a:t>
+            </a:r>
+            <a:r>
+              <a:rPr lang="fr-FR" sz="3600" i="1" dirty="0"/>
+              <a:t>  9. Les fonctions callback </a:t>
+            </a:r>
+          </a:p>
+        </p:txBody>
+      </p:sp>
+      <p:sp>
+        <p:nvSpPr>
+          <p:cNvPr id="2" name="ZoneTexte 1">
+            <a:extLst>
+              <a:ext uri="{FF2B5EF4-FFF2-40B4-BE49-F238E27FC236}">
+                <a16:creationId xmlns:a16="http://schemas.microsoft.com/office/drawing/2014/main" id="{683872CB-206F-46C7-8D6A-49946D3CA5E1}"/>
+              </a:ext>
+            </a:extLst>
+          </p:cNvPr>
+          <p:cNvSpPr txBox="1"/>
+          <p:nvPr/>
+        </p:nvSpPr>
+        <p:spPr>
+          <a:xfrm>
+            <a:off x="1526796" y="2353098"/>
+            <a:ext cx="9370503" cy="1477328"/>
+          </a:xfrm>
+          <a:prstGeom prst="rect">
+            <a:avLst/>
+          </a:prstGeom>
+          <a:noFill/>
+        </p:spPr>
+        <p:txBody>
+          <a:bodyPr wrap="square" rtlCol="0">
+            <a:spAutoFit/>
+          </a:bodyPr>
+          <a:lstStyle/>
+          <a:p>
+            <a:r>
+              <a:rPr lang="fr-FR" dirty="0"/>
+              <a:t>Méthodes </a:t>
+            </a:r>
+            <a:r>
+              <a:rPr lang="fr-FR" dirty="0" err="1"/>
+              <a:t>Js</a:t>
+            </a:r>
+            <a:r>
+              <a:rPr lang="fr-FR" dirty="0"/>
+              <a:t> qui utilisent des fonctions </a:t>
+            </a:r>
+            <a:r>
+              <a:rPr lang="fr-FR" dirty="0" err="1"/>
+              <a:t>callBack</a:t>
+            </a:r>
+            <a:r>
+              <a:rPr lang="fr-FR" dirty="0"/>
+              <a:t>: </a:t>
+            </a:r>
+          </a:p>
+          <a:p>
+            <a:pPr marL="285750" indent="-285750">
+              <a:buFontTx/>
+              <a:buChar char="-"/>
+            </a:pPr>
+            <a:r>
+              <a:rPr lang="fr-FR" dirty="0" err="1"/>
+              <a:t>foreach</a:t>
+            </a:r>
+            <a:r>
+              <a:rPr lang="fr-FR" dirty="0"/>
+              <a:t>() </a:t>
+            </a:r>
+            <a:r>
+              <a:rPr lang="fr-FR" dirty="0">
+                <a:sym typeface="Wingdings" panose="05000000000000000000" pitchFamily="2" charset="2"/>
+              </a:rPr>
+              <a:t> parcourir un tableau et effectuer des actions sur chaque élément</a:t>
+            </a:r>
+            <a:endParaRPr lang="fr-FR" dirty="0"/>
+          </a:p>
+          <a:p>
+            <a:pPr marL="285750" indent="-285750">
+              <a:buFontTx/>
+              <a:buChar char="-"/>
+            </a:pPr>
+            <a:r>
+              <a:rPr lang="fr-FR" dirty="0" err="1"/>
+              <a:t>Map</a:t>
+            </a:r>
+            <a:r>
+              <a:rPr lang="fr-FR" dirty="0"/>
+              <a:t>() </a:t>
+            </a:r>
+            <a:r>
+              <a:rPr lang="fr-FR" dirty="0">
+                <a:sym typeface="Wingdings" panose="05000000000000000000" pitchFamily="2" charset="2"/>
+              </a:rPr>
+              <a:t> Comme </a:t>
+            </a:r>
+            <a:r>
+              <a:rPr lang="fr-FR" dirty="0" err="1">
+                <a:sym typeface="Wingdings" panose="05000000000000000000" pitchFamily="2" charset="2"/>
+              </a:rPr>
+              <a:t>foreach</a:t>
+            </a:r>
+            <a:r>
+              <a:rPr lang="fr-FR" dirty="0">
+                <a:sym typeface="Wingdings" panose="05000000000000000000" pitchFamily="2" charset="2"/>
+              </a:rPr>
+              <a:t> mais retourne un nouveau tableau avec les modifications</a:t>
+            </a:r>
+            <a:endParaRPr lang="fr-FR" dirty="0"/>
+          </a:p>
+          <a:p>
+            <a:pPr marL="285750" indent="-285750">
+              <a:buFontTx/>
+              <a:buChar char="-"/>
+            </a:pPr>
+            <a:r>
+              <a:rPr lang="fr-FR" dirty="0" err="1"/>
+              <a:t>Filter</a:t>
+            </a:r>
+            <a:r>
+              <a:rPr lang="fr-FR" dirty="0"/>
+              <a:t>() </a:t>
+            </a:r>
+            <a:r>
+              <a:rPr lang="fr-FR" dirty="0">
+                <a:sym typeface="Wingdings" panose="05000000000000000000" pitchFamily="2" charset="2"/>
+              </a:rPr>
+              <a:t> filtrer un tableau </a:t>
+            </a:r>
+            <a:endParaRPr lang="fr-FR" dirty="0"/>
+          </a:p>
+          <a:p>
+            <a:pPr marL="285750" indent="-285750">
+              <a:buFontTx/>
+              <a:buChar char="-"/>
+            </a:pPr>
+            <a:r>
+              <a:rPr lang="fr-FR" dirty="0" err="1"/>
+              <a:t>Reduce</a:t>
+            </a:r>
+            <a:r>
+              <a:rPr lang="fr-FR" dirty="0"/>
+              <a:t>() </a:t>
+            </a:r>
+            <a:r>
+              <a:rPr lang="fr-FR" dirty="0">
+                <a:sym typeface="Wingdings" panose="05000000000000000000" pitchFamily="2" charset="2"/>
+              </a:rPr>
+              <a:t> </a:t>
+            </a:r>
+            <a:r>
+              <a:rPr lang="fr-FR" dirty="0"/>
+              <a:t>faire des accumulations sur des tableaux</a:t>
+            </a:r>
+          </a:p>
+        </p:txBody>
+      </p:sp>
+      <p:sp>
+        <p:nvSpPr>
+          <p:cNvPr id="4" name="ZoneTexte 3">
+            <a:extLst>
+              <a:ext uri="{FF2B5EF4-FFF2-40B4-BE49-F238E27FC236}">
+                <a16:creationId xmlns:a16="http://schemas.microsoft.com/office/drawing/2014/main" id="{91C49E5D-8762-B196-A85C-5A1CF755F0BF}"/>
+              </a:ext>
+            </a:extLst>
+          </p:cNvPr>
+          <p:cNvSpPr txBox="1"/>
+          <p:nvPr/>
+        </p:nvSpPr>
+        <p:spPr>
+          <a:xfrm>
+            <a:off x="1669409" y="4446165"/>
+            <a:ext cx="8456103" cy="1477328"/>
+          </a:xfrm>
+          <a:prstGeom prst="rect">
+            <a:avLst/>
+          </a:prstGeom>
+          <a:noFill/>
+        </p:spPr>
+        <p:txBody>
+          <a:bodyPr wrap="square" rtlCol="0">
+            <a:spAutoFit/>
+          </a:bodyPr>
+          <a:lstStyle/>
+          <a:p>
+            <a:r>
+              <a:rPr lang="fr-FR" dirty="0"/>
+              <a:t>Sur le modèle de la méthode </a:t>
+            </a:r>
+            <a:r>
+              <a:rPr lang="fr-FR" dirty="0" err="1"/>
+              <a:t>foreach</a:t>
+            </a:r>
+            <a:r>
+              <a:rPr lang="fr-FR" dirty="0"/>
+              <a:t>(),  créez une fonction </a:t>
+            </a:r>
+            <a:r>
+              <a:rPr lang="fr-FR" dirty="0" err="1"/>
+              <a:t>customForEach</a:t>
+            </a:r>
+            <a:r>
+              <a:rPr lang="fr-FR" dirty="0"/>
+              <a:t>() qui prend en paramètre un tableau et une fonction </a:t>
+            </a:r>
+            <a:r>
+              <a:rPr lang="fr-FR" dirty="0" err="1"/>
+              <a:t>callBack</a:t>
+            </a:r>
+            <a:r>
+              <a:rPr lang="fr-FR" dirty="0"/>
+              <a:t>().</a:t>
+            </a:r>
+          </a:p>
+          <a:p>
+            <a:pPr marL="285750" indent="-285750">
+              <a:buFontTx/>
+              <a:buChar char="-"/>
+            </a:pPr>
+            <a:r>
+              <a:rPr lang="fr-FR" dirty="0"/>
+              <a:t>Votre fonction </a:t>
+            </a:r>
+            <a:r>
+              <a:rPr lang="fr-FR" dirty="0" err="1"/>
+              <a:t>customForEach</a:t>
+            </a:r>
+            <a:r>
+              <a:rPr lang="fr-FR" dirty="0"/>
+              <a:t>() devra parcourir le tableau et appeler la fonction </a:t>
+            </a:r>
+            <a:r>
+              <a:rPr lang="fr-FR" dirty="0" err="1"/>
+              <a:t>callBack</a:t>
+            </a:r>
+            <a:r>
+              <a:rPr lang="fr-FR" dirty="0"/>
+              <a:t>().</a:t>
+            </a:r>
+          </a:p>
+          <a:p>
+            <a:pPr marL="285750" indent="-285750">
+              <a:buFontTx/>
+              <a:buChar char="-"/>
+            </a:pPr>
+            <a:r>
+              <a:rPr lang="fr-FR" dirty="0"/>
+              <a:t>La fonction </a:t>
+            </a:r>
+            <a:r>
+              <a:rPr lang="fr-FR" dirty="0" err="1"/>
+              <a:t>callBack</a:t>
+            </a:r>
+            <a:r>
+              <a:rPr lang="fr-FR" dirty="0"/>
+              <a:t>() affichera dans la console tous les éléments du tableau.</a:t>
+            </a:r>
+          </a:p>
+        </p:txBody>
+      </p:sp>
+      <p:pic>
+        <p:nvPicPr>
+          <p:cNvPr id="5" name="Picture 12" descr="JavaScript Logo et symbole, sens, histoire, PNG, marque">
+            <a:extLst>
+              <a:ext uri="{FF2B5EF4-FFF2-40B4-BE49-F238E27FC236}">
+                <a16:creationId xmlns:a16="http://schemas.microsoft.com/office/drawing/2014/main" id="{EE022361-3123-E367-526A-72E68AEDF15B}"/>
+              </a:ext>
+            </a:extLst>
+          </p:cNvPr>
+          <p:cNvPicPr>
+            <a:picLocks noChangeAspect="1" noChangeArrowheads="1"/>
+          </p:cNvPicPr>
+          <p:nvPr/>
+        </p:nvPicPr>
+        <p:blipFill>
+          <a:blip r:embed="rId2">
+            <a:extLst>
+              <a:ext uri="{28A0092B-C50C-407E-A947-70E740481C1C}">
+                <a14:useLocalDpi xmlns:a14="http://schemas.microsoft.com/office/drawing/2010/main" val="0"/>
+              </a:ext>
+            </a:extLst>
+          </a:blip>
+          <a:srcRect/>
+          <a:stretch>
+            <a:fillRect/>
+          </a:stretch>
+        </p:blipFill>
+        <p:spPr bwMode="auto">
+          <a:xfrm>
+            <a:off x="10380582" y="286603"/>
+            <a:ext cx="1550195" cy="876779"/>
+          </a:xfrm>
+          <a:prstGeom prst="rect">
+            <a:avLst/>
+          </a:prstGeom>
+          <a:noFill/>
+          <a:extLst>
+            <a:ext uri="{909E8E84-426E-40DD-AFC4-6F175D3DCCD1}">
+              <a14:hiddenFill xmlns:a14="http://schemas.microsoft.com/office/drawing/2010/main">
+                <a:solidFill>
+                  <a:srgbClr val="FFFFFF"/>
+                </a:solidFill>
+              </a14:hiddenFill>
+            </a:ext>
+          </a:extLst>
+        </p:spPr>
+      </p:pic>
+    </p:spTree>
+    <p:extLst>
+      <p:ext uri="{BB962C8B-B14F-4D97-AF65-F5344CB8AC3E}">
+        <p14:creationId xmlns:p14="http://schemas.microsoft.com/office/powerpoint/2010/main" val="967072509"/>
+      </p:ext>
+    </p:extLst>
+  </p:cSld>
+  <p:clrMapOvr>
+    <a:masterClrMapping/>
+  </p:clrMapOvr>
+</p:sld>
+</file>
+
+<file path=ppt/slides/slide65.xml><?xml version="1.0" encoding="utf-8"?>
+<p:sld xmlns:a="http://schemas.openxmlformats.org/drawingml/2006/main" xmlns:r="http://schemas.openxmlformats.org/officeDocument/2006/relationships" xmlns:p="http://schemas.openxmlformats.org/presentationml/2006/main">
+  <p:cSld>
+    <p:spTree>
+      <p:nvGrpSpPr>
+        <p:cNvPr id="1" name=""/>
+        <p:cNvGrpSpPr/>
+        <p:nvPr/>
+      </p:nvGrpSpPr>
+      <p:grpSpPr>
+        <a:xfrm>
+          <a:off x="0" y="0"/>
+          <a:ext cx="0" cy="0"/>
+          <a:chOff x="0" y="0"/>
+          <a:chExt cx="0" cy="0"/>
+        </a:xfrm>
+      </p:grpSpPr>
+      <p:sp>
+        <p:nvSpPr>
+          <p:cNvPr id="3" name="Titre 1">
+            <a:extLst>
+              <a:ext uri="{FF2B5EF4-FFF2-40B4-BE49-F238E27FC236}">
+                <a16:creationId xmlns:a16="http://schemas.microsoft.com/office/drawing/2014/main" id="{E7373E66-041F-37D5-0ADF-25BA87ABC979}"/>
+              </a:ext>
+            </a:extLst>
+          </p:cNvPr>
+          <p:cNvSpPr>
+            <a:spLocks noGrp="1"/>
+          </p:cNvSpPr>
+          <p:nvPr>
+            <p:ph type="title"/>
+          </p:nvPr>
+        </p:nvSpPr>
+        <p:spPr>
+          <a:xfrm>
+            <a:off x="1097280" y="286603"/>
+            <a:ext cx="10058400" cy="1450757"/>
+          </a:xfrm>
+        </p:spPr>
+        <p:txBody>
+          <a:bodyPr>
+            <a:normAutofit/>
+          </a:bodyPr>
+          <a:lstStyle/>
+          <a:p>
+            <a:r>
+              <a:rPr lang="fr-FR" dirty="0"/>
+              <a:t>VI- Les fonctions</a:t>
+            </a:r>
+            <a:br>
+              <a:rPr lang="fr-FR" dirty="0"/>
+            </a:br>
+            <a:r>
+              <a:rPr lang="fr-FR" dirty="0"/>
+              <a:t>	</a:t>
+            </a:r>
+            <a:r>
+              <a:rPr lang="fr-FR" sz="3600" i="1" dirty="0"/>
+              <a:t>  9. Les fonctions d’ordre supérieur  </a:t>
+            </a:r>
+          </a:p>
+        </p:txBody>
+      </p:sp>
+      <p:sp>
+        <p:nvSpPr>
+          <p:cNvPr id="2" name="ZoneTexte 1">
+            <a:extLst>
+              <a:ext uri="{FF2B5EF4-FFF2-40B4-BE49-F238E27FC236}">
+                <a16:creationId xmlns:a16="http://schemas.microsoft.com/office/drawing/2014/main" id="{9605F7BA-8E81-EFA1-341A-650E348D3F94}"/>
+              </a:ext>
+            </a:extLst>
+          </p:cNvPr>
+          <p:cNvSpPr txBox="1"/>
+          <p:nvPr/>
+        </p:nvSpPr>
+        <p:spPr>
+          <a:xfrm>
+            <a:off x="1097281" y="2491598"/>
+            <a:ext cx="10437582" cy="1477328"/>
+          </a:xfrm>
+          <a:prstGeom prst="rect">
+            <a:avLst/>
+          </a:prstGeom>
+          <a:noFill/>
+        </p:spPr>
+        <p:txBody>
+          <a:bodyPr wrap="square" rtlCol="0">
+            <a:spAutoFit/>
+          </a:bodyPr>
+          <a:lstStyle/>
+          <a:p>
+            <a:r>
+              <a:rPr lang="fr-FR" sz="2400" dirty="0"/>
+              <a:t>Une fonction d’ordre supérieur rempli au moins l’un des deux critères suivants:</a:t>
+            </a:r>
+          </a:p>
+          <a:p>
+            <a:pPr marL="285750" indent="-285750">
+              <a:buFont typeface="Arial" panose="020B0604020202020204" pitchFamily="34" charset="0"/>
+              <a:buChar char="•"/>
+            </a:pPr>
+            <a:r>
+              <a:rPr lang="fr-FR" sz="2400" dirty="0"/>
+              <a:t>Utilise une autre fonction en paramètre </a:t>
+            </a:r>
+          </a:p>
+          <a:p>
+            <a:pPr marL="285750" indent="-285750">
+              <a:buFont typeface="Arial" panose="020B0604020202020204" pitchFamily="34" charset="0"/>
+              <a:buChar char="•"/>
+            </a:pPr>
+            <a:r>
+              <a:rPr lang="fr-FR" sz="2400" dirty="0"/>
+              <a:t>Retourne une fonction </a:t>
+            </a:r>
+          </a:p>
+          <a:p>
+            <a:r>
+              <a:rPr lang="fr-FR" dirty="0"/>
+              <a:t> </a:t>
+            </a:r>
+          </a:p>
+        </p:txBody>
+      </p:sp>
+      <p:sp>
+        <p:nvSpPr>
+          <p:cNvPr id="4" name="ZoneTexte 3">
+            <a:extLst>
+              <a:ext uri="{FF2B5EF4-FFF2-40B4-BE49-F238E27FC236}">
+                <a16:creationId xmlns:a16="http://schemas.microsoft.com/office/drawing/2014/main" id="{A2DDB423-1D75-24B2-0C5D-6B9D48EFACF8}"/>
+              </a:ext>
+            </a:extLst>
+          </p:cNvPr>
+          <p:cNvSpPr txBox="1"/>
+          <p:nvPr/>
+        </p:nvSpPr>
+        <p:spPr>
+          <a:xfrm>
+            <a:off x="1669409" y="4446165"/>
+            <a:ext cx="8456103" cy="1477328"/>
+          </a:xfrm>
+          <a:prstGeom prst="rect">
+            <a:avLst/>
+          </a:prstGeom>
+          <a:noFill/>
+        </p:spPr>
+        <p:txBody>
+          <a:bodyPr wrap="square" rtlCol="0">
+            <a:spAutoFit/>
+          </a:bodyPr>
+          <a:lstStyle/>
+          <a:p>
+            <a:r>
+              <a:rPr lang="fr-FR" dirty="0"/>
+              <a:t>Sur le modèle de la méthode </a:t>
+            </a:r>
+            <a:r>
+              <a:rPr lang="fr-FR" dirty="0" err="1"/>
+              <a:t>filter</a:t>
+            </a:r>
+            <a:r>
+              <a:rPr lang="fr-FR" dirty="0"/>
+              <a:t>(),  créez une fonction </a:t>
+            </a:r>
+            <a:r>
+              <a:rPr lang="fr-FR" dirty="0" err="1"/>
+              <a:t>customFilter</a:t>
+            </a:r>
+            <a:r>
+              <a:rPr lang="fr-FR" dirty="0"/>
+              <a:t>() qui prend un paramètre un tableau et une fonction </a:t>
+            </a:r>
+            <a:r>
+              <a:rPr lang="fr-FR" dirty="0" err="1"/>
+              <a:t>callBack</a:t>
+            </a:r>
+            <a:r>
+              <a:rPr lang="fr-FR" dirty="0"/>
+              <a:t>().</a:t>
+            </a:r>
+          </a:p>
+          <a:p>
+            <a:pPr marL="285750" indent="-285750">
+              <a:buFontTx/>
+              <a:buChar char="-"/>
+            </a:pPr>
+            <a:r>
+              <a:rPr lang="fr-FR" dirty="0"/>
+              <a:t>Votre fonction </a:t>
+            </a:r>
+            <a:r>
+              <a:rPr lang="fr-FR" dirty="0" err="1"/>
+              <a:t>customFilter</a:t>
+            </a:r>
+            <a:r>
+              <a:rPr lang="fr-FR" dirty="0"/>
+              <a:t>() devra parcourir le tableau et pousser l’élément courant dans un autre tableau si le critère est rempli </a:t>
+            </a:r>
+          </a:p>
+          <a:p>
+            <a:pPr marL="285750" indent="-285750">
+              <a:buFontTx/>
+              <a:buChar char="-"/>
+            </a:pPr>
+            <a:r>
+              <a:rPr lang="fr-FR" dirty="0"/>
+              <a:t>La fonction </a:t>
+            </a:r>
+            <a:r>
+              <a:rPr lang="fr-FR" dirty="0" err="1"/>
+              <a:t>callBack</a:t>
+            </a:r>
+            <a:r>
+              <a:rPr lang="fr-FR" dirty="0"/>
+              <a:t>() contiendra la condition à remplir pour filtrer.</a:t>
+            </a:r>
+          </a:p>
+        </p:txBody>
+      </p:sp>
+      <p:pic>
+        <p:nvPicPr>
+          <p:cNvPr id="5" name="Picture 12" descr="JavaScript Logo et symbole, sens, histoire, PNG, marque">
+            <a:extLst>
+              <a:ext uri="{FF2B5EF4-FFF2-40B4-BE49-F238E27FC236}">
+                <a16:creationId xmlns:a16="http://schemas.microsoft.com/office/drawing/2014/main" id="{83CE09AF-D4FC-42C0-9347-4E56FC684519}"/>
+              </a:ext>
+            </a:extLst>
+          </p:cNvPr>
+          <p:cNvPicPr>
+            <a:picLocks noChangeAspect="1" noChangeArrowheads="1"/>
+          </p:cNvPicPr>
+          <p:nvPr/>
+        </p:nvPicPr>
+        <p:blipFill>
+          <a:blip r:embed="rId2">
+            <a:extLst>
+              <a:ext uri="{28A0092B-C50C-407E-A947-70E740481C1C}">
+                <a14:useLocalDpi xmlns:a14="http://schemas.microsoft.com/office/drawing/2010/main" val="0"/>
+              </a:ext>
+            </a:extLst>
+          </a:blip>
+          <a:srcRect/>
+          <a:stretch>
+            <a:fillRect/>
+          </a:stretch>
+        </p:blipFill>
+        <p:spPr bwMode="auto">
+          <a:xfrm>
+            <a:off x="10380582" y="286603"/>
+            <a:ext cx="1550195" cy="876779"/>
+          </a:xfrm>
+          <a:prstGeom prst="rect">
+            <a:avLst/>
+          </a:prstGeom>
+          <a:noFill/>
+          <a:extLst>
+            <a:ext uri="{909E8E84-426E-40DD-AFC4-6F175D3DCCD1}">
+              <a14:hiddenFill xmlns:a14="http://schemas.microsoft.com/office/drawing/2010/main">
+                <a:solidFill>
+                  <a:srgbClr val="FFFFFF"/>
+                </a:solidFill>
+              </a14:hiddenFill>
+            </a:ext>
+          </a:extLst>
+        </p:spPr>
+      </p:pic>
+    </p:spTree>
+    <p:extLst>
+      <p:ext uri="{BB962C8B-B14F-4D97-AF65-F5344CB8AC3E}">
+        <p14:creationId xmlns:p14="http://schemas.microsoft.com/office/powerpoint/2010/main" val="3780828344"/>
+      </p:ext>
+    </p:extLst>
+  </p:cSld>
+  <p:clrMapOvr>
+    <a:masterClrMapping/>
+  </p:clrMapOvr>
+</p:sld>
+</file>
+
+<file path=ppt/slides/slide66.xml><?xml version="1.0" encoding="utf-8"?>
+<p:sld xmlns:a="http://schemas.openxmlformats.org/drawingml/2006/main" xmlns:r="http://schemas.openxmlformats.org/officeDocument/2006/relationships" xmlns:p="http://schemas.openxmlformats.org/presentationml/2006/main">
+  <p:cSld>
+    <p:spTree>
+      <p:nvGrpSpPr>
+        <p:cNvPr id="1" name=""/>
+        <p:cNvGrpSpPr/>
+        <p:nvPr/>
+      </p:nvGrpSpPr>
+      <p:grpSpPr>
+        <a:xfrm>
+          <a:off x="0" y="0"/>
+          <a:ext cx="0" cy="0"/>
+          <a:chOff x="0" y="0"/>
+          <a:chExt cx="0" cy="0"/>
+        </a:xfrm>
+      </p:grpSpPr>
+      <p:sp>
+        <p:nvSpPr>
+          <p:cNvPr id="3" name="Titre 1">
+            <a:extLst>
+              <a:ext uri="{FF2B5EF4-FFF2-40B4-BE49-F238E27FC236}">
+                <a16:creationId xmlns:a16="http://schemas.microsoft.com/office/drawing/2014/main" id="{E7373E66-041F-37D5-0ADF-25BA87ABC979}"/>
+              </a:ext>
+            </a:extLst>
+          </p:cNvPr>
+          <p:cNvSpPr>
+            <a:spLocks noGrp="1"/>
+          </p:cNvSpPr>
+          <p:nvPr>
+            <p:ph type="title"/>
+          </p:nvPr>
+        </p:nvSpPr>
+        <p:spPr>
+          <a:xfrm>
+            <a:off x="1097280" y="286603"/>
+            <a:ext cx="10058400" cy="1450757"/>
+          </a:xfrm>
+        </p:spPr>
+        <p:txBody>
+          <a:bodyPr>
+            <a:normAutofit/>
+          </a:bodyPr>
+          <a:lstStyle/>
+          <a:p>
+            <a:r>
+              <a:rPr lang="fr-FR" dirty="0"/>
+              <a:t>VI- Les fonctions</a:t>
+            </a:r>
+            <a:br>
+              <a:rPr lang="fr-FR" dirty="0"/>
+            </a:br>
+            <a:r>
+              <a:rPr lang="fr-FR" dirty="0"/>
+              <a:t>	</a:t>
+            </a:r>
+            <a:r>
+              <a:rPr lang="fr-FR" sz="3600" i="1" dirty="0"/>
+              <a:t>  10. Les fermetures (</a:t>
+            </a:r>
+            <a:r>
+              <a:rPr lang="fr-FR" sz="3600" i="1" dirty="0" err="1"/>
+              <a:t>closure</a:t>
+            </a:r>
+            <a:r>
+              <a:rPr lang="fr-FR" sz="3600" i="1" dirty="0"/>
+              <a:t>)</a:t>
+            </a:r>
+          </a:p>
+        </p:txBody>
+      </p:sp>
+      <p:sp>
+        <p:nvSpPr>
+          <p:cNvPr id="4" name="ZoneTexte 3">
+            <a:extLst>
+              <a:ext uri="{FF2B5EF4-FFF2-40B4-BE49-F238E27FC236}">
+                <a16:creationId xmlns:a16="http://schemas.microsoft.com/office/drawing/2014/main" id="{C2C93504-456F-4794-8DB2-35B8A3C18C9B}"/>
+              </a:ext>
+            </a:extLst>
+          </p:cNvPr>
+          <p:cNvSpPr txBox="1"/>
+          <p:nvPr/>
+        </p:nvSpPr>
+        <p:spPr>
+          <a:xfrm>
+            <a:off x="1390895" y="2961314"/>
+            <a:ext cx="9764785" cy="1384995"/>
+          </a:xfrm>
+          <a:prstGeom prst="rect">
+            <a:avLst/>
+          </a:prstGeom>
+          <a:noFill/>
+        </p:spPr>
+        <p:txBody>
+          <a:bodyPr wrap="square" rtlCol="0">
+            <a:spAutoFit/>
+          </a:bodyPr>
+          <a:lstStyle/>
+          <a:p>
+            <a:r>
+              <a:rPr lang="fr-FR" sz="2800" dirty="0"/>
+              <a:t>Les </a:t>
+            </a:r>
+            <a:r>
+              <a:rPr lang="fr-FR" sz="2800" b="1" dirty="0" err="1"/>
+              <a:t>closures</a:t>
+            </a:r>
+            <a:r>
+              <a:rPr lang="fr-FR" sz="2800" dirty="0"/>
+              <a:t> sont des </a:t>
+            </a:r>
+            <a:r>
+              <a:rPr lang="fr-FR" sz="2800" b="1" dirty="0"/>
+              <a:t>fonctions</a:t>
+            </a:r>
+            <a:r>
+              <a:rPr lang="fr-FR" sz="2800" dirty="0"/>
+              <a:t> </a:t>
+            </a:r>
+            <a:r>
+              <a:rPr lang="fr-FR" sz="2800" b="1" dirty="0"/>
+              <a:t>contenues</a:t>
+            </a:r>
+            <a:r>
+              <a:rPr lang="fr-FR" sz="2800" dirty="0"/>
+              <a:t> </a:t>
+            </a:r>
+            <a:r>
+              <a:rPr lang="fr-FR" sz="2800" b="1" dirty="0"/>
+              <a:t>dans une autre fonction</a:t>
+            </a:r>
+            <a:r>
+              <a:rPr lang="fr-FR" sz="2800" dirty="0"/>
+              <a:t>, c’est une méthode qui permet de </a:t>
+            </a:r>
+            <a:r>
+              <a:rPr lang="fr-FR" sz="2800" b="1" dirty="0"/>
+              <a:t>garder en mémoire </a:t>
+            </a:r>
+            <a:r>
+              <a:rPr lang="fr-FR" sz="2800" dirty="0"/>
+              <a:t>la valeur des </a:t>
+            </a:r>
+            <a:r>
+              <a:rPr lang="fr-FR" sz="2800" b="1" dirty="0"/>
+              <a:t>variables locales </a:t>
+            </a:r>
+            <a:r>
+              <a:rPr lang="fr-FR" sz="2800" dirty="0"/>
+              <a:t>de la fonction parente </a:t>
+            </a:r>
+          </a:p>
+        </p:txBody>
+      </p:sp>
+      <p:sp>
+        <p:nvSpPr>
+          <p:cNvPr id="5" name="ZoneTexte 4">
+            <a:extLst>
+              <a:ext uri="{FF2B5EF4-FFF2-40B4-BE49-F238E27FC236}">
+                <a16:creationId xmlns:a16="http://schemas.microsoft.com/office/drawing/2014/main" id="{87358C9B-D461-22B4-8199-EEBAB5B02D20}"/>
+              </a:ext>
+            </a:extLst>
+          </p:cNvPr>
+          <p:cNvSpPr txBox="1"/>
+          <p:nvPr/>
+        </p:nvSpPr>
+        <p:spPr>
+          <a:xfrm>
+            <a:off x="2936146" y="5880683"/>
+            <a:ext cx="6727971" cy="369332"/>
+          </a:xfrm>
+          <a:prstGeom prst="rect">
+            <a:avLst/>
+          </a:prstGeom>
+          <a:noFill/>
+        </p:spPr>
+        <p:txBody>
+          <a:bodyPr wrap="square" rtlCol="0">
+            <a:spAutoFit/>
+          </a:bodyPr>
+          <a:lstStyle/>
+          <a:p>
+            <a:r>
+              <a:rPr lang="fr-FR" dirty="0"/>
+              <a:t>Exercice: Créer un </a:t>
+            </a:r>
+            <a:r>
+              <a:rPr lang="fr-FR" dirty="0" err="1"/>
+              <a:t>timer</a:t>
+            </a:r>
+            <a:r>
+              <a:rPr lang="fr-FR" dirty="0"/>
+              <a:t> à l’aide d’une </a:t>
+            </a:r>
+            <a:r>
+              <a:rPr lang="fr-FR" dirty="0" err="1"/>
+              <a:t>closure</a:t>
+            </a:r>
+            <a:endParaRPr lang="fr-FR" dirty="0"/>
+          </a:p>
+        </p:txBody>
+      </p:sp>
+      <p:pic>
+        <p:nvPicPr>
+          <p:cNvPr id="2" name="Picture 12" descr="JavaScript Logo et symbole, sens, histoire, PNG, marque">
+            <a:extLst>
+              <a:ext uri="{FF2B5EF4-FFF2-40B4-BE49-F238E27FC236}">
+                <a16:creationId xmlns:a16="http://schemas.microsoft.com/office/drawing/2014/main" id="{A8228A2F-6B38-4877-AC99-0462EB381E94}"/>
+              </a:ext>
+            </a:extLst>
+          </p:cNvPr>
+          <p:cNvPicPr>
+            <a:picLocks noChangeAspect="1" noChangeArrowheads="1"/>
+          </p:cNvPicPr>
+          <p:nvPr/>
+        </p:nvPicPr>
+        <p:blipFill>
+          <a:blip r:embed="rId2">
+            <a:extLst>
+              <a:ext uri="{28A0092B-C50C-407E-A947-70E740481C1C}">
+                <a14:useLocalDpi xmlns:a14="http://schemas.microsoft.com/office/drawing/2010/main" val="0"/>
+              </a:ext>
+            </a:extLst>
+          </a:blip>
+          <a:srcRect/>
+          <a:stretch>
+            <a:fillRect/>
+          </a:stretch>
+        </p:blipFill>
+        <p:spPr bwMode="auto">
+          <a:xfrm>
+            <a:off x="10380582" y="286603"/>
+            <a:ext cx="1550195" cy="876779"/>
+          </a:xfrm>
+          <a:prstGeom prst="rect">
+            <a:avLst/>
+          </a:prstGeom>
+          <a:noFill/>
+          <a:extLst>
+            <a:ext uri="{909E8E84-426E-40DD-AFC4-6F175D3DCCD1}">
+              <a14:hiddenFill xmlns:a14="http://schemas.microsoft.com/office/drawing/2010/main">
+                <a:solidFill>
+                  <a:srgbClr val="FFFFFF"/>
+                </a:solidFill>
+              </a14:hiddenFill>
+            </a:ext>
+          </a:extLst>
+        </p:spPr>
+      </p:pic>
+    </p:spTree>
+    <p:extLst>
+      <p:ext uri="{BB962C8B-B14F-4D97-AF65-F5344CB8AC3E}">
+        <p14:creationId xmlns:p14="http://schemas.microsoft.com/office/powerpoint/2010/main" val="1577315994"/>
       </p:ext>
     </p:extLst>
   </p:cSld>

--- a/cours.pptx
+++ b/cours.pptx
@@ -71,6 +71,26 @@
     <p:sldId id="343" r:id="rId65"/>
     <p:sldId id="344" r:id="rId66"/>
     <p:sldId id="392" r:id="rId67"/>
+    <p:sldId id="393" r:id="rId68"/>
+    <p:sldId id="395" r:id="rId69"/>
+    <p:sldId id="394" r:id="rId70"/>
+    <p:sldId id="396" r:id="rId71"/>
+    <p:sldId id="397" r:id="rId72"/>
+    <p:sldId id="398" r:id="rId73"/>
+    <p:sldId id="399" r:id="rId74"/>
+    <p:sldId id="372" r:id="rId75"/>
+    <p:sldId id="403" r:id="rId76"/>
+    <p:sldId id="404" r:id="rId77"/>
+    <p:sldId id="373" r:id="rId78"/>
+    <p:sldId id="400" r:id="rId79"/>
+    <p:sldId id="401" r:id="rId80"/>
+    <p:sldId id="374" r:id="rId81"/>
+    <p:sldId id="402" r:id="rId82"/>
+    <p:sldId id="375" r:id="rId83"/>
+    <p:sldId id="405" r:id="rId84"/>
+    <p:sldId id="407" r:id="rId85"/>
+    <p:sldId id="408" r:id="rId86"/>
+    <p:sldId id="409" r:id="rId87"/>
   </p:sldIdLst>
   <p:sldSz cx="12192000" cy="6858000"/>
   <p:notesSz cx="6858000" cy="9144000"/>
@@ -324,7 +344,7 @@
           <a:p>
             <a:fld id="{6AD61AA8-A60B-4213-843B-33CCD8DDD4AE}" type="datetimeFigureOut">
               <a:rPr lang="fr-FR" smtClean="0"/>
-              <a:t>15/12/2023</a:t>
+              <a:t>18/12/2023</a:t>
             </a:fld>
             <a:endParaRPr lang="fr-FR"/>
           </a:p>
@@ -522,7 +542,7 @@
           <a:p>
             <a:fld id="{6AD61AA8-A60B-4213-843B-33CCD8DDD4AE}" type="datetimeFigureOut">
               <a:rPr lang="fr-FR" smtClean="0"/>
-              <a:t>15/12/2023</a:t>
+              <a:t>18/12/2023</a:t>
             </a:fld>
             <a:endParaRPr lang="fr-FR"/>
           </a:p>
@@ -730,7 +750,7 @@
           <a:p>
             <a:fld id="{6AD61AA8-A60B-4213-843B-33CCD8DDD4AE}" type="datetimeFigureOut">
               <a:rPr lang="fr-FR" smtClean="0"/>
-              <a:t>15/12/2023</a:t>
+              <a:t>18/12/2023</a:t>
             </a:fld>
             <a:endParaRPr lang="fr-FR"/>
           </a:p>
@@ -928,7 +948,7 @@
           <a:p>
             <a:fld id="{6AD61AA8-A60B-4213-843B-33CCD8DDD4AE}" type="datetimeFigureOut">
               <a:rPr lang="fr-FR" smtClean="0"/>
-              <a:t>15/12/2023</a:t>
+              <a:t>18/12/2023</a:t>
             </a:fld>
             <a:endParaRPr lang="fr-FR"/>
           </a:p>
@@ -1203,7 +1223,7 @@
           <a:p>
             <a:fld id="{6AD61AA8-A60B-4213-843B-33CCD8DDD4AE}" type="datetimeFigureOut">
               <a:rPr lang="fr-FR" smtClean="0"/>
-              <a:t>15/12/2023</a:t>
+              <a:t>18/12/2023</a:t>
             </a:fld>
             <a:endParaRPr lang="fr-FR"/>
           </a:p>
@@ -1468,7 +1488,7 @@
           <a:p>
             <a:fld id="{6AD61AA8-A60B-4213-843B-33CCD8DDD4AE}" type="datetimeFigureOut">
               <a:rPr lang="fr-FR" smtClean="0"/>
-              <a:t>15/12/2023</a:t>
+              <a:t>18/12/2023</a:t>
             </a:fld>
             <a:endParaRPr lang="fr-FR"/>
           </a:p>
@@ -1880,7 +1900,7 @@
           <a:p>
             <a:fld id="{6AD61AA8-A60B-4213-843B-33CCD8DDD4AE}" type="datetimeFigureOut">
               <a:rPr lang="fr-FR" smtClean="0"/>
-              <a:t>15/12/2023</a:t>
+              <a:t>18/12/2023</a:t>
             </a:fld>
             <a:endParaRPr lang="fr-FR"/>
           </a:p>
@@ -2021,7 +2041,7 @@
           <a:p>
             <a:fld id="{6AD61AA8-A60B-4213-843B-33CCD8DDD4AE}" type="datetimeFigureOut">
               <a:rPr lang="fr-FR" smtClean="0"/>
-              <a:t>15/12/2023</a:t>
+              <a:t>18/12/2023</a:t>
             </a:fld>
             <a:endParaRPr lang="fr-FR"/>
           </a:p>
@@ -2134,7 +2154,7 @@
           <a:p>
             <a:fld id="{6AD61AA8-A60B-4213-843B-33CCD8DDD4AE}" type="datetimeFigureOut">
               <a:rPr lang="fr-FR" smtClean="0"/>
-              <a:t>15/12/2023</a:t>
+              <a:t>18/12/2023</a:t>
             </a:fld>
             <a:endParaRPr lang="fr-FR"/>
           </a:p>
@@ -2445,7 +2465,7 @@
           <a:p>
             <a:fld id="{6AD61AA8-A60B-4213-843B-33CCD8DDD4AE}" type="datetimeFigureOut">
               <a:rPr lang="fr-FR" smtClean="0"/>
-              <a:t>15/12/2023</a:t>
+              <a:t>18/12/2023</a:t>
             </a:fld>
             <a:endParaRPr lang="fr-FR"/>
           </a:p>
@@ -2733,7 +2753,7 @@
           <a:p>
             <a:fld id="{6AD61AA8-A60B-4213-843B-33CCD8DDD4AE}" type="datetimeFigureOut">
               <a:rPr lang="fr-FR" smtClean="0"/>
-              <a:t>15/12/2023</a:t>
+              <a:t>18/12/2023</a:t>
             </a:fld>
             <a:endParaRPr lang="fr-FR"/>
           </a:p>
@@ -2974,7 +2994,7 @@
           <a:p>
             <a:fld id="{6AD61AA8-A60B-4213-843B-33CCD8DDD4AE}" type="datetimeFigureOut">
               <a:rPr lang="fr-FR" smtClean="0"/>
-              <a:t>15/12/2023</a:t>
+              <a:t>18/12/2023</a:t>
             </a:fld>
             <a:endParaRPr lang="fr-FR"/>
           </a:p>
@@ -18432,6 +18452,607 @@
 </p:sld>
 </file>
 
+<file path=ppt/slides/slide67.xml><?xml version="1.0" encoding="utf-8"?>
+<p:sld xmlns:a="http://schemas.openxmlformats.org/drawingml/2006/main" xmlns:r="http://schemas.openxmlformats.org/officeDocument/2006/relationships" xmlns:p="http://schemas.openxmlformats.org/presentationml/2006/main">
+  <p:cSld>
+    <p:spTree>
+      <p:nvGrpSpPr>
+        <p:cNvPr id="1" name=""/>
+        <p:cNvGrpSpPr/>
+        <p:nvPr/>
+      </p:nvGrpSpPr>
+      <p:grpSpPr>
+        <a:xfrm>
+          <a:off x="0" y="0"/>
+          <a:ext cx="0" cy="0"/>
+          <a:chOff x="0" y="0"/>
+          <a:chExt cx="0" cy="0"/>
+        </a:xfrm>
+      </p:grpSpPr>
+      <p:sp>
+        <p:nvSpPr>
+          <p:cNvPr id="3" name="Titre 1">
+            <a:extLst>
+              <a:ext uri="{FF2B5EF4-FFF2-40B4-BE49-F238E27FC236}">
+                <a16:creationId xmlns:a16="http://schemas.microsoft.com/office/drawing/2014/main" id="{E7373E66-041F-37D5-0ADF-25BA87ABC979}"/>
+              </a:ext>
+            </a:extLst>
+          </p:cNvPr>
+          <p:cNvSpPr>
+            <a:spLocks noGrp="1"/>
+          </p:cNvSpPr>
+          <p:nvPr>
+            <p:ph type="title"/>
+          </p:nvPr>
+        </p:nvSpPr>
+        <p:spPr>
+          <a:xfrm>
+            <a:off x="1097280" y="286603"/>
+            <a:ext cx="10058400" cy="1450757"/>
+          </a:xfrm>
+        </p:spPr>
+        <p:txBody>
+          <a:bodyPr>
+            <a:normAutofit/>
+          </a:bodyPr>
+          <a:lstStyle/>
+          <a:p>
+            <a:r>
+              <a:rPr lang="fr-FR" dirty="0"/>
+              <a:t>VII- Le BOM </a:t>
+            </a:r>
+            <a:br>
+              <a:rPr lang="fr-FR" dirty="0"/>
+            </a:br>
+            <a:r>
+              <a:rPr lang="fr-FR" dirty="0"/>
+              <a:t>	</a:t>
+            </a:r>
+            <a:r>
+              <a:rPr lang="fr-FR" sz="3600" i="1" dirty="0"/>
+              <a:t>  1. Browser Object Model </a:t>
+            </a:r>
+          </a:p>
+        </p:txBody>
+      </p:sp>
+      <p:sp>
+        <p:nvSpPr>
+          <p:cNvPr id="2" name="ZoneTexte 1">
+            <a:extLst>
+              <a:ext uri="{FF2B5EF4-FFF2-40B4-BE49-F238E27FC236}">
+                <a16:creationId xmlns:a16="http://schemas.microsoft.com/office/drawing/2014/main" id="{0AE7295B-7A51-483F-70B0-ABB3611C0C16}"/>
+              </a:ext>
+            </a:extLst>
+          </p:cNvPr>
+          <p:cNvSpPr txBox="1"/>
+          <p:nvPr/>
+        </p:nvSpPr>
+        <p:spPr>
+          <a:xfrm>
+            <a:off x="1644242" y="2701255"/>
+            <a:ext cx="9798342" cy="2246769"/>
+          </a:xfrm>
+          <a:prstGeom prst="rect">
+            <a:avLst/>
+          </a:prstGeom>
+          <a:noFill/>
+        </p:spPr>
+        <p:txBody>
+          <a:bodyPr wrap="square" rtlCol="0">
+            <a:spAutoFit/>
+          </a:bodyPr>
+          <a:lstStyle/>
+          <a:p>
+            <a:r>
+              <a:rPr lang="fr-FR" sz="2800" dirty="0"/>
+              <a:t>Le BOM est une interface de programmation qui permet d'accéder et de </a:t>
+            </a:r>
+            <a:r>
+              <a:rPr lang="fr-FR" sz="2800" b="1" dirty="0"/>
+              <a:t>manipuler les objets </a:t>
+            </a:r>
+            <a:r>
+              <a:rPr lang="fr-FR" sz="2800" dirty="0"/>
+              <a:t>de la fenêtre du navigateur, tels que la barre d'adresse, les boutons de navigation et les barres d'outils. </a:t>
+            </a:r>
+            <a:r>
+              <a:rPr lang="fr-FR" sz="2800"/>
+              <a:t>Le DOM (Document Object Model) </a:t>
+            </a:r>
+            <a:r>
+              <a:rPr lang="fr-FR" sz="2800" b="1" dirty="0"/>
+              <a:t>est une partie </a:t>
+            </a:r>
+            <a:r>
+              <a:rPr lang="fr-FR" sz="2800" b="1"/>
+              <a:t>du BOM.</a:t>
+            </a:r>
+            <a:endParaRPr lang="fr-FR" sz="2800" dirty="0"/>
+          </a:p>
+        </p:txBody>
+      </p:sp>
+      <p:pic>
+        <p:nvPicPr>
+          <p:cNvPr id="4" name="Picture 12" descr="JavaScript Logo et symbole, sens, histoire, PNG, marque">
+            <a:extLst>
+              <a:ext uri="{FF2B5EF4-FFF2-40B4-BE49-F238E27FC236}">
+                <a16:creationId xmlns:a16="http://schemas.microsoft.com/office/drawing/2014/main" id="{3D95CC01-518A-46A7-DEBA-AA5B07509A6A}"/>
+              </a:ext>
+            </a:extLst>
+          </p:cNvPr>
+          <p:cNvPicPr>
+            <a:picLocks noChangeAspect="1" noChangeArrowheads="1"/>
+          </p:cNvPicPr>
+          <p:nvPr/>
+        </p:nvPicPr>
+        <p:blipFill>
+          <a:blip r:embed="rId2">
+            <a:extLst>
+              <a:ext uri="{28A0092B-C50C-407E-A947-70E740481C1C}">
+                <a14:useLocalDpi xmlns:a14="http://schemas.microsoft.com/office/drawing/2010/main" val="0"/>
+              </a:ext>
+            </a:extLst>
+          </a:blip>
+          <a:srcRect/>
+          <a:stretch>
+            <a:fillRect/>
+          </a:stretch>
+        </p:blipFill>
+        <p:spPr bwMode="auto">
+          <a:xfrm>
+            <a:off x="10380582" y="286603"/>
+            <a:ext cx="1550195" cy="876779"/>
+          </a:xfrm>
+          <a:prstGeom prst="rect">
+            <a:avLst/>
+          </a:prstGeom>
+          <a:noFill/>
+          <a:extLst>
+            <a:ext uri="{909E8E84-426E-40DD-AFC4-6F175D3DCCD1}">
+              <a14:hiddenFill xmlns:a14="http://schemas.microsoft.com/office/drawing/2010/main">
+                <a:solidFill>
+                  <a:srgbClr val="FFFFFF"/>
+                </a:solidFill>
+              </a14:hiddenFill>
+            </a:ext>
+          </a:extLst>
+        </p:spPr>
+      </p:pic>
+    </p:spTree>
+    <p:extLst>
+      <p:ext uri="{BB962C8B-B14F-4D97-AF65-F5344CB8AC3E}">
+        <p14:creationId xmlns:p14="http://schemas.microsoft.com/office/powerpoint/2010/main" val="2930921184"/>
+      </p:ext>
+    </p:extLst>
+  </p:cSld>
+  <p:clrMapOvr>
+    <a:masterClrMapping/>
+  </p:clrMapOvr>
+</p:sld>
+</file>
+
+<file path=ppt/slides/slide68.xml><?xml version="1.0" encoding="utf-8"?>
+<p:sld xmlns:a="http://schemas.openxmlformats.org/drawingml/2006/main" xmlns:r="http://schemas.openxmlformats.org/officeDocument/2006/relationships" xmlns:p="http://schemas.openxmlformats.org/presentationml/2006/main">
+  <p:cSld>
+    <p:spTree>
+      <p:nvGrpSpPr>
+        <p:cNvPr id="1" name=""/>
+        <p:cNvGrpSpPr/>
+        <p:nvPr/>
+      </p:nvGrpSpPr>
+      <p:grpSpPr>
+        <a:xfrm>
+          <a:off x="0" y="0"/>
+          <a:ext cx="0" cy="0"/>
+          <a:chOff x="0" y="0"/>
+          <a:chExt cx="0" cy="0"/>
+        </a:xfrm>
+      </p:grpSpPr>
+      <p:sp>
+        <p:nvSpPr>
+          <p:cNvPr id="3" name="Titre 1">
+            <a:extLst>
+              <a:ext uri="{FF2B5EF4-FFF2-40B4-BE49-F238E27FC236}">
+                <a16:creationId xmlns:a16="http://schemas.microsoft.com/office/drawing/2014/main" id="{E7373E66-041F-37D5-0ADF-25BA87ABC979}"/>
+              </a:ext>
+            </a:extLst>
+          </p:cNvPr>
+          <p:cNvSpPr>
+            <a:spLocks noGrp="1"/>
+          </p:cNvSpPr>
+          <p:nvPr>
+            <p:ph type="title"/>
+          </p:nvPr>
+        </p:nvSpPr>
+        <p:spPr>
+          <a:xfrm>
+            <a:off x="1097280" y="286603"/>
+            <a:ext cx="10058400" cy="1450757"/>
+          </a:xfrm>
+        </p:spPr>
+        <p:txBody>
+          <a:bodyPr>
+            <a:normAutofit/>
+          </a:bodyPr>
+          <a:lstStyle/>
+          <a:p>
+            <a:r>
+              <a:rPr lang="fr-FR" dirty="0"/>
+              <a:t>VII- Le BOM </a:t>
+            </a:r>
+            <a:br>
+              <a:rPr lang="fr-FR" dirty="0"/>
+            </a:br>
+            <a:r>
+              <a:rPr lang="fr-FR" sz="1800" i="1" kern="1200" spc="-50" baseline="0" dirty="0">
+                <a:solidFill>
+                  <a:srgbClr val="404040"/>
+                </a:solidFill>
+                <a:effectLst/>
+                <a:latin typeface="Bookman Old Style" panose="02050604050505020204" pitchFamily="18" charset="0"/>
+                <a:ea typeface="+mj-ea"/>
+                <a:cs typeface="+mj-cs"/>
+              </a:rPr>
+              <a:t> 	</a:t>
+            </a:r>
+            <a:r>
+              <a:rPr lang="fr-FR" sz="3600" i="1" dirty="0"/>
+              <a:t>2. L’objet </a:t>
+            </a:r>
+            <a:r>
+              <a:rPr lang="fr-FR" sz="3600" i="1" dirty="0" err="1"/>
+              <a:t>window</a:t>
+            </a:r>
+            <a:r>
+              <a:rPr lang="fr-FR" sz="3600" i="1" dirty="0"/>
+              <a:t> </a:t>
+            </a:r>
+          </a:p>
+        </p:txBody>
+      </p:sp>
+      <p:sp>
+        <p:nvSpPr>
+          <p:cNvPr id="2" name="ZoneTexte 1">
+            <a:extLst>
+              <a:ext uri="{FF2B5EF4-FFF2-40B4-BE49-F238E27FC236}">
+                <a16:creationId xmlns:a16="http://schemas.microsoft.com/office/drawing/2014/main" id="{0AE7295B-7A51-483F-70B0-ABB3611C0C16}"/>
+              </a:ext>
+            </a:extLst>
+          </p:cNvPr>
+          <p:cNvSpPr txBox="1"/>
+          <p:nvPr/>
+        </p:nvSpPr>
+        <p:spPr>
+          <a:xfrm>
+            <a:off x="1501629" y="2357306"/>
+            <a:ext cx="9798342" cy="3539430"/>
+          </a:xfrm>
+          <a:prstGeom prst="rect">
+            <a:avLst/>
+          </a:prstGeom>
+          <a:noFill/>
+        </p:spPr>
+        <p:txBody>
+          <a:bodyPr wrap="square" rtlCol="0">
+            <a:spAutoFit/>
+          </a:bodyPr>
+          <a:lstStyle/>
+          <a:p>
+            <a:r>
+              <a:rPr lang="fr-FR" sz="2800" dirty="0"/>
+              <a:t>Cet objet représente la fenêtre du navigateur et fournit des méthodes pour manipuler la fenêtre, tels que redimensionner et déplacer la fenêtre, ouvrir une nouvelle fenêtre, etc.</a:t>
+            </a:r>
+          </a:p>
+          <a:p>
+            <a:endParaRPr lang="fr-FR" sz="2800" dirty="0"/>
+          </a:p>
+          <a:p>
+            <a:r>
+              <a:rPr lang="fr-FR" sz="2800" dirty="0"/>
+              <a:t>L’objet </a:t>
+            </a:r>
+            <a:r>
+              <a:rPr lang="fr-FR" sz="2800" dirty="0" err="1"/>
+              <a:t>window</a:t>
+            </a:r>
+            <a:r>
+              <a:rPr lang="fr-FR" sz="2800" dirty="0"/>
+              <a:t> est dit </a:t>
+            </a:r>
+            <a:r>
+              <a:rPr lang="fr-FR" sz="2800" b="1" dirty="0"/>
+              <a:t>global</a:t>
+            </a:r>
+            <a:r>
+              <a:rPr lang="fr-FR" sz="2800" dirty="0"/>
+              <a:t> car il </a:t>
+            </a:r>
+            <a:r>
+              <a:rPr lang="fr-FR" sz="2800" b="1" dirty="0"/>
+              <a:t>englobe</a:t>
+            </a:r>
+            <a:r>
+              <a:rPr lang="fr-FR" sz="2800" dirty="0"/>
+              <a:t> tous les autres objets.</a:t>
+            </a:r>
+          </a:p>
+          <a:p>
+            <a:endParaRPr lang="fr-FR" sz="2800" dirty="0">
+              <a:sym typeface="Wingdings" panose="05000000000000000000" pitchFamily="2" charset="2"/>
+            </a:endParaRPr>
+          </a:p>
+          <a:p>
+            <a:pPr algn="ctr"/>
+            <a:r>
+              <a:rPr lang="fr-FR" sz="2800" dirty="0">
+                <a:sym typeface="Wingdings" panose="05000000000000000000" pitchFamily="2" charset="2"/>
+                <a:hlinkClick r:id="rId2"/>
+              </a:rPr>
+              <a:t>DOC MDN </a:t>
+            </a:r>
+            <a:endParaRPr lang="fr-FR" sz="2800" dirty="0"/>
+          </a:p>
+        </p:txBody>
+      </p:sp>
+      <p:pic>
+        <p:nvPicPr>
+          <p:cNvPr id="4" name="Picture 12" descr="JavaScript Logo et symbole, sens, histoire, PNG, marque">
+            <a:extLst>
+              <a:ext uri="{FF2B5EF4-FFF2-40B4-BE49-F238E27FC236}">
+                <a16:creationId xmlns:a16="http://schemas.microsoft.com/office/drawing/2014/main" id="{666CDC96-0B93-7AC3-94C5-AD3046F11999}"/>
+              </a:ext>
+            </a:extLst>
+          </p:cNvPr>
+          <p:cNvPicPr>
+            <a:picLocks noChangeAspect="1" noChangeArrowheads="1"/>
+          </p:cNvPicPr>
+          <p:nvPr/>
+        </p:nvPicPr>
+        <p:blipFill>
+          <a:blip r:embed="rId3">
+            <a:extLst>
+              <a:ext uri="{28A0092B-C50C-407E-A947-70E740481C1C}">
+                <a14:useLocalDpi xmlns:a14="http://schemas.microsoft.com/office/drawing/2010/main" val="0"/>
+              </a:ext>
+            </a:extLst>
+          </a:blip>
+          <a:srcRect/>
+          <a:stretch>
+            <a:fillRect/>
+          </a:stretch>
+        </p:blipFill>
+        <p:spPr bwMode="auto">
+          <a:xfrm>
+            <a:off x="10380582" y="286603"/>
+            <a:ext cx="1550195" cy="876779"/>
+          </a:xfrm>
+          <a:prstGeom prst="rect">
+            <a:avLst/>
+          </a:prstGeom>
+          <a:noFill/>
+          <a:extLst>
+            <a:ext uri="{909E8E84-426E-40DD-AFC4-6F175D3DCCD1}">
+              <a14:hiddenFill xmlns:a14="http://schemas.microsoft.com/office/drawing/2010/main">
+                <a:solidFill>
+                  <a:srgbClr val="FFFFFF"/>
+                </a:solidFill>
+              </a14:hiddenFill>
+            </a:ext>
+          </a:extLst>
+        </p:spPr>
+      </p:pic>
+    </p:spTree>
+    <p:extLst>
+      <p:ext uri="{BB962C8B-B14F-4D97-AF65-F5344CB8AC3E}">
+        <p14:creationId xmlns:p14="http://schemas.microsoft.com/office/powerpoint/2010/main" val="4142810383"/>
+      </p:ext>
+    </p:extLst>
+  </p:cSld>
+  <p:clrMapOvr>
+    <a:masterClrMapping/>
+  </p:clrMapOvr>
+</p:sld>
+</file>
+
+<file path=ppt/slides/slide69.xml><?xml version="1.0" encoding="utf-8"?>
+<p:sld xmlns:a="http://schemas.openxmlformats.org/drawingml/2006/main" xmlns:r="http://schemas.openxmlformats.org/officeDocument/2006/relationships" xmlns:p="http://schemas.openxmlformats.org/presentationml/2006/main">
+  <p:cSld>
+    <p:spTree>
+      <p:nvGrpSpPr>
+        <p:cNvPr id="1" name=""/>
+        <p:cNvGrpSpPr/>
+        <p:nvPr/>
+      </p:nvGrpSpPr>
+      <p:grpSpPr>
+        <a:xfrm>
+          <a:off x="0" y="0"/>
+          <a:ext cx="0" cy="0"/>
+          <a:chOff x="0" y="0"/>
+          <a:chExt cx="0" cy="0"/>
+        </a:xfrm>
+      </p:grpSpPr>
+      <p:sp>
+        <p:nvSpPr>
+          <p:cNvPr id="3" name="Titre 1">
+            <a:extLst>
+              <a:ext uri="{FF2B5EF4-FFF2-40B4-BE49-F238E27FC236}">
+                <a16:creationId xmlns:a16="http://schemas.microsoft.com/office/drawing/2014/main" id="{E7373E66-041F-37D5-0ADF-25BA87ABC979}"/>
+              </a:ext>
+            </a:extLst>
+          </p:cNvPr>
+          <p:cNvSpPr>
+            <a:spLocks noGrp="1"/>
+          </p:cNvSpPr>
+          <p:nvPr>
+            <p:ph type="title"/>
+          </p:nvPr>
+        </p:nvSpPr>
+        <p:spPr>
+          <a:xfrm>
+            <a:off x="1097280" y="286603"/>
+            <a:ext cx="10058400" cy="1450757"/>
+          </a:xfrm>
+        </p:spPr>
+        <p:txBody>
+          <a:bodyPr>
+            <a:normAutofit/>
+          </a:bodyPr>
+          <a:lstStyle/>
+          <a:p>
+            <a:r>
+              <a:rPr lang="fr-FR" dirty="0"/>
+              <a:t>VII- Le BOM </a:t>
+            </a:r>
+            <a:br>
+              <a:rPr lang="fr-FR" dirty="0"/>
+            </a:br>
+            <a:r>
+              <a:rPr lang="fr-FR" dirty="0"/>
+              <a:t>	</a:t>
+            </a:r>
+            <a:r>
+              <a:rPr lang="fr-FR" sz="3600" i="1" dirty="0"/>
+              <a:t>  3. L’objet </a:t>
+            </a:r>
+            <a:r>
+              <a:rPr lang="fr-FR" sz="3600" i="1" dirty="0" err="1"/>
+              <a:t>navigator</a:t>
+            </a:r>
+            <a:r>
+              <a:rPr lang="fr-FR" sz="3600" i="1" dirty="0"/>
+              <a:t> </a:t>
+            </a:r>
+          </a:p>
+        </p:txBody>
+      </p:sp>
+      <p:sp>
+        <p:nvSpPr>
+          <p:cNvPr id="2" name="ZoneTexte 1">
+            <a:extLst>
+              <a:ext uri="{FF2B5EF4-FFF2-40B4-BE49-F238E27FC236}">
+                <a16:creationId xmlns:a16="http://schemas.microsoft.com/office/drawing/2014/main" id="{0AE7295B-7A51-483F-70B0-ABB3611C0C16}"/>
+              </a:ext>
+            </a:extLst>
+          </p:cNvPr>
+          <p:cNvSpPr txBox="1"/>
+          <p:nvPr/>
+        </p:nvSpPr>
+        <p:spPr>
+          <a:xfrm>
+            <a:off x="1501629" y="2357306"/>
+            <a:ext cx="9798342" cy="3539430"/>
+          </a:xfrm>
+          <a:prstGeom prst="rect">
+            <a:avLst/>
+          </a:prstGeom>
+          <a:noFill/>
+        </p:spPr>
+        <p:txBody>
+          <a:bodyPr wrap="square" rtlCol="0">
+            <a:spAutoFit/>
+          </a:bodyPr>
+          <a:lstStyle/>
+          <a:p>
+            <a:r>
+              <a:rPr lang="fr-FR" sz="2800" dirty="0"/>
+              <a:t>Cet objet fournit des informations sur le </a:t>
+            </a:r>
+            <a:r>
+              <a:rPr lang="fr-FR" sz="2800" b="1" dirty="0"/>
+              <a:t>navigateur</a:t>
+            </a:r>
+            <a:r>
+              <a:rPr lang="fr-FR" sz="2800" dirty="0"/>
+              <a:t> utilisé, telles que le nom et la version du navigateur, ainsi que des informations sur la géolocalisation et le système d'exploitation utilisé. </a:t>
+            </a:r>
+          </a:p>
+          <a:p>
+            <a:endParaRPr lang="fr-FR" sz="2800" dirty="0"/>
+          </a:p>
+          <a:p>
+            <a:pPr algn="ctr"/>
+            <a:endParaRPr lang="fr-FR" sz="2800" dirty="0">
+              <a:hlinkClick r:id="rId2"/>
+            </a:endParaRPr>
+          </a:p>
+          <a:p>
+            <a:pPr algn="ctr"/>
+            <a:endParaRPr lang="fr-FR" sz="2800" dirty="0">
+              <a:hlinkClick r:id="rId2"/>
+            </a:endParaRPr>
+          </a:p>
+          <a:p>
+            <a:pPr algn="ctr"/>
+            <a:r>
+              <a:rPr lang="fr-FR" sz="2800" dirty="0">
+                <a:hlinkClick r:id="rId2"/>
+              </a:rPr>
+              <a:t>DOC MDN </a:t>
+            </a:r>
+            <a:endParaRPr lang="fr-FR" sz="2800" dirty="0"/>
+          </a:p>
+        </p:txBody>
+      </p:sp>
+      <p:pic>
+        <p:nvPicPr>
+          <p:cNvPr id="4" name="Picture 12" descr="JavaScript Logo et symbole, sens, histoire, PNG, marque">
+            <a:extLst>
+              <a:ext uri="{FF2B5EF4-FFF2-40B4-BE49-F238E27FC236}">
+                <a16:creationId xmlns:a16="http://schemas.microsoft.com/office/drawing/2014/main" id="{8F2BD9E8-94D3-3BEA-F789-A1F882DCCC00}"/>
+              </a:ext>
+            </a:extLst>
+          </p:cNvPr>
+          <p:cNvPicPr>
+            <a:picLocks noChangeAspect="1" noChangeArrowheads="1"/>
+          </p:cNvPicPr>
+          <p:nvPr/>
+        </p:nvPicPr>
+        <p:blipFill>
+          <a:blip r:embed="rId3">
+            <a:extLst>
+              <a:ext uri="{28A0092B-C50C-407E-A947-70E740481C1C}">
+                <a14:useLocalDpi xmlns:a14="http://schemas.microsoft.com/office/drawing/2010/main" val="0"/>
+              </a:ext>
+            </a:extLst>
+          </a:blip>
+          <a:srcRect/>
+          <a:stretch>
+            <a:fillRect/>
+          </a:stretch>
+        </p:blipFill>
+        <p:spPr bwMode="auto">
+          <a:xfrm>
+            <a:off x="10380582" y="286603"/>
+            <a:ext cx="1550195" cy="876779"/>
+          </a:xfrm>
+          <a:prstGeom prst="rect">
+            <a:avLst/>
+          </a:prstGeom>
+          <a:noFill/>
+          <a:extLst>
+            <a:ext uri="{909E8E84-426E-40DD-AFC4-6F175D3DCCD1}">
+              <a14:hiddenFill xmlns:a14="http://schemas.microsoft.com/office/drawing/2010/main">
+                <a:solidFill>
+                  <a:srgbClr val="FFFFFF"/>
+                </a:solidFill>
+              </a14:hiddenFill>
+            </a:ext>
+          </a:extLst>
+        </p:spPr>
+      </p:pic>
+    </p:spTree>
+    <p:extLst>
+      <p:ext uri="{BB962C8B-B14F-4D97-AF65-F5344CB8AC3E}">
+        <p14:creationId xmlns:p14="http://schemas.microsoft.com/office/powerpoint/2010/main" val="2159524096"/>
+      </p:ext>
+    </p:extLst>
+  </p:cSld>
+  <p:clrMapOvr>
+    <a:masterClrMapping/>
+  </p:clrMapOvr>
+</p:sld>
+</file>
+
 <file path=ppt/slides/slide7.xml><?xml version="1.0" encoding="utf-8"?>
 <p:sld xmlns:a="http://schemas.openxmlformats.org/drawingml/2006/main" xmlns:r="http://schemas.openxmlformats.org/officeDocument/2006/relationships" xmlns:p="http://schemas.openxmlformats.org/presentationml/2006/main">
   <p:cSld>
@@ -18720,6 +19341,2513 @@
     <p:extLst>
       <p:ext uri="{BB962C8B-B14F-4D97-AF65-F5344CB8AC3E}">
         <p14:creationId xmlns:p14="http://schemas.microsoft.com/office/powerpoint/2010/main" val="3502710911"/>
+      </p:ext>
+    </p:extLst>
+  </p:cSld>
+  <p:clrMapOvr>
+    <a:masterClrMapping/>
+  </p:clrMapOvr>
+</p:sld>
+</file>
+
+<file path=ppt/slides/slide70.xml><?xml version="1.0" encoding="utf-8"?>
+<p:sld xmlns:a="http://schemas.openxmlformats.org/drawingml/2006/main" xmlns:r="http://schemas.openxmlformats.org/officeDocument/2006/relationships" xmlns:p="http://schemas.openxmlformats.org/presentationml/2006/main">
+  <p:cSld>
+    <p:spTree>
+      <p:nvGrpSpPr>
+        <p:cNvPr id="1" name=""/>
+        <p:cNvGrpSpPr/>
+        <p:nvPr/>
+      </p:nvGrpSpPr>
+      <p:grpSpPr>
+        <a:xfrm>
+          <a:off x="0" y="0"/>
+          <a:ext cx="0" cy="0"/>
+          <a:chOff x="0" y="0"/>
+          <a:chExt cx="0" cy="0"/>
+        </a:xfrm>
+      </p:grpSpPr>
+      <p:sp>
+        <p:nvSpPr>
+          <p:cNvPr id="3" name="Titre 1">
+            <a:extLst>
+              <a:ext uri="{FF2B5EF4-FFF2-40B4-BE49-F238E27FC236}">
+                <a16:creationId xmlns:a16="http://schemas.microsoft.com/office/drawing/2014/main" id="{E7373E66-041F-37D5-0ADF-25BA87ABC979}"/>
+              </a:ext>
+            </a:extLst>
+          </p:cNvPr>
+          <p:cNvSpPr>
+            <a:spLocks noGrp="1"/>
+          </p:cNvSpPr>
+          <p:nvPr>
+            <p:ph type="title"/>
+          </p:nvPr>
+        </p:nvSpPr>
+        <p:spPr>
+          <a:xfrm>
+            <a:off x="1097280" y="286603"/>
+            <a:ext cx="10058400" cy="1450757"/>
+          </a:xfrm>
+        </p:spPr>
+        <p:txBody>
+          <a:bodyPr>
+            <a:normAutofit/>
+          </a:bodyPr>
+          <a:lstStyle/>
+          <a:p>
+            <a:r>
+              <a:rPr lang="fr-FR" dirty="0"/>
+              <a:t>VII- Le BOM </a:t>
+            </a:r>
+            <a:br>
+              <a:rPr lang="fr-FR" dirty="0"/>
+            </a:br>
+            <a:r>
+              <a:rPr lang="fr-FR" dirty="0"/>
+              <a:t>	</a:t>
+            </a:r>
+            <a:r>
+              <a:rPr lang="fr-FR" sz="3600" i="1" dirty="0"/>
+              <a:t>  4. </a:t>
+            </a:r>
+            <a:r>
+              <a:rPr lang="fr-FR" sz="3600" i="1" dirty="0" err="1"/>
+              <a:t>History</a:t>
+            </a:r>
+            <a:endParaRPr lang="fr-FR" sz="3600" i="1" dirty="0"/>
+          </a:p>
+        </p:txBody>
+      </p:sp>
+      <p:sp>
+        <p:nvSpPr>
+          <p:cNvPr id="2" name="ZoneTexte 1">
+            <a:extLst>
+              <a:ext uri="{FF2B5EF4-FFF2-40B4-BE49-F238E27FC236}">
+                <a16:creationId xmlns:a16="http://schemas.microsoft.com/office/drawing/2014/main" id="{0AE7295B-7A51-483F-70B0-ABB3611C0C16}"/>
+              </a:ext>
+            </a:extLst>
+          </p:cNvPr>
+          <p:cNvSpPr txBox="1"/>
+          <p:nvPr/>
+        </p:nvSpPr>
+        <p:spPr>
+          <a:xfrm>
+            <a:off x="1501629" y="2357306"/>
+            <a:ext cx="9798342" cy="3539430"/>
+          </a:xfrm>
+          <a:prstGeom prst="rect">
+            <a:avLst/>
+          </a:prstGeom>
+          <a:noFill/>
+        </p:spPr>
+        <p:txBody>
+          <a:bodyPr wrap="square" rtlCol="0">
+            <a:spAutoFit/>
+          </a:bodyPr>
+          <a:lstStyle/>
+          <a:p>
+            <a:r>
+              <a:rPr lang="fr-FR" sz="2800" dirty="0"/>
+              <a:t>Cet objet fournit des méthodes pour </a:t>
+            </a:r>
+            <a:r>
+              <a:rPr lang="fr-FR" sz="2800" b="1" dirty="0"/>
+              <a:t>naviguer dans l'historique du navigateur</a:t>
+            </a:r>
+            <a:r>
+              <a:rPr lang="fr-FR" sz="2800" dirty="0"/>
+              <a:t>, telles que aller en arrière ou en avant dans l'historique, ou charger une page spécifique à partir de l'historique.</a:t>
+            </a:r>
+          </a:p>
+          <a:p>
+            <a:endParaRPr lang="fr-FR" sz="2800" dirty="0"/>
+          </a:p>
+          <a:p>
+            <a:pPr algn="ctr"/>
+            <a:endParaRPr lang="fr-FR" sz="2800" dirty="0">
+              <a:hlinkClick r:id="rId2"/>
+            </a:endParaRPr>
+          </a:p>
+          <a:p>
+            <a:pPr algn="ctr"/>
+            <a:endParaRPr lang="fr-FR" sz="2800" dirty="0">
+              <a:hlinkClick r:id="rId2"/>
+            </a:endParaRPr>
+          </a:p>
+          <a:p>
+            <a:pPr algn="ctr"/>
+            <a:r>
+              <a:rPr lang="fr-FR" sz="2800" dirty="0">
+                <a:hlinkClick r:id="rId3"/>
+              </a:rPr>
+              <a:t>DOC MDN </a:t>
+            </a:r>
+            <a:endParaRPr lang="fr-FR" sz="2800" dirty="0"/>
+          </a:p>
+        </p:txBody>
+      </p:sp>
+      <p:pic>
+        <p:nvPicPr>
+          <p:cNvPr id="4" name="Picture 12" descr="JavaScript Logo et symbole, sens, histoire, PNG, marque">
+            <a:extLst>
+              <a:ext uri="{FF2B5EF4-FFF2-40B4-BE49-F238E27FC236}">
+                <a16:creationId xmlns:a16="http://schemas.microsoft.com/office/drawing/2014/main" id="{67E74CC3-2464-6641-CD00-F45FD16501A4}"/>
+              </a:ext>
+            </a:extLst>
+          </p:cNvPr>
+          <p:cNvPicPr>
+            <a:picLocks noChangeAspect="1" noChangeArrowheads="1"/>
+          </p:cNvPicPr>
+          <p:nvPr/>
+        </p:nvPicPr>
+        <p:blipFill>
+          <a:blip r:embed="rId4">
+            <a:extLst>
+              <a:ext uri="{28A0092B-C50C-407E-A947-70E740481C1C}">
+                <a14:useLocalDpi xmlns:a14="http://schemas.microsoft.com/office/drawing/2010/main" val="0"/>
+              </a:ext>
+            </a:extLst>
+          </a:blip>
+          <a:srcRect/>
+          <a:stretch>
+            <a:fillRect/>
+          </a:stretch>
+        </p:blipFill>
+        <p:spPr bwMode="auto">
+          <a:xfrm>
+            <a:off x="10380582" y="286603"/>
+            <a:ext cx="1550195" cy="876779"/>
+          </a:xfrm>
+          <a:prstGeom prst="rect">
+            <a:avLst/>
+          </a:prstGeom>
+          <a:noFill/>
+          <a:extLst>
+            <a:ext uri="{909E8E84-426E-40DD-AFC4-6F175D3DCCD1}">
+              <a14:hiddenFill xmlns:a14="http://schemas.microsoft.com/office/drawing/2010/main">
+                <a:solidFill>
+                  <a:srgbClr val="FFFFFF"/>
+                </a:solidFill>
+              </a14:hiddenFill>
+            </a:ext>
+          </a:extLst>
+        </p:spPr>
+      </p:pic>
+    </p:spTree>
+    <p:extLst>
+      <p:ext uri="{BB962C8B-B14F-4D97-AF65-F5344CB8AC3E}">
+        <p14:creationId xmlns:p14="http://schemas.microsoft.com/office/powerpoint/2010/main" val="711315517"/>
+      </p:ext>
+    </p:extLst>
+  </p:cSld>
+  <p:clrMapOvr>
+    <a:masterClrMapping/>
+  </p:clrMapOvr>
+</p:sld>
+</file>
+
+<file path=ppt/slides/slide71.xml><?xml version="1.0" encoding="utf-8"?>
+<p:sld xmlns:a="http://schemas.openxmlformats.org/drawingml/2006/main" xmlns:r="http://schemas.openxmlformats.org/officeDocument/2006/relationships" xmlns:p="http://schemas.openxmlformats.org/presentationml/2006/main">
+  <p:cSld>
+    <p:spTree>
+      <p:nvGrpSpPr>
+        <p:cNvPr id="1" name=""/>
+        <p:cNvGrpSpPr/>
+        <p:nvPr/>
+      </p:nvGrpSpPr>
+      <p:grpSpPr>
+        <a:xfrm>
+          <a:off x="0" y="0"/>
+          <a:ext cx="0" cy="0"/>
+          <a:chOff x="0" y="0"/>
+          <a:chExt cx="0" cy="0"/>
+        </a:xfrm>
+      </p:grpSpPr>
+      <p:sp>
+        <p:nvSpPr>
+          <p:cNvPr id="3" name="Titre 1">
+            <a:extLst>
+              <a:ext uri="{FF2B5EF4-FFF2-40B4-BE49-F238E27FC236}">
+                <a16:creationId xmlns:a16="http://schemas.microsoft.com/office/drawing/2014/main" id="{E7373E66-041F-37D5-0ADF-25BA87ABC979}"/>
+              </a:ext>
+            </a:extLst>
+          </p:cNvPr>
+          <p:cNvSpPr>
+            <a:spLocks noGrp="1"/>
+          </p:cNvSpPr>
+          <p:nvPr>
+            <p:ph type="title"/>
+          </p:nvPr>
+        </p:nvSpPr>
+        <p:spPr>
+          <a:xfrm>
+            <a:off x="1097280" y="286603"/>
+            <a:ext cx="10058400" cy="1450757"/>
+          </a:xfrm>
+        </p:spPr>
+        <p:txBody>
+          <a:bodyPr>
+            <a:normAutofit/>
+          </a:bodyPr>
+          <a:lstStyle/>
+          <a:p>
+            <a:r>
+              <a:rPr lang="fr-FR" dirty="0"/>
+              <a:t>VII- Le BOM </a:t>
+            </a:r>
+            <a:br>
+              <a:rPr lang="fr-FR" dirty="0"/>
+            </a:br>
+            <a:r>
+              <a:rPr lang="fr-FR" dirty="0"/>
+              <a:t>	</a:t>
+            </a:r>
+            <a:r>
+              <a:rPr lang="fr-FR" sz="3600" i="1" dirty="0"/>
+              <a:t>  5. Location </a:t>
+            </a:r>
+          </a:p>
+        </p:txBody>
+      </p:sp>
+      <p:sp>
+        <p:nvSpPr>
+          <p:cNvPr id="2" name="ZoneTexte 1">
+            <a:extLst>
+              <a:ext uri="{FF2B5EF4-FFF2-40B4-BE49-F238E27FC236}">
+                <a16:creationId xmlns:a16="http://schemas.microsoft.com/office/drawing/2014/main" id="{0AE7295B-7A51-483F-70B0-ABB3611C0C16}"/>
+              </a:ext>
+            </a:extLst>
+          </p:cNvPr>
+          <p:cNvSpPr txBox="1"/>
+          <p:nvPr/>
+        </p:nvSpPr>
+        <p:spPr>
+          <a:xfrm>
+            <a:off x="1501629" y="2357306"/>
+            <a:ext cx="9798342" cy="3539430"/>
+          </a:xfrm>
+          <a:prstGeom prst="rect">
+            <a:avLst/>
+          </a:prstGeom>
+          <a:noFill/>
+        </p:spPr>
+        <p:txBody>
+          <a:bodyPr wrap="square" rtlCol="0">
+            <a:spAutoFit/>
+          </a:bodyPr>
+          <a:lstStyle/>
+          <a:p>
+            <a:endParaRPr lang="fr-FR" sz="2800" dirty="0"/>
+          </a:p>
+          <a:p>
+            <a:r>
+              <a:rPr lang="fr-FR" sz="2800" dirty="0"/>
+              <a:t>Cet objet fournit des informations sur </a:t>
+            </a:r>
+            <a:r>
+              <a:rPr lang="fr-FR" sz="2800" b="1" dirty="0"/>
+              <a:t>l'URL de la page web actuelle </a:t>
+            </a:r>
+            <a:r>
+              <a:rPr lang="fr-FR" sz="2800" dirty="0"/>
+              <a:t>et fournit des méthodes pour manipuler l'URL, telles que rediriger vers une nouvelle page ou recharger la page actuelle.</a:t>
+            </a:r>
+          </a:p>
+          <a:p>
+            <a:endParaRPr lang="fr-FR" sz="2800" dirty="0">
+              <a:hlinkClick r:id="rId2">
+                <a:extLst>
+                  <a:ext uri="{A12FA001-AC4F-418D-AE19-62706E023703}">
+                    <ahyp:hlinkClr xmlns:ahyp="http://schemas.microsoft.com/office/drawing/2018/hyperlinkcolor" val="tx"/>
+                  </a:ext>
+                </a:extLst>
+              </a:hlinkClick>
+            </a:endParaRPr>
+          </a:p>
+          <a:p>
+            <a:pPr algn="ctr"/>
+            <a:endParaRPr lang="fr-FR" sz="2800" dirty="0">
+              <a:hlinkClick r:id="rId2"/>
+            </a:endParaRPr>
+          </a:p>
+          <a:p>
+            <a:pPr algn="ctr"/>
+            <a:r>
+              <a:rPr lang="fr-FR" sz="2800" dirty="0">
+                <a:hlinkClick r:id="rId3"/>
+              </a:rPr>
+              <a:t>DOC MDN </a:t>
+            </a:r>
+            <a:endParaRPr lang="fr-FR" sz="2800" dirty="0"/>
+          </a:p>
+        </p:txBody>
+      </p:sp>
+      <p:pic>
+        <p:nvPicPr>
+          <p:cNvPr id="4" name="Picture 12" descr="JavaScript Logo et symbole, sens, histoire, PNG, marque">
+            <a:extLst>
+              <a:ext uri="{FF2B5EF4-FFF2-40B4-BE49-F238E27FC236}">
+                <a16:creationId xmlns:a16="http://schemas.microsoft.com/office/drawing/2014/main" id="{C373565D-8E6A-1269-DF9B-A645FEC8545C}"/>
+              </a:ext>
+            </a:extLst>
+          </p:cNvPr>
+          <p:cNvPicPr>
+            <a:picLocks noChangeAspect="1" noChangeArrowheads="1"/>
+          </p:cNvPicPr>
+          <p:nvPr/>
+        </p:nvPicPr>
+        <p:blipFill>
+          <a:blip r:embed="rId4">
+            <a:extLst>
+              <a:ext uri="{28A0092B-C50C-407E-A947-70E740481C1C}">
+                <a14:useLocalDpi xmlns:a14="http://schemas.microsoft.com/office/drawing/2010/main" val="0"/>
+              </a:ext>
+            </a:extLst>
+          </a:blip>
+          <a:srcRect/>
+          <a:stretch>
+            <a:fillRect/>
+          </a:stretch>
+        </p:blipFill>
+        <p:spPr bwMode="auto">
+          <a:xfrm>
+            <a:off x="10380582" y="286603"/>
+            <a:ext cx="1550195" cy="876779"/>
+          </a:xfrm>
+          <a:prstGeom prst="rect">
+            <a:avLst/>
+          </a:prstGeom>
+          <a:noFill/>
+          <a:extLst>
+            <a:ext uri="{909E8E84-426E-40DD-AFC4-6F175D3DCCD1}">
+              <a14:hiddenFill xmlns:a14="http://schemas.microsoft.com/office/drawing/2010/main">
+                <a:solidFill>
+                  <a:srgbClr val="FFFFFF"/>
+                </a:solidFill>
+              </a14:hiddenFill>
+            </a:ext>
+          </a:extLst>
+        </p:spPr>
+      </p:pic>
+    </p:spTree>
+    <p:extLst>
+      <p:ext uri="{BB962C8B-B14F-4D97-AF65-F5344CB8AC3E}">
+        <p14:creationId xmlns:p14="http://schemas.microsoft.com/office/powerpoint/2010/main" val="2630596569"/>
+      </p:ext>
+    </p:extLst>
+  </p:cSld>
+  <p:clrMapOvr>
+    <a:masterClrMapping/>
+  </p:clrMapOvr>
+</p:sld>
+</file>
+
+<file path=ppt/slides/slide72.xml><?xml version="1.0" encoding="utf-8"?>
+<p:sld xmlns:a="http://schemas.openxmlformats.org/drawingml/2006/main" xmlns:r="http://schemas.openxmlformats.org/officeDocument/2006/relationships" xmlns:p="http://schemas.openxmlformats.org/presentationml/2006/main">
+  <p:cSld>
+    <p:spTree>
+      <p:nvGrpSpPr>
+        <p:cNvPr id="1" name=""/>
+        <p:cNvGrpSpPr/>
+        <p:nvPr/>
+      </p:nvGrpSpPr>
+      <p:grpSpPr>
+        <a:xfrm>
+          <a:off x="0" y="0"/>
+          <a:ext cx="0" cy="0"/>
+          <a:chOff x="0" y="0"/>
+          <a:chExt cx="0" cy="0"/>
+        </a:xfrm>
+      </p:grpSpPr>
+      <p:sp>
+        <p:nvSpPr>
+          <p:cNvPr id="3" name="Titre 1">
+            <a:extLst>
+              <a:ext uri="{FF2B5EF4-FFF2-40B4-BE49-F238E27FC236}">
+                <a16:creationId xmlns:a16="http://schemas.microsoft.com/office/drawing/2014/main" id="{E7373E66-041F-37D5-0ADF-25BA87ABC979}"/>
+              </a:ext>
+            </a:extLst>
+          </p:cNvPr>
+          <p:cNvSpPr>
+            <a:spLocks noGrp="1"/>
+          </p:cNvSpPr>
+          <p:nvPr>
+            <p:ph type="title"/>
+          </p:nvPr>
+        </p:nvSpPr>
+        <p:spPr>
+          <a:xfrm>
+            <a:off x="1097280" y="286603"/>
+            <a:ext cx="10058400" cy="1450757"/>
+          </a:xfrm>
+        </p:spPr>
+        <p:txBody>
+          <a:bodyPr>
+            <a:normAutofit/>
+          </a:bodyPr>
+          <a:lstStyle/>
+          <a:p>
+            <a:r>
+              <a:rPr lang="fr-FR" dirty="0"/>
+              <a:t>VII- Le BOM </a:t>
+            </a:r>
+            <a:br>
+              <a:rPr lang="fr-FR" dirty="0"/>
+            </a:br>
+            <a:r>
+              <a:rPr lang="fr-FR" dirty="0"/>
+              <a:t>	</a:t>
+            </a:r>
+            <a:r>
+              <a:rPr lang="fr-FR" sz="3600" i="1" dirty="0"/>
+              <a:t>  6. Screen </a:t>
+            </a:r>
+          </a:p>
+        </p:txBody>
+      </p:sp>
+      <p:sp>
+        <p:nvSpPr>
+          <p:cNvPr id="2" name="ZoneTexte 1">
+            <a:extLst>
+              <a:ext uri="{FF2B5EF4-FFF2-40B4-BE49-F238E27FC236}">
+                <a16:creationId xmlns:a16="http://schemas.microsoft.com/office/drawing/2014/main" id="{0AE7295B-7A51-483F-70B0-ABB3611C0C16}"/>
+              </a:ext>
+            </a:extLst>
+          </p:cNvPr>
+          <p:cNvSpPr txBox="1"/>
+          <p:nvPr/>
+        </p:nvSpPr>
+        <p:spPr>
+          <a:xfrm>
+            <a:off x="1501629" y="2357306"/>
+            <a:ext cx="9798342" cy="2677656"/>
+          </a:xfrm>
+          <a:prstGeom prst="rect">
+            <a:avLst/>
+          </a:prstGeom>
+          <a:noFill/>
+        </p:spPr>
+        <p:txBody>
+          <a:bodyPr wrap="square" rtlCol="0">
+            <a:spAutoFit/>
+          </a:bodyPr>
+          <a:lstStyle/>
+          <a:p>
+            <a:r>
+              <a:rPr lang="fr-FR" sz="2800" dirty="0"/>
+              <a:t>Cet objet représente l'écran sur lequel la page web est affichée et fournit des informations telles que la largeur et la hauteur de l'écran, la résolution d'écran, etc.</a:t>
+            </a:r>
+          </a:p>
+          <a:p>
+            <a:pPr algn="ctr"/>
+            <a:endParaRPr lang="fr-FR" sz="2800" dirty="0">
+              <a:hlinkClick r:id="rId2"/>
+            </a:endParaRPr>
+          </a:p>
+          <a:p>
+            <a:pPr algn="ctr"/>
+            <a:endParaRPr lang="fr-FR" sz="2800" dirty="0">
+              <a:hlinkClick r:id="rId2"/>
+            </a:endParaRPr>
+          </a:p>
+          <a:p>
+            <a:pPr algn="ctr"/>
+            <a:r>
+              <a:rPr lang="fr-FR" sz="2800" dirty="0">
+                <a:hlinkClick r:id="rId3"/>
+              </a:rPr>
+              <a:t>DOC MDN </a:t>
+            </a:r>
+            <a:endParaRPr lang="fr-FR" sz="2800" dirty="0"/>
+          </a:p>
+        </p:txBody>
+      </p:sp>
+      <p:pic>
+        <p:nvPicPr>
+          <p:cNvPr id="4" name="Picture 12" descr="JavaScript Logo et symbole, sens, histoire, PNG, marque">
+            <a:extLst>
+              <a:ext uri="{FF2B5EF4-FFF2-40B4-BE49-F238E27FC236}">
+                <a16:creationId xmlns:a16="http://schemas.microsoft.com/office/drawing/2014/main" id="{C40D7C44-9121-1117-45C8-C994027AE71F}"/>
+              </a:ext>
+            </a:extLst>
+          </p:cNvPr>
+          <p:cNvPicPr>
+            <a:picLocks noChangeAspect="1" noChangeArrowheads="1"/>
+          </p:cNvPicPr>
+          <p:nvPr/>
+        </p:nvPicPr>
+        <p:blipFill>
+          <a:blip r:embed="rId4">
+            <a:extLst>
+              <a:ext uri="{28A0092B-C50C-407E-A947-70E740481C1C}">
+                <a14:useLocalDpi xmlns:a14="http://schemas.microsoft.com/office/drawing/2010/main" val="0"/>
+              </a:ext>
+            </a:extLst>
+          </a:blip>
+          <a:srcRect/>
+          <a:stretch>
+            <a:fillRect/>
+          </a:stretch>
+        </p:blipFill>
+        <p:spPr bwMode="auto">
+          <a:xfrm>
+            <a:off x="10380582" y="286603"/>
+            <a:ext cx="1550195" cy="876779"/>
+          </a:xfrm>
+          <a:prstGeom prst="rect">
+            <a:avLst/>
+          </a:prstGeom>
+          <a:noFill/>
+          <a:extLst>
+            <a:ext uri="{909E8E84-426E-40DD-AFC4-6F175D3DCCD1}">
+              <a14:hiddenFill xmlns:a14="http://schemas.microsoft.com/office/drawing/2010/main">
+                <a:solidFill>
+                  <a:srgbClr val="FFFFFF"/>
+                </a:solidFill>
+              </a14:hiddenFill>
+            </a:ext>
+          </a:extLst>
+        </p:spPr>
+      </p:pic>
+    </p:spTree>
+    <p:extLst>
+      <p:ext uri="{BB962C8B-B14F-4D97-AF65-F5344CB8AC3E}">
+        <p14:creationId xmlns:p14="http://schemas.microsoft.com/office/powerpoint/2010/main" val="2401039766"/>
+      </p:ext>
+    </p:extLst>
+  </p:cSld>
+  <p:clrMapOvr>
+    <a:masterClrMapping/>
+  </p:clrMapOvr>
+</p:sld>
+</file>
+
+<file path=ppt/slides/slide73.xml><?xml version="1.0" encoding="utf-8"?>
+<p:sld xmlns:a="http://schemas.openxmlformats.org/drawingml/2006/main" xmlns:r="http://schemas.openxmlformats.org/officeDocument/2006/relationships" xmlns:p="http://schemas.openxmlformats.org/presentationml/2006/main">
+  <p:cSld>
+    <p:spTree>
+      <p:nvGrpSpPr>
+        <p:cNvPr id="1" name=""/>
+        <p:cNvGrpSpPr/>
+        <p:nvPr/>
+      </p:nvGrpSpPr>
+      <p:grpSpPr>
+        <a:xfrm>
+          <a:off x="0" y="0"/>
+          <a:ext cx="0" cy="0"/>
+          <a:chOff x="0" y="0"/>
+          <a:chExt cx="0" cy="0"/>
+        </a:xfrm>
+      </p:grpSpPr>
+      <p:sp>
+        <p:nvSpPr>
+          <p:cNvPr id="3" name="Titre 1">
+            <a:extLst>
+              <a:ext uri="{FF2B5EF4-FFF2-40B4-BE49-F238E27FC236}">
+                <a16:creationId xmlns:a16="http://schemas.microsoft.com/office/drawing/2014/main" id="{E7373E66-041F-37D5-0ADF-25BA87ABC979}"/>
+              </a:ext>
+            </a:extLst>
+          </p:cNvPr>
+          <p:cNvSpPr>
+            <a:spLocks noGrp="1"/>
+          </p:cNvSpPr>
+          <p:nvPr>
+            <p:ph type="title"/>
+          </p:nvPr>
+        </p:nvSpPr>
+        <p:spPr>
+          <a:xfrm>
+            <a:off x="1097280" y="286603"/>
+            <a:ext cx="10058400" cy="1450757"/>
+          </a:xfrm>
+        </p:spPr>
+        <p:txBody>
+          <a:bodyPr>
+            <a:normAutofit/>
+          </a:bodyPr>
+          <a:lstStyle/>
+          <a:p>
+            <a:r>
+              <a:rPr lang="fr-FR" dirty="0"/>
+              <a:t>VII- Le BOM </a:t>
+            </a:r>
+            <a:br>
+              <a:rPr lang="fr-FR" dirty="0"/>
+            </a:br>
+            <a:r>
+              <a:rPr lang="fr-FR" dirty="0"/>
+              <a:t>	</a:t>
+            </a:r>
+            <a:r>
+              <a:rPr lang="fr-FR" sz="3600" i="1" dirty="0"/>
+              <a:t>  7. Document </a:t>
+            </a:r>
+          </a:p>
+        </p:txBody>
+      </p:sp>
+      <p:sp>
+        <p:nvSpPr>
+          <p:cNvPr id="2" name="ZoneTexte 1">
+            <a:extLst>
+              <a:ext uri="{FF2B5EF4-FFF2-40B4-BE49-F238E27FC236}">
+                <a16:creationId xmlns:a16="http://schemas.microsoft.com/office/drawing/2014/main" id="{0AE7295B-7A51-483F-70B0-ABB3611C0C16}"/>
+              </a:ext>
+            </a:extLst>
+          </p:cNvPr>
+          <p:cNvSpPr txBox="1"/>
+          <p:nvPr/>
+        </p:nvSpPr>
+        <p:spPr>
+          <a:xfrm>
+            <a:off x="1501629" y="2357306"/>
+            <a:ext cx="9798342" cy="2677656"/>
+          </a:xfrm>
+          <a:prstGeom prst="rect">
+            <a:avLst/>
+          </a:prstGeom>
+          <a:noFill/>
+        </p:spPr>
+        <p:txBody>
+          <a:bodyPr wrap="square" rtlCol="0">
+            <a:spAutoFit/>
+          </a:bodyPr>
+          <a:lstStyle/>
+          <a:p>
+            <a:r>
+              <a:rPr lang="fr-FR" sz="2800" dirty="0"/>
+              <a:t>Cet objet représente la page HTML chargée dans le navigateur. Il contient un ensemble de propriétés et de méthodes qui permettent de manipuler les éléments de la page, de récupérer des informations sur la page, et d'interagir avec l'utilisateur.</a:t>
+            </a:r>
+            <a:endParaRPr lang="fr-FR" sz="2800" dirty="0">
+              <a:hlinkClick r:id="rId2">
+                <a:extLst>
+                  <a:ext uri="{A12FA001-AC4F-418D-AE19-62706E023703}">
+                    <ahyp:hlinkClr xmlns:ahyp="http://schemas.microsoft.com/office/drawing/2018/hyperlinkcolor" val="tx"/>
+                  </a:ext>
+                </a:extLst>
+              </a:hlinkClick>
+            </a:endParaRPr>
+          </a:p>
+          <a:p>
+            <a:pPr algn="ctr"/>
+            <a:endParaRPr lang="fr-FR" sz="2800" dirty="0">
+              <a:hlinkClick r:id="rId2"/>
+            </a:endParaRPr>
+          </a:p>
+          <a:p>
+            <a:pPr algn="ctr"/>
+            <a:r>
+              <a:rPr lang="fr-FR" sz="2800" dirty="0">
+                <a:hlinkClick r:id="rId3"/>
+              </a:rPr>
+              <a:t>DOC MDN </a:t>
+            </a:r>
+            <a:endParaRPr lang="fr-FR" sz="2800" dirty="0"/>
+          </a:p>
+        </p:txBody>
+      </p:sp>
+      <p:pic>
+        <p:nvPicPr>
+          <p:cNvPr id="4" name="Picture 12" descr="JavaScript Logo et symbole, sens, histoire, PNG, marque">
+            <a:extLst>
+              <a:ext uri="{FF2B5EF4-FFF2-40B4-BE49-F238E27FC236}">
+                <a16:creationId xmlns:a16="http://schemas.microsoft.com/office/drawing/2014/main" id="{48DE93DD-803F-76C1-D38E-CADA39F654A4}"/>
+              </a:ext>
+            </a:extLst>
+          </p:cNvPr>
+          <p:cNvPicPr>
+            <a:picLocks noChangeAspect="1" noChangeArrowheads="1"/>
+          </p:cNvPicPr>
+          <p:nvPr/>
+        </p:nvPicPr>
+        <p:blipFill>
+          <a:blip r:embed="rId4">
+            <a:extLst>
+              <a:ext uri="{28A0092B-C50C-407E-A947-70E740481C1C}">
+                <a14:useLocalDpi xmlns:a14="http://schemas.microsoft.com/office/drawing/2010/main" val="0"/>
+              </a:ext>
+            </a:extLst>
+          </a:blip>
+          <a:srcRect/>
+          <a:stretch>
+            <a:fillRect/>
+          </a:stretch>
+        </p:blipFill>
+        <p:spPr bwMode="auto">
+          <a:xfrm>
+            <a:off x="10380582" y="286603"/>
+            <a:ext cx="1550195" cy="876779"/>
+          </a:xfrm>
+          <a:prstGeom prst="rect">
+            <a:avLst/>
+          </a:prstGeom>
+          <a:noFill/>
+          <a:extLst>
+            <a:ext uri="{909E8E84-426E-40DD-AFC4-6F175D3DCCD1}">
+              <a14:hiddenFill xmlns:a14="http://schemas.microsoft.com/office/drawing/2010/main">
+                <a:solidFill>
+                  <a:srgbClr val="FFFFFF"/>
+                </a:solidFill>
+              </a14:hiddenFill>
+            </a:ext>
+          </a:extLst>
+        </p:spPr>
+      </p:pic>
+    </p:spTree>
+    <p:extLst>
+      <p:ext uri="{BB962C8B-B14F-4D97-AF65-F5344CB8AC3E}">
+        <p14:creationId xmlns:p14="http://schemas.microsoft.com/office/powerpoint/2010/main" val="2383170899"/>
+      </p:ext>
+    </p:extLst>
+  </p:cSld>
+  <p:clrMapOvr>
+    <a:masterClrMapping/>
+  </p:clrMapOvr>
+</p:sld>
+</file>
+
+<file path=ppt/slides/slide74.xml><?xml version="1.0" encoding="utf-8"?>
+<p:sld xmlns:a="http://schemas.openxmlformats.org/drawingml/2006/main" xmlns:r="http://schemas.openxmlformats.org/officeDocument/2006/relationships" xmlns:p="http://schemas.openxmlformats.org/presentationml/2006/main">
+  <p:cSld>
+    <p:spTree>
+      <p:nvGrpSpPr>
+        <p:cNvPr id="1" name=""/>
+        <p:cNvGrpSpPr/>
+        <p:nvPr/>
+      </p:nvGrpSpPr>
+      <p:grpSpPr>
+        <a:xfrm>
+          <a:off x="0" y="0"/>
+          <a:ext cx="0" cy="0"/>
+          <a:chOff x="0" y="0"/>
+          <a:chExt cx="0" cy="0"/>
+        </a:xfrm>
+      </p:grpSpPr>
+      <p:sp>
+        <p:nvSpPr>
+          <p:cNvPr id="3" name="Titre 1">
+            <a:extLst>
+              <a:ext uri="{FF2B5EF4-FFF2-40B4-BE49-F238E27FC236}">
+                <a16:creationId xmlns:a16="http://schemas.microsoft.com/office/drawing/2014/main" id="{E7373E66-041F-37D5-0ADF-25BA87ABC979}"/>
+              </a:ext>
+            </a:extLst>
+          </p:cNvPr>
+          <p:cNvSpPr>
+            <a:spLocks noGrp="1"/>
+          </p:cNvSpPr>
+          <p:nvPr>
+            <p:ph type="title"/>
+          </p:nvPr>
+        </p:nvSpPr>
+        <p:spPr>
+          <a:xfrm>
+            <a:off x="1097279" y="286603"/>
+            <a:ext cx="11167425" cy="1450757"/>
+          </a:xfrm>
+        </p:spPr>
+        <p:txBody>
+          <a:bodyPr>
+            <a:normAutofit/>
+          </a:bodyPr>
+          <a:lstStyle/>
+          <a:p>
+            <a:r>
+              <a:rPr lang="fr-FR" dirty="0"/>
+              <a:t>VIII- Le DOM </a:t>
+            </a:r>
+            <a:br>
+              <a:rPr lang="fr-FR" dirty="0"/>
+            </a:br>
+            <a:r>
+              <a:rPr lang="fr-FR" dirty="0"/>
+              <a:t>	</a:t>
+            </a:r>
+            <a:r>
+              <a:rPr lang="fr-FR" sz="3600" i="1" dirty="0"/>
+              <a:t>  1. Document Object Model</a:t>
+            </a:r>
+          </a:p>
+        </p:txBody>
+      </p:sp>
+      <p:sp>
+        <p:nvSpPr>
+          <p:cNvPr id="2" name="ZoneTexte 1">
+            <a:extLst>
+              <a:ext uri="{FF2B5EF4-FFF2-40B4-BE49-F238E27FC236}">
+                <a16:creationId xmlns:a16="http://schemas.microsoft.com/office/drawing/2014/main" id="{33B30A53-7888-49FE-26D2-89FBC9843694}"/>
+              </a:ext>
+            </a:extLst>
+          </p:cNvPr>
+          <p:cNvSpPr txBox="1"/>
+          <p:nvPr/>
+        </p:nvSpPr>
+        <p:spPr>
+          <a:xfrm>
+            <a:off x="1610686" y="2172749"/>
+            <a:ext cx="9286613" cy="3693319"/>
+          </a:xfrm>
+          <a:prstGeom prst="rect">
+            <a:avLst/>
+          </a:prstGeom>
+          <a:noFill/>
+        </p:spPr>
+        <p:txBody>
+          <a:bodyPr wrap="square" rtlCol="0">
+            <a:spAutoFit/>
+          </a:bodyPr>
+          <a:lstStyle/>
+          <a:p>
+            <a:r>
+              <a:rPr lang="fr-FR" dirty="0"/>
+              <a:t>Le DOM ( Document Object Model) est une interface de programmation qui permet de représenter un document HTML en tant </a:t>
+            </a:r>
+            <a:r>
+              <a:rPr lang="fr-FR" b="1" dirty="0"/>
+              <a:t>qu'arborescence</a:t>
+            </a:r>
+            <a:r>
+              <a:rPr lang="fr-FR" dirty="0"/>
+              <a:t> </a:t>
+            </a:r>
+            <a:r>
+              <a:rPr lang="fr-FR" b="1" dirty="0"/>
+              <a:t>d'objets</a:t>
+            </a:r>
+            <a:r>
+              <a:rPr lang="fr-FR" dirty="0"/>
+              <a:t> JavaScript. </a:t>
+            </a:r>
+          </a:p>
+          <a:p>
+            <a:endParaRPr lang="fr-FR" dirty="0"/>
+          </a:p>
+          <a:p>
+            <a:r>
+              <a:rPr lang="fr-FR" dirty="0"/>
+              <a:t>En d'autres termes, le DOM fournit une représentation de la structure de la page web dans le code JavaScript, nous permettant ainsi de </a:t>
+            </a:r>
+            <a:r>
+              <a:rPr lang="fr-FR" b="1" dirty="0"/>
+              <a:t>manipuler</a:t>
+            </a:r>
+            <a:r>
+              <a:rPr lang="fr-FR" dirty="0"/>
+              <a:t> les éléments de la page de manière </a:t>
+            </a:r>
+            <a:r>
+              <a:rPr lang="fr-FR" b="1" dirty="0"/>
+              <a:t>dynamique</a:t>
+            </a:r>
+            <a:r>
+              <a:rPr lang="fr-FR" dirty="0"/>
+              <a:t>. </a:t>
+            </a:r>
+          </a:p>
+          <a:p>
+            <a:endParaRPr lang="fr-FR" dirty="0"/>
+          </a:p>
+          <a:p>
+            <a:r>
+              <a:rPr lang="fr-FR" dirty="0"/>
+              <a:t>Chaque élément du DOM est représenté par un </a:t>
+            </a:r>
+            <a:r>
+              <a:rPr lang="fr-FR" b="1" dirty="0"/>
+              <a:t>nœud</a:t>
+            </a:r>
+            <a:r>
+              <a:rPr lang="fr-FR" dirty="0"/>
+              <a:t> dans l'arborescence. Le nœud racine de l'arborescence est l'objet </a:t>
+            </a:r>
+            <a:r>
+              <a:rPr lang="fr-FR" b="1" i="0" dirty="0">
+                <a:solidFill>
+                  <a:srgbClr val="111827"/>
+                </a:solidFill>
+                <a:effectLst/>
+                <a:latin typeface="Söhne Mono"/>
+              </a:rPr>
+              <a:t>document,</a:t>
+            </a:r>
+            <a:r>
+              <a:rPr lang="fr-FR" b="0" i="0" dirty="0">
+                <a:solidFill>
+                  <a:srgbClr val="374151"/>
+                </a:solidFill>
+                <a:effectLst/>
+                <a:latin typeface="Söhne"/>
+              </a:rPr>
+              <a:t> </a:t>
+            </a:r>
+            <a:r>
+              <a:rPr lang="fr-FR" dirty="0"/>
+              <a:t>qui représente l'ensemble du document HTML.</a:t>
+            </a:r>
+          </a:p>
+          <a:p>
+            <a:endParaRPr lang="fr-FR" dirty="0">
+              <a:solidFill>
+                <a:srgbClr val="374151"/>
+              </a:solidFill>
+              <a:latin typeface="Söhne"/>
+            </a:endParaRPr>
+          </a:p>
+          <a:p>
+            <a:r>
+              <a:rPr lang="fr-FR" dirty="0"/>
+              <a:t>Le DOM fournit des </a:t>
+            </a:r>
+            <a:r>
+              <a:rPr lang="fr-FR" b="1" dirty="0"/>
+              <a:t>méthodes</a:t>
+            </a:r>
+            <a:r>
+              <a:rPr lang="fr-FR" dirty="0"/>
+              <a:t> qui nous permettent </a:t>
+            </a:r>
+            <a:r>
+              <a:rPr lang="fr-FR" b="1" dirty="0"/>
+              <a:t>d’accéder</a:t>
+            </a:r>
+            <a:r>
+              <a:rPr lang="fr-FR" dirty="0"/>
+              <a:t> aux nœuds de l'arborescence, il fournit également des méthodes qui permettent </a:t>
+            </a:r>
+            <a:r>
+              <a:rPr lang="fr-FR" b="1" dirty="0"/>
+              <a:t>d’ajouter, de modifier, de supprimer des nœuds.</a:t>
+            </a:r>
+          </a:p>
+        </p:txBody>
+      </p:sp>
+      <p:pic>
+        <p:nvPicPr>
+          <p:cNvPr id="5" name="Picture 12" descr="JavaScript Logo et symbole, sens, histoire, PNG, marque">
+            <a:extLst>
+              <a:ext uri="{FF2B5EF4-FFF2-40B4-BE49-F238E27FC236}">
+                <a16:creationId xmlns:a16="http://schemas.microsoft.com/office/drawing/2014/main" id="{B9C51B14-B511-627A-3B9F-068717D602DB}"/>
+              </a:ext>
+            </a:extLst>
+          </p:cNvPr>
+          <p:cNvPicPr>
+            <a:picLocks noChangeAspect="1" noChangeArrowheads="1"/>
+          </p:cNvPicPr>
+          <p:nvPr/>
+        </p:nvPicPr>
+        <p:blipFill>
+          <a:blip r:embed="rId2">
+            <a:extLst>
+              <a:ext uri="{28A0092B-C50C-407E-A947-70E740481C1C}">
+                <a14:useLocalDpi xmlns:a14="http://schemas.microsoft.com/office/drawing/2010/main" val="0"/>
+              </a:ext>
+            </a:extLst>
+          </a:blip>
+          <a:srcRect/>
+          <a:stretch>
+            <a:fillRect/>
+          </a:stretch>
+        </p:blipFill>
+        <p:spPr bwMode="auto">
+          <a:xfrm>
+            <a:off x="10380582" y="286603"/>
+            <a:ext cx="1550195" cy="876779"/>
+          </a:xfrm>
+          <a:prstGeom prst="rect">
+            <a:avLst/>
+          </a:prstGeom>
+          <a:noFill/>
+          <a:extLst>
+            <a:ext uri="{909E8E84-426E-40DD-AFC4-6F175D3DCCD1}">
+              <a14:hiddenFill xmlns:a14="http://schemas.microsoft.com/office/drawing/2010/main">
+                <a:solidFill>
+                  <a:srgbClr val="FFFFFF"/>
+                </a:solidFill>
+              </a14:hiddenFill>
+            </a:ext>
+          </a:extLst>
+        </p:spPr>
+      </p:pic>
+    </p:spTree>
+    <p:extLst>
+      <p:ext uri="{BB962C8B-B14F-4D97-AF65-F5344CB8AC3E}">
+        <p14:creationId xmlns:p14="http://schemas.microsoft.com/office/powerpoint/2010/main" val="2109397165"/>
+      </p:ext>
+    </p:extLst>
+  </p:cSld>
+  <p:clrMapOvr>
+    <a:masterClrMapping/>
+  </p:clrMapOvr>
+</p:sld>
+</file>
+
+<file path=ppt/slides/slide75.xml><?xml version="1.0" encoding="utf-8"?>
+<p:sld xmlns:a="http://schemas.openxmlformats.org/drawingml/2006/main" xmlns:r="http://schemas.openxmlformats.org/officeDocument/2006/relationships" xmlns:p="http://schemas.openxmlformats.org/presentationml/2006/main">
+  <p:cSld>
+    <p:spTree>
+      <p:nvGrpSpPr>
+        <p:cNvPr id="1" name=""/>
+        <p:cNvGrpSpPr/>
+        <p:nvPr/>
+      </p:nvGrpSpPr>
+      <p:grpSpPr>
+        <a:xfrm>
+          <a:off x="0" y="0"/>
+          <a:ext cx="0" cy="0"/>
+          <a:chOff x="0" y="0"/>
+          <a:chExt cx="0" cy="0"/>
+        </a:xfrm>
+      </p:grpSpPr>
+      <p:sp>
+        <p:nvSpPr>
+          <p:cNvPr id="3" name="Titre 1">
+            <a:extLst>
+              <a:ext uri="{FF2B5EF4-FFF2-40B4-BE49-F238E27FC236}">
+                <a16:creationId xmlns:a16="http://schemas.microsoft.com/office/drawing/2014/main" id="{E7373E66-041F-37D5-0ADF-25BA87ABC979}"/>
+              </a:ext>
+            </a:extLst>
+          </p:cNvPr>
+          <p:cNvSpPr>
+            <a:spLocks noGrp="1"/>
+          </p:cNvSpPr>
+          <p:nvPr>
+            <p:ph type="title"/>
+          </p:nvPr>
+        </p:nvSpPr>
+        <p:spPr>
+          <a:xfrm>
+            <a:off x="1097279" y="286603"/>
+            <a:ext cx="11167425" cy="1450757"/>
+          </a:xfrm>
+        </p:spPr>
+        <p:txBody>
+          <a:bodyPr>
+            <a:normAutofit/>
+          </a:bodyPr>
+          <a:lstStyle/>
+          <a:p>
+            <a:r>
+              <a:rPr lang="fr-FR" dirty="0"/>
+              <a:t>VIII- Le DOM </a:t>
+            </a:r>
+            <a:br>
+              <a:rPr lang="fr-FR" dirty="0"/>
+            </a:br>
+            <a:r>
+              <a:rPr lang="fr-FR" dirty="0"/>
+              <a:t>	</a:t>
+            </a:r>
+            <a:r>
+              <a:rPr lang="fr-FR" sz="3600" i="1" dirty="0"/>
+              <a:t>  2. Sélectionner un élément du DOM </a:t>
+            </a:r>
+          </a:p>
+        </p:txBody>
+      </p:sp>
+      <p:sp>
+        <p:nvSpPr>
+          <p:cNvPr id="2" name="ZoneTexte 1">
+            <a:extLst>
+              <a:ext uri="{FF2B5EF4-FFF2-40B4-BE49-F238E27FC236}">
+                <a16:creationId xmlns:a16="http://schemas.microsoft.com/office/drawing/2014/main" id="{33B30A53-7888-49FE-26D2-89FBC9843694}"/>
+              </a:ext>
+            </a:extLst>
+          </p:cNvPr>
+          <p:cNvSpPr txBox="1"/>
+          <p:nvPr/>
+        </p:nvSpPr>
+        <p:spPr>
+          <a:xfrm>
+            <a:off x="1610686" y="2122415"/>
+            <a:ext cx="9286613" cy="4001095"/>
+          </a:xfrm>
+          <a:prstGeom prst="rect">
+            <a:avLst/>
+          </a:prstGeom>
+          <a:noFill/>
+        </p:spPr>
+        <p:txBody>
+          <a:bodyPr wrap="square" rtlCol="0">
+            <a:spAutoFit/>
+          </a:bodyPr>
+          <a:lstStyle/>
+          <a:p>
+            <a:r>
+              <a:rPr lang="fr-FR" sz="2000" b="1" i="0" dirty="0" err="1">
+                <a:solidFill>
+                  <a:srgbClr val="111827"/>
+                </a:solidFill>
+                <a:effectLst/>
+                <a:latin typeface="Söhne Mono"/>
+              </a:rPr>
+              <a:t>getElementsByTagName</a:t>
+            </a:r>
+            <a:r>
+              <a:rPr lang="fr-FR" sz="2000" b="1" i="0" dirty="0">
+                <a:solidFill>
+                  <a:srgbClr val="111827"/>
+                </a:solidFill>
+                <a:effectLst/>
+                <a:latin typeface="Söhne Mono"/>
+              </a:rPr>
+              <a:t>(): </a:t>
+            </a:r>
+            <a:r>
+              <a:rPr lang="fr-FR" dirty="0"/>
+              <a:t>Retourne une collection d'éléments qui ont le nom de balise spécifié en paramètre.</a:t>
+            </a:r>
+          </a:p>
+          <a:p>
+            <a:endParaRPr lang="fr-FR" b="0" i="0" dirty="0">
+              <a:solidFill>
+                <a:srgbClr val="374151"/>
+              </a:solidFill>
+              <a:effectLst/>
+              <a:latin typeface="Söhne"/>
+            </a:endParaRPr>
+          </a:p>
+          <a:p>
+            <a:endParaRPr lang="fr-FR" dirty="0">
+              <a:solidFill>
+                <a:srgbClr val="374151"/>
+              </a:solidFill>
+              <a:latin typeface="Söhne"/>
+            </a:endParaRPr>
+          </a:p>
+          <a:p>
+            <a:endParaRPr lang="fr-FR" dirty="0">
+              <a:solidFill>
+                <a:srgbClr val="374151"/>
+              </a:solidFill>
+              <a:latin typeface="Söhne"/>
+            </a:endParaRPr>
+          </a:p>
+          <a:p>
+            <a:endParaRPr lang="fr-FR" dirty="0">
+              <a:solidFill>
+                <a:srgbClr val="374151"/>
+              </a:solidFill>
+              <a:latin typeface="Söhne"/>
+            </a:endParaRPr>
+          </a:p>
+          <a:p>
+            <a:r>
+              <a:rPr lang="fr-FR" b="1" i="0" dirty="0" err="1">
+                <a:solidFill>
+                  <a:srgbClr val="111827"/>
+                </a:solidFill>
+                <a:effectLst/>
+                <a:latin typeface="Söhne Mono"/>
+              </a:rPr>
+              <a:t>getElementById</a:t>
+            </a:r>
+            <a:r>
+              <a:rPr lang="fr-FR" b="1" i="0" dirty="0">
+                <a:solidFill>
+                  <a:srgbClr val="374151"/>
+                </a:solidFill>
+                <a:effectLst/>
+                <a:latin typeface="Söhne"/>
+              </a:rPr>
+              <a:t>(): </a:t>
+            </a:r>
+            <a:r>
+              <a:rPr lang="fr-FR" dirty="0"/>
+              <a:t>Retourne l'élément avec l'ID spécifié en paramètre.</a:t>
+            </a:r>
+          </a:p>
+          <a:p>
+            <a:endParaRPr lang="fr-FR" b="0" i="0" dirty="0">
+              <a:solidFill>
+                <a:srgbClr val="374151"/>
+              </a:solidFill>
+              <a:effectLst/>
+              <a:latin typeface="Söhne"/>
+            </a:endParaRPr>
+          </a:p>
+          <a:p>
+            <a:endParaRPr lang="fr-FR" dirty="0">
+              <a:solidFill>
+                <a:srgbClr val="374151"/>
+              </a:solidFill>
+              <a:latin typeface="Söhne"/>
+            </a:endParaRPr>
+          </a:p>
+          <a:p>
+            <a:endParaRPr lang="fr-FR" dirty="0"/>
+          </a:p>
+          <a:p>
+            <a:endParaRPr lang="fr-FR" dirty="0"/>
+          </a:p>
+          <a:p>
+            <a:r>
+              <a:rPr lang="fr-FR" b="1" i="0" dirty="0" err="1">
+                <a:solidFill>
+                  <a:srgbClr val="111827"/>
+                </a:solidFill>
+                <a:effectLst/>
+                <a:latin typeface="Söhne Mono"/>
+              </a:rPr>
+              <a:t>getElementsByClassName</a:t>
+            </a:r>
+            <a:r>
+              <a:rPr lang="fr-FR" b="1" i="0" dirty="0">
+                <a:solidFill>
+                  <a:srgbClr val="111827"/>
+                </a:solidFill>
+                <a:effectLst/>
+                <a:latin typeface="Söhne Mono"/>
+              </a:rPr>
+              <a:t>():</a:t>
+            </a:r>
+            <a:r>
+              <a:rPr lang="fr-FR" dirty="0"/>
+              <a:t>Cette méthode retourne une collection d'éléments qui ont la classe CSS spécifiée en paramètre.</a:t>
+            </a:r>
+          </a:p>
+          <a:p>
+            <a:endParaRPr lang="fr-FR" dirty="0"/>
+          </a:p>
+        </p:txBody>
+      </p:sp>
+      <p:pic>
+        <p:nvPicPr>
+          <p:cNvPr id="5" name="Image 4">
+            <a:extLst>
+              <a:ext uri="{FF2B5EF4-FFF2-40B4-BE49-F238E27FC236}">
+                <a16:creationId xmlns:a16="http://schemas.microsoft.com/office/drawing/2014/main" id="{C96EC237-F980-C5B3-11E4-B1A83D684114}"/>
+              </a:ext>
+            </a:extLst>
+          </p:cNvPr>
+          <p:cNvPicPr>
+            <a:picLocks noChangeAspect="1"/>
+          </p:cNvPicPr>
+          <p:nvPr/>
+        </p:nvPicPr>
+        <p:blipFill>
+          <a:blip r:embed="rId2"/>
+          <a:stretch>
+            <a:fillRect/>
+          </a:stretch>
+        </p:blipFill>
+        <p:spPr>
+          <a:xfrm>
+            <a:off x="1913282" y="2915015"/>
+            <a:ext cx="5915851" cy="390580"/>
+          </a:xfrm>
+          <a:prstGeom prst="rect">
+            <a:avLst/>
+          </a:prstGeom>
+        </p:spPr>
+      </p:pic>
+      <p:pic>
+        <p:nvPicPr>
+          <p:cNvPr id="7" name="Image 6">
+            <a:extLst>
+              <a:ext uri="{FF2B5EF4-FFF2-40B4-BE49-F238E27FC236}">
+                <a16:creationId xmlns:a16="http://schemas.microsoft.com/office/drawing/2014/main" id="{4E443163-1CBD-E9EF-B0E9-CE6D3C98FB5F}"/>
+              </a:ext>
+            </a:extLst>
+          </p:cNvPr>
+          <p:cNvPicPr>
+            <a:picLocks noChangeAspect="1"/>
+          </p:cNvPicPr>
+          <p:nvPr/>
+        </p:nvPicPr>
+        <p:blipFill>
+          <a:blip r:embed="rId3"/>
+          <a:stretch>
+            <a:fillRect/>
+          </a:stretch>
+        </p:blipFill>
+        <p:spPr>
+          <a:xfrm>
+            <a:off x="1913282" y="4538315"/>
+            <a:ext cx="6277851" cy="352474"/>
+          </a:xfrm>
+          <a:prstGeom prst="rect">
+            <a:avLst/>
+          </a:prstGeom>
+        </p:spPr>
+      </p:pic>
+      <p:pic>
+        <p:nvPicPr>
+          <p:cNvPr id="9" name="Image 8">
+            <a:extLst>
+              <a:ext uri="{FF2B5EF4-FFF2-40B4-BE49-F238E27FC236}">
+                <a16:creationId xmlns:a16="http://schemas.microsoft.com/office/drawing/2014/main" id="{6353E8E6-6DB7-FEE8-2F87-98B30F7D58CC}"/>
+              </a:ext>
+            </a:extLst>
+          </p:cNvPr>
+          <p:cNvPicPr>
+            <a:picLocks noChangeAspect="1"/>
+          </p:cNvPicPr>
+          <p:nvPr/>
+        </p:nvPicPr>
+        <p:blipFill>
+          <a:blip r:embed="rId4"/>
+          <a:stretch>
+            <a:fillRect/>
+          </a:stretch>
+        </p:blipFill>
+        <p:spPr>
+          <a:xfrm>
+            <a:off x="1913282" y="5990140"/>
+            <a:ext cx="7582958" cy="266737"/>
+          </a:xfrm>
+          <a:prstGeom prst="rect">
+            <a:avLst/>
+          </a:prstGeom>
+        </p:spPr>
+      </p:pic>
+      <p:pic>
+        <p:nvPicPr>
+          <p:cNvPr id="4" name="Picture 12" descr="JavaScript Logo et symbole, sens, histoire, PNG, marque">
+            <a:extLst>
+              <a:ext uri="{FF2B5EF4-FFF2-40B4-BE49-F238E27FC236}">
+                <a16:creationId xmlns:a16="http://schemas.microsoft.com/office/drawing/2014/main" id="{975062B9-EF34-C909-3245-A219CF10F845}"/>
+              </a:ext>
+            </a:extLst>
+          </p:cNvPr>
+          <p:cNvPicPr>
+            <a:picLocks noChangeAspect="1" noChangeArrowheads="1"/>
+          </p:cNvPicPr>
+          <p:nvPr/>
+        </p:nvPicPr>
+        <p:blipFill>
+          <a:blip r:embed="rId5">
+            <a:extLst>
+              <a:ext uri="{28A0092B-C50C-407E-A947-70E740481C1C}">
+                <a14:useLocalDpi xmlns:a14="http://schemas.microsoft.com/office/drawing/2010/main" val="0"/>
+              </a:ext>
+            </a:extLst>
+          </a:blip>
+          <a:srcRect/>
+          <a:stretch>
+            <a:fillRect/>
+          </a:stretch>
+        </p:blipFill>
+        <p:spPr bwMode="auto">
+          <a:xfrm>
+            <a:off x="10380582" y="286603"/>
+            <a:ext cx="1550195" cy="876779"/>
+          </a:xfrm>
+          <a:prstGeom prst="rect">
+            <a:avLst/>
+          </a:prstGeom>
+          <a:noFill/>
+          <a:extLst>
+            <a:ext uri="{909E8E84-426E-40DD-AFC4-6F175D3DCCD1}">
+              <a14:hiddenFill xmlns:a14="http://schemas.microsoft.com/office/drawing/2010/main">
+                <a:solidFill>
+                  <a:srgbClr val="FFFFFF"/>
+                </a:solidFill>
+              </a14:hiddenFill>
+            </a:ext>
+          </a:extLst>
+        </p:spPr>
+      </p:pic>
+    </p:spTree>
+    <p:extLst>
+      <p:ext uri="{BB962C8B-B14F-4D97-AF65-F5344CB8AC3E}">
+        <p14:creationId xmlns:p14="http://schemas.microsoft.com/office/powerpoint/2010/main" val="1742733681"/>
+      </p:ext>
+    </p:extLst>
+  </p:cSld>
+  <p:clrMapOvr>
+    <a:masterClrMapping/>
+  </p:clrMapOvr>
+</p:sld>
+</file>
+
+<file path=ppt/slides/slide76.xml><?xml version="1.0" encoding="utf-8"?>
+<p:sld xmlns:a="http://schemas.openxmlformats.org/drawingml/2006/main" xmlns:r="http://schemas.openxmlformats.org/officeDocument/2006/relationships" xmlns:p="http://schemas.openxmlformats.org/presentationml/2006/main">
+  <p:cSld>
+    <p:spTree>
+      <p:nvGrpSpPr>
+        <p:cNvPr id="1" name=""/>
+        <p:cNvGrpSpPr/>
+        <p:nvPr/>
+      </p:nvGrpSpPr>
+      <p:grpSpPr>
+        <a:xfrm>
+          <a:off x="0" y="0"/>
+          <a:ext cx="0" cy="0"/>
+          <a:chOff x="0" y="0"/>
+          <a:chExt cx="0" cy="0"/>
+        </a:xfrm>
+      </p:grpSpPr>
+      <p:sp>
+        <p:nvSpPr>
+          <p:cNvPr id="3" name="Titre 1">
+            <a:extLst>
+              <a:ext uri="{FF2B5EF4-FFF2-40B4-BE49-F238E27FC236}">
+                <a16:creationId xmlns:a16="http://schemas.microsoft.com/office/drawing/2014/main" id="{E7373E66-041F-37D5-0ADF-25BA87ABC979}"/>
+              </a:ext>
+            </a:extLst>
+          </p:cNvPr>
+          <p:cNvSpPr>
+            <a:spLocks noGrp="1"/>
+          </p:cNvSpPr>
+          <p:nvPr>
+            <p:ph type="title"/>
+          </p:nvPr>
+        </p:nvSpPr>
+        <p:spPr>
+          <a:xfrm>
+            <a:off x="1097279" y="286603"/>
+            <a:ext cx="11167425" cy="1450757"/>
+          </a:xfrm>
+        </p:spPr>
+        <p:txBody>
+          <a:bodyPr>
+            <a:normAutofit/>
+          </a:bodyPr>
+          <a:lstStyle/>
+          <a:p>
+            <a:r>
+              <a:rPr lang="fr-FR" dirty="0"/>
+              <a:t>VIII- Le DOM </a:t>
+            </a:r>
+            <a:br>
+              <a:rPr lang="fr-FR" dirty="0"/>
+            </a:br>
+            <a:r>
+              <a:rPr lang="fr-FR" dirty="0"/>
+              <a:t>	</a:t>
+            </a:r>
+            <a:r>
+              <a:rPr lang="fr-FR" sz="3600" i="1" dirty="0"/>
+              <a:t>  2. Sélectionner un élément du DOM </a:t>
+            </a:r>
+          </a:p>
+        </p:txBody>
+      </p:sp>
+      <p:sp>
+        <p:nvSpPr>
+          <p:cNvPr id="2" name="ZoneTexte 1">
+            <a:extLst>
+              <a:ext uri="{FF2B5EF4-FFF2-40B4-BE49-F238E27FC236}">
+                <a16:creationId xmlns:a16="http://schemas.microsoft.com/office/drawing/2014/main" id="{33B30A53-7888-49FE-26D2-89FBC9843694}"/>
+              </a:ext>
+            </a:extLst>
+          </p:cNvPr>
+          <p:cNvSpPr txBox="1"/>
+          <p:nvPr/>
+        </p:nvSpPr>
+        <p:spPr>
+          <a:xfrm>
+            <a:off x="1635853" y="2332139"/>
+            <a:ext cx="9286613" cy="3447098"/>
+          </a:xfrm>
+          <a:prstGeom prst="rect">
+            <a:avLst/>
+          </a:prstGeom>
+          <a:noFill/>
+        </p:spPr>
+        <p:txBody>
+          <a:bodyPr wrap="square" rtlCol="0">
+            <a:spAutoFit/>
+          </a:bodyPr>
+          <a:lstStyle/>
+          <a:p>
+            <a:r>
+              <a:rPr lang="fr-FR" sz="2000" b="1" i="0" dirty="0" err="1">
+                <a:solidFill>
+                  <a:srgbClr val="111827"/>
+                </a:solidFill>
+                <a:effectLst/>
+                <a:latin typeface="Söhne Mono"/>
+              </a:rPr>
+              <a:t>querySelector</a:t>
+            </a:r>
+            <a:r>
+              <a:rPr lang="fr-FR" sz="2000" b="1" i="0" dirty="0">
+                <a:solidFill>
+                  <a:srgbClr val="111827"/>
+                </a:solidFill>
+                <a:effectLst/>
+                <a:latin typeface="Söhne Mono"/>
+              </a:rPr>
+              <a:t>(): </a:t>
+            </a:r>
+            <a:r>
+              <a:rPr lang="fr-FR" dirty="0"/>
+              <a:t>Retourne le premier élément qui correspond au sélecteur CSS spécifié en paramètre.</a:t>
+            </a:r>
+          </a:p>
+          <a:p>
+            <a:endParaRPr lang="fr-FR" b="0" i="0" dirty="0">
+              <a:solidFill>
+                <a:srgbClr val="374151"/>
+              </a:solidFill>
+              <a:effectLst/>
+              <a:latin typeface="Söhne"/>
+            </a:endParaRPr>
+          </a:p>
+          <a:p>
+            <a:endParaRPr lang="fr-FR" dirty="0">
+              <a:solidFill>
+                <a:srgbClr val="374151"/>
+              </a:solidFill>
+              <a:latin typeface="Söhne"/>
+            </a:endParaRPr>
+          </a:p>
+          <a:p>
+            <a:endParaRPr lang="fr-FR" dirty="0">
+              <a:solidFill>
+                <a:srgbClr val="374151"/>
+              </a:solidFill>
+              <a:latin typeface="Söhne"/>
+            </a:endParaRPr>
+          </a:p>
+          <a:p>
+            <a:endParaRPr lang="fr-FR" dirty="0">
+              <a:solidFill>
+                <a:srgbClr val="374151"/>
+              </a:solidFill>
+              <a:latin typeface="Söhne"/>
+            </a:endParaRPr>
+          </a:p>
+          <a:p>
+            <a:endParaRPr lang="fr-FR" dirty="0">
+              <a:solidFill>
+                <a:srgbClr val="374151"/>
+              </a:solidFill>
+              <a:latin typeface="Söhne"/>
+            </a:endParaRPr>
+          </a:p>
+          <a:p>
+            <a:r>
+              <a:rPr lang="fr-FR" b="1" i="0" dirty="0" err="1">
+                <a:solidFill>
+                  <a:srgbClr val="111827"/>
+                </a:solidFill>
+                <a:effectLst/>
+                <a:latin typeface="Söhne Mono"/>
+              </a:rPr>
+              <a:t>querySelectorAll</a:t>
+            </a:r>
+            <a:r>
+              <a:rPr lang="fr-FR" b="1" i="0" dirty="0">
+                <a:solidFill>
+                  <a:srgbClr val="374151"/>
+                </a:solidFill>
+                <a:effectLst/>
+                <a:latin typeface="Söhne"/>
+              </a:rPr>
+              <a:t>(): </a:t>
+            </a:r>
+            <a:r>
+              <a:rPr lang="fr-FR" dirty="0"/>
+              <a:t>Retourne tous les éléments qui correspondent au sélecteur CSS spécifié en paramètre( #id ou .class ou tag )</a:t>
+            </a:r>
+          </a:p>
+          <a:p>
+            <a:endParaRPr lang="fr-FR" dirty="0">
+              <a:solidFill>
+                <a:srgbClr val="374151"/>
+              </a:solidFill>
+              <a:latin typeface="Söhne"/>
+            </a:endParaRPr>
+          </a:p>
+          <a:p>
+            <a:endParaRPr lang="fr-FR" dirty="0"/>
+          </a:p>
+          <a:p>
+            <a:endParaRPr lang="fr-FR" dirty="0"/>
+          </a:p>
+        </p:txBody>
+      </p:sp>
+      <p:pic>
+        <p:nvPicPr>
+          <p:cNvPr id="6" name="Image 5">
+            <a:extLst>
+              <a:ext uri="{FF2B5EF4-FFF2-40B4-BE49-F238E27FC236}">
+                <a16:creationId xmlns:a16="http://schemas.microsoft.com/office/drawing/2014/main" id="{43C94160-255C-7486-2870-ACA0C838F4B4}"/>
+              </a:ext>
+            </a:extLst>
+          </p:cNvPr>
+          <p:cNvPicPr>
+            <a:picLocks noChangeAspect="1"/>
+          </p:cNvPicPr>
+          <p:nvPr/>
+        </p:nvPicPr>
+        <p:blipFill>
+          <a:blip r:embed="rId2"/>
+          <a:stretch>
+            <a:fillRect/>
+          </a:stretch>
+        </p:blipFill>
+        <p:spPr>
+          <a:xfrm>
+            <a:off x="2101047" y="3262076"/>
+            <a:ext cx="6916115" cy="314369"/>
+          </a:xfrm>
+          <a:prstGeom prst="rect">
+            <a:avLst/>
+          </a:prstGeom>
+        </p:spPr>
+      </p:pic>
+      <p:pic>
+        <p:nvPicPr>
+          <p:cNvPr id="10" name="Image 9">
+            <a:extLst>
+              <a:ext uri="{FF2B5EF4-FFF2-40B4-BE49-F238E27FC236}">
+                <a16:creationId xmlns:a16="http://schemas.microsoft.com/office/drawing/2014/main" id="{8CD4380A-029D-683E-E7F8-B4358787A2DD}"/>
+              </a:ext>
+            </a:extLst>
+          </p:cNvPr>
+          <p:cNvPicPr>
+            <a:picLocks noChangeAspect="1"/>
+          </p:cNvPicPr>
+          <p:nvPr/>
+        </p:nvPicPr>
+        <p:blipFill>
+          <a:blip r:embed="rId3"/>
+          <a:stretch>
+            <a:fillRect/>
+          </a:stretch>
+        </p:blipFill>
+        <p:spPr>
+          <a:xfrm>
+            <a:off x="2101047" y="5258219"/>
+            <a:ext cx="7525800" cy="457264"/>
+          </a:xfrm>
+          <a:prstGeom prst="rect">
+            <a:avLst/>
+          </a:prstGeom>
+        </p:spPr>
+      </p:pic>
+      <p:pic>
+        <p:nvPicPr>
+          <p:cNvPr id="4" name="Picture 12" descr="JavaScript Logo et symbole, sens, histoire, PNG, marque">
+            <a:extLst>
+              <a:ext uri="{FF2B5EF4-FFF2-40B4-BE49-F238E27FC236}">
+                <a16:creationId xmlns:a16="http://schemas.microsoft.com/office/drawing/2014/main" id="{D4B022CA-5F05-E9AA-2D7F-20B8387B7545}"/>
+              </a:ext>
+            </a:extLst>
+          </p:cNvPr>
+          <p:cNvPicPr>
+            <a:picLocks noChangeAspect="1" noChangeArrowheads="1"/>
+          </p:cNvPicPr>
+          <p:nvPr/>
+        </p:nvPicPr>
+        <p:blipFill>
+          <a:blip r:embed="rId4">
+            <a:extLst>
+              <a:ext uri="{28A0092B-C50C-407E-A947-70E740481C1C}">
+                <a14:useLocalDpi xmlns:a14="http://schemas.microsoft.com/office/drawing/2010/main" val="0"/>
+              </a:ext>
+            </a:extLst>
+          </a:blip>
+          <a:srcRect/>
+          <a:stretch>
+            <a:fillRect/>
+          </a:stretch>
+        </p:blipFill>
+        <p:spPr bwMode="auto">
+          <a:xfrm>
+            <a:off x="10380582" y="286603"/>
+            <a:ext cx="1550195" cy="876779"/>
+          </a:xfrm>
+          <a:prstGeom prst="rect">
+            <a:avLst/>
+          </a:prstGeom>
+          <a:noFill/>
+          <a:extLst>
+            <a:ext uri="{909E8E84-426E-40DD-AFC4-6F175D3DCCD1}">
+              <a14:hiddenFill xmlns:a14="http://schemas.microsoft.com/office/drawing/2010/main">
+                <a:solidFill>
+                  <a:srgbClr val="FFFFFF"/>
+                </a:solidFill>
+              </a14:hiddenFill>
+            </a:ext>
+          </a:extLst>
+        </p:spPr>
+      </p:pic>
+    </p:spTree>
+    <p:extLst>
+      <p:ext uri="{BB962C8B-B14F-4D97-AF65-F5344CB8AC3E}">
+        <p14:creationId xmlns:p14="http://schemas.microsoft.com/office/powerpoint/2010/main" val="3932770506"/>
+      </p:ext>
+    </p:extLst>
+  </p:cSld>
+  <p:clrMapOvr>
+    <a:masterClrMapping/>
+  </p:clrMapOvr>
+</p:sld>
+</file>
+
+<file path=ppt/slides/slide77.xml><?xml version="1.0" encoding="utf-8"?>
+<p:sld xmlns:a="http://schemas.openxmlformats.org/drawingml/2006/main" xmlns:r="http://schemas.openxmlformats.org/officeDocument/2006/relationships" xmlns:p="http://schemas.openxmlformats.org/presentationml/2006/main">
+  <p:cSld>
+    <p:spTree>
+      <p:nvGrpSpPr>
+        <p:cNvPr id="1" name=""/>
+        <p:cNvGrpSpPr/>
+        <p:nvPr/>
+      </p:nvGrpSpPr>
+      <p:grpSpPr>
+        <a:xfrm>
+          <a:off x="0" y="0"/>
+          <a:ext cx="0" cy="0"/>
+          <a:chOff x="0" y="0"/>
+          <a:chExt cx="0" cy="0"/>
+        </a:xfrm>
+      </p:grpSpPr>
+      <p:sp>
+        <p:nvSpPr>
+          <p:cNvPr id="3" name="Titre 1">
+            <a:extLst>
+              <a:ext uri="{FF2B5EF4-FFF2-40B4-BE49-F238E27FC236}">
+                <a16:creationId xmlns:a16="http://schemas.microsoft.com/office/drawing/2014/main" id="{E7373E66-041F-37D5-0ADF-25BA87ABC979}"/>
+              </a:ext>
+            </a:extLst>
+          </p:cNvPr>
+          <p:cNvSpPr>
+            <a:spLocks noGrp="1"/>
+          </p:cNvSpPr>
+          <p:nvPr>
+            <p:ph type="title"/>
+          </p:nvPr>
+        </p:nvSpPr>
+        <p:spPr>
+          <a:xfrm>
+            <a:off x="1097279" y="286603"/>
+            <a:ext cx="11167425" cy="1450757"/>
+          </a:xfrm>
+        </p:spPr>
+        <p:txBody>
+          <a:bodyPr>
+            <a:normAutofit/>
+          </a:bodyPr>
+          <a:lstStyle/>
+          <a:p>
+            <a:r>
+              <a:rPr lang="fr-FR" dirty="0"/>
+              <a:t>VIII- Le DOM </a:t>
+            </a:r>
+            <a:br>
+              <a:rPr lang="fr-FR" dirty="0"/>
+            </a:br>
+            <a:r>
+              <a:rPr lang="fr-FR" dirty="0"/>
+              <a:t>	</a:t>
+            </a:r>
+            <a:r>
+              <a:rPr lang="fr-FR" sz="3600" i="1" dirty="0"/>
+              <a:t>  3. Modifier un élément du DOM </a:t>
+            </a:r>
+          </a:p>
+        </p:txBody>
+      </p:sp>
+      <p:sp>
+        <p:nvSpPr>
+          <p:cNvPr id="2" name="ZoneTexte 1">
+            <a:extLst>
+              <a:ext uri="{FF2B5EF4-FFF2-40B4-BE49-F238E27FC236}">
+                <a16:creationId xmlns:a16="http://schemas.microsoft.com/office/drawing/2014/main" id="{5F237D0C-D322-8231-032D-5E26013124EB}"/>
+              </a:ext>
+            </a:extLst>
+          </p:cNvPr>
+          <p:cNvSpPr txBox="1"/>
+          <p:nvPr/>
+        </p:nvSpPr>
+        <p:spPr>
+          <a:xfrm>
+            <a:off x="795275" y="2366511"/>
+            <a:ext cx="10940923" cy="2862322"/>
+          </a:xfrm>
+          <a:prstGeom prst="rect">
+            <a:avLst/>
+          </a:prstGeom>
+          <a:noFill/>
+        </p:spPr>
+        <p:txBody>
+          <a:bodyPr wrap="square" rtlCol="0">
+            <a:spAutoFit/>
+          </a:bodyPr>
+          <a:lstStyle/>
+          <a:p>
+            <a:r>
+              <a:rPr lang="fr-FR" sz="2000" b="1" dirty="0" err="1">
+                <a:solidFill>
+                  <a:srgbClr val="111827"/>
+                </a:solidFill>
+                <a:latin typeface="Söhne Mono"/>
+              </a:rPr>
+              <a:t>textContent</a:t>
+            </a:r>
+            <a:r>
+              <a:rPr lang="fr-FR" sz="2000" b="1" dirty="0">
+                <a:solidFill>
+                  <a:srgbClr val="111827"/>
+                </a:solidFill>
+                <a:latin typeface="Söhne Mono"/>
+              </a:rPr>
+              <a:t> </a:t>
+            </a:r>
+            <a:r>
+              <a:rPr lang="fr-FR" sz="2000" dirty="0"/>
+              <a:t>: récupère le contenu textuel brut d'un élément, y compris les balises HTML</a:t>
+            </a:r>
+          </a:p>
+          <a:p>
+            <a:endParaRPr lang="fr-FR" sz="2000" dirty="0"/>
+          </a:p>
+          <a:p>
+            <a:endParaRPr lang="fr-FR" sz="2000" dirty="0"/>
+          </a:p>
+          <a:p>
+            <a:r>
+              <a:rPr lang="fr-FR" sz="2000" b="1" dirty="0" err="1">
+                <a:solidFill>
+                  <a:srgbClr val="111827"/>
+                </a:solidFill>
+                <a:latin typeface="Söhne Mono"/>
+              </a:rPr>
+              <a:t>innerText</a:t>
+            </a:r>
+            <a:r>
+              <a:rPr lang="fr-FR" sz="2000" b="1" dirty="0">
+                <a:solidFill>
+                  <a:srgbClr val="111827"/>
+                </a:solidFill>
+                <a:latin typeface="Söhne Mono"/>
+              </a:rPr>
+              <a:t> </a:t>
+            </a:r>
+            <a:r>
+              <a:rPr lang="fr-FR" sz="2000" dirty="0"/>
+              <a:t>: récupère le texte d'un élément, en ignorant les balises HTML </a:t>
+            </a:r>
+          </a:p>
+          <a:p>
+            <a:endParaRPr lang="fr-FR" sz="2000" dirty="0"/>
+          </a:p>
+          <a:p>
+            <a:endParaRPr lang="fr-FR" sz="2000" dirty="0"/>
+          </a:p>
+          <a:p>
+            <a:endParaRPr lang="fr-FR" sz="2000" dirty="0"/>
+          </a:p>
+          <a:p>
+            <a:r>
+              <a:rPr lang="fr-FR" sz="2000" dirty="0">
+                <a:sym typeface="Wingdings" panose="05000000000000000000" pitchFamily="2" charset="2"/>
+              </a:rPr>
+              <a:t>	 </a:t>
+            </a:r>
+            <a:r>
+              <a:rPr lang="fr-FR" sz="2000" dirty="0" err="1">
+                <a:sym typeface="Wingdings" panose="05000000000000000000" pitchFamily="2" charset="2"/>
+              </a:rPr>
+              <a:t>innerText</a:t>
+            </a:r>
+            <a:r>
+              <a:rPr lang="fr-FR" sz="2000" dirty="0">
+                <a:sym typeface="Wingdings" panose="05000000000000000000" pitchFamily="2" charset="2"/>
+              </a:rPr>
+              <a:t> est une propriété non-standard, son comportement varier entre les 		      </a:t>
+            </a:r>
+            <a:r>
+              <a:rPr lang="fr-FR" sz="2000" dirty="0" err="1">
+                <a:sym typeface="Wingdings" panose="05000000000000000000" pitchFamily="2" charset="2"/>
+              </a:rPr>
+              <a:t>navigateurs,</a:t>
+            </a:r>
+            <a:r>
+              <a:rPr lang="fr-FR" sz="2000" b="1" dirty="0" err="1">
+                <a:sym typeface="Wingdings" panose="05000000000000000000" pitchFamily="2" charset="2"/>
+              </a:rPr>
+              <a:t>textContent</a:t>
+            </a:r>
+            <a:r>
+              <a:rPr lang="fr-FR" sz="2000" b="1" dirty="0">
+                <a:sym typeface="Wingdings" panose="05000000000000000000" pitchFamily="2" charset="2"/>
+              </a:rPr>
+              <a:t> est standardisé et fiable </a:t>
+            </a:r>
+            <a:endParaRPr lang="fr-FR" sz="2000" b="1" dirty="0"/>
+          </a:p>
+        </p:txBody>
+      </p:sp>
+      <p:pic>
+        <p:nvPicPr>
+          <p:cNvPr id="4" name="Picture 12" descr="JavaScript Logo et symbole, sens, histoire, PNG, marque">
+            <a:extLst>
+              <a:ext uri="{FF2B5EF4-FFF2-40B4-BE49-F238E27FC236}">
+                <a16:creationId xmlns:a16="http://schemas.microsoft.com/office/drawing/2014/main" id="{BE900751-4067-344E-36B5-3B9A1AD773F5}"/>
+              </a:ext>
+            </a:extLst>
+          </p:cNvPr>
+          <p:cNvPicPr>
+            <a:picLocks noChangeAspect="1" noChangeArrowheads="1"/>
+          </p:cNvPicPr>
+          <p:nvPr/>
+        </p:nvPicPr>
+        <p:blipFill>
+          <a:blip r:embed="rId2">
+            <a:extLst>
+              <a:ext uri="{28A0092B-C50C-407E-A947-70E740481C1C}">
+                <a14:useLocalDpi xmlns:a14="http://schemas.microsoft.com/office/drawing/2010/main" val="0"/>
+              </a:ext>
+            </a:extLst>
+          </a:blip>
+          <a:srcRect/>
+          <a:stretch>
+            <a:fillRect/>
+          </a:stretch>
+        </p:blipFill>
+        <p:spPr bwMode="auto">
+          <a:xfrm>
+            <a:off x="10380582" y="286603"/>
+            <a:ext cx="1550195" cy="876779"/>
+          </a:xfrm>
+          <a:prstGeom prst="rect">
+            <a:avLst/>
+          </a:prstGeom>
+          <a:noFill/>
+          <a:extLst>
+            <a:ext uri="{909E8E84-426E-40DD-AFC4-6F175D3DCCD1}">
+              <a14:hiddenFill xmlns:a14="http://schemas.microsoft.com/office/drawing/2010/main">
+                <a:solidFill>
+                  <a:srgbClr val="FFFFFF"/>
+                </a:solidFill>
+              </a14:hiddenFill>
+            </a:ext>
+          </a:extLst>
+        </p:spPr>
+      </p:pic>
+    </p:spTree>
+    <p:extLst>
+      <p:ext uri="{BB962C8B-B14F-4D97-AF65-F5344CB8AC3E}">
+        <p14:creationId xmlns:p14="http://schemas.microsoft.com/office/powerpoint/2010/main" val="2371826846"/>
+      </p:ext>
+    </p:extLst>
+  </p:cSld>
+  <p:clrMapOvr>
+    <a:masterClrMapping/>
+  </p:clrMapOvr>
+</p:sld>
+</file>
+
+<file path=ppt/slides/slide78.xml><?xml version="1.0" encoding="utf-8"?>
+<p:sld xmlns:a="http://schemas.openxmlformats.org/drawingml/2006/main" xmlns:r="http://schemas.openxmlformats.org/officeDocument/2006/relationships" xmlns:p="http://schemas.openxmlformats.org/presentationml/2006/main">
+  <p:cSld>
+    <p:spTree>
+      <p:nvGrpSpPr>
+        <p:cNvPr id="1" name=""/>
+        <p:cNvGrpSpPr/>
+        <p:nvPr/>
+      </p:nvGrpSpPr>
+      <p:grpSpPr>
+        <a:xfrm>
+          <a:off x="0" y="0"/>
+          <a:ext cx="0" cy="0"/>
+          <a:chOff x="0" y="0"/>
+          <a:chExt cx="0" cy="0"/>
+        </a:xfrm>
+      </p:grpSpPr>
+      <p:sp>
+        <p:nvSpPr>
+          <p:cNvPr id="3" name="Titre 1">
+            <a:extLst>
+              <a:ext uri="{FF2B5EF4-FFF2-40B4-BE49-F238E27FC236}">
+                <a16:creationId xmlns:a16="http://schemas.microsoft.com/office/drawing/2014/main" id="{E7373E66-041F-37D5-0ADF-25BA87ABC979}"/>
+              </a:ext>
+            </a:extLst>
+          </p:cNvPr>
+          <p:cNvSpPr>
+            <a:spLocks noGrp="1"/>
+          </p:cNvSpPr>
+          <p:nvPr>
+            <p:ph type="title"/>
+          </p:nvPr>
+        </p:nvSpPr>
+        <p:spPr>
+          <a:xfrm>
+            <a:off x="1097279" y="286603"/>
+            <a:ext cx="11167425" cy="1450757"/>
+          </a:xfrm>
+        </p:spPr>
+        <p:txBody>
+          <a:bodyPr>
+            <a:normAutofit/>
+          </a:bodyPr>
+          <a:lstStyle/>
+          <a:p>
+            <a:r>
+              <a:rPr lang="fr-FR" dirty="0"/>
+              <a:t>VIII- Le DOM </a:t>
+            </a:r>
+            <a:br>
+              <a:rPr lang="fr-FR" dirty="0"/>
+            </a:br>
+            <a:r>
+              <a:rPr lang="fr-FR" dirty="0"/>
+              <a:t>	</a:t>
+            </a:r>
+            <a:r>
+              <a:rPr lang="fr-FR" sz="3600" i="1" dirty="0"/>
+              <a:t>  3. Modifier un élément du DOM </a:t>
+            </a:r>
+          </a:p>
+        </p:txBody>
+      </p:sp>
+      <p:sp>
+        <p:nvSpPr>
+          <p:cNvPr id="4" name="ZoneTexte 3">
+            <a:extLst>
+              <a:ext uri="{FF2B5EF4-FFF2-40B4-BE49-F238E27FC236}">
+                <a16:creationId xmlns:a16="http://schemas.microsoft.com/office/drawing/2014/main" id="{8F0C5BEE-28BD-CC3B-CDC5-0DE2ED636EB8}"/>
+              </a:ext>
+            </a:extLst>
+          </p:cNvPr>
+          <p:cNvSpPr txBox="1"/>
+          <p:nvPr/>
+        </p:nvSpPr>
+        <p:spPr>
+          <a:xfrm>
+            <a:off x="1251357" y="2399486"/>
+            <a:ext cx="9689285" cy="954107"/>
+          </a:xfrm>
+          <a:prstGeom prst="rect">
+            <a:avLst/>
+          </a:prstGeom>
+          <a:noFill/>
+        </p:spPr>
+        <p:txBody>
+          <a:bodyPr wrap="square" rtlCol="0">
+            <a:spAutoFit/>
+          </a:bodyPr>
+          <a:lstStyle/>
+          <a:p>
+            <a:r>
+              <a:rPr lang="fr-FR" sz="2000" b="1" dirty="0" err="1">
+                <a:solidFill>
+                  <a:srgbClr val="111827"/>
+                </a:solidFill>
+                <a:latin typeface="Söhne Mono"/>
+              </a:rPr>
+              <a:t>innerHtml</a:t>
+            </a:r>
+            <a:r>
+              <a:rPr lang="fr-FR" sz="2000" b="1" dirty="0">
+                <a:solidFill>
+                  <a:srgbClr val="111827"/>
+                </a:solidFill>
+                <a:latin typeface="Söhne Mono"/>
+              </a:rPr>
+              <a:t>: </a:t>
+            </a:r>
+            <a:r>
+              <a:rPr lang="fr-FR" dirty="0"/>
+              <a:t>renvoie une chaîne de caractères contenant tout le contenu HTML à l'intérieur de cet élément, y </a:t>
+            </a:r>
+            <a:r>
+              <a:rPr lang="fr-FR" b="1" dirty="0"/>
+              <a:t>compris les balises HTML</a:t>
+            </a:r>
+            <a:r>
+              <a:rPr lang="fr-FR" dirty="0"/>
+              <a:t>. Nous pouvons l’utiliser pour modifier et ajouter du contenu HTML.</a:t>
+            </a:r>
+          </a:p>
+        </p:txBody>
+      </p:sp>
+      <p:pic>
+        <p:nvPicPr>
+          <p:cNvPr id="7" name="Image 6">
+            <a:extLst>
+              <a:ext uri="{FF2B5EF4-FFF2-40B4-BE49-F238E27FC236}">
+                <a16:creationId xmlns:a16="http://schemas.microsoft.com/office/drawing/2014/main" id="{8C205A55-5ADB-2344-31C4-A6FC84239101}"/>
+              </a:ext>
+            </a:extLst>
+          </p:cNvPr>
+          <p:cNvPicPr>
+            <a:picLocks noChangeAspect="1"/>
+          </p:cNvPicPr>
+          <p:nvPr/>
+        </p:nvPicPr>
+        <p:blipFill>
+          <a:blip r:embed="rId2"/>
+          <a:stretch>
+            <a:fillRect/>
+          </a:stretch>
+        </p:blipFill>
+        <p:spPr>
+          <a:xfrm>
+            <a:off x="3263316" y="3744451"/>
+            <a:ext cx="5382376" cy="866896"/>
+          </a:xfrm>
+          <a:prstGeom prst="rect">
+            <a:avLst/>
+          </a:prstGeom>
+        </p:spPr>
+      </p:pic>
+      <p:pic>
+        <p:nvPicPr>
+          <p:cNvPr id="9" name="Image 8">
+            <a:extLst>
+              <a:ext uri="{FF2B5EF4-FFF2-40B4-BE49-F238E27FC236}">
+                <a16:creationId xmlns:a16="http://schemas.microsoft.com/office/drawing/2014/main" id="{813E2F2B-EC99-3723-5DA6-B0E8AD813D59}"/>
+              </a:ext>
+            </a:extLst>
+          </p:cNvPr>
+          <p:cNvPicPr>
+            <a:picLocks noChangeAspect="1"/>
+          </p:cNvPicPr>
+          <p:nvPr/>
+        </p:nvPicPr>
+        <p:blipFill>
+          <a:blip r:embed="rId3"/>
+          <a:stretch>
+            <a:fillRect/>
+          </a:stretch>
+        </p:blipFill>
+        <p:spPr>
+          <a:xfrm>
+            <a:off x="2501210" y="5126270"/>
+            <a:ext cx="6906589" cy="581106"/>
+          </a:xfrm>
+          <a:prstGeom prst="rect">
+            <a:avLst/>
+          </a:prstGeom>
+        </p:spPr>
+      </p:pic>
+      <p:pic>
+        <p:nvPicPr>
+          <p:cNvPr id="2" name="Picture 12" descr="JavaScript Logo et symbole, sens, histoire, PNG, marque">
+            <a:extLst>
+              <a:ext uri="{FF2B5EF4-FFF2-40B4-BE49-F238E27FC236}">
+                <a16:creationId xmlns:a16="http://schemas.microsoft.com/office/drawing/2014/main" id="{AA27B380-458B-661C-449A-BD2185BBF825}"/>
+              </a:ext>
+            </a:extLst>
+          </p:cNvPr>
+          <p:cNvPicPr>
+            <a:picLocks noChangeAspect="1" noChangeArrowheads="1"/>
+          </p:cNvPicPr>
+          <p:nvPr/>
+        </p:nvPicPr>
+        <p:blipFill>
+          <a:blip r:embed="rId4">
+            <a:extLst>
+              <a:ext uri="{28A0092B-C50C-407E-A947-70E740481C1C}">
+                <a14:useLocalDpi xmlns:a14="http://schemas.microsoft.com/office/drawing/2010/main" val="0"/>
+              </a:ext>
+            </a:extLst>
+          </a:blip>
+          <a:srcRect/>
+          <a:stretch>
+            <a:fillRect/>
+          </a:stretch>
+        </p:blipFill>
+        <p:spPr bwMode="auto">
+          <a:xfrm>
+            <a:off x="10380582" y="286603"/>
+            <a:ext cx="1550195" cy="876779"/>
+          </a:xfrm>
+          <a:prstGeom prst="rect">
+            <a:avLst/>
+          </a:prstGeom>
+          <a:noFill/>
+          <a:extLst>
+            <a:ext uri="{909E8E84-426E-40DD-AFC4-6F175D3DCCD1}">
+              <a14:hiddenFill xmlns:a14="http://schemas.microsoft.com/office/drawing/2010/main">
+                <a:solidFill>
+                  <a:srgbClr val="FFFFFF"/>
+                </a:solidFill>
+              </a14:hiddenFill>
+            </a:ext>
+          </a:extLst>
+        </p:spPr>
+      </p:pic>
+    </p:spTree>
+    <p:extLst>
+      <p:ext uri="{BB962C8B-B14F-4D97-AF65-F5344CB8AC3E}">
+        <p14:creationId xmlns:p14="http://schemas.microsoft.com/office/powerpoint/2010/main" val="979102491"/>
+      </p:ext>
+    </p:extLst>
+  </p:cSld>
+  <p:clrMapOvr>
+    <a:masterClrMapping/>
+  </p:clrMapOvr>
+</p:sld>
+</file>
+
+<file path=ppt/slides/slide79.xml><?xml version="1.0" encoding="utf-8"?>
+<p:sld xmlns:a="http://schemas.openxmlformats.org/drawingml/2006/main" xmlns:r="http://schemas.openxmlformats.org/officeDocument/2006/relationships" xmlns:p="http://schemas.openxmlformats.org/presentationml/2006/main">
+  <p:cSld>
+    <p:spTree>
+      <p:nvGrpSpPr>
+        <p:cNvPr id="1" name=""/>
+        <p:cNvGrpSpPr/>
+        <p:nvPr/>
+      </p:nvGrpSpPr>
+      <p:grpSpPr>
+        <a:xfrm>
+          <a:off x="0" y="0"/>
+          <a:ext cx="0" cy="0"/>
+          <a:chOff x="0" y="0"/>
+          <a:chExt cx="0" cy="0"/>
+        </a:xfrm>
+      </p:grpSpPr>
+      <p:sp>
+        <p:nvSpPr>
+          <p:cNvPr id="3" name="Titre 1">
+            <a:extLst>
+              <a:ext uri="{FF2B5EF4-FFF2-40B4-BE49-F238E27FC236}">
+                <a16:creationId xmlns:a16="http://schemas.microsoft.com/office/drawing/2014/main" id="{E7373E66-041F-37D5-0ADF-25BA87ABC979}"/>
+              </a:ext>
+            </a:extLst>
+          </p:cNvPr>
+          <p:cNvSpPr>
+            <a:spLocks noGrp="1"/>
+          </p:cNvSpPr>
+          <p:nvPr>
+            <p:ph type="title"/>
+          </p:nvPr>
+        </p:nvSpPr>
+        <p:spPr>
+          <a:xfrm>
+            <a:off x="1097279" y="286603"/>
+            <a:ext cx="11167425" cy="1450757"/>
+          </a:xfrm>
+        </p:spPr>
+        <p:txBody>
+          <a:bodyPr>
+            <a:normAutofit/>
+          </a:bodyPr>
+          <a:lstStyle/>
+          <a:p>
+            <a:r>
+              <a:rPr lang="fr-FR" dirty="0"/>
+              <a:t>VIII- Le DOM </a:t>
+            </a:r>
+            <a:br>
+              <a:rPr lang="fr-FR" dirty="0"/>
+            </a:br>
+            <a:r>
+              <a:rPr lang="fr-FR" dirty="0"/>
+              <a:t>	</a:t>
+            </a:r>
+            <a:r>
+              <a:rPr lang="fr-FR" sz="3600" i="1" dirty="0"/>
+              <a:t>  4. Ajouter un élément au DOM </a:t>
+            </a:r>
+          </a:p>
+        </p:txBody>
+      </p:sp>
+      <p:sp>
+        <p:nvSpPr>
+          <p:cNvPr id="2" name="ZoneTexte 1">
+            <a:extLst>
+              <a:ext uri="{FF2B5EF4-FFF2-40B4-BE49-F238E27FC236}">
+                <a16:creationId xmlns:a16="http://schemas.microsoft.com/office/drawing/2014/main" id="{C2D82928-B84A-A96C-3985-6D1A3859D882}"/>
+              </a:ext>
+            </a:extLst>
+          </p:cNvPr>
+          <p:cNvSpPr txBox="1"/>
+          <p:nvPr/>
+        </p:nvSpPr>
+        <p:spPr>
+          <a:xfrm>
+            <a:off x="1501629" y="2473763"/>
+            <a:ext cx="9739619" cy="2646878"/>
+          </a:xfrm>
+          <a:prstGeom prst="rect">
+            <a:avLst/>
+          </a:prstGeom>
+          <a:noFill/>
+        </p:spPr>
+        <p:txBody>
+          <a:bodyPr wrap="square" rtlCol="0">
+            <a:spAutoFit/>
+          </a:bodyPr>
+          <a:lstStyle/>
+          <a:p>
+            <a:r>
+              <a:rPr lang="fr-FR" sz="2000" b="1" dirty="0" err="1">
+                <a:solidFill>
+                  <a:srgbClr val="111827"/>
+                </a:solidFill>
+                <a:latin typeface="Söhne Mono"/>
+              </a:rPr>
+              <a:t>createElement</a:t>
+            </a:r>
+            <a:r>
+              <a:rPr lang="fr-FR" sz="2000" b="1" dirty="0">
+                <a:solidFill>
+                  <a:srgbClr val="111827"/>
+                </a:solidFill>
+                <a:latin typeface="Söhne Mono"/>
+              </a:rPr>
+              <a:t>():</a:t>
+            </a:r>
+            <a:r>
+              <a:rPr lang="fr-FR" dirty="0"/>
+              <a:t>Cette méthode crée un nouvel élément avec le nom de balise HTML spécifié en paramètre, mais sans l'insérer dans la page HTML.</a:t>
+            </a:r>
+          </a:p>
+          <a:p>
+            <a:endParaRPr lang="fr-FR" dirty="0">
+              <a:solidFill>
+                <a:srgbClr val="374151"/>
+              </a:solidFill>
+              <a:latin typeface="Söhne"/>
+            </a:endParaRPr>
+          </a:p>
+          <a:p>
+            <a:endParaRPr lang="fr-FR" dirty="0">
+              <a:solidFill>
+                <a:srgbClr val="374151"/>
+              </a:solidFill>
+              <a:latin typeface="Söhne"/>
+            </a:endParaRPr>
+          </a:p>
+          <a:p>
+            <a:endParaRPr lang="fr-FR" dirty="0"/>
+          </a:p>
+          <a:p>
+            <a:endParaRPr lang="fr-FR" dirty="0"/>
+          </a:p>
+          <a:p>
+            <a:r>
+              <a:rPr lang="fr-FR" sz="2000" b="1" dirty="0" err="1">
+                <a:solidFill>
+                  <a:srgbClr val="111827"/>
+                </a:solidFill>
+                <a:latin typeface="Söhne Mono"/>
+              </a:rPr>
+              <a:t>appendChild</a:t>
+            </a:r>
+            <a:r>
+              <a:rPr lang="fr-FR" sz="2000" b="1" dirty="0">
+                <a:solidFill>
+                  <a:srgbClr val="111827"/>
+                </a:solidFill>
+                <a:latin typeface="Söhne Mono"/>
+              </a:rPr>
+              <a:t>() :  </a:t>
+            </a:r>
+            <a:r>
+              <a:rPr lang="fr-FR" dirty="0"/>
+              <a:t>Permet d’ajouter un élément enfant un élément parent spécifié, Cette méthode prend en paramètre l'élément à ajouter, et l'ajoute à la fin de la liste des enfants de l'élément parent.</a:t>
+            </a:r>
+          </a:p>
+        </p:txBody>
+      </p:sp>
+      <p:pic>
+        <p:nvPicPr>
+          <p:cNvPr id="5" name="Image 4">
+            <a:extLst>
+              <a:ext uri="{FF2B5EF4-FFF2-40B4-BE49-F238E27FC236}">
+                <a16:creationId xmlns:a16="http://schemas.microsoft.com/office/drawing/2014/main" id="{2CBF8203-4B98-AA66-90D9-701A94464DAE}"/>
+              </a:ext>
+            </a:extLst>
+          </p:cNvPr>
+          <p:cNvPicPr>
+            <a:picLocks noChangeAspect="1"/>
+          </p:cNvPicPr>
+          <p:nvPr/>
+        </p:nvPicPr>
+        <p:blipFill>
+          <a:blip r:embed="rId2"/>
+          <a:stretch>
+            <a:fillRect/>
+          </a:stretch>
+        </p:blipFill>
+        <p:spPr>
+          <a:xfrm>
+            <a:off x="1828818" y="5218320"/>
+            <a:ext cx="6011114" cy="876422"/>
+          </a:xfrm>
+          <a:prstGeom prst="rect">
+            <a:avLst/>
+          </a:prstGeom>
+        </p:spPr>
+      </p:pic>
+      <p:pic>
+        <p:nvPicPr>
+          <p:cNvPr id="9" name="Image 8">
+            <a:extLst>
+              <a:ext uri="{FF2B5EF4-FFF2-40B4-BE49-F238E27FC236}">
+                <a16:creationId xmlns:a16="http://schemas.microsoft.com/office/drawing/2014/main" id="{276A8639-ED82-8C7D-B151-33464F2385B1}"/>
+              </a:ext>
+            </a:extLst>
+          </p:cNvPr>
+          <p:cNvPicPr>
+            <a:picLocks noChangeAspect="1"/>
+          </p:cNvPicPr>
+          <p:nvPr/>
+        </p:nvPicPr>
+        <p:blipFill>
+          <a:blip r:embed="rId3"/>
+          <a:stretch>
+            <a:fillRect/>
+          </a:stretch>
+        </p:blipFill>
+        <p:spPr>
+          <a:xfrm>
+            <a:off x="1828818" y="3356499"/>
+            <a:ext cx="5363323" cy="323895"/>
+          </a:xfrm>
+          <a:prstGeom prst="rect">
+            <a:avLst/>
+          </a:prstGeom>
+        </p:spPr>
+      </p:pic>
+      <p:pic>
+        <p:nvPicPr>
+          <p:cNvPr id="4" name="Picture 12" descr="JavaScript Logo et symbole, sens, histoire, PNG, marque">
+            <a:extLst>
+              <a:ext uri="{FF2B5EF4-FFF2-40B4-BE49-F238E27FC236}">
+                <a16:creationId xmlns:a16="http://schemas.microsoft.com/office/drawing/2014/main" id="{CBD0C990-9780-4CB9-0AC0-766E6E202790}"/>
+              </a:ext>
+            </a:extLst>
+          </p:cNvPr>
+          <p:cNvPicPr>
+            <a:picLocks noChangeAspect="1" noChangeArrowheads="1"/>
+          </p:cNvPicPr>
+          <p:nvPr/>
+        </p:nvPicPr>
+        <p:blipFill>
+          <a:blip r:embed="rId4">
+            <a:extLst>
+              <a:ext uri="{28A0092B-C50C-407E-A947-70E740481C1C}">
+                <a14:useLocalDpi xmlns:a14="http://schemas.microsoft.com/office/drawing/2010/main" val="0"/>
+              </a:ext>
+            </a:extLst>
+          </a:blip>
+          <a:srcRect/>
+          <a:stretch>
+            <a:fillRect/>
+          </a:stretch>
+        </p:blipFill>
+        <p:spPr bwMode="auto">
+          <a:xfrm>
+            <a:off x="10380582" y="286603"/>
+            <a:ext cx="1550195" cy="876779"/>
+          </a:xfrm>
+          <a:prstGeom prst="rect">
+            <a:avLst/>
+          </a:prstGeom>
+          <a:noFill/>
+          <a:extLst>
+            <a:ext uri="{909E8E84-426E-40DD-AFC4-6F175D3DCCD1}">
+              <a14:hiddenFill xmlns:a14="http://schemas.microsoft.com/office/drawing/2010/main">
+                <a:solidFill>
+                  <a:srgbClr val="FFFFFF"/>
+                </a:solidFill>
+              </a14:hiddenFill>
+            </a:ext>
+          </a:extLst>
+        </p:spPr>
+      </p:pic>
+    </p:spTree>
+    <p:extLst>
+      <p:ext uri="{BB962C8B-B14F-4D97-AF65-F5344CB8AC3E}">
+        <p14:creationId xmlns:p14="http://schemas.microsoft.com/office/powerpoint/2010/main" val="2010089062"/>
       </p:ext>
     </p:extLst>
   </p:cSld>
@@ -19007,6 +22135,1714 @@
     <p:extLst>
       <p:ext uri="{BB962C8B-B14F-4D97-AF65-F5344CB8AC3E}">
         <p14:creationId xmlns:p14="http://schemas.microsoft.com/office/powerpoint/2010/main" val="179086981"/>
+      </p:ext>
+    </p:extLst>
+  </p:cSld>
+  <p:clrMapOvr>
+    <a:masterClrMapping/>
+  </p:clrMapOvr>
+</p:sld>
+</file>
+
+<file path=ppt/slides/slide80.xml><?xml version="1.0" encoding="utf-8"?>
+<p:sld xmlns:a="http://schemas.openxmlformats.org/drawingml/2006/main" xmlns:r="http://schemas.openxmlformats.org/officeDocument/2006/relationships" xmlns:p="http://schemas.openxmlformats.org/presentationml/2006/main">
+  <p:cSld>
+    <p:spTree>
+      <p:nvGrpSpPr>
+        <p:cNvPr id="1" name=""/>
+        <p:cNvGrpSpPr/>
+        <p:nvPr/>
+      </p:nvGrpSpPr>
+      <p:grpSpPr>
+        <a:xfrm>
+          <a:off x="0" y="0"/>
+          <a:ext cx="0" cy="0"/>
+          <a:chOff x="0" y="0"/>
+          <a:chExt cx="0" cy="0"/>
+        </a:xfrm>
+      </p:grpSpPr>
+      <p:sp>
+        <p:nvSpPr>
+          <p:cNvPr id="3" name="Titre 1">
+            <a:extLst>
+              <a:ext uri="{FF2B5EF4-FFF2-40B4-BE49-F238E27FC236}">
+                <a16:creationId xmlns:a16="http://schemas.microsoft.com/office/drawing/2014/main" id="{E7373E66-041F-37D5-0ADF-25BA87ABC979}"/>
+              </a:ext>
+            </a:extLst>
+          </p:cNvPr>
+          <p:cNvSpPr>
+            <a:spLocks noGrp="1"/>
+          </p:cNvSpPr>
+          <p:nvPr>
+            <p:ph type="title"/>
+          </p:nvPr>
+        </p:nvSpPr>
+        <p:spPr>
+          <a:xfrm>
+            <a:off x="1097279" y="286603"/>
+            <a:ext cx="11167425" cy="1450757"/>
+          </a:xfrm>
+        </p:spPr>
+        <p:txBody>
+          <a:bodyPr>
+            <a:normAutofit/>
+          </a:bodyPr>
+          <a:lstStyle/>
+          <a:p>
+            <a:r>
+              <a:rPr lang="fr-FR" dirty="0"/>
+              <a:t>VIII- Le DOM </a:t>
+            </a:r>
+            <a:br>
+              <a:rPr lang="fr-FR" dirty="0"/>
+            </a:br>
+            <a:r>
+              <a:rPr lang="fr-FR" dirty="0"/>
+              <a:t>	</a:t>
+            </a:r>
+            <a:r>
+              <a:rPr lang="fr-FR" sz="3600" i="1" dirty="0"/>
+              <a:t>  4. Ajouter un élément au DOM </a:t>
+            </a:r>
+          </a:p>
+        </p:txBody>
+      </p:sp>
+      <p:sp>
+        <p:nvSpPr>
+          <p:cNvPr id="2" name="ZoneTexte 1">
+            <a:extLst>
+              <a:ext uri="{FF2B5EF4-FFF2-40B4-BE49-F238E27FC236}">
+                <a16:creationId xmlns:a16="http://schemas.microsoft.com/office/drawing/2014/main" id="{C2D82928-B84A-A96C-3985-6D1A3859D882}"/>
+              </a:ext>
+            </a:extLst>
+          </p:cNvPr>
+          <p:cNvSpPr txBox="1"/>
+          <p:nvPr/>
+        </p:nvSpPr>
+        <p:spPr>
+          <a:xfrm>
+            <a:off x="587229" y="2223083"/>
+            <a:ext cx="11534863" cy="3724096"/>
+          </a:xfrm>
+          <a:prstGeom prst="rect">
+            <a:avLst/>
+          </a:prstGeom>
+          <a:noFill/>
+        </p:spPr>
+        <p:txBody>
+          <a:bodyPr wrap="square" rtlCol="0">
+            <a:spAutoFit/>
+          </a:bodyPr>
+          <a:lstStyle/>
+          <a:p>
+            <a:endParaRPr lang="fr-FR" dirty="0"/>
+          </a:p>
+          <a:p>
+            <a:r>
+              <a:rPr lang="fr-FR" sz="2000" b="1" dirty="0">
+                <a:solidFill>
+                  <a:srgbClr val="111827"/>
+                </a:solidFill>
+                <a:latin typeface="Söhne Mono"/>
+              </a:rPr>
+              <a:t>Append() : </a:t>
+            </a:r>
+            <a:r>
+              <a:rPr lang="fr-FR" dirty="0"/>
+              <a:t>permet d'ajouter un ou plusieurs éléments à un élément parent. Elle peut prendre en paramètre un ou plusieurs arguments qui peuvent être des éléments HTML, des chaînes de caractères ou des objets </a:t>
+            </a:r>
+          </a:p>
+          <a:p>
+            <a:endParaRPr lang="fr-FR" dirty="0"/>
+          </a:p>
+          <a:p>
+            <a:endParaRPr lang="fr-FR" dirty="0"/>
+          </a:p>
+          <a:p>
+            <a:endParaRPr lang="fr-FR" dirty="0"/>
+          </a:p>
+          <a:p>
+            <a:endParaRPr lang="fr-FR" dirty="0"/>
+          </a:p>
+          <a:p>
+            <a:endParaRPr lang="fr-FR" dirty="0"/>
+          </a:p>
+          <a:p>
+            <a:endParaRPr lang="fr-FR" dirty="0"/>
+          </a:p>
+          <a:p>
+            <a:endParaRPr lang="fr-FR" dirty="0"/>
+          </a:p>
+          <a:p>
+            <a:endParaRPr lang="fr-FR" dirty="0"/>
+          </a:p>
+          <a:p>
+            <a:endParaRPr lang="fr-FR" dirty="0"/>
+          </a:p>
+          <a:p>
+            <a:r>
+              <a:rPr lang="fr-FR" dirty="0">
+                <a:sym typeface="Wingdings" panose="05000000000000000000" pitchFamily="2" charset="2"/>
+              </a:rPr>
+              <a:t> La méthode append() </a:t>
+            </a:r>
+            <a:r>
+              <a:rPr lang="fr-FR" dirty="0"/>
+              <a:t>est plus récente et n'est pas prise en charge par tous les navigateurs.</a:t>
+            </a:r>
+          </a:p>
+        </p:txBody>
+      </p:sp>
+      <p:pic>
+        <p:nvPicPr>
+          <p:cNvPr id="7" name="Image 6">
+            <a:extLst>
+              <a:ext uri="{FF2B5EF4-FFF2-40B4-BE49-F238E27FC236}">
+                <a16:creationId xmlns:a16="http://schemas.microsoft.com/office/drawing/2014/main" id="{383F632F-0BCA-38E4-0BE0-39397A1F621D}"/>
+              </a:ext>
+            </a:extLst>
+          </p:cNvPr>
+          <p:cNvPicPr>
+            <a:picLocks noChangeAspect="1"/>
+          </p:cNvPicPr>
+          <p:nvPr/>
+        </p:nvPicPr>
+        <p:blipFill>
+          <a:blip r:embed="rId2"/>
+          <a:stretch>
+            <a:fillRect/>
+          </a:stretch>
+        </p:blipFill>
+        <p:spPr>
+          <a:xfrm>
+            <a:off x="1016777" y="3963334"/>
+            <a:ext cx="9316750" cy="657317"/>
+          </a:xfrm>
+          <a:prstGeom prst="rect">
+            <a:avLst/>
+          </a:prstGeom>
+        </p:spPr>
+      </p:pic>
+      <p:pic>
+        <p:nvPicPr>
+          <p:cNvPr id="4" name="Picture 12" descr="JavaScript Logo et symbole, sens, histoire, PNG, marque">
+            <a:extLst>
+              <a:ext uri="{FF2B5EF4-FFF2-40B4-BE49-F238E27FC236}">
+                <a16:creationId xmlns:a16="http://schemas.microsoft.com/office/drawing/2014/main" id="{CC4C1500-C6B3-AEBD-3E49-E6A799D317E8}"/>
+              </a:ext>
+            </a:extLst>
+          </p:cNvPr>
+          <p:cNvPicPr>
+            <a:picLocks noChangeAspect="1" noChangeArrowheads="1"/>
+          </p:cNvPicPr>
+          <p:nvPr/>
+        </p:nvPicPr>
+        <p:blipFill>
+          <a:blip r:embed="rId3">
+            <a:extLst>
+              <a:ext uri="{28A0092B-C50C-407E-A947-70E740481C1C}">
+                <a14:useLocalDpi xmlns:a14="http://schemas.microsoft.com/office/drawing/2010/main" val="0"/>
+              </a:ext>
+            </a:extLst>
+          </a:blip>
+          <a:srcRect/>
+          <a:stretch>
+            <a:fillRect/>
+          </a:stretch>
+        </p:blipFill>
+        <p:spPr bwMode="auto">
+          <a:xfrm>
+            <a:off x="10380582" y="286603"/>
+            <a:ext cx="1550195" cy="876779"/>
+          </a:xfrm>
+          <a:prstGeom prst="rect">
+            <a:avLst/>
+          </a:prstGeom>
+          <a:noFill/>
+          <a:extLst>
+            <a:ext uri="{909E8E84-426E-40DD-AFC4-6F175D3DCCD1}">
+              <a14:hiddenFill xmlns:a14="http://schemas.microsoft.com/office/drawing/2010/main">
+                <a:solidFill>
+                  <a:srgbClr val="FFFFFF"/>
+                </a:solidFill>
+              </a14:hiddenFill>
+            </a:ext>
+          </a:extLst>
+        </p:spPr>
+      </p:pic>
+    </p:spTree>
+    <p:extLst>
+      <p:ext uri="{BB962C8B-B14F-4D97-AF65-F5344CB8AC3E}">
+        <p14:creationId xmlns:p14="http://schemas.microsoft.com/office/powerpoint/2010/main" val="441273044"/>
+      </p:ext>
+    </p:extLst>
+  </p:cSld>
+  <p:clrMapOvr>
+    <a:masterClrMapping/>
+  </p:clrMapOvr>
+</p:sld>
+</file>
+
+<file path=ppt/slides/slide81.xml><?xml version="1.0" encoding="utf-8"?>
+<p:sld xmlns:a="http://schemas.openxmlformats.org/drawingml/2006/main" xmlns:r="http://schemas.openxmlformats.org/officeDocument/2006/relationships" xmlns:p="http://schemas.openxmlformats.org/presentationml/2006/main">
+  <p:cSld>
+    <p:spTree>
+      <p:nvGrpSpPr>
+        <p:cNvPr id="1" name=""/>
+        <p:cNvGrpSpPr/>
+        <p:nvPr/>
+      </p:nvGrpSpPr>
+      <p:grpSpPr>
+        <a:xfrm>
+          <a:off x="0" y="0"/>
+          <a:ext cx="0" cy="0"/>
+          <a:chOff x="0" y="0"/>
+          <a:chExt cx="0" cy="0"/>
+        </a:xfrm>
+      </p:grpSpPr>
+      <p:sp>
+        <p:nvSpPr>
+          <p:cNvPr id="3" name="Titre 1">
+            <a:extLst>
+              <a:ext uri="{FF2B5EF4-FFF2-40B4-BE49-F238E27FC236}">
+                <a16:creationId xmlns:a16="http://schemas.microsoft.com/office/drawing/2014/main" id="{E7373E66-041F-37D5-0ADF-25BA87ABC979}"/>
+              </a:ext>
+            </a:extLst>
+          </p:cNvPr>
+          <p:cNvSpPr>
+            <a:spLocks noGrp="1"/>
+          </p:cNvSpPr>
+          <p:nvPr>
+            <p:ph type="title"/>
+          </p:nvPr>
+        </p:nvSpPr>
+        <p:spPr>
+          <a:xfrm>
+            <a:off x="1097279" y="286603"/>
+            <a:ext cx="11167425" cy="1450757"/>
+          </a:xfrm>
+        </p:spPr>
+        <p:txBody>
+          <a:bodyPr>
+            <a:normAutofit/>
+          </a:bodyPr>
+          <a:lstStyle/>
+          <a:p>
+            <a:r>
+              <a:rPr lang="fr-FR" dirty="0"/>
+              <a:t>VIII- Le DOM </a:t>
+            </a:r>
+            <a:br>
+              <a:rPr lang="fr-FR" dirty="0"/>
+            </a:br>
+            <a:r>
+              <a:rPr lang="fr-FR" dirty="0"/>
+              <a:t>	</a:t>
+            </a:r>
+            <a:r>
+              <a:rPr lang="fr-FR" sz="3600" i="1" dirty="0"/>
+              <a:t>  4. Ajouter un élément au DOM </a:t>
+            </a:r>
+          </a:p>
+        </p:txBody>
+      </p:sp>
+      <p:sp>
+        <p:nvSpPr>
+          <p:cNvPr id="2" name="ZoneTexte 1">
+            <a:extLst>
+              <a:ext uri="{FF2B5EF4-FFF2-40B4-BE49-F238E27FC236}">
+                <a16:creationId xmlns:a16="http://schemas.microsoft.com/office/drawing/2014/main" id="{C2D82928-B84A-A96C-3985-6D1A3859D882}"/>
+              </a:ext>
+            </a:extLst>
+          </p:cNvPr>
+          <p:cNvSpPr txBox="1"/>
+          <p:nvPr/>
+        </p:nvSpPr>
+        <p:spPr>
+          <a:xfrm>
+            <a:off x="436227" y="2685219"/>
+            <a:ext cx="11534863" cy="954107"/>
+          </a:xfrm>
+          <a:prstGeom prst="rect">
+            <a:avLst/>
+          </a:prstGeom>
+          <a:noFill/>
+        </p:spPr>
+        <p:txBody>
+          <a:bodyPr wrap="square" rtlCol="0">
+            <a:spAutoFit/>
+          </a:bodyPr>
+          <a:lstStyle/>
+          <a:p>
+            <a:endParaRPr lang="fr-FR" dirty="0"/>
+          </a:p>
+          <a:p>
+            <a:pPr algn="ctr"/>
+            <a:r>
+              <a:rPr lang="fr-FR" sz="2000" b="1" dirty="0" err="1">
+                <a:solidFill>
+                  <a:srgbClr val="111827"/>
+                </a:solidFill>
+                <a:latin typeface="Söhne Mono"/>
+              </a:rPr>
+              <a:t>Prepend</a:t>
+            </a:r>
+            <a:r>
+              <a:rPr lang="fr-FR" sz="2000" b="1" dirty="0">
+                <a:solidFill>
+                  <a:srgbClr val="111827"/>
+                </a:solidFill>
+                <a:latin typeface="Söhne Mono"/>
+              </a:rPr>
+              <a:t>(): </a:t>
+            </a:r>
+            <a:r>
+              <a:rPr lang="fr-FR" dirty="0"/>
+              <a:t>ajoute un élément enfant au début de la liste des enfants de l'élément parent. Cette méthode prend en paramètre l'élément à ajouter, et l'ajoute au début de la liste des enfants de l'élément </a:t>
+            </a:r>
+          </a:p>
+        </p:txBody>
+      </p:sp>
+      <p:pic>
+        <p:nvPicPr>
+          <p:cNvPr id="5" name="Image 4">
+            <a:extLst>
+              <a:ext uri="{FF2B5EF4-FFF2-40B4-BE49-F238E27FC236}">
+                <a16:creationId xmlns:a16="http://schemas.microsoft.com/office/drawing/2014/main" id="{2187284F-401A-C025-5D02-5D6E92F705A1}"/>
+              </a:ext>
+            </a:extLst>
+          </p:cNvPr>
+          <p:cNvPicPr>
+            <a:picLocks noChangeAspect="1"/>
+          </p:cNvPicPr>
+          <p:nvPr/>
+        </p:nvPicPr>
+        <p:blipFill>
+          <a:blip r:embed="rId2"/>
+          <a:stretch>
+            <a:fillRect/>
+          </a:stretch>
+        </p:blipFill>
+        <p:spPr>
+          <a:xfrm>
+            <a:off x="2947189" y="4343905"/>
+            <a:ext cx="5811061" cy="905001"/>
+          </a:xfrm>
+          <a:prstGeom prst="rect">
+            <a:avLst/>
+          </a:prstGeom>
+        </p:spPr>
+      </p:pic>
+      <p:pic>
+        <p:nvPicPr>
+          <p:cNvPr id="4" name="Picture 12" descr="JavaScript Logo et symbole, sens, histoire, PNG, marque">
+            <a:extLst>
+              <a:ext uri="{FF2B5EF4-FFF2-40B4-BE49-F238E27FC236}">
+                <a16:creationId xmlns:a16="http://schemas.microsoft.com/office/drawing/2014/main" id="{AAB448E2-FAB2-BA48-9D4A-51FAC01BCD1F}"/>
+              </a:ext>
+            </a:extLst>
+          </p:cNvPr>
+          <p:cNvPicPr>
+            <a:picLocks noChangeAspect="1" noChangeArrowheads="1"/>
+          </p:cNvPicPr>
+          <p:nvPr/>
+        </p:nvPicPr>
+        <p:blipFill>
+          <a:blip r:embed="rId3">
+            <a:extLst>
+              <a:ext uri="{28A0092B-C50C-407E-A947-70E740481C1C}">
+                <a14:useLocalDpi xmlns:a14="http://schemas.microsoft.com/office/drawing/2010/main" val="0"/>
+              </a:ext>
+            </a:extLst>
+          </a:blip>
+          <a:srcRect/>
+          <a:stretch>
+            <a:fillRect/>
+          </a:stretch>
+        </p:blipFill>
+        <p:spPr bwMode="auto">
+          <a:xfrm>
+            <a:off x="10380582" y="286603"/>
+            <a:ext cx="1550195" cy="876779"/>
+          </a:xfrm>
+          <a:prstGeom prst="rect">
+            <a:avLst/>
+          </a:prstGeom>
+          <a:noFill/>
+          <a:extLst>
+            <a:ext uri="{909E8E84-426E-40DD-AFC4-6F175D3DCCD1}">
+              <a14:hiddenFill xmlns:a14="http://schemas.microsoft.com/office/drawing/2010/main">
+                <a:solidFill>
+                  <a:srgbClr val="FFFFFF"/>
+                </a:solidFill>
+              </a14:hiddenFill>
+            </a:ext>
+          </a:extLst>
+        </p:spPr>
+      </p:pic>
+    </p:spTree>
+    <p:extLst>
+      <p:ext uri="{BB962C8B-B14F-4D97-AF65-F5344CB8AC3E}">
+        <p14:creationId xmlns:p14="http://schemas.microsoft.com/office/powerpoint/2010/main" val="1452548240"/>
+      </p:ext>
+    </p:extLst>
+  </p:cSld>
+  <p:clrMapOvr>
+    <a:masterClrMapping/>
+  </p:clrMapOvr>
+</p:sld>
+</file>
+
+<file path=ppt/slides/slide82.xml><?xml version="1.0" encoding="utf-8"?>
+<p:sld xmlns:a="http://schemas.openxmlformats.org/drawingml/2006/main" xmlns:r="http://schemas.openxmlformats.org/officeDocument/2006/relationships" xmlns:p="http://schemas.openxmlformats.org/presentationml/2006/main">
+  <p:cSld>
+    <p:spTree>
+      <p:nvGrpSpPr>
+        <p:cNvPr id="1" name=""/>
+        <p:cNvGrpSpPr/>
+        <p:nvPr/>
+      </p:nvGrpSpPr>
+      <p:grpSpPr>
+        <a:xfrm>
+          <a:off x="0" y="0"/>
+          <a:ext cx="0" cy="0"/>
+          <a:chOff x="0" y="0"/>
+          <a:chExt cx="0" cy="0"/>
+        </a:xfrm>
+      </p:grpSpPr>
+      <p:sp>
+        <p:nvSpPr>
+          <p:cNvPr id="3" name="Titre 1">
+            <a:extLst>
+              <a:ext uri="{FF2B5EF4-FFF2-40B4-BE49-F238E27FC236}">
+                <a16:creationId xmlns:a16="http://schemas.microsoft.com/office/drawing/2014/main" id="{E7373E66-041F-37D5-0ADF-25BA87ABC979}"/>
+              </a:ext>
+            </a:extLst>
+          </p:cNvPr>
+          <p:cNvSpPr>
+            <a:spLocks noGrp="1"/>
+          </p:cNvSpPr>
+          <p:nvPr>
+            <p:ph type="title"/>
+          </p:nvPr>
+        </p:nvSpPr>
+        <p:spPr>
+          <a:xfrm>
+            <a:off x="1097279" y="286603"/>
+            <a:ext cx="11167425" cy="1450757"/>
+          </a:xfrm>
+        </p:spPr>
+        <p:txBody>
+          <a:bodyPr>
+            <a:normAutofit/>
+          </a:bodyPr>
+          <a:lstStyle/>
+          <a:p>
+            <a:r>
+              <a:rPr lang="fr-FR" dirty="0"/>
+              <a:t>VIII- Le DOM </a:t>
+            </a:r>
+            <a:br>
+              <a:rPr lang="fr-FR" dirty="0"/>
+            </a:br>
+            <a:r>
+              <a:rPr lang="fr-FR" dirty="0"/>
+              <a:t>	</a:t>
+            </a:r>
+            <a:r>
+              <a:rPr lang="fr-FR" sz="3600" i="1" dirty="0"/>
+              <a:t>  5. Supprimer un élément du DOM </a:t>
+            </a:r>
+          </a:p>
+        </p:txBody>
+      </p:sp>
+      <p:sp>
+        <p:nvSpPr>
+          <p:cNvPr id="2" name="ZoneTexte 1">
+            <a:extLst>
+              <a:ext uri="{FF2B5EF4-FFF2-40B4-BE49-F238E27FC236}">
+                <a16:creationId xmlns:a16="http://schemas.microsoft.com/office/drawing/2014/main" id="{9CEF3443-2F90-669E-2557-32202AA71E3B}"/>
+              </a:ext>
+            </a:extLst>
+          </p:cNvPr>
+          <p:cNvSpPr txBox="1"/>
+          <p:nvPr/>
+        </p:nvSpPr>
+        <p:spPr>
+          <a:xfrm>
+            <a:off x="2258661" y="2994099"/>
+            <a:ext cx="7153013" cy="461665"/>
+          </a:xfrm>
+          <a:prstGeom prst="rect">
+            <a:avLst/>
+          </a:prstGeom>
+          <a:noFill/>
+        </p:spPr>
+        <p:txBody>
+          <a:bodyPr wrap="square" rtlCol="0">
+            <a:spAutoFit/>
+          </a:bodyPr>
+          <a:lstStyle/>
+          <a:p>
+            <a:r>
+              <a:rPr lang="fr-FR" sz="2400" b="1" dirty="0" err="1"/>
+              <a:t>Remove</a:t>
+            </a:r>
+            <a:r>
+              <a:rPr lang="fr-FR" sz="2400" b="1" dirty="0"/>
+              <a:t>(): </a:t>
+            </a:r>
+            <a:r>
+              <a:rPr lang="fr-FR" sz="2000" dirty="0"/>
+              <a:t>utilisée pour supprimer un élément HTML du DOM </a:t>
+            </a:r>
+          </a:p>
+        </p:txBody>
+      </p:sp>
+      <p:pic>
+        <p:nvPicPr>
+          <p:cNvPr id="5" name="Image 4">
+            <a:extLst>
+              <a:ext uri="{FF2B5EF4-FFF2-40B4-BE49-F238E27FC236}">
+                <a16:creationId xmlns:a16="http://schemas.microsoft.com/office/drawing/2014/main" id="{6B46C0B5-CA0C-049A-F6AD-0C3C91B6B8A0}"/>
+              </a:ext>
+            </a:extLst>
+          </p:cNvPr>
+          <p:cNvPicPr>
+            <a:picLocks noChangeAspect="1"/>
+          </p:cNvPicPr>
+          <p:nvPr/>
+        </p:nvPicPr>
+        <p:blipFill>
+          <a:blip r:embed="rId2"/>
+          <a:stretch>
+            <a:fillRect/>
+          </a:stretch>
+        </p:blipFill>
+        <p:spPr>
+          <a:xfrm>
+            <a:off x="2380725" y="3853144"/>
+            <a:ext cx="6908887" cy="567854"/>
+          </a:xfrm>
+          <a:prstGeom prst="rect">
+            <a:avLst/>
+          </a:prstGeom>
+        </p:spPr>
+      </p:pic>
+      <p:pic>
+        <p:nvPicPr>
+          <p:cNvPr id="4" name="Picture 12" descr="JavaScript Logo et symbole, sens, histoire, PNG, marque">
+            <a:extLst>
+              <a:ext uri="{FF2B5EF4-FFF2-40B4-BE49-F238E27FC236}">
+                <a16:creationId xmlns:a16="http://schemas.microsoft.com/office/drawing/2014/main" id="{51EAC81F-BCCC-939A-7CD1-45388795D03B}"/>
+              </a:ext>
+            </a:extLst>
+          </p:cNvPr>
+          <p:cNvPicPr>
+            <a:picLocks noChangeAspect="1" noChangeArrowheads="1"/>
+          </p:cNvPicPr>
+          <p:nvPr/>
+        </p:nvPicPr>
+        <p:blipFill>
+          <a:blip r:embed="rId3">
+            <a:extLst>
+              <a:ext uri="{28A0092B-C50C-407E-A947-70E740481C1C}">
+                <a14:useLocalDpi xmlns:a14="http://schemas.microsoft.com/office/drawing/2010/main" val="0"/>
+              </a:ext>
+            </a:extLst>
+          </a:blip>
+          <a:srcRect/>
+          <a:stretch>
+            <a:fillRect/>
+          </a:stretch>
+        </p:blipFill>
+        <p:spPr bwMode="auto">
+          <a:xfrm>
+            <a:off x="10380582" y="286603"/>
+            <a:ext cx="1550195" cy="876779"/>
+          </a:xfrm>
+          <a:prstGeom prst="rect">
+            <a:avLst/>
+          </a:prstGeom>
+          <a:noFill/>
+          <a:extLst>
+            <a:ext uri="{909E8E84-426E-40DD-AFC4-6F175D3DCCD1}">
+              <a14:hiddenFill xmlns:a14="http://schemas.microsoft.com/office/drawing/2010/main">
+                <a:solidFill>
+                  <a:srgbClr val="FFFFFF"/>
+                </a:solidFill>
+              </a14:hiddenFill>
+            </a:ext>
+          </a:extLst>
+        </p:spPr>
+      </p:pic>
+    </p:spTree>
+    <p:extLst>
+      <p:ext uri="{BB962C8B-B14F-4D97-AF65-F5344CB8AC3E}">
+        <p14:creationId xmlns:p14="http://schemas.microsoft.com/office/powerpoint/2010/main" val="3979968344"/>
+      </p:ext>
+    </p:extLst>
+  </p:cSld>
+  <p:clrMapOvr>
+    <a:masterClrMapping/>
+  </p:clrMapOvr>
+</p:sld>
+</file>
+
+<file path=ppt/slides/slide83.xml><?xml version="1.0" encoding="utf-8"?>
+<p:sld xmlns:a="http://schemas.openxmlformats.org/drawingml/2006/main" xmlns:r="http://schemas.openxmlformats.org/officeDocument/2006/relationships" xmlns:p="http://schemas.openxmlformats.org/presentationml/2006/main">
+  <p:cSld>
+    <p:spTree>
+      <p:nvGrpSpPr>
+        <p:cNvPr id="1" name=""/>
+        <p:cNvGrpSpPr/>
+        <p:nvPr/>
+      </p:nvGrpSpPr>
+      <p:grpSpPr>
+        <a:xfrm>
+          <a:off x="0" y="0"/>
+          <a:ext cx="0" cy="0"/>
+          <a:chOff x="0" y="0"/>
+          <a:chExt cx="0" cy="0"/>
+        </a:xfrm>
+      </p:grpSpPr>
+      <p:sp>
+        <p:nvSpPr>
+          <p:cNvPr id="3" name="Titre 1">
+            <a:extLst>
+              <a:ext uri="{FF2B5EF4-FFF2-40B4-BE49-F238E27FC236}">
+                <a16:creationId xmlns:a16="http://schemas.microsoft.com/office/drawing/2014/main" id="{E7373E66-041F-37D5-0ADF-25BA87ABC979}"/>
+              </a:ext>
+            </a:extLst>
+          </p:cNvPr>
+          <p:cNvSpPr>
+            <a:spLocks noGrp="1"/>
+          </p:cNvSpPr>
+          <p:nvPr>
+            <p:ph type="title"/>
+          </p:nvPr>
+        </p:nvSpPr>
+        <p:spPr>
+          <a:xfrm>
+            <a:off x="1097279" y="286603"/>
+            <a:ext cx="11167425" cy="1450757"/>
+          </a:xfrm>
+        </p:spPr>
+        <p:txBody>
+          <a:bodyPr>
+            <a:normAutofit/>
+          </a:bodyPr>
+          <a:lstStyle/>
+          <a:p>
+            <a:r>
+              <a:rPr lang="fr-FR" dirty="0"/>
+              <a:t>VIII- Le DOM </a:t>
+            </a:r>
+            <a:br>
+              <a:rPr lang="fr-FR" dirty="0"/>
+            </a:br>
+            <a:r>
+              <a:rPr lang="fr-FR" dirty="0"/>
+              <a:t>	</a:t>
+            </a:r>
+            <a:r>
+              <a:rPr lang="fr-FR" sz="3600" i="1" dirty="0"/>
+              <a:t>  6. Modifier le style des éléments </a:t>
+            </a:r>
+          </a:p>
+        </p:txBody>
+      </p:sp>
+      <p:sp>
+        <p:nvSpPr>
+          <p:cNvPr id="2" name="ZoneTexte 1">
+            <a:extLst>
+              <a:ext uri="{FF2B5EF4-FFF2-40B4-BE49-F238E27FC236}">
+                <a16:creationId xmlns:a16="http://schemas.microsoft.com/office/drawing/2014/main" id="{9CEF3443-2F90-669E-2557-32202AA71E3B}"/>
+              </a:ext>
+            </a:extLst>
+          </p:cNvPr>
+          <p:cNvSpPr txBox="1"/>
+          <p:nvPr/>
+        </p:nvSpPr>
+        <p:spPr>
+          <a:xfrm>
+            <a:off x="1748264" y="5503178"/>
+            <a:ext cx="9865453" cy="369332"/>
+          </a:xfrm>
+          <a:prstGeom prst="rect">
+            <a:avLst/>
+          </a:prstGeom>
+          <a:noFill/>
+        </p:spPr>
+        <p:txBody>
+          <a:bodyPr wrap="square" rtlCol="0">
+            <a:spAutoFit/>
+          </a:bodyPr>
+          <a:lstStyle/>
+          <a:p>
+            <a:r>
+              <a:rPr lang="fr-FR" dirty="0">
+                <a:sym typeface="Wingdings" panose="05000000000000000000" pitchFamily="2" charset="2"/>
+              </a:rPr>
+              <a:t> Les propriétés appliquée avec JavaScript s</a:t>
+            </a:r>
+            <a:r>
+              <a:rPr lang="fr-FR" dirty="0"/>
+              <a:t>’applique après le style </a:t>
+            </a:r>
+            <a:r>
+              <a:rPr lang="fr-FR" dirty="0" err="1"/>
+              <a:t>css</a:t>
+            </a:r>
+            <a:r>
+              <a:rPr lang="fr-FR" dirty="0"/>
+              <a:t> dans la cascade. </a:t>
+            </a:r>
+          </a:p>
+        </p:txBody>
+      </p:sp>
+      <p:sp>
+        <p:nvSpPr>
+          <p:cNvPr id="4" name="ZoneTexte 3">
+            <a:extLst>
+              <a:ext uri="{FF2B5EF4-FFF2-40B4-BE49-F238E27FC236}">
+                <a16:creationId xmlns:a16="http://schemas.microsoft.com/office/drawing/2014/main" id="{54353363-BAFD-662F-8FBD-02AB59B6D43B}"/>
+              </a:ext>
+            </a:extLst>
+          </p:cNvPr>
+          <p:cNvSpPr txBox="1"/>
+          <p:nvPr/>
+        </p:nvSpPr>
+        <p:spPr>
+          <a:xfrm>
+            <a:off x="1396767" y="2581557"/>
+            <a:ext cx="10024844" cy="769441"/>
+          </a:xfrm>
+          <a:prstGeom prst="rect">
+            <a:avLst/>
+          </a:prstGeom>
+          <a:noFill/>
+        </p:spPr>
+        <p:txBody>
+          <a:bodyPr wrap="square" rtlCol="0">
+            <a:spAutoFit/>
+          </a:bodyPr>
+          <a:lstStyle/>
+          <a:p>
+            <a:pPr algn="ctr"/>
+            <a:r>
+              <a:rPr lang="fr-FR" sz="2400" b="1" dirty="0"/>
+              <a:t>Style</a:t>
+            </a:r>
+            <a:r>
+              <a:rPr lang="fr-FR" dirty="0"/>
+              <a:t> :Cette méthode est </a:t>
+            </a:r>
+            <a:r>
+              <a:rPr lang="fr-FR" sz="2000" dirty="0"/>
+              <a:t>utilisée pour définir n'importe quelle propriété CSS sur un élément HTML.</a:t>
+            </a:r>
+          </a:p>
+        </p:txBody>
+      </p:sp>
+      <p:pic>
+        <p:nvPicPr>
+          <p:cNvPr id="6" name="Image 5">
+            <a:extLst>
+              <a:ext uri="{FF2B5EF4-FFF2-40B4-BE49-F238E27FC236}">
+                <a16:creationId xmlns:a16="http://schemas.microsoft.com/office/drawing/2014/main" id="{BC5B01B2-E560-270E-B1B6-C9F7E5579488}"/>
+              </a:ext>
+            </a:extLst>
+          </p:cNvPr>
+          <p:cNvPicPr>
+            <a:picLocks noChangeAspect="1"/>
+          </p:cNvPicPr>
+          <p:nvPr/>
+        </p:nvPicPr>
+        <p:blipFill>
+          <a:blip r:embed="rId2"/>
+          <a:stretch>
+            <a:fillRect/>
+          </a:stretch>
+        </p:blipFill>
+        <p:spPr>
+          <a:xfrm>
+            <a:off x="2888893" y="3914168"/>
+            <a:ext cx="5944430" cy="562053"/>
+          </a:xfrm>
+          <a:prstGeom prst="rect">
+            <a:avLst/>
+          </a:prstGeom>
+        </p:spPr>
+      </p:pic>
+      <p:pic>
+        <p:nvPicPr>
+          <p:cNvPr id="5" name="Picture 12" descr="JavaScript Logo et symbole, sens, histoire, PNG, marque">
+            <a:extLst>
+              <a:ext uri="{FF2B5EF4-FFF2-40B4-BE49-F238E27FC236}">
+                <a16:creationId xmlns:a16="http://schemas.microsoft.com/office/drawing/2014/main" id="{05004667-E573-CA41-18B0-793BD67CA00E}"/>
+              </a:ext>
+            </a:extLst>
+          </p:cNvPr>
+          <p:cNvPicPr>
+            <a:picLocks noChangeAspect="1" noChangeArrowheads="1"/>
+          </p:cNvPicPr>
+          <p:nvPr/>
+        </p:nvPicPr>
+        <p:blipFill>
+          <a:blip r:embed="rId3">
+            <a:extLst>
+              <a:ext uri="{28A0092B-C50C-407E-A947-70E740481C1C}">
+                <a14:useLocalDpi xmlns:a14="http://schemas.microsoft.com/office/drawing/2010/main" val="0"/>
+              </a:ext>
+            </a:extLst>
+          </a:blip>
+          <a:srcRect/>
+          <a:stretch>
+            <a:fillRect/>
+          </a:stretch>
+        </p:blipFill>
+        <p:spPr bwMode="auto">
+          <a:xfrm>
+            <a:off x="10380582" y="286603"/>
+            <a:ext cx="1550195" cy="876779"/>
+          </a:xfrm>
+          <a:prstGeom prst="rect">
+            <a:avLst/>
+          </a:prstGeom>
+          <a:noFill/>
+          <a:extLst>
+            <a:ext uri="{909E8E84-426E-40DD-AFC4-6F175D3DCCD1}">
+              <a14:hiddenFill xmlns:a14="http://schemas.microsoft.com/office/drawing/2010/main">
+                <a:solidFill>
+                  <a:srgbClr val="FFFFFF"/>
+                </a:solidFill>
+              </a14:hiddenFill>
+            </a:ext>
+          </a:extLst>
+        </p:spPr>
+      </p:pic>
+    </p:spTree>
+    <p:extLst>
+      <p:ext uri="{BB962C8B-B14F-4D97-AF65-F5344CB8AC3E}">
+        <p14:creationId xmlns:p14="http://schemas.microsoft.com/office/powerpoint/2010/main" val="1442562772"/>
+      </p:ext>
+    </p:extLst>
+  </p:cSld>
+  <p:clrMapOvr>
+    <a:masterClrMapping/>
+  </p:clrMapOvr>
+</p:sld>
+</file>
+
+<file path=ppt/slides/slide84.xml><?xml version="1.0" encoding="utf-8"?>
+<p:sld xmlns:a="http://schemas.openxmlformats.org/drawingml/2006/main" xmlns:r="http://schemas.openxmlformats.org/officeDocument/2006/relationships" xmlns:p="http://schemas.openxmlformats.org/presentationml/2006/main">
+  <p:cSld>
+    <p:spTree>
+      <p:nvGrpSpPr>
+        <p:cNvPr id="1" name=""/>
+        <p:cNvGrpSpPr/>
+        <p:nvPr/>
+      </p:nvGrpSpPr>
+      <p:grpSpPr>
+        <a:xfrm>
+          <a:off x="0" y="0"/>
+          <a:ext cx="0" cy="0"/>
+          <a:chOff x="0" y="0"/>
+          <a:chExt cx="0" cy="0"/>
+        </a:xfrm>
+      </p:grpSpPr>
+      <p:sp>
+        <p:nvSpPr>
+          <p:cNvPr id="3" name="Titre 1">
+            <a:extLst>
+              <a:ext uri="{FF2B5EF4-FFF2-40B4-BE49-F238E27FC236}">
+                <a16:creationId xmlns:a16="http://schemas.microsoft.com/office/drawing/2014/main" id="{E7373E66-041F-37D5-0ADF-25BA87ABC979}"/>
+              </a:ext>
+            </a:extLst>
+          </p:cNvPr>
+          <p:cNvSpPr>
+            <a:spLocks noGrp="1"/>
+          </p:cNvSpPr>
+          <p:nvPr>
+            <p:ph type="title"/>
+          </p:nvPr>
+        </p:nvSpPr>
+        <p:spPr>
+          <a:xfrm>
+            <a:off x="1097279" y="286603"/>
+            <a:ext cx="11167425" cy="1450757"/>
+          </a:xfrm>
+        </p:spPr>
+        <p:txBody>
+          <a:bodyPr>
+            <a:normAutofit/>
+          </a:bodyPr>
+          <a:lstStyle/>
+          <a:p>
+            <a:r>
+              <a:rPr lang="fr-FR" dirty="0"/>
+              <a:t>VIII- Le DOM </a:t>
+            </a:r>
+            <a:br>
+              <a:rPr lang="fr-FR" dirty="0"/>
+            </a:br>
+            <a:r>
+              <a:rPr lang="fr-FR" dirty="0"/>
+              <a:t>	</a:t>
+            </a:r>
+            <a:r>
+              <a:rPr lang="fr-FR" sz="3600" i="1" dirty="0"/>
+              <a:t>  7. Interagir avec les classes html </a:t>
+            </a:r>
+          </a:p>
+        </p:txBody>
+      </p:sp>
+      <p:sp>
+        <p:nvSpPr>
+          <p:cNvPr id="4" name="ZoneTexte 3">
+            <a:extLst>
+              <a:ext uri="{FF2B5EF4-FFF2-40B4-BE49-F238E27FC236}">
+                <a16:creationId xmlns:a16="http://schemas.microsoft.com/office/drawing/2014/main" id="{54353363-BAFD-662F-8FBD-02AB59B6D43B}"/>
+              </a:ext>
+            </a:extLst>
+          </p:cNvPr>
+          <p:cNvSpPr txBox="1"/>
+          <p:nvPr/>
+        </p:nvSpPr>
+        <p:spPr>
+          <a:xfrm>
+            <a:off x="1396767" y="2581557"/>
+            <a:ext cx="10024844" cy="1077218"/>
+          </a:xfrm>
+          <a:prstGeom prst="rect">
+            <a:avLst/>
+          </a:prstGeom>
+          <a:noFill/>
+        </p:spPr>
+        <p:txBody>
+          <a:bodyPr wrap="square" rtlCol="0">
+            <a:spAutoFit/>
+          </a:bodyPr>
+          <a:lstStyle/>
+          <a:p>
+            <a:pPr algn="ctr"/>
+            <a:r>
+              <a:rPr lang="fr-FR" sz="2400" b="1" dirty="0" err="1"/>
+              <a:t>className</a:t>
+            </a:r>
+            <a:r>
+              <a:rPr lang="fr-FR" dirty="0"/>
+              <a:t> :</a:t>
+            </a:r>
+            <a:r>
+              <a:rPr lang="fr-FR" sz="2000" dirty="0"/>
+              <a:t>est une chaîne de caractères qui représente la liste de classes CSS appliquées à un élément HTML. Cette propriété peut être utilisée pour modifier la liste de classes CSS d'un élément en remplaçant complètement la chaîne existante.</a:t>
+            </a:r>
+          </a:p>
+        </p:txBody>
+      </p:sp>
+      <p:pic>
+        <p:nvPicPr>
+          <p:cNvPr id="7" name="Image 6">
+            <a:extLst>
+              <a:ext uri="{FF2B5EF4-FFF2-40B4-BE49-F238E27FC236}">
+                <a16:creationId xmlns:a16="http://schemas.microsoft.com/office/drawing/2014/main" id="{1038A4E5-3D30-BFA8-0BCF-9AB8FCB8FD33}"/>
+              </a:ext>
+            </a:extLst>
+          </p:cNvPr>
+          <p:cNvPicPr>
+            <a:picLocks noChangeAspect="1"/>
+          </p:cNvPicPr>
+          <p:nvPr/>
+        </p:nvPicPr>
+        <p:blipFill>
+          <a:blip r:embed="rId2"/>
+          <a:stretch>
+            <a:fillRect/>
+          </a:stretch>
+        </p:blipFill>
+        <p:spPr>
+          <a:xfrm>
+            <a:off x="2493867" y="4080862"/>
+            <a:ext cx="7830643" cy="1095528"/>
+          </a:xfrm>
+          <a:prstGeom prst="rect">
+            <a:avLst/>
+          </a:prstGeom>
+        </p:spPr>
+      </p:pic>
+      <p:pic>
+        <p:nvPicPr>
+          <p:cNvPr id="2" name="Picture 12" descr="JavaScript Logo et symbole, sens, histoire, PNG, marque">
+            <a:extLst>
+              <a:ext uri="{FF2B5EF4-FFF2-40B4-BE49-F238E27FC236}">
+                <a16:creationId xmlns:a16="http://schemas.microsoft.com/office/drawing/2014/main" id="{A80C9362-674F-08A4-B675-46B8975F1666}"/>
+              </a:ext>
+            </a:extLst>
+          </p:cNvPr>
+          <p:cNvPicPr>
+            <a:picLocks noChangeAspect="1" noChangeArrowheads="1"/>
+          </p:cNvPicPr>
+          <p:nvPr/>
+        </p:nvPicPr>
+        <p:blipFill>
+          <a:blip r:embed="rId3">
+            <a:extLst>
+              <a:ext uri="{28A0092B-C50C-407E-A947-70E740481C1C}">
+                <a14:useLocalDpi xmlns:a14="http://schemas.microsoft.com/office/drawing/2010/main" val="0"/>
+              </a:ext>
+            </a:extLst>
+          </a:blip>
+          <a:srcRect/>
+          <a:stretch>
+            <a:fillRect/>
+          </a:stretch>
+        </p:blipFill>
+        <p:spPr bwMode="auto">
+          <a:xfrm>
+            <a:off x="10380582" y="286603"/>
+            <a:ext cx="1550195" cy="876779"/>
+          </a:xfrm>
+          <a:prstGeom prst="rect">
+            <a:avLst/>
+          </a:prstGeom>
+          <a:noFill/>
+          <a:extLst>
+            <a:ext uri="{909E8E84-426E-40DD-AFC4-6F175D3DCCD1}">
+              <a14:hiddenFill xmlns:a14="http://schemas.microsoft.com/office/drawing/2010/main">
+                <a:solidFill>
+                  <a:srgbClr val="FFFFFF"/>
+                </a:solidFill>
+              </a14:hiddenFill>
+            </a:ext>
+          </a:extLst>
+        </p:spPr>
+      </p:pic>
+    </p:spTree>
+    <p:extLst>
+      <p:ext uri="{BB962C8B-B14F-4D97-AF65-F5344CB8AC3E}">
+        <p14:creationId xmlns:p14="http://schemas.microsoft.com/office/powerpoint/2010/main" val="786173547"/>
+      </p:ext>
+    </p:extLst>
+  </p:cSld>
+  <p:clrMapOvr>
+    <a:masterClrMapping/>
+  </p:clrMapOvr>
+</p:sld>
+</file>
+
+<file path=ppt/slides/slide85.xml><?xml version="1.0" encoding="utf-8"?>
+<p:sld xmlns:a="http://schemas.openxmlformats.org/drawingml/2006/main" xmlns:r="http://schemas.openxmlformats.org/officeDocument/2006/relationships" xmlns:p="http://schemas.openxmlformats.org/presentationml/2006/main">
+  <p:cSld>
+    <p:spTree>
+      <p:nvGrpSpPr>
+        <p:cNvPr id="1" name=""/>
+        <p:cNvGrpSpPr/>
+        <p:nvPr/>
+      </p:nvGrpSpPr>
+      <p:grpSpPr>
+        <a:xfrm>
+          <a:off x="0" y="0"/>
+          <a:ext cx="0" cy="0"/>
+          <a:chOff x="0" y="0"/>
+          <a:chExt cx="0" cy="0"/>
+        </a:xfrm>
+      </p:grpSpPr>
+      <p:sp>
+        <p:nvSpPr>
+          <p:cNvPr id="3" name="Titre 1">
+            <a:extLst>
+              <a:ext uri="{FF2B5EF4-FFF2-40B4-BE49-F238E27FC236}">
+                <a16:creationId xmlns:a16="http://schemas.microsoft.com/office/drawing/2014/main" id="{E7373E66-041F-37D5-0ADF-25BA87ABC979}"/>
+              </a:ext>
+            </a:extLst>
+          </p:cNvPr>
+          <p:cNvSpPr>
+            <a:spLocks noGrp="1"/>
+          </p:cNvSpPr>
+          <p:nvPr>
+            <p:ph type="title"/>
+          </p:nvPr>
+        </p:nvSpPr>
+        <p:spPr>
+          <a:xfrm>
+            <a:off x="1097279" y="286603"/>
+            <a:ext cx="11167425" cy="1450757"/>
+          </a:xfrm>
+        </p:spPr>
+        <p:txBody>
+          <a:bodyPr>
+            <a:normAutofit/>
+          </a:bodyPr>
+          <a:lstStyle/>
+          <a:p>
+            <a:r>
+              <a:rPr lang="fr-FR" dirty="0"/>
+              <a:t>VIII- Le DOM </a:t>
+            </a:r>
+            <a:br>
+              <a:rPr lang="fr-FR" dirty="0"/>
+            </a:br>
+            <a:r>
+              <a:rPr lang="fr-FR" dirty="0"/>
+              <a:t>	</a:t>
+            </a:r>
+            <a:r>
+              <a:rPr lang="fr-FR" sz="3600" i="1" dirty="0"/>
+              <a:t>  7. Interagir avec les classes html </a:t>
+            </a:r>
+          </a:p>
+        </p:txBody>
+      </p:sp>
+      <p:sp>
+        <p:nvSpPr>
+          <p:cNvPr id="4" name="ZoneTexte 3">
+            <a:extLst>
+              <a:ext uri="{FF2B5EF4-FFF2-40B4-BE49-F238E27FC236}">
+                <a16:creationId xmlns:a16="http://schemas.microsoft.com/office/drawing/2014/main" id="{54353363-BAFD-662F-8FBD-02AB59B6D43B}"/>
+              </a:ext>
+            </a:extLst>
+          </p:cNvPr>
+          <p:cNvSpPr txBox="1"/>
+          <p:nvPr/>
+        </p:nvSpPr>
+        <p:spPr>
+          <a:xfrm>
+            <a:off x="1237376" y="2000617"/>
+            <a:ext cx="10024844" cy="1077218"/>
+          </a:xfrm>
+          <a:prstGeom prst="rect">
+            <a:avLst/>
+          </a:prstGeom>
+          <a:noFill/>
+        </p:spPr>
+        <p:txBody>
+          <a:bodyPr wrap="square" rtlCol="0">
+            <a:spAutoFit/>
+          </a:bodyPr>
+          <a:lstStyle/>
+          <a:p>
+            <a:pPr algn="ctr"/>
+            <a:r>
+              <a:rPr lang="fr-FR" sz="2400" b="1" dirty="0" err="1"/>
+              <a:t>classList</a:t>
+            </a:r>
+            <a:r>
+              <a:rPr lang="fr-FR" dirty="0"/>
+              <a:t> :</a:t>
+            </a:r>
+            <a:r>
+              <a:rPr lang="fr-FR" sz="2000" dirty="0"/>
+              <a:t>est un objet qui représente la liste des classes CSS d'un élément HTML. Elle contient des méthodes pour ajouter, supprimer, remplacer ainsi que vérifier la présence d’une classe ou non.</a:t>
+            </a:r>
+          </a:p>
+        </p:txBody>
+      </p:sp>
+      <p:sp>
+        <p:nvSpPr>
+          <p:cNvPr id="2" name="ZoneTexte 1">
+            <a:extLst>
+              <a:ext uri="{FF2B5EF4-FFF2-40B4-BE49-F238E27FC236}">
+                <a16:creationId xmlns:a16="http://schemas.microsoft.com/office/drawing/2014/main" id="{F0D97AC7-3D03-393C-5244-02841AF396A0}"/>
+              </a:ext>
+            </a:extLst>
+          </p:cNvPr>
+          <p:cNvSpPr txBox="1"/>
+          <p:nvPr/>
+        </p:nvSpPr>
+        <p:spPr>
+          <a:xfrm>
+            <a:off x="2333537" y="3215003"/>
+            <a:ext cx="7524925" cy="2646878"/>
+          </a:xfrm>
+          <a:prstGeom prst="rect">
+            <a:avLst/>
+          </a:prstGeom>
+          <a:noFill/>
+        </p:spPr>
+        <p:txBody>
+          <a:bodyPr wrap="square" rtlCol="0">
+            <a:spAutoFit/>
+          </a:bodyPr>
+          <a:lstStyle/>
+          <a:p>
+            <a:pPr marL="342900" indent="-342900">
+              <a:buFont typeface="Arial" panose="020B0604020202020204" pitchFamily="34" charset="0"/>
+              <a:buChar char="•"/>
+            </a:pPr>
+            <a:r>
+              <a:rPr lang="fr-FR" sz="2000" b="1" dirty="0" err="1"/>
+              <a:t>Add</a:t>
+            </a:r>
+            <a:r>
+              <a:rPr lang="fr-FR" sz="1800" dirty="0"/>
+              <a:t> : Permet d’ajouter une classe </a:t>
+            </a:r>
+          </a:p>
+          <a:p>
+            <a:pPr marL="342900" indent="-342900">
+              <a:buFont typeface="Arial" panose="020B0604020202020204" pitchFamily="34" charset="0"/>
+              <a:buChar char="•"/>
+            </a:pPr>
+            <a:endParaRPr lang="fr-FR" sz="1800" dirty="0"/>
+          </a:p>
+          <a:p>
+            <a:pPr marL="342900" indent="-342900">
+              <a:buFont typeface="Arial" panose="020B0604020202020204" pitchFamily="34" charset="0"/>
+              <a:buChar char="•"/>
+            </a:pPr>
+            <a:endParaRPr lang="fr-FR" sz="1800" dirty="0"/>
+          </a:p>
+          <a:p>
+            <a:pPr marL="342900" indent="-342900">
+              <a:buFont typeface="Arial" panose="020B0604020202020204" pitchFamily="34" charset="0"/>
+              <a:buChar char="•"/>
+            </a:pPr>
+            <a:endParaRPr lang="fr-FR" dirty="0"/>
+          </a:p>
+          <a:p>
+            <a:endParaRPr lang="fr-FR" sz="1800" dirty="0"/>
+          </a:p>
+          <a:p>
+            <a:pPr marL="342900" indent="-342900">
+              <a:buFont typeface="Arial" panose="020B0604020202020204" pitchFamily="34" charset="0"/>
+              <a:buChar char="•"/>
+            </a:pPr>
+            <a:r>
+              <a:rPr lang="fr-FR" sz="2000" b="1" dirty="0" err="1"/>
+              <a:t>Contains</a:t>
+            </a:r>
+            <a:r>
+              <a:rPr lang="fr-FR" sz="1800" dirty="0"/>
+              <a:t> : Permet de vérifier la présence d’une classe</a:t>
+            </a:r>
+          </a:p>
+          <a:p>
+            <a:pPr marL="342900" indent="-342900">
+              <a:buFont typeface="Arial" panose="020B0604020202020204" pitchFamily="34" charset="0"/>
+              <a:buChar char="•"/>
+            </a:pPr>
+            <a:endParaRPr lang="fr-FR" dirty="0"/>
+          </a:p>
+          <a:p>
+            <a:pPr marL="342900" indent="-342900">
+              <a:buFont typeface="Arial" panose="020B0604020202020204" pitchFamily="34" charset="0"/>
+              <a:buChar char="•"/>
+            </a:pPr>
+            <a:endParaRPr lang="fr-FR" sz="1800" dirty="0"/>
+          </a:p>
+          <a:p>
+            <a:endParaRPr lang="fr-FR" dirty="0"/>
+          </a:p>
+        </p:txBody>
+      </p:sp>
+      <p:pic>
+        <p:nvPicPr>
+          <p:cNvPr id="6" name="Image 5">
+            <a:extLst>
+              <a:ext uri="{FF2B5EF4-FFF2-40B4-BE49-F238E27FC236}">
+                <a16:creationId xmlns:a16="http://schemas.microsoft.com/office/drawing/2014/main" id="{62698CF4-4456-88BE-50F5-2282C31F59BA}"/>
+              </a:ext>
+            </a:extLst>
+          </p:cNvPr>
+          <p:cNvPicPr>
+            <a:picLocks noChangeAspect="1"/>
+          </p:cNvPicPr>
+          <p:nvPr/>
+        </p:nvPicPr>
+        <p:blipFill>
+          <a:blip r:embed="rId2"/>
+          <a:stretch>
+            <a:fillRect/>
+          </a:stretch>
+        </p:blipFill>
+        <p:spPr>
+          <a:xfrm>
+            <a:off x="3211618" y="3726887"/>
+            <a:ext cx="5630061" cy="628738"/>
+          </a:xfrm>
+          <a:prstGeom prst="rect">
+            <a:avLst/>
+          </a:prstGeom>
+        </p:spPr>
+      </p:pic>
+      <p:pic>
+        <p:nvPicPr>
+          <p:cNvPr id="8" name="Image 7">
+            <a:extLst>
+              <a:ext uri="{FF2B5EF4-FFF2-40B4-BE49-F238E27FC236}">
+                <a16:creationId xmlns:a16="http://schemas.microsoft.com/office/drawing/2014/main" id="{2FDF36B1-3B86-E731-99AE-9FE5AF4AD5C7}"/>
+              </a:ext>
+            </a:extLst>
+          </p:cNvPr>
+          <p:cNvPicPr>
+            <a:picLocks noChangeAspect="1"/>
+          </p:cNvPicPr>
+          <p:nvPr/>
+        </p:nvPicPr>
+        <p:blipFill>
+          <a:blip r:embed="rId3"/>
+          <a:stretch>
+            <a:fillRect/>
+          </a:stretch>
+        </p:blipFill>
+        <p:spPr>
+          <a:xfrm>
+            <a:off x="3211618" y="5204530"/>
+            <a:ext cx="5439534" cy="1118748"/>
+          </a:xfrm>
+          <a:prstGeom prst="rect">
+            <a:avLst/>
+          </a:prstGeom>
+        </p:spPr>
+      </p:pic>
+      <p:pic>
+        <p:nvPicPr>
+          <p:cNvPr id="5" name="Picture 12" descr="JavaScript Logo et symbole, sens, histoire, PNG, marque">
+            <a:extLst>
+              <a:ext uri="{FF2B5EF4-FFF2-40B4-BE49-F238E27FC236}">
+                <a16:creationId xmlns:a16="http://schemas.microsoft.com/office/drawing/2014/main" id="{B6B48DA5-B59E-7BA2-DB64-DB5333F61DE0}"/>
+              </a:ext>
+            </a:extLst>
+          </p:cNvPr>
+          <p:cNvPicPr>
+            <a:picLocks noChangeAspect="1" noChangeArrowheads="1"/>
+          </p:cNvPicPr>
+          <p:nvPr/>
+        </p:nvPicPr>
+        <p:blipFill>
+          <a:blip r:embed="rId4">
+            <a:extLst>
+              <a:ext uri="{28A0092B-C50C-407E-A947-70E740481C1C}">
+                <a14:useLocalDpi xmlns:a14="http://schemas.microsoft.com/office/drawing/2010/main" val="0"/>
+              </a:ext>
+            </a:extLst>
+          </a:blip>
+          <a:srcRect/>
+          <a:stretch>
+            <a:fillRect/>
+          </a:stretch>
+        </p:blipFill>
+        <p:spPr bwMode="auto">
+          <a:xfrm>
+            <a:off x="10380582" y="286603"/>
+            <a:ext cx="1550195" cy="876779"/>
+          </a:xfrm>
+          <a:prstGeom prst="rect">
+            <a:avLst/>
+          </a:prstGeom>
+          <a:noFill/>
+          <a:extLst>
+            <a:ext uri="{909E8E84-426E-40DD-AFC4-6F175D3DCCD1}">
+              <a14:hiddenFill xmlns:a14="http://schemas.microsoft.com/office/drawing/2010/main">
+                <a:solidFill>
+                  <a:srgbClr val="FFFFFF"/>
+                </a:solidFill>
+              </a14:hiddenFill>
+            </a:ext>
+          </a:extLst>
+        </p:spPr>
+      </p:pic>
+    </p:spTree>
+    <p:extLst>
+      <p:ext uri="{BB962C8B-B14F-4D97-AF65-F5344CB8AC3E}">
+        <p14:creationId xmlns:p14="http://schemas.microsoft.com/office/powerpoint/2010/main" val="1807858894"/>
+      </p:ext>
+    </p:extLst>
+  </p:cSld>
+  <p:clrMapOvr>
+    <a:masterClrMapping/>
+  </p:clrMapOvr>
+</p:sld>
+</file>
+
+<file path=ppt/slides/slide86.xml><?xml version="1.0" encoding="utf-8"?>
+<p:sld xmlns:a="http://schemas.openxmlformats.org/drawingml/2006/main" xmlns:r="http://schemas.openxmlformats.org/officeDocument/2006/relationships" xmlns:p="http://schemas.openxmlformats.org/presentationml/2006/main">
+  <p:cSld>
+    <p:spTree>
+      <p:nvGrpSpPr>
+        <p:cNvPr id="1" name=""/>
+        <p:cNvGrpSpPr/>
+        <p:nvPr/>
+      </p:nvGrpSpPr>
+      <p:grpSpPr>
+        <a:xfrm>
+          <a:off x="0" y="0"/>
+          <a:ext cx="0" cy="0"/>
+          <a:chOff x="0" y="0"/>
+          <a:chExt cx="0" cy="0"/>
+        </a:xfrm>
+      </p:grpSpPr>
+      <p:sp>
+        <p:nvSpPr>
+          <p:cNvPr id="3" name="Titre 1">
+            <a:extLst>
+              <a:ext uri="{FF2B5EF4-FFF2-40B4-BE49-F238E27FC236}">
+                <a16:creationId xmlns:a16="http://schemas.microsoft.com/office/drawing/2014/main" id="{E7373E66-041F-37D5-0ADF-25BA87ABC979}"/>
+              </a:ext>
+            </a:extLst>
+          </p:cNvPr>
+          <p:cNvSpPr>
+            <a:spLocks noGrp="1"/>
+          </p:cNvSpPr>
+          <p:nvPr>
+            <p:ph type="title"/>
+          </p:nvPr>
+        </p:nvSpPr>
+        <p:spPr>
+          <a:xfrm>
+            <a:off x="1097279" y="286603"/>
+            <a:ext cx="11167425" cy="1450757"/>
+          </a:xfrm>
+        </p:spPr>
+        <p:txBody>
+          <a:bodyPr>
+            <a:normAutofit/>
+          </a:bodyPr>
+          <a:lstStyle/>
+          <a:p>
+            <a:r>
+              <a:rPr lang="fr-FR" dirty="0"/>
+              <a:t>VIII- Le DOM </a:t>
+            </a:r>
+            <a:br>
+              <a:rPr lang="fr-FR" dirty="0"/>
+            </a:br>
+            <a:r>
+              <a:rPr lang="fr-FR" dirty="0"/>
+              <a:t>	</a:t>
+            </a:r>
+            <a:r>
+              <a:rPr lang="fr-FR" sz="3600" i="1" dirty="0"/>
+              <a:t>  7. Interagir avec les classes html </a:t>
+            </a:r>
+          </a:p>
+        </p:txBody>
+      </p:sp>
+      <p:sp>
+        <p:nvSpPr>
+          <p:cNvPr id="2" name="ZoneTexte 1">
+            <a:extLst>
+              <a:ext uri="{FF2B5EF4-FFF2-40B4-BE49-F238E27FC236}">
+                <a16:creationId xmlns:a16="http://schemas.microsoft.com/office/drawing/2014/main" id="{F0D97AC7-3D03-393C-5244-02841AF396A0}"/>
+              </a:ext>
+            </a:extLst>
+          </p:cNvPr>
+          <p:cNvSpPr txBox="1"/>
+          <p:nvPr/>
+        </p:nvSpPr>
+        <p:spPr>
+          <a:xfrm>
+            <a:off x="2659309" y="1919765"/>
+            <a:ext cx="8850386" cy="3200876"/>
+          </a:xfrm>
+          <a:prstGeom prst="rect">
+            <a:avLst/>
+          </a:prstGeom>
+          <a:noFill/>
+        </p:spPr>
+        <p:txBody>
+          <a:bodyPr wrap="square" rtlCol="0">
+            <a:spAutoFit/>
+          </a:bodyPr>
+          <a:lstStyle/>
+          <a:p>
+            <a:pPr marL="342900" indent="-342900">
+              <a:buFont typeface="Arial" panose="020B0604020202020204" pitchFamily="34" charset="0"/>
+              <a:buChar char="•"/>
+            </a:pPr>
+            <a:endParaRPr lang="fr-FR" dirty="0"/>
+          </a:p>
+          <a:p>
+            <a:pPr marL="342900" indent="-342900">
+              <a:buFont typeface="Arial" panose="020B0604020202020204" pitchFamily="34" charset="0"/>
+              <a:buChar char="•"/>
+            </a:pPr>
+            <a:endParaRPr lang="fr-FR" sz="1800" dirty="0"/>
+          </a:p>
+          <a:p>
+            <a:pPr marL="342900" indent="-342900">
+              <a:buFont typeface="Arial" panose="020B0604020202020204" pitchFamily="34" charset="0"/>
+              <a:buChar char="•"/>
+            </a:pPr>
+            <a:r>
+              <a:rPr lang="fr-FR" sz="2000" b="1" dirty="0" err="1"/>
+              <a:t>Remove</a:t>
+            </a:r>
+            <a:r>
+              <a:rPr lang="fr-FR" sz="1800" dirty="0"/>
+              <a:t>: Permet de supprimer une classe</a:t>
+            </a:r>
+          </a:p>
+          <a:p>
+            <a:pPr marL="342900" indent="-342900">
+              <a:buFont typeface="Arial" panose="020B0604020202020204" pitchFamily="34" charset="0"/>
+              <a:buChar char="•"/>
+            </a:pPr>
+            <a:endParaRPr lang="fr-FR" dirty="0"/>
+          </a:p>
+          <a:p>
+            <a:pPr marL="342900" indent="-342900">
+              <a:buFont typeface="Arial" panose="020B0604020202020204" pitchFamily="34" charset="0"/>
+              <a:buChar char="•"/>
+            </a:pPr>
+            <a:endParaRPr lang="fr-FR" sz="1800" dirty="0"/>
+          </a:p>
+          <a:p>
+            <a:pPr marL="342900" indent="-342900">
+              <a:buFont typeface="Arial" panose="020B0604020202020204" pitchFamily="34" charset="0"/>
+              <a:buChar char="•"/>
+            </a:pPr>
+            <a:endParaRPr lang="fr-FR" dirty="0"/>
+          </a:p>
+          <a:p>
+            <a:pPr marL="342900" indent="-342900">
+              <a:buFont typeface="Arial" panose="020B0604020202020204" pitchFamily="34" charset="0"/>
+              <a:buChar char="•"/>
+            </a:pPr>
+            <a:endParaRPr lang="fr-FR" sz="1800" dirty="0"/>
+          </a:p>
+          <a:p>
+            <a:pPr marL="342900" indent="-342900">
+              <a:buFont typeface="Arial" panose="020B0604020202020204" pitchFamily="34" charset="0"/>
+              <a:buChar char="•"/>
+            </a:pPr>
+            <a:endParaRPr lang="fr-FR" dirty="0"/>
+          </a:p>
+          <a:p>
+            <a:endParaRPr lang="fr-FR" sz="1800" dirty="0"/>
+          </a:p>
+          <a:p>
+            <a:pPr marL="342900" indent="-342900">
+              <a:buFont typeface="Arial" panose="020B0604020202020204" pitchFamily="34" charset="0"/>
+              <a:buChar char="•"/>
+            </a:pPr>
+            <a:r>
+              <a:rPr lang="fr-FR" sz="2000" b="1" dirty="0"/>
+              <a:t>Replace</a:t>
+            </a:r>
+            <a:r>
+              <a:rPr lang="fr-FR" sz="1800" dirty="0"/>
+              <a:t>: Permet de modifier une classe</a:t>
+            </a:r>
+          </a:p>
+          <a:p>
+            <a:endParaRPr lang="fr-FR" dirty="0"/>
+          </a:p>
+        </p:txBody>
+      </p:sp>
+      <p:pic>
+        <p:nvPicPr>
+          <p:cNvPr id="7" name="Image 6">
+            <a:extLst>
+              <a:ext uri="{FF2B5EF4-FFF2-40B4-BE49-F238E27FC236}">
+                <a16:creationId xmlns:a16="http://schemas.microsoft.com/office/drawing/2014/main" id="{BB3AD3F7-98B4-3299-D8B2-9073D483B83E}"/>
+              </a:ext>
+            </a:extLst>
+          </p:cNvPr>
+          <p:cNvPicPr>
+            <a:picLocks noChangeAspect="1"/>
+          </p:cNvPicPr>
+          <p:nvPr/>
+        </p:nvPicPr>
+        <p:blipFill>
+          <a:blip r:embed="rId2"/>
+          <a:stretch>
+            <a:fillRect/>
+          </a:stretch>
+        </p:blipFill>
+        <p:spPr>
+          <a:xfrm>
+            <a:off x="3109000" y="3132478"/>
+            <a:ext cx="6192114" cy="962159"/>
+          </a:xfrm>
+          <a:prstGeom prst="rect">
+            <a:avLst/>
+          </a:prstGeom>
+        </p:spPr>
+      </p:pic>
+      <p:pic>
+        <p:nvPicPr>
+          <p:cNvPr id="10" name="Image 9">
+            <a:extLst>
+              <a:ext uri="{FF2B5EF4-FFF2-40B4-BE49-F238E27FC236}">
+                <a16:creationId xmlns:a16="http://schemas.microsoft.com/office/drawing/2014/main" id="{6269262E-C3B5-881B-270C-4FB8E1072C26}"/>
+              </a:ext>
+            </a:extLst>
+          </p:cNvPr>
+          <p:cNvPicPr>
+            <a:picLocks noChangeAspect="1"/>
+          </p:cNvPicPr>
+          <p:nvPr/>
+        </p:nvPicPr>
+        <p:blipFill>
+          <a:blip r:embed="rId3"/>
+          <a:stretch>
+            <a:fillRect/>
+          </a:stretch>
+        </p:blipFill>
+        <p:spPr>
+          <a:xfrm>
+            <a:off x="3109000" y="5307350"/>
+            <a:ext cx="5668166" cy="666843"/>
+          </a:xfrm>
+          <a:prstGeom prst="rect">
+            <a:avLst/>
+          </a:prstGeom>
+        </p:spPr>
+      </p:pic>
+      <p:pic>
+        <p:nvPicPr>
+          <p:cNvPr id="4" name="Picture 12" descr="JavaScript Logo et symbole, sens, histoire, PNG, marque">
+            <a:extLst>
+              <a:ext uri="{FF2B5EF4-FFF2-40B4-BE49-F238E27FC236}">
+                <a16:creationId xmlns:a16="http://schemas.microsoft.com/office/drawing/2014/main" id="{1793D1D0-3543-543E-7E19-118D3D5273B3}"/>
+              </a:ext>
+            </a:extLst>
+          </p:cNvPr>
+          <p:cNvPicPr>
+            <a:picLocks noChangeAspect="1" noChangeArrowheads="1"/>
+          </p:cNvPicPr>
+          <p:nvPr/>
+        </p:nvPicPr>
+        <p:blipFill>
+          <a:blip r:embed="rId4">
+            <a:extLst>
+              <a:ext uri="{28A0092B-C50C-407E-A947-70E740481C1C}">
+                <a14:useLocalDpi xmlns:a14="http://schemas.microsoft.com/office/drawing/2010/main" val="0"/>
+              </a:ext>
+            </a:extLst>
+          </a:blip>
+          <a:srcRect/>
+          <a:stretch>
+            <a:fillRect/>
+          </a:stretch>
+        </p:blipFill>
+        <p:spPr bwMode="auto">
+          <a:xfrm>
+            <a:off x="10380582" y="286603"/>
+            <a:ext cx="1550195" cy="876779"/>
+          </a:xfrm>
+          <a:prstGeom prst="rect">
+            <a:avLst/>
+          </a:prstGeom>
+          <a:noFill/>
+          <a:extLst>
+            <a:ext uri="{909E8E84-426E-40DD-AFC4-6F175D3DCCD1}">
+              <a14:hiddenFill xmlns:a14="http://schemas.microsoft.com/office/drawing/2010/main">
+                <a:solidFill>
+                  <a:srgbClr val="FFFFFF"/>
+                </a:solidFill>
+              </a14:hiddenFill>
+            </a:ext>
+          </a:extLst>
+        </p:spPr>
+      </p:pic>
+    </p:spTree>
+    <p:extLst>
+      <p:ext uri="{BB962C8B-B14F-4D97-AF65-F5344CB8AC3E}">
+        <p14:creationId xmlns:p14="http://schemas.microsoft.com/office/powerpoint/2010/main" val="381626538"/>
       </p:ext>
     </p:extLst>
   </p:cSld>

--- a/cours.pptx
+++ b/cours.pptx
@@ -91,6 +91,16 @@
     <p:sldId id="407" r:id="rId85"/>
     <p:sldId id="408" r:id="rId86"/>
     <p:sldId id="409" r:id="rId87"/>
+    <p:sldId id="382" r:id="rId88"/>
+    <p:sldId id="383" r:id="rId89"/>
+    <p:sldId id="384" r:id="rId90"/>
+    <p:sldId id="388" r:id="rId91"/>
+    <p:sldId id="389" r:id="rId92"/>
+    <p:sldId id="390" r:id="rId93"/>
+    <p:sldId id="385" r:id="rId94"/>
+    <p:sldId id="386" r:id="rId95"/>
+    <p:sldId id="414" r:id="rId96"/>
+    <p:sldId id="387" r:id="rId97"/>
   </p:sldIdLst>
   <p:sldSz cx="12192000" cy="6858000"/>
   <p:notesSz cx="6858000" cy="9144000"/>
@@ -344,7 +354,7 @@
           <a:p>
             <a:fld id="{6AD61AA8-A60B-4213-843B-33CCD8DDD4AE}" type="datetimeFigureOut">
               <a:rPr lang="fr-FR" smtClean="0"/>
-              <a:t>18/12/2023</a:t>
+              <a:t>19/12/2023</a:t>
             </a:fld>
             <a:endParaRPr lang="fr-FR"/>
           </a:p>
@@ -542,7 +552,7 @@
           <a:p>
             <a:fld id="{6AD61AA8-A60B-4213-843B-33CCD8DDD4AE}" type="datetimeFigureOut">
               <a:rPr lang="fr-FR" smtClean="0"/>
-              <a:t>18/12/2023</a:t>
+              <a:t>19/12/2023</a:t>
             </a:fld>
             <a:endParaRPr lang="fr-FR"/>
           </a:p>
@@ -750,7 +760,7 @@
           <a:p>
             <a:fld id="{6AD61AA8-A60B-4213-843B-33CCD8DDD4AE}" type="datetimeFigureOut">
               <a:rPr lang="fr-FR" smtClean="0"/>
-              <a:t>18/12/2023</a:t>
+              <a:t>19/12/2023</a:t>
             </a:fld>
             <a:endParaRPr lang="fr-FR"/>
           </a:p>
@@ -948,7 +958,7 @@
           <a:p>
             <a:fld id="{6AD61AA8-A60B-4213-843B-33CCD8DDD4AE}" type="datetimeFigureOut">
               <a:rPr lang="fr-FR" smtClean="0"/>
-              <a:t>18/12/2023</a:t>
+              <a:t>19/12/2023</a:t>
             </a:fld>
             <a:endParaRPr lang="fr-FR"/>
           </a:p>
@@ -1223,7 +1233,7 @@
           <a:p>
             <a:fld id="{6AD61AA8-A60B-4213-843B-33CCD8DDD4AE}" type="datetimeFigureOut">
               <a:rPr lang="fr-FR" smtClean="0"/>
-              <a:t>18/12/2023</a:t>
+              <a:t>19/12/2023</a:t>
             </a:fld>
             <a:endParaRPr lang="fr-FR"/>
           </a:p>
@@ -1488,7 +1498,7 @@
           <a:p>
             <a:fld id="{6AD61AA8-A60B-4213-843B-33CCD8DDD4AE}" type="datetimeFigureOut">
               <a:rPr lang="fr-FR" smtClean="0"/>
-              <a:t>18/12/2023</a:t>
+              <a:t>19/12/2023</a:t>
             </a:fld>
             <a:endParaRPr lang="fr-FR"/>
           </a:p>
@@ -1900,7 +1910,7 @@
           <a:p>
             <a:fld id="{6AD61AA8-A60B-4213-843B-33CCD8DDD4AE}" type="datetimeFigureOut">
               <a:rPr lang="fr-FR" smtClean="0"/>
-              <a:t>18/12/2023</a:t>
+              <a:t>19/12/2023</a:t>
             </a:fld>
             <a:endParaRPr lang="fr-FR"/>
           </a:p>
@@ -2041,7 +2051,7 @@
           <a:p>
             <a:fld id="{6AD61AA8-A60B-4213-843B-33CCD8DDD4AE}" type="datetimeFigureOut">
               <a:rPr lang="fr-FR" smtClean="0"/>
-              <a:t>18/12/2023</a:t>
+              <a:t>19/12/2023</a:t>
             </a:fld>
             <a:endParaRPr lang="fr-FR"/>
           </a:p>
@@ -2154,7 +2164,7 @@
           <a:p>
             <a:fld id="{6AD61AA8-A60B-4213-843B-33CCD8DDD4AE}" type="datetimeFigureOut">
               <a:rPr lang="fr-FR" smtClean="0"/>
-              <a:t>18/12/2023</a:t>
+              <a:t>19/12/2023</a:t>
             </a:fld>
             <a:endParaRPr lang="fr-FR"/>
           </a:p>
@@ -2465,7 +2475,7 @@
           <a:p>
             <a:fld id="{6AD61AA8-A60B-4213-843B-33CCD8DDD4AE}" type="datetimeFigureOut">
               <a:rPr lang="fr-FR" smtClean="0"/>
-              <a:t>18/12/2023</a:t>
+              <a:t>19/12/2023</a:t>
             </a:fld>
             <a:endParaRPr lang="fr-FR"/>
           </a:p>
@@ -2753,7 +2763,7 @@
           <a:p>
             <a:fld id="{6AD61AA8-A60B-4213-843B-33CCD8DDD4AE}" type="datetimeFigureOut">
               <a:rPr lang="fr-FR" smtClean="0"/>
-              <a:t>18/12/2023</a:t>
+              <a:t>19/12/2023</a:t>
             </a:fld>
             <a:endParaRPr lang="fr-FR"/>
           </a:p>
@@ -2994,7 +3004,7 @@
           <a:p>
             <a:fld id="{6AD61AA8-A60B-4213-843B-33CCD8DDD4AE}" type="datetimeFigureOut">
               <a:rPr lang="fr-FR" smtClean="0"/>
-              <a:t>18/12/2023</a:t>
+              <a:t>19/12/2023</a:t>
             </a:fld>
             <a:endParaRPr lang="fr-FR"/>
           </a:p>
@@ -18972,20 +18982,20 @@
           <a:p>
             <a:pPr algn="ctr"/>
             <a:endParaRPr lang="fr-FR" sz="2800" dirty="0">
-              <a:hlinkClick r:id="rId2"/>
+              <a:hlinkClick r:id=""/>
             </a:endParaRPr>
           </a:p>
           <a:p>
             <a:pPr algn="ctr"/>
             <a:endParaRPr lang="fr-FR" sz="2800" dirty="0">
-              <a:hlinkClick r:id="rId2"/>
+              <a:hlinkClick r:id=""/>
             </a:endParaRPr>
           </a:p>
           <a:p>
             <a:pPr algn="ctr"/>
             <a:r>
               <a:rPr lang="fr-FR" sz="2800" dirty="0">
-                <a:hlinkClick r:id="rId2"/>
+                <a:hlinkClick r:id=""/>
               </a:rPr>
               <a:t>DOC MDN </a:t>
             </a:r>
@@ -19008,7 +19018,7 @@
           <p:nvPr/>
         </p:nvPicPr>
         <p:blipFill>
-          <a:blip r:embed="rId3">
+          <a:blip r:embed="rId2">
             <a:extLst>
               <a:ext uri="{28A0092B-C50C-407E-A947-70E740481C1C}">
                 <a14:useLocalDpi xmlns:a14="http://schemas.microsoft.com/office/drawing/2010/main" val="0"/>
@@ -19465,20 +19475,20 @@
           <a:p>
             <a:pPr algn="ctr"/>
             <a:endParaRPr lang="fr-FR" sz="2800" dirty="0">
-              <a:hlinkClick r:id="rId2"/>
+              <a:hlinkClick r:id=""/>
             </a:endParaRPr>
           </a:p>
           <a:p>
             <a:pPr algn="ctr"/>
             <a:endParaRPr lang="fr-FR" sz="2800" dirty="0">
-              <a:hlinkClick r:id="rId2"/>
+              <a:hlinkClick r:id=""/>
             </a:endParaRPr>
           </a:p>
           <a:p>
             <a:pPr algn="ctr"/>
             <a:r>
               <a:rPr lang="fr-FR" sz="2800" dirty="0">
-                <a:hlinkClick r:id="rId3"/>
+                <a:hlinkClick r:id="rId2"/>
               </a:rPr>
               <a:t>DOC MDN </a:t>
             </a:r>
@@ -19501,7 +19511,7 @@
           <p:nvPr/>
         </p:nvPicPr>
         <p:blipFill>
-          <a:blip r:embed="rId4">
+          <a:blip r:embed="rId3">
             <a:extLst>
               <a:ext uri="{28A0092B-C50C-407E-A947-70E740481C1C}">
                 <a14:useLocalDpi xmlns:a14="http://schemas.microsoft.com/office/drawing/2010/main" val="0"/>
@@ -19841,20 +19851,20 @@
           <a:p>
             <a:pPr algn="ctr"/>
             <a:endParaRPr lang="fr-FR" sz="2800" dirty="0">
-              <a:hlinkClick r:id="rId2"/>
+              <a:hlinkClick r:id=""/>
             </a:endParaRPr>
           </a:p>
           <a:p>
             <a:pPr algn="ctr"/>
             <a:endParaRPr lang="fr-FR" sz="2800" dirty="0">
-              <a:hlinkClick r:id="rId2"/>
+              <a:hlinkClick r:id=""/>
             </a:endParaRPr>
           </a:p>
           <a:p>
             <a:pPr algn="ctr"/>
             <a:r>
               <a:rPr lang="fr-FR" sz="2800" dirty="0">
-                <a:hlinkClick r:id="rId3"/>
+                <a:hlinkClick r:id="rId2"/>
               </a:rPr>
               <a:t>DOC MDN </a:t>
             </a:r>
@@ -19877,7 +19887,7 @@
           <p:nvPr/>
         </p:nvPicPr>
         <p:blipFill>
-          <a:blip r:embed="rId4">
+          <a:blip r:embed="rId3">
             <a:extLst>
               <a:ext uri="{28A0092B-C50C-407E-A947-70E740481C1C}">
                 <a14:useLocalDpi xmlns:a14="http://schemas.microsoft.com/office/drawing/2010/main" val="0"/>
@@ -23852,6 +23862,707 @@
 </p:sld>
 </file>
 
+<file path=ppt/slides/slide87.xml><?xml version="1.0" encoding="utf-8"?>
+<p:sld xmlns:a="http://schemas.openxmlformats.org/drawingml/2006/main" xmlns:r="http://schemas.openxmlformats.org/officeDocument/2006/relationships" xmlns:p="http://schemas.openxmlformats.org/presentationml/2006/main">
+  <p:cSld>
+    <p:spTree>
+      <p:nvGrpSpPr>
+        <p:cNvPr id="1" name=""/>
+        <p:cNvGrpSpPr/>
+        <p:nvPr/>
+      </p:nvGrpSpPr>
+      <p:grpSpPr>
+        <a:xfrm>
+          <a:off x="0" y="0"/>
+          <a:ext cx="0" cy="0"/>
+          <a:chOff x="0" y="0"/>
+          <a:chExt cx="0" cy="0"/>
+        </a:xfrm>
+      </p:grpSpPr>
+      <p:sp>
+        <p:nvSpPr>
+          <p:cNvPr id="3" name="Titre 1">
+            <a:extLst>
+              <a:ext uri="{FF2B5EF4-FFF2-40B4-BE49-F238E27FC236}">
+                <a16:creationId xmlns:a16="http://schemas.microsoft.com/office/drawing/2014/main" id="{E7373E66-041F-37D5-0ADF-25BA87ABC979}"/>
+              </a:ext>
+            </a:extLst>
+          </p:cNvPr>
+          <p:cNvSpPr>
+            <a:spLocks noGrp="1"/>
+          </p:cNvSpPr>
+          <p:nvPr>
+            <p:ph type="title"/>
+          </p:nvPr>
+        </p:nvSpPr>
+        <p:spPr>
+          <a:xfrm>
+            <a:off x="1097279" y="286603"/>
+            <a:ext cx="11167425" cy="1450757"/>
+          </a:xfrm>
+        </p:spPr>
+        <p:txBody>
+          <a:bodyPr>
+            <a:normAutofit/>
+          </a:bodyPr>
+          <a:lstStyle/>
+          <a:p>
+            <a:r>
+              <a:rPr lang="fr-FR" dirty="0"/>
+              <a:t>IX- Les évènements </a:t>
+            </a:r>
+            <a:br>
+              <a:rPr lang="fr-FR" dirty="0"/>
+            </a:br>
+            <a:r>
+              <a:rPr lang="fr-FR" dirty="0"/>
+              <a:t>	</a:t>
+            </a:r>
+            <a:r>
+              <a:rPr lang="fr-FR" sz="3600" i="1" dirty="0"/>
+              <a:t>  1. Définition</a:t>
+            </a:r>
+          </a:p>
+        </p:txBody>
+      </p:sp>
+      <p:sp>
+        <p:nvSpPr>
+          <p:cNvPr id="2" name="ZoneTexte 1">
+            <a:extLst>
+              <a:ext uri="{FF2B5EF4-FFF2-40B4-BE49-F238E27FC236}">
+                <a16:creationId xmlns:a16="http://schemas.microsoft.com/office/drawing/2014/main" id="{7D71B00C-76FE-E5DE-9A9B-A3535EC275EF}"/>
+              </a:ext>
+            </a:extLst>
+          </p:cNvPr>
+          <p:cNvSpPr txBox="1"/>
+          <p:nvPr/>
+        </p:nvSpPr>
+        <p:spPr>
+          <a:xfrm>
+            <a:off x="478172" y="2567030"/>
+            <a:ext cx="11006355" cy="3416320"/>
+          </a:xfrm>
+          <a:prstGeom prst="rect">
+            <a:avLst/>
+          </a:prstGeom>
+          <a:noFill/>
+        </p:spPr>
+        <p:txBody>
+          <a:bodyPr wrap="square" rtlCol="0">
+            <a:spAutoFit/>
+          </a:bodyPr>
+          <a:lstStyle/>
+          <a:p>
+            <a:r>
+              <a:rPr lang="fr-FR" sz="2400" dirty="0"/>
+              <a:t>En programmation un évènement correspond à une action de l’utilisateur, par exemple:</a:t>
+            </a:r>
+          </a:p>
+          <a:p>
+            <a:r>
+              <a:rPr lang="fr-FR" sz="2400" dirty="0"/>
+              <a:t>Clic sur un bouton, pression sur une touche, chargement d’une page etc..</a:t>
+            </a:r>
+          </a:p>
+          <a:p>
+            <a:endParaRPr lang="fr-FR" sz="2400" dirty="0"/>
+          </a:p>
+          <a:p>
+            <a:r>
+              <a:rPr lang="fr-FR" sz="2400" dirty="0"/>
+              <a:t>En JavaScript, les évènements sont enregistrés comme des </a:t>
+            </a:r>
+            <a:r>
+              <a:rPr lang="fr-FR" sz="2400" b="1" dirty="0"/>
+              <a:t>objets</a:t>
+            </a:r>
+            <a:r>
+              <a:rPr lang="fr-FR" sz="2400" dirty="0"/>
+              <a:t> et contiennent des </a:t>
+            </a:r>
+            <a:r>
+              <a:rPr lang="fr-FR" sz="2400" b="1" dirty="0"/>
+              <a:t>informations</a:t>
+            </a:r>
+            <a:r>
+              <a:rPr lang="fr-FR" sz="2400" dirty="0"/>
+              <a:t> sur l’action qui a été effectuée.</a:t>
+            </a:r>
+          </a:p>
+          <a:p>
+            <a:endParaRPr lang="fr-FR" sz="2400" dirty="0"/>
+          </a:p>
+          <a:p>
+            <a:r>
+              <a:rPr lang="fr-FR" sz="2400" dirty="0"/>
+              <a:t>Pour appliquer une action ou une fonction au déclenchement d’un évènement, nous utilisons des </a:t>
+            </a:r>
+            <a:r>
+              <a:rPr lang="fr-FR" sz="2400" b="1" dirty="0"/>
+              <a:t>écouteurs d’évènements</a:t>
+            </a:r>
+            <a:r>
+              <a:rPr lang="fr-FR" sz="2400" dirty="0"/>
+              <a:t>(</a:t>
+            </a:r>
+            <a:r>
+              <a:rPr lang="fr-FR" sz="2400" dirty="0" err="1"/>
+              <a:t>event</a:t>
+            </a:r>
+            <a:r>
+              <a:rPr lang="fr-FR" sz="2400" dirty="0"/>
+              <a:t> </a:t>
+            </a:r>
+            <a:r>
+              <a:rPr lang="fr-FR" sz="2400" dirty="0" err="1"/>
+              <a:t>listeners</a:t>
+            </a:r>
+            <a:r>
+              <a:rPr lang="fr-FR" sz="2400" dirty="0"/>
+              <a:t>).</a:t>
+            </a:r>
+          </a:p>
+        </p:txBody>
+      </p:sp>
+      <p:pic>
+        <p:nvPicPr>
+          <p:cNvPr id="4" name="Picture 12" descr="JavaScript Logo et symbole, sens, histoire, PNG, marque">
+            <a:extLst>
+              <a:ext uri="{FF2B5EF4-FFF2-40B4-BE49-F238E27FC236}">
+                <a16:creationId xmlns:a16="http://schemas.microsoft.com/office/drawing/2014/main" id="{45EEDE3F-9FB6-A6C0-87D4-EBFEC2E789B2}"/>
+              </a:ext>
+            </a:extLst>
+          </p:cNvPr>
+          <p:cNvPicPr>
+            <a:picLocks noChangeAspect="1" noChangeArrowheads="1"/>
+          </p:cNvPicPr>
+          <p:nvPr/>
+        </p:nvPicPr>
+        <p:blipFill>
+          <a:blip r:embed="rId2">
+            <a:extLst>
+              <a:ext uri="{28A0092B-C50C-407E-A947-70E740481C1C}">
+                <a14:useLocalDpi xmlns:a14="http://schemas.microsoft.com/office/drawing/2010/main" val="0"/>
+              </a:ext>
+            </a:extLst>
+          </a:blip>
+          <a:srcRect/>
+          <a:stretch>
+            <a:fillRect/>
+          </a:stretch>
+        </p:blipFill>
+        <p:spPr bwMode="auto">
+          <a:xfrm>
+            <a:off x="10380582" y="286603"/>
+            <a:ext cx="1550195" cy="876779"/>
+          </a:xfrm>
+          <a:prstGeom prst="rect">
+            <a:avLst/>
+          </a:prstGeom>
+          <a:noFill/>
+          <a:extLst>
+            <a:ext uri="{909E8E84-426E-40DD-AFC4-6F175D3DCCD1}">
+              <a14:hiddenFill xmlns:a14="http://schemas.microsoft.com/office/drawing/2010/main">
+                <a:solidFill>
+                  <a:srgbClr val="FFFFFF"/>
+                </a:solidFill>
+              </a14:hiddenFill>
+            </a:ext>
+          </a:extLst>
+        </p:spPr>
+      </p:pic>
+    </p:spTree>
+    <p:extLst>
+      <p:ext uri="{BB962C8B-B14F-4D97-AF65-F5344CB8AC3E}">
+        <p14:creationId xmlns:p14="http://schemas.microsoft.com/office/powerpoint/2010/main" val="316983045"/>
+      </p:ext>
+    </p:extLst>
+  </p:cSld>
+  <p:clrMapOvr>
+    <a:masterClrMapping/>
+  </p:clrMapOvr>
+</p:sld>
+</file>
+
+<file path=ppt/slides/slide88.xml><?xml version="1.0" encoding="utf-8"?>
+<p:sld xmlns:a="http://schemas.openxmlformats.org/drawingml/2006/main" xmlns:r="http://schemas.openxmlformats.org/officeDocument/2006/relationships" xmlns:p="http://schemas.openxmlformats.org/presentationml/2006/main">
+  <p:cSld>
+    <p:spTree>
+      <p:nvGrpSpPr>
+        <p:cNvPr id="1" name=""/>
+        <p:cNvGrpSpPr/>
+        <p:nvPr/>
+      </p:nvGrpSpPr>
+      <p:grpSpPr>
+        <a:xfrm>
+          <a:off x="0" y="0"/>
+          <a:ext cx="0" cy="0"/>
+          <a:chOff x="0" y="0"/>
+          <a:chExt cx="0" cy="0"/>
+        </a:xfrm>
+      </p:grpSpPr>
+      <p:sp>
+        <p:nvSpPr>
+          <p:cNvPr id="3" name="Titre 1">
+            <a:extLst>
+              <a:ext uri="{FF2B5EF4-FFF2-40B4-BE49-F238E27FC236}">
+                <a16:creationId xmlns:a16="http://schemas.microsoft.com/office/drawing/2014/main" id="{E7373E66-041F-37D5-0ADF-25BA87ABC979}"/>
+              </a:ext>
+            </a:extLst>
+          </p:cNvPr>
+          <p:cNvSpPr>
+            <a:spLocks noGrp="1"/>
+          </p:cNvSpPr>
+          <p:nvPr>
+            <p:ph type="title"/>
+          </p:nvPr>
+        </p:nvSpPr>
+        <p:spPr>
+          <a:xfrm>
+            <a:off x="1097279" y="286603"/>
+            <a:ext cx="11167425" cy="1450757"/>
+          </a:xfrm>
+        </p:spPr>
+        <p:txBody>
+          <a:bodyPr>
+            <a:normAutofit/>
+          </a:bodyPr>
+          <a:lstStyle/>
+          <a:p>
+            <a:r>
+              <a:rPr lang="fr-FR" dirty="0"/>
+              <a:t>IX- Les évènements </a:t>
+            </a:r>
+            <a:br>
+              <a:rPr lang="fr-FR" dirty="0"/>
+            </a:br>
+            <a:r>
+              <a:rPr lang="fr-FR" dirty="0"/>
+              <a:t>	</a:t>
+            </a:r>
+            <a:r>
+              <a:rPr lang="fr-FR" sz="3600" i="1" dirty="0"/>
+              <a:t>  2. Les écouteurs on…</a:t>
+            </a:r>
+          </a:p>
+        </p:txBody>
+      </p:sp>
+      <p:sp>
+        <p:nvSpPr>
+          <p:cNvPr id="4" name="ZoneTexte 3">
+            <a:extLst>
+              <a:ext uri="{FF2B5EF4-FFF2-40B4-BE49-F238E27FC236}">
+                <a16:creationId xmlns:a16="http://schemas.microsoft.com/office/drawing/2014/main" id="{68D493F2-3FA0-16D4-01C6-572CC7863DF5}"/>
+              </a:ext>
+            </a:extLst>
+          </p:cNvPr>
+          <p:cNvSpPr txBox="1"/>
+          <p:nvPr/>
+        </p:nvSpPr>
+        <p:spPr>
+          <a:xfrm>
+            <a:off x="1333850" y="2449585"/>
+            <a:ext cx="9806730" cy="2092881"/>
+          </a:xfrm>
+          <a:prstGeom prst="rect">
+            <a:avLst/>
+          </a:prstGeom>
+          <a:noFill/>
+        </p:spPr>
+        <p:txBody>
+          <a:bodyPr wrap="square" rtlCol="0">
+            <a:spAutoFit/>
+          </a:bodyPr>
+          <a:lstStyle/>
+          <a:p>
+            <a:r>
+              <a:rPr lang="fr-FR" sz="2800" dirty="0"/>
+              <a:t>Les écouteurs de types on… peuvent être utilisés:</a:t>
+            </a:r>
+          </a:p>
+          <a:p>
+            <a:endParaRPr lang="fr-FR" sz="2800" dirty="0"/>
+          </a:p>
+          <a:p>
+            <a:pPr marL="285750" indent="-285750">
+              <a:buFont typeface="Arial" panose="020B0604020202020204" pitchFamily="34" charset="0"/>
+              <a:buChar char="•"/>
+            </a:pPr>
+            <a:r>
+              <a:rPr lang="fr-FR" sz="2800" dirty="0"/>
+              <a:t>directement dans le html en </a:t>
+            </a:r>
+            <a:r>
+              <a:rPr lang="fr-FR" sz="2800" dirty="0" err="1"/>
+              <a:t>inline</a:t>
+            </a:r>
+            <a:r>
+              <a:rPr lang="fr-FR" sz="2800" dirty="0"/>
+              <a:t> ( comme le </a:t>
+            </a:r>
+            <a:r>
+              <a:rPr lang="fr-FR" sz="2800" dirty="0" err="1"/>
+              <a:t>css</a:t>
+            </a:r>
+            <a:r>
+              <a:rPr lang="fr-FR" sz="2800" dirty="0"/>
+              <a:t>)</a:t>
+            </a:r>
+          </a:p>
+          <a:p>
+            <a:pPr marL="285750" indent="-285750">
+              <a:buFont typeface="Arial" panose="020B0604020202020204" pitchFamily="34" charset="0"/>
+              <a:buChar char="•"/>
+            </a:pPr>
+            <a:r>
+              <a:rPr lang="fr-FR" sz="2800" dirty="0"/>
+              <a:t>Sur un script à part  </a:t>
+            </a:r>
+          </a:p>
+          <a:p>
+            <a:r>
+              <a:rPr lang="fr-FR" dirty="0"/>
+              <a:t> </a:t>
+            </a:r>
+          </a:p>
+        </p:txBody>
+      </p:sp>
+      <p:sp>
+        <p:nvSpPr>
+          <p:cNvPr id="5" name="ZoneTexte 4">
+            <a:extLst>
+              <a:ext uri="{FF2B5EF4-FFF2-40B4-BE49-F238E27FC236}">
+                <a16:creationId xmlns:a16="http://schemas.microsoft.com/office/drawing/2014/main" id="{879A148B-B2CB-AD62-6069-EE721D219390}"/>
+              </a:ext>
+            </a:extLst>
+          </p:cNvPr>
+          <p:cNvSpPr txBox="1"/>
+          <p:nvPr/>
+        </p:nvSpPr>
+        <p:spPr>
+          <a:xfrm>
+            <a:off x="2313683" y="5283215"/>
+            <a:ext cx="9700750" cy="369332"/>
+          </a:xfrm>
+          <a:prstGeom prst="rect">
+            <a:avLst/>
+          </a:prstGeom>
+          <a:noFill/>
+        </p:spPr>
+        <p:txBody>
+          <a:bodyPr wrap="square" rtlCol="0">
+            <a:spAutoFit/>
+          </a:bodyPr>
+          <a:lstStyle/>
+          <a:p>
+            <a:r>
+              <a:rPr lang="fr-FR" dirty="0"/>
+              <a:t>Les écouteurs on.. Sont des méthodes qui tendent à disparaitre</a:t>
+            </a:r>
+          </a:p>
+        </p:txBody>
+      </p:sp>
+      <p:pic>
+        <p:nvPicPr>
+          <p:cNvPr id="2" name="Picture 12" descr="JavaScript Logo et symbole, sens, histoire, PNG, marque">
+            <a:extLst>
+              <a:ext uri="{FF2B5EF4-FFF2-40B4-BE49-F238E27FC236}">
+                <a16:creationId xmlns:a16="http://schemas.microsoft.com/office/drawing/2014/main" id="{B02E4448-F103-E37E-EFAF-41A830569C34}"/>
+              </a:ext>
+            </a:extLst>
+          </p:cNvPr>
+          <p:cNvPicPr>
+            <a:picLocks noChangeAspect="1" noChangeArrowheads="1"/>
+          </p:cNvPicPr>
+          <p:nvPr/>
+        </p:nvPicPr>
+        <p:blipFill>
+          <a:blip r:embed="rId2">
+            <a:extLst>
+              <a:ext uri="{28A0092B-C50C-407E-A947-70E740481C1C}">
+                <a14:useLocalDpi xmlns:a14="http://schemas.microsoft.com/office/drawing/2010/main" val="0"/>
+              </a:ext>
+            </a:extLst>
+          </a:blip>
+          <a:srcRect/>
+          <a:stretch>
+            <a:fillRect/>
+          </a:stretch>
+        </p:blipFill>
+        <p:spPr bwMode="auto">
+          <a:xfrm>
+            <a:off x="10380582" y="286603"/>
+            <a:ext cx="1550195" cy="876779"/>
+          </a:xfrm>
+          <a:prstGeom prst="rect">
+            <a:avLst/>
+          </a:prstGeom>
+          <a:noFill/>
+          <a:extLst>
+            <a:ext uri="{909E8E84-426E-40DD-AFC4-6F175D3DCCD1}">
+              <a14:hiddenFill xmlns:a14="http://schemas.microsoft.com/office/drawing/2010/main">
+                <a:solidFill>
+                  <a:srgbClr val="FFFFFF"/>
+                </a:solidFill>
+              </a14:hiddenFill>
+            </a:ext>
+          </a:extLst>
+        </p:spPr>
+      </p:pic>
+    </p:spTree>
+    <p:extLst>
+      <p:ext uri="{BB962C8B-B14F-4D97-AF65-F5344CB8AC3E}">
+        <p14:creationId xmlns:p14="http://schemas.microsoft.com/office/powerpoint/2010/main" val="1381700047"/>
+      </p:ext>
+    </p:extLst>
+  </p:cSld>
+  <p:clrMapOvr>
+    <a:masterClrMapping/>
+  </p:clrMapOvr>
+</p:sld>
+</file>
+
+<file path=ppt/slides/slide89.xml><?xml version="1.0" encoding="utf-8"?>
+<p:sld xmlns:a="http://schemas.openxmlformats.org/drawingml/2006/main" xmlns:r="http://schemas.openxmlformats.org/officeDocument/2006/relationships" xmlns:p="http://schemas.openxmlformats.org/presentationml/2006/main">
+  <p:cSld>
+    <p:spTree>
+      <p:nvGrpSpPr>
+        <p:cNvPr id="1" name=""/>
+        <p:cNvGrpSpPr/>
+        <p:nvPr/>
+      </p:nvGrpSpPr>
+      <p:grpSpPr>
+        <a:xfrm>
+          <a:off x="0" y="0"/>
+          <a:ext cx="0" cy="0"/>
+          <a:chOff x="0" y="0"/>
+          <a:chExt cx="0" cy="0"/>
+        </a:xfrm>
+      </p:grpSpPr>
+      <p:sp>
+        <p:nvSpPr>
+          <p:cNvPr id="3" name="Titre 1">
+            <a:extLst>
+              <a:ext uri="{FF2B5EF4-FFF2-40B4-BE49-F238E27FC236}">
+                <a16:creationId xmlns:a16="http://schemas.microsoft.com/office/drawing/2014/main" id="{E7373E66-041F-37D5-0ADF-25BA87ABC979}"/>
+              </a:ext>
+            </a:extLst>
+          </p:cNvPr>
+          <p:cNvSpPr>
+            <a:spLocks noGrp="1"/>
+          </p:cNvSpPr>
+          <p:nvPr>
+            <p:ph type="title"/>
+          </p:nvPr>
+        </p:nvSpPr>
+        <p:spPr>
+          <a:xfrm>
+            <a:off x="1097279" y="286603"/>
+            <a:ext cx="11167425" cy="1450757"/>
+          </a:xfrm>
+        </p:spPr>
+        <p:txBody>
+          <a:bodyPr>
+            <a:normAutofit/>
+          </a:bodyPr>
+          <a:lstStyle/>
+          <a:p>
+            <a:r>
+              <a:rPr lang="fr-FR" dirty="0"/>
+              <a:t>IX- Les évènements </a:t>
+            </a:r>
+            <a:br>
+              <a:rPr lang="fr-FR" dirty="0"/>
+            </a:br>
+            <a:r>
+              <a:rPr lang="fr-FR" dirty="0"/>
+              <a:t>	</a:t>
+            </a:r>
+            <a:r>
+              <a:rPr lang="fr-FR" sz="3600" i="1" dirty="0"/>
+              <a:t>  2. Les gestionnaire d’évènements </a:t>
+            </a:r>
+          </a:p>
+        </p:txBody>
+      </p:sp>
+      <p:sp>
+        <p:nvSpPr>
+          <p:cNvPr id="4" name="ZoneTexte 3">
+            <a:extLst>
+              <a:ext uri="{FF2B5EF4-FFF2-40B4-BE49-F238E27FC236}">
+                <a16:creationId xmlns:a16="http://schemas.microsoft.com/office/drawing/2014/main" id="{F48D1965-5159-6736-5F19-C7327EFCE6B4}"/>
+              </a:ext>
+            </a:extLst>
+          </p:cNvPr>
+          <p:cNvSpPr txBox="1"/>
+          <p:nvPr/>
+        </p:nvSpPr>
+        <p:spPr>
+          <a:xfrm>
+            <a:off x="914399" y="2465523"/>
+            <a:ext cx="10687575" cy="1477328"/>
+          </a:xfrm>
+          <a:prstGeom prst="rect">
+            <a:avLst/>
+          </a:prstGeom>
+          <a:noFill/>
+        </p:spPr>
+        <p:txBody>
+          <a:bodyPr wrap="square" rtlCol="0">
+            <a:spAutoFit/>
+          </a:bodyPr>
+          <a:lstStyle/>
+          <a:p>
+            <a:r>
+              <a:rPr lang="fr-FR" dirty="0"/>
+              <a:t>On privilégie l’utilisation de l’écouteur du gestionnaire d’évènements </a:t>
+            </a:r>
+            <a:r>
+              <a:rPr lang="fr-FR" dirty="0">
+                <a:sym typeface="Wingdings" panose="05000000000000000000" pitchFamily="2" charset="2"/>
+              </a:rPr>
+              <a:t> </a:t>
+            </a:r>
+            <a:r>
+              <a:rPr lang="fr-FR" b="1" dirty="0" err="1">
+                <a:sym typeface="Wingdings" panose="05000000000000000000" pitchFamily="2" charset="2"/>
+              </a:rPr>
+              <a:t>addEvenListener</a:t>
+            </a:r>
+            <a:r>
+              <a:rPr lang="fr-FR" b="1" dirty="0">
+                <a:sym typeface="Wingdings" panose="05000000000000000000" pitchFamily="2" charset="2"/>
+              </a:rPr>
+              <a:t>()</a:t>
+            </a:r>
+          </a:p>
+          <a:p>
+            <a:endParaRPr lang="fr-FR" dirty="0">
+              <a:sym typeface="Wingdings" panose="05000000000000000000" pitchFamily="2" charset="2"/>
+            </a:endParaRPr>
+          </a:p>
+          <a:p>
+            <a:r>
+              <a:rPr lang="fr-FR" dirty="0"/>
+              <a:t>Elle prend </a:t>
+            </a:r>
+            <a:r>
+              <a:rPr lang="fr-FR" b="1" dirty="0"/>
+              <a:t>deux arguments</a:t>
+            </a:r>
+            <a:r>
+              <a:rPr lang="fr-FR" dirty="0"/>
+              <a:t>: le premier argument est </a:t>
+            </a:r>
+            <a:r>
+              <a:rPr lang="fr-FR" b="1" dirty="0"/>
+              <a:t>le type d'événement </a:t>
+            </a:r>
+            <a:r>
+              <a:rPr lang="fr-FR" dirty="0"/>
+              <a:t>que l'on souhaite écouter et le deuxième argument est une </a:t>
+            </a:r>
+            <a:r>
+              <a:rPr lang="fr-FR" b="1" dirty="0"/>
+              <a:t>fonction de rappel </a:t>
+            </a:r>
+            <a:r>
+              <a:rPr lang="fr-FR" dirty="0"/>
+              <a:t>(ou "callback") qui sera exécutée chaque fois que l'événement se produit.</a:t>
+            </a:r>
+          </a:p>
+        </p:txBody>
+      </p:sp>
+      <p:pic>
+        <p:nvPicPr>
+          <p:cNvPr id="5" name="Image 4">
+            <a:extLst>
+              <a:ext uri="{FF2B5EF4-FFF2-40B4-BE49-F238E27FC236}">
+                <a16:creationId xmlns:a16="http://schemas.microsoft.com/office/drawing/2014/main" id="{776074B8-1BC6-423D-5D24-9A531A7C4743}"/>
+              </a:ext>
+            </a:extLst>
+          </p:cNvPr>
+          <p:cNvPicPr>
+            <a:picLocks noChangeAspect="1"/>
+          </p:cNvPicPr>
+          <p:nvPr/>
+        </p:nvPicPr>
+        <p:blipFill>
+          <a:blip r:embed="rId2"/>
+          <a:stretch>
+            <a:fillRect/>
+          </a:stretch>
+        </p:blipFill>
+        <p:spPr>
+          <a:xfrm>
+            <a:off x="2927348" y="4201652"/>
+            <a:ext cx="5229955" cy="1390844"/>
+          </a:xfrm>
+          <a:prstGeom prst="rect">
+            <a:avLst/>
+          </a:prstGeom>
+        </p:spPr>
+      </p:pic>
+      <p:pic>
+        <p:nvPicPr>
+          <p:cNvPr id="2" name="Picture 12" descr="JavaScript Logo et symbole, sens, histoire, PNG, marque">
+            <a:extLst>
+              <a:ext uri="{FF2B5EF4-FFF2-40B4-BE49-F238E27FC236}">
+                <a16:creationId xmlns:a16="http://schemas.microsoft.com/office/drawing/2014/main" id="{EC8F2766-A8DB-0BE9-00CA-BEC7DA77C599}"/>
+              </a:ext>
+            </a:extLst>
+          </p:cNvPr>
+          <p:cNvPicPr>
+            <a:picLocks noChangeAspect="1" noChangeArrowheads="1"/>
+          </p:cNvPicPr>
+          <p:nvPr/>
+        </p:nvPicPr>
+        <p:blipFill>
+          <a:blip r:embed="rId3">
+            <a:extLst>
+              <a:ext uri="{28A0092B-C50C-407E-A947-70E740481C1C}">
+                <a14:useLocalDpi xmlns:a14="http://schemas.microsoft.com/office/drawing/2010/main" val="0"/>
+              </a:ext>
+            </a:extLst>
+          </a:blip>
+          <a:srcRect/>
+          <a:stretch>
+            <a:fillRect/>
+          </a:stretch>
+        </p:blipFill>
+        <p:spPr bwMode="auto">
+          <a:xfrm>
+            <a:off x="10380582" y="286603"/>
+            <a:ext cx="1550195" cy="876779"/>
+          </a:xfrm>
+          <a:prstGeom prst="rect">
+            <a:avLst/>
+          </a:prstGeom>
+          <a:noFill/>
+          <a:extLst>
+            <a:ext uri="{909E8E84-426E-40DD-AFC4-6F175D3DCCD1}">
+              <a14:hiddenFill xmlns:a14="http://schemas.microsoft.com/office/drawing/2010/main">
+                <a:solidFill>
+                  <a:srgbClr val="FFFFFF"/>
+                </a:solidFill>
+              </a14:hiddenFill>
+            </a:ext>
+          </a:extLst>
+        </p:spPr>
+      </p:pic>
+    </p:spTree>
+    <p:extLst>
+      <p:ext uri="{BB962C8B-B14F-4D97-AF65-F5344CB8AC3E}">
+        <p14:creationId xmlns:p14="http://schemas.microsoft.com/office/powerpoint/2010/main" val="123487459"/>
+      </p:ext>
+    </p:extLst>
+  </p:cSld>
+  <p:clrMapOvr>
+    <a:masterClrMapping/>
+  </p:clrMapOvr>
+</p:sld>
+</file>
+
 <file path=ppt/slides/slide9.xml><?xml version="1.0" encoding="utf-8"?>
 <p:sld xmlns:a="http://schemas.openxmlformats.org/drawingml/2006/main" xmlns:r="http://schemas.openxmlformats.org/officeDocument/2006/relationships" xmlns:p="http://schemas.openxmlformats.org/presentationml/2006/main">
   <p:cSld>
@@ -24096,6 +24807,2127 @@
     <p:extLst>
       <p:ext uri="{BB962C8B-B14F-4D97-AF65-F5344CB8AC3E}">
         <p14:creationId xmlns:p14="http://schemas.microsoft.com/office/powerpoint/2010/main" val="824610988"/>
+      </p:ext>
+    </p:extLst>
+  </p:cSld>
+  <p:clrMapOvr>
+    <a:masterClrMapping/>
+  </p:clrMapOvr>
+</p:sld>
+</file>
+
+<file path=ppt/slides/slide90.xml><?xml version="1.0" encoding="utf-8"?>
+<p:sld xmlns:a="http://schemas.openxmlformats.org/drawingml/2006/main" xmlns:r="http://schemas.openxmlformats.org/officeDocument/2006/relationships" xmlns:p="http://schemas.openxmlformats.org/presentationml/2006/main">
+  <p:cSld>
+    <p:spTree>
+      <p:nvGrpSpPr>
+        <p:cNvPr id="1" name=""/>
+        <p:cNvGrpSpPr/>
+        <p:nvPr/>
+      </p:nvGrpSpPr>
+      <p:grpSpPr>
+        <a:xfrm>
+          <a:off x="0" y="0"/>
+          <a:ext cx="0" cy="0"/>
+          <a:chOff x="0" y="0"/>
+          <a:chExt cx="0" cy="0"/>
+        </a:xfrm>
+      </p:grpSpPr>
+      <p:sp>
+        <p:nvSpPr>
+          <p:cNvPr id="3" name="Titre 1">
+            <a:extLst>
+              <a:ext uri="{FF2B5EF4-FFF2-40B4-BE49-F238E27FC236}">
+                <a16:creationId xmlns:a16="http://schemas.microsoft.com/office/drawing/2014/main" id="{E7373E66-041F-37D5-0ADF-25BA87ABC979}"/>
+              </a:ext>
+            </a:extLst>
+          </p:cNvPr>
+          <p:cNvSpPr>
+            <a:spLocks noGrp="1"/>
+          </p:cNvSpPr>
+          <p:nvPr>
+            <p:ph type="title"/>
+          </p:nvPr>
+        </p:nvSpPr>
+        <p:spPr>
+          <a:xfrm>
+            <a:off x="1097279" y="286603"/>
+            <a:ext cx="11167425" cy="1450757"/>
+          </a:xfrm>
+        </p:spPr>
+        <p:txBody>
+          <a:bodyPr>
+            <a:normAutofit/>
+          </a:bodyPr>
+          <a:lstStyle/>
+          <a:p>
+            <a:r>
+              <a:rPr lang="fr-FR" dirty="0"/>
+              <a:t>IX- Les évènements </a:t>
+            </a:r>
+            <a:br>
+              <a:rPr lang="fr-FR" dirty="0"/>
+            </a:br>
+            <a:r>
+              <a:rPr lang="fr-FR" dirty="0"/>
+              <a:t>	</a:t>
+            </a:r>
+            <a:r>
+              <a:rPr lang="fr-FR" sz="3600" i="1" dirty="0"/>
+              <a:t>  3. Exemple de quelques événements utiles </a:t>
+            </a:r>
+          </a:p>
+        </p:txBody>
+      </p:sp>
+      <p:sp>
+        <p:nvSpPr>
+          <p:cNvPr id="4" name="ZoneTexte 3">
+            <a:extLst>
+              <a:ext uri="{FF2B5EF4-FFF2-40B4-BE49-F238E27FC236}">
+                <a16:creationId xmlns:a16="http://schemas.microsoft.com/office/drawing/2014/main" id="{F48D1965-5159-6736-5F19-C7327EFCE6B4}"/>
+              </a:ext>
+            </a:extLst>
+          </p:cNvPr>
+          <p:cNvSpPr txBox="1"/>
+          <p:nvPr/>
+        </p:nvSpPr>
+        <p:spPr>
+          <a:xfrm>
+            <a:off x="635885" y="2165986"/>
+            <a:ext cx="11167425" cy="3693319"/>
+          </a:xfrm>
+          <a:prstGeom prst="rect">
+            <a:avLst/>
+          </a:prstGeom>
+          <a:noFill/>
+        </p:spPr>
+        <p:txBody>
+          <a:bodyPr wrap="square" rtlCol="0">
+            <a:spAutoFit/>
+          </a:bodyPr>
+          <a:lstStyle/>
+          <a:p>
+            <a:r>
+              <a:rPr lang="fr-FR" sz="2400" b="1" dirty="0"/>
+              <a:t>Click</a:t>
+            </a:r>
+            <a:r>
+              <a:rPr lang="fr-FR" sz="2400" dirty="0"/>
+              <a:t> : Déclenche un évènement </a:t>
+            </a:r>
+            <a:r>
+              <a:rPr lang="fr-FR" sz="2400" b="1" dirty="0"/>
+              <a:t>au click </a:t>
+            </a:r>
+          </a:p>
+          <a:p>
+            <a:endParaRPr lang="fr-FR" sz="2400" b="1" dirty="0"/>
+          </a:p>
+          <a:p>
+            <a:r>
+              <a:rPr lang="fr-FR" sz="2400" b="1" dirty="0" err="1"/>
+              <a:t>Mouseenter</a:t>
+            </a:r>
+            <a:r>
+              <a:rPr lang="fr-FR" sz="2400" dirty="0"/>
+              <a:t>: Déclenche un évènement au </a:t>
+            </a:r>
+            <a:r>
+              <a:rPr lang="fr-FR" sz="2400" b="1" dirty="0"/>
+              <a:t>survol en entrant sur un élément</a:t>
+            </a:r>
+          </a:p>
+          <a:p>
+            <a:r>
+              <a:rPr lang="fr-FR" sz="2400" b="1" dirty="0"/>
+              <a:t> </a:t>
+            </a:r>
+          </a:p>
+          <a:p>
+            <a:r>
+              <a:rPr lang="fr-FR" sz="2400" b="1" dirty="0" err="1"/>
+              <a:t>Mouseleave</a:t>
+            </a:r>
+            <a:r>
+              <a:rPr lang="fr-FR" sz="2400" dirty="0"/>
+              <a:t>: Déclenche un évènement au </a:t>
+            </a:r>
+            <a:r>
+              <a:rPr lang="fr-FR" sz="2400" b="1" dirty="0"/>
+              <a:t>survol  en sortant d’un élément</a:t>
+            </a:r>
+          </a:p>
+          <a:p>
+            <a:endParaRPr lang="fr-FR" sz="2400" b="1" dirty="0"/>
+          </a:p>
+          <a:p>
+            <a:r>
+              <a:rPr lang="fr-FR" sz="2400" b="1" dirty="0" err="1"/>
+              <a:t>Keydown</a:t>
+            </a:r>
+            <a:r>
+              <a:rPr lang="fr-FR" sz="2400" dirty="0"/>
+              <a:t>: </a:t>
+            </a:r>
+            <a:r>
+              <a:rPr lang="fr-FR" sz="2400" kern="1200" dirty="0">
+                <a:solidFill>
+                  <a:srgbClr val="000000"/>
+                </a:solidFill>
+                <a:effectLst/>
+                <a:latin typeface="Franklin Gothic Book" panose="020B0503020102020204" pitchFamily="34" charset="0"/>
+                <a:ea typeface="+mn-ea"/>
+                <a:cs typeface="+mn-cs"/>
+              </a:rPr>
+              <a:t>Déclenche un évènement </a:t>
+            </a:r>
+            <a:r>
+              <a:rPr lang="fr-FR" sz="2400" dirty="0">
+                <a:solidFill>
+                  <a:srgbClr val="000000"/>
+                </a:solidFill>
+                <a:latin typeface="Franklin Gothic Book" panose="020B0503020102020204" pitchFamily="34" charset="0"/>
+              </a:rPr>
+              <a:t>en </a:t>
+            </a:r>
+            <a:r>
+              <a:rPr lang="fr-FR" sz="2400" b="1" dirty="0">
+                <a:solidFill>
+                  <a:srgbClr val="000000"/>
+                </a:solidFill>
+                <a:latin typeface="Franklin Gothic Book" panose="020B0503020102020204" pitchFamily="34" charset="0"/>
+              </a:rPr>
+              <a:t>appuyant sur une touche du clavier</a:t>
+            </a:r>
+          </a:p>
+          <a:p>
+            <a:r>
+              <a:rPr lang="fr-FR" sz="2400" b="1" dirty="0">
+                <a:solidFill>
+                  <a:srgbClr val="000000"/>
+                </a:solidFill>
+                <a:latin typeface="Franklin Gothic Book" panose="020B0503020102020204" pitchFamily="34" charset="0"/>
+              </a:rPr>
+              <a:t> </a:t>
+            </a:r>
+          </a:p>
+          <a:p>
+            <a:r>
+              <a:rPr lang="fr-FR" sz="2400" b="1" dirty="0" err="1">
+                <a:solidFill>
+                  <a:srgbClr val="000000"/>
+                </a:solidFill>
+                <a:latin typeface="Franklin Gothic Book" panose="020B0503020102020204" pitchFamily="34" charset="0"/>
+              </a:rPr>
+              <a:t>Submit</a:t>
+            </a:r>
+            <a:r>
+              <a:rPr lang="fr-FR" sz="2400" dirty="0">
+                <a:solidFill>
+                  <a:srgbClr val="000000"/>
+                </a:solidFill>
+                <a:latin typeface="Franklin Gothic Book" panose="020B0503020102020204" pitchFamily="34" charset="0"/>
+              </a:rPr>
+              <a:t>: </a:t>
+            </a:r>
+            <a:r>
+              <a:rPr lang="fr-FR" sz="2400" kern="1200" dirty="0">
+                <a:solidFill>
+                  <a:srgbClr val="000000"/>
+                </a:solidFill>
+                <a:effectLst/>
+                <a:latin typeface="Franklin Gothic Book" panose="020B0503020102020204" pitchFamily="34" charset="0"/>
+                <a:ea typeface="+mn-ea"/>
+                <a:cs typeface="+mn-cs"/>
+              </a:rPr>
+              <a:t>Déclenche un évènement </a:t>
+            </a:r>
+            <a:r>
+              <a:rPr lang="fr-FR" sz="2400" b="1" kern="1200" dirty="0">
+                <a:solidFill>
+                  <a:srgbClr val="000000"/>
+                </a:solidFill>
+                <a:effectLst/>
+                <a:latin typeface="Franklin Gothic Book" panose="020B0503020102020204" pitchFamily="34" charset="0"/>
+                <a:ea typeface="+mn-ea"/>
+                <a:cs typeface="+mn-cs"/>
+              </a:rPr>
+              <a:t>lorsqu’on soume</a:t>
+            </a:r>
+            <a:r>
+              <a:rPr lang="fr-FR" sz="2400" b="1" dirty="0">
+                <a:solidFill>
+                  <a:srgbClr val="000000"/>
+                </a:solidFill>
+                <a:latin typeface="Franklin Gothic Book" panose="020B0503020102020204" pitchFamily="34" charset="0"/>
+              </a:rPr>
+              <a:t>t un formulaire </a:t>
+            </a:r>
+          </a:p>
+          <a:p>
+            <a:r>
+              <a:rPr lang="fr-FR" dirty="0">
+                <a:solidFill>
+                  <a:srgbClr val="000000"/>
+                </a:solidFill>
+                <a:latin typeface="Franklin Gothic Book" panose="020B0503020102020204" pitchFamily="34" charset="0"/>
+              </a:rPr>
+              <a:t> </a:t>
+            </a:r>
+            <a:r>
+              <a:rPr lang="fr-FR" dirty="0"/>
+              <a:t> </a:t>
+            </a:r>
+          </a:p>
+        </p:txBody>
+      </p:sp>
+      <p:pic>
+        <p:nvPicPr>
+          <p:cNvPr id="2" name="Picture 12" descr="JavaScript Logo et symbole, sens, histoire, PNG, marque">
+            <a:extLst>
+              <a:ext uri="{FF2B5EF4-FFF2-40B4-BE49-F238E27FC236}">
+                <a16:creationId xmlns:a16="http://schemas.microsoft.com/office/drawing/2014/main" id="{06629C44-41FD-D088-92DB-0B2E6F179BFF}"/>
+              </a:ext>
+            </a:extLst>
+          </p:cNvPr>
+          <p:cNvPicPr>
+            <a:picLocks noChangeAspect="1" noChangeArrowheads="1"/>
+          </p:cNvPicPr>
+          <p:nvPr/>
+        </p:nvPicPr>
+        <p:blipFill>
+          <a:blip r:embed="rId2">
+            <a:extLst>
+              <a:ext uri="{28A0092B-C50C-407E-A947-70E740481C1C}">
+                <a14:useLocalDpi xmlns:a14="http://schemas.microsoft.com/office/drawing/2010/main" val="0"/>
+              </a:ext>
+            </a:extLst>
+          </a:blip>
+          <a:srcRect/>
+          <a:stretch>
+            <a:fillRect/>
+          </a:stretch>
+        </p:blipFill>
+        <p:spPr bwMode="auto">
+          <a:xfrm>
+            <a:off x="10380582" y="286603"/>
+            <a:ext cx="1550195" cy="876779"/>
+          </a:xfrm>
+          <a:prstGeom prst="rect">
+            <a:avLst/>
+          </a:prstGeom>
+          <a:noFill/>
+          <a:extLst>
+            <a:ext uri="{909E8E84-426E-40DD-AFC4-6F175D3DCCD1}">
+              <a14:hiddenFill xmlns:a14="http://schemas.microsoft.com/office/drawing/2010/main">
+                <a:solidFill>
+                  <a:srgbClr val="FFFFFF"/>
+                </a:solidFill>
+              </a14:hiddenFill>
+            </a:ext>
+          </a:extLst>
+        </p:spPr>
+      </p:pic>
+    </p:spTree>
+    <p:extLst>
+      <p:ext uri="{BB962C8B-B14F-4D97-AF65-F5344CB8AC3E}">
+        <p14:creationId xmlns:p14="http://schemas.microsoft.com/office/powerpoint/2010/main" val="2759005723"/>
+      </p:ext>
+    </p:extLst>
+  </p:cSld>
+  <p:clrMapOvr>
+    <a:masterClrMapping/>
+  </p:clrMapOvr>
+</p:sld>
+</file>
+
+<file path=ppt/slides/slide91.xml><?xml version="1.0" encoding="utf-8"?>
+<p:sld xmlns:a="http://schemas.openxmlformats.org/drawingml/2006/main" xmlns:r="http://schemas.openxmlformats.org/officeDocument/2006/relationships" xmlns:p="http://schemas.openxmlformats.org/presentationml/2006/main">
+  <p:cSld>
+    <p:spTree>
+      <p:nvGrpSpPr>
+        <p:cNvPr id="1" name=""/>
+        <p:cNvGrpSpPr/>
+        <p:nvPr/>
+      </p:nvGrpSpPr>
+      <p:grpSpPr>
+        <a:xfrm>
+          <a:off x="0" y="0"/>
+          <a:ext cx="0" cy="0"/>
+          <a:chOff x="0" y="0"/>
+          <a:chExt cx="0" cy="0"/>
+        </a:xfrm>
+      </p:grpSpPr>
+      <p:sp>
+        <p:nvSpPr>
+          <p:cNvPr id="3" name="Titre 1">
+            <a:extLst>
+              <a:ext uri="{FF2B5EF4-FFF2-40B4-BE49-F238E27FC236}">
+                <a16:creationId xmlns:a16="http://schemas.microsoft.com/office/drawing/2014/main" id="{E7373E66-041F-37D5-0ADF-25BA87ABC979}"/>
+              </a:ext>
+            </a:extLst>
+          </p:cNvPr>
+          <p:cNvSpPr>
+            <a:spLocks noGrp="1"/>
+          </p:cNvSpPr>
+          <p:nvPr>
+            <p:ph type="title"/>
+          </p:nvPr>
+        </p:nvSpPr>
+        <p:spPr>
+          <a:xfrm>
+            <a:off x="1097279" y="286603"/>
+            <a:ext cx="11167425" cy="1450757"/>
+          </a:xfrm>
+        </p:spPr>
+        <p:txBody>
+          <a:bodyPr>
+            <a:normAutofit/>
+          </a:bodyPr>
+          <a:lstStyle/>
+          <a:p>
+            <a:r>
+              <a:rPr lang="fr-FR" dirty="0"/>
+              <a:t>IX- Les évènements </a:t>
+            </a:r>
+            <a:br>
+              <a:rPr lang="fr-FR" dirty="0"/>
+            </a:br>
+            <a:r>
+              <a:rPr lang="fr-FR" dirty="0"/>
+              <a:t>	</a:t>
+            </a:r>
+            <a:r>
+              <a:rPr lang="fr-FR" sz="3600" i="1" dirty="0"/>
+              <a:t>  3. Exemple de quelques événements utiles </a:t>
+            </a:r>
+          </a:p>
+        </p:txBody>
+      </p:sp>
+      <p:sp>
+        <p:nvSpPr>
+          <p:cNvPr id="4" name="ZoneTexte 3">
+            <a:extLst>
+              <a:ext uri="{FF2B5EF4-FFF2-40B4-BE49-F238E27FC236}">
+                <a16:creationId xmlns:a16="http://schemas.microsoft.com/office/drawing/2014/main" id="{F48D1965-5159-6736-5F19-C7327EFCE6B4}"/>
+              </a:ext>
+            </a:extLst>
+          </p:cNvPr>
+          <p:cNvSpPr txBox="1"/>
+          <p:nvPr/>
+        </p:nvSpPr>
+        <p:spPr>
+          <a:xfrm>
+            <a:off x="635885" y="2165986"/>
+            <a:ext cx="11167425" cy="3693319"/>
+          </a:xfrm>
+          <a:prstGeom prst="rect">
+            <a:avLst/>
+          </a:prstGeom>
+          <a:noFill/>
+        </p:spPr>
+        <p:txBody>
+          <a:bodyPr wrap="square" rtlCol="0">
+            <a:spAutoFit/>
+          </a:bodyPr>
+          <a:lstStyle/>
+          <a:p>
+            <a:pPr marL="0" algn="l" rtl="0" eaLnBrk="1" latinLnBrk="0" hangingPunct="1">
+              <a:spcBef>
+                <a:spcPts val="0"/>
+              </a:spcBef>
+              <a:spcAft>
+                <a:spcPts val="0"/>
+              </a:spcAft>
+            </a:pPr>
+            <a:r>
+              <a:rPr lang="fr-FR" sz="2400" b="1" kern="1200" dirty="0">
+                <a:solidFill>
+                  <a:srgbClr val="000000"/>
+                </a:solidFill>
+                <a:effectLst/>
+                <a:latin typeface="Franklin Gothic Book" panose="020B0503020102020204" pitchFamily="34" charset="0"/>
+                <a:ea typeface="+mn-ea"/>
+                <a:cs typeface="+mn-cs"/>
+              </a:rPr>
+              <a:t>Input</a:t>
+            </a:r>
+            <a:r>
+              <a:rPr lang="fr-FR" sz="2400" kern="1200" dirty="0">
+                <a:solidFill>
+                  <a:srgbClr val="000000"/>
+                </a:solidFill>
+                <a:effectLst/>
+                <a:latin typeface="Franklin Gothic Book" panose="020B0503020102020204" pitchFamily="34" charset="0"/>
+                <a:ea typeface="+mn-ea"/>
+                <a:cs typeface="+mn-cs"/>
+              </a:rPr>
+              <a:t>: Déclenche un évènement </a:t>
+            </a:r>
+            <a:r>
+              <a:rPr lang="fr-FR" sz="2400" b="1" kern="1200" dirty="0">
+                <a:solidFill>
+                  <a:srgbClr val="000000"/>
+                </a:solidFill>
+                <a:effectLst/>
+                <a:latin typeface="Franklin Gothic Book" panose="020B0503020102020204" pitchFamily="34" charset="0"/>
+                <a:ea typeface="+mn-ea"/>
+                <a:cs typeface="+mn-cs"/>
+              </a:rPr>
+              <a:t>lorsqu’on écrit dans un champ de formulaire</a:t>
+            </a:r>
+          </a:p>
+          <a:p>
+            <a:pPr marL="0" algn="l" rtl="0" eaLnBrk="1" latinLnBrk="0" hangingPunct="1">
+              <a:spcBef>
+                <a:spcPts val="0"/>
+              </a:spcBef>
+              <a:spcAft>
+                <a:spcPts val="0"/>
+              </a:spcAft>
+            </a:pPr>
+            <a:endParaRPr lang="fr-FR" sz="3200" dirty="0">
+              <a:effectLst/>
+            </a:endParaRPr>
+          </a:p>
+          <a:p>
+            <a:pPr marL="0" algn="l" rtl="0" eaLnBrk="1" latinLnBrk="0" hangingPunct="1">
+              <a:spcBef>
+                <a:spcPts val="0"/>
+              </a:spcBef>
+              <a:spcAft>
+                <a:spcPts val="0"/>
+              </a:spcAft>
+            </a:pPr>
+            <a:r>
+              <a:rPr lang="fr-FR" sz="2400" b="1" kern="1200" dirty="0" err="1">
+                <a:solidFill>
+                  <a:srgbClr val="000000"/>
+                </a:solidFill>
+                <a:effectLst/>
+                <a:latin typeface="Franklin Gothic Book" panose="020B0503020102020204" pitchFamily="34" charset="0"/>
+                <a:ea typeface="+mn-ea"/>
+                <a:cs typeface="+mn-cs"/>
+              </a:rPr>
+              <a:t>Load</a:t>
+            </a:r>
+            <a:r>
+              <a:rPr lang="fr-FR" sz="2400" kern="1200" dirty="0">
+                <a:solidFill>
+                  <a:srgbClr val="000000"/>
+                </a:solidFill>
+                <a:effectLst/>
+                <a:latin typeface="Franklin Gothic Book" panose="020B0503020102020204" pitchFamily="34" charset="0"/>
+                <a:ea typeface="+mn-ea"/>
+                <a:cs typeface="+mn-cs"/>
+              </a:rPr>
+              <a:t> : Déclenche un évènement lorsque la </a:t>
+            </a:r>
+            <a:r>
+              <a:rPr lang="fr-FR" sz="2400" b="1" kern="1200" dirty="0">
+                <a:solidFill>
+                  <a:srgbClr val="000000"/>
+                </a:solidFill>
+                <a:effectLst/>
+                <a:latin typeface="Franklin Gothic Book" panose="020B0503020102020204" pitchFamily="34" charset="0"/>
+                <a:ea typeface="+mn-ea"/>
+                <a:cs typeface="+mn-cs"/>
+              </a:rPr>
+              <a:t>page est chargée </a:t>
+            </a:r>
+          </a:p>
+          <a:p>
+            <a:pPr marL="0" algn="l" rtl="0" eaLnBrk="1" latinLnBrk="0" hangingPunct="1">
+              <a:spcBef>
+                <a:spcPts val="0"/>
+              </a:spcBef>
+              <a:spcAft>
+                <a:spcPts val="0"/>
+              </a:spcAft>
+            </a:pPr>
+            <a:endParaRPr lang="fr-FR" sz="3200" dirty="0">
+              <a:effectLst/>
+            </a:endParaRPr>
+          </a:p>
+          <a:p>
+            <a:pPr marL="0" algn="l" rtl="0" eaLnBrk="1" latinLnBrk="0" hangingPunct="1">
+              <a:spcBef>
+                <a:spcPts val="0"/>
+              </a:spcBef>
+              <a:spcAft>
+                <a:spcPts val="0"/>
+              </a:spcAft>
+            </a:pPr>
+            <a:r>
+              <a:rPr lang="fr-FR" sz="2400" b="1" kern="1200" dirty="0">
+                <a:solidFill>
+                  <a:srgbClr val="000000"/>
+                </a:solidFill>
+                <a:effectLst/>
+                <a:latin typeface="Franklin Gothic Book" panose="020B0503020102020204" pitchFamily="34" charset="0"/>
+                <a:ea typeface="+mn-ea"/>
+                <a:cs typeface="+mn-cs"/>
+              </a:rPr>
+              <a:t>Scroll</a:t>
+            </a:r>
+            <a:r>
+              <a:rPr lang="fr-FR" sz="2400" kern="1200" dirty="0">
+                <a:solidFill>
+                  <a:srgbClr val="000000"/>
+                </a:solidFill>
+                <a:effectLst/>
+                <a:latin typeface="Franklin Gothic Book" panose="020B0503020102020204" pitchFamily="34" charset="0"/>
+                <a:ea typeface="+mn-ea"/>
+                <a:cs typeface="+mn-cs"/>
+              </a:rPr>
+              <a:t> : Déclenche un évènement lorsqu’on </a:t>
+            </a:r>
+            <a:r>
+              <a:rPr lang="fr-FR" sz="2400" b="1" kern="1200" dirty="0">
+                <a:solidFill>
+                  <a:srgbClr val="000000"/>
+                </a:solidFill>
+                <a:effectLst/>
+                <a:latin typeface="Franklin Gothic Book" panose="020B0503020102020204" pitchFamily="34" charset="0"/>
+                <a:ea typeface="+mn-ea"/>
+                <a:cs typeface="+mn-cs"/>
+              </a:rPr>
+              <a:t>scroll</a:t>
+            </a:r>
+            <a:r>
+              <a:rPr lang="fr-FR" sz="2400" kern="1200" dirty="0">
+                <a:solidFill>
+                  <a:srgbClr val="000000"/>
+                </a:solidFill>
+                <a:effectLst/>
+                <a:latin typeface="Franklin Gothic Book" panose="020B0503020102020204" pitchFamily="34" charset="0"/>
+                <a:ea typeface="+mn-ea"/>
+                <a:cs typeface="+mn-cs"/>
+              </a:rPr>
+              <a:t> </a:t>
+            </a:r>
+          </a:p>
+          <a:p>
+            <a:pPr marL="0" algn="l" rtl="0" eaLnBrk="1" latinLnBrk="0" hangingPunct="1">
+              <a:spcBef>
+                <a:spcPts val="0"/>
+              </a:spcBef>
+              <a:spcAft>
+                <a:spcPts val="0"/>
+              </a:spcAft>
+            </a:pPr>
+            <a:endParaRPr lang="fr-FR" sz="3200" dirty="0">
+              <a:effectLst/>
+            </a:endParaRPr>
+          </a:p>
+          <a:p>
+            <a:pPr marL="0" algn="l" rtl="0" eaLnBrk="1" latinLnBrk="0" hangingPunct="1">
+              <a:spcBef>
+                <a:spcPts val="0"/>
+              </a:spcBef>
+              <a:spcAft>
+                <a:spcPts val="0"/>
+              </a:spcAft>
+            </a:pPr>
+            <a:r>
+              <a:rPr lang="fr-FR" sz="2400" b="1" kern="1200" dirty="0" err="1">
+                <a:solidFill>
+                  <a:srgbClr val="000000"/>
+                </a:solidFill>
+                <a:effectLst/>
+                <a:latin typeface="Franklin Gothic Book" panose="020B0503020102020204" pitchFamily="34" charset="0"/>
+                <a:ea typeface="+mn-ea"/>
+                <a:cs typeface="+mn-cs"/>
+              </a:rPr>
+              <a:t>Resize</a:t>
+            </a:r>
+            <a:r>
+              <a:rPr lang="fr-FR" sz="2400" kern="1200" dirty="0">
+                <a:solidFill>
+                  <a:srgbClr val="000000"/>
+                </a:solidFill>
+                <a:effectLst/>
+                <a:latin typeface="Franklin Gothic Book" panose="020B0503020102020204" pitchFamily="34" charset="0"/>
+                <a:ea typeface="+mn-ea"/>
+                <a:cs typeface="+mn-cs"/>
+              </a:rPr>
+              <a:t>: Déclenche un évènement lorsque l’on </a:t>
+            </a:r>
+            <a:r>
+              <a:rPr lang="fr-FR" sz="2400" b="1" kern="1200" dirty="0">
+                <a:solidFill>
+                  <a:srgbClr val="000000"/>
+                </a:solidFill>
+                <a:effectLst/>
+                <a:latin typeface="Franklin Gothic Book" panose="020B0503020102020204" pitchFamily="34" charset="0"/>
+                <a:ea typeface="+mn-ea"/>
+                <a:cs typeface="+mn-cs"/>
+              </a:rPr>
+              <a:t>redimensionne la fenêtre </a:t>
+            </a:r>
+            <a:r>
+              <a:rPr lang="fr-FR" sz="2400" kern="1200" dirty="0">
+                <a:solidFill>
+                  <a:srgbClr val="000000"/>
+                </a:solidFill>
+                <a:effectLst/>
+                <a:latin typeface="Franklin Gothic Book" panose="020B0503020102020204" pitchFamily="34" charset="0"/>
+                <a:ea typeface="+mn-ea"/>
+                <a:cs typeface="+mn-cs"/>
+              </a:rPr>
+              <a:t>du navigateur </a:t>
+            </a:r>
+            <a:endParaRPr lang="fr-FR" sz="3200" dirty="0">
+              <a:effectLst/>
+            </a:endParaRPr>
+          </a:p>
+          <a:p>
+            <a:r>
+              <a:rPr lang="fr-FR" dirty="0">
+                <a:solidFill>
+                  <a:srgbClr val="000000"/>
+                </a:solidFill>
+                <a:latin typeface="Franklin Gothic Book" panose="020B0503020102020204" pitchFamily="34" charset="0"/>
+              </a:rPr>
+              <a:t> </a:t>
+            </a:r>
+            <a:r>
+              <a:rPr lang="fr-FR" dirty="0"/>
+              <a:t> </a:t>
+            </a:r>
+          </a:p>
+        </p:txBody>
+      </p:sp>
+      <p:pic>
+        <p:nvPicPr>
+          <p:cNvPr id="2" name="Picture 12" descr="JavaScript Logo et symbole, sens, histoire, PNG, marque">
+            <a:extLst>
+              <a:ext uri="{FF2B5EF4-FFF2-40B4-BE49-F238E27FC236}">
+                <a16:creationId xmlns:a16="http://schemas.microsoft.com/office/drawing/2014/main" id="{1C486637-D65C-32DD-7315-2A2DA0DCDF0D}"/>
+              </a:ext>
+            </a:extLst>
+          </p:cNvPr>
+          <p:cNvPicPr>
+            <a:picLocks noChangeAspect="1" noChangeArrowheads="1"/>
+          </p:cNvPicPr>
+          <p:nvPr/>
+        </p:nvPicPr>
+        <p:blipFill>
+          <a:blip r:embed="rId2">
+            <a:extLst>
+              <a:ext uri="{28A0092B-C50C-407E-A947-70E740481C1C}">
+                <a14:useLocalDpi xmlns:a14="http://schemas.microsoft.com/office/drawing/2010/main" val="0"/>
+              </a:ext>
+            </a:extLst>
+          </a:blip>
+          <a:srcRect/>
+          <a:stretch>
+            <a:fillRect/>
+          </a:stretch>
+        </p:blipFill>
+        <p:spPr bwMode="auto">
+          <a:xfrm>
+            <a:off x="10380582" y="286603"/>
+            <a:ext cx="1550195" cy="876779"/>
+          </a:xfrm>
+          <a:prstGeom prst="rect">
+            <a:avLst/>
+          </a:prstGeom>
+          <a:noFill/>
+          <a:extLst>
+            <a:ext uri="{909E8E84-426E-40DD-AFC4-6F175D3DCCD1}">
+              <a14:hiddenFill xmlns:a14="http://schemas.microsoft.com/office/drawing/2010/main">
+                <a:solidFill>
+                  <a:srgbClr val="FFFFFF"/>
+                </a:solidFill>
+              </a14:hiddenFill>
+            </a:ext>
+          </a:extLst>
+        </p:spPr>
+      </p:pic>
+    </p:spTree>
+    <p:extLst>
+      <p:ext uri="{BB962C8B-B14F-4D97-AF65-F5344CB8AC3E}">
+        <p14:creationId xmlns:p14="http://schemas.microsoft.com/office/powerpoint/2010/main" val="4107862165"/>
+      </p:ext>
+    </p:extLst>
+  </p:cSld>
+  <p:clrMapOvr>
+    <a:masterClrMapping/>
+  </p:clrMapOvr>
+</p:sld>
+</file>
+
+<file path=ppt/slides/slide92.xml><?xml version="1.0" encoding="utf-8"?>
+<p:sld xmlns:a="http://schemas.openxmlformats.org/drawingml/2006/main" xmlns:r="http://schemas.openxmlformats.org/officeDocument/2006/relationships" xmlns:p="http://schemas.openxmlformats.org/presentationml/2006/main">
+  <p:cSld>
+    <p:spTree>
+      <p:nvGrpSpPr>
+        <p:cNvPr id="1" name=""/>
+        <p:cNvGrpSpPr/>
+        <p:nvPr/>
+      </p:nvGrpSpPr>
+      <p:grpSpPr>
+        <a:xfrm>
+          <a:off x="0" y="0"/>
+          <a:ext cx="0" cy="0"/>
+          <a:chOff x="0" y="0"/>
+          <a:chExt cx="0" cy="0"/>
+        </a:xfrm>
+      </p:grpSpPr>
+      <p:sp>
+        <p:nvSpPr>
+          <p:cNvPr id="3" name="Titre 1">
+            <a:extLst>
+              <a:ext uri="{FF2B5EF4-FFF2-40B4-BE49-F238E27FC236}">
+                <a16:creationId xmlns:a16="http://schemas.microsoft.com/office/drawing/2014/main" id="{E7373E66-041F-37D5-0ADF-25BA87ABC979}"/>
+              </a:ext>
+            </a:extLst>
+          </p:cNvPr>
+          <p:cNvSpPr>
+            <a:spLocks noGrp="1"/>
+          </p:cNvSpPr>
+          <p:nvPr>
+            <p:ph type="title"/>
+          </p:nvPr>
+        </p:nvSpPr>
+        <p:spPr>
+          <a:xfrm>
+            <a:off x="1097279" y="286603"/>
+            <a:ext cx="11167425" cy="1450757"/>
+          </a:xfrm>
+        </p:spPr>
+        <p:txBody>
+          <a:bodyPr>
+            <a:normAutofit/>
+          </a:bodyPr>
+          <a:lstStyle/>
+          <a:p>
+            <a:r>
+              <a:rPr lang="fr-FR" dirty="0"/>
+              <a:t>IX- Les évènements </a:t>
+            </a:r>
+            <a:br>
+              <a:rPr lang="fr-FR" dirty="0"/>
+            </a:br>
+            <a:r>
+              <a:rPr lang="fr-FR" dirty="0"/>
+              <a:t>	</a:t>
+            </a:r>
+            <a:r>
+              <a:rPr lang="fr-FR" sz="3600" i="1" dirty="0"/>
+              <a:t>  4. Stopper le comportement par default </a:t>
+            </a:r>
+          </a:p>
+        </p:txBody>
+      </p:sp>
+      <p:sp>
+        <p:nvSpPr>
+          <p:cNvPr id="4" name="ZoneTexte 3">
+            <a:extLst>
+              <a:ext uri="{FF2B5EF4-FFF2-40B4-BE49-F238E27FC236}">
+                <a16:creationId xmlns:a16="http://schemas.microsoft.com/office/drawing/2014/main" id="{F48D1965-5159-6736-5F19-C7327EFCE6B4}"/>
+              </a:ext>
+            </a:extLst>
+          </p:cNvPr>
+          <p:cNvSpPr txBox="1"/>
+          <p:nvPr/>
+        </p:nvSpPr>
+        <p:spPr>
+          <a:xfrm>
+            <a:off x="635885" y="2400877"/>
+            <a:ext cx="11167425" cy="2954655"/>
+          </a:xfrm>
+          <a:prstGeom prst="rect">
+            <a:avLst/>
+          </a:prstGeom>
+          <a:noFill/>
+        </p:spPr>
+        <p:txBody>
+          <a:bodyPr wrap="square" rtlCol="0">
+            <a:spAutoFit/>
+          </a:bodyPr>
+          <a:lstStyle/>
+          <a:p>
+            <a:pPr marL="0" algn="l" rtl="0" eaLnBrk="1" latinLnBrk="0" hangingPunct="1">
+              <a:spcBef>
+                <a:spcPts val="0"/>
+              </a:spcBef>
+              <a:spcAft>
+                <a:spcPts val="0"/>
+              </a:spcAft>
+            </a:pPr>
+            <a:r>
+              <a:rPr lang="fr-FR" sz="2400" dirty="0">
+                <a:solidFill>
+                  <a:srgbClr val="000000"/>
+                </a:solidFill>
+                <a:latin typeface="Franklin Gothic Book" panose="020B0503020102020204" pitchFamily="34" charset="0"/>
+              </a:rPr>
+              <a:t>La méthode </a:t>
+            </a:r>
+            <a:r>
+              <a:rPr lang="fr-FR" sz="2400" b="1" dirty="0" err="1">
+                <a:solidFill>
+                  <a:srgbClr val="000000"/>
+                </a:solidFill>
+                <a:latin typeface="Franklin Gothic Book" panose="020B0503020102020204" pitchFamily="34" charset="0"/>
+              </a:rPr>
+              <a:t>preventDefault</a:t>
+            </a:r>
+            <a:r>
+              <a:rPr lang="fr-FR" sz="2400" b="1" dirty="0">
+                <a:solidFill>
+                  <a:srgbClr val="000000"/>
+                </a:solidFill>
+                <a:latin typeface="Franklin Gothic Book" panose="020B0503020102020204" pitchFamily="34" charset="0"/>
+              </a:rPr>
+              <a:t>() </a:t>
+            </a:r>
+            <a:r>
+              <a:rPr lang="fr-FR" sz="2400" dirty="0">
+                <a:solidFill>
+                  <a:srgbClr val="000000"/>
+                </a:solidFill>
+                <a:latin typeface="Franklin Gothic Book" panose="020B0503020102020204" pitchFamily="34" charset="0"/>
+              </a:rPr>
+              <a:t>est utilisée pour stopper le comportement par default</a:t>
+            </a:r>
+          </a:p>
+          <a:p>
+            <a:pPr marL="0" algn="l" rtl="0" eaLnBrk="1" latinLnBrk="0" hangingPunct="1">
+              <a:spcBef>
+                <a:spcPts val="0"/>
+              </a:spcBef>
+              <a:spcAft>
+                <a:spcPts val="0"/>
+              </a:spcAft>
+            </a:pPr>
+            <a:r>
+              <a:rPr lang="fr-FR" sz="2400" dirty="0">
+                <a:solidFill>
+                  <a:srgbClr val="000000"/>
+                </a:solidFill>
+                <a:latin typeface="Franklin Gothic Book" panose="020B0503020102020204" pitchFamily="34" charset="0"/>
+              </a:rPr>
+              <a:t>d’un évènement. </a:t>
+            </a:r>
+          </a:p>
+          <a:p>
+            <a:pPr marL="0" algn="l" rtl="0" eaLnBrk="1" latinLnBrk="0" hangingPunct="1">
+              <a:spcBef>
+                <a:spcPts val="0"/>
+              </a:spcBef>
+              <a:spcAft>
+                <a:spcPts val="0"/>
+              </a:spcAft>
+            </a:pPr>
+            <a:endParaRPr lang="fr-FR" sz="2400" dirty="0">
+              <a:solidFill>
+                <a:srgbClr val="000000"/>
+              </a:solidFill>
+              <a:latin typeface="Franklin Gothic Book" panose="020B0503020102020204" pitchFamily="34" charset="0"/>
+            </a:endParaRPr>
+          </a:p>
+          <a:p>
+            <a:pPr marL="0" algn="l" rtl="0" eaLnBrk="1" latinLnBrk="0" hangingPunct="1">
+              <a:spcBef>
+                <a:spcPts val="0"/>
+              </a:spcBef>
+              <a:spcAft>
+                <a:spcPts val="0"/>
+              </a:spcAft>
+            </a:pPr>
+            <a:endParaRPr lang="fr-FR" sz="2400" dirty="0">
+              <a:solidFill>
+                <a:srgbClr val="000000"/>
+              </a:solidFill>
+              <a:latin typeface="Franklin Gothic Book" panose="020B0503020102020204" pitchFamily="34" charset="0"/>
+            </a:endParaRPr>
+          </a:p>
+          <a:p>
+            <a:pPr marL="0" algn="l" rtl="0" eaLnBrk="1" latinLnBrk="0" hangingPunct="1">
+              <a:spcBef>
+                <a:spcPts val="0"/>
+              </a:spcBef>
+              <a:spcAft>
+                <a:spcPts val="0"/>
+              </a:spcAft>
+            </a:pPr>
+            <a:r>
+              <a:rPr lang="fr-FR" sz="2400" dirty="0">
+                <a:solidFill>
+                  <a:srgbClr val="000000"/>
+                </a:solidFill>
+                <a:latin typeface="Franklin Gothic Book" panose="020B0503020102020204" pitchFamily="34" charset="0"/>
+              </a:rPr>
+              <a:t>Cette méthode est très utilisée lorsque l’on réalise des </a:t>
+            </a:r>
+            <a:r>
+              <a:rPr lang="fr-FR" sz="2400" b="1" dirty="0">
+                <a:solidFill>
+                  <a:srgbClr val="000000"/>
+                </a:solidFill>
+                <a:latin typeface="Franklin Gothic Book" panose="020B0503020102020204" pitchFamily="34" charset="0"/>
+              </a:rPr>
+              <a:t>vérifications sur des formulaires, </a:t>
+            </a:r>
+            <a:r>
+              <a:rPr lang="fr-FR" sz="2400" dirty="0">
+                <a:solidFill>
+                  <a:srgbClr val="000000"/>
+                </a:solidFill>
+                <a:latin typeface="Franklin Gothic Book" panose="020B0503020102020204" pitchFamily="34" charset="0"/>
+              </a:rPr>
+              <a:t>afin d’empêcher que le formulaire soit envoyé avant que le message ne soit vu par l’utilisateur. </a:t>
+            </a:r>
+            <a:endParaRPr lang="fr-FR" sz="3200" dirty="0">
+              <a:effectLst/>
+            </a:endParaRPr>
+          </a:p>
+          <a:p>
+            <a:r>
+              <a:rPr lang="fr-FR" dirty="0">
+                <a:solidFill>
+                  <a:srgbClr val="000000"/>
+                </a:solidFill>
+                <a:latin typeface="Franklin Gothic Book" panose="020B0503020102020204" pitchFamily="34" charset="0"/>
+              </a:rPr>
+              <a:t> </a:t>
+            </a:r>
+            <a:r>
+              <a:rPr lang="fr-FR" dirty="0"/>
+              <a:t> </a:t>
+            </a:r>
+          </a:p>
+        </p:txBody>
+      </p:sp>
+      <p:pic>
+        <p:nvPicPr>
+          <p:cNvPr id="2" name="Picture 12" descr="JavaScript Logo et symbole, sens, histoire, PNG, marque">
+            <a:extLst>
+              <a:ext uri="{FF2B5EF4-FFF2-40B4-BE49-F238E27FC236}">
+                <a16:creationId xmlns:a16="http://schemas.microsoft.com/office/drawing/2014/main" id="{307EA689-4BDE-0F96-63BF-8F3B6A85AE10}"/>
+              </a:ext>
+            </a:extLst>
+          </p:cNvPr>
+          <p:cNvPicPr>
+            <a:picLocks noChangeAspect="1" noChangeArrowheads="1"/>
+          </p:cNvPicPr>
+          <p:nvPr/>
+        </p:nvPicPr>
+        <p:blipFill>
+          <a:blip r:embed="rId2">
+            <a:extLst>
+              <a:ext uri="{28A0092B-C50C-407E-A947-70E740481C1C}">
+                <a14:useLocalDpi xmlns:a14="http://schemas.microsoft.com/office/drawing/2010/main" val="0"/>
+              </a:ext>
+            </a:extLst>
+          </a:blip>
+          <a:srcRect/>
+          <a:stretch>
+            <a:fillRect/>
+          </a:stretch>
+        </p:blipFill>
+        <p:spPr bwMode="auto">
+          <a:xfrm>
+            <a:off x="10380582" y="286603"/>
+            <a:ext cx="1550195" cy="876779"/>
+          </a:xfrm>
+          <a:prstGeom prst="rect">
+            <a:avLst/>
+          </a:prstGeom>
+          <a:noFill/>
+          <a:extLst>
+            <a:ext uri="{909E8E84-426E-40DD-AFC4-6F175D3DCCD1}">
+              <a14:hiddenFill xmlns:a14="http://schemas.microsoft.com/office/drawing/2010/main">
+                <a:solidFill>
+                  <a:srgbClr val="FFFFFF"/>
+                </a:solidFill>
+              </a14:hiddenFill>
+            </a:ext>
+          </a:extLst>
+        </p:spPr>
+      </p:pic>
+    </p:spTree>
+    <p:extLst>
+      <p:ext uri="{BB962C8B-B14F-4D97-AF65-F5344CB8AC3E}">
+        <p14:creationId xmlns:p14="http://schemas.microsoft.com/office/powerpoint/2010/main" val="3680892933"/>
+      </p:ext>
+    </p:extLst>
+  </p:cSld>
+  <p:clrMapOvr>
+    <a:masterClrMapping/>
+  </p:clrMapOvr>
+</p:sld>
+</file>
+
+<file path=ppt/slides/slide93.xml><?xml version="1.0" encoding="utf-8"?>
+<p:sld xmlns:a="http://schemas.openxmlformats.org/drawingml/2006/main" xmlns:r="http://schemas.openxmlformats.org/officeDocument/2006/relationships" xmlns:p="http://schemas.openxmlformats.org/presentationml/2006/main">
+  <p:cSld>
+    <p:spTree>
+      <p:nvGrpSpPr>
+        <p:cNvPr id="1" name=""/>
+        <p:cNvGrpSpPr/>
+        <p:nvPr/>
+      </p:nvGrpSpPr>
+      <p:grpSpPr>
+        <a:xfrm>
+          <a:off x="0" y="0"/>
+          <a:ext cx="0" cy="0"/>
+          <a:chOff x="0" y="0"/>
+          <a:chExt cx="0" cy="0"/>
+        </a:xfrm>
+      </p:grpSpPr>
+      <p:sp>
+        <p:nvSpPr>
+          <p:cNvPr id="3" name="Titre 1">
+            <a:extLst>
+              <a:ext uri="{FF2B5EF4-FFF2-40B4-BE49-F238E27FC236}">
+                <a16:creationId xmlns:a16="http://schemas.microsoft.com/office/drawing/2014/main" id="{E7373E66-041F-37D5-0ADF-25BA87ABC979}"/>
+              </a:ext>
+            </a:extLst>
+          </p:cNvPr>
+          <p:cNvSpPr>
+            <a:spLocks noGrp="1"/>
+          </p:cNvSpPr>
+          <p:nvPr>
+            <p:ph type="title"/>
+          </p:nvPr>
+        </p:nvSpPr>
+        <p:spPr>
+          <a:xfrm>
+            <a:off x="1097279" y="286603"/>
+            <a:ext cx="11167425" cy="1450757"/>
+          </a:xfrm>
+        </p:spPr>
+        <p:txBody>
+          <a:bodyPr>
+            <a:normAutofit/>
+          </a:bodyPr>
+          <a:lstStyle/>
+          <a:p>
+            <a:r>
+              <a:rPr lang="fr-FR" dirty="0"/>
+              <a:t>IX- Les évènements </a:t>
+            </a:r>
+            <a:br>
+              <a:rPr lang="fr-FR" dirty="0"/>
+            </a:br>
+            <a:r>
+              <a:rPr lang="fr-FR" dirty="0"/>
+              <a:t>	</a:t>
+            </a:r>
+            <a:r>
+              <a:rPr lang="fr-FR" sz="3600" i="1" dirty="0"/>
+              <a:t>  5. La propagation des évènements </a:t>
+            </a:r>
+          </a:p>
+        </p:txBody>
+      </p:sp>
+      <p:sp>
+        <p:nvSpPr>
+          <p:cNvPr id="4" name="ZoneTexte 3">
+            <a:extLst>
+              <a:ext uri="{FF2B5EF4-FFF2-40B4-BE49-F238E27FC236}">
+                <a16:creationId xmlns:a16="http://schemas.microsoft.com/office/drawing/2014/main" id="{F2731EE4-07BE-7E1C-DA6A-B75D3E677B44}"/>
+              </a:ext>
+            </a:extLst>
+          </p:cNvPr>
+          <p:cNvSpPr txBox="1"/>
+          <p:nvPr/>
+        </p:nvSpPr>
+        <p:spPr>
+          <a:xfrm>
+            <a:off x="1442905" y="1988191"/>
+            <a:ext cx="10268125" cy="4370427"/>
+          </a:xfrm>
+          <a:prstGeom prst="rect">
+            <a:avLst/>
+          </a:prstGeom>
+          <a:noFill/>
+        </p:spPr>
+        <p:txBody>
+          <a:bodyPr wrap="square" rtlCol="0">
+            <a:spAutoFit/>
+          </a:bodyPr>
+          <a:lstStyle/>
+          <a:p>
+            <a:pPr algn="l"/>
+            <a:r>
+              <a:rPr lang="fr-FR" sz="2000" dirty="0">
+                <a:solidFill>
+                  <a:srgbClr val="000000"/>
+                </a:solidFill>
+                <a:latin typeface="Franklin Gothic Book" panose="020B0503020102020204" pitchFamily="34" charset="0"/>
+              </a:rPr>
+              <a:t>Processus par lequel un événement déclenché sur un élément se propage à travers le DOM, jusqu'à atteindre l'élément racine (document) ou jusqu'à ce qu'un gestionnaire d'événements arrête la propagation.</a:t>
+            </a:r>
+          </a:p>
+          <a:p>
+            <a:pPr algn="l"/>
+            <a:endParaRPr lang="fr-FR" sz="2000" dirty="0">
+              <a:solidFill>
+                <a:srgbClr val="000000"/>
+              </a:solidFill>
+              <a:latin typeface="Franklin Gothic Book" panose="020B0503020102020204" pitchFamily="34" charset="0"/>
+            </a:endParaRPr>
+          </a:p>
+          <a:p>
+            <a:pPr marL="342900" indent="-342900" algn="l">
+              <a:buFont typeface="+mj-lt"/>
+              <a:buAutoNum type="arabicPeriod"/>
+            </a:pPr>
+            <a:r>
+              <a:rPr lang="fr-FR" sz="2000" b="1" dirty="0">
+                <a:solidFill>
+                  <a:srgbClr val="000000"/>
+                </a:solidFill>
+                <a:latin typeface="Franklin Gothic Book" panose="020B0503020102020204" pitchFamily="34" charset="0"/>
+              </a:rPr>
+              <a:t>Phase de capture </a:t>
+            </a:r>
+            <a:r>
+              <a:rPr lang="fr-FR" sz="2000" dirty="0">
+                <a:solidFill>
+                  <a:srgbClr val="000000"/>
+                </a:solidFill>
+                <a:latin typeface="Franklin Gothic Book" panose="020B0503020102020204" pitchFamily="34" charset="0"/>
+              </a:rPr>
+              <a:t>: Dans la phase de capture, l'événement descend à travers le DOM de l'élément racine vers l'élément déclencheur. </a:t>
+            </a:r>
+          </a:p>
+          <a:p>
+            <a:pPr marL="342900" indent="-342900" algn="l">
+              <a:buFont typeface="+mj-lt"/>
+              <a:buAutoNum type="arabicPeriod"/>
+            </a:pPr>
+            <a:endParaRPr lang="fr-FR" sz="2000" dirty="0">
+              <a:solidFill>
+                <a:srgbClr val="000000"/>
+              </a:solidFill>
+              <a:latin typeface="Franklin Gothic Book" panose="020B0503020102020204" pitchFamily="34" charset="0"/>
+            </a:endParaRPr>
+          </a:p>
+          <a:p>
+            <a:pPr marL="342900" indent="-342900" algn="l">
+              <a:buFont typeface="+mj-lt"/>
+              <a:buAutoNum type="arabicPeriod"/>
+            </a:pPr>
+            <a:r>
+              <a:rPr lang="fr-FR" sz="2000" b="1" dirty="0">
+                <a:solidFill>
+                  <a:srgbClr val="000000"/>
+                </a:solidFill>
+                <a:latin typeface="Franklin Gothic Book" panose="020B0503020102020204" pitchFamily="34" charset="0"/>
+              </a:rPr>
+              <a:t>Phase de cible </a:t>
+            </a:r>
+            <a:r>
+              <a:rPr lang="fr-FR" sz="2000" dirty="0">
+                <a:solidFill>
+                  <a:srgbClr val="000000"/>
+                </a:solidFill>
+                <a:latin typeface="Franklin Gothic Book" panose="020B0503020102020204" pitchFamily="34" charset="0"/>
+              </a:rPr>
+              <a:t>: Dans la phase de cible, l'événement atteint l'élément déclencheur et les gestionnaires d'événements sont exécutés sur cet élément.</a:t>
+            </a:r>
+          </a:p>
+          <a:p>
+            <a:pPr marL="342900" indent="-342900" algn="l">
+              <a:buFont typeface="+mj-lt"/>
+              <a:buAutoNum type="arabicPeriod"/>
+            </a:pPr>
+            <a:endParaRPr lang="fr-FR" sz="2000" dirty="0">
+              <a:solidFill>
+                <a:srgbClr val="000000"/>
+              </a:solidFill>
+              <a:latin typeface="Franklin Gothic Book" panose="020B0503020102020204" pitchFamily="34" charset="0"/>
+            </a:endParaRPr>
+          </a:p>
+          <a:p>
+            <a:pPr marL="342900" indent="-342900" algn="l">
+              <a:buFont typeface="+mj-lt"/>
+              <a:buAutoNum type="arabicPeriod"/>
+            </a:pPr>
+            <a:r>
+              <a:rPr lang="fr-FR" sz="2000" b="1" dirty="0">
+                <a:solidFill>
+                  <a:srgbClr val="000000"/>
+                </a:solidFill>
+                <a:latin typeface="Franklin Gothic Book" panose="020B0503020102020204" pitchFamily="34" charset="0"/>
+              </a:rPr>
+              <a:t>Phase de propagation </a:t>
+            </a:r>
+            <a:r>
+              <a:rPr lang="fr-FR" sz="2000" dirty="0">
+                <a:solidFill>
+                  <a:srgbClr val="000000"/>
+                </a:solidFill>
+                <a:latin typeface="Franklin Gothic Book" panose="020B0503020102020204" pitchFamily="34" charset="0"/>
+              </a:rPr>
+              <a:t>: Dans la phase de propagation, l'événement remonte à travers le DOM, de l'élément déclencheur à l'élément racine. Pendant cette phase, </a:t>
+            </a:r>
+            <a:r>
+              <a:rPr lang="fr-FR" sz="2000" b="1" dirty="0">
+                <a:solidFill>
+                  <a:srgbClr val="000000"/>
+                </a:solidFill>
+                <a:latin typeface="Franklin Gothic Book" panose="020B0503020102020204" pitchFamily="34" charset="0"/>
+              </a:rPr>
+              <a:t>les gestionnaires d'événements sont exécutés sur les ancêtres de l'élément déclencheur.</a:t>
+            </a:r>
+          </a:p>
+          <a:p>
+            <a:endParaRPr lang="fr-FR" dirty="0"/>
+          </a:p>
+        </p:txBody>
+      </p:sp>
+      <p:pic>
+        <p:nvPicPr>
+          <p:cNvPr id="2" name="Picture 12" descr="JavaScript Logo et symbole, sens, histoire, PNG, marque">
+            <a:extLst>
+              <a:ext uri="{FF2B5EF4-FFF2-40B4-BE49-F238E27FC236}">
+                <a16:creationId xmlns:a16="http://schemas.microsoft.com/office/drawing/2014/main" id="{77118B57-5B15-1598-B18A-513EF8246D8A}"/>
+              </a:ext>
+            </a:extLst>
+          </p:cNvPr>
+          <p:cNvPicPr>
+            <a:picLocks noChangeAspect="1" noChangeArrowheads="1"/>
+          </p:cNvPicPr>
+          <p:nvPr/>
+        </p:nvPicPr>
+        <p:blipFill>
+          <a:blip r:embed="rId2">
+            <a:extLst>
+              <a:ext uri="{28A0092B-C50C-407E-A947-70E740481C1C}">
+                <a14:useLocalDpi xmlns:a14="http://schemas.microsoft.com/office/drawing/2010/main" val="0"/>
+              </a:ext>
+            </a:extLst>
+          </a:blip>
+          <a:srcRect/>
+          <a:stretch>
+            <a:fillRect/>
+          </a:stretch>
+        </p:blipFill>
+        <p:spPr bwMode="auto">
+          <a:xfrm>
+            <a:off x="10380582" y="286603"/>
+            <a:ext cx="1550195" cy="876779"/>
+          </a:xfrm>
+          <a:prstGeom prst="rect">
+            <a:avLst/>
+          </a:prstGeom>
+          <a:noFill/>
+          <a:extLst>
+            <a:ext uri="{909E8E84-426E-40DD-AFC4-6F175D3DCCD1}">
+              <a14:hiddenFill xmlns:a14="http://schemas.microsoft.com/office/drawing/2010/main">
+                <a:solidFill>
+                  <a:srgbClr val="FFFFFF"/>
+                </a:solidFill>
+              </a14:hiddenFill>
+            </a:ext>
+          </a:extLst>
+        </p:spPr>
+      </p:pic>
+    </p:spTree>
+    <p:extLst>
+      <p:ext uri="{BB962C8B-B14F-4D97-AF65-F5344CB8AC3E}">
+        <p14:creationId xmlns:p14="http://schemas.microsoft.com/office/powerpoint/2010/main" val="3858400750"/>
+      </p:ext>
+    </p:extLst>
+  </p:cSld>
+  <p:clrMapOvr>
+    <a:masterClrMapping/>
+  </p:clrMapOvr>
+</p:sld>
+</file>
+
+<file path=ppt/slides/slide94.xml><?xml version="1.0" encoding="utf-8"?>
+<p:sld xmlns:a="http://schemas.openxmlformats.org/drawingml/2006/main" xmlns:r="http://schemas.openxmlformats.org/officeDocument/2006/relationships" xmlns:p="http://schemas.openxmlformats.org/presentationml/2006/main">
+  <p:cSld>
+    <p:spTree>
+      <p:nvGrpSpPr>
+        <p:cNvPr id="1" name=""/>
+        <p:cNvGrpSpPr/>
+        <p:nvPr/>
+      </p:nvGrpSpPr>
+      <p:grpSpPr>
+        <a:xfrm>
+          <a:off x="0" y="0"/>
+          <a:ext cx="0" cy="0"/>
+          <a:chOff x="0" y="0"/>
+          <a:chExt cx="0" cy="0"/>
+        </a:xfrm>
+      </p:grpSpPr>
+      <p:sp>
+        <p:nvSpPr>
+          <p:cNvPr id="3" name="Titre 1">
+            <a:extLst>
+              <a:ext uri="{FF2B5EF4-FFF2-40B4-BE49-F238E27FC236}">
+                <a16:creationId xmlns:a16="http://schemas.microsoft.com/office/drawing/2014/main" id="{E7373E66-041F-37D5-0ADF-25BA87ABC979}"/>
+              </a:ext>
+            </a:extLst>
+          </p:cNvPr>
+          <p:cNvSpPr>
+            <a:spLocks noGrp="1"/>
+          </p:cNvSpPr>
+          <p:nvPr>
+            <p:ph type="title"/>
+          </p:nvPr>
+        </p:nvSpPr>
+        <p:spPr>
+          <a:xfrm>
+            <a:off x="1097279" y="286603"/>
+            <a:ext cx="11167425" cy="1450757"/>
+          </a:xfrm>
+        </p:spPr>
+        <p:txBody>
+          <a:bodyPr>
+            <a:normAutofit/>
+          </a:bodyPr>
+          <a:lstStyle/>
+          <a:p>
+            <a:r>
+              <a:rPr lang="fr-FR" dirty="0"/>
+              <a:t>IX- Les évènements </a:t>
+            </a:r>
+            <a:br>
+              <a:rPr lang="fr-FR" dirty="0"/>
+            </a:br>
+            <a:r>
+              <a:rPr lang="fr-FR" dirty="0"/>
+              <a:t>	</a:t>
+            </a:r>
+            <a:r>
+              <a:rPr lang="fr-FR" sz="3600" i="1" dirty="0"/>
+              <a:t>  6. Stopper la propagation</a:t>
+            </a:r>
+          </a:p>
+        </p:txBody>
+      </p:sp>
+      <p:sp>
+        <p:nvSpPr>
+          <p:cNvPr id="8" name="ZoneTexte 7">
+            <a:extLst>
+              <a:ext uri="{FF2B5EF4-FFF2-40B4-BE49-F238E27FC236}">
+                <a16:creationId xmlns:a16="http://schemas.microsoft.com/office/drawing/2014/main" id="{FF8794D0-D65F-370E-3343-6B6CB8B83303}"/>
+              </a:ext>
+            </a:extLst>
+          </p:cNvPr>
+          <p:cNvSpPr txBox="1"/>
+          <p:nvPr/>
+        </p:nvSpPr>
+        <p:spPr>
+          <a:xfrm>
+            <a:off x="1097278" y="3124172"/>
+            <a:ext cx="11167425" cy="1200329"/>
+          </a:xfrm>
+          <a:prstGeom prst="rect">
+            <a:avLst/>
+          </a:prstGeom>
+          <a:noFill/>
+        </p:spPr>
+        <p:txBody>
+          <a:bodyPr wrap="square" rtlCol="0">
+            <a:spAutoFit/>
+          </a:bodyPr>
+          <a:lstStyle/>
+          <a:p>
+            <a:r>
+              <a:rPr lang="fr-FR" sz="2400" dirty="0"/>
+              <a:t>La propagation peut être arrêté à tout moment en utilisant la méthode </a:t>
+            </a:r>
+            <a:r>
+              <a:rPr lang="fr-FR" sz="2400" b="1" dirty="0" err="1"/>
+              <a:t>stopPropagation</a:t>
+            </a:r>
+            <a:r>
+              <a:rPr lang="fr-FR" sz="2400" b="1" dirty="0"/>
+              <a:t>() </a:t>
+            </a:r>
+            <a:r>
+              <a:rPr lang="fr-FR" sz="2400" dirty="0"/>
+              <a:t>de l’objet Event. Cette méthode empêche l’évènement de se propager plus loin dans le DOM  </a:t>
+            </a:r>
+          </a:p>
+        </p:txBody>
+      </p:sp>
+      <p:pic>
+        <p:nvPicPr>
+          <p:cNvPr id="2" name="Picture 12" descr="JavaScript Logo et symbole, sens, histoire, PNG, marque">
+            <a:extLst>
+              <a:ext uri="{FF2B5EF4-FFF2-40B4-BE49-F238E27FC236}">
+                <a16:creationId xmlns:a16="http://schemas.microsoft.com/office/drawing/2014/main" id="{4AD875DD-6B98-9253-C610-D50FA1078425}"/>
+              </a:ext>
+            </a:extLst>
+          </p:cNvPr>
+          <p:cNvPicPr>
+            <a:picLocks noChangeAspect="1" noChangeArrowheads="1"/>
+          </p:cNvPicPr>
+          <p:nvPr/>
+        </p:nvPicPr>
+        <p:blipFill>
+          <a:blip r:embed="rId2">
+            <a:extLst>
+              <a:ext uri="{28A0092B-C50C-407E-A947-70E740481C1C}">
+                <a14:useLocalDpi xmlns:a14="http://schemas.microsoft.com/office/drawing/2010/main" val="0"/>
+              </a:ext>
+            </a:extLst>
+          </a:blip>
+          <a:srcRect/>
+          <a:stretch>
+            <a:fillRect/>
+          </a:stretch>
+        </p:blipFill>
+        <p:spPr bwMode="auto">
+          <a:xfrm>
+            <a:off x="10380582" y="286603"/>
+            <a:ext cx="1550195" cy="876779"/>
+          </a:xfrm>
+          <a:prstGeom prst="rect">
+            <a:avLst/>
+          </a:prstGeom>
+          <a:noFill/>
+          <a:extLst>
+            <a:ext uri="{909E8E84-426E-40DD-AFC4-6F175D3DCCD1}">
+              <a14:hiddenFill xmlns:a14="http://schemas.microsoft.com/office/drawing/2010/main">
+                <a:solidFill>
+                  <a:srgbClr val="FFFFFF"/>
+                </a:solidFill>
+              </a14:hiddenFill>
+            </a:ext>
+          </a:extLst>
+        </p:spPr>
+      </p:pic>
+    </p:spTree>
+    <p:extLst>
+      <p:ext uri="{BB962C8B-B14F-4D97-AF65-F5344CB8AC3E}">
+        <p14:creationId xmlns:p14="http://schemas.microsoft.com/office/powerpoint/2010/main" val="2226626547"/>
+      </p:ext>
+    </p:extLst>
+  </p:cSld>
+  <p:clrMapOvr>
+    <a:masterClrMapping/>
+  </p:clrMapOvr>
+</p:sld>
+</file>
+
+<file path=ppt/slides/slide95.xml><?xml version="1.0" encoding="utf-8"?>
+<p:sld xmlns:a="http://schemas.openxmlformats.org/drawingml/2006/main" xmlns:r="http://schemas.openxmlformats.org/officeDocument/2006/relationships" xmlns:p="http://schemas.openxmlformats.org/presentationml/2006/main">
+  <p:cSld>
+    <p:spTree>
+      <p:nvGrpSpPr>
+        <p:cNvPr id="1" name=""/>
+        <p:cNvGrpSpPr/>
+        <p:nvPr/>
+      </p:nvGrpSpPr>
+      <p:grpSpPr>
+        <a:xfrm>
+          <a:off x="0" y="0"/>
+          <a:ext cx="0" cy="0"/>
+          <a:chOff x="0" y="0"/>
+          <a:chExt cx="0" cy="0"/>
+        </a:xfrm>
+      </p:grpSpPr>
+      <p:sp>
+        <p:nvSpPr>
+          <p:cNvPr id="3" name="Titre 1">
+            <a:extLst>
+              <a:ext uri="{FF2B5EF4-FFF2-40B4-BE49-F238E27FC236}">
+                <a16:creationId xmlns:a16="http://schemas.microsoft.com/office/drawing/2014/main" id="{E7373E66-041F-37D5-0ADF-25BA87ABC979}"/>
+              </a:ext>
+            </a:extLst>
+          </p:cNvPr>
+          <p:cNvSpPr>
+            <a:spLocks noGrp="1"/>
+          </p:cNvSpPr>
+          <p:nvPr>
+            <p:ph type="title"/>
+          </p:nvPr>
+        </p:nvSpPr>
+        <p:spPr>
+          <a:xfrm>
+            <a:off x="1097279" y="286603"/>
+            <a:ext cx="11167425" cy="1450757"/>
+          </a:xfrm>
+        </p:spPr>
+        <p:txBody>
+          <a:bodyPr>
+            <a:normAutofit/>
+          </a:bodyPr>
+          <a:lstStyle/>
+          <a:p>
+            <a:r>
+              <a:rPr lang="fr-FR" dirty="0"/>
+              <a:t>IX- Les évènements </a:t>
+            </a:r>
+            <a:br>
+              <a:rPr lang="fr-FR" dirty="0"/>
+            </a:br>
+            <a:r>
+              <a:rPr lang="fr-FR" dirty="0"/>
+              <a:t>	</a:t>
+            </a:r>
+            <a:r>
+              <a:rPr lang="fr-FR" sz="3600" i="1" dirty="0"/>
+              <a:t>  7. Planifier l’exécution </a:t>
+            </a:r>
+          </a:p>
+        </p:txBody>
+      </p:sp>
+      <p:sp>
+        <p:nvSpPr>
+          <p:cNvPr id="4" name="ZoneTexte 3">
+            <a:extLst>
+              <a:ext uri="{FF2B5EF4-FFF2-40B4-BE49-F238E27FC236}">
+                <a16:creationId xmlns:a16="http://schemas.microsoft.com/office/drawing/2014/main" id="{3D8AC56D-C8EC-F123-DFAA-9F2A7E7CAB50}"/>
+              </a:ext>
+            </a:extLst>
+          </p:cNvPr>
+          <p:cNvSpPr txBox="1"/>
+          <p:nvPr/>
+        </p:nvSpPr>
+        <p:spPr>
+          <a:xfrm>
+            <a:off x="1364609" y="2300988"/>
+            <a:ext cx="9278224" cy="3785652"/>
+          </a:xfrm>
+          <a:prstGeom prst="rect">
+            <a:avLst/>
+          </a:prstGeom>
+          <a:noFill/>
+        </p:spPr>
+        <p:txBody>
+          <a:bodyPr wrap="square" rtlCol="0">
+            <a:spAutoFit/>
+          </a:bodyPr>
+          <a:lstStyle/>
+          <a:p>
+            <a:r>
+              <a:rPr lang="fr-FR" sz="2400" b="1" dirty="0" err="1"/>
+              <a:t>SetTimeout</a:t>
+            </a:r>
+            <a:r>
+              <a:rPr lang="fr-FR" sz="2400" b="1" dirty="0"/>
+              <a:t>() </a:t>
+            </a:r>
+            <a:r>
+              <a:rPr lang="fr-FR" sz="2400" dirty="0">
+                <a:sym typeface="Wingdings" panose="05000000000000000000" pitchFamily="2" charset="2"/>
+              </a:rPr>
+              <a:t> P</a:t>
+            </a:r>
+            <a:r>
+              <a:rPr lang="fr-FR" sz="2400" dirty="0"/>
+              <a:t>ermet de programmer l'exécution d'une fonction donnée une </a:t>
+            </a:r>
+            <a:r>
+              <a:rPr lang="fr-FR" sz="2400" b="1" dirty="0"/>
+              <a:t>seule fois </a:t>
+            </a:r>
+            <a:r>
+              <a:rPr lang="fr-FR" sz="2400" dirty="0"/>
+              <a:t>après un </a:t>
+            </a:r>
+            <a:r>
+              <a:rPr lang="fr-FR" sz="2400" b="1" dirty="0"/>
+              <a:t>délai donné</a:t>
+            </a:r>
+            <a:r>
+              <a:rPr lang="fr-FR" sz="2400" dirty="0"/>
+              <a:t>. Cela peut être utile pour réaliser des tâches asynchrones ou pour créer des animations.</a:t>
+            </a:r>
+          </a:p>
+          <a:p>
+            <a:endParaRPr lang="fr-FR" sz="2400" dirty="0"/>
+          </a:p>
+          <a:p>
+            <a:endParaRPr lang="fr-FR" sz="2400" dirty="0"/>
+          </a:p>
+          <a:p>
+            <a:endParaRPr lang="fr-FR" sz="2400" dirty="0"/>
+          </a:p>
+          <a:p>
+            <a:endParaRPr lang="fr-FR" sz="2400" dirty="0"/>
+          </a:p>
+          <a:p>
+            <a:endParaRPr lang="fr-FR" sz="2400" dirty="0"/>
+          </a:p>
+          <a:p>
+            <a:endParaRPr lang="fr-FR" sz="2400" dirty="0"/>
+          </a:p>
+          <a:p>
+            <a:endParaRPr lang="fr-FR" sz="2400" dirty="0"/>
+          </a:p>
+        </p:txBody>
+      </p:sp>
+      <p:sp>
+        <p:nvSpPr>
+          <p:cNvPr id="6" name="ZoneTexte 5">
+            <a:extLst>
+              <a:ext uri="{FF2B5EF4-FFF2-40B4-BE49-F238E27FC236}">
+                <a16:creationId xmlns:a16="http://schemas.microsoft.com/office/drawing/2014/main" id="{61634BC1-3C9B-ADB6-9EEE-3ABEA472F69F}"/>
+              </a:ext>
+            </a:extLst>
+          </p:cNvPr>
+          <p:cNvSpPr txBox="1"/>
+          <p:nvPr/>
+        </p:nvSpPr>
+        <p:spPr>
+          <a:xfrm>
+            <a:off x="1813420" y="5222841"/>
+            <a:ext cx="8565160" cy="646331"/>
+          </a:xfrm>
+          <a:prstGeom prst="rect">
+            <a:avLst/>
+          </a:prstGeom>
+          <a:noFill/>
+        </p:spPr>
+        <p:txBody>
+          <a:bodyPr wrap="square" rtlCol="0">
+            <a:spAutoFit/>
+          </a:bodyPr>
+          <a:lstStyle/>
+          <a:p>
+            <a:r>
+              <a:rPr lang="fr-FR" dirty="0" err="1"/>
+              <a:t>Function</a:t>
+            </a:r>
+            <a:r>
+              <a:rPr lang="fr-FR" dirty="0"/>
+              <a:t>: est la fonction à exécuter.</a:t>
+            </a:r>
+          </a:p>
+          <a:p>
+            <a:r>
+              <a:rPr lang="fr-FR" dirty="0"/>
+              <a:t>Delay: est le temps d'attente en millisecondes avant que la fonction ne soit exécutée</a:t>
+            </a:r>
+            <a:r>
+              <a:rPr lang="fr-FR" b="0" i="0" dirty="0">
+                <a:solidFill>
+                  <a:srgbClr val="374151"/>
+                </a:solidFill>
+                <a:effectLst/>
+                <a:latin typeface="Söhne"/>
+              </a:rPr>
+              <a:t>.</a:t>
+            </a:r>
+            <a:endParaRPr lang="fr-FR" dirty="0"/>
+          </a:p>
+        </p:txBody>
+      </p:sp>
+      <p:pic>
+        <p:nvPicPr>
+          <p:cNvPr id="9" name="Image 8">
+            <a:extLst>
+              <a:ext uri="{FF2B5EF4-FFF2-40B4-BE49-F238E27FC236}">
+                <a16:creationId xmlns:a16="http://schemas.microsoft.com/office/drawing/2014/main" id="{04E2BED0-F9E4-2923-DDA6-A14BA8096804}"/>
+              </a:ext>
+            </a:extLst>
+          </p:cNvPr>
+          <p:cNvPicPr>
+            <a:picLocks noChangeAspect="1"/>
+          </p:cNvPicPr>
+          <p:nvPr/>
+        </p:nvPicPr>
+        <p:blipFill>
+          <a:blip r:embed="rId2"/>
+          <a:stretch>
+            <a:fillRect/>
+          </a:stretch>
+        </p:blipFill>
+        <p:spPr>
+          <a:xfrm>
+            <a:off x="2382473" y="3975570"/>
+            <a:ext cx="5910770" cy="436488"/>
+          </a:xfrm>
+          <a:prstGeom prst="rect">
+            <a:avLst/>
+          </a:prstGeom>
+        </p:spPr>
+      </p:pic>
+      <p:pic>
+        <p:nvPicPr>
+          <p:cNvPr id="2" name="Picture 12" descr="JavaScript Logo et symbole, sens, histoire, PNG, marque">
+            <a:extLst>
+              <a:ext uri="{FF2B5EF4-FFF2-40B4-BE49-F238E27FC236}">
+                <a16:creationId xmlns:a16="http://schemas.microsoft.com/office/drawing/2014/main" id="{6A97B245-85D1-06DE-4B4E-232188F36809}"/>
+              </a:ext>
+            </a:extLst>
+          </p:cNvPr>
+          <p:cNvPicPr>
+            <a:picLocks noChangeAspect="1" noChangeArrowheads="1"/>
+          </p:cNvPicPr>
+          <p:nvPr/>
+        </p:nvPicPr>
+        <p:blipFill>
+          <a:blip r:embed="rId3">
+            <a:extLst>
+              <a:ext uri="{28A0092B-C50C-407E-A947-70E740481C1C}">
+                <a14:useLocalDpi xmlns:a14="http://schemas.microsoft.com/office/drawing/2010/main" val="0"/>
+              </a:ext>
+            </a:extLst>
+          </a:blip>
+          <a:srcRect/>
+          <a:stretch>
+            <a:fillRect/>
+          </a:stretch>
+        </p:blipFill>
+        <p:spPr bwMode="auto">
+          <a:xfrm>
+            <a:off x="10380582" y="286603"/>
+            <a:ext cx="1550195" cy="876779"/>
+          </a:xfrm>
+          <a:prstGeom prst="rect">
+            <a:avLst/>
+          </a:prstGeom>
+          <a:noFill/>
+          <a:extLst>
+            <a:ext uri="{909E8E84-426E-40DD-AFC4-6F175D3DCCD1}">
+              <a14:hiddenFill xmlns:a14="http://schemas.microsoft.com/office/drawing/2010/main">
+                <a:solidFill>
+                  <a:srgbClr val="FFFFFF"/>
+                </a:solidFill>
+              </a14:hiddenFill>
+            </a:ext>
+          </a:extLst>
+        </p:spPr>
+      </p:pic>
+    </p:spTree>
+    <p:extLst>
+      <p:ext uri="{BB962C8B-B14F-4D97-AF65-F5344CB8AC3E}">
+        <p14:creationId xmlns:p14="http://schemas.microsoft.com/office/powerpoint/2010/main" val="2323925785"/>
+      </p:ext>
+    </p:extLst>
+  </p:cSld>
+  <p:clrMapOvr>
+    <a:masterClrMapping/>
+  </p:clrMapOvr>
+</p:sld>
+</file>
+
+<file path=ppt/slides/slide96.xml><?xml version="1.0" encoding="utf-8"?>
+<p:sld xmlns:a="http://schemas.openxmlformats.org/drawingml/2006/main" xmlns:r="http://schemas.openxmlformats.org/officeDocument/2006/relationships" xmlns:p="http://schemas.openxmlformats.org/presentationml/2006/main">
+  <p:cSld>
+    <p:spTree>
+      <p:nvGrpSpPr>
+        <p:cNvPr id="1" name=""/>
+        <p:cNvGrpSpPr/>
+        <p:nvPr/>
+      </p:nvGrpSpPr>
+      <p:grpSpPr>
+        <a:xfrm>
+          <a:off x="0" y="0"/>
+          <a:ext cx="0" cy="0"/>
+          <a:chOff x="0" y="0"/>
+          <a:chExt cx="0" cy="0"/>
+        </a:xfrm>
+      </p:grpSpPr>
+      <p:sp>
+        <p:nvSpPr>
+          <p:cNvPr id="3" name="Titre 1">
+            <a:extLst>
+              <a:ext uri="{FF2B5EF4-FFF2-40B4-BE49-F238E27FC236}">
+                <a16:creationId xmlns:a16="http://schemas.microsoft.com/office/drawing/2014/main" id="{E7373E66-041F-37D5-0ADF-25BA87ABC979}"/>
+              </a:ext>
+            </a:extLst>
+          </p:cNvPr>
+          <p:cNvSpPr>
+            <a:spLocks noGrp="1"/>
+          </p:cNvSpPr>
+          <p:nvPr>
+            <p:ph type="title"/>
+          </p:nvPr>
+        </p:nvSpPr>
+        <p:spPr>
+          <a:xfrm>
+            <a:off x="1097279" y="286603"/>
+            <a:ext cx="11167425" cy="1450757"/>
+          </a:xfrm>
+        </p:spPr>
+        <p:txBody>
+          <a:bodyPr>
+            <a:normAutofit/>
+          </a:bodyPr>
+          <a:lstStyle/>
+          <a:p>
+            <a:r>
+              <a:rPr lang="fr-FR" dirty="0"/>
+              <a:t>IX- Les évènements </a:t>
+            </a:r>
+            <a:br>
+              <a:rPr lang="fr-FR" dirty="0"/>
+            </a:br>
+            <a:r>
+              <a:rPr lang="fr-FR" dirty="0"/>
+              <a:t>	</a:t>
+            </a:r>
+            <a:r>
+              <a:rPr lang="fr-FR" sz="3600" i="1" dirty="0"/>
+              <a:t>  7. Planifier l’exécution </a:t>
+            </a:r>
+          </a:p>
+        </p:txBody>
+      </p:sp>
+      <p:sp>
+        <p:nvSpPr>
+          <p:cNvPr id="4" name="ZoneTexte 3">
+            <a:extLst>
+              <a:ext uri="{FF2B5EF4-FFF2-40B4-BE49-F238E27FC236}">
+                <a16:creationId xmlns:a16="http://schemas.microsoft.com/office/drawing/2014/main" id="{3D8AC56D-C8EC-F123-DFAA-9F2A7E7CAB50}"/>
+              </a:ext>
+            </a:extLst>
+          </p:cNvPr>
+          <p:cNvSpPr txBox="1"/>
+          <p:nvPr/>
+        </p:nvSpPr>
+        <p:spPr>
+          <a:xfrm>
+            <a:off x="1456888" y="2519101"/>
+            <a:ext cx="9278224" cy="3046988"/>
+          </a:xfrm>
+          <a:prstGeom prst="rect">
+            <a:avLst/>
+          </a:prstGeom>
+          <a:noFill/>
+        </p:spPr>
+        <p:txBody>
+          <a:bodyPr wrap="square" rtlCol="0">
+            <a:spAutoFit/>
+          </a:bodyPr>
+          <a:lstStyle/>
+          <a:p>
+            <a:r>
+              <a:rPr lang="fr-FR" sz="2400" b="1" dirty="0" err="1"/>
+              <a:t>SetInterval</a:t>
+            </a:r>
+            <a:r>
+              <a:rPr lang="fr-FR" sz="2400" b="1" dirty="0"/>
+              <a:t>() </a:t>
+            </a:r>
+            <a:r>
+              <a:rPr lang="fr-FR" sz="2400" dirty="0">
+                <a:sym typeface="Wingdings" panose="05000000000000000000" pitchFamily="2" charset="2"/>
+              </a:rPr>
+              <a:t> </a:t>
+            </a:r>
+            <a:r>
+              <a:rPr lang="fr-FR" sz="2400" dirty="0"/>
+              <a:t>permet d'exécuter une fonction à intervalles réguliers.</a:t>
+            </a:r>
+          </a:p>
+          <a:p>
+            <a:endParaRPr lang="fr-FR" sz="2400" dirty="0"/>
+          </a:p>
+          <a:p>
+            <a:endParaRPr lang="fr-FR" sz="2400" dirty="0"/>
+          </a:p>
+          <a:p>
+            <a:endParaRPr lang="fr-FR" sz="2400" dirty="0"/>
+          </a:p>
+          <a:p>
+            <a:endParaRPr lang="fr-FR" sz="2400" dirty="0"/>
+          </a:p>
+          <a:p>
+            <a:endParaRPr lang="fr-FR" sz="2400" dirty="0"/>
+          </a:p>
+          <a:p>
+            <a:endParaRPr lang="fr-FR" sz="2400" dirty="0"/>
+          </a:p>
+          <a:p>
+            <a:endParaRPr lang="fr-FR" sz="2400" dirty="0"/>
+          </a:p>
+        </p:txBody>
+      </p:sp>
+      <p:pic>
+        <p:nvPicPr>
+          <p:cNvPr id="5" name="Image 4">
+            <a:extLst>
+              <a:ext uri="{FF2B5EF4-FFF2-40B4-BE49-F238E27FC236}">
+                <a16:creationId xmlns:a16="http://schemas.microsoft.com/office/drawing/2014/main" id="{C6ED48B0-2B63-6581-250C-006C6B88741D}"/>
+              </a:ext>
+            </a:extLst>
+          </p:cNvPr>
+          <p:cNvPicPr>
+            <a:picLocks noChangeAspect="1"/>
+          </p:cNvPicPr>
+          <p:nvPr/>
+        </p:nvPicPr>
+        <p:blipFill>
+          <a:blip r:embed="rId2"/>
+          <a:stretch>
+            <a:fillRect/>
+          </a:stretch>
+        </p:blipFill>
+        <p:spPr>
+          <a:xfrm>
+            <a:off x="2709643" y="3728650"/>
+            <a:ext cx="6081555" cy="627890"/>
+          </a:xfrm>
+          <a:prstGeom prst="rect">
+            <a:avLst/>
+          </a:prstGeom>
+        </p:spPr>
+      </p:pic>
+      <p:sp>
+        <p:nvSpPr>
+          <p:cNvPr id="6" name="ZoneTexte 5">
+            <a:extLst>
+              <a:ext uri="{FF2B5EF4-FFF2-40B4-BE49-F238E27FC236}">
+                <a16:creationId xmlns:a16="http://schemas.microsoft.com/office/drawing/2014/main" id="{FAFDBC1D-018B-418D-5FD4-23952270DACF}"/>
+              </a:ext>
+            </a:extLst>
+          </p:cNvPr>
+          <p:cNvSpPr txBox="1"/>
+          <p:nvPr/>
+        </p:nvSpPr>
+        <p:spPr>
+          <a:xfrm>
+            <a:off x="1897310" y="4638149"/>
+            <a:ext cx="8565160" cy="646331"/>
+          </a:xfrm>
+          <a:prstGeom prst="rect">
+            <a:avLst/>
+          </a:prstGeom>
+          <a:noFill/>
+        </p:spPr>
+        <p:txBody>
+          <a:bodyPr wrap="square" rtlCol="0">
+            <a:spAutoFit/>
+          </a:bodyPr>
+          <a:lstStyle/>
+          <a:p>
+            <a:r>
+              <a:rPr lang="fr-FR" b="1" dirty="0" err="1"/>
+              <a:t>Function</a:t>
+            </a:r>
+            <a:r>
+              <a:rPr lang="fr-FR" dirty="0"/>
+              <a:t>: est la fonction </a:t>
+            </a:r>
+            <a:r>
+              <a:rPr lang="fr-FR" dirty="0" err="1"/>
+              <a:t>callBack</a:t>
+            </a:r>
+            <a:r>
+              <a:rPr lang="fr-FR" dirty="0"/>
+              <a:t> à exécuter.</a:t>
+            </a:r>
+          </a:p>
+          <a:p>
+            <a:r>
+              <a:rPr lang="fr-FR" b="1" dirty="0"/>
+              <a:t>Delay</a:t>
+            </a:r>
+            <a:r>
+              <a:rPr lang="fr-FR" dirty="0"/>
+              <a:t>: est le temps d'attente en millisecondes avant que la fonction ne soit exécutée</a:t>
+            </a:r>
+            <a:r>
+              <a:rPr lang="fr-FR" b="0" i="0" dirty="0">
+                <a:solidFill>
+                  <a:srgbClr val="374151"/>
+                </a:solidFill>
+                <a:effectLst/>
+                <a:latin typeface="Söhne"/>
+              </a:rPr>
+              <a:t>.</a:t>
+            </a:r>
+            <a:endParaRPr lang="fr-FR" dirty="0"/>
+          </a:p>
+        </p:txBody>
+      </p:sp>
+      <p:sp>
+        <p:nvSpPr>
+          <p:cNvPr id="2" name="ZoneTexte 1">
+            <a:extLst>
+              <a:ext uri="{FF2B5EF4-FFF2-40B4-BE49-F238E27FC236}">
+                <a16:creationId xmlns:a16="http://schemas.microsoft.com/office/drawing/2014/main" id="{FEBF2A19-0FFF-0B8C-61AB-3CDCC187D66E}"/>
+              </a:ext>
+            </a:extLst>
+          </p:cNvPr>
+          <p:cNvSpPr txBox="1"/>
+          <p:nvPr/>
+        </p:nvSpPr>
+        <p:spPr>
+          <a:xfrm>
+            <a:off x="2214693" y="5750647"/>
+            <a:ext cx="8313490" cy="923330"/>
+          </a:xfrm>
+          <a:prstGeom prst="rect">
+            <a:avLst/>
+          </a:prstGeom>
+          <a:noFill/>
+        </p:spPr>
+        <p:txBody>
+          <a:bodyPr wrap="square" rtlCol="0">
+            <a:spAutoFit/>
+          </a:bodyPr>
+          <a:lstStyle/>
+          <a:p>
+            <a:r>
+              <a:rPr lang="fr-FR" dirty="0"/>
+              <a:t>Exercice:  faire un compteur qui affiche les nombres de 1 à 3, avec un intervalle de 2sec et termine par afficher fin </a:t>
+            </a:r>
+          </a:p>
+          <a:p>
+            <a:endParaRPr lang="fr-FR" dirty="0"/>
+          </a:p>
+        </p:txBody>
+      </p:sp>
+      <p:pic>
+        <p:nvPicPr>
+          <p:cNvPr id="7" name="Picture 12" descr="JavaScript Logo et symbole, sens, histoire, PNG, marque">
+            <a:extLst>
+              <a:ext uri="{FF2B5EF4-FFF2-40B4-BE49-F238E27FC236}">
+                <a16:creationId xmlns:a16="http://schemas.microsoft.com/office/drawing/2014/main" id="{56E38559-C879-DA86-89B1-6E3E3B288CD4}"/>
+              </a:ext>
+            </a:extLst>
+          </p:cNvPr>
+          <p:cNvPicPr>
+            <a:picLocks noChangeAspect="1" noChangeArrowheads="1"/>
+          </p:cNvPicPr>
+          <p:nvPr/>
+        </p:nvPicPr>
+        <p:blipFill>
+          <a:blip r:embed="rId3">
+            <a:extLst>
+              <a:ext uri="{28A0092B-C50C-407E-A947-70E740481C1C}">
+                <a14:useLocalDpi xmlns:a14="http://schemas.microsoft.com/office/drawing/2010/main" val="0"/>
+              </a:ext>
+            </a:extLst>
+          </a:blip>
+          <a:srcRect/>
+          <a:stretch>
+            <a:fillRect/>
+          </a:stretch>
+        </p:blipFill>
+        <p:spPr bwMode="auto">
+          <a:xfrm>
+            <a:off x="10380582" y="286603"/>
+            <a:ext cx="1550195" cy="876779"/>
+          </a:xfrm>
+          <a:prstGeom prst="rect">
+            <a:avLst/>
+          </a:prstGeom>
+          <a:noFill/>
+          <a:extLst>
+            <a:ext uri="{909E8E84-426E-40DD-AFC4-6F175D3DCCD1}">
+              <a14:hiddenFill xmlns:a14="http://schemas.microsoft.com/office/drawing/2010/main">
+                <a:solidFill>
+                  <a:srgbClr val="FFFFFF"/>
+                </a:solidFill>
+              </a14:hiddenFill>
+            </a:ext>
+          </a:extLst>
+        </p:spPr>
+      </p:pic>
+    </p:spTree>
+    <p:extLst>
+      <p:ext uri="{BB962C8B-B14F-4D97-AF65-F5344CB8AC3E}">
+        <p14:creationId xmlns:p14="http://schemas.microsoft.com/office/powerpoint/2010/main" val="3815784648"/>
       </p:ext>
     </p:extLst>
   </p:cSld>

--- a/cours.pptx
+++ b/cours.pptx
@@ -101,6 +101,24 @@
     <p:sldId id="386" r:id="rId95"/>
     <p:sldId id="414" r:id="rId96"/>
     <p:sldId id="387" r:id="rId97"/>
+    <p:sldId id="415" r:id="rId98"/>
+    <p:sldId id="416" r:id="rId99"/>
+    <p:sldId id="411" r:id="rId100"/>
+    <p:sldId id="417" r:id="rId101"/>
+    <p:sldId id="418" r:id="rId102"/>
+    <p:sldId id="422" r:id="rId103"/>
+    <p:sldId id="419" r:id="rId104"/>
+    <p:sldId id="420" r:id="rId105"/>
+    <p:sldId id="423" r:id="rId106"/>
+    <p:sldId id="421" r:id="rId107"/>
+    <p:sldId id="424" r:id="rId108"/>
+    <p:sldId id="432" r:id="rId109"/>
+    <p:sldId id="433" r:id="rId110"/>
+    <p:sldId id="425" r:id="rId111"/>
+    <p:sldId id="426" r:id="rId112"/>
+    <p:sldId id="434" r:id="rId113"/>
+    <p:sldId id="435" r:id="rId114"/>
+    <p:sldId id="436" r:id="rId115"/>
   </p:sldIdLst>
   <p:sldSz cx="12192000" cy="6858000"/>
   <p:notesSz cx="6858000" cy="9144000"/>
@@ -354,7 +372,7 @@
           <a:p>
             <a:fld id="{6AD61AA8-A60B-4213-843B-33CCD8DDD4AE}" type="datetimeFigureOut">
               <a:rPr lang="fr-FR" smtClean="0"/>
-              <a:t>19/12/2023</a:t>
+              <a:t>10/01/2024</a:t>
             </a:fld>
             <a:endParaRPr lang="fr-FR"/>
           </a:p>
@@ -552,7 +570,7 @@
           <a:p>
             <a:fld id="{6AD61AA8-A60B-4213-843B-33CCD8DDD4AE}" type="datetimeFigureOut">
               <a:rPr lang="fr-FR" smtClean="0"/>
-              <a:t>19/12/2023</a:t>
+              <a:t>10/01/2024</a:t>
             </a:fld>
             <a:endParaRPr lang="fr-FR"/>
           </a:p>
@@ -760,7 +778,7 @@
           <a:p>
             <a:fld id="{6AD61AA8-A60B-4213-843B-33CCD8DDD4AE}" type="datetimeFigureOut">
               <a:rPr lang="fr-FR" smtClean="0"/>
-              <a:t>19/12/2023</a:t>
+              <a:t>10/01/2024</a:t>
             </a:fld>
             <a:endParaRPr lang="fr-FR"/>
           </a:p>
@@ -958,7 +976,7 @@
           <a:p>
             <a:fld id="{6AD61AA8-A60B-4213-843B-33CCD8DDD4AE}" type="datetimeFigureOut">
               <a:rPr lang="fr-FR" smtClean="0"/>
-              <a:t>19/12/2023</a:t>
+              <a:t>10/01/2024</a:t>
             </a:fld>
             <a:endParaRPr lang="fr-FR"/>
           </a:p>
@@ -1233,7 +1251,7 @@
           <a:p>
             <a:fld id="{6AD61AA8-A60B-4213-843B-33CCD8DDD4AE}" type="datetimeFigureOut">
               <a:rPr lang="fr-FR" smtClean="0"/>
-              <a:t>19/12/2023</a:t>
+              <a:t>10/01/2024</a:t>
             </a:fld>
             <a:endParaRPr lang="fr-FR"/>
           </a:p>
@@ -1498,7 +1516,7 @@
           <a:p>
             <a:fld id="{6AD61AA8-A60B-4213-843B-33CCD8DDD4AE}" type="datetimeFigureOut">
               <a:rPr lang="fr-FR" smtClean="0"/>
-              <a:t>19/12/2023</a:t>
+              <a:t>10/01/2024</a:t>
             </a:fld>
             <a:endParaRPr lang="fr-FR"/>
           </a:p>
@@ -1910,7 +1928,7 @@
           <a:p>
             <a:fld id="{6AD61AA8-A60B-4213-843B-33CCD8DDD4AE}" type="datetimeFigureOut">
               <a:rPr lang="fr-FR" smtClean="0"/>
-              <a:t>19/12/2023</a:t>
+              <a:t>10/01/2024</a:t>
             </a:fld>
             <a:endParaRPr lang="fr-FR"/>
           </a:p>
@@ -2051,7 +2069,7 @@
           <a:p>
             <a:fld id="{6AD61AA8-A60B-4213-843B-33CCD8DDD4AE}" type="datetimeFigureOut">
               <a:rPr lang="fr-FR" smtClean="0"/>
-              <a:t>19/12/2023</a:t>
+              <a:t>10/01/2024</a:t>
             </a:fld>
             <a:endParaRPr lang="fr-FR"/>
           </a:p>
@@ -2164,7 +2182,7 @@
           <a:p>
             <a:fld id="{6AD61AA8-A60B-4213-843B-33CCD8DDD4AE}" type="datetimeFigureOut">
               <a:rPr lang="fr-FR" smtClean="0"/>
-              <a:t>19/12/2023</a:t>
+              <a:t>10/01/2024</a:t>
             </a:fld>
             <a:endParaRPr lang="fr-FR"/>
           </a:p>
@@ -2475,7 +2493,7 @@
           <a:p>
             <a:fld id="{6AD61AA8-A60B-4213-843B-33CCD8DDD4AE}" type="datetimeFigureOut">
               <a:rPr lang="fr-FR" smtClean="0"/>
-              <a:t>19/12/2023</a:t>
+              <a:t>10/01/2024</a:t>
             </a:fld>
             <a:endParaRPr lang="fr-FR"/>
           </a:p>
@@ -2763,7 +2781,7 @@
           <a:p>
             <a:fld id="{6AD61AA8-A60B-4213-843B-33CCD8DDD4AE}" type="datetimeFigureOut">
               <a:rPr lang="fr-FR" smtClean="0"/>
-              <a:t>19/12/2023</a:t>
+              <a:t>10/01/2024</a:t>
             </a:fld>
             <a:endParaRPr lang="fr-FR"/>
           </a:p>
@@ -3004,7 +3022,7 @@
           <a:p>
             <a:fld id="{6AD61AA8-A60B-4213-843B-33CCD8DDD4AE}" type="datetimeFigureOut">
               <a:rPr lang="fr-FR" smtClean="0"/>
-              <a:t>19/12/2023</a:t>
+              <a:t>10/01/2024</a:t>
             </a:fld>
             <a:endParaRPr lang="fr-FR"/>
           </a:p>
@@ -3734,6 +3752,2763 @@
 </p:sld>
 </file>
 
+<file path=ppt/slides/slide100.xml><?xml version="1.0" encoding="utf-8"?>
+<p:sld xmlns:a="http://schemas.openxmlformats.org/drawingml/2006/main" xmlns:r="http://schemas.openxmlformats.org/officeDocument/2006/relationships" xmlns:p="http://schemas.openxmlformats.org/presentationml/2006/main">
+  <p:cSld>
+    <p:spTree>
+      <p:nvGrpSpPr>
+        <p:cNvPr id="1" name=""/>
+        <p:cNvGrpSpPr/>
+        <p:nvPr/>
+      </p:nvGrpSpPr>
+      <p:grpSpPr>
+        <a:xfrm>
+          <a:off x="0" y="0"/>
+          <a:ext cx="0" cy="0"/>
+          <a:chOff x="0" y="0"/>
+          <a:chExt cx="0" cy="0"/>
+        </a:xfrm>
+      </p:grpSpPr>
+      <p:sp>
+        <p:nvSpPr>
+          <p:cNvPr id="3" name="Titre 1">
+            <a:extLst>
+              <a:ext uri="{FF2B5EF4-FFF2-40B4-BE49-F238E27FC236}">
+                <a16:creationId xmlns:a16="http://schemas.microsoft.com/office/drawing/2014/main" id="{E7373E66-041F-37D5-0ADF-25BA87ABC979}"/>
+              </a:ext>
+            </a:extLst>
+          </p:cNvPr>
+          <p:cNvSpPr>
+            <a:spLocks noGrp="1"/>
+          </p:cNvSpPr>
+          <p:nvPr>
+            <p:ph type="title"/>
+          </p:nvPr>
+        </p:nvSpPr>
+        <p:spPr>
+          <a:xfrm>
+            <a:off x="1097279" y="286603"/>
+            <a:ext cx="11167425" cy="1450757"/>
+          </a:xfrm>
+        </p:spPr>
+        <p:txBody>
+          <a:bodyPr>
+            <a:normAutofit/>
+          </a:bodyPr>
+          <a:lstStyle/>
+          <a:p>
+            <a:r>
+              <a:rPr lang="fr-FR" dirty="0"/>
+              <a:t>X- Asynchrone </a:t>
+            </a:r>
+            <a:br>
+              <a:rPr lang="fr-FR" dirty="0"/>
+            </a:br>
+            <a:r>
+              <a:rPr lang="fr-FR" dirty="0"/>
+              <a:t>	</a:t>
+            </a:r>
+            <a:r>
+              <a:rPr lang="fr-FR" sz="3600" i="1" dirty="0"/>
+              <a:t>  2. </a:t>
+            </a:r>
+            <a:r>
+              <a:rPr lang="fr-FR" sz="3600" i="1" dirty="0" err="1"/>
+              <a:t>Async</a:t>
+            </a:r>
+            <a:r>
+              <a:rPr lang="fr-FR" sz="3600" i="1" dirty="0"/>
+              <a:t> &amp; </a:t>
+            </a:r>
+            <a:r>
+              <a:rPr lang="fr-FR" sz="3600" i="1" dirty="0" err="1"/>
+              <a:t>Await</a:t>
+            </a:r>
+            <a:r>
+              <a:rPr lang="fr-FR" sz="3600" i="1" dirty="0"/>
+              <a:t> </a:t>
+            </a:r>
+          </a:p>
+        </p:txBody>
+      </p:sp>
+      <p:sp>
+        <p:nvSpPr>
+          <p:cNvPr id="2" name="ZoneTexte 1">
+            <a:extLst>
+              <a:ext uri="{FF2B5EF4-FFF2-40B4-BE49-F238E27FC236}">
+                <a16:creationId xmlns:a16="http://schemas.microsoft.com/office/drawing/2014/main" id="{CA7E684F-32DC-C579-C5ED-309AC5852DBB}"/>
+              </a:ext>
+            </a:extLst>
+          </p:cNvPr>
+          <p:cNvSpPr txBox="1"/>
+          <p:nvPr/>
+        </p:nvSpPr>
+        <p:spPr>
+          <a:xfrm>
+            <a:off x="1325462" y="2441196"/>
+            <a:ext cx="9169167" cy="3693319"/>
+          </a:xfrm>
+          <a:prstGeom prst="rect">
+            <a:avLst/>
+          </a:prstGeom>
+          <a:noFill/>
+        </p:spPr>
+        <p:txBody>
+          <a:bodyPr wrap="square" rtlCol="0">
+            <a:spAutoFit/>
+          </a:bodyPr>
+          <a:lstStyle/>
+          <a:p>
+            <a:r>
+              <a:rPr lang="fr-FR" b="1" dirty="0"/>
+              <a:t>Sucres syntaxique </a:t>
+            </a:r>
+            <a:r>
+              <a:rPr lang="fr-FR" dirty="0">
+                <a:sym typeface="Wingdings" panose="05000000000000000000" pitchFamily="2" charset="2"/>
+              </a:rPr>
+              <a:t> </a:t>
+            </a:r>
+            <a:r>
+              <a:rPr lang="fr-FR" b="1" dirty="0">
+                <a:sym typeface="Wingdings" panose="05000000000000000000" pitchFamily="2" charset="2"/>
+              </a:rPr>
+              <a:t>n’apporte pas de nouvelles fonctionnalités </a:t>
+            </a:r>
+            <a:r>
+              <a:rPr lang="fr-FR" dirty="0">
+                <a:sym typeface="Wingdings" panose="05000000000000000000" pitchFamily="2" charset="2"/>
+              </a:rPr>
+              <a:t>mais permet d’utiliser les 		promesses de manière plus intuitive.</a:t>
+            </a:r>
+          </a:p>
+          <a:p>
+            <a:endParaRPr lang="fr-FR" dirty="0">
+              <a:sym typeface="Wingdings" panose="05000000000000000000" pitchFamily="2" charset="2"/>
+            </a:endParaRPr>
+          </a:p>
+          <a:p>
+            <a:endParaRPr lang="fr-FR" dirty="0">
+              <a:sym typeface="Wingdings" panose="05000000000000000000" pitchFamily="2" charset="2"/>
+            </a:endParaRPr>
+          </a:p>
+          <a:p>
+            <a:pPr marL="285750" indent="-285750">
+              <a:buFont typeface="Arial" panose="020B0604020202020204" pitchFamily="34" charset="0"/>
+              <a:buChar char="•"/>
+            </a:pPr>
+            <a:r>
+              <a:rPr lang="fr-FR" dirty="0"/>
+              <a:t> Lorsqu'une </a:t>
+            </a:r>
+            <a:r>
+              <a:rPr lang="fr-FR" b="1" dirty="0"/>
+              <a:t>fonction</a:t>
+            </a:r>
+            <a:r>
+              <a:rPr lang="fr-FR" dirty="0"/>
+              <a:t> est déclarée avec </a:t>
+            </a:r>
+            <a:r>
+              <a:rPr lang="fr-FR" b="1" dirty="0" err="1"/>
+              <a:t>async</a:t>
+            </a:r>
+            <a:r>
+              <a:rPr lang="fr-FR" dirty="0"/>
+              <a:t>, elle est </a:t>
+            </a:r>
+            <a:r>
+              <a:rPr lang="fr-FR" b="1" dirty="0"/>
+              <a:t>automatiquement enveloppée </a:t>
+            </a:r>
+            <a:r>
+              <a:rPr lang="fr-FR" dirty="0"/>
+              <a:t>dans une </a:t>
+            </a:r>
+            <a:r>
+              <a:rPr lang="fr-FR" b="1" dirty="0"/>
+              <a:t>Promesse</a:t>
+            </a:r>
+            <a:r>
+              <a:rPr lang="fr-FR" dirty="0"/>
+              <a:t>. C’est-à-dire que le </a:t>
+            </a:r>
+            <a:r>
+              <a:rPr lang="fr-FR" b="1" dirty="0"/>
+              <a:t>résultat de la fonction sera renvoyé sous forme de Promesse.</a:t>
+            </a:r>
+          </a:p>
+          <a:p>
+            <a:pPr marL="285750" indent="-285750">
+              <a:buFont typeface="Arial" panose="020B0604020202020204" pitchFamily="34" charset="0"/>
+              <a:buChar char="•"/>
+            </a:pPr>
+            <a:endParaRPr lang="fr-FR" dirty="0"/>
+          </a:p>
+          <a:p>
+            <a:endParaRPr lang="fr-FR" dirty="0"/>
+          </a:p>
+          <a:p>
+            <a:pPr marL="285750" indent="-285750">
+              <a:buFont typeface="Arial" panose="020B0604020202020204" pitchFamily="34" charset="0"/>
+              <a:buChar char="•"/>
+            </a:pPr>
+            <a:r>
+              <a:rPr lang="fr-FR" dirty="0"/>
+              <a:t> </a:t>
+            </a:r>
+            <a:r>
+              <a:rPr lang="fr-FR" b="1" dirty="0" err="1"/>
+              <a:t>Await</a:t>
+            </a:r>
+            <a:r>
+              <a:rPr lang="fr-FR" dirty="0"/>
+              <a:t> est utilisé </a:t>
+            </a:r>
+            <a:r>
+              <a:rPr lang="fr-FR" b="1" dirty="0"/>
+              <a:t>pour mettre en pause l'exécution d'une fonction asynchrone </a:t>
+            </a:r>
+            <a:r>
+              <a:rPr lang="fr-FR" dirty="0"/>
+              <a:t>jusqu'à ce que la Promesse qu'elle attend soit résolue.</a:t>
+            </a:r>
+          </a:p>
+          <a:p>
+            <a:endParaRPr lang="fr-FR" dirty="0"/>
+          </a:p>
+          <a:p>
+            <a:endParaRPr lang="fr-FR" dirty="0"/>
+          </a:p>
+        </p:txBody>
+      </p:sp>
+      <p:pic>
+        <p:nvPicPr>
+          <p:cNvPr id="4" name="Picture 12" descr="JavaScript Logo et symbole, sens, histoire, PNG, marque">
+            <a:extLst>
+              <a:ext uri="{FF2B5EF4-FFF2-40B4-BE49-F238E27FC236}">
+                <a16:creationId xmlns:a16="http://schemas.microsoft.com/office/drawing/2014/main" id="{235746C3-4EB5-0723-B67E-507529112846}"/>
+              </a:ext>
+            </a:extLst>
+          </p:cNvPr>
+          <p:cNvPicPr>
+            <a:picLocks noChangeAspect="1" noChangeArrowheads="1"/>
+          </p:cNvPicPr>
+          <p:nvPr/>
+        </p:nvPicPr>
+        <p:blipFill>
+          <a:blip r:embed="rId2">
+            <a:extLst>
+              <a:ext uri="{28A0092B-C50C-407E-A947-70E740481C1C}">
+                <a14:useLocalDpi xmlns:a14="http://schemas.microsoft.com/office/drawing/2010/main" val="0"/>
+              </a:ext>
+            </a:extLst>
+          </a:blip>
+          <a:srcRect/>
+          <a:stretch>
+            <a:fillRect/>
+          </a:stretch>
+        </p:blipFill>
+        <p:spPr bwMode="auto">
+          <a:xfrm>
+            <a:off x="10380582" y="286603"/>
+            <a:ext cx="1550195" cy="876779"/>
+          </a:xfrm>
+          <a:prstGeom prst="rect">
+            <a:avLst/>
+          </a:prstGeom>
+          <a:noFill/>
+          <a:extLst>
+            <a:ext uri="{909E8E84-426E-40DD-AFC4-6F175D3DCCD1}">
+              <a14:hiddenFill xmlns:a14="http://schemas.microsoft.com/office/drawing/2010/main">
+                <a:solidFill>
+                  <a:srgbClr val="FFFFFF"/>
+                </a:solidFill>
+              </a14:hiddenFill>
+            </a:ext>
+          </a:extLst>
+        </p:spPr>
+      </p:pic>
+    </p:spTree>
+    <p:extLst>
+      <p:ext uri="{BB962C8B-B14F-4D97-AF65-F5344CB8AC3E}">
+        <p14:creationId xmlns:p14="http://schemas.microsoft.com/office/powerpoint/2010/main" val="4195424949"/>
+      </p:ext>
+    </p:extLst>
+  </p:cSld>
+  <p:clrMapOvr>
+    <a:masterClrMapping/>
+  </p:clrMapOvr>
+</p:sld>
+</file>
+
+<file path=ppt/slides/slide101.xml><?xml version="1.0" encoding="utf-8"?>
+<p:sld xmlns:a="http://schemas.openxmlformats.org/drawingml/2006/main" xmlns:r="http://schemas.openxmlformats.org/officeDocument/2006/relationships" xmlns:p="http://schemas.openxmlformats.org/presentationml/2006/main">
+  <p:cSld>
+    <p:spTree>
+      <p:nvGrpSpPr>
+        <p:cNvPr id="1" name=""/>
+        <p:cNvGrpSpPr/>
+        <p:nvPr/>
+      </p:nvGrpSpPr>
+      <p:grpSpPr>
+        <a:xfrm>
+          <a:off x="0" y="0"/>
+          <a:ext cx="0" cy="0"/>
+          <a:chOff x="0" y="0"/>
+          <a:chExt cx="0" cy="0"/>
+        </a:xfrm>
+      </p:grpSpPr>
+      <p:sp>
+        <p:nvSpPr>
+          <p:cNvPr id="3" name="Titre 1">
+            <a:extLst>
+              <a:ext uri="{FF2B5EF4-FFF2-40B4-BE49-F238E27FC236}">
+                <a16:creationId xmlns:a16="http://schemas.microsoft.com/office/drawing/2014/main" id="{E7373E66-041F-37D5-0ADF-25BA87ABC979}"/>
+              </a:ext>
+            </a:extLst>
+          </p:cNvPr>
+          <p:cNvSpPr>
+            <a:spLocks noGrp="1"/>
+          </p:cNvSpPr>
+          <p:nvPr>
+            <p:ph type="title"/>
+          </p:nvPr>
+        </p:nvSpPr>
+        <p:spPr>
+          <a:xfrm>
+            <a:off x="1097279" y="286603"/>
+            <a:ext cx="11167425" cy="1450757"/>
+          </a:xfrm>
+        </p:spPr>
+        <p:txBody>
+          <a:bodyPr>
+            <a:normAutofit/>
+          </a:bodyPr>
+          <a:lstStyle/>
+          <a:p>
+            <a:r>
+              <a:rPr lang="fr-FR" dirty="0"/>
+              <a:t>X- Asynchrone </a:t>
+            </a:r>
+            <a:br>
+              <a:rPr lang="fr-FR" dirty="0"/>
+            </a:br>
+            <a:r>
+              <a:rPr lang="fr-FR" dirty="0"/>
+              <a:t>	</a:t>
+            </a:r>
+            <a:r>
+              <a:rPr lang="fr-FR" sz="3600" i="1" dirty="0"/>
+              <a:t>  2. </a:t>
+            </a:r>
+            <a:r>
+              <a:rPr lang="fr-FR" sz="3600" i="1" dirty="0" err="1"/>
+              <a:t>Async</a:t>
+            </a:r>
+            <a:r>
+              <a:rPr lang="fr-FR" sz="3600" i="1" dirty="0"/>
+              <a:t> &amp; </a:t>
+            </a:r>
+            <a:r>
+              <a:rPr lang="fr-FR" sz="3600" i="1" dirty="0" err="1"/>
+              <a:t>Await</a:t>
+            </a:r>
+            <a:r>
+              <a:rPr lang="fr-FR" sz="3600" i="1" dirty="0"/>
+              <a:t> </a:t>
+            </a:r>
+          </a:p>
+        </p:txBody>
+      </p:sp>
+      <p:pic>
+        <p:nvPicPr>
+          <p:cNvPr id="5" name="Image 4">
+            <a:extLst>
+              <a:ext uri="{FF2B5EF4-FFF2-40B4-BE49-F238E27FC236}">
+                <a16:creationId xmlns:a16="http://schemas.microsoft.com/office/drawing/2014/main" id="{90212CA2-CE31-A9B0-3617-F6457C0E0B31}"/>
+              </a:ext>
+            </a:extLst>
+          </p:cNvPr>
+          <p:cNvPicPr>
+            <a:picLocks noChangeAspect="1"/>
+          </p:cNvPicPr>
+          <p:nvPr/>
+        </p:nvPicPr>
+        <p:blipFill>
+          <a:blip r:embed="rId2"/>
+          <a:stretch>
+            <a:fillRect/>
+          </a:stretch>
+        </p:blipFill>
+        <p:spPr>
+          <a:xfrm>
+            <a:off x="2209208" y="2720680"/>
+            <a:ext cx="6744641" cy="2781688"/>
+          </a:xfrm>
+          <a:prstGeom prst="rect">
+            <a:avLst/>
+          </a:prstGeom>
+        </p:spPr>
+      </p:pic>
+      <p:pic>
+        <p:nvPicPr>
+          <p:cNvPr id="2" name="Picture 12" descr="JavaScript Logo et symbole, sens, histoire, PNG, marque">
+            <a:extLst>
+              <a:ext uri="{FF2B5EF4-FFF2-40B4-BE49-F238E27FC236}">
+                <a16:creationId xmlns:a16="http://schemas.microsoft.com/office/drawing/2014/main" id="{939A8D5C-0636-C981-4284-9B24C99507CD}"/>
+              </a:ext>
+            </a:extLst>
+          </p:cNvPr>
+          <p:cNvPicPr>
+            <a:picLocks noChangeAspect="1" noChangeArrowheads="1"/>
+          </p:cNvPicPr>
+          <p:nvPr/>
+        </p:nvPicPr>
+        <p:blipFill>
+          <a:blip r:embed="rId3">
+            <a:extLst>
+              <a:ext uri="{28A0092B-C50C-407E-A947-70E740481C1C}">
+                <a14:useLocalDpi xmlns:a14="http://schemas.microsoft.com/office/drawing/2010/main" val="0"/>
+              </a:ext>
+            </a:extLst>
+          </a:blip>
+          <a:srcRect/>
+          <a:stretch>
+            <a:fillRect/>
+          </a:stretch>
+        </p:blipFill>
+        <p:spPr bwMode="auto">
+          <a:xfrm>
+            <a:off x="10380582" y="286603"/>
+            <a:ext cx="1550195" cy="876779"/>
+          </a:xfrm>
+          <a:prstGeom prst="rect">
+            <a:avLst/>
+          </a:prstGeom>
+          <a:noFill/>
+          <a:extLst>
+            <a:ext uri="{909E8E84-426E-40DD-AFC4-6F175D3DCCD1}">
+              <a14:hiddenFill xmlns:a14="http://schemas.microsoft.com/office/drawing/2010/main">
+                <a:solidFill>
+                  <a:srgbClr val="FFFFFF"/>
+                </a:solidFill>
+              </a14:hiddenFill>
+            </a:ext>
+          </a:extLst>
+        </p:spPr>
+      </p:pic>
+    </p:spTree>
+    <p:extLst>
+      <p:ext uri="{BB962C8B-B14F-4D97-AF65-F5344CB8AC3E}">
+        <p14:creationId xmlns:p14="http://schemas.microsoft.com/office/powerpoint/2010/main" val="4201561844"/>
+      </p:ext>
+    </p:extLst>
+  </p:cSld>
+  <p:clrMapOvr>
+    <a:masterClrMapping/>
+  </p:clrMapOvr>
+</p:sld>
+</file>
+
+<file path=ppt/slides/slide102.xml><?xml version="1.0" encoding="utf-8"?>
+<p:sld xmlns:a="http://schemas.openxmlformats.org/drawingml/2006/main" xmlns:r="http://schemas.openxmlformats.org/officeDocument/2006/relationships" xmlns:p="http://schemas.openxmlformats.org/presentationml/2006/main">
+  <p:cSld>
+    <p:spTree>
+      <p:nvGrpSpPr>
+        <p:cNvPr id="1" name=""/>
+        <p:cNvGrpSpPr/>
+        <p:nvPr/>
+      </p:nvGrpSpPr>
+      <p:grpSpPr>
+        <a:xfrm>
+          <a:off x="0" y="0"/>
+          <a:ext cx="0" cy="0"/>
+          <a:chOff x="0" y="0"/>
+          <a:chExt cx="0" cy="0"/>
+        </a:xfrm>
+      </p:grpSpPr>
+      <p:sp>
+        <p:nvSpPr>
+          <p:cNvPr id="3" name="Titre 1">
+            <a:extLst>
+              <a:ext uri="{FF2B5EF4-FFF2-40B4-BE49-F238E27FC236}">
+                <a16:creationId xmlns:a16="http://schemas.microsoft.com/office/drawing/2014/main" id="{E7373E66-041F-37D5-0ADF-25BA87ABC979}"/>
+              </a:ext>
+            </a:extLst>
+          </p:cNvPr>
+          <p:cNvSpPr>
+            <a:spLocks noGrp="1"/>
+          </p:cNvSpPr>
+          <p:nvPr>
+            <p:ph type="title"/>
+          </p:nvPr>
+        </p:nvSpPr>
+        <p:spPr>
+          <a:xfrm>
+            <a:off x="1097279" y="286603"/>
+            <a:ext cx="11167425" cy="1450757"/>
+          </a:xfrm>
+        </p:spPr>
+        <p:txBody>
+          <a:bodyPr>
+            <a:normAutofit/>
+          </a:bodyPr>
+          <a:lstStyle/>
+          <a:p>
+            <a:r>
+              <a:rPr lang="fr-FR" dirty="0"/>
+              <a:t>XI- API </a:t>
+            </a:r>
+            <a:br>
+              <a:rPr lang="fr-FR" dirty="0"/>
+            </a:br>
+            <a:r>
+              <a:rPr lang="fr-FR" dirty="0"/>
+              <a:t>	</a:t>
+            </a:r>
+            <a:r>
+              <a:rPr lang="fr-FR" sz="3600" i="1" dirty="0"/>
+              <a:t>  1. Qu’est-ce qu’une API </a:t>
+            </a:r>
+          </a:p>
+        </p:txBody>
+      </p:sp>
+      <p:pic>
+        <p:nvPicPr>
+          <p:cNvPr id="4" name="Image 3">
+            <a:extLst>
+              <a:ext uri="{FF2B5EF4-FFF2-40B4-BE49-F238E27FC236}">
+                <a16:creationId xmlns:a16="http://schemas.microsoft.com/office/drawing/2014/main" id="{A24D67A0-73F2-7C1D-D8AF-91AE7AC69728}"/>
+              </a:ext>
+            </a:extLst>
+          </p:cNvPr>
+          <p:cNvPicPr>
+            <a:picLocks noChangeAspect="1"/>
+          </p:cNvPicPr>
+          <p:nvPr/>
+        </p:nvPicPr>
+        <p:blipFill>
+          <a:blip r:embed="rId2"/>
+          <a:stretch>
+            <a:fillRect/>
+          </a:stretch>
+        </p:blipFill>
+        <p:spPr>
+          <a:xfrm>
+            <a:off x="1711355" y="2150821"/>
+            <a:ext cx="8187655" cy="4018203"/>
+          </a:xfrm>
+          <a:prstGeom prst="rect">
+            <a:avLst/>
+          </a:prstGeom>
+        </p:spPr>
+      </p:pic>
+      <p:pic>
+        <p:nvPicPr>
+          <p:cNvPr id="2" name="Picture 12" descr="JavaScript Logo et symbole, sens, histoire, PNG, marque">
+            <a:extLst>
+              <a:ext uri="{FF2B5EF4-FFF2-40B4-BE49-F238E27FC236}">
+                <a16:creationId xmlns:a16="http://schemas.microsoft.com/office/drawing/2014/main" id="{E6E784DD-6F99-94EF-A3AB-A70858A24F32}"/>
+              </a:ext>
+            </a:extLst>
+          </p:cNvPr>
+          <p:cNvPicPr>
+            <a:picLocks noChangeAspect="1" noChangeArrowheads="1"/>
+          </p:cNvPicPr>
+          <p:nvPr/>
+        </p:nvPicPr>
+        <p:blipFill>
+          <a:blip r:embed="rId3">
+            <a:extLst>
+              <a:ext uri="{28A0092B-C50C-407E-A947-70E740481C1C}">
+                <a14:useLocalDpi xmlns:a14="http://schemas.microsoft.com/office/drawing/2010/main" val="0"/>
+              </a:ext>
+            </a:extLst>
+          </a:blip>
+          <a:srcRect/>
+          <a:stretch>
+            <a:fillRect/>
+          </a:stretch>
+        </p:blipFill>
+        <p:spPr bwMode="auto">
+          <a:xfrm>
+            <a:off x="10380582" y="286603"/>
+            <a:ext cx="1550195" cy="876779"/>
+          </a:xfrm>
+          <a:prstGeom prst="rect">
+            <a:avLst/>
+          </a:prstGeom>
+          <a:noFill/>
+          <a:extLst>
+            <a:ext uri="{909E8E84-426E-40DD-AFC4-6F175D3DCCD1}">
+              <a14:hiddenFill xmlns:a14="http://schemas.microsoft.com/office/drawing/2010/main">
+                <a:solidFill>
+                  <a:srgbClr val="FFFFFF"/>
+                </a:solidFill>
+              </a14:hiddenFill>
+            </a:ext>
+          </a:extLst>
+        </p:spPr>
+      </p:pic>
+    </p:spTree>
+    <p:extLst>
+      <p:ext uri="{BB962C8B-B14F-4D97-AF65-F5344CB8AC3E}">
+        <p14:creationId xmlns:p14="http://schemas.microsoft.com/office/powerpoint/2010/main" val="1696773232"/>
+      </p:ext>
+    </p:extLst>
+  </p:cSld>
+  <p:clrMapOvr>
+    <a:masterClrMapping/>
+  </p:clrMapOvr>
+</p:sld>
+</file>
+
+<file path=ppt/slides/slide103.xml><?xml version="1.0" encoding="utf-8"?>
+<p:sld xmlns:a="http://schemas.openxmlformats.org/drawingml/2006/main" xmlns:r="http://schemas.openxmlformats.org/officeDocument/2006/relationships" xmlns:p="http://schemas.openxmlformats.org/presentationml/2006/main">
+  <p:cSld>
+    <p:spTree>
+      <p:nvGrpSpPr>
+        <p:cNvPr id="1" name=""/>
+        <p:cNvGrpSpPr/>
+        <p:nvPr/>
+      </p:nvGrpSpPr>
+      <p:grpSpPr>
+        <a:xfrm>
+          <a:off x="0" y="0"/>
+          <a:ext cx="0" cy="0"/>
+          <a:chOff x="0" y="0"/>
+          <a:chExt cx="0" cy="0"/>
+        </a:xfrm>
+      </p:grpSpPr>
+      <p:sp>
+        <p:nvSpPr>
+          <p:cNvPr id="3" name="Titre 1">
+            <a:extLst>
+              <a:ext uri="{FF2B5EF4-FFF2-40B4-BE49-F238E27FC236}">
+                <a16:creationId xmlns:a16="http://schemas.microsoft.com/office/drawing/2014/main" id="{E7373E66-041F-37D5-0ADF-25BA87ABC979}"/>
+              </a:ext>
+            </a:extLst>
+          </p:cNvPr>
+          <p:cNvSpPr>
+            <a:spLocks noGrp="1"/>
+          </p:cNvSpPr>
+          <p:nvPr>
+            <p:ph type="title"/>
+          </p:nvPr>
+        </p:nvSpPr>
+        <p:spPr>
+          <a:xfrm>
+            <a:off x="1097279" y="286603"/>
+            <a:ext cx="11167425" cy="1450757"/>
+          </a:xfrm>
+        </p:spPr>
+        <p:txBody>
+          <a:bodyPr>
+            <a:normAutofit/>
+          </a:bodyPr>
+          <a:lstStyle/>
+          <a:p>
+            <a:r>
+              <a:rPr lang="fr-FR" dirty="0"/>
+              <a:t>XI- API </a:t>
+            </a:r>
+            <a:br>
+              <a:rPr lang="fr-FR" dirty="0"/>
+            </a:br>
+            <a:r>
+              <a:rPr lang="fr-FR" dirty="0"/>
+              <a:t>	</a:t>
+            </a:r>
+            <a:r>
+              <a:rPr lang="fr-FR" sz="3600" i="1" dirty="0"/>
+              <a:t>  1. Qu’est-ce qu’une API </a:t>
+            </a:r>
+          </a:p>
+        </p:txBody>
+      </p:sp>
+      <p:sp>
+        <p:nvSpPr>
+          <p:cNvPr id="7" name="ZoneTexte 6">
+            <a:extLst>
+              <a:ext uri="{FF2B5EF4-FFF2-40B4-BE49-F238E27FC236}">
+                <a16:creationId xmlns:a16="http://schemas.microsoft.com/office/drawing/2014/main" id="{D3123F0C-659E-9BD9-0D69-EF4ABC95B92D}"/>
+              </a:ext>
+            </a:extLst>
+          </p:cNvPr>
+          <p:cNvSpPr txBox="1"/>
+          <p:nvPr/>
+        </p:nvSpPr>
+        <p:spPr>
+          <a:xfrm>
+            <a:off x="142400" y="2735615"/>
+            <a:ext cx="7021798" cy="3139321"/>
+          </a:xfrm>
+          <a:prstGeom prst="rect">
+            <a:avLst/>
+          </a:prstGeom>
+          <a:noFill/>
+        </p:spPr>
+        <p:txBody>
+          <a:bodyPr wrap="square" rtlCol="0">
+            <a:spAutoFit/>
+          </a:bodyPr>
+          <a:lstStyle/>
+          <a:p>
+            <a:r>
+              <a:rPr lang="fr-FR" b="0" i="0" dirty="0">
+                <a:solidFill>
+                  <a:srgbClr val="374151"/>
+                </a:solidFill>
+                <a:effectLst/>
+                <a:latin typeface="Söhne"/>
+              </a:rPr>
+              <a:t>API signifie « Application </a:t>
+            </a:r>
+            <a:r>
+              <a:rPr lang="fr-FR" b="0" i="0" dirty="0" err="1">
+                <a:solidFill>
+                  <a:srgbClr val="374151"/>
+                </a:solidFill>
+                <a:effectLst/>
+                <a:latin typeface="Söhne"/>
+              </a:rPr>
+              <a:t>Programming</a:t>
+            </a:r>
+            <a:r>
+              <a:rPr lang="fr-FR" b="0" i="0" dirty="0">
+                <a:solidFill>
+                  <a:srgbClr val="374151"/>
+                </a:solidFill>
+                <a:effectLst/>
+                <a:latin typeface="Söhne"/>
+              </a:rPr>
+              <a:t> Interface », les Api vont nous permettre de récupérer des données provenant</a:t>
+            </a:r>
+            <a:r>
+              <a:rPr lang="fr-FR" dirty="0">
+                <a:solidFill>
+                  <a:srgbClr val="374151"/>
+                </a:solidFill>
+                <a:latin typeface="Söhne"/>
+              </a:rPr>
+              <a:t> d’applications externes afin d’alimenter les nôtres.</a:t>
+            </a:r>
+          </a:p>
+          <a:p>
+            <a:endParaRPr lang="fr-FR" dirty="0">
+              <a:solidFill>
+                <a:srgbClr val="374151"/>
+              </a:solidFill>
+              <a:latin typeface="Söhne"/>
+            </a:endParaRPr>
+          </a:p>
+          <a:p>
+            <a:endParaRPr lang="fr-FR" dirty="0">
+              <a:solidFill>
+                <a:srgbClr val="374151"/>
+              </a:solidFill>
+              <a:latin typeface="Söhne"/>
+            </a:endParaRPr>
+          </a:p>
+          <a:p>
+            <a:r>
+              <a:rPr lang="fr-FR" dirty="0">
+                <a:solidFill>
+                  <a:srgbClr val="374151"/>
+                </a:solidFill>
+                <a:latin typeface="Söhne"/>
+              </a:rPr>
+              <a:t>Les API sont basées sur des protocoles standard tels que HTTP afin d’échanger les données. L’API peut retourner les données sous différents formats, tels que : JSON, XML, CSV … </a:t>
+            </a:r>
+          </a:p>
+          <a:p>
+            <a:endParaRPr lang="fr-FR" dirty="0">
+              <a:solidFill>
+                <a:srgbClr val="374151"/>
+              </a:solidFill>
+              <a:latin typeface="Söhne"/>
+            </a:endParaRPr>
+          </a:p>
+          <a:p>
+            <a:endParaRPr lang="fr-FR" dirty="0">
+              <a:solidFill>
+                <a:srgbClr val="374151"/>
+              </a:solidFill>
+              <a:latin typeface="Söhne"/>
+            </a:endParaRPr>
+          </a:p>
+          <a:p>
+            <a:endParaRPr lang="fr-FR" dirty="0"/>
+          </a:p>
+        </p:txBody>
+      </p:sp>
+      <p:pic>
+        <p:nvPicPr>
+          <p:cNvPr id="10" name="Image 9">
+            <a:extLst>
+              <a:ext uri="{FF2B5EF4-FFF2-40B4-BE49-F238E27FC236}">
+                <a16:creationId xmlns:a16="http://schemas.microsoft.com/office/drawing/2014/main" id="{D932F92B-3916-38A4-0997-FA4E2090ED16}"/>
+              </a:ext>
+            </a:extLst>
+          </p:cNvPr>
+          <p:cNvPicPr>
+            <a:picLocks noChangeAspect="1"/>
+          </p:cNvPicPr>
+          <p:nvPr/>
+        </p:nvPicPr>
+        <p:blipFill>
+          <a:blip r:embed="rId2"/>
+          <a:stretch>
+            <a:fillRect/>
+          </a:stretch>
+        </p:blipFill>
+        <p:spPr>
+          <a:xfrm>
+            <a:off x="6937695" y="1963491"/>
+            <a:ext cx="4513278" cy="4406570"/>
+          </a:xfrm>
+          <a:prstGeom prst="rect">
+            <a:avLst/>
+          </a:prstGeom>
+        </p:spPr>
+      </p:pic>
+      <p:pic>
+        <p:nvPicPr>
+          <p:cNvPr id="2" name="Picture 12" descr="JavaScript Logo et symbole, sens, histoire, PNG, marque">
+            <a:extLst>
+              <a:ext uri="{FF2B5EF4-FFF2-40B4-BE49-F238E27FC236}">
+                <a16:creationId xmlns:a16="http://schemas.microsoft.com/office/drawing/2014/main" id="{754909AC-0467-B26C-AE83-B3F942E5F31E}"/>
+              </a:ext>
+            </a:extLst>
+          </p:cNvPr>
+          <p:cNvPicPr>
+            <a:picLocks noChangeAspect="1" noChangeArrowheads="1"/>
+          </p:cNvPicPr>
+          <p:nvPr/>
+        </p:nvPicPr>
+        <p:blipFill>
+          <a:blip r:embed="rId3">
+            <a:extLst>
+              <a:ext uri="{28A0092B-C50C-407E-A947-70E740481C1C}">
+                <a14:useLocalDpi xmlns:a14="http://schemas.microsoft.com/office/drawing/2010/main" val="0"/>
+              </a:ext>
+            </a:extLst>
+          </a:blip>
+          <a:srcRect/>
+          <a:stretch>
+            <a:fillRect/>
+          </a:stretch>
+        </p:blipFill>
+        <p:spPr bwMode="auto">
+          <a:xfrm>
+            <a:off x="10380582" y="286603"/>
+            <a:ext cx="1550195" cy="876779"/>
+          </a:xfrm>
+          <a:prstGeom prst="rect">
+            <a:avLst/>
+          </a:prstGeom>
+          <a:noFill/>
+          <a:extLst>
+            <a:ext uri="{909E8E84-426E-40DD-AFC4-6F175D3DCCD1}">
+              <a14:hiddenFill xmlns:a14="http://schemas.microsoft.com/office/drawing/2010/main">
+                <a:solidFill>
+                  <a:srgbClr val="FFFFFF"/>
+                </a:solidFill>
+              </a14:hiddenFill>
+            </a:ext>
+          </a:extLst>
+        </p:spPr>
+      </p:pic>
+    </p:spTree>
+    <p:extLst>
+      <p:ext uri="{BB962C8B-B14F-4D97-AF65-F5344CB8AC3E}">
+        <p14:creationId xmlns:p14="http://schemas.microsoft.com/office/powerpoint/2010/main" val="1270148494"/>
+      </p:ext>
+    </p:extLst>
+  </p:cSld>
+  <p:clrMapOvr>
+    <a:masterClrMapping/>
+  </p:clrMapOvr>
+</p:sld>
+</file>
+
+<file path=ppt/slides/slide104.xml><?xml version="1.0" encoding="utf-8"?>
+<p:sld xmlns:a="http://schemas.openxmlformats.org/drawingml/2006/main" xmlns:r="http://schemas.openxmlformats.org/officeDocument/2006/relationships" xmlns:p="http://schemas.openxmlformats.org/presentationml/2006/main">
+  <p:cSld>
+    <p:spTree>
+      <p:nvGrpSpPr>
+        <p:cNvPr id="1" name=""/>
+        <p:cNvGrpSpPr/>
+        <p:nvPr/>
+      </p:nvGrpSpPr>
+      <p:grpSpPr>
+        <a:xfrm>
+          <a:off x="0" y="0"/>
+          <a:ext cx="0" cy="0"/>
+          <a:chOff x="0" y="0"/>
+          <a:chExt cx="0" cy="0"/>
+        </a:xfrm>
+      </p:grpSpPr>
+      <p:sp>
+        <p:nvSpPr>
+          <p:cNvPr id="3" name="Titre 1">
+            <a:extLst>
+              <a:ext uri="{FF2B5EF4-FFF2-40B4-BE49-F238E27FC236}">
+                <a16:creationId xmlns:a16="http://schemas.microsoft.com/office/drawing/2014/main" id="{E7373E66-041F-37D5-0ADF-25BA87ABC979}"/>
+              </a:ext>
+            </a:extLst>
+          </p:cNvPr>
+          <p:cNvSpPr>
+            <a:spLocks noGrp="1"/>
+          </p:cNvSpPr>
+          <p:nvPr>
+            <p:ph type="title"/>
+          </p:nvPr>
+        </p:nvSpPr>
+        <p:spPr>
+          <a:xfrm>
+            <a:off x="1097279" y="286603"/>
+            <a:ext cx="11167425" cy="1450757"/>
+          </a:xfrm>
+        </p:spPr>
+        <p:txBody>
+          <a:bodyPr>
+            <a:normAutofit/>
+          </a:bodyPr>
+          <a:lstStyle/>
+          <a:p>
+            <a:r>
+              <a:rPr lang="fr-FR" dirty="0"/>
+              <a:t>XI- API </a:t>
+            </a:r>
+            <a:br>
+              <a:rPr lang="fr-FR" dirty="0"/>
+            </a:br>
+            <a:r>
+              <a:rPr lang="fr-FR" dirty="0"/>
+              <a:t>	</a:t>
+            </a:r>
+            <a:r>
+              <a:rPr lang="fr-FR" sz="3600" i="1" dirty="0"/>
+              <a:t>  1. Communiquer avec une API</a:t>
+            </a:r>
+          </a:p>
+        </p:txBody>
+      </p:sp>
+      <p:sp>
+        <p:nvSpPr>
+          <p:cNvPr id="4" name="ZoneTexte 3">
+            <a:extLst>
+              <a:ext uri="{FF2B5EF4-FFF2-40B4-BE49-F238E27FC236}">
+                <a16:creationId xmlns:a16="http://schemas.microsoft.com/office/drawing/2014/main" id="{217F1D0B-FCFA-8A70-56BD-D1A5E3A732F5}"/>
+              </a:ext>
+            </a:extLst>
+          </p:cNvPr>
+          <p:cNvSpPr txBox="1"/>
+          <p:nvPr/>
+        </p:nvSpPr>
+        <p:spPr>
+          <a:xfrm>
+            <a:off x="607362" y="2596244"/>
+            <a:ext cx="11355339" cy="3416320"/>
+          </a:xfrm>
+          <a:prstGeom prst="rect">
+            <a:avLst/>
+          </a:prstGeom>
+          <a:noFill/>
+        </p:spPr>
+        <p:txBody>
+          <a:bodyPr wrap="square" rtlCol="0">
+            <a:spAutoFit/>
+          </a:bodyPr>
+          <a:lstStyle/>
+          <a:p>
+            <a:r>
+              <a:rPr lang="fr-FR" sz="2000" dirty="0"/>
+              <a:t>Il existe plusieurs méthodes pour interroger une API avec JavaScript </a:t>
+            </a:r>
+          </a:p>
+          <a:p>
+            <a:endParaRPr lang="fr-FR" sz="2000" dirty="0"/>
+          </a:p>
+          <a:p>
+            <a:endParaRPr lang="fr-FR" sz="2000" dirty="0"/>
+          </a:p>
+          <a:p>
+            <a:pPr marL="285750" indent="-285750">
+              <a:buFont typeface="Arial" panose="020B0604020202020204" pitchFamily="34" charset="0"/>
+              <a:buChar char="•"/>
+            </a:pPr>
+            <a:r>
+              <a:rPr lang="fr-FR" sz="2000" dirty="0"/>
+              <a:t>XHR : </a:t>
+            </a:r>
+            <a:r>
+              <a:rPr lang="fr-FR" sz="2000" dirty="0" err="1"/>
+              <a:t>XMLHttpRequest</a:t>
+            </a:r>
+            <a:r>
+              <a:rPr lang="fr-FR" sz="2000" dirty="0"/>
+              <a:t>, que nous n’aborderons pas car c’est l’ancienne manière d’interroger une API</a:t>
+            </a:r>
+          </a:p>
+          <a:p>
+            <a:endParaRPr lang="fr-FR" sz="2000" dirty="0"/>
+          </a:p>
+          <a:p>
+            <a:endParaRPr lang="fr-FR" sz="2000" dirty="0"/>
+          </a:p>
+          <a:p>
+            <a:pPr marL="285750" indent="-285750">
+              <a:buFont typeface="Arial" panose="020B0604020202020204" pitchFamily="34" charset="0"/>
+              <a:buChar char="•"/>
+            </a:pPr>
+            <a:r>
+              <a:rPr lang="fr-FR" sz="2000" dirty="0"/>
+              <a:t>La méthode </a:t>
+            </a:r>
+            <a:r>
+              <a:rPr lang="fr-FR" sz="2000" dirty="0" err="1"/>
+              <a:t>Fetch</a:t>
+            </a:r>
+            <a:r>
+              <a:rPr lang="fr-FR" sz="2000" dirty="0"/>
+              <a:t>(): est une méthode introduite en 2015, elle utilise la technologie AJAX (</a:t>
+            </a:r>
+            <a:r>
+              <a:rPr lang="fr-FR" sz="2000" dirty="0" err="1"/>
+              <a:t>Asynchronous</a:t>
+            </a:r>
+            <a:r>
+              <a:rPr lang="fr-FR" sz="2000" dirty="0"/>
+              <a:t> JavaScript and XML) et intègre plusieurs méthodes qui vont nous permettre de récupérer, d’insérer, de modifier ou de supprimer des données </a:t>
+            </a:r>
+          </a:p>
+          <a:p>
+            <a:endParaRPr lang="fr-FR" b="0" i="0" dirty="0">
+              <a:solidFill>
+                <a:srgbClr val="374151"/>
+              </a:solidFill>
+              <a:effectLst/>
+              <a:latin typeface="Söhne"/>
+            </a:endParaRPr>
+          </a:p>
+          <a:p>
+            <a:endParaRPr lang="fr-FR" dirty="0"/>
+          </a:p>
+        </p:txBody>
+      </p:sp>
+      <p:pic>
+        <p:nvPicPr>
+          <p:cNvPr id="2" name="Picture 12" descr="JavaScript Logo et symbole, sens, histoire, PNG, marque">
+            <a:extLst>
+              <a:ext uri="{FF2B5EF4-FFF2-40B4-BE49-F238E27FC236}">
+                <a16:creationId xmlns:a16="http://schemas.microsoft.com/office/drawing/2014/main" id="{BF38E34E-0171-A12C-16DE-21421E99331C}"/>
+              </a:ext>
+            </a:extLst>
+          </p:cNvPr>
+          <p:cNvPicPr>
+            <a:picLocks noChangeAspect="1" noChangeArrowheads="1"/>
+          </p:cNvPicPr>
+          <p:nvPr/>
+        </p:nvPicPr>
+        <p:blipFill>
+          <a:blip r:embed="rId2">
+            <a:extLst>
+              <a:ext uri="{28A0092B-C50C-407E-A947-70E740481C1C}">
+                <a14:useLocalDpi xmlns:a14="http://schemas.microsoft.com/office/drawing/2010/main" val="0"/>
+              </a:ext>
+            </a:extLst>
+          </a:blip>
+          <a:srcRect/>
+          <a:stretch>
+            <a:fillRect/>
+          </a:stretch>
+        </p:blipFill>
+        <p:spPr bwMode="auto">
+          <a:xfrm>
+            <a:off x="10380582" y="286603"/>
+            <a:ext cx="1550195" cy="876779"/>
+          </a:xfrm>
+          <a:prstGeom prst="rect">
+            <a:avLst/>
+          </a:prstGeom>
+          <a:noFill/>
+          <a:extLst>
+            <a:ext uri="{909E8E84-426E-40DD-AFC4-6F175D3DCCD1}">
+              <a14:hiddenFill xmlns:a14="http://schemas.microsoft.com/office/drawing/2010/main">
+                <a:solidFill>
+                  <a:srgbClr val="FFFFFF"/>
+                </a:solidFill>
+              </a14:hiddenFill>
+            </a:ext>
+          </a:extLst>
+        </p:spPr>
+      </p:pic>
+    </p:spTree>
+    <p:extLst>
+      <p:ext uri="{BB962C8B-B14F-4D97-AF65-F5344CB8AC3E}">
+        <p14:creationId xmlns:p14="http://schemas.microsoft.com/office/powerpoint/2010/main" val="1432935808"/>
+      </p:ext>
+    </p:extLst>
+  </p:cSld>
+  <p:clrMapOvr>
+    <a:masterClrMapping/>
+  </p:clrMapOvr>
+</p:sld>
+</file>
+
+<file path=ppt/slides/slide105.xml><?xml version="1.0" encoding="utf-8"?>
+<p:sld xmlns:a="http://schemas.openxmlformats.org/drawingml/2006/main" xmlns:r="http://schemas.openxmlformats.org/officeDocument/2006/relationships" xmlns:p="http://schemas.openxmlformats.org/presentationml/2006/main">
+  <p:cSld>
+    <p:spTree>
+      <p:nvGrpSpPr>
+        <p:cNvPr id="1" name=""/>
+        <p:cNvGrpSpPr/>
+        <p:nvPr/>
+      </p:nvGrpSpPr>
+      <p:grpSpPr>
+        <a:xfrm>
+          <a:off x="0" y="0"/>
+          <a:ext cx="0" cy="0"/>
+          <a:chOff x="0" y="0"/>
+          <a:chExt cx="0" cy="0"/>
+        </a:xfrm>
+      </p:grpSpPr>
+      <p:sp>
+        <p:nvSpPr>
+          <p:cNvPr id="3" name="Titre 1">
+            <a:extLst>
+              <a:ext uri="{FF2B5EF4-FFF2-40B4-BE49-F238E27FC236}">
+                <a16:creationId xmlns:a16="http://schemas.microsoft.com/office/drawing/2014/main" id="{E7373E66-041F-37D5-0ADF-25BA87ABC979}"/>
+              </a:ext>
+            </a:extLst>
+          </p:cNvPr>
+          <p:cNvSpPr>
+            <a:spLocks noGrp="1"/>
+          </p:cNvSpPr>
+          <p:nvPr>
+            <p:ph type="title"/>
+          </p:nvPr>
+        </p:nvSpPr>
+        <p:spPr>
+          <a:xfrm>
+            <a:off x="1097279" y="286603"/>
+            <a:ext cx="11167425" cy="1450757"/>
+          </a:xfrm>
+        </p:spPr>
+        <p:txBody>
+          <a:bodyPr>
+            <a:normAutofit/>
+          </a:bodyPr>
+          <a:lstStyle/>
+          <a:p>
+            <a:r>
+              <a:rPr lang="fr-FR" dirty="0"/>
+              <a:t>XI- API </a:t>
+            </a:r>
+            <a:br>
+              <a:rPr lang="fr-FR" dirty="0"/>
+            </a:br>
+            <a:r>
+              <a:rPr lang="fr-FR" dirty="0"/>
+              <a:t>	</a:t>
+            </a:r>
+            <a:r>
+              <a:rPr lang="fr-FR" sz="3600" i="1" dirty="0"/>
+              <a:t>  2. Communiquer avec une API en utilisant </a:t>
+            </a:r>
+            <a:r>
+              <a:rPr lang="fr-FR" sz="3600" i="1" dirty="0" err="1"/>
+              <a:t>Fetch</a:t>
+            </a:r>
+            <a:r>
+              <a:rPr lang="fr-FR" sz="3600" i="1" dirty="0"/>
+              <a:t>()</a:t>
+            </a:r>
+          </a:p>
+        </p:txBody>
+      </p:sp>
+      <p:sp>
+        <p:nvSpPr>
+          <p:cNvPr id="2" name="ZoneTexte 1">
+            <a:extLst>
+              <a:ext uri="{FF2B5EF4-FFF2-40B4-BE49-F238E27FC236}">
+                <a16:creationId xmlns:a16="http://schemas.microsoft.com/office/drawing/2014/main" id="{40CB8543-8FEA-47DB-C18A-FD1304451BDC}"/>
+              </a:ext>
+            </a:extLst>
+          </p:cNvPr>
+          <p:cNvSpPr txBox="1"/>
+          <p:nvPr/>
+        </p:nvSpPr>
+        <p:spPr>
+          <a:xfrm>
+            <a:off x="469784" y="4312157"/>
+            <a:ext cx="8070210" cy="2308324"/>
+          </a:xfrm>
+          <a:prstGeom prst="rect">
+            <a:avLst/>
+          </a:prstGeom>
+          <a:noFill/>
+        </p:spPr>
+        <p:txBody>
+          <a:bodyPr wrap="square" rtlCol="0">
+            <a:spAutoFit/>
+          </a:bodyPr>
+          <a:lstStyle/>
+          <a:p>
+            <a:r>
+              <a:rPr lang="fr-FR" dirty="0"/>
+              <a:t>Les méthodes associées à </a:t>
+            </a:r>
+            <a:r>
+              <a:rPr lang="fr-FR" dirty="0" err="1"/>
+              <a:t>fecth</a:t>
+            </a:r>
+            <a:r>
+              <a:rPr lang="fr-FR" dirty="0"/>
+              <a:t>():</a:t>
+            </a:r>
+          </a:p>
+          <a:p>
+            <a:endParaRPr lang="fr-FR" dirty="0"/>
+          </a:p>
+          <a:p>
+            <a:pPr marL="285750" indent="-285750">
+              <a:buFont typeface="Arial" panose="020B0604020202020204" pitchFamily="34" charset="0"/>
+              <a:buChar char="•"/>
+            </a:pPr>
+            <a:r>
+              <a:rPr lang="fr-FR" dirty="0"/>
+              <a:t>GET() </a:t>
+            </a:r>
+            <a:r>
+              <a:rPr lang="fr-FR" dirty="0">
+                <a:sym typeface="Wingdings" panose="05000000000000000000" pitchFamily="2" charset="2"/>
+              </a:rPr>
+              <a:t> récupérer les données </a:t>
+            </a:r>
+            <a:endParaRPr lang="fr-FR" dirty="0"/>
+          </a:p>
+          <a:p>
+            <a:pPr marL="285750" indent="-285750">
+              <a:buFont typeface="Arial" panose="020B0604020202020204" pitchFamily="34" charset="0"/>
+              <a:buChar char="•"/>
+            </a:pPr>
+            <a:r>
+              <a:rPr lang="fr-FR" dirty="0"/>
+              <a:t>POST() </a:t>
+            </a:r>
+            <a:r>
+              <a:rPr lang="fr-FR" dirty="0">
+                <a:sym typeface="Wingdings" panose="05000000000000000000" pitchFamily="2" charset="2"/>
+              </a:rPr>
+              <a:t> </a:t>
+            </a:r>
+            <a:r>
+              <a:rPr lang="fr-FR" dirty="0"/>
+              <a:t>insérer</a:t>
+            </a:r>
+            <a:r>
+              <a:rPr lang="fr-FR" dirty="0">
+                <a:sym typeface="Wingdings" panose="05000000000000000000" pitchFamily="2" charset="2"/>
+              </a:rPr>
+              <a:t> des données </a:t>
+            </a:r>
+            <a:endParaRPr lang="fr-FR" dirty="0"/>
+          </a:p>
+          <a:p>
+            <a:pPr marL="285750" indent="-285750">
+              <a:buFont typeface="Arial" panose="020B0604020202020204" pitchFamily="34" charset="0"/>
+              <a:buChar char="•"/>
+            </a:pPr>
+            <a:r>
+              <a:rPr lang="fr-FR" dirty="0"/>
+              <a:t>PUT() </a:t>
+            </a:r>
+            <a:r>
+              <a:rPr lang="fr-FR" dirty="0">
+                <a:sym typeface="Wingdings" panose="05000000000000000000" pitchFamily="2" charset="2"/>
+              </a:rPr>
+              <a:t> modifier des données </a:t>
+            </a:r>
+          </a:p>
+          <a:p>
+            <a:pPr marL="285750" indent="-285750">
+              <a:buFont typeface="Arial" panose="020B0604020202020204" pitchFamily="34" charset="0"/>
+              <a:buChar char="•"/>
+            </a:pPr>
+            <a:r>
+              <a:rPr lang="fr-FR" dirty="0">
+                <a:sym typeface="Wingdings" panose="05000000000000000000" pitchFamily="2" charset="2"/>
+              </a:rPr>
+              <a:t>PATCH()  modification partielle </a:t>
+            </a:r>
+            <a:endParaRPr lang="fr-FR" dirty="0"/>
+          </a:p>
+          <a:p>
+            <a:pPr marL="285750" indent="-285750">
+              <a:buFont typeface="Arial" panose="020B0604020202020204" pitchFamily="34" charset="0"/>
+              <a:buChar char="•"/>
+            </a:pPr>
+            <a:r>
+              <a:rPr lang="fr-FR" dirty="0"/>
+              <a:t>DELETE() </a:t>
+            </a:r>
+            <a:r>
+              <a:rPr lang="fr-FR" dirty="0">
+                <a:sym typeface="Wingdings" panose="05000000000000000000" pitchFamily="2" charset="2"/>
+              </a:rPr>
+              <a:t> supprimer une donnée</a:t>
+            </a:r>
+            <a:endParaRPr lang="fr-FR" dirty="0"/>
+          </a:p>
+          <a:p>
+            <a:endParaRPr lang="fr-FR" dirty="0"/>
+          </a:p>
+        </p:txBody>
+      </p:sp>
+      <p:sp>
+        <p:nvSpPr>
+          <p:cNvPr id="4" name="ZoneTexte 3">
+            <a:extLst>
+              <a:ext uri="{FF2B5EF4-FFF2-40B4-BE49-F238E27FC236}">
+                <a16:creationId xmlns:a16="http://schemas.microsoft.com/office/drawing/2014/main" id="{217F1D0B-FCFA-8A70-56BD-D1A5E3A732F5}"/>
+              </a:ext>
+            </a:extLst>
+          </p:cNvPr>
+          <p:cNvSpPr txBox="1"/>
+          <p:nvPr/>
+        </p:nvSpPr>
+        <p:spPr>
+          <a:xfrm>
+            <a:off x="221069" y="1904003"/>
+            <a:ext cx="10016455" cy="2308324"/>
+          </a:xfrm>
+          <a:prstGeom prst="rect">
+            <a:avLst/>
+          </a:prstGeom>
+          <a:noFill/>
+        </p:spPr>
+        <p:txBody>
+          <a:bodyPr wrap="square" rtlCol="0">
+            <a:spAutoFit/>
+          </a:bodyPr>
+          <a:lstStyle/>
+          <a:p>
+            <a:r>
+              <a:rPr lang="fr-FR" dirty="0"/>
+              <a:t>La méthode </a:t>
+            </a:r>
+            <a:r>
+              <a:rPr lang="fr-FR" dirty="0" err="1"/>
+              <a:t>Fetch</a:t>
+            </a:r>
+            <a:r>
+              <a:rPr lang="fr-FR" dirty="0"/>
+              <a:t>(): prend en paramètre une URL qui représente la ressource à récupérer. Elle renvoie une promesse qui est résolue avec la réponse HTTP.</a:t>
+            </a:r>
+          </a:p>
+          <a:p>
+            <a:endParaRPr lang="fr-FR" dirty="0"/>
+          </a:p>
+          <a:p>
+            <a:r>
+              <a:rPr lang="fr-FR" dirty="0"/>
+              <a:t> L'objet </a:t>
+            </a:r>
+            <a:r>
+              <a:rPr lang="fr-FR" dirty="0" err="1"/>
+              <a:t>response</a:t>
+            </a:r>
+            <a:r>
+              <a:rPr lang="fr-FR" dirty="0"/>
+              <a:t> contient des informations sur la réponse HTTP, Pour en extraire le contenu, on utilise la méthode </a:t>
+            </a:r>
+            <a:r>
+              <a:rPr lang="fr-FR" dirty="0" err="1"/>
+              <a:t>json</a:t>
+            </a:r>
+            <a:r>
+              <a:rPr lang="fr-FR" dirty="0"/>
+              <a:t>() qui va convertir la réponse HTTP JSON en un objet </a:t>
+            </a:r>
+            <a:r>
+              <a:rPr lang="fr-FR" dirty="0" err="1"/>
+              <a:t>JavaScrip</a:t>
+            </a:r>
+            <a:r>
+              <a:rPr lang="fr-FR" dirty="0"/>
+              <a:t> . </a:t>
+            </a:r>
+          </a:p>
+          <a:p>
+            <a:endParaRPr lang="fr-FR" dirty="0"/>
+          </a:p>
+          <a:p>
+            <a:r>
+              <a:rPr lang="fr-FR" dirty="0"/>
+              <a:t>Si la promesse est résolue, on peut traiter les données. Si elle est rejetée, on peut gérer l'erreur.</a:t>
+            </a:r>
+          </a:p>
+          <a:p>
+            <a:endParaRPr lang="fr-FR" dirty="0"/>
+          </a:p>
+        </p:txBody>
+      </p:sp>
+      <p:pic>
+        <p:nvPicPr>
+          <p:cNvPr id="6" name="Image 5">
+            <a:extLst>
+              <a:ext uri="{FF2B5EF4-FFF2-40B4-BE49-F238E27FC236}">
+                <a16:creationId xmlns:a16="http://schemas.microsoft.com/office/drawing/2014/main" id="{DFA673E6-BC82-6105-6A82-E7E300ED32B7}"/>
+              </a:ext>
+            </a:extLst>
+          </p:cNvPr>
+          <p:cNvPicPr>
+            <a:picLocks noChangeAspect="1"/>
+          </p:cNvPicPr>
+          <p:nvPr/>
+        </p:nvPicPr>
+        <p:blipFill>
+          <a:blip r:embed="rId2"/>
+          <a:stretch>
+            <a:fillRect/>
+          </a:stretch>
+        </p:blipFill>
+        <p:spPr>
+          <a:xfrm>
+            <a:off x="6962704" y="3941864"/>
+            <a:ext cx="5229296" cy="2553606"/>
+          </a:xfrm>
+          <a:prstGeom prst="rect">
+            <a:avLst/>
+          </a:prstGeom>
+        </p:spPr>
+      </p:pic>
+      <p:pic>
+        <p:nvPicPr>
+          <p:cNvPr id="5" name="Picture 12" descr="JavaScript Logo et symbole, sens, histoire, PNG, marque">
+            <a:extLst>
+              <a:ext uri="{FF2B5EF4-FFF2-40B4-BE49-F238E27FC236}">
+                <a16:creationId xmlns:a16="http://schemas.microsoft.com/office/drawing/2014/main" id="{02BB366D-F930-AAB1-B3C3-256E97691D2C}"/>
+              </a:ext>
+            </a:extLst>
+          </p:cNvPr>
+          <p:cNvPicPr>
+            <a:picLocks noChangeAspect="1" noChangeArrowheads="1"/>
+          </p:cNvPicPr>
+          <p:nvPr/>
+        </p:nvPicPr>
+        <p:blipFill>
+          <a:blip r:embed="rId3">
+            <a:extLst>
+              <a:ext uri="{28A0092B-C50C-407E-A947-70E740481C1C}">
+                <a14:useLocalDpi xmlns:a14="http://schemas.microsoft.com/office/drawing/2010/main" val="0"/>
+              </a:ext>
+            </a:extLst>
+          </a:blip>
+          <a:srcRect/>
+          <a:stretch>
+            <a:fillRect/>
+          </a:stretch>
+        </p:blipFill>
+        <p:spPr bwMode="auto">
+          <a:xfrm>
+            <a:off x="10380582" y="286603"/>
+            <a:ext cx="1550195" cy="876779"/>
+          </a:xfrm>
+          <a:prstGeom prst="rect">
+            <a:avLst/>
+          </a:prstGeom>
+          <a:noFill/>
+          <a:extLst>
+            <a:ext uri="{909E8E84-426E-40DD-AFC4-6F175D3DCCD1}">
+              <a14:hiddenFill xmlns:a14="http://schemas.microsoft.com/office/drawing/2010/main">
+                <a:solidFill>
+                  <a:srgbClr val="FFFFFF"/>
+                </a:solidFill>
+              </a14:hiddenFill>
+            </a:ext>
+          </a:extLst>
+        </p:spPr>
+      </p:pic>
+    </p:spTree>
+    <p:extLst>
+      <p:ext uri="{BB962C8B-B14F-4D97-AF65-F5344CB8AC3E}">
+        <p14:creationId xmlns:p14="http://schemas.microsoft.com/office/powerpoint/2010/main" val="3323954563"/>
+      </p:ext>
+    </p:extLst>
+  </p:cSld>
+  <p:clrMapOvr>
+    <a:masterClrMapping/>
+  </p:clrMapOvr>
+</p:sld>
+</file>
+
+<file path=ppt/slides/slide106.xml><?xml version="1.0" encoding="utf-8"?>
+<p:sld xmlns:a="http://schemas.openxmlformats.org/drawingml/2006/main" xmlns:r="http://schemas.openxmlformats.org/officeDocument/2006/relationships" xmlns:p="http://schemas.openxmlformats.org/presentationml/2006/main">
+  <p:cSld>
+    <p:spTree>
+      <p:nvGrpSpPr>
+        <p:cNvPr id="1" name=""/>
+        <p:cNvGrpSpPr/>
+        <p:nvPr/>
+      </p:nvGrpSpPr>
+      <p:grpSpPr>
+        <a:xfrm>
+          <a:off x="0" y="0"/>
+          <a:ext cx="0" cy="0"/>
+          <a:chOff x="0" y="0"/>
+          <a:chExt cx="0" cy="0"/>
+        </a:xfrm>
+      </p:grpSpPr>
+      <p:sp>
+        <p:nvSpPr>
+          <p:cNvPr id="3" name="Titre 1">
+            <a:extLst>
+              <a:ext uri="{FF2B5EF4-FFF2-40B4-BE49-F238E27FC236}">
+                <a16:creationId xmlns:a16="http://schemas.microsoft.com/office/drawing/2014/main" id="{E7373E66-041F-37D5-0ADF-25BA87ABC979}"/>
+              </a:ext>
+            </a:extLst>
+          </p:cNvPr>
+          <p:cNvSpPr>
+            <a:spLocks noGrp="1"/>
+          </p:cNvSpPr>
+          <p:nvPr>
+            <p:ph type="title"/>
+          </p:nvPr>
+        </p:nvSpPr>
+        <p:spPr>
+          <a:xfrm>
+            <a:off x="1097279" y="286603"/>
+            <a:ext cx="11167425" cy="1450757"/>
+          </a:xfrm>
+        </p:spPr>
+        <p:txBody>
+          <a:bodyPr>
+            <a:normAutofit/>
+          </a:bodyPr>
+          <a:lstStyle/>
+          <a:p>
+            <a:r>
+              <a:rPr lang="fr-FR" dirty="0"/>
+              <a:t>XI- API </a:t>
+            </a:r>
+            <a:br>
+              <a:rPr lang="fr-FR" dirty="0"/>
+            </a:br>
+            <a:r>
+              <a:rPr lang="fr-FR" dirty="0"/>
+              <a:t>	</a:t>
+            </a:r>
+            <a:r>
+              <a:rPr lang="fr-FR" sz="3600" i="1" dirty="0"/>
+              <a:t>  3. Axios</a:t>
+            </a:r>
+          </a:p>
+        </p:txBody>
+      </p:sp>
+      <p:sp>
+        <p:nvSpPr>
+          <p:cNvPr id="2" name="ZoneTexte 1">
+            <a:extLst>
+              <a:ext uri="{FF2B5EF4-FFF2-40B4-BE49-F238E27FC236}">
+                <a16:creationId xmlns:a16="http://schemas.microsoft.com/office/drawing/2014/main" id="{0C3F57A4-156F-233B-CC53-01123A71E3EB}"/>
+              </a:ext>
+            </a:extLst>
+          </p:cNvPr>
+          <p:cNvSpPr txBox="1"/>
+          <p:nvPr/>
+        </p:nvSpPr>
+        <p:spPr>
+          <a:xfrm>
+            <a:off x="864066" y="1960305"/>
+            <a:ext cx="10967207" cy="4678204"/>
+          </a:xfrm>
+          <a:prstGeom prst="rect">
+            <a:avLst/>
+          </a:prstGeom>
+          <a:noFill/>
+        </p:spPr>
+        <p:txBody>
+          <a:bodyPr wrap="square" rtlCol="0">
+            <a:spAutoFit/>
+          </a:bodyPr>
+          <a:lstStyle/>
+          <a:p>
+            <a:r>
+              <a:rPr lang="fr-FR" dirty="0">
+                <a:solidFill>
+                  <a:srgbClr val="374151"/>
+                </a:solidFill>
+                <a:latin typeface="Söhne"/>
+              </a:rPr>
+              <a:t>Axios est une bibliothèque JavaScript qui permet d'effectuer des requêtes HTTP depuis un navigateur web ou depuis un environnement Node.js. </a:t>
+            </a:r>
+          </a:p>
+          <a:p>
+            <a:endParaRPr lang="fr-FR" dirty="0">
+              <a:solidFill>
+                <a:srgbClr val="374151"/>
+              </a:solidFill>
+              <a:latin typeface="Söhne"/>
+            </a:endParaRPr>
+          </a:p>
+          <a:p>
+            <a:r>
+              <a:rPr lang="fr-FR" dirty="0">
+                <a:solidFill>
+                  <a:srgbClr val="374151"/>
+                </a:solidFill>
+                <a:latin typeface="Söhne"/>
+              </a:rPr>
+              <a:t>Axios prend en charge plusieurs méthodes HTTP, telles que GET, POST, PUT, DELETE, PATCH.</a:t>
+            </a:r>
+          </a:p>
+          <a:p>
+            <a:endParaRPr lang="fr-FR" dirty="0">
+              <a:solidFill>
+                <a:srgbClr val="374151"/>
+              </a:solidFill>
+              <a:latin typeface="Söhne"/>
+            </a:endParaRPr>
+          </a:p>
+          <a:p>
+            <a:r>
+              <a:rPr lang="fr-FR" dirty="0">
+                <a:solidFill>
+                  <a:srgbClr val="374151"/>
+                </a:solidFill>
+                <a:latin typeface="Söhne"/>
+              </a:rPr>
+              <a:t>Axios fournit une syntaxe plus simple et plus facile à utiliser que l'API </a:t>
+            </a:r>
+            <a:r>
+              <a:rPr lang="fr-FR" dirty="0" err="1">
+                <a:solidFill>
+                  <a:srgbClr val="374151"/>
+                </a:solidFill>
+                <a:latin typeface="Söhne"/>
+              </a:rPr>
+              <a:t>Fetch</a:t>
+            </a:r>
+            <a:r>
+              <a:rPr lang="fr-FR" dirty="0">
+                <a:solidFill>
+                  <a:srgbClr val="374151"/>
+                </a:solidFill>
+                <a:latin typeface="Söhne"/>
+              </a:rPr>
+              <a:t>. Par exemple, il n'est pas nécessaire de transformer les réponses en JSON, car Axios le fait automatiquement.</a:t>
+            </a:r>
+          </a:p>
+          <a:p>
+            <a:endParaRPr lang="fr-FR" dirty="0">
+              <a:solidFill>
+                <a:srgbClr val="374151"/>
+              </a:solidFill>
+              <a:latin typeface="Söhne"/>
+            </a:endParaRPr>
+          </a:p>
+          <a:p>
+            <a:r>
+              <a:rPr lang="fr-FR" dirty="0">
+                <a:solidFill>
+                  <a:srgbClr val="374151"/>
+                </a:solidFill>
+                <a:latin typeface="Söhne"/>
+              </a:rPr>
+              <a:t>Avant d’utiliser </a:t>
+            </a:r>
+            <a:r>
+              <a:rPr lang="fr-FR" dirty="0" err="1">
+                <a:solidFill>
+                  <a:srgbClr val="374151"/>
+                </a:solidFill>
+                <a:latin typeface="Söhne"/>
+              </a:rPr>
+              <a:t>axios</a:t>
+            </a:r>
+            <a:r>
+              <a:rPr lang="fr-FR" dirty="0">
+                <a:solidFill>
+                  <a:srgbClr val="374151"/>
+                </a:solidFill>
+                <a:latin typeface="Söhne"/>
+              </a:rPr>
+              <a:t> il est nécessaire de l’installer soit :</a:t>
+            </a:r>
+          </a:p>
+          <a:p>
+            <a:endParaRPr lang="fr-FR" dirty="0">
+              <a:solidFill>
+                <a:srgbClr val="374151"/>
+              </a:solidFill>
+              <a:latin typeface="Söhne"/>
+            </a:endParaRPr>
+          </a:p>
+          <a:p>
+            <a:pPr marL="285750" indent="-285750">
+              <a:buFont typeface="Arial" panose="020B0604020202020204" pitchFamily="34" charset="0"/>
+              <a:buChar char="•"/>
+            </a:pPr>
+            <a:r>
+              <a:rPr lang="fr-FR" dirty="0">
+                <a:solidFill>
+                  <a:srgbClr val="374151"/>
+                </a:solidFill>
+                <a:latin typeface="Söhne"/>
+              </a:rPr>
+              <a:t>Par l’intermédiaire de </a:t>
+            </a:r>
+            <a:r>
+              <a:rPr lang="fr-FR" dirty="0" err="1">
+                <a:solidFill>
+                  <a:srgbClr val="374151"/>
+                </a:solidFill>
+                <a:latin typeface="Söhne"/>
+              </a:rPr>
+              <a:t>npm</a:t>
+            </a:r>
+            <a:r>
+              <a:rPr lang="fr-FR" dirty="0">
+                <a:solidFill>
+                  <a:srgbClr val="374151"/>
+                </a:solidFill>
+                <a:latin typeface="Söhne"/>
+              </a:rPr>
+              <a:t> </a:t>
+            </a:r>
+            <a:r>
+              <a:rPr lang="fr-FR" dirty="0">
+                <a:solidFill>
+                  <a:srgbClr val="374151"/>
+                </a:solidFill>
+                <a:latin typeface="Söhne"/>
+                <a:sym typeface="Wingdings" panose="05000000000000000000" pitchFamily="2" charset="2"/>
+              </a:rPr>
+              <a:t> </a:t>
+            </a:r>
+          </a:p>
+          <a:p>
+            <a:pPr marL="285750" indent="-285750">
+              <a:buFont typeface="Arial" panose="020B0604020202020204" pitchFamily="34" charset="0"/>
+              <a:buChar char="•"/>
+            </a:pPr>
+            <a:endParaRPr lang="fr-FR" dirty="0">
+              <a:solidFill>
+                <a:srgbClr val="374151"/>
+              </a:solidFill>
+              <a:latin typeface="Söhne"/>
+              <a:sym typeface="Wingdings" panose="05000000000000000000" pitchFamily="2" charset="2"/>
+            </a:endParaRPr>
+          </a:p>
+          <a:p>
+            <a:pPr marL="285750" indent="-285750">
+              <a:buFont typeface="Arial" panose="020B0604020202020204" pitchFamily="34" charset="0"/>
+              <a:buChar char="•"/>
+            </a:pPr>
+            <a:r>
+              <a:rPr lang="fr-FR" dirty="0">
+                <a:solidFill>
+                  <a:srgbClr val="374151"/>
+                </a:solidFill>
+                <a:latin typeface="Söhne"/>
+                <a:sym typeface="Wingdings" panose="05000000000000000000" pitchFamily="2" charset="2"/>
+              </a:rPr>
+              <a:t>En intégrant le CDN   </a:t>
+            </a:r>
+            <a:r>
+              <a:rPr lang="fr-FR" dirty="0">
+                <a:solidFill>
+                  <a:srgbClr val="374151"/>
+                </a:solidFill>
+                <a:latin typeface="Söhne"/>
+              </a:rPr>
+              <a:t>&lt;script src="https://cdn.jsdelivr.net/</a:t>
+            </a:r>
+            <a:r>
+              <a:rPr lang="fr-FR" dirty="0" err="1">
+                <a:solidFill>
+                  <a:srgbClr val="374151"/>
+                </a:solidFill>
+                <a:latin typeface="Söhne"/>
+              </a:rPr>
+              <a:t>npm</a:t>
+            </a:r>
+            <a:r>
+              <a:rPr lang="fr-FR" dirty="0">
+                <a:solidFill>
+                  <a:srgbClr val="374151"/>
+                </a:solidFill>
+                <a:latin typeface="Söhne"/>
+              </a:rPr>
+              <a:t>/axios@1.1.2/</a:t>
+            </a:r>
+            <a:r>
+              <a:rPr lang="fr-FR" dirty="0" err="1">
+                <a:solidFill>
+                  <a:srgbClr val="374151"/>
+                </a:solidFill>
+                <a:latin typeface="Söhne"/>
+              </a:rPr>
+              <a:t>dist</a:t>
+            </a:r>
+            <a:r>
+              <a:rPr lang="fr-FR" dirty="0">
+                <a:solidFill>
+                  <a:srgbClr val="374151"/>
+                </a:solidFill>
+                <a:latin typeface="Söhne"/>
+              </a:rPr>
+              <a:t>/axios.min.js"&gt;&lt;/script&gt;</a:t>
+            </a:r>
+          </a:p>
+          <a:p>
+            <a:endParaRPr lang="fr-FR" dirty="0">
+              <a:solidFill>
+                <a:srgbClr val="374151"/>
+              </a:solidFill>
+              <a:latin typeface="Söhne"/>
+            </a:endParaRPr>
+          </a:p>
+          <a:p>
+            <a:pPr algn="ctr"/>
+            <a:r>
+              <a:rPr lang="fr-FR" sz="2800" dirty="0">
+                <a:solidFill>
+                  <a:srgbClr val="374151"/>
+                </a:solidFill>
+                <a:latin typeface="Söhne"/>
+                <a:hlinkClick r:id="rId2"/>
+              </a:rPr>
+              <a:t>Voir la Doc </a:t>
+            </a:r>
+            <a:endParaRPr lang="fr-FR" sz="2800" dirty="0">
+              <a:solidFill>
+                <a:srgbClr val="374151"/>
+              </a:solidFill>
+              <a:latin typeface="Söhne"/>
+            </a:endParaRPr>
+          </a:p>
+          <a:p>
+            <a:endParaRPr lang="fr-FR" dirty="0"/>
+          </a:p>
+        </p:txBody>
+      </p:sp>
+      <p:pic>
+        <p:nvPicPr>
+          <p:cNvPr id="1028" name="Picture 4" descr="Axios-logo - CarePredict">
+            <a:extLst>
+              <a:ext uri="{FF2B5EF4-FFF2-40B4-BE49-F238E27FC236}">
+                <a16:creationId xmlns:a16="http://schemas.microsoft.com/office/drawing/2014/main" id="{BBC0BEF4-D781-31D0-8A4F-BBE15524A899}"/>
+              </a:ext>
+            </a:extLst>
+          </p:cNvPr>
+          <p:cNvPicPr>
+            <a:picLocks noChangeAspect="1" noChangeArrowheads="1"/>
+          </p:cNvPicPr>
+          <p:nvPr/>
+        </p:nvPicPr>
+        <p:blipFill>
+          <a:blip r:embed="rId3">
+            <a:extLst>
+              <a:ext uri="{28A0092B-C50C-407E-A947-70E740481C1C}">
+                <a14:useLocalDpi xmlns:a14="http://schemas.microsoft.com/office/drawing/2010/main" val="0"/>
+              </a:ext>
+            </a:extLst>
+          </a:blip>
+          <a:srcRect/>
+          <a:stretch>
+            <a:fillRect/>
+          </a:stretch>
+        </p:blipFill>
+        <p:spPr bwMode="auto">
+          <a:xfrm>
+            <a:off x="8991600" y="0"/>
+            <a:ext cx="3200400" cy="1428750"/>
+          </a:xfrm>
+          <a:prstGeom prst="rect">
+            <a:avLst/>
+          </a:prstGeom>
+          <a:noFill/>
+          <a:extLst>
+            <a:ext uri="{909E8E84-426E-40DD-AFC4-6F175D3DCCD1}">
+              <a14:hiddenFill xmlns:a14="http://schemas.microsoft.com/office/drawing/2010/main">
+                <a:solidFill>
+                  <a:srgbClr val="FFFFFF"/>
+                </a:solidFill>
+              </a14:hiddenFill>
+            </a:ext>
+          </a:extLst>
+        </p:spPr>
+      </p:pic>
+      <p:pic>
+        <p:nvPicPr>
+          <p:cNvPr id="9" name="Image 8">
+            <a:extLst>
+              <a:ext uri="{FF2B5EF4-FFF2-40B4-BE49-F238E27FC236}">
+                <a16:creationId xmlns:a16="http://schemas.microsoft.com/office/drawing/2014/main" id="{BDFE82C5-6BAE-9A10-E5A5-BE24D832555D}"/>
+              </a:ext>
+            </a:extLst>
+          </p:cNvPr>
+          <p:cNvPicPr>
+            <a:picLocks noChangeAspect="1"/>
+          </p:cNvPicPr>
+          <p:nvPr/>
+        </p:nvPicPr>
+        <p:blipFill>
+          <a:blip r:embed="rId4"/>
+          <a:stretch>
+            <a:fillRect/>
+          </a:stretch>
+        </p:blipFill>
+        <p:spPr>
+          <a:xfrm>
+            <a:off x="4181335" y="4697836"/>
+            <a:ext cx="2334485" cy="377964"/>
+          </a:xfrm>
+          <a:prstGeom prst="rect">
+            <a:avLst/>
+          </a:prstGeom>
+        </p:spPr>
+      </p:pic>
+    </p:spTree>
+    <p:extLst>
+      <p:ext uri="{BB962C8B-B14F-4D97-AF65-F5344CB8AC3E}">
+        <p14:creationId xmlns:p14="http://schemas.microsoft.com/office/powerpoint/2010/main" val="424296338"/>
+      </p:ext>
+    </p:extLst>
+  </p:cSld>
+  <p:clrMapOvr>
+    <a:masterClrMapping/>
+  </p:clrMapOvr>
+</p:sld>
+</file>
+
+<file path=ppt/slides/slide107.xml><?xml version="1.0" encoding="utf-8"?>
+<p:sld xmlns:a="http://schemas.openxmlformats.org/drawingml/2006/main" xmlns:r="http://schemas.openxmlformats.org/officeDocument/2006/relationships" xmlns:p="http://schemas.openxmlformats.org/presentationml/2006/main">
+  <p:cSld>
+    <p:spTree>
+      <p:nvGrpSpPr>
+        <p:cNvPr id="1" name=""/>
+        <p:cNvGrpSpPr/>
+        <p:nvPr/>
+      </p:nvGrpSpPr>
+      <p:grpSpPr>
+        <a:xfrm>
+          <a:off x="0" y="0"/>
+          <a:ext cx="0" cy="0"/>
+          <a:chOff x="0" y="0"/>
+          <a:chExt cx="0" cy="0"/>
+        </a:xfrm>
+      </p:grpSpPr>
+      <p:sp>
+        <p:nvSpPr>
+          <p:cNvPr id="3" name="Titre 1">
+            <a:extLst>
+              <a:ext uri="{FF2B5EF4-FFF2-40B4-BE49-F238E27FC236}">
+                <a16:creationId xmlns:a16="http://schemas.microsoft.com/office/drawing/2014/main" id="{E7373E66-041F-37D5-0ADF-25BA87ABC979}"/>
+              </a:ext>
+            </a:extLst>
+          </p:cNvPr>
+          <p:cNvSpPr>
+            <a:spLocks noGrp="1"/>
+          </p:cNvSpPr>
+          <p:nvPr>
+            <p:ph type="title"/>
+          </p:nvPr>
+        </p:nvSpPr>
+        <p:spPr>
+          <a:xfrm>
+            <a:off x="1097279" y="286603"/>
+            <a:ext cx="11167425" cy="1450757"/>
+          </a:xfrm>
+        </p:spPr>
+        <p:txBody>
+          <a:bodyPr>
+            <a:normAutofit/>
+          </a:bodyPr>
+          <a:lstStyle/>
+          <a:p>
+            <a:r>
+              <a:rPr lang="fr-FR" dirty="0"/>
+              <a:t>XI- API </a:t>
+            </a:r>
+            <a:br>
+              <a:rPr lang="fr-FR" dirty="0"/>
+            </a:br>
+            <a:r>
+              <a:rPr lang="fr-FR" dirty="0"/>
+              <a:t>	</a:t>
+            </a:r>
+            <a:r>
+              <a:rPr lang="fr-FR" sz="3600" i="1" dirty="0"/>
+              <a:t>  3. Axios</a:t>
+            </a:r>
+          </a:p>
+        </p:txBody>
+      </p:sp>
+      <p:pic>
+        <p:nvPicPr>
+          <p:cNvPr id="4" name="Image 3">
+            <a:extLst>
+              <a:ext uri="{FF2B5EF4-FFF2-40B4-BE49-F238E27FC236}">
+                <a16:creationId xmlns:a16="http://schemas.microsoft.com/office/drawing/2014/main" id="{853B4ECD-C16D-D687-4777-261A05E0393C}"/>
+              </a:ext>
+            </a:extLst>
+          </p:cNvPr>
+          <p:cNvPicPr>
+            <a:picLocks noChangeAspect="1"/>
+          </p:cNvPicPr>
+          <p:nvPr/>
+        </p:nvPicPr>
+        <p:blipFill>
+          <a:blip r:embed="rId2"/>
+          <a:stretch>
+            <a:fillRect/>
+          </a:stretch>
+        </p:blipFill>
+        <p:spPr>
+          <a:xfrm>
+            <a:off x="3089989" y="1897642"/>
+            <a:ext cx="5743575" cy="2171700"/>
+          </a:xfrm>
+          <a:prstGeom prst="rect">
+            <a:avLst/>
+          </a:prstGeom>
+        </p:spPr>
+      </p:pic>
+      <p:sp>
+        <p:nvSpPr>
+          <p:cNvPr id="6" name="ZoneTexte 5">
+            <a:extLst>
+              <a:ext uri="{FF2B5EF4-FFF2-40B4-BE49-F238E27FC236}">
+                <a16:creationId xmlns:a16="http://schemas.microsoft.com/office/drawing/2014/main" id="{49094D12-EB50-0791-D103-F2DDE6FBCF83}"/>
+              </a:ext>
+            </a:extLst>
+          </p:cNvPr>
+          <p:cNvSpPr txBox="1"/>
+          <p:nvPr/>
+        </p:nvSpPr>
+        <p:spPr>
+          <a:xfrm>
+            <a:off x="746619" y="4069342"/>
+            <a:ext cx="11167425" cy="2585323"/>
+          </a:xfrm>
+          <a:prstGeom prst="rect">
+            <a:avLst/>
+          </a:prstGeom>
+          <a:noFill/>
+        </p:spPr>
+        <p:txBody>
+          <a:bodyPr wrap="square" rtlCol="0">
+            <a:spAutoFit/>
+          </a:bodyPr>
+          <a:lstStyle/>
+          <a:p>
+            <a:br>
+              <a:rPr lang="fr-FR" dirty="0">
+                <a:solidFill>
+                  <a:srgbClr val="374151"/>
+                </a:solidFill>
+                <a:latin typeface="Söhne"/>
+              </a:rPr>
+            </a:br>
+            <a:r>
+              <a:rPr lang="fr-FR" dirty="0">
+                <a:solidFill>
+                  <a:srgbClr val="374151"/>
+                </a:solidFill>
+                <a:latin typeface="Söhne"/>
+              </a:rPr>
+              <a:t>  </a:t>
+            </a:r>
+            <a:r>
+              <a:rPr lang="fr-FR" dirty="0"/>
+              <a:t>Dans cet exemple, nous utilisons la méthode </a:t>
+            </a:r>
+            <a:r>
+              <a:rPr lang="fr-FR" dirty="0" err="1"/>
+              <a:t>get</a:t>
+            </a:r>
+            <a:r>
+              <a:rPr lang="fr-FR" dirty="0"/>
+              <a:t>() d'Axios pour récupérer les informations de l'utilisateur </a:t>
+            </a:r>
+          </a:p>
+          <a:p>
+            <a:endParaRPr lang="fr-FR" dirty="0"/>
+          </a:p>
+          <a:p>
+            <a:r>
+              <a:rPr lang="fr-FR" dirty="0"/>
+              <a:t>La réponse est ensuite traitée dans la promesse </a:t>
+            </a:r>
+            <a:r>
+              <a:rPr lang="fr-FR" dirty="0" err="1"/>
+              <a:t>then</a:t>
+            </a:r>
+            <a:r>
+              <a:rPr lang="fr-FR" dirty="0"/>
+              <a:t>() pour afficher les données renvoyées par l'API. Puis les erreurs éventuelles sont gérées dans la promesse catch().</a:t>
+            </a:r>
+          </a:p>
+          <a:p>
+            <a:endParaRPr lang="fr-FR" dirty="0"/>
+          </a:p>
+          <a:p>
+            <a:r>
+              <a:rPr lang="fr-FR" dirty="0"/>
+              <a:t>Notez que nous n'avons pas besoin de transformer la réponse en JSON car Axios le fait automatiquement pour nous.</a:t>
+            </a:r>
+          </a:p>
+          <a:p>
+            <a:endParaRPr lang="fr-FR" dirty="0"/>
+          </a:p>
+        </p:txBody>
+      </p:sp>
+      <p:pic>
+        <p:nvPicPr>
+          <p:cNvPr id="7" name="Picture 4" descr="Axios-logo - CarePredict">
+            <a:extLst>
+              <a:ext uri="{FF2B5EF4-FFF2-40B4-BE49-F238E27FC236}">
+                <a16:creationId xmlns:a16="http://schemas.microsoft.com/office/drawing/2014/main" id="{81D5749F-C623-D304-050E-6FA058D42495}"/>
+              </a:ext>
+            </a:extLst>
+          </p:cNvPr>
+          <p:cNvPicPr>
+            <a:picLocks noChangeAspect="1" noChangeArrowheads="1"/>
+          </p:cNvPicPr>
+          <p:nvPr/>
+        </p:nvPicPr>
+        <p:blipFill>
+          <a:blip r:embed="rId3">
+            <a:extLst>
+              <a:ext uri="{28A0092B-C50C-407E-A947-70E740481C1C}">
+                <a14:useLocalDpi xmlns:a14="http://schemas.microsoft.com/office/drawing/2010/main" val="0"/>
+              </a:ext>
+            </a:extLst>
+          </a:blip>
+          <a:srcRect/>
+          <a:stretch>
+            <a:fillRect/>
+          </a:stretch>
+        </p:blipFill>
+        <p:spPr bwMode="auto">
+          <a:xfrm>
+            <a:off x="8991600" y="0"/>
+            <a:ext cx="3200400" cy="1428750"/>
+          </a:xfrm>
+          <a:prstGeom prst="rect">
+            <a:avLst/>
+          </a:prstGeom>
+          <a:noFill/>
+          <a:extLst>
+            <a:ext uri="{909E8E84-426E-40DD-AFC4-6F175D3DCCD1}">
+              <a14:hiddenFill xmlns:a14="http://schemas.microsoft.com/office/drawing/2010/main">
+                <a:solidFill>
+                  <a:srgbClr val="FFFFFF"/>
+                </a:solidFill>
+              </a14:hiddenFill>
+            </a:ext>
+          </a:extLst>
+        </p:spPr>
+      </p:pic>
+    </p:spTree>
+    <p:extLst>
+      <p:ext uri="{BB962C8B-B14F-4D97-AF65-F5344CB8AC3E}">
+        <p14:creationId xmlns:p14="http://schemas.microsoft.com/office/powerpoint/2010/main" val="1649594712"/>
+      </p:ext>
+    </p:extLst>
+  </p:cSld>
+  <p:clrMapOvr>
+    <a:masterClrMapping/>
+  </p:clrMapOvr>
+</p:sld>
+</file>
+
+<file path=ppt/slides/slide108.xml><?xml version="1.0" encoding="utf-8"?>
+<p:sld xmlns:a="http://schemas.openxmlformats.org/drawingml/2006/main" xmlns:r="http://schemas.openxmlformats.org/officeDocument/2006/relationships" xmlns:p="http://schemas.openxmlformats.org/presentationml/2006/main">
+  <p:cSld>
+    <p:spTree>
+      <p:nvGrpSpPr>
+        <p:cNvPr id="1" name=""/>
+        <p:cNvGrpSpPr/>
+        <p:nvPr/>
+      </p:nvGrpSpPr>
+      <p:grpSpPr>
+        <a:xfrm>
+          <a:off x="0" y="0"/>
+          <a:ext cx="0" cy="0"/>
+          <a:chOff x="0" y="0"/>
+          <a:chExt cx="0" cy="0"/>
+        </a:xfrm>
+      </p:grpSpPr>
+      <p:sp>
+        <p:nvSpPr>
+          <p:cNvPr id="3" name="Titre 1">
+            <a:extLst>
+              <a:ext uri="{FF2B5EF4-FFF2-40B4-BE49-F238E27FC236}">
+                <a16:creationId xmlns:a16="http://schemas.microsoft.com/office/drawing/2014/main" id="{E7373E66-041F-37D5-0ADF-25BA87ABC979}"/>
+              </a:ext>
+            </a:extLst>
+          </p:cNvPr>
+          <p:cNvSpPr>
+            <a:spLocks noGrp="1"/>
+          </p:cNvSpPr>
+          <p:nvPr>
+            <p:ph type="title"/>
+          </p:nvPr>
+        </p:nvSpPr>
+        <p:spPr>
+          <a:xfrm>
+            <a:off x="1097279" y="286603"/>
+            <a:ext cx="11167425" cy="1450757"/>
+          </a:xfrm>
+        </p:spPr>
+        <p:txBody>
+          <a:bodyPr>
+            <a:normAutofit/>
+          </a:bodyPr>
+          <a:lstStyle/>
+          <a:p>
+            <a:r>
+              <a:rPr lang="fr-FR" dirty="0"/>
+              <a:t>XI- API </a:t>
+            </a:r>
+            <a:br>
+              <a:rPr lang="fr-FR" dirty="0"/>
+            </a:br>
+            <a:r>
+              <a:rPr lang="fr-FR" dirty="0"/>
+              <a:t>	</a:t>
+            </a:r>
+            <a:r>
+              <a:rPr lang="fr-FR" sz="3600" i="1" dirty="0"/>
+              <a:t>  3. Axios – les instances</a:t>
+            </a:r>
+          </a:p>
+        </p:txBody>
+      </p:sp>
+      <p:sp>
+        <p:nvSpPr>
+          <p:cNvPr id="6" name="ZoneTexte 5">
+            <a:extLst>
+              <a:ext uri="{FF2B5EF4-FFF2-40B4-BE49-F238E27FC236}">
+                <a16:creationId xmlns:a16="http://schemas.microsoft.com/office/drawing/2014/main" id="{49094D12-EB50-0791-D103-F2DDE6FBCF83}"/>
+              </a:ext>
+            </a:extLst>
+          </p:cNvPr>
+          <p:cNvSpPr txBox="1"/>
+          <p:nvPr/>
+        </p:nvSpPr>
+        <p:spPr>
+          <a:xfrm>
+            <a:off x="679507" y="1595021"/>
+            <a:ext cx="11167425" cy="5262979"/>
+          </a:xfrm>
+          <a:prstGeom prst="rect">
+            <a:avLst/>
+          </a:prstGeom>
+          <a:noFill/>
+        </p:spPr>
+        <p:txBody>
+          <a:bodyPr wrap="square" rtlCol="0">
+            <a:spAutoFit/>
+          </a:bodyPr>
+          <a:lstStyle/>
+          <a:p>
+            <a:pPr>
+              <a:lnSpc>
+                <a:spcPct val="150000"/>
+              </a:lnSpc>
+            </a:pPr>
+            <a:br>
+              <a:rPr lang="fr-FR" sz="2000" dirty="0">
+                <a:solidFill>
+                  <a:srgbClr val="374151"/>
+                </a:solidFill>
+                <a:latin typeface="Söhne"/>
+              </a:rPr>
+            </a:br>
+            <a:r>
+              <a:rPr lang="fr-FR" sz="2000" dirty="0">
+                <a:solidFill>
+                  <a:srgbClr val="374151"/>
+                </a:solidFill>
+                <a:latin typeface="Söhne"/>
+              </a:rPr>
+              <a:t>  </a:t>
+            </a:r>
+            <a:r>
+              <a:rPr lang="fr-FR" sz="2000" dirty="0"/>
+              <a:t>Les instances d'Axios sont une fonctionnalité très utile qui permet de </a:t>
+            </a:r>
+            <a:r>
+              <a:rPr lang="fr-FR" sz="2000" b="1" dirty="0"/>
+              <a:t>créer des objets personnalisés </a:t>
+            </a:r>
+            <a:r>
+              <a:rPr lang="fr-FR" sz="2000" dirty="0"/>
+              <a:t>avec </a:t>
+            </a:r>
+            <a:r>
+              <a:rPr lang="fr-FR" sz="2000" b="1" dirty="0"/>
+              <a:t>leurs propres configurations</a:t>
+            </a:r>
+            <a:r>
+              <a:rPr lang="fr-FR" sz="2000" dirty="0"/>
+              <a:t>.</a:t>
+            </a:r>
+          </a:p>
+          <a:p>
+            <a:pPr>
+              <a:lnSpc>
+                <a:spcPct val="150000"/>
+              </a:lnSpc>
+            </a:pPr>
+            <a:endParaRPr lang="fr-FR" sz="2000" dirty="0"/>
+          </a:p>
+          <a:p>
+            <a:pPr>
+              <a:lnSpc>
+                <a:spcPct val="150000"/>
+              </a:lnSpc>
+            </a:pPr>
+            <a:r>
+              <a:rPr lang="fr-FR" sz="2000" dirty="0"/>
+              <a:t>  Pour créer une instance d'Axios, on utilise la </a:t>
+            </a:r>
+            <a:r>
+              <a:rPr lang="fr-FR" sz="2000" b="1" dirty="0"/>
+              <a:t>méthode </a:t>
+            </a:r>
+            <a:r>
+              <a:rPr lang="fr-FR" sz="2000" b="1" dirty="0" err="1"/>
+              <a:t>axios.create</a:t>
+            </a:r>
+            <a:r>
+              <a:rPr lang="fr-FR" sz="2000" b="1" dirty="0"/>
+              <a:t>(), </a:t>
+            </a:r>
+            <a:r>
+              <a:rPr lang="fr-FR" sz="2000" dirty="0"/>
+              <a:t>qui prend en </a:t>
+            </a:r>
+            <a:r>
+              <a:rPr lang="fr-FR" sz="2000" b="1" dirty="0"/>
+              <a:t>paramètre un objet de configuration </a:t>
+            </a:r>
+            <a:r>
+              <a:rPr lang="fr-FR" sz="2000" dirty="0"/>
+              <a:t>contenant les </a:t>
+            </a:r>
+            <a:r>
+              <a:rPr lang="fr-FR" sz="2000" b="1" dirty="0"/>
+              <a:t>propriétés que l'on souhaite personnaliser</a:t>
+            </a:r>
+          </a:p>
+          <a:p>
+            <a:pPr>
+              <a:lnSpc>
+                <a:spcPct val="150000"/>
+              </a:lnSpc>
+            </a:pPr>
+            <a:endParaRPr lang="fr-FR" sz="2000" dirty="0"/>
+          </a:p>
+          <a:p>
+            <a:pPr>
+              <a:lnSpc>
+                <a:spcPct val="150000"/>
+              </a:lnSpc>
+            </a:pPr>
+            <a:r>
+              <a:rPr lang="fr-FR" sz="2000" dirty="0"/>
+              <a:t>L'avantage des instances d'Axios est de pouvoir </a:t>
+            </a:r>
+            <a:r>
+              <a:rPr lang="fr-FR" sz="2000" b="1" dirty="0"/>
+              <a:t>définir des configurations globales </a:t>
+            </a:r>
+            <a:r>
+              <a:rPr lang="fr-FR" sz="2000" dirty="0"/>
+              <a:t>qui </a:t>
+            </a:r>
+            <a:r>
+              <a:rPr lang="fr-FR" sz="2000" b="1" dirty="0"/>
+              <a:t>s'appliqueront à toutes les requêtes </a:t>
+            </a:r>
+            <a:r>
+              <a:rPr lang="fr-FR" sz="2000" dirty="0"/>
+              <a:t>effectuées avec cette instance, sans avoir à les spécifier à chaque appel de méthode Axios.</a:t>
+            </a:r>
+          </a:p>
+          <a:p>
+            <a:endParaRPr lang="fr-FR" dirty="0">
+              <a:solidFill>
+                <a:srgbClr val="374151"/>
+              </a:solidFill>
+              <a:latin typeface="Söhne"/>
+            </a:endParaRPr>
+          </a:p>
+          <a:p>
+            <a:endParaRPr lang="fr-FR" dirty="0"/>
+          </a:p>
+        </p:txBody>
+      </p:sp>
+      <p:pic>
+        <p:nvPicPr>
+          <p:cNvPr id="7" name="Picture 4" descr="Axios-logo - CarePredict">
+            <a:extLst>
+              <a:ext uri="{FF2B5EF4-FFF2-40B4-BE49-F238E27FC236}">
+                <a16:creationId xmlns:a16="http://schemas.microsoft.com/office/drawing/2014/main" id="{81D5749F-C623-D304-050E-6FA058D42495}"/>
+              </a:ext>
+            </a:extLst>
+          </p:cNvPr>
+          <p:cNvPicPr>
+            <a:picLocks noChangeAspect="1" noChangeArrowheads="1"/>
+          </p:cNvPicPr>
+          <p:nvPr/>
+        </p:nvPicPr>
+        <p:blipFill>
+          <a:blip r:embed="rId2">
+            <a:extLst>
+              <a:ext uri="{28A0092B-C50C-407E-A947-70E740481C1C}">
+                <a14:useLocalDpi xmlns:a14="http://schemas.microsoft.com/office/drawing/2010/main" val="0"/>
+              </a:ext>
+            </a:extLst>
+          </a:blip>
+          <a:srcRect/>
+          <a:stretch>
+            <a:fillRect/>
+          </a:stretch>
+        </p:blipFill>
+        <p:spPr bwMode="auto">
+          <a:xfrm>
+            <a:off x="8991600" y="0"/>
+            <a:ext cx="3200400" cy="1428750"/>
+          </a:xfrm>
+          <a:prstGeom prst="rect">
+            <a:avLst/>
+          </a:prstGeom>
+          <a:noFill/>
+          <a:extLst>
+            <a:ext uri="{909E8E84-426E-40DD-AFC4-6F175D3DCCD1}">
+              <a14:hiddenFill xmlns:a14="http://schemas.microsoft.com/office/drawing/2010/main">
+                <a:solidFill>
+                  <a:srgbClr val="FFFFFF"/>
+                </a:solidFill>
+              </a14:hiddenFill>
+            </a:ext>
+          </a:extLst>
+        </p:spPr>
+      </p:pic>
+    </p:spTree>
+    <p:extLst>
+      <p:ext uri="{BB962C8B-B14F-4D97-AF65-F5344CB8AC3E}">
+        <p14:creationId xmlns:p14="http://schemas.microsoft.com/office/powerpoint/2010/main" val="1520328224"/>
+      </p:ext>
+    </p:extLst>
+  </p:cSld>
+  <p:clrMapOvr>
+    <a:masterClrMapping/>
+  </p:clrMapOvr>
+</p:sld>
+</file>
+
+<file path=ppt/slides/slide109.xml><?xml version="1.0" encoding="utf-8"?>
+<p:sld xmlns:a="http://schemas.openxmlformats.org/drawingml/2006/main" xmlns:r="http://schemas.openxmlformats.org/officeDocument/2006/relationships" xmlns:p="http://schemas.openxmlformats.org/presentationml/2006/main">
+  <p:cSld>
+    <p:spTree>
+      <p:nvGrpSpPr>
+        <p:cNvPr id="1" name=""/>
+        <p:cNvGrpSpPr/>
+        <p:nvPr/>
+      </p:nvGrpSpPr>
+      <p:grpSpPr>
+        <a:xfrm>
+          <a:off x="0" y="0"/>
+          <a:ext cx="0" cy="0"/>
+          <a:chOff x="0" y="0"/>
+          <a:chExt cx="0" cy="0"/>
+        </a:xfrm>
+      </p:grpSpPr>
+      <p:sp>
+        <p:nvSpPr>
+          <p:cNvPr id="3" name="Titre 1">
+            <a:extLst>
+              <a:ext uri="{FF2B5EF4-FFF2-40B4-BE49-F238E27FC236}">
+                <a16:creationId xmlns:a16="http://schemas.microsoft.com/office/drawing/2014/main" id="{E7373E66-041F-37D5-0ADF-25BA87ABC979}"/>
+              </a:ext>
+            </a:extLst>
+          </p:cNvPr>
+          <p:cNvSpPr>
+            <a:spLocks noGrp="1"/>
+          </p:cNvSpPr>
+          <p:nvPr>
+            <p:ph type="title"/>
+          </p:nvPr>
+        </p:nvSpPr>
+        <p:spPr>
+          <a:xfrm>
+            <a:off x="1097279" y="286603"/>
+            <a:ext cx="11167425" cy="1450757"/>
+          </a:xfrm>
+        </p:spPr>
+        <p:txBody>
+          <a:bodyPr>
+            <a:normAutofit/>
+          </a:bodyPr>
+          <a:lstStyle/>
+          <a:p>
+            <a:r>
+              <a:rPr lang="fr-FR" dirty="0"/>
+              <a:t>XI- API </a:t>
+            </a:r>
+            <a:br>
+              <a:rPr lang="fr-FR" dirty="0"/>
+            </a:br>
+            <a:r>
+              <a:rPr lang="fr-FR" dirty="0"/>
+              <a:t>	</a:t>
+            </a:r>
+            <a:r>
+              <a:rPr lang="fr-FR" sz="3600" i="1" dirty="0"/>
+              <a:t>  3. Axios – les instances</a:t>
+            </a:r>
+          </a:p>
+        </p:txBody>
+      </p:sp>
+      <p:sp>
+        <p:nvSpPr>
+          <p:cNvPr id="6" name="ZoneTexte 5">
+            <a:extLst>
+              <a:ext uri="{FF2B5EF4-FFF2-40B4-BE49-F238E27FC236}">
+                <a16:creationId xmlns:a16="http://schemas.microsoft.com/office/drawing/2014/main" id="{49094D12-EB50-0791-D103-F2DDE6FBCF83}"/>
+              </a:ext>
+            </a:extLst>
+          </p:cNvPr>
+          <p:cNvSpPr txBox="1"/>
+          <p:nvPr/>
+        </p:nvSpPr>
+        <p:spPr>
+          <a:xfrm>
+            <a:off x="931736" y="1627813"/>
+            <a:ext cx="11167425" cy="1538883"/>
+          </a:xfrm>
+          <a:prstGeom prst="rect">
+            <a:avLst/>
+          </a:prstGeom>
+          <a:noFill/>
+        </p:spPr>
+        <p:txBody>
+          <a:bodyPr wrap="square" rtlCol="0">
+            <a:spAutoFit/>
+          </a:bodyPr>
+          <a:lstStyle/>
+          <a:p>
+            <a:br>
+              <a:rPr lang="fr-FR" dirty="0">
+                <a:solidFill>
+                  <a:srgbClr val="374151"/>
+                </a:solidFill>
+                <a:latin typeface="Söhne"/>
+              </a:rPr>
+            </a:br>
+            <a:r>
+              <a:rPr lang="fr-FR" sz="2000" dirty="0"/>
+              <a:t>  Ici, on crée une instance d'Axios qui va utiliser l'URL de base </a:t>
+            </a:r>
+            <a:r>
+              <a:rPr lang="fr-FR" sz="2000" dirty="0">
+                <a:hlinkClick r:id="rId2"/>
+              </a:rPr>
+              <a:t>https://mon-api.com/</a:t>
+            </a:r>
+            <a:r>
+              <a:rPr lang="fr-FR" sz="2000" dirty="0"/>
+              <a:t> et ajouter un header d'authentification avec un </a:t>
+            </a:r>
+            <a:r>
+              <a:rPr lang="fr-FR" sz="2000" dirty="0" err="1"/>
+              <a:t>token</a:t>
+            </a:r>
+            <a:r>
+              <a:rPr lang="fr-FR" sz="2000" dirty="0"/>
+              <a:t>.</a:t>
+            </a:r>
+          </a:p>
+          <a:p>
+            <a:endParaRPr lang="fr-FR" dirty="0">
+              <a:solidFill>
+                <a:srgbClr val="374151"/>
+              </a:solidFill>
+              <a:latin typeface="Söhne"/>
+            </a:endParaRPr>
+          </a:p>
+          <a:p>
+            <a:endParaRPr lang="fr-FR" dirty="0"/>
+          </a:p>
+        </p:txBody>
+      </p:sp>
+      <p:pic>
+        <p:nvPicPr>
+          <p:cNvPr id="7" name="Picture 4" descr="Axios-logo - CarePredict">
+            <a:extLst>
+              <a:ext uri="{FF2B5EF4-FFF2-40B4-BE49-F238E27FC236}">
+                <a16:creationId xmlns:a16="http://schemas.microsoft.com/office/drawing/2014/main" id="{81D5749F-C623-D304-050E-6FA058D42495}"/>
+              </a:ext>
+            </a:extLst>
+          </p:cNvPr>
+          <p:cNvPicPr>
+            <a:picLocks noChangeAspect="1" noChangeArrowheads="1"/>
+          </p:cNvPicPr>
+          <p:nvPr/>
+        </p:nvPicPr>
+        <p:blipFill>
+          <a:blip r:embed="rId3">
+            <a:extLst>
+              <a:ext uri="{28A0092B-C50C-407E-A947-70E740481C1C}">
+                <a14:useLocalDpi xmlns:a14="http://schemas.microsoft.com/office/drawing/2010/main" val="0"/>
+              </a:ext>
+            </a:extLst>
+          </a:blip>
+          <a:srcRect/>
+          <a:stretch>
+            <a:fillRect/>
+          </a:stretch>
+        </p:blipFill>
+        <p:spPr bwMode="auto">
+          <a:xfrm>
+            <a:off x="8991600" y="0"/>
+            <a:ext cx="3200400" cy="1428750"/>
+          </a:xfrm>
+          <a:prstGeom prst="rect">
+            <a:avLst/>
+          </a:prstGeom>
+          <a:noFill/>
+          <a:extLst>
+            <a:ext uri="{909E8E84-426E-40DD-AFC4-6F175D3DCCD1}">
+              <a14:hiddenFill xmlns:a14="http://schemas.microsoft.com/office/drawing/2010/main">
+                <a:solidFill>
+                  <a:srgbClr val="FFFFFF"/>
+                </a:solidFill>
+              </a14:hiddenFill>
+            </a:ext>
+          </a:extLst>
+        </p:spPr>
+      </p:pic>
+      <p:pic>
+        <p:nvPicPr>
+          <p:cNvPr id="5" name="Image 4">
+            <a:extLst>
+              <a:ext uri="{FF2B5EF4-FFF2-40B4-BE49-F238E27FC236}">
+                <a16:creationId xmlns:a16="http://schemas.microsoft.com/office/drawing/2014/main" id="{02771D96-E273-006F-A4AF-D16EDACBBDE8}"/>
+              </a:ext>
+            </a:extLst>
+          </p:cNvPr>
+          <p:cNvPicPr>
+            <a:picLocks noChangeAspect="1"/>
+          </p:cNvPicPr>
+          <p:nvPr/>
+        </p:nvPicPr>
+        <p:blipFill>
+          <a:blip r:embed="rId4"/>
+          <a:stretch>
+            <a:fillRect/>
+          </a:stretch>
+        </p:blipFill>
+        <p:spPr>
+          <a:xfrm>
+            <a:off x="3341676" y="2733909"/>
+            <a:ext cx="4753638" cy="1914792"/>
+          </a:xfrm>
+          <a:prstGeom prst="rect">
+            <a:avLst/>
+          </a:prstGeom>
+        </p:spPr>
+      </p:pic>
+      <p:pic>
+        <p:nvPicPr>
+          <p:cNvPr id="9" name="Image 8">
+            <a:extLst>
+              <a:ext uri="{FF2B5EF4-FFF2-40B4-BE49-F238E27FC236}">
+                <a16:creationId xmlns:a16="http://schemas.microsoft.com/office/drawing/2014/main" id="{2EA234B4-6744-80C8-FD4C-B83CF07D9BCF}"/>
+              </a:ext>
+            </a:extLst>
+          </p:cNvPr>
+          <p:cNvPicPr>
+            <a:picLocks noChangeAspect="1"/>
+          </p:cNvPicPr>
+          <p:nvPr/>
+        </p:nvPicPr>
+        <p:blipFill>
+          <a:blip r:embed="rId5"/>
+          <a:stretch>
+            <a:fillRect/>
+          </a:stretch>
+        </p:blipFill>
+        <p:spPr>
+          <a:xfrm>
+            <a:off x="3168243" y="5230187"/>
+            <a:ext cx="5220429" cy="1105054"/>
+          </a:xfrm>
+          <a:prstGeom prst="rect">
+            <a:avLst/>
+          </a:prstGeom>
+        </p:spPr>
+      </p:pic>
+      <p:sp>
+        <p:nvSpPr>
+          <p:cNvPr id="2" name="ZoneTexte 1">
+            <a:extLst>
+              <a:ext uri="{FF2B5EF4-FFF2-40B4-BE49-F238E27FC236}">
+                <a16:creationId xmlns:a16="http://schemas.microsoft.com/office/drawing/2014/main" id="{5F854435-A675-F670-1243-6C0D6C4384CD}"/>
+              </a:ext>
+            </a:extLst>
+          </p:cNvPr>
+          <p:cNvSpPr txBox="1"/>
+          <p:nvPr/>
+        </p:nvSpPr>
+        <p:spPr>
+          <a:xfrm>
+            <a:off x="1753857" y="4714721"/>
+            <a:ext cx="10687016" cy="369332"/>
+          </a:xfrm>
+          <a:prstGeom prst="rect">
+            <a:avLst/>
+          </a:prstGeom>
+          <a:noFill/>
+        </p:spPr>
+        <p:txBody>
+          <a:bodyPr wrap="square" rtlCol="0">
+            <a:spAutoFit/>
+          </a:bodyPr>
+          <a:lstStyle/>
+          <a:p>
+            <a:r>
+              <a:rPr lang="fr-FR" dirty="0"/>
+              <a:t>On peut ensuite utiliser cette instance comme n'importe quelle autre méthode Axios</a:t>
+            </a:r>
+          </a:p>
+        </p:txBody>
+      </p:sp>
+    </p:spTree>
+    <p:extLst>
+      <p:ext uri="{BB962C8B-B14F-4D97-AF65-F5344CB8AC3E}">
+        <p14:creationId xmlns:p14="http://schemas.microsoft.com/office/powerpoint/2010/main" val="678321697"/>
+      </p:ext>
+    </p:extLst>
+  </p:cSld>
+  <p:clrMapOvr>
+    <a:masterClrMapping/>
+  </p:clrMapOvr>
+</p:sld>
+</file>
+
 <file path=ppt/slides/slide11.xml><?xml version="1.0" encoding="utf-8"?>
 <p:sld xmlns:a="http://schemas.openxmlformats.org/drawingml/2006/main" xmlns:r="http://schemas.openxmlformats.org/officeDocument/2006/relationships" xmlns:p="http://schemas.openxmlformats.org/presentationml/2006/main">
   <p:cSld>
@@ -3986,6 +6761,1456 @@
     <p:extLst>
       <p:ext uri="{BB962C8B-B14F-4D97-AF65-F5344CB8AC3E}">
         <p14:creationId xmlns:p14="http://schemas.microsoft.com/office/powerpoint/2010/main" val="2716524868"/>
+      </p:ext>
+    </p:extLst>
+  </p:cSld>
+  <p:clrMapOvr>
+    <a:masterClrMapping/>
+  </p:clrMapOvr>
+</p:sld>
+</file>
+
+<file path=ppt/slides/slide110.xml><?xml version="1.0" encoding="utf-8"?>
+<p:sld xmlns:a="http://schemas.openxmlformats.org/drawingml/2006/main" xmlns:r="http://schemas.openxmlformats.org/officeDocument/2006/relationships" xmlns:p="http://schemas.openxmlformats.org/presentationml/2006/main">
+  <p:cSld>
+    <p:spTree>
+      <p:nvGrpSpPr>
+        <p:cNvPr id="1" name=""/>
+        <p:cNvGrpSpPr/>
+        <p:nvPr/>
+      </p:nvGrpSpPr>
+      <p:grpSpPr>
+        <a:xfrm>
+          <a:off x="0" y="0"/>
+          <a:ext cx="0" cy="0"/>
+          <a:chOff x="0" y="0"/>
+          <a:chExt cx="0" cy="0"/>
+        </a:xfrm>
+      </p:grpSpPr>
+      <p:sp>
+        <p:nvSpPr>
+          <p:cNvPr id="3" name="Titre 1">
+            <a:extLst>
+              <a:ext uri="{FF2B5EF4-FFF2-40B4-BE49-F238E27FC236}">
+                <a16:creationId xmlns:a16="http://schemas.microsoft.com/office/drawing/2014/main" id="{E7373E66-041F-37D5-0ADF-25BA87ABC979}"/>
+              </a:ext>
+            </a:extLst>
+          </p:cNvPr>
+          <p:cNvSpPr>
+            <a:spLocks noGrp="1"/>
+          </p:cNvSpPr>
+          <p:nvPr>
+            <p:ph type="title"/>
+          </p:nvPr>
+        </p:nvSpPr>
+        <p:spPr>
+          <a:xfrm>
+            <a:off x="1097279" y="286603"/>
+            <a:ext cx="11167425" cy="1450757"/>
+          </a:xfrm>
+        </p:spPr>
+        <p:txBody>
+          <a:bodyPr>
+            <a:normAutofit/>
+          </a:bodyPr>
+          <a:lstStyle/>
+          <a:p>
+            <a:r>
+              <a:rPr lang="fr-FR" dirty="0"/>
+              <a:t>XI- API </a:t>
+            </a:r>
+            <a:br>
+              <a:rPr lang="fr-FR" dirty="0"/>
+            </a:br>
+            <a:r>
+              <a:rPr lang="fr-FR" dirty="0"/>
+              <a:t>	</a:t>
+            </a:r>
+            <a:r>
+              <a:rPr lang="fr-FR" sz="3600" i="1" dirty="0"/>
+              <a:t>  4. Bibliothèque Chart.js</a:t>
+            </a:r>
+          </a:p>
+        </p:txBody>
+      </p:sp>
+      <p:sp>
+        <p:nvSpPr>
+          <p:cNvPr id="6" name="ZoneTexte 5">
+            <a:extLst>
+              <a:ext uri="{FF2B5EF4-FFF2-40B4-BE49-F238E27FC236}">
+                <a16:creationId xmlns:a16="http://schemas.microsoft.com/office/drawing/2014/main" id="{49094D12-EB50-0791-D103-F2DDE6FBCF83}"/>
+              </a:ext>
+            </a:extLst>
+          </p:cNvPr>
+          <p:cNvSpPr txBox="1"/>
+          <p:nvPr/>
+        </p:nvSpPr>
+        <p:spPr>
+          <a:xfrm>
+            <a:off x="746619" y="4372260"/>
+            <a:ext cx="11167425" cy="2585323"/>
+          </a:xfrm>
+          <a:prstGeom prst="rect">
+            <a:avLst/>
+          </a:prstGeom>
+          <a:noFill/>
+        </p:spPr>
+        <p:txBody>
+          <a:bodyPr wrap="square" rtlCol="0">
+            <a:spAutoFit/>
+          </a:bodyPr>
+          <a:lstStyle/>
+          <a:p>
+            <a:r>
+              <a:rPr lang="fr-FR" b="0" i="0" dirty="0">
+                <a:solidFill>
+                  <a:srgbClr val="374151"/>
+                </a:solidFill>
+                <a:effectLst/>
+                <a:latin typeface="Söhne"/>
+              </a:rPr>
+              <a:t>Chart.js est une bibliothèque JavaScript de visualisation de données. Elle permet de créer facilement des graphiques, des tableaux et des diagrammes interactifs à partir de données dans une page web.</a:t>
+            </a:r>
+          </a:p>
+          <a:p>
+            <a:endParaRPr lang="fr-FR" b="0" i="0" dirty="0">
+              <a:solidFill>
+                <a:srgbClr val="374151"/>
+              </a:solidFill>
+              <a:effectLst/>
+              <a:latin typeface="Söhne"/>
+            </a:endParaRPr>
+          </a:p>
+          <a:p>
+            <a:r>
+              <a:rPr lang="fr-FR" b="0" i="0" dirty="0">
+                <a:solidFill>
+                  <a:srgbClr val="374151"/>
+                </a:solidFill>
+                <a:effectLst/>
+                <a:latin typeface="Söhne"/>
+              </a:rPr>
+              <a:t>Chart.js utilise HTML5 </a:t>
+            </a:r>
+            <a:r>
+              <a:rPr lang="fr-FR" b="0" i="0" dirty="0" err="1">
+                <a:solidFill>
+                  <a:srgbClr val="374151"/>
+                </a:solidFill>
+                <a:effectLst/>
+                <a:latin typeface="Söhne"/>
+              </a:rPr>
+              <a:t>canvas</a:t>
+            </a:r>
+            <a:r>
+              <a:rPr lang="fr-FR" b="0" i="0" dirty="0">
+                <a:solidFill>
+                  <a:srgbClr val="374151"/>
+                </a:solidFill>
+                <a:effectLst/>
+                <a:latin typeface="Söhne"/>
+              </a:rPr>
+              <a:t> pour dessiner les graphiques et les tableaux.</a:t>
+            </a:r>
+          </a:p>
+          <a:p>
+            <a:endParaRPr lang="fr-FR" dirty="0">
+              <a:solidFill>
+                <a:srgbClr val="374151"/>
+              </a:solidFill>
+              <a:latin typeface="Söhne"/>
+            </a:endParaRPr>
+          </a:p>
+          <a:p>
+            <a:r>
+              <a:rPr lang="fr-FR" b="0" i="0" dirty="0">
+                <a:solidFill>
+                  <a:srgbClr val="374151"/>
+                </a:solidFill>
+                <a:effectLst/>
+                <a:latin typeface="Söhne"/>
+              </a:rPr>
+              <a:t>La bibliothèque prend en charge plusieurs types de graphiques, tels que les graphiques en barres, les graphiques en ligne, les graphiques circulaires, les graphiques à aires, les graphiques radar, etc. </a:t>
+            </a:r>
+          </a:p>
+          <a:p>
+            <a:endParaRPr lang="fr-FR" dirty="0">
+              <a:solidFill>
+                <a:srgbClr val="374151"/>
+              </a:solidFill>
+              <a:latin typeface="Söhne"/>
+            </a:endParaRPr>
+          </a:p>
+          <a:p>
+            <a:endParaRPr lang="fr-FR" dirty="0"/>
+          </a:p>
+        </p:txBody>
+      </p:sp>
+      <p:pic>
+        <p:nvPicPr>
+          <p:cNvPr id="2050" name="Picture 2" descr="Produire des graphes en Javascript - datacorner par Benoit Cayla">
+            <a:extLst>
+              <a:ext uri="{FF2B5EF4-FFF2-40B4-BE49-F238E27FC236}">
+                <a16:creationId xmlns:a16="http://schemas.microsoft.com/office/drawing/2014/main" id="{CD3C4C6E-B6FB-7FB5-3A42-75FB5AF1A873}"/>
+              </a:ext>
+            </a:extLst>
+          </p:cNvPr>
+          <p:cNvPicPr>
+            <a:picLocks noChangeAspect="1" noChangeArrowheads="1"/>
+          </p:cNvPicPr>
+          <p:nvPr/>
+        </p:nvPicPr>
+        <p:blipFill>
+          <a:blip r:embed="rId2">
+            <a:extLst>
+              <a:ext uri="{28A0092B-C50C-407E-A947-70E740481C1C}">
+                <a14:useLocalDpi xmlns:a14="http://schemas.microsoft.com/office/drawing/2010/main" val="0"/>
+              </a:ext>
+            </a:extLst>
+          </a:blip>
+          <a:srcRect/>
+          <a:stretch>
+            <a:fillRect/>
+          </a:stretch>
+        </p:blipFill>
+        <p:spPr bwMode="auto">
+          <a:xfrm>
+            <a:off x="10464075" y="24186"/>
+            <a:ext cx="1727925" cy="1400744"/>
+          </a:xfrm>
+          <a:prstGeom prst="rect">
+            <a:avLst/>
+          </a:prstGeom>
+          <a:noFill/>
+          <a:extLst>
+            <a:ext uri="{909E8E84-426E-40DD-AFC4-6F175D3DCCD1}">
+              <a14:hiddenFill xmlns:a14="http://schemas.microsoft.com/office/drawing/2010/main">
+                <a:solidFill>
+                  <a:srgbClr val="FFFFFF"/>
+                </a:solidFill>
+              </a14:hiddenFill>
+            </a:ext>
+          </a:extLst>
+        </p:spPr>
+      </p:pic>
+      <p:pic>
+        <p:nvPicPr>
+          <p:cNvPr id="7" name="Image 6">
+            <a:extLst>
+              <a:ext uri="{FF2B5EF4-FFF2-40B4-BE49-F238E27FC236}">
+                <a16:creationId xmlns:a16="http://schemas.microsoft.com/office/drawing/2014/main" id="{980B340A-DB62-BBAC-907C-1A2E8B95C1FC}"/>
+              </a:ext>
+            </a:extLst>
+          </p:cNvPr>
+          <p:cNvPicPr>
+            <a:picLocks noChangeAspect="1"/>
+          </p:cNvPicPr>
+          <p:nvPr/>
+        </p:nvPicPr>
+        <p:blipFill>
+          <a:blip r:embed="rId3"/>
+          <a:stretch>
+            <a:fillRect/>
+          </a:stretch>
+        </p:blipFill>
+        <p:spPr>
+          <a:xfrm>
+            <a:off x="2106760" y="1999777"/>
+            <a:ext cx="7230186" cy="2229871"/>
+          </a:xfrm>
+          <a:prstGeom prst="rect">
+            <a:avLst/>
+          </a:prstGeom>
+        </p:spPr>
+      </p:pic>
+    </p:spTree>
+    <p:extLst>
+      <p:ext uri="{BB962C8B-B14F-4D97-AF65-F5344CB8AC3E}">
+        <p14:creationId xmlns:p14="http://schemas.microsoft.com/office/powerpoint/2010/main" val="2701756373"/>
+      </p:ext>
+    </p:extLst>
+  </p:cSld>
+  <p:clrMapOvr>
+    <a:masterClrMapping/>
+  </p:clrMapOvr>
+</p:sld>
+</file>
+
+<file path=ppt/slides/slide111.xml><?xml version="1.0" encoding="utf-8"?>
+<p:sld xmlns:a="http://schemas.openxmlformats.org/drawingml/2006/main" xmlns:r="http://schemas.openxmlformats.org/officeDocument/2006/relationships" xmlns:p="http://schemas.openxmlformats.org/presentationml/2006/main">
+  <p:cSld>
+    <p:spTree>
+      <p:nvGrpSpPr>
+        <p:cNvPr id="1" name=""/>
+        <p:cNvGrpSpPr/>
+        <p:nvPr/>
+      </p:nvGrpSpPr>
+      <p:grpSpPr>
+        <a:xfrm>
+          <a:off x="0" y="0"/>
+          <a:ext cx="0" cy="0"/>
+          <a:chOff x="0" y="0"/>
+          <a:chExt cx="0" cy="0"/>
+        </a:xfrm>
+      </p:grpSpPr>
+      <p:sp>
+        <p:nvSpPr>
+          <p:cNvPr id="3" name="Titre 1">
+            <a:extLst>
+              <a:ext uri="{FF2B5EF4-FFF2-40B4-BE49-F238E27FC236}">
+                <a16:creationId xmlns:a16="http://schemas.microsoft.com/office/drawing/2014/main" id="{E7373E66-041F-37D5-0ADF-25BA87ABC979}"/>
+              </a:ext>
+            </a:extLst>
+          </p:cNvPr>
+          <p:cNvSpPr>
+            <a:spLocks noGrp="1"/>
+          </p:cNvSpPr>
+          <p:nvPr>
+            <p:ph type="title"/>
+          </p:nvPr>
+        </p:nvSpPr>
+        <p:spPr>
+          <a:xfrm>
+            <a:off x="1097279" y="286603"/>
+            <a:ext cx="11167425" cy="1450757"/>
+          </a:xfrm>
+        </p:spPr>
+        <p:txBody>
+          <a:bodyPr>
+            <a:normAutofit/>
+          </a:bodyPr>
+          <a:lstStyle/>
+          <a:p>
+            <a:r>
+              <a:rPr lang="fr-FR" dirty="0"/>
+              <a:t>XI- API </a:t>
+            </a:r>
+            <a:br>
+              <a:rPr lang="fr-FR" dirty="0"/>
+            </a:br>
+            <a:r>
+              <a:rPr lang="fr-FR" dirty="0"/>
+              <a:t>	</a:t>
+            </a:r>
+            <a:r>
+              <a:rPr lang="fr-FR" sz="3600" i="1" dirty="0"/>
+              <a:t>  4. Bibliothèque Chart.js</a:t>
+            </a:r>
+          </a:p>
+        </p:txBody>
+      </p:sp>
+      <p:sp>
+        <p:nvSpPr>
+          <p:cNvPr id="6" name="ZoneTexte 5">
+            <a:extLst>
+              <a:ext uri="{FF2B5EF4-FFF2-40B4-BE49-F238E27FC236}">
+                <a16:creationId xmlns:a16="http://schemas.microsoft.com/office/drawing/2014/main" id="{49094D12-EB50-0791-D103-F2DDE6FBCF83}"/>
+              </a:ext>
+            </a:extLst>
+          </p:cNvPr>
+          <p:cNvSpPr txBox="1"/>
+          <p:nvPr/>
+        </p:nvSpPr>
+        <p:spPr>
+          <a:xfrm>
+            <a:off x="838449" y="1999777"/>
+            <a:ext cx="11167425" cy="3323987"/>
+          </a:xfrm>
+          <a:prstGeom prst="rect">
+            <a:avLst/>
+          </a:prstGeom>
+          <a:noFill/>
+        </p:spPr>
+        <p:txBody>
+          <a:bodyPr wrap="square" rtlCol="0">
+            <a:spAutoFit/>
+          </a:bodyPr>
+          <a:lstStyle/>
+          <a:p>
+            <a:r>
+              <a:rPr lang="fr-FR" sz="2400" dirty="0"/>
+              <a:t>Chart.js étant une bibliothèque externe il est nécessaire de l’installer avant de pouvoir l’utiliser: </a:t>
+            </a:r>
+          </a:p>
+          <a:p>
+            <a:endParaRPr lang="fr-FR" sz="2400" dirty="0"/>
+          </a:p>
+          <a:p>
+            <a:r>
+              <a:rPr lang="fr-FR" sz="2400" dirty="0"/>
+              <a:t>CDN </a:t>
+            </a:r>
+            <a:r>
+              <a:rPr lang="fr-FR" sz="2400" dirty="0">
+                <a:sym typeface="Wingdings" panose="05000000000000000000" pitchFamily="2" charset="2"/>
+              </a:rPr>
+              <a:t> </a:t>
+            </a:r>
+            <a:r>
+              <a:rPr lang="fr-FR" sz="2400" dirty="0"/>
+              <a:t> &lt;script src="https://cdn.jsdelivr.net/</a:t>
+            </a:r>
+            <a:r>
+              <a:rPr lang="fr-FR" sz="2400" dirty="0" err="1"/>
+              <a:t>npm</a:t>
+            </a:r>
+            <a:r>
+              <a:rPr lang="fr-FR" sz="2400" dirty="0"/>
+              <a:t>/chart.js"&gt;&lt;/script&gt;</a:t>
+            </a:r>
+          </a:p>
+          <a:p>
+            <a:endParaRPr lang="fr-FR" sz="2400" dirty="0"/>
+          </a:p>
+          <a:p>
+            <a:endParaRPr lang="fr-FR" sz="2400" dirty="0"/>
+          </a:p>
+          <a:p>
+            <a:r>
+              <a:rPr lang="fr-FR" sz="2400" dirty="0"/>
+              <a:t>NPM </a:t>
+            </a:r>
+            <a:r>
+              <a:rPr lang="fr-FR" sz="2400" dirty="0">
+                <a:sym typeface="Wingdings" panose="05000000000000000000" pitchFamily="2" charset="2"/>
+              </a:rPr>
+              <a:t> </a:t>
+            </a:r>
+            <a:r>
+              <a:rPr lang="fr-FR" dirty="0">
+                <a:solidFill>
+                  <a:srgbClr val="374151"/>
+                </a:solidFill>
+                <a:latin typeface="Söhne"/>
+              </a:rPr>
+              <a:t>						</a:t>
+            </a:r>
+          </a:p>
+          <a:p>
+            <a:endParaRPr lang="fr-FR" dirty="0">
+              <a:solidFill>
+                <a:srgbClr val="374151"/>
+              </a:solidFill>
+              <a:latin typeface="Söhne"/>
+            </a:endParaRPr>
+          </a:p>
+          <a:p>
+            <a:r>
+              <a:rPr lang="fr-FR" dirty="0"/>
+              <a:t>										</a:t>
+            </a:r>
+            <a:r>
+              <a:rPr lang="fr-FR" sz="2400" dirty="0">
+                <a:hlinkClick r:id="rId2"/>
+              </a:rPr>
+              <a:t>VOIR DOC </a:t>
+            </a:r>
+            <a:endParaRPr lang="fr-FR" dirty="0"/>
+          </a:p>
+        </p:txBody>
+      </p:sp>
+      <p:pic>
+        <p:nvPicPr>
+          <p:cNvPr id="2050" name="Picture 2" descr="Produire des graphes en Javascript - datacorner par Benoit Cayla">
+            <a:extLst>
+              <a:ext uri="{FF2B5EF4-FFF2-40B4-BE49-F238E27FC236}">
+                <a16:creationId xmlns:a16="http://schemas.microsoft.com/office/drawing/2014/main" id="{CD3C4C6E-B6FB-7FB5-3A42-75FB5AF1A873}"/>
+              </a:ext>
+            </a:extLst>
+          </p:cNvPr>
+          <p:cNvPicPr>
+            <a:picLocks noChangeAspect="1" noChangeArrowheads="1"/>
+          </p:cNvPicPr>
+          <p:nvPr/>
+        </p:nvPicPr>
+        <p:blipFill>
+          <a:blip r:embed="rId3">
+            <a:extLst>
+              <a:ext uri="{28A0092B-C50C-407E-A947-70E740481C1C}">
+                <a14:useLocalDpi xmlns:a14="http://schemas.microsoft.com/office/drawing/2010/main" val="0"/>
+              </a:ext>
+            </a:extLst>
+          </a:blip>
+          <a:srcRect/>
+          <a:stretch>
+            <a:fillRect/>
+          </a:stretch>
+        </p:blipFill>
+        <p:spPr bwMode="auto">
+          <a:xfrm>
+            <a:off x="10464075" y="24186"/>
+            <a:ext cx="1727925" cy="1400744"/>
+          </a:xfrm>
+          <a:prstGeom prst="rect">
+            <a:avLst/>
+          </a:prstGeom>
+          <a:noFill/>
+          <a:extLst>
+            <a:ext uri="{909E8E84-426E-40DD-AFC4-6F175D3DCCD1}">
+              <a14:hiddenFill xmlns:a14="http://schemas.microsoft.com/office/drawing/2010/main">
+                <a:solidFill>
+                  <a:srgbClr val="FFFFFF"/>
+                </a:solidFill>
+              </a14:hiddenFill>
+            </a:ext>
+          </a:extLst>
+        </p:spPr>
+      </p:pic>
+      <p:pic>
+        <p:nvPicPr>
+          <p:cNvPr id="8" name="Image 7">
+            <a:extLst>
+              <a:ext uri="{FF2B5EF4-FFF2-40B4-BE49-F238E27FC236}">
+                <a16:creationId xmlns:a16="http://schemas.microsoft.com/office/drawing/2014/main" id="{0C18E8E6-DA38-0A5F-2C7B-CDFEB81C3A68}"/>
+              </a:ext>
+            </a:extLst>
+          </p:cNvPr>
+          <p:cNvPicPr>
+            <a:picLocks noChangeAspect="1"/>
+          </p:cNvPicPr>
+          <p:nvPr/>
+        </p:nvPicPr>
+        <p:blipFill>
+          <a:blip r:embed="rId4"/>
+          <a:stretch>
+            <a:fillRect/>
+          </a:stretch>
+        </p:blipFill>
+        <p:spPr>
+          <a:xfrm>
+            <a:off x="2235634" y="4049785"/>
+            <a:ext cx="3152422" cy="610604"/>
+          </a:xfrm>
+          <a:prstGeom prst="rect">
+            <a:avLst/>
+          </a:prstGeom>
+        </p:spPr>
+      </p:pic>
+      <p:sp>
+        <p:nvSpPr>
+          <p:cNvPr id="9" name="ZoneTexte 8">
+            <a:extLst>
+              <a:ext uri="{FF2B5EF4-FFF2-40B4-BE49-F238E27FC236}">
+                <a16:creationId xmlns:a16="http://schemas.microsoft.com/office/drawing/2014/main" id="{C58F59FA-684C-FBC3-3BC1-8EAF720F98DE}"/>
+              </a:ext>
+            </a:extLst>
+          </p:cNvPr>
+          <p:cNvSpPr txBox="1"/>
+          <p:nvPr/>
+        </p:nvSpPr>
+        <p:spPr>
+          <a:xfrm>
+            <a:off x="2168522" y="5855732"/>
+            <a:ext cx="8116381" cy="369332"/>
+          </a:xfrm>
+          <a:prstGeom prst="rect">
+            <a:avLst/>
+          </a:prstGeom>
+          <a:noFill/>
+        </p:spPr>
+        <p:txBody>
+          <a:bodyPr wrap="square" rtlCol="0">
+            <a:spAutoFit/>
+          </a:bodyPr>
+          <a:lstStyle/>
+          <a:p>
+            <a:r>
+              <a:rPr lang="fr-FR" dirty="0"/>
+              <a:t>Exercice: récupérer et afficher dans un graphique </a:t>
+            </a:r>
+            <a:r>
+              <a:rPr lang="fr-FR"/>
+              <a:t>le cours </a:t>
+            </a:r>
+            <a:r>
+              <a:rPr lang="fr-FR" dirty="0"/>
+              <a:t>du bitcoin .</a:t>
+            </a:r>
+          </a:p>
+        </p:txBody>
+      </p:sp>
+    </p:spTree>
+    <p:extLst>
+      <p:ext uri="{BB962C8B-B14F-4D97-AF65-F5344CB8AC3E}">
+        <p14:creationId xmlns:p14="http://schemas.microsoft.com/office/powerpoint/2010/main" val="2962366449"/>
+      </p:ext>
+    </p:extLst>
+  </p:cSld>
+  <p:clrMapOvr>
+    <a:masterClrMapping/>
+  </p:clrMapOvr>
+</p:sld>
+</file>
+
+<file path=ppt/slides/slide112.xml><?xml version="1.0" encoding="utf-8"?>
+<p:sld xmlns:a="http://schemas.openxmlformats.org/drawingml/2006/main" xmlns:r="http://schemas.openxmlformats.org/officeDocument/2006/relationships" xmlns:p="http://schemas.openxmlformats.org/presentationml/2006/main">
+  <p:cSld>
+    <p:spTree>
+      <p:nvGrpSpPr>
+        <p:cNvPr id="1" name=""/>
+        <p:cNvGrpSpPr/>
+        <p:nvPr/>
+      </p:nvGrpSpPr>
+      <p:grpSpPr>
+        <a:xfrm>
+          <a:off x="0" y="0"/>
+          <a:ext cx="0" cy="0"/>
+          <a:chOff x="0" y="0"/>
+          <a:chExt cx="0" cy="0"/>
+        </a:xfrm>
+      </p:grpSpPr>
+      <p:sp>
+        <p:nvSpPr>
+          <p:cNvPr id="3" name="Titre 1">
+            <a:extLst>
+              <a:ext uri="{FF2B5EF4-FFF2-40B4-BE49-F238E27FC236}">
+                <a16:creationId xmlns:a16="http://schemas.microsoft.com/office/drawing/2014/main" id="{E7373E66-041F-37D5-0ADF-25BA87ABC979}"/>
+              </a:ext>
+            </a:extLst>
+          </p:cNvPr>
+          <p:cNvSpPr>
+            <a:spLocks noGrp="1"/>
+          </p:cNvSpPr>
+          <p:nvPr>
+            <p:ph type="title"/>
+          </p:nvPr>
+        </p:nvSpPr>
+        <p:spPr>
+          <a:xfrm>
+            <a:off x="1097279" y="286603"/>
+            <a:ext cx="11167425" cy="1450757"/>
+          </a:xfrm>
+        </p:spPr>
+        <p:txBody>
+          <a:bodyPr>
+            <a:normAutofit/>
+          </a:bodyPr>
+          <a:lstStyle/>
+          <a:p>
+            <a:r>
+              <a:rPr lang="fr-FR" dirty="0"/>
+              <a:t>XI- API </a:t>
+            </a:r>
+            <a:br>
+              <a:rPr lang="fr-FR" dirty="0"/>
+            </a:br>
+            <a:r>
+              <a:rPr lang="fr-FR" dirty="0"/>
+              <a:t>	</a:t>
+            </a:r>
+            <a:r>
+              <a:rPr lang="fr-FR" sz="3600" i="1" dirty="0"/>
+              <a:t>  4. Bibliothèque AOS</a:t>
+            </a:r>
+          </a:p>
+        </p:txBody>
+      </p:sp>
+      <p:pic>
+        <p:nvPicPr>
+          <p:cNvPr id="2054" name="Picture 6" descr="Animate On Scroll | Drupal.org">
+            <a:extLst>
+              <a:ext uri="{FF2B5EF4-FFF2-40B4-BE49-F238E27FC236}">
+                <a16:creationId xmlns:a16="http://schemas.microsoft.com/office/drawing/2014/main" id="{946F954B-B642-16F7-5AE4-AEA8316B3567}"/>
+              </a:ext>
+            </a:extLst>
+          </p:cNvPr>
+          <p:cNvPicPr>
+            <a:picLocks noChangeAspect="1" noChangeArrowheads="1"/>
+          </p:cNvPicPr>
+          <p:nvPr/>
+        </p:nvPicPr>
+        <p:blipFill>
+          <a:blip r:embed="rId2">
+            <a:extLst>
+              <a:ext uri="{28A0092B-C50C-407E-A947-70E740481C1C}">
+                <a14:useLocalDpi xmlns:a14="http://schemas.microsoft.com/office/drawing/2010/main" val="0"/>
+              </a:ext>
+            </a:extLst>
+          </a:blip>
+          <a:srcRect/>
+          <a:stretch>
+            <a:fillRect/>
+          </a:stretch>
+        </p:blipFill>
+        <p:spPr bwMode="auto">
+          <a:xfrm>
+            <a:off x="10582227" y="93906"/>
+            <a:ext cx="3552516" cy="786468"/>
+          </a:xfrm>
+          <a:prstGeom prst="rect">
+            <a:avLst/>
+          </a:prstGeom>
+          <a:noFill/>
+          <a:extLst>
+            <a:ext uri="{909E8E84-426E-40DD-AFC4-6F175D3DCCD1}">
+              <a14:hiddenFill xmlns:a14="http://schemas.microsoft.com/office/drawing/2010/main">
+                <a:solidFill>
+                  <a:srgbClr val="FFFFFF"/>
+                </a:solidFill>
+              </a14:hiddenFill>
+            </a:ext>
+          </a:extLst>
+        </p:spPr>
+      </p:pic>
+      <p:sp>
+        <p:nvSpPr>
+          <p:cNvPr id="4" name="ZoneTexte 3">
+            <a:extLst>
+              <a:ext uri="{FF2B5EF4-FFF2-40B4-BE49-F238E27FC236}">
+                <a16:creationId xmlns:a16="http://schemas.microsoft.com/office/drawing/2014/main" id="{F56E3F30-E8FA-2147-47CB-D66E9F81E42C}"/>
+              </a:ext>
+            </a:extLst>
+          </p:cNvPr>
+          <p:cNvSpPr txBox="1"/>
+          <p:nvPr/>
+        </p:nvSpPr>
+        <p:spPr>
+          <a:xfrm>
+            <a:off x="1097279" y="2085174"/>
+            <a:ext cx="9943887" cy="646331"/>
+          </a:xfrm>
+          <a:prstGeom prst="rect">
+            <a:avLst/>
+          </a:prstGeom>
+          <a:noFill/>
+        </p:spPr>
+        <p:txBody>
+          <a:bodyPr wrap="square" rtlCol="0">
+            <a:spAutoFit/>
+          </a:bodyPr>
+          <a:lstStyle/>
+          <a:p>
+            <a:r>
+              <a:rPr lang="fr-FR" dirty="0"/>
+              <a:t>AOS (</a:t>
+            </a:r>
+            <a:r>
+              <a:rPr lang="fr-FR" dirty="0" err="1"/>
+              <a:t>Animate</a:t>
+            </a:r>
+            <a:r>
+              <a:rPr lang="fr-FR" dirty="0"/>
+              <a:t> On Scroll) est une bibliothèque JavaScript open source qui permet de créer des animations lorsque l'utilisateur fait défiler la page.</a:t>
+            </a:r>
+          </a:p>
+        </p:txBody>
+      </p:sp>
+      <p:sp>
+        <p:nvSpPr>
+          <p:cNvPr id="5" name="ZoneTexte 4">
+            <a:extLst>
+              <a:ext uri="{FF2B5EF4-FFF2-40B4-BE49-F238E27FC236}">
+                <a16:creationId xmlns:a16="http://schemas.microsoft.com/office/drawing/2014/main" id="{8FB6ADA6-406E-4CEB-9FD0-4DE528ACD22A}"/>
+              </a:ext>
+            </a:extLst>
+          </p:cNvPr>
+          <p:cNvSpPr txBox="1"/>
+          <p:nvPr/>
+        </p:nvSpPr>
+        <p:spPr>
+          <a:xfrm>
+            <a:off x="871671" y="2972334"/>
+            <a:ext cx="10169495" cy="3139321"/>
+          </a:xfrm>
+          <a:prstGeom prst="rect">
+            <a:avLst/>
+          </a:prstGeom>
+          <a:noFill/>
+        </p:spPr>
+        <p:txBody>
+          <a:bodyPr wrap="square" rtlCol="0">
+            <a:spAutoFit/>
+          </a:bodyPr>
+          <a:lstStyle/>
+          <a:p>
+            <a:r>
+              <a:rPr lang="fr-FR" dirty="0"/>
+              <a:t>Pour l’utiliser vous devrez l’installer soit:</a:t>
+            </a:r>
+          </a:p>
+          <a:p>
+            <a:r>
+              <a:rPr lang="fr-FR" dirty="0"/>
+              <a:t> </a:t>
+            </a:r>
+          </a:p>
+          <a:p>
+            <a:r>
+              <a:rPr lang="fr-FR" dirty="0"/>
+              <a:t>Avec </a:t>
+            </a:r>
+            <a:r>
+              <a:rPr lang="fr-FR" dirty="0" err="1"/>
+              <a:t>npm</a:t>
+            </a:r>
+            <a:r>
+              <a:rPr lang="fr-FR" dirty="0"/>
+              <a:t> :</a:t>
+            </a:r>
+          </a:p>
+          <a:p>
+            <a:endParaRPr lang="fr-FR" dirty="0"/>
+          </a:p>
+          <a:p>
+            <a:r>
+              <a:rPr lang="fr-FR" dirty="0"/>
+              <a:t>Avec les CDN : </a:t>
+            </a:r>
+          </a:p>
+          <a:p>
+            <a:pPr marL="742950" lvl="1" indent="-285750">
+              <a:buFont typeface="Arial" panose="020B0604020202020204" pitchFamily="34" charset="0"/>
+              <a:buChar char="•"/>
+            </a:pPr>
+            <a:r>
+              <a:rPr lang="en-US" dirty="0"/>
+              <a:t>&lt;link </a:t>
+            </a:r>
+            <a:r>
+              <a:rPr lang="en-US" dirty="0" err="1"/>
+              <a:t>href</a:t>
+            </a:r>
+            <a:r>
+              <a:rPr lang="en-US" dirty="0"/>
+              <a:t>="https://unpkg.com/aos@2.3.1/</a:t>
+            </a:r>
+            <a:r>
+              <a:rPr lang="en-US" dirty="0" err="1"/>
+              <a:t>dist</a:t>
+            </a:r>
+            <a:r>
+              <a:rPr lang="en-US" dirty="0"/>
+              <a:t>/aos.css" </a:t>
+            </a:r>
+            <a:r>
+              <a:rPr lang="en-US" dirty="0" err="1"/>
+              <a:t>rel</a:t>
+            </a:r>
+            <a:r>
+              <a:rPr lang="en-US" dirty="0"/>
+              <a:t>="stylesheet"&gt;</a:t>
+            </a:r>
+            <a:endParaRPr lang="fr-FR" dirty="0"/>
+          </a:p>
+          <a:p>
+            <a:pPr marL="742950" lvl="1" indent="-285750">
+              <a:buFont typeface="Arial" panose="020B0604020202020204" pitchFamily="34" charset="0"/>
+              <a:buChar char="•"/>
+            </a:pPr>
+            <a:r>
+              <a:rPr lang="fr-FR" dirty="0"/>
+              <a:t>&lt;script src="https://unpkg.com/aos@2.3.1/</a:t>
+            </a:r>
+            <a:r>
+              <a:rPr lang="fr-FR" dirty="0" err="1"/>
+              <a:t>dist</a:t>
+            </a:r>
+            <a:r>
+              <a:rPr lang="fr-FR" dirty="0"/>
+              <a:t>/aos.js"&gt;&lt;/script&gt; </a:t>
+            </a:r>
+          </a:p>
+          <a:p>
+            <a:pPr marL="742950" lvl="1" indent="-285750">
+              <a:buFont typeface="Arial" panose="020B0604020202020204" pitchFamily="34" charset="0"/>
+              <a:buChar char="•"/>
+            </a:pPr>
+            <a:endParaRPr lang="fr-FR" dirty="0"/>
+          </a:p>
+          <a:p>
+            <a:pPr marL="742950" lvl="1" indent="-285750">
+              <a:buFont typeface="Arial" panose="020B0604020202020204" pitchFamily="34" charset="0"/>
+              <a:buChar char="•"/>
+            </a:pPr>
+            <a:endParaRPr lang="fr-FR" dirty="0"/>
+          </a:p>
+          <a:p>
+            <a:r>
+              <a:rPr lang="fr-FR" dirty="0"/>
+              <a:t>Il faudra également l’initialiser: </a:t>
+            </a:r>
+          </a:p>
+          <a:p>
+            <a:pPr marL="742950" lvl="1" indent="-285750">
+              <a:buFont typeface="Arial" panose="020B0604020202020204" pitchFamily="34" charset="0"/>
+              <a:buChar char="•"/>
+            </a:pPr>
+            <a:endParaRPr lang="fr-FR" dirty="0"/>
+          </a:p>
+        </p:txBody>
+      </p:sp>
+      <p:pic>
+        <p:nvPicPr>
+          <p:cNvPr id="10" name="Image 9">
+            <a:extLst>
+              <a:ext uri="{FF2B5EF4-FFF2-40B4-BE49-F238E27FC236}">
+                <a16:creationId xmlns:a16="http://schemas.microsoft.com/office/drawing/2014/main" id="{2DB2D6F8-07ED-1B4A-890A-2399D565D9EE}"/>
+              </a:ext>
+            </a:extLst>
+          </p:cNvPr>
+          <p:cNvPicPr>
+            <a:picLocks noChangeAspect="1"/>
+          </p:cNvPicPr>
+          <p:nvPr/>
+        </p:nvPicPr>
+        <p:blipFill>
+          <a:blip r:embed="rId3"/>
+          <a:stretch>
+            <a:fillRect/>
+          </a:stretch>
+        </p:blipFill>
+        <p:spPr>
+          <a:xfrm>
+            <a:off x="2138756" y="3542097"/>
+            <a:ext cx="2667372" cy="390580"/>
+          </a:xfrm>
+          <a:prstGeom prst="rect">
+            <a:avLst/>
+          </a:prstGeom>
+        </p:spPr>
+      </p:pic>
+      <p:pic>
+        <p:nvPicPr>
+          <p:cNvPr id="12" name="Image 11">
+            <a:extLst>
+              <a:ext uri="{FF2B5EF4-FFF2-40B4-BE49-F238E27FC236}">
+                <a16:creationId xmlns:a16="http://schemas.microsoft.com/office/drawing/2014/main" id="{BED65F2B-8FAC-56BB-96AF-5727AC47B4BD}"/>
+              </a:ext>
+            </a:extLst>
+          </p:cNvPr>
+          <p:cNvPicPr>
+            <a:picLocks noChangeAspect="1"/>
+          </p:cNvPicPr>
+          <p:nvPr/>
+        </p:nvPicPr>
+        <p:blipFill>
+          <a:blip r:embed="rId4"/>
+          <a:stretch>
+            <a:fillRect/>
+          </a:stretch>
+        </p:blipFill>
+        <p:spPr>
+          <a:xfrm>
+            <a:off x="4212317" y="5247430"/>
+            <a:ext cx="1800476" cy="1105054"/>
+          </a:xfrm>
+          <a:prstGeom prst="rect">
+            <a:avLst/>
+          </a:prstGeom>
+        </p:spPr>
+      </p:pic>
+    </p:spTree>
+    <p:extLst>
+      <p:ext uri="{BB962C8B-B14F-4D97-AF65-F5344CB8AC3E}">
+        <p14:creationId xmlns:p14="http://schemas.microsoft.com/office/powerpoint/2010/main" val="2251799672"/>
+      </p:ext>
+    </p:extLst>
+  </p:cSld>
+  <p:clrMapOvr>
+    <a:masterClrMapping/>
+  </p:clrMapOvr>
+</p:sld>
+</file>
+
+<file path=ppt/slides/slide113.xml><?xml version="1.0" encoding="utf-8"?>
+<p:sld xmlns:a="http://schemas.openxmlformats.org/drawingml/2006/main" xmlns:r="http://schemas.openxmlformats.org/officeDocument/2006/relationships" xmlns:p="http://schemas.openxmlformats.org/presentationml/2006/main">
+  <p:cSld>
+    <p:spTree>
+      <p:nvGrpSpPr>
+        <p:cNvPr id="1" name=""/>
+        <p:cNvGrpSpPr/>
+        <p:nvPr/>
+      </p:nvGrpSpPr>
+      <p:grpSpPr>
+        <a:xfrm>
+          <a:off x="0" y="0"/>
+          <a:ext cx="0" cy="0"/>
+          <a:chOff x="0" y="0"/>
+          <a:chExt cx="0" cy="0"/>
+        </a:xfrm>
+      </p:grpSpPr>
+      <p:sp>
+        <p:nvSpPr>
+          <p:cNvPr id="3" name="Titre 1">
+            <a:extLst>
+              <a:ext uri="{FF2B5EF4-FFF2-40B4-BE49-F238E27FC236}">
+                <a16:creationId xmlns:a16="http://schemas.microsoft.com/office/drawing/2014/main" id="{E7373E66-041F-37D5-0ADF-25BA87ABC979}"/>
+              </a:ext>
+            </a:extLst>
+          </p:cNvPr>
+          <p:cNvSpPr>
+            <a:spLocks noGrp="1"/>
+          </p:cNvSpPr>
+          <p:nvPr>
+            <p:ph type="title"/>
+          </p:nvPr>
+        </p:nvSpPr>
+        <p:spPr>
+          <a:xfrm>
+            <a:off x="1097279" y="286603"/>
+            <a:ext cx="11167425" cy="1450757"/>
+          </a:xfrm>
+        </p:spPr>
+        <p:txBody>
+          <a:bodyPr>
+            <a:normAutofit/>
+          </a:bodyPr>
+          <a:lstStyle/>
+          <a:p>
+            <a:r>
+              <a:rPr lang="fr-FR" dirty="0"/>
+              <a:t>XI- API </a:t>
+            </a:r>
+            <a:br>
+              <a:rPr lang="fr-FR" dirty="0"/>
+            </a:br>
+            <a:r>
+              <a:rPr lang="fr-FR" dirty="0"/>
+              <a:t>	</a:t>
+            </a:r>
+            <a:r>
+              <a:rPr lang="fr-FR" sz="3600" i="1" dirty="0"/>
+              <a:t>  4. Bibliothèque AOS</a:t>
+            </a:r>
+          </a:p>
+        </p:txBody>
+      </p:sp>
+      <p:pic>
+        <p:nvPicPr>
+          <p:cNvPr id="2054" name="Picture 6" descr="Animate On Scroll | Drupal.org">
+            <a:extLst>
+              <a:ext uri="{FF2B5EF4-FFF2-40B4-BE49-F238E27FC236}">
+                <a16:creationId xmlns:a16="http://schemas.microsoft.com/office/drawing/2014/main" id="{946F954B-B642-16F7-5AE4-AEA8316B3567}"/>
+              </a:ext>
+            </a:extLst>
+          </p:cNvPr>
+          <p:cNvPicPr>
+            <a:picLocks noChangeAspect="1" noChangeArrowheads="1"/>
+          </p:cNvPicPr>
+          <p:nvPr/>
+        </p:nvPicPr>
+        <p:blipFill>
+          <a:blip r:embed="rId2">
+            <a:extLst>
+              <a:ext uri="{28A0092B-C50C-407E-A947-70E740481C1C}">
+                <a14:useLocalDpi xmlns:a14="http://schemas.microsoft.com/office/drawing/2010/main" val="0"/>
+              </a:ext>
+            </a:extLst>
+          </a:blip>
+          <a:srcRect/>
+          <a:stretch>
+            <a:fillRect/>
+          </a:stretch>
+        </p:blipFill>
+        <p:spPr bwMode="auto">
+          <a:xfrm>
+            <a:off x="10582227" y="93906"/>
+            <a:ext cx="3552516" cy="786468"/>
+          </a:xfrm>
+          <a:prstGeom prst="rect">
+            <a:avLst/>
+          </a:prstGeom>
+          <a:noFill/>
+          <a:extLst>
+            <a:ext uri="{909E8E84-426E-40DD-AFC4-6F175D3DCCD1}">
+              <a14:hiddenFill xmlns:a14="http://schemas.microsoft.com/office/drawing/2010/main">
+                <a:solidFill>
+                  <a:srgbClr val="FFFFFF"/>
+                </a:solidFill>
+              </a14:hiddenFill>
+            </a:ext>
+          </a:extLst>
+        </p:spPr>
+      </p:pic>
+      <p:sp>
+        <p:nvSpPr>
+          <p:cNvPr id="4" name="ZoneTexte 3">
+            <a:extLst>
+              <a:ext uri="{FF2B5EF4-FFF2-40B4-BE49-F238E27FC236}">
+                <a16:creationId xmlns:a16="http://schemas.microsoft.com/office/drawing/2014/main" id="{F56E3F30-E8FA-2147-47CB-D66E9F81E42C}"/>
+              </a:ext>
+            </a:extLst>
+          </p:cNvPr>
+          <p:cNvSpPr txBox="1"/>
+          <p:nvPr/>
+        </p:nvSpPr>
+        <p:spPr>
+          <a:xfrm>
+            <a:off x="1097279" y="2085174"/>
+            <a:ext cx="9943887" cy="3631763"/>
+          </a:xfrm>
+          <a:prstGeom prst="rect">
+            <a:avLst/>
+          </a:prstGeom>
+          <a:noFill/>
+        </p:spPr>
+        <p:txBody>
+          <a:bodyPr wrap="square" rtlCol="0">
+            <a:spAutoFit/>
+          </a:bodyPr>
+          <a:lstStyle/>
+          <a:p>
+            <a:pPr>
+              <a:lnSpc>
+                <a:spcPct val="150000"/>
+              </a:lnSpc>
+            </a:pPr>
+            <a:r>
+              <a:rPr lang="fr-FR" sz="2400" dirty="0"/>
+              <a:t>Il ne vous reste </a:t>
+            </a:r>
+            <a:r>
+              <a:rPr lang="fr-FR" sz="2400"/>
+              <a:t>plus qu’</a:t>
+            </a:r>
+            <a:r>
+              <a:rPr lang="fr-FR" sz="2400" dirty="0"/>
+              <a:t>à</a:t>
+            </a:r>
+            <a:r>
+              <a:rPr lang="fr-FR" sz="2400"/>
+              <a:t> </a:t>
+            </a:r>
+            <a:r>
+              <a:rPr lang="fr-FR" sz="2400" dirty="0"/>
+              <a:t>intégrer dans les éléments que vous souhaitez animer les propriétés et class mises à disposition par AOS, exemple: </a:t>
+            </a:r>
+          </a:p>
+          <a:p>
+            <a:endParaRPr lang="fr-FR" dirty="0"/>
+          </a:p>
+          <a:p>
+            <a:endParaRPr lang="fr-FR" dirty="0"/>
+          </a:p>
+          <a:p>
+            <a:endParaRPr lang="fr-FR" dirty="0"/>
+          </a:p>
+          <a:p>
+            <a:endParaRPr lang="fr-FR" dirty="0"/>
+          </a:p>
+          <a:p>
+            <a:endParaRPr lang="fr-FR" dirty="0"/>
+          </a:p>
+          <a:p>
+            <a:endParaRPr lang="fr-FR" dirty="0"/>
+          </a:p>
+          <a:p>
+            <a:endParaRPr lang="fr-FR" dirty="0"/>
+          </a:p>
+          <a:p>
+            <a:pPr algn="ctr"/>
+            <a:r>
+              <a:rPr lang="fr-FR" sz="3200" dirty="0">
+                <a:hlinkClick r:id="rId3"/>
+              </a:rPr>
+              <a:t>VOIR DOC </a:t>
+            </a:r>
+            <a:endParaRPr lang="fr-FR" sz="3200" dirty="0"/>
+          </a:p>
+        </p:txBody>
+      </p:sp>
+      <p:pic>
+        <p:nvPicPr>
+          <p:cNvPr id="6" name="Image 5">
+            <a:extLst>
+              <a:ext uri="{FF2B5EF4-FFF2-40B4-BE49-F238E27FC236}">
+                <a16:creationId xmlns:a16="http://schemas.microsoft.com/office/drawing/2014/main" id="{4B9D55BC-0D57-FE93-C53F-1980BB9EFE45}"/>
+              </a:ext>
+            </a:extLst>
+          </p:cNvPr>
+          <p:cNvPicPr>
+            <a:picLocks noChangeAspect="1"/>
+          </p:cNvPicPr>
+          <p:nvPr/>
+        </p:nvPicPr>
+        <p:blipFill>
+          <a:blip r:embed="rId4"/>
+          <a:stretch>
+            <a:fillRect/>
+          </a:stretch>
+        </p:blipFill>
+        <p:spPr>
+          <a:xfrm>
+            <a:off x="2974358" y="3574976"/>
+            <a:ext cx="6243284" cy="715013"/>
+          </a:xfrm>
+          <a:prstGeom prst="rect">
+            <a:avLst/>
+          </a:prstGeom>
+        </p:spPr>
+      </p:pic>
+    </p:spTree>
+    <p:extLst>
+      <p:ext uri="{BB962C8B-B14F-4D97-AF65-F5344CB8AC3E}">
+        <p14:creationId xmlns:p14="http://schemas.microsoft.com/office/powerpoint/2010/main" val="3477842647"/>
+      </p:ext>
+    </p:extLst>
+  </p:cSld>
+  <p:clrMapOvr>
+    <a:masterClrMapping/>
+  </p:clrMapOvr>
+</p:sld>
+</file>
+
+<file path=ppt/slides/slide114.xml><?xml version="1.0" encoding="utf-8"?>
+<p:sld xmlns:a="http://schemas.openxmlformats.org/drawingml/2006/main" xmlns:r="http://schemas.openxmlformats.org/officeDocument/2006/relationships" xmlns:p="http://schemas.openxmlformats.org/presentationml/2006/main">
+  <p:cSld>
+    <p:spTree>
+      <p:nvGrpSpPr>
+        <p:cNvPr id="1" name=""/>
+        <p:cNvGrpSpPr/>
+        <p:nvPr/>
+      </p:nvGrpSpPr>
+      <p:grpSpPr>
+        <a:xfrm>
+          <a:off x="0" y="0"/>
+          <a:ext cx="0" cy="0"/>
+          <a:chOff x="0" y="0"/>
+          <a:chExt cx="0" cy="0"/>
+        </a:xfrm>
+      </p:grpSpPr>
+      <p:sp>
+        <p:nvSpPr>
+          <p:cNvPr id="3" name="Titre 1">
+            <a:extLst>
+              <a:ext uri="{FF2B5EF4-FFF2-40B4-BE49-F238E27FC236}">
+                <a16:creationId xmlns:a16="http://schemas.microsoft.com/office/drawing/2014/main" id="{E7373E66-041F-37D5-0ADF-25BA87ABC979}"/>
+              </a:ext>
+            </a:extLst>
+          </p:cNvPr>
+          <p:cNvSpPr>
+            <a:spLocks noGrp="1"/>
+          </p:cNvSpPr>
+          <p:nvPr>
+            <p:ph type="title"/>
+          </p:nvPr>
+        </p:nvSpPr>
+        <p:spPr>
+          <a:xfrm>
+            <a:off x="1097279" y="286603"/>
+            <a:ext cx="11167425" cy="1450757"/>
+          </a:xfrm>
+        </p:spPr>
+        <p:txBody>
+          <a:bodyPr>
+            <a:normAutofit/>
+          </a:bodyPr>
+          <a:lstStyle/>
+          <a:p>
+            <a:r>
+              <a:rPr lang="fr-FR" dirty="0"/>
+              <a:t>XI- API </a:t>
+            </a:r>
+            <a:br>
+              <a:rPr lang="fr-FR" dirty="0"/>
+            </a:br>
+            <a:r>
+              <a:rPr lang="fr-FR" dirty="0"/>
+              <a:t>	</a:t>
+            </a:r>
+            <a:r>
+              <a:rPr lang="fr-FR" sz="3600" i="1" dirty="0"/>
+              <a:t>  4. Bibliothèque Typed.js</a:t>
+            </a:r>
+          </a:p>
+        </p:txBody>
+      </p:sp>
+      <p:sp>
+        <p:nvSpPr>
+          <p:cNvPr id="4" name="ZoneTexte 3">
+            <a:extLst>
+              <a:ext uri="{FF2B5EF4-FFF2-40B4-BE49-F238E27FC236}">
+                <a16:creationId xmlns:a16="http://schemas.microsoft.com/office/drawing/2014/main" id="{F56E3F30-E8FA-2147-47CB-D66E9F81E42C}"/>
+              </a:ext>
+            </a:extLst>
+          </p:cNvPr>
+          <p:cNvSpPr txBox="1"/>
+          <p:nvPr/>
+        </p:nvSpPr>
+        <p:spPr>
+          <a:xfrm>
+            <a:off x="196077" y="2023030"/>
+            <a:ext cx="11795626" cy="4247317"/>
+          </a:xfrm>
+          <a:prstGeom prst="rect">
+            <a:avLst/>
+          </a:prstGeom>
+          <a:noFill/>
+        </p:spPr>
+        <p:txBody>
+          <a:bodyPr wrap="square" rtlCol="0">
+            <a:spAutoFit/>
+          </a:bodyPr>
+          <a:lstStyle/>
+          <a:p>
+            <a:r>
+              <a:rPr lang="fr-FR" sz="2400" dirty="0"/>
+              <a:t>Typed.js est une bibliothèque JavaScript open source qui permet </a:t>
+            </a:r>
+            <a:r>
+              <a:rPr lang="fr-FR" sz="2400" b="1" dirty="0"/>
+              <a:t>d'animer l'écriture de texte dans une page web</a:t>
+            </a:r>
+            <a:r>
+              <a:rPr lang="fr-FR" sz="2400" dirty="0"/>
+              <a:t>. Elle permet de créer des animations d'écriture de texte de manière dynamique.</a:t>
+            </a:r>
+          </a:p>
+          <a:p>
+            <a:endParaRPr lang="fr-FR" sz="2400" dirty="0"/>
+          </a:p>
+          <a:p>
+            <a:r>
+              <a:rPr lang="fr-FR" sz="2800" b="1" dirty="0"/>
+              <a:t>Installation: </a:t>
+            </a:r>
+          </a:p>
+          <a:p>
+            <a:endParaRPr lang="fr-FR" sz="2400" dirty="0"/>
+          </a:p>
+          <a:p>
+            <a:r>
+              <a:rPr lang="fr-FR" sz="2400" dirty="0"/>
+              <a:t>NPM </a:t>
+            </a:r>
+            <a:r>
+              <a:rPr lang="fr-FR" sz="2400" dirty="0">
+                <a:sym typeface="Wingdings" panose="05000000000000000000" pitchFamily="2" charset="2"/>
+              </a:rPr>
+              <a:t> </a:t>
+            </a:r>
+          </a:p>
+          <a:p>
+            <a:endParaRPr lang="fr-FR" sz="2400" dirty="0">
+              <a:sym typeface="Wingdings" panose="05000000000000000000" pitchFamily="2" charset="2"/>
+            </a:endParaRPr>
+          </a:p>
+          <a:p>
+            <a:r>
+              <a:rPr lang="fr-FR" sz="2400" dirty="0">
+                <a:sym typeface="Wingdings" panose="05000000000000000000" pitchFamily="2" charset="2"/>
+              </a:rPr>
+              <a:t>CDN </a:t>
+            </a:r>
+            <a:r>
+              <a:rPr lang="fr-FR" sz="2000" dirty="0">
+                <a:sym typeface="Wingdings" panose="05000000000000000000" pitchFamily="2" charset="2"/>
+              </a:rPr>
+              <a:t> </a:t>
+            </a:r>
+            <a:r>
+              <a:rPr lang="fr-FR" sz="2000" dirty="0"/>
+              <a:t>&lt;script src="https://cdnjs.cloudflare.com/ajax/</a:t>
+            </a:r>
+            <a:r>
+              <a:rPr lang="fr-FR" sz="2000" dirty="0" err="1"/>
+              <a:t>libs</a:t>
+            </a:r>
+            <a:r>
+              <a:rPr lang="fr-FR" sz="2000" dirty="0"/>
+              <a:t>/typed.js/2.0.12/typed.min.js" &gt;&lt;/script</a:t>
+            </a:r>
+            <a:r>
+              <a:rPr lang="fr-FR" sz="2400" dirty="0"/>
+              <a:t>&gt;</a:t>
+            </a:r>
+          </a:p>
+          <a:p>
+            <a:endParaRPr lang="fr-FR" dirty="0"/>
+          </a:p>
+          <a:p>
+            <a:pPr algn="ctr"/>
+            <a:r>
+              <a:rPr lang="fr-FR" sz="3200" dirty="0">
+                <a:hlinkClick r:id="rId2"/>
+              </a:rPr>
+              <a:t>VOIR DOC </a:t>
+            </a:r>
+            <a:endParaRPr lang="fr-FR" sz="3200" dirty="0"/>
+          </a:p>
+        </p:txBody>
+      </p:sp>
+      <p:pic>
+        <p:nvPicPr>
+          <p:cNvPr id="5" name="Image 4">
+            <a:extLst>
+              <a:ext uri="{FF2B5EF4-FFF2-40B4-BE49-F238E27FC236}">
+                <a16:creationId xmlns:a16="http://schemas.microsoft.com/office/drawing/2014/main" id="{F6B3016C-3CD9-0583-D9A9-F4A6EE6D1E43}"/>
+              </a:ext>
+            </a:extLst>
+          </p:cNvPr>
+          <p:cNvPicPr>
+            <a:picLocks noChangeAspect="1"/>
+          </p:cNvPicPr>
+          <p:nvPr/>
+        </p:nvPicPr>
+        <p:blipFill>
+          <a:blip r:embed="rId3"/>
+          <a:stretch>
+            <a:fillRect/>
+          </a:stretch>
+        </p:blipFill>
+        <p:spPr>
+          <a:xfrm>
+            <a:off x="1515799" y="4242849"/>
+            <a:ext cx="2907313" cy="493906"/>
+          </a:xfrm>
+          <a:prstGeom prst="rect">
+            <a:avLst/>
+          </a:prstGeom>
+        </p:spPr>
+      </p:pic>
+      <p:pic>
+        <p:nvPicPr>
+          <p:cNvPr id="1026" name="Picture 2" descr="GitHub - mattboldt/typed.js: A JavaScript Typing Animation Library">
+            <a:extLst>
+              <a:ext uri="{FF2B5EF4-FFF2-40B4-BE49-F238E27FC236}">
+                <a16:creationId xmlns:a16="http://schemas.microsoft.com/office/drawing/2014/main" id="{23D2E7DA-21A2-9A3D-604F-30177F1A094E}"/>
+              </a:ext>
+            </a:extLst>
+          </p:cNvPr>
+          <p:cNvPicPr>
+            <a:picLocks noChangeAspect="1" noChangeArrowheads="1"/>
+          </p:cNvPicPr>
+          <p:nvPr/>
+        </p:nvPicPr>
+        <p:blipFill>
+          <a:blip r:embed="rId4">
+            <a:extLst>
+              <a:ext uri="{28A0092B-C50C-407E-A947-70E740481C1C}">
+                <a14:useLocalDpi xmlns:a14="http://schemas.microsoft.com/office/drawing/2010/main" val="0"/>
+              </a:ext>
+            </a:extLst>
+          </a:blip>
+          <a:srcRect/>
+          <a:stretch>
+            <a:fillRect/>
+          </a:stretch>
+        </p:blipFill>
+        <p:spPr bwMode="auto">
+          <a:xfrm>
+            <a:off x="9357391" y="67628"/>
+            <a:ext cx="2907313" cy="791435"/>
+          </a:xfrm>
+          <a:prstGeom prst="rect">
+            <a:avLst/>
+          </a:prstGeom>
+          <a:noFill/>
+          <a:extLst>
+            <a:ext uri="{909E8E84-426E-40DD-AFC4-6F175D3DCCD1}">
+              <a14:hiddenFill xmlns:a14="http://schemas.microsoft.com/office/drawing/2010/main">
+                <a:solidFill>
+                  <a:srgbClr val="FFFFFF"/>
+                </a:solidFill>
+              </a14:hiddenFill>
+            </a:ext>
+          </a:extLst>
+        </p:spPr>
+      </p:pic>
+    </p:spTree>
+    <p:extLst>
+      <p:ext uri="{BB962C8B-B14F-4D97-AF65-F5344CB8AC3E}">
+        <p14:creationId xmlns:p14="http://schemas.microsoft.com/office/powerpoint/2010/main" val="4099019173"/>
       </p:ext>
     </p:extLst>
   </p:cSld>
@@ -18982,20 +23207,20 @@
           <a:p>
             <a:pPr algn="ctr"/>
             <a:endParaRPr lang="fr-FR" sz="2800" dirty="0">
-              <a:hlinkClick r:id=""/>
+              <a:hlinkClick r:id="rId2"/>
             </a:endParaRPr>
           </a:p>
           <a:p>
             <a:pPr algn="ctr"/>
             <a:endParaRPr lang="fr-FR" sz="2800" dirty="0">
-              <a:hlinkClick r:id=""/>
+              <a:hlinkClick r:id="rId2"/>
             </a:endParaRPr>
           </a:p>
           <a:p>
             <a:pPr algn="ctr"/>
             <a:r>
               <a:rPr lang="fr-FR" sz="2800" dirty="0">
-                <a:hlinkClick r:id=""/>
+                <a:hlinkClick r:id="rId2"/>
               </a:rPr>
               <a:t>DOC MDN </a:t>
             </a:r>
@@ -19018,7 +23243,7 @@
           <p:nvPr/>
         </p:nvPicPr>
         <p:blipFill>
-          <a:blip r:embed="rId2">
+          <a:blip r:embed="rId3">
             <a:extLst>
               <a:ext uri="{28A0092B-C50C-407E-A947-70E740481C1C}">
                 <a14:useLocalDpi xmlns:a14="http://schemas.microsoft.com/office/drawing/2010/main" val="0"/>
@@ -19475,20 +23700,20 @@
           <a:p>
             <a:pPr algn="ctr"/>
             <a:endParaRPr lang="fr-FR" sz="2800" dirty="0">
-              <a:hlinkClick r:id=""/>
+              <a:hlinkClick r:id="rId2"/>
             </a:endParaRPr>
           </a:p>
           <a:p>
             <a:pPr algn="ctr"/>
             <a:endParaRPr lang="fr-FR" sz="2800" dirty="0">
-              <a:hlinkClick r:id=""/>
+              <a:hlinkClick r:id="rId2"/>
             </a:endParaRPr>
           </a:p>
           <a:p>
             <a:pPr algn="ctr"/>
             <a:r>
               <a:rPr lang="fr-FR" sz="2800" dirty="0">
-                <a:hlinkClick r:id="rId2"/>
+                <a:hlinkClick r:id="rId3"/>
               </a:rPr>
               <a:t>DOC MDN </a:t>
             </a:r>
@@ -19511,7 +23736,7 @@
           <p:nvPr/>
         </p:nvPicPr>
         <p:blipFill>
-          <a:blip r:embed="rId3">
+          <a:blip r:embed="rId4">
             <a:extLst>
               <a:ext uri="{28A0092B-C50C-407E-A947-70E740481C1C}">
                 <a14:useLocalDpi xmlns:a14="http://schemas.microsoft.com/office/drawing/2010/main" val="0"/>
@@ -19851,20 +24076,20 @@
           <a:p>
             <a:pPr algn="ctr"/>
             <a:endParaRPr lang="fr-FR" sz="2800" dirty="0">
-              <a:hlinkClick r:id=""/>
+              <a:hlinkClick r:id="rId2"/>
             </a:endParaRPr>
           </a:p>
           <a:p>
             <a:pPr algn="ctr"/>
             <a:endParaRPr lang="fr-FR" sz="2800" dirty="0">
-              <a:hlinkClick r:id=""/>
+              <a:hlinkClick r:id="rId2"/>
             </a:endParaRPr>
           </a:p>
           <a:p>
             <a:pPr algn="ctr"/>
             <a:r>
               <a:rPr lang="fr-FR" sz="2800" dirty="0">
-                <a:hlinkClick r:id="rId2"/>
+                <a:hlinkClick r:id="rId3"/>
               </a:rPr>
               <a:t>DOC MDN </a:t>
             </a:r>
@@ -19887,7 +24112,7 @@
           <p:nvPr/>
         </p:nvPicPr>
         <p:blipFill>
-          <a:blip r:embed="rId3">
+          <a:blip r:embed="rId4">
             <a:extLst>
               <a:ext uri="{28A0092B-C50C-407E-A947-70E740481C1C}">
                 <a14:useLocalDpi xmlns:a14="http://schemas.microsoft.com/office/drawing/2010/main" val="0"/>
@@ -26928,6 +31153,696 @@
     <p:extLst>
       <p:ext uri="{BB962C8B-B14F-4D97-AF65-F5344CB8AC3E}">
         <p14:creationId xmlns:p14="http://schemas.microsoft.com/office/powerpoint/2010/main" val="3815784648"/>
+      </p:ext>
+    </p:extLst>
+  </p:cSld>
+  <p:clrMapOvr>
+    <a:masterClrMapping/>
+  </p:clrMapOvr>
+</p:sld>
+</file>
+
+<file path=ppt/slides/slide97.xml><?xml version="1.0" encoding="utf-8"?>
+<p:sld xmlns:a="http://schemas.openxmlformats.org/drawingml/2006/main" xmlns:r="http://schemas.openxmlformats.org/officeDocument/2006/relationships" xmlns:p="http://schemas.openxmlformats.org/presentationml/2006/main">
+  <p:cSld>
+    <p:spTree>
+      <p:nvGrpSpPr>
+        <p:cNvPr id="1" name=""/>
+        <p:cNvGrpSpPr/>
+        <p:nvPr/>
+      </p:nvGrpSpPr>
+      <p:grpSpPr>
+        <a:xfrm>
+          <a:off x="0" y="0"/>
+          <a:ext cx="0" cy="0"/>
+          <a:chOff x="0" y="0"/>
+          <a:chExt cx="0" cy="0"/>
+        </a:xfrm>
+      </p:grpSpPr>
+      <p:sp>
+        <p:nvSpPr>
+          <p:cNvPr id="3" name="Titre 1">
+            <a:extLst>
+              <a:ext uri="{FF2B5EF4-FFF2-40B4-BE49-F238E27FC236}">
+                <a16:creationId xmlns:a16="http://schemas.microsoft.com/office/drawing/2014/main" id="{E7373E66-041F-37D5-0ADF-25BA87ABC979}"/>
+              </a:ext>
+            </a:extLst>
+          </p:cNvPr>
+          <p:cNvSpPr>
+            <a:spLocks noGrp="1"/>
+          </p:cNvSpPr>
+          <p:nvPr>
+            <p:ph type="title"/>
+          </p:nvPr>
+        </p:nvSpPr>
+        <p:spPr>
+          <a:xfrm>
+            <a:off x="1097279" y="286603"/>
+            <a:ext cx="11167425" cy="1450757"/>
+          </a:xfrm>
+        </p:spPr>
+        <p:txBody>
+          <a:bodyPr>
+            <a:normAutofit/>
+          </a:bodyPr>
+          <a:lstStyle/>
+          <a:p>
+            <a:r>
+              <a:rPr lang="fr-FR" dirty="0"/>
+              <a:t>X- Asynchrone </a:t>
+            </a:r>
+            <a:br>
+              <a:rPr lang="fr-FR" dirty="0"/>
+            </a:br>
+            <a:r>
+              <a:rPr lang="fr-FR" dirty="0"/>
+              <a:t>	</a:t>
+            </a:r>
+            <a:r>
+              <a:rPr lang="fr-FR" sz="3600" i="1" dirty="0"/>
+              <a:t>  1. Les promesses </a:t>
+            </a:r>
+          </a:p>
+        </p:txBody>
+      </p:sp>
+      <p:sp>
+        <p:nvSpPr>
+          <p:cNvPr id="2" name="ZoneTexte 1">
+            <a:extLst>
+              <a:ext uri="{FF2B5EF4-FFF2-40B4-BE49-F238E27FC236}">
+                <a16:creationId xmlns:a16="http://schemas.microsoft.com/office/drawing/2014/main" id="{CCB10AB7-AD5C-3066-3902-3DA82F1CDC93}"/>
+              </a:ext>
+            </a:extLst>
+          </p:cNvPr>
+          <p:cNvSpPr txBox="1"/>
+          <p:nvPr/>
+        </p:nvSpPr>
+        <p:spPr>
+          <a:xfrm>
+            <a:off x="1342238" y="2214694"/>
+            <a:ext cx="9991288" cy="3693319"/>
+          </a:xfrm>
+          <a:prstGeom prst="rect">
+            <a:avLst/>
+          </a:prstGeom>
+          <a:noFill/>
+        </p:spPr>
+        <p:txBody>
+          <a:bodyPr wrap="square" rtlCol="0">
+            <a:spAutoFit/>
+          </a:bodyPr>
+          <a:lstStyle/>
+          <a:p>
+            <a:r>
+              <a:rPr lang="fr-FR" dirty="0"/>
+              <a:t>JavaScript est un langage </a:t>
+            </a:r>
+            <a:r>
+              <a:rPr lang="fr-FR" b="1" dirty="0"/>
+              <a:t>synchrone</a:t>
+            </a:r>
+            <a:r>
+              <a:rPr lang="fr-FR" dirty="0"/>
+              <a:t>, c’est-à-dire que l’on doit attendre qu’une tache se termine pour en commencer une autre.</a:t>
+            </a:r>
+          </a:p>
+          <a:p>
+            <a:endParaRPr lang="fr-FR" dirty="0"/>
+          </a:p>
+          <a:p>
+            <a:r>
+              <a:rPr lang="fr-FR" dirty="0"/>
+              <a:t>Les opérations asynchrones sont des tâches qui ne sont </a:t>
+            </a:r>
+            <a:r>
+              <a:rPr lang="fr-FR" b="1" dirty="0"/>
+              <a:t>pas exécutées immédiatement </a:t>
+            </a:r>
+            <a:r>
+              <a:rPr lang="fr-FR" dirty="0"/>
+              <a:t>dans le fil d'exécution principal du programme, mais qui sont plutôt </a:t>
+            </a:r>
+            <a:r>
+              <a:rPr lang="fr-FR" b="1" dirty="0"/>
+              <a:t>placées dans une file d'attente </a:t>
+            </a:r>
+            <a:r>
+              <a:rPr lang="fr-FR" dirty="0"/>
+              <a:t>pour être exécutées plus tard.</a:t>
+            </a:r>
+          </a:p>
+          <a:p>
+            <a:endParaRPr lang="fr-FR" dirty="0"/>
+          </a:p>
+          <a:p>
+            <a:r>
+              <a:rPr lang="fr-FR" dirty="0"/>
+              <a:t>Les exemples courants d'opérations asynchrones sont </a:t>
+            </a:r>
+            <a:r>
+              <a:rPr lang="fr-FR" b="1" dirty="0"/>
+              <a:t>les requêtes HTTP</a:t>
+            </a:r>
+            <a:r>
+              <a:rPr lang="fr-FR" dirty="0"/>
+              <a:t>, </a:t>
+            </a:r>
+            <a:r>
+              <a:rPr lang="fr-FR" b="1" dirty="0"/>
+              <a:t>l'accès à la base de données, la lecture/écriture de fichiers, et les animations.</a:t>
+            </a:r>
+          </a:p>
+          <a:p>
+            <a:endParaRPr lang="fr-FR" b="1" dirty="0"/>
+          </a:p>
+          <a:p>
+            <a:r>
+              <a:rPr lang="fr-FR" b="1" dirty="0"/>
+              <a:t>Les promesses </a:t>
+            </a:r>
+            <a:r>
+              <a:rPr lang="fr-FR" dirty="0"/>
+              <a:t>ont été introduites dans </a:t>
+            </a:r>
+            <a:r>
+              <a:rPr lang="fr-FR" dirty="0" err="1"/>
+              <a:t>ECMAScript</a:t>
+            </a:r>
+            <a:r>
+              <a:rPr lang="fr-FR" dirty="0"/>
+              <a:t> 2015 (</a:t>
+            </a:r>
+            <a:r>
+              <a:rPr lang="fr-FR" b="1" dirty="0"/>
+              <a:t>ES6</a:t>
+            </a:r>
+            <a:r>
+              <a:rPr lang="fr-FR" dirty="0"/>
+              <a:t>) pour </a:t>
+            </a:r>
+            <a:r>
+              <a:rPr lang="fr-FR" b="1" dirty="0"/>
+              <a:t>gérer les opérations asynchrones, </a:t>
+            </a:r>
+            <a:r>
+              <a:rPr lang="fr-FR" dirty="0"/>
+              <a:t>notamment en représentant leur </a:t>
+            </a:r>
+            <a:r>
+              <a:rPr lang="fr-FR" b="1" dirty="0"/>
+              <a:t>état en cours/ honorée/ Rompue.</a:t>
+            </a:r>
+          </a:p>
+          <a:p>
+            <a:endParaRPr lang="fr-FR" dirty="0"/>
+          </a:p>
+        </p:txBody>
+      </p:sp>
+      <p:pic>
+        <p:nvPicPr>
+          <p:cNvPr id="4" name="Picture 12" descr="JavaScript Logo et symbole, sens, histoire, PNG, marque">
+            <a:extLst>
+              <a:ext uri="{FF2B5EF4-FFF2-40B4-BE49-F238E27FC236}">
+                <a16:creationId xmlns:a16="http://schemas.microsoft.com/office/drawing/2014/main" id="{B690084F-5AFC-0BCA-1B18-EDE18B2FD1D2}"/>
+              </a:ext>
+            </a:extLst>
+          </p:cNvPr>
+          <p:cNvPicPr>
+            <a:picLocks noChangeAspect="1" noChangeArrowheads="1"/>
+          </p:cNvPicPr>
+          <p:nvPr/>
+        </p:nvPicPr>
+        <p:blipFill>
+          <a:blip r:embed="rId2">
+            <a:extLst>
+              <a:ext uri="{28A0092B-C50C-407E-A947-70E740481C1C}">
+                <a14:useLocalDpi xmlns:a14="http://schemas.microsoft.com/office/drawing/2010/main" val="0"/>
+              </a:ext>
+            </a:extLst>
+          </a:blip>
+          <a:srcRect/>
+          <a:stretch>
+            <a:fillRect/>
+          </a:stretch>
+        </p:blipFill>
+        <p:spPr bwMode="auto">
+          <a:xfrm>
+            <a:off x="10380582" y="286603"/>
+            <a:ext cx="1550195" cy="876779"/>
+          </a:xfrm>
+          <a:prstGeom prst="rect">
+            <a:avLst/>
+          </a:prstGeom>
+          <a:noFill/>
+          <a:extLst>
+            <a:ext uri="{909E8E84-426E-40DD-AFC4-6F175D3DCCD1}">
+              <a14:hiddenFill xmlns:a14="http://schemas.microsoft.com/office/drawing/2010/main">
+                <a:solidFill>
+                  <a:srgbClr val="FFFFFF"/>
+                </a:solidFill>
+              </a14:hiddenFill>
+            </a:ext>
+          </a:extLst>
+        </p:spPr>
+      </p:pic>
+    </p:spTree>
+    <p:extLst>
+      <p:ext uri="{BB962C8B-B14F-4D97-AF65-F5344CB8AC3E}">
+        <p14:creationId xmlns:p14="http://schemas.microsoft.com/office/powerpoint/2010/main" val="2864762171"/>
+      </p:ext>
+    </p:extLst>
+  </p:cSld>
+  <p:clrMapOvr>
+    <a:masterClrMapping/>
+  </p:clrMapOvr>
+</p:sld>
+</file>
+
+<file path=ppt/slides/slide98.xml><?xml version="1.0" encoding="utf-8"?>
+<p:sld xmlns:a="http://schemas.openxmlformats.org/drawingml/2006/main" xmlns:r="http://schemas.openxmlformats.org/officeDocument/2006/relationships" xmlns:p="http://schemas.openxmlformats.org/presentationml/2006/main">
+  <p:cSld>
+    <p:spTree>
+      <p:nvGrpSpPr>
+        <p:cNvPr id="1" name=""/>
+        <p:cNvGrpSpPr/>
+        <p:nvPr/>
+      </p:nvGrpSpPr>
+      <p:grpSpPr>
+        <a:xfrm>
+          <a:off x="0" y="0"/>
+          <a:ext cx="0" cy="0"/>
+          <a:chOff x="0" y="0"/>
+          <a:chExt cx="0" cy="0"/>
+        </a:xfrm>
+      </p:grpSpPr>
+      <p:sp>
+        <p:nvSpPr>
+          <p:cNvPr id="3" name="Titre 1">
+            <a:extLst>
+              <a:ext uri="{FF2B5EF4-FFF2-40B4-BE49-F238E27FC236}">
+                <a16:creationId xmlns:a16="http://schemas.microsoft.com/office/drawing/2014/main" id="{E7373E66-041F-37D5-0ADF-25BA87ABC979}"/>
+              </a:ext>
+            </a:extLst>
+          </p:cNvPr>
+          <p:cNvSpPr>
+            <a:spLocks noGrp="1"/>
+          </p:cNvSpPr>
+          <p:nvPr>
+            <p:ph type="title"/>
+          </p:nvPr>
+        </p:nvSpPr>
+        <p:spPr>
+          <a:xfrm>
+            <a:off x="1097279" y="286603"/>
+            <a:ext cx="11167425" cy="1450757"/>
+          </a:xfrm>
+        </p:spPr>
+        <p:txBody>
+          <a:bodyPr>
+            <a:normAutofit/>
+          </a:bodyPr>
+          <a:lstStyle/>
+          <a:p>
+            <a:r>
+              <a:rPr lang="fr-FR" dirty="0"/>
+              <a:t>X- Asynchrone </a:t>
+            </a:r>
+            <a:br>
+              <a:rPr lang="fr-FR" dirty="0"/>
+            </a:br>
+            <a:r>
+              <a:rPr lang="fr-FR" dirty="0"/>
+              <a:t>	</a:t>
+            </a:r>
+            <a:r>
+              <a:rPr lang="fr-FR" sz="3600" i="1" dirty="0"/>
+              <a:t>  1. Les promesses </a:t>
+            </a:r>
+          </a:p>
+        </p:txBody>
+      </p:sp>
+      <p:sp>
+        <p:nvSpPr>
+          <p:cNvPr id="6" name="ZoneTexte 5">
+            <a:extLst>
+              <a:ext uri="{FF2B5EF4-FFF2-40B4-BE49-F238E27FC236}">
+                <a16:creationId xmlns:a16="http://schemas.microsoft.com/office/drawing/2014/main" id="{5D2069C1-9059-9AFF-E990-7569C0DE75AC}"/>
+              </a:ext>
+            </a:extLst>
+          </p:cNvPr>
+          <p:cNvSpPr txBox="1"/>
+          <p:nvPr/>
+        </p:nvSpPr>
+        <p:spPr>
+          <a:xfrm>
+            <a:off x="2127957" y="4280970"/>
+            <a:ext cx="7796168" cy="2031325"/>
+          </a:xfrm>
+          <a:prstGeom prst="rect">
+            <a:avLst/>
+          </a:prstGeom>
+          <a:noFill/>
+        </p:spPr>
+        <p:txBody>
+          <a:bodyPr wrap="square" rtlCol="0">
+            <a:spAutoFit/>
+          </a:bodyPr>
+          <a:lstStyle/>
+          <a:p>
+            <a:br>
+              <a:rPr lang="fr-FR" dirty="0"/>
+            </a:br>
+            <a:r>
+              <a:rPr lang="fr-FR" dirty="0"/>
+              <a:t>  Ici nous créons une nouvelle instance de l’objet Promise. Promise prend une fonction </a:t>
+            </a:r>
+            <a:r>
+              <a:rPr lang="fr-FR" b="1" dirty="0" err="1"/>
+              <a:t>callBack</a:t>
+            </a:r>
+            <a:r>
+              <a:rPr lang="fr-FR" dirty="0"/>
+              <a:t>  en argument. </a:t>
+            </a:r>
+          </a:p>
+          <a:p>
+            <a:endParaRPr lang="fr-FR" dirty="0"/>
+          </a:p>
+          <a:p>
+            <a:r>
+              <a:rPr lang="fr-FR" dirty="0"/>
+              <a:t>Cette fonction doit appeler la fonction </a:t>
+            </a:r>
+            <a:r>
+              <a:rPr lang="fr-FR" b="1" dirty="0" err="1"/>
+              <a:t>resolve</a:t>
+            </a:r>
+            <a:r>
+              <a:rPr lang="fr-FR" b="1" dirty="0"/>
+              <a:t>() </a:t>
+            </a:r>
+            <a:r>
+              <a:rPr lang="fr-FR" dirty="0"/>
+              <a:t>si l'opération asynchrone réussit, ou la fonction </a:t>
+            </a:r>
+            <a:r>
+              <a:rPr lang="fr-FR" b="1" dirty="0" err="1"/>
+              <a:t>reject</a:t>
+            </a:r>
+            <a:r>
+              <a:rPr lang="fr-FR" b="1" dirty="0"/>
+              <a:t>() </a:t>
+            </a:r>
+            <a:r>
+              <a:rPr lang="fr-FR" dirty="0"/>
+              <a:t>si elle échoue.</a:t>
+            </a:r>
+          </a:p>
+          <a:p>
+            <a:endParaRPr lang="fr-FR" dirty="0"/>
+          </a:p>
+        </p:txBody>
+      </p:sp>
+      <p:pic>
+        <p:nvPicPr>
+          <p:cNvPr id="9" name="Image 8">
+            <a:extLst>
+              <a:ext uri="{FF2B5EF4-FFF2-40B4-BE49-F238E27FC236}">
+                <a16:creationId xmlns:a16="http://schemas.microsoft.com/office/drawing/2014/main" id="{D4AA062B-B6F0-07C2-40B9-BC3CCF68AB05}"/>
+              </a:ext>
+            </a:extLst>
+          </p:cNvPr>
+          <p:cNvPicPr>
+            <a:picLocks noChangeAspect="1"/>
+          </p:cNvPicPr>
+          <p:nvPr/>
+        </p:nvPicPr>
+        <p:blipFill>
+          <a:blip r:embed="rId2"/>
+          <a:stretch>
+            <a:fillRect/>
+          </a:stretch>
+        </p:blipFill>
+        <p:spPr>
+          <a:xfrm>
+            <a:off x="3110984" y="2118493"/>
+            <a:ext cx="5830114" cy="2162477"/>
+          </a:xfrm>
+          <a:prstGeom prst="rect">
+            <a:avLst/>
+          </a:prstGeom>
+        </p:spPr>
+      </p:pic>
+      <p:pic>
+        <p:nvPicPr>
+          <p:cNvPr id="2" name="Picture 12" descr="JavaScript Logo et symbole, sens, histoire, PNG, marque">
+            <a:extLst>
+              <a:ext uri="{FF2B5EF4-FFF2-40B4-BE49-F238E27FC236}">
+                <a16:creationId xmlns:a16="http://schemas.microsoft.com/office/drawing/2014/main" id="{A035C98B-90A2-4534-F777-D3AB96A381AA}"/>
+              </a:ext>
+            </a:extLst>
+          </p:cNvPr>
+          <p:cNvPicPr>
+            <a:picLocks noChangeAspect="1" noChangeArrowheads="1"/>
+          </p:cNvPicPr>
+          <p:nvPr/>
+        </p:nvPicPr>
+        <p:blipFill>
+          <a:blip r:embed="rId3">
+            <a:extLst>
+              <a:ext uri="{28A0092B-C50C-407E-A947-70E740481C1C}">
+                <a14:useLocalDpi xmlns:a14="http://schemas.microsoft.com/office/drawing/2010/main" val="0"/>
+              </a:ext>
+            </a:extLst>
+          </a:blip>
+          <a:srcRect/>
+          <a:stretch>
+            <a:fillRect/>
+          </a:stretch>
+        </p:blipFill>
+        <p:spPr bwMode="auto">
+          <a:xfrm>
+            <a:off x="10380582" y="286603"/>
+            <a:ext cx="1550195" cy="876779"/>
+          </a:xfrm>
+          <a:prstGeom prst="rect">
+            <a:avLst/>
+          </a:prstGeom>
+          <a:noFill/>
+          <a:extLst>
+            <a:ext uri="{909E8E84-426E-40DD-AFC4-6F175D3DCCD1}">
+              <a14:hiddenFill xmlns:a14="http://schemas.microsoft.com/office/drawing/2010/main">
+                <a:solidFill>
+                  <a:srgbClr val="FFFFFF"/>
+                </a:solidFill>
+              </a14:hiddenFill>
+            </a:ext>
+          </a:extLst>
+        </p:spPr>
+      </p:pic>
+    </p:spTree>
+    <p:extLst>
+      <p:ext uri="{BB962C8B-B14F-4D97-AF65-F5344CB8AC3E}">
+        <p14:creationId xmlns:p14="http://schemas.microsoft.com/office/powerpoint/2010/main" val="671540905"/>
+      </p:ext>
+    </p:extLst>
+  </p:cSld>
+  <p:clrMapOvr>
+    <a:masterClrMapping/>
+  </p:clrMapOvr>
+</p:sld>
+</file>
+
+<file path=ppt/slides/slide99.xml><?xml version="1.0" encoding="utf-8"?>
+<p:sld xmlns:a="http://schemas.openxmlformats.org/drawingml/2006/main" xmlns:r="http://schemas.openxmlformats.org/officeDocument/2006/relationships" xmlns:p="http://schemas.openxmlformats.org/presentationml/2006/main">
+  <p:cSld>
+    <p:spTree>
+      <p:nvGrpSpPr>
+        <p:cNvPr id="1" name=""/>
+        <p:cNvGrpSpPr/>
+        <p:nvPr/>
+      </p:nvGrpSpPr>
+      <p:grpSpPr>
+        <a:xfrm>
+          <a:off x="0" y="0"/>
+          <a:ext cx="0" cy="0"/>
+          <a:chOff x="0" y="0"/>
+          <a:chExt cx="0" cy="0"/>
+        </a:xfrm>
+      </p:grpSpPr>
+      <p:sp>
+        <p:nvSpPr>
+          <p:cNvPr id="3" name="Titre 1">
+            <a:extLst>
+              <a:ext uri="{FF2B5EF4-FFF2-40B4-BE49-F238E27FC236}">
+                <a16:creationId xmlns:a16="http://schemas.microsoft.com/office/drawing/2014/main" id="{E7373E66-041F-37D5-0ADF-25BA87ABC979}"/>
+              </a:ext>
+            </a:extLst>
+          </p:cNvPr>
+          <p:cNvSpPr>
+            <a:spLocks noGrp="1"/>
+          </p:cNvSpPr>
+          <p:nvPr>
+            <p:ph type="title"/>
+          </p:nvPr>
+        </p:nvSpPr>
+        <p:spPr>
+          <a:xfrm>
+            <a:off x="1097279" y="286603"/>
+            <a:ext cx="11167425" cy="1450757"/>
+          </a:xfrm>
+        </p:spPr>
+        <p:txBody>
+          <a:bodyPr>
+            <a:normAutofit/>
+          </a:bodyPr>
+          <a:lstStyle/>
+          <a:p>
+            <a:r>
+              <a:rPr lang="fr-FR" dirty="0"/>
+              <a:t>X- Asynchrone </a:t>
+            </a:r>
+            <a:br>
+              <a:rPr lang="fr-FR" dirty="0"/>
+            </a:br>
+            <a:r>
+              <a:rPr lang="fr-FR" dirty="0"/>
+              <a:t>	</a:t>
+            </a:r>
+            <a:r>
+              <a:rPr lang="fr-FR" sz="3600" i="1" dirty="0"/>
+              <a:t>  1. Les promesses </a:t>
+            </a:r>
+          </a:p>
+        </p:txBody>
+      </p:sp>
+      <p:sp>
+        <p:nvSpPr>
+          <p:cNvPr id="2" name="ZoneTexte 1">
+            <a:extLst>
+              <a:ext uri="{FF2B5EF4-FFF2-40B4-BE49-F238E27FC236}">
+                <a16:creationId xmlns:a16="http://schemas.microsoft.com/office/drawing/2014/main" id="{CA7E684F-32DC-C579-C5ED-309AC5852DBB}"/>
+              </a:ext>
+            </a:extLst>
+          </p:cNvPr>
+          <p:cNvSpPr txBox="1"/>
+          <p:nvPr/>
+        </p:nvSpPr>
+        <p:spPr>
+          <a:xfrm>
+            <a:off x="1803634" y="4756558"/>
+            <a:ext cx="9169167" cy="1200329"/>
+          </a:xfrm>
+          <a:prstGeom prst="rect">
+            <a:avLst/>
+          </a:prstGeom>
+          <a:noFill/>
+        </p:spPr>
+        <p:txBody>
+          <a:bodyPr wrap="square" rtlCol="0">
+            <a:spAutoFit/>
+          </a:bodyPr>
+          <a:lstStyle/>
+          <a:p>
+            <a:r>
+              <a:rPr lang="fr-FR" dirty="0"/>
+              <a:t>Une fois que nous avons créé une promesse, nous pouvons utiliser la méthode </a:t>
+            </a:r>
+            <a:r>
+              <a:rPr lang="fr-FR" dirty="0" err="1"/>
+              <a:t>then</a:t>
+            </a:r>
+            <a:r>
+              <a:rPr lang="fr-FR" dirty="0"/>
+              <a:t>() pour réagir à la réussite de la promesse, ou la méthode catch() pour réagir à l'échec de la promesse.</a:t>
+            </a:r>
+          </a:p>
+          <a:p>
+            <a:endParaRPr lang="fr-FR" dirty="0"/>
+          </a:p>
+        </p:txBody>
+      </p:sp>
+      <p:pic>
+        <p:nvPicPr>
+          <p:cNvPr id="6" name="Image 5">
+            <a:extLst>
+              <a:ext uri="{FF2B5EF4-FFF2-40B4-BE49-F238E27FC236}">
+                <a16:creationId xmlns:a16="http://schemas.microsoft.com/office/drawing/2014/main" id="{637281EF-EF83-5D1B-709B-A3177BF453C6}"/>
+              </a:ext>
+            </a:extLst>
+          </p:cNvPr>
+          <p:cNvPicPr>
+            <a:picLocks noChangeAspect="1"/>
+          </p:cNvPicPr>
+          <p:nvPr/>
+        </p:nvPicPr>
+        <p:blipFill>
+          <a:blip r:embed="rId2"/>
+          <a:stretch>
+            <a:fillRect/>
+          </a:stretch>
+        </p:blipFill>
+        <p:spPr>
+          <a:xfrm>
+            <a:off x="2365107" y="2611372"/>
+            <a:ext cx="7461785" cy="1271173"/>
+          </a:xfrm>
+          <a:prstGeom prst="rect">
+            <a:avLst/>
+          </a:prstGeom>
+        </p:spPr>
+      </p:pic>
+      <p:pic>
+        <p:nvPicPr>
+          <p:cNvPr id="4" name="Picture 12" descr="JavaScript Logo et symbole, sens, histoire, PNG, marque">
+            <a:extLst>
+              <a:ext uri="{FF2B5EF4-FFF2-40B4-BE49-F238E27FC236}">
+                <a16:creationId xmlns:a16="http://schemas.microsoft.com/office/drawing/2014/main" id="{79C64214-633B-B337-63F5-90BC9DD9FBB8}"/>
+              </a:ext>
+            </a:extLst>
+          </p:cNvPr>
+          <p:cNvPicPr>
+            <a:picLocks noChangeAspect="1" noChangeArrowheads="1"/>
+          </p:cNvPicPr>
+          <p:nvPr/>
+        </p:nvPicPr>
+        <p:blipFill>
+          <a:blip r:embed="rId3">
+            <a:extLst>
+              <a:ext uri="{28A0092B-C50C-407E-A947-70E740481C1C}">
+                <a14:useLocalDpi xmlns:a14="http://schemas.microsoft.com/office/drawing/2010/main" val="0"/>
+              </a:ext>
+            </a:extLst>
+          </a:blip>
+          <a:srcRect/>
+          <a:stretch>
+            <a:fillRect/>
+          </a:stretch>
+        </p:blipFill>
+        <p:spPr bwMode="auto">
+          <a:xfrm>
+            <a:off x="10380582" y="286603"/>
+            <a:ext cx="1550195" cy="876779"/>
+          </a:xfrm>
+          <a:prstGeom prst="rect">
+            <a:avLst/>
+          </a:prstGeom>
+          <a:noFill/>
+          <a:extLst>
+            <a:ext uri="{909E8E84-426E-40DD-AFC4-6F175D3DCCD1}">
+              <a14:hiddenFill xmlns:a14="http://schemas.microsoft.com/office/drawing/2010/main">
+                <a:solidFill>
+                  <a:srgbClr val="FFFFFF"/>
+                </a:solidFill>
+              </a14:hiddenFill>
+            </a:ext>
+          </a:extLst>
+        </p:spPr>
+      </p:pic>
+    </p:spTree>
+    <p:extLst>
+      <p:ext uri="{BB962C8B-B14F-4D97-AF65-F5344CB8AC3E}">
+        <p14:creationId xmlns:p14="http://schemas.microsoft.com/office/powerpoint/2010/main" val="3162637793"/>
       </p:ext>
     </p:extLst>
   </p:cSld>

--- a/cours.pptx
+++ b/cours.pptx
@@ -119,6 +119,12 @@
     <p:sldId id="434" r:id="rId113"/>
     <p:sldId id="435" r:id="rId114"/>
     <p:sldId id="436" r:id="rId115"/>
+    <p:sldId id="427" r:id="rId116"/>
+    <p:sldId id="428" r:id="rId117"/>
+    <p:sldId id="429" r:id="rId118"/>
+    <p:sldId id="430" r:id="rId119"/>
+    <p:sldId id="472" r:id="rId120"/>
+    <p:sldId id="431" r:id="rId121"/>
   </p:sldIdLst>
   <p:sldSz cx="12192000" cy="6858000"/>
   <p:notesSz cx="6858000" cy="9144000"/>
@@ -372,7 +378,7 @@
           <a:p>
             <a:fld id="{6AD61AA8-A60B-4213-843B-33CCD8DDD4AE}" type="datetimeFigureOut">
               <a:rPr lang="fr-FR" smtClean="0"/>
-              <a:t>10/01/2024</a:t>
+              <a:t>11/01/2024</a:t>
             </a:fld>
             <a:endParaRPr lang="fr-FR"/>
           </a:p>
@@ -570,7 +576,7 @@
           <a:p>
             <a:fld id="{6AD61AA8-A60B-4213-843B-33CCD8DDD4AE}" type="datetimeFigureOut">
               <a:rPr lang="fr-FR" smtClean="0"/>
-              <a:t>10/01/2024</a:t>
+              <a:t>11/01/2024</a:t>
             </a:fld>
             <a:endParaRPr lang="fr-FR"/>
           </a:p>
@@ -778,7 +784,7 @@
           <a:p>
             <a:fld id="{6AD61AA8-A60B-4213-843B-33CCD8DDD4AE}" type="datetimeFigureOut">
               <a:rPr lang="fr-FR" smtClean="0"/>
-              <a:t>10/01/2024</a:t>
+              <a:t>11/01/2024</a:t>
             </a:fld>
             <a:endParaRPr lang="fr-FR"/>
           </a:p>
@@ -976,7 +982,7 @@
           <a:p>
             <a:fld id="{6AD61AA8-A60B-4213-843B-33CCD8DDD4AE}" type="datetimeFigureOut">
               <a:rPr lang="fr-FR" smtClean="0"/>
-              <a:t>10/01/2024</a:t>
+              <a:t>11/01/2024</a:t>
             </a:fld>
             <a:endParaRPr lang="fr-FR"/>
           </a:p>
@@ -1251,7 +1257,7 @@
           <a:p>
             <a:fld id="{6AD61AA8-A60B-4213-843B-33CCD8DDD4AE}" type="datetimeFigureOut">
               <a:rPr lang="fr-FR" smtClean="0"/>
-              <a:t>10/01/2024</a:t>
+              <a:t>11/01/2024</a:t>
             </a:fld>
             <a:endParaRPr lang="fr-FR"/>
           </a:p>
@@ -1516,7 +1522,7 @@
           <a:p>
             <a:fld id="{6AD61AA8-A60B-4213-843B-33CCD8DDD4AE}" type="datetimeFigureOut">
               <a:rPr lang="fr-FR" smtClean="0"/>
-              <a:t>10/01/2024</a:t>
+              <a:t>11/01/2024</a:t>
             </a:fld>
             <a:endParaRPr lang="fr-FR"/>
           </a:p>
@@ -1928,7 +1934,7 @@
           <a:p>
             <a:fld id="{6AD61AA8-A60B-4213-843B-33CCD8DDD4AE}" type="datetimeFigureOut">
               <a:rPr lang="fr-FR" smtClean="0"/>
-              <a:t>10/01/2024</a:t>
+              <a:t>11/01/2024</a:t>
             </a:fld>
             <a:endParaRPr lang="fr-FR"/>
           </a:p>
@@ -2069,7 +2075,7 @@
           <a:p>
             <a:fld id="{6AD61AA8-A60B-4213-843B-33CCD8DDD4AE}" type="datetimeFigureOut">
               <a:rPr lang="fr-FR" smtClean="0"/>
-              <a:t>10/01/2024</a:t>
+              <a:t>11/01/2024</a:t>
             </a:fld>
             <a:endParaRPr lang="fr-FR"/>
           </a:p>
@@ -2182,7 +2188,7 @@
           <a:p>
             <a:fld id="{6AD61AA8-A60B-4213-843B-33CCD8DDD4AE}" type="datetimeFigureOut">
               <a:rPr lang="fr-FR" smtClean="0"/>
-              <a:t>10/01/2024</a:t>
+              <a:t>11/01/2024</a:t>
             </a:fld>
             <a:endParaRPr lang="fr-FR"/>
           </a:p>
@@ -2493,7 +2499,7 @@
           <a:p>
             <a:fld id="{6AD61AA8-A60B-4213-843B-33CCD8DDD4AE}" type="datetimeFigureOut">
               <a:rPr lang="fr-FR" smtClean="0"/>
-              <a:t>10/01/2024</a:t>
+              <a:t>11/01/2024</a:t>
             </a:fld>
             <a:endParaRPr lang="fr-FR"/>
           </a:p>
@@ -2781,7 +2787,7 @@
           <a:p>
             <a:fld id="{6AD61AA8-A60B-4213-843B-33CCD8DDD4AE}" type="datetimeFigureOut">
               <a:rPr lang="fr-FR" smtClean="0"/>
-              <a:t>10/01/2024</a:t>
+              <a:t>11/01/2024</a:t>
             </a:fld>
             <a:endParaRPr lang="fr-FR"/>
           </a:p>
@@ -3022,7 +3028,7 @@
           <a:p>
             <a:fld id="{6AD61AA8-A60B-4213-843B-33CCD8DDD4AE}" type="datetimeFigureOut">
               <a:rPr lang="fr-FR" smtClean="0"/>
-              <a:t>10/01/2024</a:t>
+              <a:t>11/01/2024</a:t>
             </a:fld>
             <a:endParaRPr lang="fr-FR"/>
           </a:p>
@@ -8220,6 +8226,2116 @@
 </p:sld>
 </file>
 
+<file path=ppt/slides/slide115.xml><?xml version="1.0" encoding="utf-8"?>
+<p:sld xmlns:a="http://schemas.openxmlformats.org/drawingml/2006/main" xmlns:r="http://schemas.openxmlformats.org/officeDocument/2006/relationships" xmlns:p="http://schemas.openxmlformats.org/presentationml/2006/main">
+  <p:cSld>
+    <p:spTree>
+      <p:nvGrpSpPr>
+        <p:cNvPr id="1" name=""/>
+        <p:cNvGrpSpPr/>
+        <p:nvPr/>
+      </p:nvGrpSpPr>
+      <p:grpSpPr>
+        <a:xfrm>
+          <a:off x="0" y="0"/>
+          <a:ext cx="0" cy="0"/>
+          <a:chOff x="0" y="0"/>
+          <a:chExt cx="0" cy="0"/>
+        </a:xfrm>
+      </p:grpSpPr>
+      <p:sp>
+        <p:nvSpPr>
+          <p:cNvPr id="3" name="Titre 1">
+            <a:extLst>
+              <a:ext uri="{FF2B5EF4-FFF2-40B4-BE49-F238E27FC236}">
+                <a16:creationId xmlns:a16="http://schemas.microsoft.com/office/drawing/2014/main" id="{E7373E66-041F-37D5-0ADF-25BA87ABC979}"/>
+              </a:ext>
+            </a:extLst>
+          </p:cNvPr>
+          <p:cNvSpPr>
+            <a:spLocks noGrp="1"/>
+          </p:cNvSpPr>
+          <p:nvPr>
+            <p:ph type="title"/>
+          </p:nvPr>
+        </p:nvSpPr>
+        <p:spPr>
+          <a:xfrm>
+            <a:off x="338916" y="154731"/>
+            <a:ext cx="11167425" cy="1450757"/>
+          </a:xfrm>
+        </p:spPr>
+        <p:txBody>
+          <a:bodyPr>
+            <a:normAutofit/>
+          </a:bodyPr>
+          <a:lstStyle/>
+          <a:p>
+            <a:r>
+              <a:rPr lang="fr-FR" dirty="0"/>
+              <a:t>XII- Stocker des données  </a:t>
+            </a:r>
+            <a:br>
+              <a:rPr lang="fr-FR" dirty="0"/>
+            </a:br>
+            <a:r>
+              <a:rPr lang="fr-FR" dirty="0"/>
+              <a:t>	</a:t>
+            </a:r>
+            <a:r>
+              <a:rPr lang="fr-FR" sz="3600" i="1" dirty="0"/>
+              <a:t>  1. Les cookies </a:t>
+            </a:r>
+          </a:p>
+        </p:txBody>
+      </p:sp>
+      <p:sp>
+        <p:nvSpPr>
+          <p:cNvPr id="2" name="ZoneTexte 1">
+            <a:extLst>
+              <a:ext uri="{FF2B5EF4-FFF2-40B4-BE49-F238E27FC236}">
+                <a16:creationId xmlns:a16="http://schemas.microsoft.com/office/drawing/2014/main" id="{345E95FA-EC7D-B2BB-355B-4A4B552582E2}"/>
+              </a:ext>
+            </a:extLst>
+          </p:cNvPr>
+          <p:cNvSpPr txBox="1"/>
+          <p:nvPr/>
+        </p:nvSpPr>
+        <p:spPr>
+          <a:xfrm>
+            <a:off x="1182849" y="2374083"/>
+            <a:ext cx="10167456" cy="4062651"/>
+          </a:xfrm>
+          <a:prstGeom prst="rect">
+            <a:avLst/>
+          </a:prstGeom>
+          <a:noFill/>
+        </p:spPr>
+        <p:txBody>
+          <a:bodyPr wrap="square" rtlCol="0">
+            <a:spAutoFit/>
+          </a:bodyPr>
+          <a:lstStyle/>
+          <a:p>
+            <a:pPr>
+              <a:lnSpc>
+                <a:spcPct val="200000"/>
+              </a:lnSpc>
+            </a:pPr>
+            <a:r>
+              <a:rPr lang="fr-FR" sz="2400" dirty="0">
+                <a:solidFill>
+                  <a:srgbClr val="374151"/>
+                </a:solidFill>
+                <a:latin typeface="Söhne"/>
+              </a:rPr>
+              <a:t>Les cookies vont nous permettre de </a:t>
+            </a:r>
+            <a:r>
+              <a:rPr lang="fr-FR" sz="2400" b="1" dirty="0">
+                <a:solidFill>
+                  <a:srgbClr val="374151"/>
+                </a:solidFill>
+                <a:latin typeface="Söhne"/>
+              </a:rPr>
+              <a:t>stocker des informations sur le navigateur </a:t>
+            </a:r>
+            <a:r>
+              <a:rPr lang="fr-FR" sz="2400" dirty="0">
+                <a:solidFill>
+                  <a:srgbClr val="374151"/>
+                </a:solidFill>
+                <a:latin typeface="Söhne"/>
+              </a:rPr>
+              <a:t>de l'utilisateur, les cookies sont envoyés au serveur web à chaque requête HTTP. Les cookies sont donc </a:t>
+            </a:r>
+            <a:r>
+              <a:rPr lang="fr-FR" sz="2400" b="1" dirty="0">
+                <a:solidFill>
+                  <a:srgbClr val="374151"/>
+                </a:solidFill>
+                <a:latin typeface="Söhne"/>
+              </a:rPr>
+              <a:t>plus lents que le </a:t>
+            </a:r>
+            <a:r>
+              <a:rPr lang="fr-FR" sz="2400" b="1" dirty="0" err="1">
+                <a:solidFill>
+                  <a:srgbClr val="374151"/>
+                </a:solidFill>
+                <a:latin typeface="Söhne"/>
+              </a:rPr>
+              <a:t>localStorage</a:t>
+            </a:r>
+            <a:r>
+              <a:rPr lang="fr-FR" sz="2400" b="1" dirty="0">
+                <a:solidFill>
+                  <a:srgbClr val="374151"/>
+                </a:solidFill>
+                <a:latin typeface="Söhne"/>
+              </a:rPr>
+              <a:t> </a:t>
+            </a:r>
+            <a:r>
+              <a:rPr lang="fr-FR" sz="2400" dirty="0">
+                <a:solidFill>
+                  <a:srgbClr val="374151"/>
+                </a:solidFill>
+                <a:latin typeface="Söhne"/>
+              </a:rPr>
+              <a:t>mais ils permettent de stocker des </a:t>
+            </a:r>
+            <a:r>
+              <a:rPr lang="fr-FR" sz="2400" b="1" dirty="0">
+                <a:solidFill>
+                  <a:srgbClr val="374151"/>
+                </a:solidFill>
+                <a:latin typeface="Söhne"/>
+              </a:rPr>
+              <a:t>informations plus importantes</a:t>
+            </a:r>
+            <a:r>
+              <a:rPr lang="fr-FR" sz="2400" dirty="0">
+                <a:solidFill>
+                  <a:srgbClr val="374151"/>
+                </a:solidFill>
+                <a:latin typeface="Söhne"/>
+              </a:rPr>
+              <a:t>, tels que des informations d'identification.</a:t>
+            </a:r>
+          </a:p>
+          <a:p>
+            <a:endParaRPr lang="fr-FR" dirty="0"/>
+          </a:p>
+        </p:txBody>
+      </p:sp>
+      <p:pic>
+        <p:nvPicPr>
+          <p:cNvPr id="1028" name="Picture 4" descr="MATRIX: Why Did The Oracle Give Neo a Cookie? - YouTube">
+            <a:extLst>
+              <a:ext uri="{FF2B5EF4-FFF2-40B4-BE49-F238E27FC236}">
+                <a16:creationId xmlns:a16="http://schemas.microsoft.com/office/drawing/2014/main" id="{F2B847B1-B711-5982-510F-96B381A3048A}"/>
+              </a:ext>
+            </a:extLst>
+          </p:cNvPr>
+          <p:cNvPicPr>
+            <a:picLocks noChangeAspect="1" noChangeArrowheads="1"/>
+          </p:cNvPicPr>
+          <p:nvPr/>
+        </p:nvPicPr>
+        <p:blipFill>
+          <a:blip r:embed="rId2">
+            <a:extLst>
+              <a:ext uri="{28A0092B-C50C-407E-A947-70E740481C1C}">
+                <a14:useLocalDpi xmlns:a14="http://schemas.microsoft.com/office/drawing/2010/main" val="0"/>
+              </a:ext>
+            </a:extLst>
+          </a:blip>
+          <a:srcRect/>
+          <a:stretch>
+            <a:fillRect/>
+          </a:stretch>
+        </p:blipFill>
+        <p:spPr bwMode="auto">
+          <a:xfrm>
+            <a:off x="8850385" y="22858"/>
+            <a:ext cx="3327635" cy="1871795"/>
+          </a:xfrm>
+          <a:prstGeom prst="rect">
+            <a:avLst/>
+          </a:prstGeom>
+          <a:noFill/>
+          <a:extLst>
+            <a:ext uri="{909E8E84-426E-40DD-AFC4-6F175D3DCCD1}">
+              <a14:hiddenFill xmlns:a14="http://schemas.microsoft.com/office/drawing/2010/main">
+                <a:solidFill>
+                  <a:srgbClr val="FFFFFF"/>
+                </a:solidFill>
+              </a14:hiddenFill>
+            </a:ext>
+          </a:extLst>
+        </p:spPr>
+      </p:pic>
+    </p:spTree>
+    <p:extLst>
+      <p:ext uri="{BB962C8B-B14F-4D97-AF65-F5344CB8AC3E}">
+        <p14:creationId xmlns:p14="http://schemas.microsoft.com/office/powerpoint/2010/main" val="915000580"/>
+      </p:ext>
+    </p:extLst>
+  </p:cSld>
+  <p:clrMapOvr>
+    <a:masterClrMapping/>
+  </p:clrMapOvr>
+</p:sld>
+</file>
+
+<file path=ppt/slides/slide116.xml><?xml version="1.0" encoding="utf-8"?>
+<p:sld xmlns:a="http://schemas.openxmlformats.org/drawingml/2006/main" xmlns:r="http://schemas.openxmlformats.org/officeDocument/2006/relationships" xmlns:p="http://schemas.openxmlformats.org/presentationml/2006/main">
+  <p:cSld>
+    <p:spTree>
+      <p:nvGrpSpPr>
+        <p:cNvPr id="1" name=""/>
+        <p:cNvGrpSpPr/>
+        <p:nvPr/>
+      </p:nvGrpSpPr>
+      <p:grpSpPr>
+        <a:xfrm>
+          <a:off x="0" y="0"/>
+          <a:ext cx="0" cy="0"/>
+          <a:chOff x="0" y="0"/>
+          <a:chExt cx="0" cy="0"/>
+        </a:xfrm>
+      </p:grpSpPr>
+      <p:sp>
+        <p:nvSpPr>
+          <p:cNvPr id="3" name="Titre 1">
+            <a:extLst>
+              <a:ext uri="{FF2B5EF4-FFF2-40B4-BE49-F238E27FC236}">
+                <a16:creationId xmlns:a16="http://schemas.microsoft.com/office/drawing/2014/main" id="{E7373E66-041F-37D5-0ADF-25BA87ABC979}"/>
+              </a:ext>
+            </a:extLst>
+          </p:cNvPr>
+          <p:cNvSpPr>
+            <a:spLocks noGrp="1"/>
+          </p:cNvSpPr>
+          <p:nvPr>
+            <p:ph type="title"/>
+          </p:nvPr>
+        </p:nvSpPr>
+        <p:spPr>
+          <a:xfrm>
+            <a:off x="1024575" y="259443"/>
+            <a:ext cx="11167425" cy="1450757"/>
+          </a:xfrm>
+        </p:spPr>
+        <p:txBody>
+          <a:bodyPr>
+            <a:normAutofit/>
+          </a:bodyPr>
+          <a:lstStyle/>
+          <a:p>
+            <a:r>
+              <a:rPr lang="fr-FR" dirty="0"/>
+              <a:t>XII- Stocker des données  </a:t>
+            </a:r>
+            <a:br>
+              <a:rPr lang="fr-FR" dirty="0"/>
+            </a:br>
+            <a:r>
+              <a:rPr lang="fr-FR" dirty="0"/>
+              <a:t>	</a:t>
+            </a:r>
+            <a:r>
+              <a:rPr lang="fr-FR" sz="3600" i="1" dirty="0"/>
+              <a:t>  1. Les cookies </a:t>
+            </a:r>
+          </a:p>
+        </p:txBody>
+      </p:sp>
+      <p:sp>
+        <p:nvSpPr>
+          <p:cNvPr id="5" name="ZoneTexte 4">
+            <a:extLst>
+              <a:ext uri="{FF2B5EF4-FFF2-40B4-BE49-F238E27FC236}">
+                <a16:creationId xmlns:a16="http://schemas.microsoft.com/office/drawing/2014/main" id="{ABC507A4-5782-8551-CCC2-B957C6BF7E2B}"/>
+              </a:ext>
+            </a:extLst>
+          </p:cNvPr>
+          <p:cNvSpPr txBox="1"/>
+          <p:nvPr/>
+        </p:nvSpPr>
+        <p:spPr>
+          <a:xfrm>
+            <a:off x="843782" y="1906930"/>
+            <a:ext cx="10855354" cy="5078313"/>
+          </a:xfrm>
+          <a:prstGeom prst="rect">
+            <a:avLst/>
+          </a:prstGeom>
+          <a:noFill/>
+        </p:spPr>
+        <p:txBody>
+          <a:bodyPr wrap="square" rtlCol="0">
+            <a:spAutoFit/>
+          </a:bodyPr>
+          <a:lstStyle/>
+          <a:p>
+            <a:r>
+              <a:rPr lang="fr-FR" b="0" dirty="0">
+                <a:effectLst/>
+              </a:rPr>
+              <a:t>Voici les paramètres que vous pouvez appliquer sur les cookies pour les sécuriser :</a:t>
+            </a:r>
+          </a:p>
+          <a:p>
+            <a:endParaRPr lang="fr-FR" b="0" dirty="0">
+              <a:effectLst/>
+            </a:endParaRPr>
+          </a:p>
+          <a:p>
+            <a:pPr marL="285750" indent="-285750">
+              <a:buFont typeface="Arial" panose="020B0604020202020204" pitchFamily="34" charset="0"/>
+              <a:buChar char="•"/>
+            </a:pPr>
+            <a:r>
+              <a:rPr lang="fr-FR" b="1" dirty="0">
+                <a:effectLst/>
+              </a:rPr>
+              <a:t>Path</a:t>
+            </a:r>
+            <a:r>
+              <a:rPr lang="fr-FR" b="0" dirty="0">
+                <a:effectLst/>
+              </a:rPr>
+              <a:t> - Permet de préciser sur quel répertoire (dossier) est disponible le cookie</a:t>
+            </a:r>
+          </a:p>
+          <a:p>
+            <a:endParaRPr lang="fr-FR" b="0" dirty="0">
+              <a:effectLst/>
+            </a:endParaRPr>
+          </a:p>
+          <a:p>
+            <a:pPr marL="285750" indent="-285750">
+              <a:buFont typeface="Arial" panose="020B0604020202020204" pitchFamily="34" charset="0"/>
+              <a:buChar char="•"/>
+            </a:pPr>
+            <a:r>
+              <a:rPr lang="fr-FR" b="1" dirty="0"/>
+              <a:t>D</a:t>
+            </a:r>
+            <a:r>
+              <a:rPr lang="fr-FR" b="1" dirty="0">
+                <a:effectLst/>
+              </a:rPr>
+              <a:t>omain</a:t>
+            </a:r>
+            <a:r>
+              <a:rPr lang="fr-FR" b="0" dirty="0">
+                <a:effectLst/>
+              </a:rPr>
+              <a:t> - Permet de préciser sur quel nom de domaine est disponible le cookie</a:t>
+            </a:r>
+          </a:p>
+          <a:p>
+            <a:pPr marL="285750" indent="-285750">
+              <a:buFont typeface="Arial" panose="020B0604020202020204" pitchFamily="34" charset="0"/>
+              <a:buChar char="•"/>
+            </a:pPr>
+            <a:endParaRPr lang="fr-FR" b="0" dirty="0">
+              <a:effectLst/>
+            </a:endParaRPr>
+          </a:p>
+          <a:p>
+            <a:pPr marL="285750" indent="-285750">
+              <a:buFont typeface="Arial" panose="020B0604020202020204" pitchFamily="34" charset="0"/>
+              <a:buChar char="•"/>
+            </a:pPr>
+            <a:r>
+              <a:rPr lang="fr-FR" b="1" dirty="0"/>
+              <a:t>E</a:t>
+            </a:r>
+            <a:r>
+              <a:rPr lang="fr-FR" b="1" dirty="0">
+                <a:effectLst/>
+              </a:rPr>
+              <a:t>xpires</a:t>
+            </a:r>
+            <a:r>
+              <a:rPr lang="fr-FR" b="0" dirty="0">
+                <a:effectLst/>
+              </a:rPr>
+              <a:t> - Permet de donner une date </a:t>
+            </a:r>
+            <a:r>
+              <a:rPr lang="fr-FR" b="1" dirty="0">
+                <a:effectLst/>
+              </a:rPr>
+              <a:t>UTC</a:t>
+            </a:r>
+            <a:r>
+              <a:rPr lang="fr-FR" b="0" dirty="0">
+                <a:effectLst/>
+              </a:rPr>
+              <a:t> jusqu'à laquelle le cookie est disponible, après cette date, il expirera ( se base sur l’horloge du client, ce qui peut entrainer des problèmes ) </a:t>
+            </a:r>
+          </a:p>
+          <a:p>
+            <a:pPr marL="285750" indent="-285750">
+              <a:buFont typeface="Arial" panose="020B0604020202020204" pitchFamily="34" charset="0"/>
+              <a:buChar char="•"/>
+            </a:pPr>
+            <a:endParaRPr lang="fr-FR" b="0" dirty="0">
+              <a:effectLst/>
+            </a:endParaRPr>
+          </a:p>
+          <a:p>
+            <a:pPr marL="285750" indent="-285750">
+              <a:buFont typeface="Arial" panose="020B0604020202020204" pitchFamily="34" charset="0"/>
+              <a:buChar char="•"/>
+            </a:pPr>
+            <a:r>
+              <a:rPr lang="fr-FR" b="1" dirty="0"/>
+              <a:t>M</a:t>
+            </a:r>
+            <a:r>
+              <a:rPr lang="fr-FR" b="1" dirty="0">
+                <a:effectLst/>
+              </a:rPr>
+              <a:t>ax-</a:t>
+            </a:r>
+            <a:r>
+              <a:rPr lang="fr-FR" b="1" dirty="0" err="1">
+                <a:effectLst/>
+              </a:rPr>
+              <a:t>age</a:t>
+            </a:r>
+            <a:r>
+              <a:rPr lang="fr-FR" b="0" dirty="0">
+                <a:effectLst/>
+              </a:rPr>
+              <a:t> - Se substitue à </a:t>
+            </a:r>
+            <a:r>
+              <a:rPr lang="fr-FR" b="0" i="1" dirty="0">
+                <a:effectLst/>
+              </a:rPr>
+              <a:t>expires</a:t>
+            </a:r>
+            <a:r>
+              <a:rPr lang="fr-FR" b="0" dirty="0">
+                <a:effectLst/>
+              </a:rPr>
+              <a:t>, permet de donner une durée en </a:t>
+            </a:r>
+            <a:r>
+              <a:rPr lang="fr-FR" b="1" dirty="0">
+                <a:effectLst/>
+              </a:rPr>
+              <a:t>secondes</a:t>
+            </a:r>
+            <a:r>
+              <a:rPr lang="fr-FR" b="0" dirty="0">
+                <a:effectLst/>
+              </a:rPr>
+              <a:t> jusqu'à laquelle le cookie est disponible. Après cette date, il expirera ( basé sur le temps écoulé depuis la création du cookie)</a:t>
+            </a:r>
+          </a:p>
+          <a:p>
+            <a:pPr marL="285750" indent="-285750">
+              <a:buFont typeface="Arial" panose="020B0604020202020204" pitchFamily="34" charset="0"/>
+              <a:buChar char="•"/>
+            </a:pPr>
+            <a:endParaRPr lang="fr-FR" b="0" dirty="0">
+              <a:effectLst/>
+            </a:endParaRPr>
+          </a:p>
+          <a:p>
+            <a:pPr marL="285750" indent="-285750">
+              <a:buFont typeface="Arial" panose="020B0604020202020204" pitchFamily="34" charset="0"/>
+              <a:buChar char="•"/>
+            </a:pPr>
+            <a:r>
+              <a:rPr lang="fr-FR" b="1" dirty="0"/>
+              <a:t>S</a:t>
+            </a:r>
+            <a:r>
+              <a:rPr lang="fr-FR" b="1" dirty="0">
+                <a:effectLst/>
+              </a:rPr>
+              <a:t>ecure</a:t>
+            </a:r>
+            <a:r>
+              <a:rPr lang="fr-FR" b="0" dirty="0">
+                <a:effectLst/>
+              </a:rPr>
+              <a:t> - Permet de n'autoriser l'utilisation du cookie que sur les sites sécurisés (https)</a:t>
+            </a:r>
+          </a:p>
+          <a:p>
+            <a:pPr marL="285750" indent="-285750">
+              <a:buFont typeface="Arial" panose="020B0604020202020204" pitchFamily="34" charset="0"/>
+              <a:buChar char="•"/>
+            </a:pPr>
+            <a:endParaRPr lang="fr-FR" dirty="0"/>
+          </a:p>
+          <a:p>
+            <a:pPr marL="285750" indent="-285750">
+              <a:buFont typeface="Arial" panose="020B0604020202020204" pitchFamily="34" charset="0"/>
+              <a:buChar char="•"/>
+            </a:pPr>
+            <a:r>
+              <a:rPr lang="fr-FR" b="0" dirty="0">
+                <a:solidFill>
+                  <a:srgbClr val="FF0000"/>
+                </a:solidFill>
+                <a:effectLst/>
+              </a:rPr>
+              <a:t> ! Uniquement coté serveur </a:t>
+            </a:r>
+            <a:r>
+              <a:rPr lang="fr-FR" b="0" dirty="0">
+                <a:effectLst/>
+                <a:sym typeface="Wingdings" panose="05000000000000000000" pitchFamily="2" charset="2"/>
+              </a:rPr>
+              <a:t> </a:t>
+            </a:r>
+            <a:r>
+              <a:rPr lang="fr-FR" b="1" dirty="0" err="1">
+                <a:effectLst/>
+                <a:sym typeface="Wingdings" panose="05000000000000000000" pitchFamily="2" charset="2"/>
+              </a:rPr>
+              <a:t>HttpOnly</a:t>
+            </a:r>
+            <a:r>
+              <a:rPr lang="fr-FR" b="0" dirty="0">
+                <a:effectLst/>
+                <a:sym typeface="Wingdings" panose="05000000000000000000" pitchFamily="2" charset="2"/>
+              </a:rPr>
+              <a:t> restreint l’accès au cookie de sorte qu’il ne soit pas accessible via JavaScript coté client  protection contre les attaques XSS</a:t>
+            </a:r>
+            <a:endParaRPr lang="fr-FR" b="0" dirty="0">
+              <a:effectLst/>
+            </a:endParaRPr>
+          </a:p>
+          <a:p>
+            <a:br>
+              <a:rPr lang="fr-FR" b="0" dirty="0">
+                <a:effectLst/>
+              </a:rPr>
+            </a:br>
+            <a:endParaRPr lang="fr-FR" dirty="0"/>
+          </a:p>
+        </p:txBody>
+      </p:sp>
+    </p:spTree>
+    <p:extLst>
+      <p:ext uri="{BB962C8B-B14F-4D97-AF65-F5344CB8AC3E}">
+        <p14:creationId xmlns:p14="http://schemas.microsoft.com/office/powerpoint/2010/main" val="1443711041"/>
+      </p:ext>
+    </p:extLst>
+  </p:cSld>
+  <p:clrMapOvr>
+    <a:masterClrMapping/>
+  </p:clrMapOvr>
+</p:sld>
+</file>
+
+<file path=ppt/slides/slide117.xml><?xml version="1.0" encoding="utf-8"?>
+<p:sld xmlns:a="http://schemas.openxmlformats.org/drawingml/2006/main" xmlns:r="http://schemas.openxmlformats.org/officeDocument/2006/relationships" xmlns:p="http://schemas.openxmlformats.org/presentationml/2006/main">
+  <p:cSld>
+    <p:spTree>
+      <p:nvGrpSpPr>
+        <p:cNvPr id="1" name=""/>
+        <p:cNvGrpSpPr/>
+        <p:nvPr/>
+      </p:nvGrpSpPr>
+      <p:grpSpPr>
+        <a:xfrm>
+          <a:off x="0" y="0"/>
+          <a:ext cx="0" cy="0"/>
+          <a:chOff x="0" y="0"/>
+          <a:chExt cx="0" cy="0"/>
+        </a:xfrm>
+      </p:grpSpPr>
+      <p:sp>
+        <p:nvSpPr>
+          <p:cNvPr id="3" name="Titre 1">
+            <a:extLst>
+              <a:ext uri="{FF2B5EF4-FFF2-40B4-BE49-F238E27FC236}">
+                <a16:creationId xmlns:a16="http://schemas.microsoft.com/office/drawing/2014/main" id="{E7373E66-041F-37D5-0ADF-25BA87ABC979}"/>
+              </a:ext>
+            </a:extLst>
+          </p:cNvPr>
+          <p:cNvSpPr>
+            <a:spLocks noGrp="1"/>
+          </p:cNvSpPr>
+          <p:nvPr>
+            <p:ph type="title"/>
+          </p:nvPr>
+        </p:nvSpPr>
+        <p:spPr>
+          <a:xfrm>
+            <a:off x="1097279" y="286603"/>
+            <a:ext cx="11167425" cy="1450757"/>
+          </a:xfrm>
+        </p:spPr>
+        <p:txBody>
+          <a:bodyPr>
+            <a:normAutofit/>
+          </a:bodyPr>
+          <a:lstStyle/>
+          <a:p>
+            <a:r>
+              <a:rPr lang="fr-FR" dirty="0"/>
+              <a:t>XII- Stocker des données  </a:t>
+            </a:r>
+            <a:br>
+              <a:rPr lang="fr-FR" dirty="0"/>
+            </a:br>
+            <a:r>
+              <a:rPr lang="fr-FR" dirty="0"/>
+              <a:t>	</a:t>
+            </a:r>
+            <a:r>
+              <a:rPr lang="fr-FR" sz="3600" i="1" dirty="0"/>
+              <a:t>  2. </a:t>
+            </a:r>
+            <a:r>
+              <a:rPr lang="fr-FR" sz="3600" i="1" dirty="0" err="1"/>
+              <a:t>LocalStorage</a:t>
+            </a:r>
+            <a:r>
+              <a:rPr lang="fr-FR" sz="3600" i="1" dirty="0"/>
+              <a:t> &amp; </a:t>
+            </a:r>
+            <a:r>
+              <a:rPr lang="fr-FR" sz="3600" i="1" dirty="0" err="1"/>
+              <a:t>SessionStorage</a:t>
+            </a:r>
+            <a:r>
+              <a:rPr lang="fr-FR" sz="3600" i="1" dirty="0"/>
+              <a:t> </a:t>
+            </a:r>
+          </a:p>
+        </p:txBody>
+      </p:sp>
+      <p:sp>
+        <p:nvSpPr>
+          <p:cNvPr id="5" name="ZoneTexte 4">
+            <a:extLst>
+              <a:ext uri="{FF2B5EF4-FFF2-40B4-BE49-F238E27FC236}">
+                <a16:creationId xmlns:a16="http://schemas.microsoft.com/office/drawing/2014/main" id="{ABC507A4-5782-8551-CCC2-B957C6BF7E2B}"/>
+              </a:ext>
+            </a:extLst>
+          </p:cNvPr>
+          <p:cNvSpPr txBox="1"/>
+          <p:nvPr/>
+        </p:nvSpPr>
+        <p:spPr>
+          <a:xfrm>
+            <a:off x="1097279" y="2232855"/>
+            <a:ext cx="10855354" cy="646331"/>
+          </a:xfrm>
+          <a:prstGeom prst="rect">
+            <a:avLst/>
+          </a:prstGeom>
+          <a:noFill/>
+        </p:spPr>
+        <p:txBody>
+          <a:bodyPr wrap="square" rtlCol="0">
+            <a:spAutoFit/>
+          </a:bodyPr>
+          <a:lstStyle/>
+          <a:p>
+            <a:br>
+              <a:rPr lang="fr-FR" b="0" dirty="0">
+                <a:effectLst/>
+              </a:rPr>
+            </a:br>
+            <a:endParaRPr lang="fr-FR" dirty="0"/>
+          </a:p>
+        </p:txBody>
+      </p:sp>
+      <p:sp>
+        <p:nvSpPr>
+          <p:cNvPr id="2" name="ZoneTexte 1">
+            <a:extLst>
+              <a:ext uri="{FF2B5EF4-FFF2-40B4-BE49-F238E27FC236}">
+                <a16:creationId xmlns:a16="http://schemas.microsoft.com/office/drawing/2014/main" id="{E5C88D58-4711-A120-876A-E55C385CB91A}"/>
+              </a:ext>
+            </a:extLst>
+          </p:cNvPr>
+          <p:cNvSpPr txBox="1"/>
+          <p:nvPr/>
+        </p:nvSpPr>
+        <p:spPr>
+          <a:xfrm>
+            <a:off x="1359017" y="2114026"/>
+            <a:ext cx="9735704" cy="4524315"/>
+          </a:xfrm>
+          <a:prstGeom prst="rect">
+            <a:avLst/>
+          </a:prstGeom>
+          <a:noFill/>
+        </p:spPr>
+        <p:txBody>
+          <a:bodyPr wrap="square" rtlCol="0">
+            <a:spAutoFit/>
+          </a:bodyPr>
+          <a:lstStyle/>
+          <a:p>
+            <a:r>
+              <a:rPr lang="fr-FR" b="1" dirty="0" err="1"/>
+              <a:t>LocalStorage</a:t>
+            </a:r>
+            <a:r>
+              <a:rPr lang="fr-FR" dirty="0"/>
+              <a:t> : Stocké dans le navigateur même après sa fermeture.</a:t>
+            </a:r>
+          </a:p>
+          <a:p>
+            <a:r>
+              <a:rPr lang="fr-FR" b="1" dirty="0" err="1"/>
+              <a:t>SessionStorage</a:t>
+            </a:r>
+            <a:r>
+              <a:rPr lang="fr-FR" dirty="0"/>
+              <a:t> : Stocké dans le navigateur uniquement pendant la session.</a:t>
+            </a:r>
+          </a:p>
+          <a:p>
+            <a:endParaRPr lang="fr-FR" dirty="0"/>
+          </a:p>
+          <a:p>
+            <a:r>
+              <a:rPr lang="fr-FR" dirty="0"/>
+              <a:t>Quelle différence avec les cookies ? </a:t>
+            </a:r>
+          </a:p>
+          <a:p>
+            <a:endParaRPr lang="fr-FR" dirty="0"/>
+          </a:p>
+          <a:p>
+            <a:r>
+              <a:rPr lang="fr-FR" dirty="0"/>
+              <a:t>Les cookies sont utilisés pour stocker de petits nombres de données importantes, qui doivent être </a:t>
+            </a:r>
+            <a:r>
+              <a:rPr lang="fr-FR" b="1" dirty="0"/>
+              <a:t>envoyé au serveur </a:t>
+            </a:r>
+            <a:r>
+              <a:rPr lang="fr-FR" dirty="0"/>
+              <a:t>comme les identifiants de connexion</a:t>
+            </a:r>
+          </a:p>
+          <a:p>
+            <a:r>
+              <a:rPr lang="fr-FR" dirty="0"/>
+              <a:t>A l’inverse </a:t>
+            </a:r>
+            <a:r>
+              <a:rPr lang="fr-FR" dirty="0" err="1"/>
+              <a:t>LocalStorage</a:t>
+            </a:r>
+            <a:r>
+              <a:rPr lang="fr-FR" dirty="0"/>
+              <a:t> et </a:t>
+            </a:r>
+            <a:r>
+              <a:rPr lang="fr-FR" dirty="0" err="1"/>
+              <a:t>SessionStorage</a:t>
+            </a:r>
+            <a:r>
+              <a:rPr lang="fr-FR" dirty="0"/>
+              <a:t> ne sont </a:t>
+            </a:r>
+            <a:r>
+              <a:rPr lang="fr-FR" b="1" dirty="0"/>
+              <a:t>jamais envoyés au serveur</a:t>
+            </a:r>
+            <a:r>
+              <a:rPr lang="fr-FR" dirty="0"/>
+              <a:t>. </a:t>
+            </a:r>
+          </a:p>
+          <a:p>
+            <a:endParaRPr lang="fr-FR" dirty="0"/>
+          </a:p>
+          <a:p>
+            <a:r>
+              <a:rPr lang="fr-FR" dirty="0"/>
+              <a:t>De plus les informations stockées avec ces méthodes sont accessibles uniquement sur la même origine, si les données sont créées sur monSite.com, ces données ne seront accessibles que sur cette origine, ce qui le rend plus sécure que les cookies. </a:t>
+            </a:r>
+          </a:p>
+          <a:p>
+            <a:endParaRPr lang="fr-FR" dirty="0"/>
+          </a:p>
+          <a:p>
+            <a:r>
+              <a:rPr lang="fr-FR" dirty="0"/>
+              <a:t>NB: </a:t>
+            </a:r>
+            <a:r>
+              <a:rPr lang="fr-FR" dirty="0" err="1"/>
+              <a:t>LocalStorage</a:t>
+            </a:r>
+            <a:r>
+              <a:rPr lang="fr-FR" dirty="0"/>
+              <a:t> &amp; </a:t>
+            </a:r>
+            <a:r>
+              <a:rPr lang="fr-FR" dirty="0" err="1"/>
+              <a:t>SessionStorage</a:t>
+            </a:r>
+            <a:r>
+              <a:rPr lang="fr-FR" dirty="0"/>
+              <a:t> utilisent les mêmes méthodes.	</a:t>
+            </a:r>
+          </a:p>
+          <a:p>
+            <a:r>
+              <a:rPr lang="fr-FR" dirty="0"/>
+              <a:t>       </a:t>
+            </a:r>
+            <a:r>
+              <a:rPr lang="fr-FR" dirty="0" err="1"/>
+              <a:t>LocalStorage</a:t>
+            </a:r>
+            <a:r>
+              <a:rPr lang="fr-FR" dirty="0"/>
+              <a:t> ne peut stocker que des données sous forme de chaînes de caractères.</a:t>
+            </a:r>
+          </a:p>
+          <a:p>
+            <a:r>
+              <a:rPr lang="fr-FR" dirty="0"/>
+              <a:t> </a:t>
+            </a:r>
+          </a:p>
+        </p:txBody>
+      </p:sp>
+    </p:spTree>
+    <p:extLst>
+      <p:ext uri="{BB962C8B-B14F-4D97-AF65-F5344CB8AC3E}">
+        <p14:creationId xmlns:p14="http://schemas.microsoft.com/office/powerpoint/2010/main" val="3126748334"/>
+      </p:ext>
+    </p:extLst>
+  </p:cSld>
+  <p:clrMapOvr>
+    <a:masterClrMapping/>
+  </p:clrMapOvr>
+</p:sld>
+</file>
+
+<file path=ppt/slides/slide118.xml><?xml version="1.0" encoding="utf-8"?>
+<p:sld xmlns:a="http://schemas.openxmlformats.org/drawingml/2006/main" xmlns:r="http://schemas.openxmlformats.org/officeDocument/2006/relationships" xmlns:p="http://schemas.openxmlformats.org/presentationml/2006/main">
+  <p:cSld>
+    <p:spTree>
+      <p:nvGrpSpPr>
+        <p:cNvPr id="1" name=""/>
+        <p:cNvGrpSpPr/>
+        <p:nvPr/>
+      </p:nvGrpSpPr>
+      <p:grpSpPr>
+        <a:xfrm>
+          <a:off x="0" y="0"/>
+          <a:ext cx="0" cy="0"/>
+          <a:chOff x="0" y="0"/>
+          <a:chExt cx="0" cy="0"/>
+        </a:xfrm>
+      </p:grpSpPr>
+      <p:sp>
+        <p:nvSpPr>
+          <p:cNvPr id="3" name="Titre 1">
+            <a:extLst>
+              <a:ext uri="{FF2B5EF4-FFF2-40B4-BE49-F238E27FC236}">
+                <a16:creationId xmlns:a16="http://schemas.microsoft.com/office/drawing/2014/main" id="{E7373E66-041F-37D5-0ADF-25BA87ABC979}"/>
+              </a:ext>
+            </a:extLst>
+          </p:cNvPr>
+          <p:cNvSpPr>
+            <a:spLocks noGrp="1"/>
+          </p:cNvSpPr>
+          <p:nvPr>
+            <p:ph type="title"/>
+          </p:nvPr>
+        </p:nvSpPr>
+        <p:spPr>
+          <a:xfrm>
+            <a:off x="1097279" y="286603"/>
+            <a:ext cx="11167425" cy="1450757"/>
+          </a:xfrm>
+        </p:spPr>
+        <p:txBody>
+          <a:bodyPr>
+            <a:normAutofit/>
+          </a:bodyPr>
+          <a:lstStyle/>
+          <a:p>
+            <a:r>
+              <a:rPr lang="fr-FR" dirty="0"/>
+              <a:t>XII- Stocker des données  </a:t>
+            </a:r>
+            <a:br>
+              <a:rPr lang="fr-FR" dirty="0"/>
+            </a:br>
+            <a:r>
+              <a:rPr lang="fr-FR" dirty="0"/>
+              <a:t>	</a:t>
+            </a:r>
+            <a:r>
+              <a:rPr lang="fr-FR" sz="3600" i="1" dirty="0"/>
+              <a:t>  2. </a:t>
+            </a:r>
+            <a:r>
+              <a:rPr lang="fr-FR" sz="3600" i="1" dirty="0" err="1"/>
+              <a:t>LocalStorage</a:t>
+            </a:r>
+            <a:r>
+              <a:rPr lang="fr-FR" sz="3600" i="1" dirty="0"/>
+              <a:t> &amp; </a:t>
+            </a:r>
+            <a:r>
+              <a:rPr lang="fr-FR" sz="3600" i="1" dirty="0" err="1"/>
+              <a:t>SessionStorage</a:t>
+            </a:r>
+            <a:r>
+              <a:rPr lang="fr-FR" sz="3600" i="1" dirty="0"/>
+              <a:t> </a:t>
+            </a:r>
+          </a:p>
+        </p:txBody>
+      </p:sp>
+      <p:sp>
+        <p:nvSpPr>
+          <p:cNvPr id="5" name="ZoneTexte 4">
+            <a:extLst>
+              <a:ext uri="{FF2B5EF4-FFF2-40B4-BE49-F238E27FC236}">
+                <a16:creationId xmlns:a16="http://schemas.microsoft.com/office/drawing/2014/main" id="{ABC507A4-5782-8551-CCC2-B957C6BF7E2B}"/>
+              </a:ext>
+            </a:extLst>
+          </p:cNvPr>
+          <p:cNvSpPr txBox="1"/>
+          <p:nvPr/>
+        </p:nvSpPr>
+        <p:spPr>
+          <a:xfrm>
+            <a:off x="239367" y="3861024"/>
+            <a:ext cx="10855354" cy="646331"/>
+          </a:xfrm>
+          <a:prstGeom prst="rect">
+            <a:avLst/>
+          </a:prstGeom>
+          <a:noFill/>
+        </p:spPr>
+        <p:txBody>
+          <a:bodyPr wrap="square" rtlCol="0">
+            <a:spAutoFit/>
+          </a:bodyPr>
+          <a:lstStyle/>
+          <a:p>
+            <a:br>
+              <a:rPr lang="fr-FR" b="0" dirty="0">
+                <a:effectLst/>
+              </a:rPr>
+            </a:br>
+            <a:endParaRPr lang="fr-FR" dirty="0"/>
+          </a:p>
+        </p:txBody>
+      </p:sp>
+      <p:pic>
+        <p:nvPicPr>
+          <p:cNvPr id="6" name="Image 5">
+            <a:extLst>
+              <a:ext uri="{FF2B5EF4-FFF2-40B4-BE49-F238E27FC236}">
+                <a16:creationId xmlns:a16="http://schemas.microsoft.com/office/drawing/2014/main" id="{5FCDE9DB-6D12-EEC5-A9A8-78AC63A9A647}"/>
+              </a:ext>
+            </a:extLst>
+          </p:cNvPr>
+          <p:cNvPicPr>
+            <a:picLocks noChangeAspect="1"/>
+          </p:cNvPicPr>
+          <p:nvPr/>
+        </p:nvPicPr>
+        <p:blipFill>
+          <a:blip r:embed="rId2"/>
+          <a:stretch>
+            <a:fillRect/>
+          </a:stretch>
+        </p:blipFill>
+        <p:spPr>
+          <a:xfrm>
+            <a:off x="1287991" y="2133595"/>
+            <a:ext cx="4324954" cy="543001"/>
+          </a:xfrm>
+          <a:prstGeom prst="rect">
+            <a:avLst/>
+          </a:prstGeom>
+        </p:spPr>
+      </p:pic>
+      <p:pic>
+        <p:nvPicPr>
+          <p:cNvPr id="8" name="Image 7">
+            <a:extLst>
+              <a:ext uri="{FF2B5EF4-FFF2-40B4-BE49-F238E27FC236}">
+                <a16:creationId xmlns:a16="http://schemas.microsoft.com/office/drawing/2014/main" id="{4CEE66F6-0DC3-BF24-8CF4-39398DF59549}"/>
+              </a:ext>
+            </a:extLst>
+          </p:cNvPr>
+          <p:cNvPicPr>
+            <a:picLocks noChangeAspect="1"/>
+          </p:cNvPicPr>
+          <p:nvPr/>
+        </p:nvPicPr>
+        <p:blipFill>
+          <a:blip r:embed="rId3"/>
+          <a:stretch>
+            <a:fillRect/>
+          </a:stretch>
+        </p:blipFill>
+        <p:spPr>
+          <a:xfrm>
+            <a:off x="2526414" y="2834800"/>
+            <a:ext cx="3086531" cy="457264"/>
+          </a:xfrm>
+          <a:prstGeom prst="rect">
+            <a:avLst/>
+          </a:prstGeom>
+        </p:spPr>
+      </p:pic>
+      <p:pic>
+        <p:nvPicPr>
+          <p:cNvPr id="10" name="Image 9">
+            <a:extLst>
+              <a:ext uri="{FF2B5EF4-FFF2-40B4-BE49-F238E27FC236}">
+                <a16:creationId xmlns:a16="http://schemas.microsoft.com/office/drawing/2014/main" id="{0939E290-9210-9779-A68E-730F635AD689}"/>
+              </a:ext>
+            </a:extLst>
+          </p:cNvPr>
+          <p:cNvPicPr>
+            <a:picLocks noChangeAspect="1"/>
+          </p:cNvPicPr>
+          <p:nvPr/>
+        </p:nvPicPr>
+        <p:blipFill>
+          <a:blip r:embed="rId4"/>
+          <a:stretch>
+            <a:fillRect/>
+          </a:stretch>
+        </p:blipFill>
+        <p:spPr>
+          <a:xfrm>
+            <a:off x="1878624" y="3450269"/>
+            <a:ext cx="3734321" cy="514422"/>
+          </a:xfrm>
+          <a:prstGeom prst="rect">
+            <a:avLst/>
+          </a:prstGeom>
+        </p:spPr>
+      </p:pic>
+      <p:pic>
+        <p:nvPicPr>
+          <p:cNvPr id="12" name="Image 11">
+            <a:extLst>
+              <a:ext uri="{FF2B5EF4-FFF2-40B4-BE49-F238E27FC236}">
+                <a16:creationId xmlns:a16="http://schemas.microsoft.com/office/drawing/2014/main" id="{74734E7E-6DA5-23B0-B205-6B34436A2E70}"/>
+              </a:ext>
+            </a:extLst>
+          </p:cNvPr>
+          <p:cNvPicPr>
+            <a:picLocks noChangeAspect="1"/>
+          </p:cNvPicPr>
+          <p:nvPr/>
+        </p:nvPicPr>
+        <p:blipFill>
+          <a:blip r:embed="rId5"/>
+          <a:stretch>
+            <a:fillRect/>
+          </a:stretch>
+        </p:blipFill>
+        <p:spPr>
+          <a:xfrm>
+            <a:off x="2774099" y="4236543"/>
+            <a:ext cx="2838846" cy="523948"/>
+          </a:xfrm>
+          <a:prstGeom prst="rect">
+            <a:avLst/>
+          </a:prstGeom>
+        </p:spPr>
+      </p:pic>
+      <p:pic>
+        <p:nvPicPr>
+          <p:cNvPr id="14" name="Image 13">
+            <a:extLst>
+              <a:ext uri="{FF2B5EF4-FFF2-40B4-BE49-F238E27FC236}">
+                <a16:creationId xmlns:a16="http://schemas.microsoft.com/office/drawing/2014/main" id="{03A6E402-A2C2-4955-D336-8D7E39589F9A}"/>
+              </a:ext>
+            </a:extLst>
+          </p:cNvPr>
+          <p:cNvPicPr>
+            <a:picLocks noChangeAspect="1"/>
+          </p:cNvPicPr>
+          <p:nvPr/>
+        </p:nvPicPr>
+        <p:blipFill>
+          <a:blip r:embed="rId6"/>
+          <a:stretch>
+            <a:fillRect/>
+          </a:stretch>
+        </p:blipFill>
+        <p:spPr>
+          <a:xfrm>
+            <a:off x="2755046" y="4925783"/>
+            <a:ext cx="2857899" cy="552527"/>
+          </a:xfrm>
+          <a:prstGeom prst="rect">
+            <a:avLst/>
+          </a:prstGeom>
+        </p:spPr>
+      </p:pic>
+      <p:pic>
+        <p:nvPicPr>
+          <p:cNvPr id="16" name="Image 15">
+            <a:extLst>
+              <a:ext uri="{FF2B5EF4-FFF2-40B4-BE49-F238E27FC236}">
+                <a16:creationId xmlns:a16="http://schemas.microsoft.com/office/drawing/2014/main" id="{1814FA3F-C470-02CC-502D-8974E75EE6B8}"/>
+              </a:ext>
+            </a:extLst>
+          </p:cNvPr>
+          <p:cNvPicPr>
+            <a:picLocks noChangeAspect="1"/>
+          </p:cNvPicPr>
+          <p:nvPr/>
+        </p:nvPicPr>
+        <p:blipFill>
+          <a:blip r:embed="rId7"/>
+          <a:stretch>
+            <a:fillRect/>
+          </a:stretch>
+        </p:blipFill>
+        <p:spPr>
+          <a:xfrm>
+            <a:off x="3259942" y="5643602"/>
+            <a:ext cx="2353003" cy="562053"/>
+          </a:xfrm>
+          <a:prstGeom prst="rect">
+            <a:avLst/>
+          </a:prstGeom>
+        </p:spPr>
+      </p:pic>
+      <p:sp>
+        <p:nvSpPr>
+          <p:cNvPr id="19" name="ZoneTexte 18">
+            <a:extLst>
+              <a:ext uri="{FF2B5EF4-FFF2-40B4-BE49-F238E27FC236}">
+                <a16:creationId xmlns:a16="http://schemas.microsoft.com/office/drawing/2014/main" id="{FC03B0FC-7449-9DC7-B0B0-07F41E61DB60}"/>
+              </a:ext>
+            </a:extLst>
+          </p:cNvPr>
+          <p:cNvSpPr txBox="1"/>
+          <p:nvPr/>
+        </p:nvSpPr>
+        <p:spPr>
+          <a:xfrm>
+            <a:off x="6405725" y="2200412"/>
+            <a:ext cx="2928014" cy="646331"/>
+          </a:xfrm>
+          <a:prstGeom prst="rect">
+            <a:avLst/>
+          </a:prstGeom>
+          <a:noFill/>
+        </p:spPr>
+        <p:txBody>
+          <a:bodyPr wrap="square" rtlCol="0">
+            <a:spAutoFit/>
+          </a:bodyPr>
+          <a:lstStyle/>
+          <a:p>
+            <a:r>
+              <a:rPr lang="fr-FR" dirty="0"/>
+              <a:t>Définir un nouvel élément </a:t>
+            </a:r>
+          </a:p>
+          <a:p>
+            <a:endParaRPr lang="fr-FR" dirty="0"/>
+          </a:p>
+        </p:txBody>
+      </p:sp>
+      <p:sp>
+        <p:nvSpPr>
+          <p:cNvPr id="20" name="ZoneTexte 19">
+            <a:extLst>
+              <a:ext uri="{FF2B5EF4-FFF2-40B4-BE49-F238E27FC236}">
+                <a16:creationId xmlns:a16="http://schemas.microsoft.com/office/drawing/2014/main" id="{92764046-22BF-D252-BCE8-D1EAC58492EB}"/>
+              </a:ext>
+            </a:extLst>
+          </p:cNvPr>
+          <p:cNvSpPr txBox="1"/>
+          <p:nvPr/>
+        </p:nvSpPr>
+        <p:spPr>
+          <a:xfrm>
+            <a:off x="6437429" y="2847253"/>
+            <a:ext cx="2928014" cy="646331"/>
+          </a:xfrm>
+          <a:prstGeom prst="rect">
+            <a:avLst/>
+          </a:prstGeom>
+          <a:noFill/>
+        </p:spPr>
+        <p:txBody>
+          <a:bodyPr wrap="square" rtlCol="0">
+            <a:spAutoFit/>
+          </a:bodyPr>
+          <a:lstStyle/>
+          <a:p>
+            <a:r>
+              <a:rPr lang="fr-FR" dirty="0"/>
+              <a:t>Récupéré un élément </a:t>
+            </a:r>
+          </a:p>
+          <a:p>
+            <a:endParaRPr lang="fr-FR" dirty="0"/>
+          </a:p>
+        </p:txBody>
+      </p:sp>
+      <p:sp>
+        <p:nvSpPr>
+          <p:cNvPr id="21" name="ZoneTexte 20">
+            <a:extLst>
+              <a:ext uri="{FF2B5EF4-FFF2-40B4-BE49-F238E27FC236}">
+                <a16:creationId xmlns:a16="http://schemas.microsoft.com/office/drawing/2014/main" id="{294424EA-7BBD-230B-4C7B-381BAAE3078E}"/>
+              </a:ext>
+            </a:extLst>
+          </p:cNvPr>
+          <p:cNvSpPr txBox="1"/>
+          <p:nvPr/>
+        </p:nvSpPr>
+        <p:spPr>
+          <a:xfrm>
+            <a:off x="6405725" y="3486730"/>
+            <a:ext cx="2928014" cy="646331"/>
+          </a:xfrm>
+          <a:prstGeom prst="rect">
+            <a:avLst/>
+          </a:prstGeom>
+          <a:noFill/>
+        </p:spPr>
+        <p:txBody>
+          <a:bodyPr wrap="square" rtlCol="0">
+            <a:spAutoFit/>
+          </a:bodyPr>
+          <a:lstStyle/>
+          <a:p>
+            <a:r>
+              <a:rPr lang="fr-FR" dirty="0"/>
+              <a:t>Supprimer un élément </a:t>
+            </a:r>
+          </a:p>
+          <a:p>
+            <a:endParaRPr lang="fr-FR" dirty="0"/>
+          </a:p>
+        </p:txBody>
+      </p:sp>
+      <p:sp>
+        <p:nvSpPr>
+          <p:cNvPr id="22" name="ZoneTexte 21">
+            <a:extLst>
+              <a:ext uri="{FF2B5EF4-FFF2-40B4-BE49-F238E27FC236}">
+                <a16:creationId xmlns:a16="http://schemas.microsoft.com/office/drawing/2014/main" id="{2232AB52-ACD2-3B78-5D83-12B6DBF9D35D}"/>
+              </a:ext>
+            </a:extLst>
+          </p:cNvPr>
+          <p:cNvSpPr txBox="1"/>
+          <p:nvPr/>
+        </p:nvSpPr>
+        <p:spPr>
+          <a:xfrm>
+            <a:off x="6405725" y="4279452"/>
+            <a:ext cx="2928014" cy="646331"/>
+          </a:xfrm>
+          <a:prstGeom prst="rect">
+            <a:avLst/>
+          </a:prstGeom>
+          <a:noFill/>
+        </p:spPr>
+        <p:txBody>
+          <a:bodyPr wrap="square" rtlCol="0">
+            <a:spAutoFit/>
+          </a:bodyPr>
+          <a:lstStyle/>
+          <a:p>
+            <a:r>
+              <a:rPr lang="fr-FR" dirty="0"/>
+              <a:t>Supprimer tout le </a:t>
+            </a:r>
+            <a:r>
+              <a:rPr lang="fr-FR" dirty="0" err="1"/>
+              <a:t>storage</a:t>
+            </a:r>
+            <a:r>
+              <a:rPr lang="fr-FR" dirty="0"/>
+              <a:t> </a:t>
+            </a:r>
+          </a:p>
+          <a:p>
+            <a:endParaRPr lang="fr-FR" dirty="0"/>
+          </a:p>
+        </p:txBody>
+      </p:sp>
+      <p:sp>
+        <p:nvSpPr>
+          <p:cNvPr id="23" name="ZoneTexte 22">
+            <a:extLst>
+              <a:ext uri="{FF2B5EF4-FFF2-40B4-BE49-F238E27FC236}">
+                <a16:creationId xmlns:a16="http://schemas.microsoft.com/office/drawing/2014/main" id="{398E6A3E-8B75-98D5-9AD4-6324E3232B42}"/>
+              </a:ext>
+            </a:extLst>
+          </p:cNvPr>
+          <p:cNvSpPr txBox="1"/>
+          <p:nvPr/>
+        </p:nvSpPr>
+        <p:spPr>
+          <a:xfrm>
+            <a:off x="6437429" y="4997271"/>
+            <a:ext cx="3469713" cy="646331"/>
+          </a:xfrm>
+          <a:prstGeom prst="rect">
+            <a:avLst/>
+          </a:prstGeom>
+          <a:noFill/>
+        </p:spPr>
+        <p:txBody>
+          <a:bodyPr wrap="square" rtlCol="0">
+            <a:spAutoFit/>
+          </a:bodyPr>
+          <a:lstStyle/>
+          <a:p>
+            <a:r>
+              <a:rPr lang="fr-FR" dirty="0"/>
+              <a:t>Récupérer la valeur d’une clé </a:t>
+            </a:r>
+          </a:p>
+          <a:p>
+            <a:endParaRPr lang="fr-FR" dirty="0"/>
+          </a:p>
+        </p:txBody>
+      </p:sp>
+      <p:sp>
+        <p:nvSpPr>
+          <p:cNvPr id="24" name="ZoneTexte 23">
+            <a:extLst>
+              <a:ext uri="{FF2B5EF4-FFF2-40B4-BE49-F238E27FC236}">
+                <a16:creationId xmlns:a16="http://schemas.microsoft.com/office/drawing/2014/main" id="{FBD221B5-AE0F-E057-6BDE-7874AB66C144}"/>
+              </a:ext>
+            </a:extLst>
+          </p:cNvPr>
+          <p:cNvSpPr txBox="1"/>
+          <p:nvPr/>
+        </p:nvSpPr>
+        <p:spPr>
+          <a:xfrm>
+            <a:off x="6405725" y="5745859"/>
+            <a:ext cx="4567549" cy="646331"/>
+          </a:xfrm>
+          <a:prstGeom prst="rect">
+            <a:avLst/>
+          </a:prstGeom>
+          <a:noFill/>
+        </p:spPr>
+        <p:txBody>
+          <a:bodyPr wrap="square" rtlCol="0">
+            <a:spAutoFit/>
+          </a:bodyPr>
+          <a:lstStyle/>
+          <a:p>
+            <a:r>
+              <a:rPr lang="fr-FR" dirty="0"/>
+              <a:t>Obtenir le nombre d’éléments stockés </a:t>
+            </a:r>
+          </a:p>
+          <a:p>
+            <a:endParaRPr lang="fr-FR" dirty="0"/>
+          </a:p>
+        </p:txBody>
+      </p:sp>
+    </p:spTree>
+    <p:extLst>
+      <p:ext uri="{BB962C8B-B14F-4D97-AF65-F5344CB8AC3E}">
+        <p14:creationId xmlns:p14="http://schemas.microsoft.com/office/powerpoint/2010/main" val="2728633259"/>
+      </p:ext>
+    </p:extLst>
+  </p:cSld>
+  <p:clrMapOvr>
+    <a:masterClrMapping/>
+  </p:clrMapOvr>
+</p:sld>
+</file>
+
+<file path=ppt/slides/slide119.xml><?xml version="1.0" encoding="utf-8"?>
+<p:sld xmlns:a="http://schemas.openxmlformats.org/drawingml/2006/main" xmlns:r="http://schemas.openxmlformats.org/officeDocument/2006/relationships" xmlns:p="http://schemas.openxmlformats.org/presentationml/2006/main">
+  <p:cSld>
+    <p:spTree>
+      <p:nvGrpSpPr>
+        <p:cNvPr id="1" name=""/>
+        <p:cNvGrpSpPr/>
+        <p:nvPr/>
+      </p:nvGrpSpPr>
+      <p:grpSpPr>
+        <a:xfrm>
+          <a:off x="0" y="0"/>
+          <a:ext cx="0" cy="0"/>
+          <a:chOff x="0" y="0"/>
+          <a:chExt cx="0" cy="0"/>
+        </a:xfrm>
+      </p:grpSpPr>
+      <p:sp>
+        <p:nvSpPr>
+          <p:cNvPr id="3" name="Titre 1">
+            <a:extLst>
+              <a:ext uri="{FF2B5EF4-FFF2-40B4-BE49-F238E27FC236}">
+                <a16:creationId xmlns:a16="http://schemas.microsoft.com/office/drawing/2014/main" id="{E7373E66-041F-37D5-0ADF-25BA87ABC979}"/>
+              </a:ext>
+            </a:extLst>
+          </p:cNvPr>
+          <p:cNvSpPr>
+            <a:spLocks noGrp="1"/>
+          </p:cNvSpPr>
+          <p:nvPr>
+            <p:ph type="title"/>
+          </p:nvPr>
+        </p:nvSpPr>
+        <p:spPr>
+          <a:xfrm>
+            <a:off x="1097279" y="286603"/>
+            <a:ext cx="11167425" cy="1450757"/>
+          </a:xfrm>
+        </p:spPr>
+        <p:txBody>
+          <a:bodyPr>
+            <a:normAutofit/>
+          </a:bodyPr>
+          <a:lstStyle/>
+          <a:p>
+            <a:r>
+              <a:rPr lang="fr-FR" dirty="0"/>
+              <a:t>XII- Stocker des données  </a:t>
+            </a:r>
+            <a:br>
+              <a:rPr lang="fr-FR" dirty="0"/>
+            </a:br>
+            <a:r>
+              <a:rPr lang="fr-FR" dirty="0"/>
+              <a:t>	</a:t>
+            </a:r>
+            <a:r>
+              <a:rPr lang="fr-FR" sz="3600" i="1" dirty="0"/>
+              <a:t>  3. En résumé</a:t>
+            </a:r>
+          </a:p>
+        </p:txBody>
+      </p:sp>
+      <p:cxnSp>
+        <p:nvCxnSpPr>
+          <p:cNvPr id="4" name="Connecteur droit 3">
+            <a:extLst>
+              <a:ext uri="{FF2B5EF4-FFF2-40B4-BE49-F238E27FC236}">
+                <a16:creationId xmlns:a16="http://schemas.microsoft.com/office/drawing/2014/main" id="{0F978538-C635-CB70-AC30-844A56484754}"/>
+              </a:ext>
+            </a:extLst>
+          </p:cNvPr>
+          <p:cNvCxnSpPr>
+            <a:cxnSpLocks/>
+          </p:cNvCxnSpPr>
+          <p:nvPr/>
+        </p:nvCxnSpPr>
+        <p:spPr>
+          <a:xfrm>
+            <a:off x="3874241" y="2127564"/>
+            <a:ext cx="0" cy="4164594"/>
+          </a:xfrm>
+          <a:prstGeom prst="line">
+            <a:avLst/>
+          </a:prstGeom>
+        </p:spPr>
+        <p:style>
+          <a:lnRef idx="2">
+            <a:schemeClr val="dk1"/>
+          </a:lnRef>
+          <a:fillRef idx="0">
+            <a:schemeClr val="dk1"/>
+          </a:fillRef>
+          <a:effectRef idx="1">
+            <a:schemeClr val="dk1"/>
+          </a:effectRef>
+          <a:fontRef idx="minor">
+            <a:schemeClr val="tx1"/>
+          </a:fontRef>
+        </p:style>
+      </p:cxnSp>
+      <p:cxnSp>
+        <p:nvCxnSpPr>
+          <p:cNvPr id="11" name="Connecteur droit 10">
+            <a:extLst>
+              <a:ext uri="{FF2B5EF4-FFF2-40B4-BE49-F238E27FC236}">
+                <a16:creationId xmlns:a16="http://schemas.microsoft.com/office/drawing/2014/main" id="{B77793B4-577D-E4B1-E32A-BC2460F878DE}"/>
+              </a:ext>
+            </a:extLst>
+          </p:cNvPr>
+          <p:cNvCxnSpPr>
+            <a:cxnSpLocks/>
+          </p:cNvCxnSpPr>
+          <p:nvPr/>
+        </p:nvCxnSpPr>
+        <p:spPr>
+          <a:xfrm>
+            <a:off x="8136915" y="2127564"/>
+            <a:ext cx="0" cy="4164594"/>
+          </a:xfrm>
+          <a:prstGeom prst="line">
+            <a:avLst/>
+          </a:prstGeom>
+        </p:spPr>
+        <p:style>
+          <a:lnRef idx="2">
+            <a:schemeClr val="dk1"/>
+          </a:lnRef>
+          <a:fillRef idx="0">
+            <a:schemeClr val="dk1"/>
+          </a:fillRef>
+          <a:effectRef idx="1">
+            <a:schemeClr val="dk1"/>
+          </a:effectRef>
+          <a:fontRef idx="minor">
+            <a:schemeClr val="tx1"/>
+          </a:fontRef>
+        </p:style>
+      </p:cxnSp>
+      <p:sp>
+        <p:nvSpPr>
+          <p:cNvPr id="13" name="ZoneTexte 12">
+            <a:extLst>
+              <a:ext uri="{FF2B5EF4-FFF2-40B4-BE49-F238E27FC236}">
+                <a16:creationId xmlns:a16="http://schemas.microsoft.com/office/drawing/2014/main" id="{C5794159-F218-B93F-C986-40C82EB19328}"/>
+              </a:ext>
+            </a:extLst>
+          </p:cNvPr>
+          <p:cNvSpPr txBox="1"/>
+          <p:nvPr/>
+        </p:nvSpPr>
+        <p:spPr>
+          <a:xfrm>
+            <a:off x="1564168" y="1861551"/>
+            <a:ext cx="954107" cy="369332"/>
+          </a:xfrm>
+          <a:prstGeom prst="rect">
+            <a:avLst/>
+          </a:prstGeom>
+          <a:noFill/>
+        </p:spPr>
+        <p:txBody>
+          <a:bodyPr wrap="none" rtlCol="0">
+            <a:spAutoFit/>
+          </a:bodyPr>
+          <a:lstStyle/>
+          <a:p>
+            <a:r>
+              <a:rPr lang="fr-FR" b="1" u="sng" dirty="0"/>
+              <a:t>Cookies</a:t>
+            </a:r>
+          </a:p>
+        </p:txBody>
+      </p:sp>
+      <p:sp>
+        <p:nvSpPr>
+          <p:cNvPr id="15" name="ZoneTexte 14">
+            <a:extLst>
+              <a:ext uri="{FF2B5EF4-FFF2-40B4-BE49-F238E27FC236}">
+                <a16:creationId xmlns:a16="http://schemas.microsoft.com/office/drawing/2014/main" id="{C548A19B-8A8D-4674-33DC-5CDD453D435C}"/>
+              </a:ext>
+            </a:extLst>
+          </p:cNvPr>
+          <p:cNvSpPr txBox="1"/>
+          <p:nvPr/>
+        </p:nvSpPr>
+        <p:spPr>
+          <a:xfrm>
+            <a:off x="5230208" y="1855171"/>
+            <a:ext cx="1450782" cy="369332"/>
+          </a:xfrm>
+          <a:prstGeom prst="rect">
+            <a:avLst/>
+          </a:prstGeom>
+          <a:noFill/>
+        </p:spPr>
+        <p:txBody>
+          <a:bodyPr wrap="none" rtlCol="0">
+            <a:spAutoFit/>
+          </a:bodyPr>
+          <a:lstStyle/>
+          <a:p>
+            <a:r>
+              <a:rPr lang="fr-FR" b="1" u="sng" dirty="0" err="1"/>
+              <a:t>LocalStorage</a:t>
+            </a:r>
+            <a:endParaRPr lang="fr-FR" b="1" u="sng" dirty="0"/>
+          </a:p>
+        </p:txBody>
+      </p:sp>
+      <p:sp>
+        <p:nvSpPr>
+          <p:cNvPr id="17" name="ZoneTexte 16">
+            <a:extLst>
+              <a:ext uri="{FF2B5EF4-FFF2-40B4-BE49-F238E27FC236}">
+                <a16:creationId xmlns:a16="http://schemas.microsoft.com/office/drawing/2014/main" id="{60A0C096-1C81-CFCA-6BE5-7C97EA2F9019}"/>
+              </a:ext>
+            </a:extLst>
+          </p:cNvPr>
+          <p:cNvSpPr txBox="1"/>
+          <p:nvPr/>
+        </p:nvSpPr>
+        <p:spPr>
+          <a:xfrm>
+            <a:off x="8980249" y="1861551"/>
+            <a:ext cx="1699248" cy="369332"/>
+          </a:xfrm>
+          <a:prstGeom prst="rect">
+            <a:avLst/>
+          </a:prstGeom>
+          <a:noFill/>
+        </p:spPr>
+        <p:txBody>
+          <a:bodyPr wrap="none" rtlCol="0">
+            <a:spAutoFit/>
+          </a:bodyPr>
+          <a:lstStyle/>
+          <a:p>
+            <a:r>
+              <a:rPr lang="fr-FR" b="1" u="sng" dirty="0" err="1"/>
+              <a:t>SessionStorage</a:t>
+            </a:r>
+            <a:endParaRPr lang="fr-FR" b="1" u="sng" dirty="0"/>
+          </a:p>
+        </p:txBody>
+      </p:sp>
+      <p:sp>
+        <p:nvSpPr>
+          <p:cNvPr id="18" name="ZoneTexte 17">
+            <a:extLst>
+              <a:ext uri="{FF2B5EF4-FFF2-40B4-BE49-F238E27FC236}">
+                <a16:creationId xmlns:a16="http://schemas.microsoft.com/office/drawing/2014/main" id="{FC6D1065-B061-01E6-3218-302195D8020A}"/>
+              </a:ext>
+            </a:extLst>
+          </p:cNvPr>
+          <p:cNvSpPr txBox="1"/>
+          <p:nvPr/>
+        </p:nvSpPr>
+        <p:spPr>
+          <a:xfrm>
+            <a:off x="696319" y="2249217"/>
+            <a:ext cx="3087499" cy="369332"/>
+          </a:xfrm>
+          <a:prstGeom prst="rect">
+            <a:avLst/>
+          </a:prstGeom>
+          <a:noFill/>
+        </p:spPr>
+        <p:txBody>
+          <a:bodyPr wrap="square" rtlCol="0">
+            <a:spAutoFit/>
+          </a:bodyPr>
+          <a:lstStyle/>
+          <a:p>
+            <a:r>
+              <a:rPr lang="fr-FR" dirty="0"/>
+              <a:t>Stockage limité environs 4Ko</a:t>
+            </a:r>
+          </a:p>
+        </p:txBody>
+      </p:sp>
+      <p:sp>
+        <p:nvSpPr>
+          <p:cNvPr id="25" name="ZoneTexte 24">
+            <a:extLst>
+              <a:ext uri="{FF2B5EF4-FFF2-40B4-BE49-F238E27FC236}">
+                <a16:creationId xmlns:a16="http://schemas.microsoft.com/office/drawing/2014/main" id="{372BE74A-4175-3594-5ED0-285435A60EFA}"/>
+              </a:ext>
+            </a:extLst>
+          </p:cNvPr>
+          <p:cNvSpPr txBox="1"/>
+          <p:nvPr/>
+        </p:nvSpPr>
+        <p:spPr>
+          <a:xfrm>
+            <a:off x="4055087" y="2249217"/>
+            <a:ext cx="4011552" cy="369332"/>
+          </a:xfrm>
+          <a:prstGeom prst="rect">
+            <a:avLst/>
+          </a:prstGeom>
+          <a:noFill/>
+        </p:spPr>
+        <p:txBody>
+          <a:bodyPr wrap="square" rtlCol="0">
+            <a:spAutoFit/>
+          </a:bodyPr>
+          <a:lstStyle/>
+          <a:p>
+            <a:r>
+              <a:rPr lang="fr-FR" dirty="0"/>
+              <a:t>Stockage jusqu’à plusieurs mégaoctets.</a:t>
+            </a:r>
+          </a:p>
+        </p:txBody>
+      </p:sp>
+      <p:sp>
+        <p:nvSpPr>
+          <p:cNvPr id="26" name="ZoneTexte 25">
+            <a:extLst>
+              <a:ext uri="{FF2B5EF4-FFF2-40B4-BE49-F238E27FC236}">
+                <a16:creationId xmlns:a16="http://schemas.microsoft.com/office/drawing/2014/main" id="{ADE84EE2-1CBB-A86A-316D-8D7F2A9E9D2D}"/>
+              </a:ext>
+            </a:extLst>
+          </p:cNvPr>
+          <p:cNvSpPr txBox="1"/>
+          <p:nvPr/>
+        </p:nvSpPr>
+        <p:spPr>
+          <a:xfrm>
+            <a:off x="8207192" y="2260717"/>
+            <a:ext cx="4055081" cy="369332"/>
+          </a:xfrm>
+          <a:prstGeom prst="rect">
+            <a:avLst/>
+          </a:prstGeom>
+          <a:noFill/>
+        </p:spPr>
+        <p:txBody>
+          <a:bodyPr wrap="square" rtlCol="0">
+            <a:spAutoFit/>
+          </a:bodyPr>
+          <a:lstStyle/>
+          <a:p>
+            <a:r>
+              <a:rPr lang="fr-FR" dirty="0"/>
+              <a:t>Stockage jusqu’à plusieurs mégaoctets.</a:t>
+            </a:r>
+          </a:p>
+        </p:txBody>
+      </p:sp>
+      <p:sp>
+        <p:nvSpPr>
+          <p:cNvPr id="27" name="ZoneTexte 26">
+            <a:extLst>
+              <a:ext uri="{FF2B5EF4-FFF2-40B4-BE49-F238E27FC236}">
+                <a16:creationId xmlns:a16="http://schemas.microsoft.com/office/drawing/2014/main" id="{91D711DB-F6FA-46D1-D92E-03F672C085B2}"/>
+              </a:ext>
+            </a:extLst>
+          </p:cNvPr>
+          <p:cNvSpPr txBox="1"/>
+          <p:nvPr/>
+        </p:nvSpPr>
+        <p:spPr>
+          <a:xfrm>
+            <a:off x="593109" y="3130406"/>
+            <a:ext cx="3156318" cy="646331"/>
+          </a:xfrm>
+          <a:prstGeom prst="rect">
+            <a:avLst/>
+          </a:prstGeom>
+          <a:noFill/>
+        </p:spPr>
+        <p:txBody>
+          <a:bodyPr wrap="square" rtlCol="0">
+            <a:spAutoFit/>
+          </a:bodyPr>
+          <a:lstStyle/>
+          <a:p>
+            <a:pPr algn="ctr"/>
+            <a:r>
+              <a:rPr lang="fr-FR" dirty="0"/>
+              <a:t>Durée de vie définie lors de la création (expires).</a:t>
+            </a:r>
+          </a:p>
+        </p:txBody>
+      </p:sp>
+      <p:sp>
+        <p:nvSpPr>
+          <p:cNvPr id="28" name="ZoneTexte 27">
+            <a:extLst>
+              <a:ext uri="{FF2B5EF4-FFF2-40B4-BE49-F238E27FC236}">
+                <a16:creationId xmlns:a16="http://schemas.microsoft.com/office/drawing/2014/main" id="{1257C5D0-55F2-BB55-CBD9-6BBB031A1228}"/>
+              </a:ext>
+            </a:extLst>
+          </p:cNvPr>
+          <p:cNvSpPr txBox="1"/>
+          <p:nvPr/>
+        </p:nvSpPr>
+        <p:spPr>
+          <a:xfrm>
+            <a:off x="3936657" y="3039759"/>
+            <a:ext cx="4248411" cy="646331"/>
+          </a:xfrm>
+          <a:prstGeom prst="rect">
+            <a:avLst/>
+          </a:prstGeom>
+          <a:noFill/>
+        </p:spPr>
+        <p:txBody>
+          <a:bodyPr wrap="square" rtlCol="0">
+            <a:spAutoFit/>
+          </a:bodyPr>
+          <a:lstStyle/>
+          <a:p>
+            <a:r>
+              <a:rPr lang="fr-FR" dirty="0"/>
+              <a:t>Persiste après la fermeture du navigateur, jusqu’à ce qu’il soit explicitement effacé.</a:t>
+            </a:r>
+          </a:p>
+        </p:txBody>
+      </p:sp>
+      <p:sp>
+        <p:nvSpPr>
+          <p:cNvPr id="29" name="ZoneTexte 28">
+            <a:extLst>
+              <a:ext uri="{FF2B5EF4-FFF2-40B4-BE49-F238E27FC236}">
+                <a16:creationId xmlns:a16="http://schemas.microsoft.com/office/drawing/2014/main" id="{15EFFD1A-94D7-0786-27D5-63302948BA78}"/>
+              </a:ext>
+            </a:extLst>
+          </p:cNvPr>
+          <p:cNvSpPr txBox="1"/>
+          <p:nvPr/>
+        </p:nvSpPr>
+        <p:spPr>
+          <a:xfrm>
+            <a:off x="8483410" y="3153406"/>
+            <a:ext cx="3592357" cy="369332"/>
+          </a:xfrm>
+          <a:prstGeom prst="rect">
+            <a:avLst/>
+          </a:prstGeom>
+          <a:noFill/>
+        </p:spPr>
+        <p:txBody>
+          <a:bodyPr wrap="square" rtlCol="0">
+            <a:spAutoFit/>
+          </a:bodyPr>
+          <a:lstStyle/>
+          <a:p>
+            <a:r>
+              <a:rPr lang="fr-FR" dirty="0"/>
+              <a:t>Limité à la durée de vie de l’onglet. </a:t>
+            </a:r>
+          </a:p>
+        </p:txBody>
+      </p:sp>
+      <p:sp>
+        <p:nvSpPr>
+          <p:cNvPr id="30" name="ZoneTexte 29">
+            <a:extLst>
+              <a:ext uri="{FF2B5EF4-FFF2-40B4-BE49-F238E27FC236}">
+                <a16:creationId xmlns:a16="http://schemas.microsoft.com/office/drawing/2014/main" id="{A49E7A1A-FE09-BE12-A797-ACC67AD83BEC}"/>
+              </a:ext>
+            </a:extLst>
+          </p:cNvPr>
+          <p:cNvSpPr txBox="1"/>
+          <p:nvPr/>
+        </p:nvSpPr>
+        <p:spPr>
+          <a:xfrm>
+            <a:off x="454659" y="4132620"/>
+            <a:ext cx="3329159" cy="369332"/>
+          </a:xfrm>
+          <a:prstGeom prst="rect">
+            <a:avLst/>
+          </a:prstGeom>
+          <a:noFill/>
+        </p:spPr>
+        <p:txBody>
+          <a:bodyPr wrap="square" rtlCol="0">
+            <a:spAutoFit/>
+          </a:bodyPr>
+          <a:lstStyle/>
+          <a:p>
+            <a:r>
+              <a:rPr lang="fr-FR" dirty="0"/>
+              <a:t>Accessible coté client et serveur. </a:t>
+            </a:r>
+          </a:p>
+        </p:txBody>
+      </p:sp>
+      <p:sp>
+        <p:nvSpPr>
+          <p:cNvPr id="31" name="ZoneTexte 30">
+            <a:extLst>
+              <a:ext uri="{FF2B5EF4-FFF2-40B4-BE49-F238E27FC236}">
+                <a16:creationId xmlns:a16="http://schemas.microsoft.com/office/drawing/2014/main" id="{016EE445-98CA-956E-A418-3C8F50AD66D0}"/>
+              </a:ext>
+            </a:extLst>
+          </p:cNvPr>
+          <p:cNvSpPr txBox="1"/>
+          <p:nvPr/>
+        </p:nvSpPr>
+        <p:spPr>
+          <a:xfrm>
+            <a:off x="4216330" y="4154358"/>
+            <a:ext cx="3574091" cy="646331"/>
+          </a:xfrm>
+          <a:prstGeom prst="rect">
+            <a:avLst/>
+          </a:prstGeom>
+          <a:noFill/>
+        </p:spPr>
+        <p:txBody>
+          <a:bodyPr wrap="square" rtlCol="0">
+            <a:spAutoFit/>
+          </a:bodyPr>
+          <a:lstStyle/>
+          <a:p>
+            <a:r>
+              <a:rPr lang="fr-FR" dirty="0"/>
+              <a:t>Accessible uniquement  coté client. </a:t>
+            </a:r>
+          </a:p>
+        </p:txBody>
+      </p:sp>
+      <p:sp>
+        <p:nvSpPr>
+          <p:cNvPr id="32" name="ZoneTexte 31">
+            <a:extLst>
+              <a:ext uri="{FF2B5EF4-FFF2-40B4-BE49-F238E27FC236}">
+                <a16:creationId xmlns:a16="http://schemas.microsoft.com/office/drawing/2014/main" id="{2B807861-D057-48A2-42E3-F22654ACDEB6}"/>
+              </a:ext>
+            </a:extLst>
+          </p:cNvPr>
+          <p:cNvSpPr txBox="1"/>
+          <p:nvPr/>
+        </p:nvSpPr>
+        <p:spPr>
+          <a:xfrm>
+            <a:off x="8426625" y="4154358"/>
+            <a:ext cx="3835648" cy="369332"/>
+          </a:xfrm>
+          <a:prstGeom prst="rect">
+            <a:avLst/>
+          </a:prstGeom>
+          <a:noFill/>
+        </p:spPr>
+        <p:txBody>
+          <a:bodyPr wrap="square" rtlCol="0">
+            <a:spAutoFit/>
+          </a:bodyPr>
+          <a:lstStyle/>
+          <a:p>
+            <a:r>
+              <a:rPr lang="fr-FR" dirty="0"/>
+              <a:t>Accessible uniquement  coté client. </a:t>
+            </a:r>
+          </a:p>
+        </p:txBody>
+      </p:sp>
+      <p:sp>
+        <p:nvSpPr>
+          <p:cNvPr id="33" name="ZoneTexte 32">
+            <a:extLst>
+              <a:ext uri="{FF2B5EF4-FFF2-40B4-BE49-F238E27FC236}">
+                <a16:creationId xmlns:a16="http://schemas.microsoft.com/office/drawing/2014/main" id="{0DAA4D47-B260-8C75-E88C-0C0D03F57F37}"/>
+              </a:ext>
+            </a:extLst>
+          </p:cNvPr>
+          <p:cNvSpPr txBox="1"/>
+          <p:nvPr/>
+        </p:nvSpPr>
+        <p:spPr>
+          <a:xfrm>
+            <a:off x="82358" y="5120641"/>
+            <a:ext cx="3791883" cy="646331"/>
+          </a:xfrm>
+          <a:prstGeom prst="rect">
+            <a:avLst/>
+          </a:prstGeom>
+          <a:noFill/>
+        </p:spPr>
+        <p:txBody>
+          <a:bodyPr wrap="square" rtlCol="0">
+            <a:spAutoFit/>
+          </a:bodyPr>
+          <a:lstStyle/>
+          <a:p>
+            <a:pPr algn="ctr"/>
+            <a:r>
+              <a:rPr lang="fr-FR" dirty="0"/>
+              <a:t>Accessible sur tous les onglets d’une même origine. </a:t>
+            </a:r>
+          </a:p>
+        </p:txBody>
+      </p:sp>
+      <p:sp>
+        <p:nvSpPr>
+          <p:cNvPr id="34" name="ZoneTexte 33">
+            <a:extLst>
+              <a:ext uri="{FF2B5EF4-FFF2-40B4-BE49-F238E27FC236}">
+                <a16:creationId xmlns:a16="http://schemas.microsoft.com/office/drawing/2014/main" id="{04F360E5-F156-FBDF-2B8A-7EB4A5EE6E27}"/>
+              </a:ext>
+            </a:extLst>
+          </p:cNvPr>
+          <p:cNvSpPr txBox="1"/>
+          <p:nvPr/>
+        </p:nvSpPr>
+        <p:spPr>
+          <a:xfrm>
+            <a:off x="4055086" y="5120640"/>
+            <a:ext cx="4197389" cy="646331"/>
+          </a:xfrm>
+          <a:prstGeom prst="rect">
+            <a:avLst/>
+          </a:prstGeom>
+          <a:noFill/>
+        </p:spPr>
+        <p:txBody>
+          <a:bodyPr wrap="square" rtlCol="0">
+            <a:spAutoFit/>
+          </a:bodyPr>
+          <a:lstStyle/>
+          <a:p>
+            <a:pPr algn="ctr"/>
+            <a:r>
+              <a:rPr lang="fr-FR" dirty="0"/>
+              <a:t>Accessible sur tous les onglets d’une même origine. </a:t>
+            </a:r>
+          </a:p>
+        </p:txBody>
+      </p:sp>
+      <p:sp>
+        <p:nvSpPr>
+          <p:cNvPr id="35" name="ZoneTexte 34">
+            <a:extLst>
+              <a:ext uri="{FF2B5EF4-FFF2-40B4-BE49-F238E27FC236}">
+                <a16:creationId xmlns:a16="http://schemas.microsoft.com/office/drawing/2014/main" id="{A7A30F07-E02E-6CE8-32CD-5933A25E64D8}"/>
+              </a:ext>
+            </a:extLst>
+          </p:cNvPr>
+          <p:cNvSpPr txBox="1"/>
+          <p:nvPr/>
+        </p:nvSpPr>
+        <p:spPr>
+          <a:xfrm>
+            <a:off x="8980249" y="5147900"/>
+            <a:ext cx="2897105" cy="369332"/>
+          </a:xfrm>
+          <a:prstGeom prst="rect">
+            <a:avLst/>
+          </a:prstGeom>
+          <a:noFill/>
+        </p:spPr>
+        <p:txBody>
+          <a:bodyPr wrap="square" rtlCol="0">
+            <a:spAutoFit/>
+          </a:bodyPr>
+          <a:lstStyle/>
+          <a:p>
+            <a:r>
+              <a:rPr lang="fr-FR" dirty="0"/>
+              <a:t>Limité à un seul onglet. </a:t>
+            </a:r>
+          </a:p>
+        </p:txBody>
+      </p:sp>
+    </p:spTree>
+    <p:extLst>
+      <p:ext uri="{BB962C8B-B14F-4D97-AF65-F5344CB8AC3E}">
+        <p14:creationId xmlns:p14="http://schemas.microsoft.com/office/powerpoint/2010/main" val="1098382360"/>
+      </p:ext>
+    </p:extLst>
+  </p:cSld>
+  <p:clrMapOvr>
+    <a:masterClrMapping/>
+  </p:clrMapOvr>
+</p:sld>
+</file>
+
 <file path=ppt/slides/slide12.xml><?xml version="1.0" encoding="utf-8"?>
 <p:sld xmlns:a="http://schemas.openxmlformats.org/drawingml/2006/main" xmlns:r="http://schemas.openxmlformats.org/officeDocument/2006/relationships" xmlns:p="http://schemas.openxmlformats.org/presentationml/2006/main">
   <p:cSld>
@@ -8456,6 +10572,179 @@
     <p:extLst>
       <p:ext uri="{BB962C8B-B14F-4D97-AF65-F5344CB8AC3E}">
         <p14:creationId xmlns:p14="http://schemas.microsoft.com/office/powerpoint/2010/main" val="2013872514"/>
+      </p:ext>
+    </p:extLst>
+  </p:cSld>
+  <p:clrMapOvr>
+    <a:masterClrMapping/>
+  </p:clrMapOvr>
+</p:sld>
+</file>
+
+<file path=ppt/slides/slide120.xml><?xml version="1.0" encoding="utf-8"?>
+<p:sld xmlns:a="http://schemas.openxmlformats.org/drawingml/2006/main" xmlns:r="http://schemas.openxmlformats.org/officeDocument/2006/relationships" xmlns:p="http://schemas.openxmlformats.org/presentationml/2006/main">
+  <p:cSld>
+    <p:spTree>
+      <p:nvGrpSpPr>
+        <p:cNvPr id="1" name=""/>
+        <p:cNvGrpSpPr/>
+        <p:nvPr/>
+      </p:nvGrpSpPr>
+      <p:grpSpPr>
+        <a:xfrm>
+          <a:off x="0" y="0"/>
+          <a:ext cx="0" cy="0"/>
+          <a:chOff x="0" y="0"/>
+          <a:chExt cx="0" cy="0"/>
+        </a:xfrm>
+      </p:grpSpPr>
+      <p:sp>
+        <p:nvSpPr>
+          <p:cNvPr id="3" name="Titre 1">
+            <a:extLst>
+              <a:ext uri="{FF2B5EF4-FFF2-40B4-BE49-F238E27FC236}">
+                <a16:creationId xmlns:a16="http://schemas.microsoft.com/office/drawing/2014/main" id="{E7373E66-041F-37D5-0ADF-25BA87ABC979}"/>
+              </a:ext>
+            </a:extLst>
+          </p:cNvPr>
+          <p:cNvSpPr>
+            <a:spLocks noGrp="1"/>
+          </p:cNvSpPr>
+          <p:nvPr>
+            <p:ph type="title"/>
+          </p:nvPr>
+        </p:nvSpPr>
+        <p:spPr>
+          <a:xfrm>
+            <a:off x="1097279" y="286603"/>
+            <a:ext cx="11167425" cy="1450757"/>
+          </a:xfrm>
+        </p:spPr>
+        <p:txBody>
+          <a:bodyPr>
+            <a:normAutofit/>
+          </a:bodyPr>
+          <a:lstStyle/>
+          <a:p>
+            <a:r>
+              <a:rPr lang="fr-FR" dirty="0"/>
+              <a:t>XII- Stocker des données  </a:t>
+            </a:r>
+            <a:br>
+              <a:rPr lang="fr-FR" dirty="0"/>
+            </a:br>
+            <a:r>
+              <a:rPr lang="fr-FR" dirty="0"/>
+              <a:t>	</a:t>
+            </a:r>
+            <a:r>
+              <a:rPr lang="fr-FR" sz="3600" i="1" dirty="0"/>
+              <a:t>  2. </a:t>
+            </a:r>
+            <a:r>
+              <a:rPr lang="fr-FR" sz="3600" i="1" dirty="0" err="1"/>
+              <a:t>LocalStorage</a:t>
+            </a:r>
+            <a:r>
+              <a:rPr lang="fr-FR" sz="3600" i="1" dirty="0"/>
+              <a:t> &amp; </a:t>
+            </a:r>
+            <a:r>
+              <a:rPr lang="fr-FR" sz="3600" i="1" dirty="0" err="1"/>
+              <a:t>SessionStorage</a:t>
+            </a:r>
+            <a:r>
+              <a:rPr lang="fr-FR" sz="3600" i="1" dirty="0"/>
+              <a:t> </a:t>
+            </a:r>
+          </a:p>
+        </p:txBody>
+      </p:sp>
+      <p:sp>
+        <p:nvSpPr>
+          <p:cNvPr id="5" name="ZoneTexte 4">
+            <a:extLst>
+              <a:ext uri="{FF2B5EF4-FFF2-40B4-BE49-F238E27FC236}">
+                <a16:creationId xmlns:a16="http://schemas.microsoft.com/office/drawing/2014/main" id="{ABC507A4-5782-8551-CCC2-B957C6BF7E2B}"/>
+              </a:ext>
+            </a:extLst>
+          </p:cNvPr>
+          <p:cNvSpPr txBox="1"/>
+          <p:nvPr/>
+        </p:nvSpPr>
+        <p:spPr>
+          <a:xfrm>
+            <a:off x="239367" y="3861024"/>
+            <a:ext cx="10855354" cy="646331"/>
+          </a:xfrm>
+          <a:prstGeom prst="rect">
+            <a:avLst/>
+          </a:prstGeom>
+          <a:noFill/>
+        </p:spPr>
+        <p:txBody>
+          <a:bodyPr wrap="square" rtlCol="0">
+            <a:spAutoFit/>
+          </a:bodyPr>
+          <a:lstStyle/>
+          <a:p>
+            <a:br>
+              <a:rPr lang="fr-FR" b="0" dirty="0">
+                <a:effectLst/>
+              </a:rPr>
+            </a:br>
+            <a:endParaRPr lang="fr-FR" dirty="0"/>
+          </a:p>
+        </p:txBody>
+      </p:sp>
+      <p:sp>
+        <p:nvSpPr>
+          <p:cNvPr id="25" name="ZoneTexte 24">
+            <a:extLst>
+              <a:ext uri="{FF2B5EF4-FFF2-40B4-BE49-F238E27FC236}">
+                <a16:creationId xmlns:a16="http://schemas.microsoft.com/office/drawing/2014/main" id="{ABF1DF41-853A-1226-A4B2-1047A425F682}"/>
+              </a:ext>
+            </a:extLst>
+          </p:cNvPr>
+          <p:cNvSpPr txBox="1"/>
+          <p:nvPr/>
+        </p:nvSpPr>
+        <p:spPr>
+          <a:xfrm>
+            <a:off x="1097279" y="2996976"/>
+            <a:ext cx="10284902" cy="1815882"/>
+          </a:xfrm>
+          <a:prstGeom prst="rect">
+            <a:avLst/>
+          </a:prstGeom>
+          <a:noFill/>
+        </p:spPr>
+        <p:txBody>
+          <a:bodyPr wrap="square" rtlCol="0">
+            <a:spAutoFit/>
+          </a:bodyPr>
+          <a:lstStyle/>
+          <a:p>
+            <a:r>
+              <a:rPr lang="fr-FR" sz="2800" dirty="0"/>
+              <a:t>Exercice: </a:t>
+            </a:r>
+          </a:p>
+          <a:p>
+            <a:endParaRPr lang="fr-FR" sz="2800" dirty="0"/>
+          </a:p>
+          <a:p>
+            <a:r>
+              <a:rPr lang="fr-FR" sz="2800" dirty="0"/>
+              <a:t>Réaliser un bouton qui permet de passer en mode sombre et qui se souvient de la dernière préférence choisie</a:t>
+            </a:r>
+          </a:p>
+        </p:txBody>
+      </p:sp>
+    </p:spTree>
+    <p:extLst>
+      <p:ext uri="{BB962C8B-B14F-4D97-AF65-F5344CB8AC3E}">
+        <p14:creationId xmlns:p14="http://schemas.microsoft.com/office/powerpoint/2010/main" val="3135482171"/>
       </p:ext>
     </p:extLst>
   </p:cSld>
